--- a/Compiled graphs.pptx
+++ b/Compiled graphs.pptx
@@ -8,6 +8,7 @@
     <p:sldId id="257" r:id="rId2"/>
     <p:sldId id="258" r:id="rId3"/>
     <p:sldId id="259" r:id="rId4"/>
+    <p:sldId id="260" r:id="rId5"/>
   </p:sldIdLst>
   <p:sldSz cx="12192000" cy="6858000"/>
   <p:notesSz cx="6858000" cy="9144000"/>
@@ -114,8 +115,57 @@
 </p:presentation>
 </file>
 
-<file path=ppt/revisionInfo.xml><?xml version="1.0" encoding="utf-8"?>
-<p1510:revInfo xmlns:a="http://schemas.openxmlformats.org/drawingml/2006/main" xmlns:r="http://schemas.openxmlformats.org/officeDocument/2006/relationships" xmlns:p1510="http://schemas.microsoft.com/office/powerpoint/2015/10/main"/>
+<file path=ppt/changesInfos/changesInfo1.xml><?xml version="1.0" encoding="utf-8"?>
+<pc:chgInfo xmlns:a="http://schemas.openxmlformats.org/drawingml/2006/main" xmlns:r="http://schemas.openxmlformats.org/officeDocument/2006/relationships" xmlns:ac="http://schemas.microsoft.com/office/drawing/2013/main/command" xmlns:pc="http://schemas.microsoft.com/office/powerpoint/2013/main/command">
+  <pc:docChgLst>
+    <pc:chgData name="elliot kerman" userId="e77916c079d5c398" providerId="LiveId" clId="{E9A59B98-73E9-46E2-9F2A-2B338CC86AD1}"/>
+    <pc:docChg chg="addSld modSld">
+      <pc:chgData name="elliot kerman" userId="e77916c079d5c398" providerId="LiveId" clId="{E9A59B98-73E9-46E2-9F2A-2B338CC86AD1}" dt="2018-03-06T12:41:36.784" v="148" actId="1076"/>
+      <pc:docMkLst>
+        <pc:docMk/>
+      </pc:docMkLst>
+      <pc:sldChg chg="addSp modSp add">
+        <pc:chgData name="elliot kerman" userId="e77916c079d5c398" providerId="LiveId" clId="{E9A59B98-73E9-46E2-9F2A-2B338CC86AD1}" dt="2018-03-06T12:41:36.784" v="148" actId="1076"/>
+        <pc:sldMkLst>
+          <pc:docMk/>
+          <pc:sldMk cId="3374592240" sldId="260"/>
+        </pc:sldMkLst>
+        <pc:spChg chg="add mod">
+          <ac:chgData name="elliot kerman" userId="e77916c079d5c398" providerId="LiveId" clId="{E9A59B98-73E9-46E2-9F2A-2B338CC86AD1}" dt="2018-03-06T12:40:04.450" v="132" actId="403"/>
+          <ac:spMkLst>
+            <pc:docMk/>
+            <pc:sldMk cId="3374592240" sldId="260"/>
+            <ac:spMk id="2" creationId="{298F0E77-77F8-43AC-87BE-EB664C61B6FA}"/>
+          </ac:spMkLst>
+        </pc:spChg>
+        <pc:picChg chg="add mod">
+          <ac:chgData name="elliot kerman" userId="e77916c079d5c398" providerId="LiveId" clId="{E9A59B98-73E9-46E2-9F2A-2B338CC86AD1}" dt="2018-03-06T12:41:16.566" v="146" actId="1076"/>
+          <ac:picMkLst>
+            <pc:docMk/>
+            <pc:sldMk cId="3374592240" sldId="260"/>
+            <ac:picMk id="4" creationId="{27F43D92-1267-4F21-9530-C22DFD18E373}"/>
+          </ac:picMkLst>
+        </pc:picChg>
+        <pc:picChg chg="add mod">
+          <ac:chgData name="elliot kerman" userId="e77916c079d5c398" providerId="LiveId" clId="{E9A59B98-73E9-46E2-9F2A-2B338CC86AD1}" dt="2018-03-06T12:41:36.784" v="148" actId="1076"/>
+          <ac:picMkLst>
+            <pc:docMk/>
+            <pc:sldMk cId="3374592240" sldId="260"/>
+            <ac:picMk id="6" creationId="{B2394BB3-2377-4684-A514-D367BE4DF616}"/>
+          </ac:picMkLst>
+        </pc:picChg>
+        <pc:picChg chg="add mod">
+          <ac:chgData name="elliot kerman" userId="e77916c079d5c398" providerId="LiveId" clId="{E9A59B98-73E9-46E2-9F2A-2B338CC86AD1}" dt="2018-03-06T12:41:19.356" v="147" actId="1076"/>
+          <ac:picMkLst>
+            <pc:docMk/>
+            <pc:sldMk cId="3374592240" sldId="260"/>
+            <ac:picMk id="8" creationId="{13CBC6F0-B9CD-4CED-A2FB-3F488CC0C250}"/>
+          </ac:picMkLst>
+        </pc:picChg>
+      </pc:sldChg>
+    </pc:docChg>
+  </pc:docChgLst>
+</pc:chgInfo>
 </file>
 
 <file path=ppt/slideLayouts/slideLayout1.xml><?xml version="1.0" encoding="utf-8"?>
@@ -267,7 +317,7 @@
           <a:p>
             <a:fld id="{F999EE6D-E52B-45B7-B943-4C650C77E21B}" type="datetimeFigureOut">
               <a:rPr lang="en-GB" smtClean="0"/>
-              <a:t>01/03/2018</a:t>
+              <a:t>06/03/2018</a:t>
             </a:fld>
             <a:endParaRPr lang="en-GB"/>
           </a:p>
@@ -467,7 +517,7 @@
           <a:p>
             <a:fld id="{F999EE6D-E52B-45B7-B943-4C650C77E21B}" type="datetimeFigureOut">
               <a:rPr lang="en-GB" smtClean="0"/>
-              <a:t>01/03/2018</a:t>
+              <a:t>06/03/2018</a:t>
             </a:fld>
             <a:endParaRPr lang="en-GB"/>
           </a:p>
@@ -677,7 +727,7 @@
           <a:p>
             <a:fld id="{F999EE6D-E52B-45B7-B943-4C650C77E21B}" type="datetimeFigureOut">
               <a:rPr lang="en-GB" smtClean="0"/>
-              <a:t>01/03/2018</a:t>
+              <a:t>06/03/2018</a:t>
             </a:fld>
             <a:endParaRPr lang="en-GB"/>
           </a:p>
@@ -877,7 +927,7 @@
           <a:p>
             <a:fld id="{F999EE6D-E52B-45B7-B943-4C650C77E21B}" type="datetimeFigureOut">
               <a:rPr lang="en-GB" smtClean="0"/>
-              <a:t>01/03/2018</a:t>
+              <a:t>06/03/2018</a:t>
             </a:fld>
             <a:endParaRPr lang="en-GB"/>
           </a:p>
@@ -1153,7 +1203,7 @@
           <a:p>
             <a:fld id="{F999EE6D-E52B-45B7-B943-4C650C77E21B}" type="datetimeFigureOut">
               <a:rPr lang="en-GB" smtClean="0"/>
-              <a:t>01/03/2018</a:t>
+              <a:t>06/03/2018</a:t>
             </a:fld>
             <a:endParaRPr lang="en-GB"/>
           </a:p>
@@ -1421,7 +1471,7 @@
           <a:p>
             <a:fld id="{F999EE6D-E52B-45B7-B943-4C650C77E21B}" type="datetimeFigureOut">
               <a:rPr lang="en-GB" smtClean="0"/>
-              <a:t>01/03/2018</a:t>
+              <a:t>06/03/2018</a:t>
             </a:fld>
             <a:endParaRPr lang="en-GB"/>
           </a:p>
@@ -1836,7 +1886,7 @@
           <a:p>
             <a:fld id="{F999EE6D-E52B-45B7-B943-4C650C77E21B}" type="datetimeFigureOut">
               <a:rPr lang="en-GB" smtClean="0"/>
-              <a:t>01/03/2018</a:t>
+              <a:t>06/03/2018</a:t>
             </a:fld>
             <a:endParaRPr lang="en-GB"/>
           </a:p>
@@ -1978,7 +2028,7 @@
           <a:p>
             <a:fld id="{F999EE6D-E52B-45B7-B943-4C650C77E21B}" type="datetimeFigureOut">
               <a:rPr lang="en-GB" smtClean="0"/>
-              <a:t>01/03/2018</a:t>
+              <a:t>06/03/2018</a:t>
             </a:fld>
             <a:endParaRPr lang="en-GB"/>
           </a:p>
@@ -2091,7 +2141,7 @@
           <a:p>
             <a:fld id="{F999EE6D-E52B-45B7-B943-4C650C77E21B}" type="datetimeFigureOut">
               <a:rPr lang="en-GB" smtClean="0"/>
-              <a:t>01/03/2018</a:t>
+              <a:t>06/03/2018</a:t>
             </a:fld>
             <a:endParaRPr lang="en-GB"/>
           </a:p>
@@ -2404,7 +2454,7 @@
           <a:p>
             <a:fld id="{F999EE6D-E52B-45B7-B943-4C650C77E21B}" type="datetimeFigureOut">
               <a:rPr lang="en-GB" smtClean="0"/>
-              <a:t>01/03/2018</a:t>
+              <a:t>06/03/2018</a:t>
             </a:fld>
             <a:endParaRPr lang="en-GB"/>
           </a:p>
@@ -2693,7 +2743,7 @@
           <a:p>
             <a:fld id="{F999EE6D-E52B-45B7-B943-4C650C77E21B}" type="datetimeFigureOut">
               <a:rPr lang="en-GB" smtClean="0"/>
-              <a:t>01/03/2018</a:t>
+              <a:t>06/03/2018</a:t>
             </a:fld>
             <a:endParaRPr lang="en-GB"/>
           </a:p>
@@ -2936,7 +2986,7 @@
           <a:p>
             <a:fld id="{F999EE6D-E52B-45B7-B943-4C650C77E21B}" type="datetimeFigureOut">
               <a:rPr lang="en-GB" smtClean="0"/>
-              <a:t>01/03/2018</a:t>
+              <a:t>06/03/2018</a:t>
             </a:fld>
             <a:endParaRPr lang="en-GB"/>
           </a:p>
@@ -4539,6 +4589,180 @@
 </p:sld>
 </file>
 
+<file path=ppt/slides/slide4.xml><?xml version="1.0" encoding="utf-8"?>
+<p:sld xmlns:a="http://schemas.openxmlformats.org/drawingml/2006/main" xmlns:r="http://schemas.openxmlformats.org/officeDocument/2006/relationships" xmlns:p="http://schemas.openxmlformats.org/presentationml/2006/main">
+  <p:cSld>
+    <p:spTree>
+      <p:nvGrpSpPr>
+        <p:cNvPr id="1" name=""/>
+        <p:cNvGrpSpPr/>
+        <p:nvPr/>
+      </p:nvGrpSpPr>
+      <p:grpSpPr>
+        <a:xfrm>
+          <a:off x="0" y="0"/>
+          <a:ext cx="0" cy="0"/>
+          <a:chOff x="0" y="0"/>
+          <a:chExt cx="0" cy="0"/>
+        </a:xfrm>
+      </p:grpSpPr>
+      <p:sp>
+        <p:nvSpPr>
+          <p:cNvPr id="2" name="TextBox 1">
+            <a:extLst>
+              <a:ext uri="{FF2B5EF4-FFF2-40B4-BE49-F238E27FC236}">
+                <a16:creationId xmlns:a16="http://schemas.microsoft.com/office/drawing/2014/main" id="{298F0E77-77F8-43AC-87BE-EB664C61B6FA}"/>
+              </a:ext>
+            </a:extLst>
+          </p:cNvPr>
+          <p:cNvSpPr txBox="1"/>
+          <p:nvPr/>
+        </p:nvSpPr>
+        <p:spPr>
+          <a:xfrm>
+            <a:off x="3260124" y="395416"/>
+            <a:ext cx="5671751" cy="954107"/>
+          </a:xfrm>
+          <a:prstGeom prst="rect">
+            <a:avLst/>
+          </a:prstGeom>
+          <a:noFill/>
+        </p:spPr>
+        <p:txBody>
+          <a:bodyPr wrap="square" rtlCol="0">
+            <a:spAutoFit/>
+          </a:bodyPr>
+          <a:lstStyle/>
+          <a:p>
+            <a:pPr algn="ctr"/>
+            <a:r>
+              <a:rPr lang="en-GB" sz="2800" dirty="0"/>
+              <a:t>CNN with 2 Convolutional layers and 2 fully connected layers</a:t>
+            </a:r>
+          </a:p>
+        </p:txBody>
+      </p:sp>
+      <p:pic>
+        <p:nvPicPr>
+          <p:cNvPr id="4" name="Picture 3">
+            <a:extLst>
+              <a:ext uri="{FF2B5EF4-FFF2-40B4-BE49-F238E27FC236}">
+                <a16:creationId xmlns:a16="http://schemas.microsoft.com/office/drawing/2014/main" id="{27F43D92-1267-4F21-9530-C22DFD18E373}"/>
+              </a:ext>
+            </a:extLst>
+          </p:cNvPr>
+          <p:cNvPicPr>
+            <a:picLocks noChangeAspect="1"/>
+          </p:cNvPicPr>
+          <p:nvPr/>
+        </p:nvPicPr>
+        <p:blipFill>
+          <a:blip r:embed="rId2">
+            <a:extLst>
+              <a:ext uri="{28A0092B-C50C-407E-A947-70E740481C1C}">
+                <a14:useLocalDpi xmlns:a14="http://schemas.microsoft.com/office/drawing/2010/main" val="0"/>
+              </a:ext>
+            </a:extLst>
+          </a:blip>
+          <a:stretch>
+            <a:fillRect/>
+          </a:stretch>
+        </p:blipFill>
+        <p:spPr>
+          <a:xfrm>
+            <a:off x="913291" y="1349522"/>
+            <a:ext cx="4009292" cy="2672861"/>
+          </a:xfrm>
+          <a:prstGeom prst="rect">
+            <a:avLst/>
+          </a:prstGeom>
+        </p:spPr>
+      </p:pic>
+      <p:pic>
+        <p:nvPicPr>
+          <p:cNvPr id="6" name="Picture 5">
+            <a:extLst>
+              <a:ext uri="{FF2B5EF4-FFF2-40B4-BE49-F238E27FC236}">
+                <a16:creationId xmlns:a16="http://schemas.microsoft.com/office/drawing/2014/main" id="{B2394BB3-2377-4684-A514-D367BE4DF616}"/>
+              </a:ext>
+            </a:extLst>
+          </p:cNvPr>
+          <p:cNvPicPr>
+            <a:picLocks noChangeAspect="1"/>
+          </p:cNvPicPr>
+          <p:nvPr/>
+        </p:nvPicPr>
+        <p:blipFill>
+          <a:blip r:embed="rId3">
+            <a:extLst>
+              <a:ext uri="{28A0092B-C50C-407E-A947-70E740481C1C}">
+                <a14:useLocalDpi xmlns:a14="http://schemas.microsoft.com/office/drawing/2010/main" val="0"/>
+              </a:ext>
+            </a:extLst>
+          </a:blip>
+          <a:stretch>
+            <a:fillRect/>
+          </a:stretch>
+        </p:blipFill>
+        <p:spPr>
+          <a:xfrm>
+            <a:off x="7269415" y="1349522"/>
+            <a:ext cx="4009292" cy="2672861"/>
+          </a:xfrm>
+          <a:prstGeom prst="rect">
+            <a:avLst/>
+          </a:prstGeom>
+        </p:spPr>
+      </p:pic>
+      <p:pic>
+        <p:nvPicPr>
+          <p:cNvPr id="8" name="Picture 7">
+            <a:extLst>
+              <a:ext uri="{FF2B5EF4-FFF2-40B4-BE49-F238E27FC236}">
+                <a16:creationId xmlns:a16="http://schemas.microsoft.com/office/drawing/2014/main" id="{13CBC6F0-B9CD-4CED-A2FB-3F488CC0C250}"/>
+              </a:ext>
+            </a:extLst>
+          </p:cNvPr>
+          <p:cNvPicPr>
+            <a:picLocks noChangeAspect="1"/>
+          </p:cNvPicPr>
+          <p:nvPr/>
+        </p:nvPicPr>
+        <p:blipFill>
+          <a:blip r:embed="rId4">
+            <a:extLst>
+              <a:ext uri="{28A0092B-C50C-407E-A947-70E740481C1C}">
+                <a14:useLocalDpi xmlns:a14="http://schemas.microsoft.com/office/drawing/2010/main" val="0"/>
+              </a:ext>
+            </a:extLst>
+          </a:blip>
+          <a:stretch>
+            <a:fillRect/>
+          </a:stretch>
+        </p:blipFill>
+        <p:spPr>
+          <a:xfrm>
+            <a:off x="4091353" y="4022383"/>
+            <a:ext cx="4009292" cy="2672861"/>
+          </a:xfrm>
+          <a:prstGeom prst="rect">
+            <a:avLst/>
+          </a:prstGeom>
+        </p:spPr>
+      </p:pic>
+    </p:spTree>
+    <p:extLst>
+      <p:ext uri="{BB962C8B-B14F-4D97-AF65-F5344CB8AC3E}">
+        <p14:creationId xmlns:p14="http://schemas.microsoft.com/office/powerpoint/2010/main" val="3374592240"/>
+      </p:ext>
+    </p:extLst>
+  </p:cSld>
+  <p:clrMapOvr>
+    <a:masterClrMapping/>
+  </p:clrMapOvr>
+</p:sld>
+</file>
+
 <file path=ppt/theme/theme1.xml><?xml version="1.0" encoding="utf-8"?>
 <a:theme xmlns:a="http://schemas.openxmlformats.org/drawingml/2006/main" name="Office Theme">
   <a:themeElements>

--- a/Compiled graphs.pptx
+++ b/Compiled graphs.pptx
@@ -120,18 +120,18 @@
   <pc:docChgLst>
     <pc:chgData name="elliot kerman" userId="e77916c079d5c398" providerId="LiveId" clId="{E9A59B98-73E9-46E2-9F2A-2B338CC86AD1}"/>
     <pc:docChg chg="addSld modSld">
-      <pc:chgData name="elliot kerman" userId="e77916c079d5c398" providerId="LiveId" clId="{E9A59B98-73E9-46E2-9F2A-2B338CC86AD1}" dt="2018-03-06T12:41:36.784" v="148" actId="1076"/>
+      <pc:chgData name="elliot kerman" userId="e77916c079d5c398" providerId="LiveId" clId="{E9A59B98-73E9-46E2-9F2A-2B338CC86AD1}" dt="2018-03-06T12:43:12.079" v="158" actId="1076"/>
       <pc:docMkLst>
         <pc:docMk/>
       </pc:docMkLst>
       <pc:sldChg chg="addSp modSp add">
-        <pc:chgData name="elliot kerman" userId="e77916c079d5c398" providerId="LiveId" clId="{E9A59B98-73E9-46E2-9F2A-2B338CC86AD1}" dt="2018-03-06T12:41:36.784" v="148" actId="1076"/>
+        <pc:chgData name="elliot kerman" userId="e77916c079d5c398" providerId="LiveId" clId="{E9A59B98-73E9-46E2-9F2A-2B338CC86AD1}" dt="2018-03-06T12:43:12.079" v="158" actId="1076"/>
         <pc:sldMkLst>
           <pc:docMk/>
           <pc:sldMk cId="3374592240" sldId="260"/>
         </pc:sldMkLst>
         <pc:spChg chg="add mod">
-          <ac:chgData name="elliot kerman" userId="e77916c079d5c398" providerId="LiveId" clId="{E9A59B98-73E9-46E2-9F2A-2B338CC86AD1}" dt="2018-03-06T12:40:04.450" v="132" actId="403"/>
+          <ac:chgData name="elliot kerman" userId="e77916c079d5c398" providerId="LiveId" clId="{E9A59B98-73E9-46E2-9F2A-2B338CC86AD1}" dt="2018-03-06T12:42:48.535" v="151" actId="1076"/>
           <ac:spMkLst>
             <pc:docMk/>
             <pc:sldMk cId="3374592240" sldId="260"/>
@@ -139,7 +139,7 @@
           </ac:spMkLst>
         </pc:spChg>
         <pc:picChg chg="add mod">
-          <ac:chgData name="elliot kerman" userId="e77916c079d5c398" providerId="LiveId" clId="{E9A59B98-73E9-46E2-9F2A-2B338CC86AD1}" dt="2018-03-06T12:41:16.566" v="146" actId="1076"/>
+          <ac:chgData name="elliot kerman" userId="e77916c079d5c398" providerId="LiveId" clId="{E9A59B98-73E9-46E2-9F2A-2B338CC86AD1}" dt="2018-03-06T12:42:51.523" v="152" actId="14100"/>
           <ac:picMkLst>
             <pc:docMk/>
             <pc:sldMk cId="3374592240" sldId="260"/>
@@ -147,7 +147,7 @@
           </ac:picMkLst>
         </pc:picChg>
         <pc:picChg chg="add mod">
-          <ac:chgData name="elliot kerman" userId="e77916c079d5c398" providerId="LiveId" clId="{E9A59B98-73E9-46E2-9F2A-2B338CC86AD1}" dt="2018-03-06T12:41:36.784" v="148" actId="1076"/>
+          <ac:chgData name="elliot kerman" userId="e77916c079d5c398" providerId="LiveId" clId="{E9A59B98-73E9-46E2-9F2A-2B338CC86AD1}" dt="2018-03-06T12:43:06.082" v="157" actId="1076"/>
           <ac:picMkLst>
             <pc:docMk/>
             <pc:sldMk cId="3374592240" sldId="260"/>
@@ -155,7 +155,7 @@
           </ac:picMkLst>
         </pc:picChg>
         <pc:picChg chg="add mod">
-          <ac:chgData name="elliot kerman" userId="e77916c079d5c398" providerId="LiveId" clId="{E9A59B98-73E9-46E2-9F2A-2B338CC86AD1}" dt="2018-03-06T12:41:19.356" v="147" actId="1076"/>
+          <ac:chgData name="elliot kerman" userId="e77916c079d5c398" providerId="LiveId" clId="{E9A59B98-73E9-46E2-9F2A-2B338CC86AD1}" dt="2018-03-06T12:43:12.079" v="158" actId="1076"/>
           <ac:picMkLst>
             <pc:docMk/>
             <pc:sldMk cId="3374592240" sldId="260"/>
@@ -4620,8 +4620,8 @@
         </p:nvSpPr>
         <p:spPr>
           <a:xfrm>
-            <a:off x="3260124" y="395416"/>
-            <a:ext cx="5671751" cy="954107"/>
+            <a:off x="362464" y="162756"/>
+            <a:ext cx="11467069" cy="523220"/>
           </a:xfrm>
           <a:prstGeom prst="rect">
             <a:avLst/>
@@ -4670,8 +4670,8 @@
         </p:blipFill>
         <p:spPr>
           <a:xfrm>
-            <a:off x="913291" y="1349522"/>
-            <a:ext cx="4009292" cy="2672861"/>
+            <a:off x="56722" y="778476"/>
+            <a:ext cx="4865861" cy="3243907"/>
           </a:xfrm>
           <a:prstGeom prst="rect">
             <a:avLst/>
@@ -4706,8 +4706,8 @@
         </p:blipFill>
         <p:spPr>
           <a:xfrm>
-            <a:off x="7269415" y="1349522"/>
-            <a:ext cx="4009292" cy="2672861"/>
+            <a:off x="7269416" y="778476"/>
+            <a:ext cx="4865861" cy="3243907"/>
           </a:xfrm>
           <a:prstGeom prst="rect">
             <a:avLst/>
@@ -4742,8 +4742,8 @@
         </p:blipFill>
         <p:spPr>
           <a:xfrm>
-            <a:off x="4091353" y="4022383"/>
-            <a:ext cx="4009292" cy="2672861"/>
+            <a:off x="3663067" y="3429000"/>
+            <a:ext cx="4865861" cy="3243907"/>
           </a:xfrm>
           <a:prstGeom prst="rect">
             <a:avLst/>

--- a/Compiled graphs.pptx
+++ b/Compiled graphs.pptx
@@ -120,26 +120,34 @@
   <pc:docChgLst>
     <pc:chgData name="elliot kerman" userId="e77916c079d5c398" providerId="LiveId" clId="{E9A59B98-73E9-46E2-9F2A-2B338CC86AD1}"/>
     <pc:docChg chg="addSld modSld">
-      <pc:chgData name="elliot kerman" userId="e77916c079d5c398" providerId="LiveId" clId="{E9A59B98-73E9-46E2-9F2A-2B338CC86AD1}" dt="2018-03-06T12:43:12.079" v="158" actId="1076"/>
+      <pc:chgData name="elliot kerman" userId="e77916c079d5c398" providerId="LiveId" clId="{E9A59B98-73E9-46E2-9F2A-2B338CC86AD1}" dt="2018-03-06T14:38:21.495" v="225"/>
       <pc:docMkLst>
         <pc:docMk/>
       </pc:docMkLst>
       <pc:sldChg chg="addSp modSp add">
-        <pc:chgData name="elliot kerman" userId="e77916c079d5c398" providerId="LiveId" clId="{E9A59B98-73E9-46E2-9F2A-2B338CC86AD1}" dt="2018-03-06T12:43:12.079" v="158" actId="1076"/>
+        <pc:chgData name="elliot kerman" userId="e77916c079d5c398" providerId="LiveId" clId="{E9A59B98-73E9-46E2-9F2A-2B338CC86AD1}" dt="2018-03-06T14:38:21.495" v="225"/>
         <pc:sldMkLst>
           <pc:docMk/>
           <pc:sldMk cId="3374592240" sldId="260"/>
         </pc:sldMkLst>
         <pc:spChg chg="add mod">
-          <ac:chgData name="elliot kerman" userId="e77916c079d5c398" providerId="LiveId" clId="{E9A59B98-73E9-46E2-9F2A-2B338CC86AD1}" dt="2018-03-06T12:42:48.535" v="151" actId="1076"/>
+          <ac:chgData name="elliot kerman" userId="e77916c079d5c398" providerId="LiveId" clId="{E9A59B98-73E9-46E2-9F2A-2B338CC86AD1}" dt="2018-03-06T14:37:29.479" v="203" actId="1076"/>
           <ac:spMkLst>
             <pc:docMk/>
             <pc:sldMk cId="3374592240" sldId="260"/>
             <ac:spMk id="2" creationId="{298F0E77-77F8-43AC-87BE-EB664C61B6FA}"/>
           </ac:spMkLst>
         </pc:spChg>
+        <pc:spChg chg="add mod">
+          <ac:chgData name="elliot kerman" userId="e77916c079d5c398" providerId="LiveId" clId="{E9A59B98-73E9-46E2-9F2A-2B338CC86AD1}" dt="2018-03-06T14:38:21.495" v="225"/>
+          <ac:spMkLst>
+            <pc:docMk/>
+            <pc:sldMk cId="3374592240" sldId="260"/>
+            <ac:spMk id="7" creationId="{3FE9D9B0-27F2-4D99-A7B1-E041DC140D69}"/>
+          </ac:spMkLst>
+        </pc:spChg>
         <pc:picChg chg="add mod">
-          <ac:chgData name="elliot kerman" userId="e77916c079d5c398" providerId="LiveId" clId="{E9A59B98-73E9-46E2-9F2A-2B338CC86AD1}" dt="2018-03-06T12:42:51.523" v="152" actId="14100"/>
+          <ac:chgData name="elliot kerman" userId="e77916c079d5c398" providerId="LiveId" clId="{E9A59B98-73E9-46E2-9F2A-2B338CC86AD1}" dt="2018-03-06T14:37:43.911" v="207" actId="14100"/>
           <ac:picMkLst>
             <pc:docMk/>
             <pc:sldMk cId="3374592240" sldId="260"/>
@@ -147,7 +155,15 @@
           </ac:picMkLst>
         </pc:picChg>
         <pc:picChg chg="add mod">
-          <ac:chgData name="elliot kerman" userId="e77916c079d5c398" providerId="LiveId" clId="{E9A59B98-73E9-46E2-9F2A-2B338CC86AD1}" dt="2018-03-06T12:43:06.082" v="157" actId="1076"/>
+          <ac:chgData name="elliot kerman" userId="e77916c079d5c398" providerId="LiveId" clId="{E9A59B98-73E9-46E2-9F2A-2B338CC86AD1}" dt="2018-03-06T14:38:01.356" v="213" actId="1076"/>
+          <ac:picMkLst>
+            <pc:docMk/>
+            <pc:sldMk cId="3374592240" sldId="260"/>
+            <ac:picMk id="5" creationId="{91AF04B8-629A-4B3B-8445-2C0B8E27985A}"/>
+          </ac:picMkLst>
+        </pc:picChg>
+        <pc:picChg chg="add mod">
+          <ac:chgData name="elliot kerman" userId="e77916c079d5c398" providerId="LiveId" clId="{E9A59B98-73E9-46E2-9F2A-2B338CC86AD1}" dt="2018-03-06T14:37:24.258" v="202" actId="14100"/>
           <ac:picMkLst>
             <pc:docMk/>
             <pc:sldMk cId="3374592240" sldId="260"/>
@@ -155,7 +171,7 @@
           </ac:picMkLst>
         </pc:picChg>
         <pc:picChg chg="add mod">
-          <ac:chgData name="elliot kerman" userId="e77916c079d5c398" providerId="LiveId" clId="{E9A59B98-73E9-46E2-9F2A-2B338CC86AD1}" dt="2018-03-06T12:43:12.079" v="158" actId="1076"/>
+          <ac:chgData name="elliot kerman" userId="e77916c079d5c398" providerId="LiveId" clId="{E9A59B98-73E9-46E2-9F2A-2B338CC86AD1}" dt="2018-03-06T14:37:58.235" v="212" actId="14100"/>
           <ac:picMkLst>
             <pc:docMk/>
             <pc:sldMk cId="3374592240" sldId="260"/>
@@ -4620,8 +4636,8 @@
         </p:nvSpPr>
         <p:spPr>
           <a:xfrm>
-            <a:off x="362464" y="162756"/>
-            <a:ext cx="11467069" cy="523220"/>
+            <a:off x="5051427" y="2090172"/>
+            <a:ext cx="2185180" cy="2677656"/>
           </a:xfrm>
           <a:prstGeom prst="rect">
             <a:avLst/>
@@ -4670,8 +4686,8 @@
         </p:blipFill>
         <p:spPr>
           <a:xfrm>
-            <a:off x="56722" y="778476"/>
-            <a:ext cx="4865861" cy="3243907"/>
+            <a:off x="7293334" y="3429000"/>
+            <a:ext cx="4773659" cy="3387330"/>
           </a:xfrm>
           <a:prstGeom prst="rect">
             <a:avLst/>
@@ -4706,8 +4722,8 @@
         </p:blipFill>
         <p:spPr>
           <a:xfrm>
-            <a:off x="7269416" y="778476"/>
-            <a:ext cx="4865861" cy="3243907"/>
+            <a:off x="7361615" y="150216"/>
+            <a:ext cx="4773660" cy="3159637"/>
           </a:xfrm>
           <a:prstGeom prst="rect">
             <a:avLst/>
@@ -4742,14 +4758,90 @@
         </p:blipFill>
         <p:spPr>
           <a:xfrm>
-            <a:off x="3663067" y="3429000"/>
-            <a:ext cx="4865861" cy="3243907"/>
+            <a:off x="0" y="5862"/>
+            <a:ext cx="4773660" cy="3159638"/>
           </a:xfrm>
           <a:prstGeom prst="rect">
             <a:avLst/>
           </a:prstGeom>
         </p:spPr>
       </p:pic>
+      <p:pic>
+        <p:nvPicPr>
+          <p:cNvPr id="5" name="Picture 4">
+            <a:extLst>
+              <a:ext uri="{FF2B5EF4-FFF2-40B4-BE49-F238E27FC236}">
+                <a16:creationId xmlns:a16="http://schemas.microsoft.com/office/drawing/2014/main" id="{91AF04B8-629A-4B3B-8445-2C0B8E27985A}"/>
+              </a:ext>
+            </a:extLst>
+          </p:cNvPr>
+          <p:cNvPicPr>
+            <a:picLocks noChangeAspect="1"/>
+          </p:cNvPicPr>
+          <p:nvPr/>
+        </p:nvPicPr>
+        <p:blipFill>
+          <a:blip r:embed="rId5">
+            <a:extLst>
+              <a:ext uri="{28A0092B-C50C-407E-A947-70E740481C1C}">
+                <a14:useLocalDpi xmlns:a14="http://schemas.microsoft.com/office/drawing/2010/main" val="0"/>
+              </a:ext>
+            </a:extLst>
+          </a:blip>
+          <a:stretch>
+            <a:fillRect/>
+          </a:stretch>
+        </p:blipFill>
+        <p:spPr>
+          <a:xfrm>
+            <a:off x="125007" y="3309853"/>
+            <a:ext cx="5080995" cy="3387330"/>
+          </a:xfrm>
+          <a:prstGeom prst="rect">
+            <a:avLst/>
+          </a:prstGeom>
+        </p:spPr>
+      </p:pic>
+      <p:sp>
+        <p:nvSpPr>
+          <p:cNvPr id="7" name="TextBox 6">
+            <a:extLst>
+              <a:ext uri="{FF2B5EF4-FFF2-40B4-BE49-F238E27FC236}">
+                <a16:creationId xmlns:a16="http://schemas.microsoft.com/office/drawing/2014/main" id="{3FE9D9B0-27F2-4D99-A7B1-E041DC140D69}"/>
+              </a:ext>
+            </a:extLst>
+          </p:cNvPr>
+          <p:cNvSpPr txBox="1"/>
+          <p:nvPr/>
+        </p:nvSpPr>
+        <p:spPr>
+          <a:xfrm>
+            <a:off x="5051427" y="5697415"/>
+            <a:ext cx="1934573" cy="369332"/>
+          </a:xfrm>
+          <a:prstGeom prst="rect">
+            <a:avLst/>
+          </a:prstGeom>
+          <a:noFill/>
+        </p:spPr>
+        <p:txBody>
+          <a:bodyPr wrap="square" rtlCol="0">
+            <a:spAutoFit/>
+          </a:bodyPr>
+          <a:lstStyle/>
+          <a:p>
+            <a:pPr algn="ctr"/>
+            <a:r>
+              <a:rPr lang="en-GB" dirty="0">
+                <a:solidFill>
+                  <a:srgbClr val="FF0000"/>
+                </a:solidFill>
+              </a:rPr>
+              <a:t>Transfer</a:t>
+            </a:r>
+          </a:p>
+        </p:txBody>
+      </p:sp>
     </p:spTree>
     <p:extLst>
       <p:ext uri="{BB962C8B-B14F-4D97-AF65-F5344CB8AC3E}">

--- a/Compiled graphs.pptx
+++ b/Compiled graphs.pptx
@@ -115,6 +115,10 @@
 </p:presentation>
 </file>
 
+<file path=ppt/revisionInfo.xml><?xml version="1.0" encoding="utf-8"?>
+<p1510:revInfo xmlns:a="http://schemas.openxmlformats.org/drawingml/2006/main" xmlns:r="http://schemas.openxmlformats.org/officeDocument/2006/relationships" xmlns:p1510="http://schemas.microsoft.com/office/powerpoint/2015/10/main"/>
+</file>
+
 <file path=ppt/changesInfos/changesInfo1.xml><?xml version="1.0" encoding="utf-8"?>
 <pc:chgInfo xmlns:a="http://schemas.openxmlformats.org/drawingml/2006/main" xmlns:r="http://schemas.openxmlformats.org/officeDocument/2006/relationships" xmlns:ac="http://schemas.microsoft.com/office/drawing/2013/main/command" xmlns:pc="http://schemas.microsoft.com/office/powerpoint/2013/main/command">
   <pc:docChgLst>
@@ -333,7 +337,7 @@
           <a:p>
             <a:fld id="{F999EE6D-E52B-45B7-B943-4C650C77E21B}" type="datetimeFigureOut">
               <a:rPr lang="en-GB" smtClean="0"/>
-              <a:t>06/03/2018</a:t>
+              <a:t>13/03/2018</a:t>
             </a:fld>
             <a:endParaRPr lang="en-GB"/>
           </a:p>
@@ -533,7 +537,7 @@
           <a:p>
             <a:fld id="{F999EE6D-E52B-45B7-B943-4C650C77E21B}" type="datetimeFigureOut">
               <a:rPr lang="en-GB" smtClean="0"/>
-              <a:t>06/03/2018</a:t>
+              <a:t>13/03/2018</a:t>
             </a:fld>
             <a:endParaRPr lang="en-GB"/>
           </a:p>
@@ -743,7 +747,7 @@
           <a:p>
             <a:fld id="{F999EE6D-E52B-45B7-B943-4C650C77E21B}" type="datetimeFigureOut">
               <a:rPr lang="en-GB" smtClean="0"/>
-              <a:t>06/03/2018</a:t>
+              <a:t>13/03/2018</a:t>
             </a:fld>
             <a:endParaRPr lang="en-GB"/>
           </a:p>
@@ -943,7 +947,7 @@
           <a:p>
             <a:fld id="{F999EE6D-E52B-45B7-B943-4C650C77E21B}" type="datetimeFigureOut">
               <a:rPr lang="en-GB" smtClean="0"/>
-              <a:t>06/03/2018</a:t>
+              <a:t>13/03/2018</a:t>
             </a:fld>
             <a:endParaRPr lang="en-GB"/>
           </a:p>
@@ -1219,7 +1223,7 @@
           <a:p>
             <a:fld id="{F999EE6D-E52B-45B7-B943-4C650C77E21B}" type="datetimeFigureOut">
               <a:rPr lang="en-GB" smtClean="0"/>
-              <a:t>06/03/2018</a:t>
+              <a:t>13/03/2018</a:t>
             </a:fld>
             <a:endParaRPr lang="en-GB"/>
           </a:p>
@@ -1487,7 +1491,7 @@
           <a:p>
             <a:fld id="{F999EE6D-E52B-45B7-B943-4C650C77E21B}" type="datetimeFigureOut">
               <a:rPr lang="en-GB" smtClean="0"/>
-              <a:t>06/03/2018</a:t>
+              <a:t>13/03/2018</a:t>
             </a:fld>
             <a:endParaRPr lang="en-GB"/>
           </a:p>
@@ -1902,7 +1906,7 @@
           <a:p>
             <a:fld id="{F999EE6D-E52B-45B7-B943-4C650C77E21B}" type="datetimeFigureOut">
               <a:rPr lang="en-GB" smtClean="0"/>
-              <a:t>06/03/2018</a:t>
+              <a:t>13/03/2018</a:t>
             </a:fld>
             <a:endParaRPr lang="en-GB"/>
           </a:p>
@@ -2044,7 +2048,7 @@
           <a:p>
             <a:fld id="{F999EE6D-E52B-45B7-B943-4C650C77E21B}" type="datetimeFigureOut">
               <a:rPr lang="en-GB" smtClean="0"/>
-              <a:t>06/03/2018</a:t>
+              <a:t>13/03/2018</a:t>
             </a:fld>
             <a:endParaRPr lang="en-GB"/>
           </a:p>
@@ -2157,7 +2161,7 @@
           <a:p>
             <a:fld id="{F999EE6D-E52B-45B7-B943-4C650C77E21B}" type="datetimeFigureOut">
               <a:rPr lang="en-GB" smtClean="0"/>
-              <a:t>06/03/2018</a:t>
+              <a:t>13/03/2018</a:t>
             </a:fld>
             <a:endParaRPr lang="en-GB"/>
           </a:p>
@@ -2470,7 +2474,7 @@
           <a:p>
             <a:fld id="{F999EE6D-E52B-45B7-B943-4C650C77E21B}" type="datetimeFigureOut">
               <a:rPr lang="en-GB" smtClean="0"/>
-              <a:t>06/03/2018</a:t>
+              <a:t>13/03/2018</a:t>
             </a:fld>
             <a:endParaRPr lang="en-GB"/>
           </a:p>
@@ -2759,7 +2763,7 @@
           <a:p>
             <a:fld id="{F999EE6D-E52B-45B7-B943-4C650C77E21B}" type="datetimeFigureOut">
               <a:rPr lang="en-GB" smtClean="0"/>
-              <a:t>06/03/2018</a:t>
+              <a:t>13/03/2018</a:t>
             </a:fld>
             <a:endParaRPr lang="en-GB"/>
           </a:p>
@@ -3002,7 +3006,7 @@
           <a:p>
             <a:fld id="{F999EE6D-E52B-45B7-B943-4C650C77E21B}" type="datetimeFigureOut">
               <a:rPr lang="en-GB" smtClean="0"/>
-              <a:t>06/03/2018</a:t>
+              <a:t>13/03/2018</a:t>
             </a:fld>
             <a:endParaRPr lang="en-GB"/>
           </a:p>
@@ -4637,7 +4641,7 @@
         <p:spPr>
           <a:xfrm>
             <a:off x="5051427" y="2090172"/>
-            <a:ext cx="2185180" cy="2677656"/>
+            <a:ext cx="2185180" cy="3108543"/>
           </a:xfrm>
           <a:prstGeom prst="rect">
             <a:avLst/>
@@ -4654,6 +4658,13 @@
             <a:r>
               <a:rPr lang="en-GB" sz="2800" dirty="0"/>
               <a:t>CNN with 2 Convolutional layers and 2 fully connected layers</a:t>
+            </a:r>
+          </a:p>
+          <a:p>
+            <a:pPr algn="ctr"/>
+            <a:r>
+              <a:rPr lang="en-GB" sz="2800" dirty="0"/>
+              <a:t>(to print)</a:t>
             </a:r>
           </a:p>
         </p:txBody>

--- a/Compiled graphs.pptx
+++ b/Compiled graphs.pptx
@@ -4,11 +4,15 @@
   <p:sldMasterIdLst>
     <p:sldMasterId id="2147483648" r:id="rId1"/>
   </p:sldMasterIdLst>
+  <p:notesMasterIdLst>
+    <p:notesMasterId r:id="rId7"/>
+  </p:notesMasterIdLst>
   <p:sldIdLst>
     <p:sldId id="257" r:id="rId2"/>
-    <p:sldId id="258" r:id="rId3"/>
-    <p:sldId id="259" r:id="rId4"/>
-    <p:sldId id="260" r:id="rId5"/>
+    <p:sldId id="261" r:id="rId3"/>
+    <p:sldId id="258" r:id="rId4"/>
+    <p:sldId id="259" r:id="rId5"/>
+    <p:sldId id="260" r:id="rId6"/>
   </p:sldIdLst>
   <p:sldSz cx="12192000" cy="6858000"/>
   <p:notesSz cx="6858000" cy="9144000"/>
@@ -181,7 +185,413 @@
       </pc:sldChg>
     </pc:docChg>
   </pc:docChgLst>
+  <pc:docChgLst>
+    <pc:chgData name="elliot kerman" userId="e77916c079d5c398" providerId="LiveId" clId="{8DA0BB2C-F3B6-45F5-81AB-27FD8BE22616}"/>
+    <pc:docChg chg="undo addSld modSld">
+      <pc:chgData name="elliot kerman" userId="e77916c079d5c398" providerId="LiveId" clId="{8DA0BB2C-F3B6-45F5-81AB-27FD8BE22616}" dt="2018-03-13T09:57:33.479" v="142" actId="1076"/>
+      <pc:docMkLst>
+        <pc:docMk/>
+      </pc:docMkLst>
+      <pc:sldChg chg="addSp modSp add">
+        <pc:chgData name="elliot kerman" userId="e77916c079d5c398" providerId="LiveId" clId="{8DA0BB2C-F3B6-45F5-81AB-27FD8BE22616}" dt="2018-03-13T09:57:33.479" v="142" actId="1076"/>
+        <pc:sldMkLst>
+          <pc:docMk/>
+          <pc:sldMk cId="2150774575" sldId="261"/>
+        </pc:sldMkLst>
+        <pc:spChg chg="add mod">
+          <ac:chgData name="elliot kerman" userId="e77916c079d5c398" providerId="LiveId" clId="{8DA0BB2C-F3B6-45F5-81AB-27FD8BE22616}" dt="2018-03-13T09:56:23.932" v="43" actId="20577"/>
+          <ac:spMkLst>
+            <pc:docMk/>
+            <pc:sldMk cId="2150774575" sldId="261"/>
+            <ac:spMk id="6" creationId="{7A8DEA36-A431-4E66-95D8-C203D32F97F5}"/>
+          </ac:spMkLst>
+        </pc:spChg>
+        <pc:spChg chg="add mod">
+          <ac:chgData name="elliot kerman" userId="e77916c079d5c398" providerId="LiveId" clId="{8DA0BB2C-F3B6-45F5-81AB-27FD8BE22616}" dt="2018-03-13T09:56:38.985" v="48" actId="20577"/>
+          <ac:spMkLst>
+            <pc:docMk/>
+            <pc:sldMk cId="2150774575" sldId="261"/>
+            <ac:spMk id="7" creationId="{63F0D41E-535C-4573-98B2-ED311E0E4637}"/>
+          </ac:spMkLst>
+        </pc:spChg>
+        <pc:spChg chg="add mod">
+          <ac:chgData name="elliot kerman" userId="e77916c079d5c398" providerId="LiveId" clId="{8DA0BB2C-F3B6-45F5-81AB-27FD8BE22616}" dt="2018-03-13T09:57:27.147" v="140" actId="122"/>
+          <ac:spMkLst>
+            <pc:docMk/>
+            <pc:sldMk cId="2150774575" sldId="261"/>
+            <ac:spMk id="8" creationId="{29E4150E-7532-4CDF-9D3B-F540C3B02DE7}"/>
+          </ac:spMkLst>
+        </pc:spChg>
+        <pc:picChg chg="add mod modCrop">
+          <ac:chgData name="elliot kerman" userId="e77916c079d5c398" providerId="LiveId" clId="{8DA0BB2C-F3B6-45F5-81AB-27FD8BE22616}" dt="2018-03-13T09:55:32.299" v="13" actId="1076"/>
+          <ac:picMkLst>
+            <pc:docMk/>
+            <pc:sldMk cId="2150774575" sldId="261"/>
+            <ac:picMk id="3" creationId="{DF153BF6-79B3-43B5-A0BF-049E9D9E54A7}"/>
+          </ac:picMkLst>
+        </pc:picChg>
+        <pc:picChg chg="add mod modCrop">
+          <ac:chgData name="elliot kerman" userId="e77916c079d5c398" providerId="LiveId" clId="{8DA0BB2C-F3B6-45F5-81AB-27FD8BE22616}" dt="2018-03-13T09:57:33.479" v="142" actId="1076"/>
+          <ac:picMkLst>
+            <pc:docMk/>
+            <pc:sldMk cId="2150774575" sldId="261"/>
+            <ac:picMk id="5" creationId="{CB45506E-26BD-4A06-8BCD-8A5177A378E2}"/>
+          </ac:picMkLst>
+        </pc:picChg>
+      </pc:sldChg>
+    </pc:docChg>
+  </pc:docChgLst>
 </pc:chgInfo>
+</file>
+
+<file path=ppt/notesMasters/notesMaster1.xml><?xml version="1.0" encoding="utf-8"?>
+<p:notesMaster xmlns:a="http://schemas.openxmlformats.org/drawingml/2006/main" xmlns:r="http://schemas.openxmlformats.org/officeDocument/2006/relationships" xmlns:p="http://schemas.openxmlformats.org/presentationml/2006/main">
+  <p:cSld>
+    <p:bg>
+      <p:bgRef idx="1001">
+        <a:schemeClr val="bg1"/>
+      </p:bgRef>
+    </p:bg>
+    <p:spTree>
+      <p:nvGrpSpPr>
+        <p:cNvPr id="1" name=""/>
+        <p:cNvGrpSpPr/>
+        <p:nvPr/>
+      </p:nvGrpSpPr>
+      <p:grpSpPr>
+        <a:xfrm>
+          <a:off x="0" y="0"/>
+          <a:ext cx="0" cy="0"/>
+          <a:chOff x="0" y="0"/>
+          <a:chExt cx="0" cy="0"/>
+        </a:xfrm>
+      </p:grpSpPr>
+      <p:sp>
+        <p:nvSpPr>
+          <p:cNvPr id="2" name="Header Placeholder 1"/>
+          <p:cNvSpPr>
+            <a:spLocks noGrp="1"/>
+          </p:cNvSpPr>
+          <p:nvPr>
+            <p:ph type="hdr" sz="quarter"/>
+          </p:nvPr>
+        </p:nvSpPr>
+        <p:spPr>
+          <a:xfrm>
+            <a:off x="0" y="0"/>
+            <a:ext cx="2971800" cy="458788"/>
+          </a:xfrm>
+          <a:prstGeom prst="rect">
+            <a:avLst/>
+          </a:prstGeom>
+        </p:spPr>
+        <p:txBody>
+          <a:bodyPr vert="horz" lIns="91440" tIns="45720" rIns="91440" bIns="45720" rtlCol="0"/>
+          <a:lstStyle>
+            <a:lvl1pPr algn="l">
+              <a:defRPr sz="1200"/>
+            </a:lvl1pPr>
+          </a:lstStyle>
+          <a:p>
+            <a:endParaRPr lang="en-GB"/>
+          </a:p>
+        </p:txBody>
+      </p:sp>
+      <p:sp>
+        <p:nvSpPr>
+          <p:cNvPr id="3" name="Date Placeholder 2"/>
+          <p:cNvSpPr>
+            <a:spLocks noGrp="1"/>
+          </p:cNvSpPr>
+          <p:nvPr>
+            <p:ph type="dt" idx="1"/>
+          </p:nvPr>
+        </p:nvSpPr>
+        <p:spPr>
+          <a:xfrm>
+            <a:off x="3884613" y="0"/>
+            <a:ext cx="2971800" cy="458788"/>
+          </a:xfrm>
+          <a:prstGeom prst="rect">
+            <a:avLst/>
+          </a:prstGeom>
+        </p:spPr>
+        <p:txBody>
+          <a:bodyPr vert="horz" lIns="91440" tIns="45720" rIns="91440" bIns="45720" rtlCol="0"/>
+          <a:lstStyle>
+            <a:lvl1pPr algn="r">
+              <a:defRPr sz="1200"/>
+            </a:lvl1pPr>
+          </a:lstStyle>
+          <a:p>
+            <a:fld id="{1312CFC0-6A39-4A2C-AC24-6061EBE48B82}" type="datetimeFigureOut">
+              <a:rPr lang="en-GB" smtClean="0"/>
+              <a:t>13/03/2018</a:t>
+            </a:fld>
+            <a:endParaRPr lang="en-GB"/>
+          </a:p>
+        </p:txBody>
+      </p:sp>
+      <p:sp>
+        <p:nvSpPr>
+          <p:cNvPr id="4" name="Slide Image Placeholder 3"/>
+          <p:cNvSpPr>
+            <a:spLocks noGrp="1" noRot="1" noChangeAspect="1"/>
+          </p:cNvSpPr>
+          <p:nvPr>
+            <p:ph type="sldImg" idx="2"/>
+          </p:nvPr>
+        </p:nvSpPr>
+        <p:spPr>
+          <a:xfrm>
+            <a:off x="685800" y="1143000"/>
+            <a:ext cx="5486400" cy="3086100"/>
+          </a:xfrm>
+          <a:prstGeom prst="rect">
+            <a:avLst/>
+          </a:prstGeom>
+          <a:noFill/>
+          <a:ln w="12700">
+            <a:solidFill>
+              <a:prstClr val="black"/>
+            </a:solidFill>
+          </a:ln>
+        </p:spPr>
+        <p:txBody>
+          <a:bodyPr vert="horz" lIns="91440" tIns="45720" rIns="91440" bIns="45720" rtlCol="0" anchor="ctr"/>
+          <a:lstStyle/>
+          <a:p>
+            <a:endParaRPr lang="en-GB"/>
+          </a:p>
+        </p:txBody>
+      </p:sp>
+      <p:sp>
+        <p:nvSpPr>
+          <p:cNvPr id="5" name="Notes Placeholder 4"/>
+          <p:cNvSpPr>
+            <a:spLocks noGrp="1"/>
+          </p:cNvSpPr>
+          <p:nvPr>
+            <p:ph type="body" sz="quarter" idx="3"/>
+          </p:nvPr>
+        </p:nvSpPr>
+        <p:spPr>
+          <a:xfrm>
+            <a:off x="685800" y="4400550"/>
+            <a:ext cx="5486400" cy="3600450"/>
+          </a:xfrm>
+          <a:prstGeom prst="rect">
+            <a:avLst/>
+          </a:prstGeom>
+        </p:spPr>
+        <p:txBody>
+          <a:bodyPr vert="horz" lIns="91440" tIns="45720" rIns="91440" bIns="45720" rtlCol="0"/>
+          <a:lstStyle/>
+          <a:p>
+            <a:pPr lvl="0"/>
+            <a:r>
+              <a:rPr lang="en-US"/>
+              <a:t>Edit Master text styles</a:t>
+            </a:r>
+          </a:p>
+          <a:p>
+            <a:pPr lvl="1"/>
+            <a:r>
+              <a:rPr lang="en-US"/>
+              <a:t>Second level</a:t>
+            </a:r>
+          </a:p>
+          <a:p>
+            <a:pPr lvl="2"/>
+            <a:r>
+              <a:rPr lang="en-US"/>
+              <a:t>Third level</a:t>
+            </a:r>
+          </a:p>
+          <a:p>
+            <a:pPr lvl="3"/>
+            <a:r>
+              <a:rPr lang="en-US"/>
+              <a:t>Fourth level</a:t>
+            </a:r>
+          </a:p>
+          <a:p>
+            <a:pPr lvl="4"/>
+            <a:r>
+              <a:rPr lang="en-US"/>
+              <a:t>Fifth level</a:t>
+            </a:r>
+            <a:endParaRPr lang="en-GB"/>
+          </a:p>
+        </p:txBody>
+      </p:sp>
+      <p:sp>
+        <p:nvSpPr>
+          <p:cNvPr id="6" name="Footer Placeholder 5"/>
+          <p:cNvSpPr>
+            <a:spLocks noGrp="1"/>
+          </p:cNvSpPr>
+          <p:nvPr>
+            <p:ph type="ftr" sz="quarter" idx="4"/>
+          </p:nvPr>
+        </p:nvSpPr>
+        <p:spPr>
+          <a:xfrm>
+            <a:off x="0" y="8685213"/>
+            <a:ext cx="2971800" cy="458787"/>
+          </a:xfrm>
+          <a:prstGeom prst="rect">
+            <a:avLst/>
+          </a:prstGeom>
+        </p:spPr>
+        <p:txBody>
+          <a:bodyPr vert="horz" lIns="91440" tIns="45720" rIns="91440" bIns="45720" rtlCol="0" anchor="b"/>
+          <a:lstStyle>
+            <a:lvl1pPr algn="l">
+              <a:defRPr sz="1200"/>
+            </a:lvl1pPr>
+          </a:lstStyle>
+          <a:p>
+            <a:endParaRPr lang="en-GB"/>
+          </a:p>
+        </p:txBody>
+      </p:sp>
+      <p:sp>
+        <p:nvSpPr>
+          <p:cNvPr id="7" name="Slide Number Placeholder 6"/>
+          <p:cNvSpPr>
+            <a:spLocks noGrp="1"/>
+          </p:cNvSpPr>
+          <p:nvPr>
+            <p:ph type="sldNum" sz="quarter" idx="5"/>
+          </p:nvPr>
+        </p:nvSpPr>
+        <p:spPr>
+          <a:xfrm>
+            <a:off x="3884613" y="8685213"/>
+            <a:ext cx="2971800" cy="458787"/>
+          </a:xfrm>
+          <a:prstGeom prst="rect">
+            <a:avLst/>
+          </a:prstGeom>
+        </p:spPr>
+        <p:txBody>
+          <a:bodyPr vert="horz" lIns="91440" tIns="45720" rIns="91440" bIns="45720" rtlCol="0" anchor="b"/>
+          <a:lstStyle>
+            <a:lvl1pPr algn="r">
+              <a:defRPr sz="1200"/>
+            </a:lvl1pPr>
+          </a:lstStyle>
+          <a:p>
+            <a:fld id="{1E7C51B7-0486-4EC3-8BF1-FEA854142D54}" type="slidenum">
+              <a:rPr lang="en-GB" smtClean="0"/>
+              <a:t>‹#›</a:t>
+            </a:fld>
+            <a:endParaRPr lang="en-GB"/>
+          </a:p>
+        </p:txBody>
+      </p:sp>
+    </p:spTree>
+    <p:extLst>
+      <p:ext uri="{BB962C8B-B14F-4D97-AF65-F5344CB8AC3E}">
+        <p14:creationId xmlns:p14="http://schemas.microsoft.com/office/powerpoint/2010/main" val="1615174194"/>
+      </p:ext>
+    </p:extLst>
+  </p:cSld>
+  <p:clrMap bg1="lt1" tx1="dk1" bg2="lt2" tx2="dk2" accent1="accent1" accent2="accent2" accent3="accent3" accent4="accent4" accent5="accent5" accent6="accent6" hlink="hlink" folHlink="folHlink"/>
+  <p:notesStyle>
+    <a:lvl1pPr marL="0" algn="l" defTabSz="914400" rtl="0" eaLnBrk="1" latinLnBrk="0" hangingPunct="1">
+      <a:defRPr sz="1200" kern="1200">
+        <a:solidFill>
+          <a:schemeClr val="tx1"/>
+        </a:solidFill>
+        <a:latin typeface="+mn-lt"/>
+        <a:ea typeface="+mn-ea"/>
+        <a:cs typeface="+mn-cs"/>
+      </a:defRPr>
+    </a:lvl1pPr>
+    <a:lvl2pPr marL="457200" algn="l" defTabSz="914400" rtl="0" eaLnBrk="1" latinLnBrk="0" hangingPunct="1">
+      <a:defRPr sz="1200" kern="1200">
+        <a:solidFill>
+          <a:schemeClr val="tx1"/>
+        </a:solidFill>
+        <a:latin typeface="+mn-lt"/>
+        <a:ea typeface="+mn-ea"/>
+        <a:cs typeface="+mn-cs"/>
+      </a:defRPr>
+    </a:lvl2pPr>
+    <a:lvl3pPr marL="914400" algn="l" defTabSz="914400" rtl="0" eaLnBrk="1" latinLnBrk="0" hangingPunct="1">
+      <a:defRPr sz="1200" kern="1200">
+        <a:solidFill>
+          <a:schemeClr val="tx1"/>
+        </a:solidFill>
+        <a:latin typeface="+mn-lt"/>
+        <a:ea typeface="+mn-ea"/>
+        <a:cs typeface="+mn-cs"/>
+      </a:defRPr>
+    </a:lvl3pPr>
+    <a:lvl4pPr marL="1371600" algn="l" defTabSz="914400" rtl="0" eaLnBrk="1" latinLnBrk="0" hangingPunct="1">
+      <a:defRPr sz="1200" kern="1200">
+        <a:solidFill>
+          <a:schemeClr val="tx1"/>
+        </a:solidFill>
+        <a:latin typeface="+mn-lt"/>
+        <a:ea typeface="+mn-ea"/>
+        <a:cs typeface="+mn-cs"/>
+      </a:defRPr>
+    </a:lvl4pPr>
+    <a:lvl5pPr marL="1828800" algn="l" defTabSz="914400" rtl="0" eaLnBrk="1" latinLnBrk="0" hangingPunct="1">
+      <a:defRPr sz="1200" kern="1200">
+        <a:solidFill>
+          <a:schemeClr val="tx1"/>
+        </a:solidFill>
+        <a:latin typeface="+mn-lt"/>
+        <a:ea typeface="+mn-ea"/>
+        <a:cs typeface="+mn-cs"/>
+      </a:defRPr>
+    </a:lvl5pPr>
+    <a:lvl6pPr marL="2286000" algn="l" defTabSz="914400" rtl="0" eaLnBrk="1" latinLnBrk="0" hangingPunct="1">
+      <a:defRPr sz="1200" kern="1200">
+        <a:solidFill>
+          <a:schemeClr val="tx1"/>
+        </a:solidFill>
+        <a:latin typeface="+mn-lt"/>
+        <a:ea typeface="+mn-ea"/>
+        <a:cs typeface="+mn-cs"/>
+      </a:defRPr>
+    </a:lvl6pPr>
+    <a:lvl7pPr marL="2743200" algn="l" defTabSz="914400" rtl="0" eaLnBrk="1" latinLnBrk="0" hangingPunct="1">
+      <a:defRPr sz="1200" kern="1200">
+        <a:solidFill>
+          <a:schemeClr val="tx1"/>
+        </a:solidFill>
+        <a:latin typeface="+mn-lt"/>
+        <a:ea typeface="+mn-ea"/>
+        <a:cs typeface="+mn-cs"/>
+      </a:defRPr>
+    </a:lvl7pPr>
+    <a:lvl8pPr marL="3200400" algn="l" defTabSz="914400" rtl="0" eaLnBrk="1" latinLnBrk="0" hangingPunct="1">
+      <a:defRPr sz="1200" kern="1200">
+        <a:solidFill>
+          <a:schemeClr val="tx1"/>
+        </a:solidFill>
+        <a:latin typeface="+mn-lt"/>
+        <a:ea typeface="+mn-ea"/>
+        <a:cs typeface="+mn-cs"/>
+      </a:defRPr>
+    </a:lvl8pPr>
+    <a:lvl9pPr marL="3657600" algn="l" defTabSz="914400" rtl="0" eaLnBrk="1" latinLnBrk="0" hangingPunct="1">
+      <a:defRPr sz="1200" kern="1200">
+        <a:solidFill>
+          <a:schemeClr val="tx1"/>
+        </a:solidFill>
+        <a:latin typeface="+mn-lt"/>
+        <a:ea typeface="+mn-ea"/>
+        <a:cs typeface="+mn-cs"/>
+      </a:defRPr>
+    </a:lvl9pPr>
+  </p:notesStyle>
+</p:notesMaster>
 </file>
 
 <file path=ppt/slideLayouts/slideLayout1.xml><?xml version="1.0" encoding="utf-8"?>
@@ -333,7 +743,7 @@
           <a:p>
             <a:fld id="{F999EE6D-E52B-45B7-B943-4C650C77E21B}" type="datetimeFigureOut">
               <a:rPr lang="en-GB" smtClean="0"/>
-              <a:t>06/03/2018</a:t>
+              <a:t>13/03/2018</a:t>
             </a:fld>
             <a:endParaRPr lang="en-GB"/>
           </a:p>
@@ -533,7 +943,7 @@
           <a:p>
             <a:fld id="{F999EE6D-E52B-45B7-B943-4C650C77E21B}" type="datetimeFigureOut">
               <a:rPr lang="en-GB" smtClean="0"/>
-              <a:t>06/03/2018</a:t>
+              <a:t>13/03/2018</a:t>
             </a:fld>
             <a:endParaRPr lang="en-GB"/>
           </a:p>
@@ -743,7 +1153,7 @@
           <a:p>
             <a:fld id="{F999EE6D-E52B-45B7-B943-4C650C77E21B}" type="datetimeFigureOut">
               <a:rPr lang="en-GB" smtClean="0"/>
-              <a:t>06/03/2018</a:t>
+              <a:t>13/03/2018</a:t>
             </a:fld>
             <a:endParaRPr lang="en-GB"/>
           </a:p>
@@ -943,7 +1353,7 @@
           <a:p>
             <a:fld id="{F999EE6D-E52B-45B7-B943-4C650C77E21B}" type="datetimeFigureOut">
               <a:rPr lang="en-GB" smtClean="0"/>
-              <a:t>06/03/2018</a:t>
+              <a:t>13/03/2018</a:t>
             </a:fld>
             <a:endParaRPr lang="en-GB"/>
           </a:p>
@@ -1219,7 +1629,7 @@
           <a:p>
             <a:fld id="{F999EE6D-E52B-45B7-B943-4C650C77E21B}" type="datetimeFigureOut">
               <a:rPr lang="en-GB" smtClean="0"/>
-              <a:t>06/03/2018</a:t>
+              <a:t>13/03/2018</a:t>
             </a:fld>
             <a:endParaRPr lang="en-GB"/>
           </a:p>
@@ -1487,7 +1897,7 @@
           <a:p>
             <a:fld id="{F999EE6D-E52B-45B7-B943-4C650C77E21B}" type="datetimeFigureOut">
               <a:rPr lang="en-GB" smtClean="0"/>
-              <a:t>06/03/2018</a:t>
+              <a:t>13/03/2018</a:t>
             </a:fld>
             <a:endParaRPr lang="en-GB"/>
           </a:p>
@@ -1902,7 +2312,7 @@
           <a:p>
             <a:fld id="{F999EE6D-E52B-45B7-B943-4C650C77E21B}" type="datetimeFigureOut">
               <a:rPr lang="en-GB" smtClean="0"/>
-              <a:t>06/03/2018</a:t>
+              <a:t>13/03/2018</a:t>
             </a:fld>
             <a:endParaRPr lang="en-GB"/>
           </a:p>
@@ -2044,7 +2454,7 @@
           <a:p>
             <a:fld id="{F999EE6D-E52B-45B7-B943-4C650C77E21B}" type="datetimeFigureOut">
               <a:rPr lang="en-GB" smtClean="0"/>
-              <a:t>06/03/2018</a:t>
+              <a:t>13/03/2018</a:t>
             </a:fld>
             <a:endParaRPr lang="en-GB"/>
           </a:p>
@@ -2157,7 +2567,7 @@
           <a:p>
             <a:fld id="{F999EE6D-E52B-45B7-B943-4C650C77E21B}" type="datetimeFigureOut">
               <a:rPr lang="en-GB" smtClean="0"/>
-              <a:t>06/03/2018</a:t>
+              <a:t>13/03/2018</a:t>
             </a:fld>
             <a:endParaRPr lang="en-GB"/>
           </a:p>
@@ -2470,7 +2880,7 @@
           <a:p>
             <a:fld id="{F999EE6D-E52B-45B7-B943-4C650C77E21B}" type="datetimeFigureOut">
               <a:rPr lang="en-GB" smtClean="0"/>
-              <a:t>06/03/2018</a:t>
+              <a:t>13/03/2018</a:t>
             </a:fld>
             <a:endParaRPr lang="en-GB"/>
           </a:p>
@@ -2759,7 +3169,7 @@
           <a:p>
             <a:fld id="{F999EE6D-E52B-45B7-B943-4C650C77E21B}" type="datetimeFigureOut">
               <a:rPr lang="en-GB" smtClean="0"/>
-              <a:t>06/03/2018</a:t>
+              <a:t>13/03/2018</a:t>
             </a:fld>
             <a:endParaRPr lang="en-GB"/>
           </a:p>
@@ -3002,7 +3412,7 @@
           <a:p>
             <a:fld id="{F999EE6D-E52B-45B7-B943-4C650C77E21B}" type="datetimeFigureOut">
               <a:rPr lang="en-GB" smtClean="0"/>
-              <a:t>06/03/2018</a:t>
+              <a:t>13/03/2018</a:t>
             </a:fld>
             <a:endParaRPr lang="en-GB"/>
           </a:p>
@@ -3771,6 +4181,220 @@
           <a:chExt cx="0" cy="0"/>
         </a:xfrm>
       </p:grpSpPr>
+      <p:pic>
+        <p:nvPicPr>
+          <p:cNvPr id="3" name="Picture 2">
+            <a:extLst>
+              <a:ext uri="{FF2B5EF4-FFF2-40B4-BE49-F238E27FC236}">
+                <a16:creationId xmlns:a16="http://schemas.microsoft.com/office/drawing/2014/main" id="{DF153BF6-79B3-43B5-A0BF-049E9D9E54A7}"/>
+              </a:ext>
+            </a:extLst>
+          </p:cNvPr>
+          <p:cNvPicPr>
+            <a:picLocks noChangeAspect="1"/>
+          </p:cNvPicPr>
+          <p:nvPr/>
+        </p:nvPicPr>
+        <p:blipFill rotWithShape="1">
+          <a:blip r:embed="rId2">
+            <a:extLst>
+              <a:ext uri="{28A0092B-C50C-407E-A947-70E740481C1C}">
+                <a14:useLocalDpi xmlns:a14="http://schemas.microsoft.com/office/drawing/2010/main" val="0"/>
+              </a:ext>
+            </a:extLst>
+          </a:blip>
+          <a:srcRect l="11776" t="10574" r="9306" b="11024"/>
+          <a:stretch/>
+        </p:blipFill>
+        <p:spPr>
+          <a:xfrm>
+            <a:off x="6260123" y="1266093"/>
+            <a:ext cx="5324251" cy="5289452"/>
+          </a:xfrm>
+          <a:prstGeom prst="rect">
+            <a:avLst/>
+          </a:prstGeom>
+        </p:spPr>
+      </p:pic>
+      <p:pic>
+        <p:nvPicPr>
+          <p:cNvPr id="5" name="Picture 4">
+            <a:extLst>
+              <a:ext uri="{FF2B5EF4-FFF2-40B4-BE49-F238E27FC236}">
+                <a16:creationId xmlns:a16="http://schemas.microsoft.com/office/drawing/2014/main" id="{CB45506E-26BD-4A06-8BCD-8A5177A378E2}"/>
+              </a:ext>
+            </a:extLst>
+          </p:cNvPr>
+          <p:cNvPicPr>
+            <a:picLocks noChangeAspect="1"/>
+          </p:cNvPicPr>
+          <p:nvPr/>
+        </p:nvPicPr>
+        <p:blipFill rotWithShape="1">
+          <a:blip r:embed="rId3">
+            <a:extLst>
+              <a:ext uri="{28A0092B-C50C-407E-A947-70E740481C1C}">
+                <a14:useLocalDpi xmlns:a14="http://schemas.microsoft.com/office/drawing/2010/main" val="0"/>
+              </a:ext>
+            </a:extLst>
+          </a:blip>
+          <a:srcRect l="11300" t="11077" r="8291" b="11796"/>
+          <a:stretch/>
+        </p:blipFill>
+        <p:spPr>
+          <a:xfrm>
+            <a:off x="858129" y="784273"/>
+            <a:ext cx="3024554" cy="5802205"/>
+          </a:xfrm>
+          <a:prstGeom prst="rect">
+            <a:avLst/>
+          </a:prstGeom>
+        </p:spPr>
+      </p:pic>
+      <p:sp>
+        <p:nvSpPr>
+          <p:cNvPr id="6" name="TextBox 5">
+            <a:extLst>
+              <a:ext uri="{FF2B5EF4-FFF2-40B4-BE49-F238E27FC236}">
+                <a16:creationId xmlns:a16="http://schemas.microsoft.com/office/drawing/2014/main" id="{7A8DEA36-A431-4E66-95D8-C203D32F97F5}"/>
+              </a:ext>
+            </a:extLst>
+          </p:cNvPr>
+          <p:cNvSpPr txBox="1"/>
+          <p:nvPr/>
+        </p:nvSpPr>
+        <p:spPr>
+          <a:xfrm>
+            <a:off x="1153551" y="342983"/>
+            <a:ext cx="2729132" cy="369332"/>
+          </a:xfrm>
+          <a:prstGeom prst="rect">
+            <a:avLst/>
+          </a:prstGeom>
+          <a:noFill/>
+        </p:spPr>
+        <p:txBody>
+          <a:bodyPr wrap="square" rtlCol="0">
+            <a:spAutoFit/>
+          </a:bodyPr>
+          <a:lstStyle/>
+          <a:p>
+            <a:r>
+              <a:rPr lang="en-GB" dirty="0"/>
+              <a:t>1</a:t>
+            </a:r>
+            <a:r>
+              <a:rPr lang="en-GB" baseline="30000" dirty="0"/>
+              <a:t>st</a:t>
+            </a:r>
+            <a:r>
+              <a:rPr lang="en-GB" dirty="0"/>
+              <a:t> layer activations</a:t>
+            </a:r>
+          </a:p>
+        </p:txBody>
+      </p:sp>
+      <p:sp>
+        <p:nvSpPr>
+          <p:cNvPr id="7" name="TextBox 6">
+            <a:extLst>
+              <a:ext uri="{FF2B5EF4-FFF2-40B4-BE49-F238E27FC236}">
+                <a16:creationId xmlns:a16="http://schemas.microsoft.com/office/drawing/2014/main" id="{63F0D41E-535C-4573-98B2-ED311E0E4637}"/>
+              </a:ext>
+            </a:extLst>
+          </p:cNvPr>
+          <p:cNvSpPr txBox="1"/>
+          <p:nvPr/>
+        </p:nvSpPr>
+        <p:spPr>
+          <a:xfrm>
+            <a:off x="7397262" y="342983"/>
+            <a:ext cx="2729132" cy="369332"/>
+          </a:xfrm>
+          <a:prstGeom prst="rect">
+            <a:avLst/>
+          </a:prstGeom>
+          <a:noFill/>
+        </p:spPr>
+        <p:txBody>
+          <a:bodyPr wrap="square" rtlCol="0">
+            <a:spAutoFit/>
+          </a:bodyPr>
+          <a:lstStyle/>
+          <a:p>
+            <a:r>
+              <a:rPr lang="en-GB" dirty="0"/>
+              <a:t>2nd layer activations</a:t>
+            </a:r>
+          </a:p>
+        </p:txBody>
+      </p:sp>
+      <p:sp>
+        <p:nvSpPr>
+          <p:cNvPr id="8" name="TextBox 7">
+            <a:extLst>
+              <a:ext uri="{FF2B5EF4-FFF2-40B4-BE49-F238E27FC236}">
+                <a16:creationId xmlns:a16="http://schemas.microsoft.com/office/drawing/2014/main" id="{29E4150E-7532-4CDF-9D3B-F540C3B02DE7}"/>
+              </a:ext>
+            </a:extLst>
+          </p:cNvPr>
+          <p:cNvSpPr txBox="1"/>
+          <p:nvPr/>
+        </p:nvSpPr>
+        <p:spPr>
+          <a:xfrm>
+            <a:off x="4346917" y="2274838"/>
+            <a:ext cx="1491175" cy="2308324"/>
+          </a:xfrm>
+          <a:prstGeom prst="rect">
+            <a:avLst/>
+          </a:prstGeom>
+          <a:noFill/>
+        </p:spPr>
+        <p:txBody>
+          <a:bodyPr wrap="square" rtlCol="0">
+            <a:spAutoFit/>
+          </a:bodyPr>
+          <a:lstStyle/>
+          <a:p>
+            <a:pPr algn="ctr"/>
+            <a:r>
+              <a:rPr lang="en-GB" dirty="0"/>
+              <a:t>Feature maps from convolutional layers from network trained on 100 classes from scratch</a:t>
+            </a:r>
+          </a:p>
+        </p:txBody>
+      </p:sp>
+    </p:spTree>
+    <p:extLst>
+      <p:ext uri="{BB962C8B-B14F-4D97-AF65-F5344CB8AC3E}">
+        <p14:creationId xmlns:p14="http://schemas.microsoft.com/office/powerpoint/2010/main" val="2150774575"/>
+      </p:ext>
+    </p:extLst>
+  </p:cSld>
+  <p:clrMapOvr>
+    <a:masterClrMapping/>
+  </p:clrMapOvr>
+</p:sld>
+</file>
+
+<file path=ppt/slides/slide3.xml><?xml version="1.0" encoding="utf-8"?>
+<p:sld xmlns:a="http://schemas.openxmlformats.org/drawingml/2006/main" xmlns:r="http://schemas.openxmlformats.org/officeDocument/2006/relationships" xmlns:p="http://schemas.openxmlformats.org/presentationml/2006/main">
+  <p:cSld>
+    <p:spTree>
+      <p:nvGrpSpPr>
+        <p:cNvPr id="1" name=""/>
+        <p:cNvGrpSpPr/>
+        <p:nvPr/>
+      </p:nvGrpSpPr>
+      <p:grpSpPr>
+        <a:xfrm>
+          <a:off x="0" y="0"/>
+          <a:ext cx="0" cy="0"/>
+          <a:chOff x="0" y="0"/>
+          <a:chExt cx="0" cy="0"/>
+        </a:xfrm>
+      </p:grpSpPr>
       <p:grpSp>
         <p:nvGrpSpPr>
           <p:cNvPr id="5" name="Group 4">
@@ -4188,7 +4812,7 @@
 </p:sld>
 </file>
 
-<file path=ppt/slides/slide3.xml><?xml version="1.0" encoding="utf-8"?>
+<file path=ppt/slides/slide4.xml><?xml version="1.0" encoding="utf-8"?>
 <p:sld xmlns:a="http://schemas.openxmlformats.org/drawingml/2006/main" xmlns:r="http://schemas.openxmlformats.org/officeDocument/2006/relationships" xmlns:p="http://schemas.openxmlformats.org/presentationml/2006/main">
   <p:cSld>
     <p:spTree>
@@ -4605,7 +5229,7 @@
 </p:sld>
 </file>
 
-<file path=ppt/slides/slide4.xml><?xml version="1.0" encoding="utf-8"?>
+<file path=ppt/slides/slide5.xml><?xml version="1.0" encoding="utf-8"?>
 <p:sld xmlns:a="http://schemas.openxmlformats.org/drawingml/2006/main" xmlns:r="http://schemas.openxmlformats.org/officeDocument/2006/relationships" xmlns:p="http://schemas.openxmlformats.org/presentationml/2006/main">
   <p:cSld>
     <p:spTree>
@@ -5148,4 +5772,299 @@
     </a:ext>
   </a:extLst>
 </a:theme>
+</file>
+
+<file path=ppt/theme/theme2.xml><?xml version="1.0" encoding="utf-8"?>
+<a:theme xmlns:a="http://schemas.openxmlformats.org/drawingml/2006/main" name="Office Theme">
+  <a:themeElements>
+    <a:clrScheme name="Office">
+      <a:dk1>
+        <a:sysClr val="windowText" lastClr="000000"/>
+      </a:dk1>
+      <a:lt1>
+        <a:sysClr val="window" lastClr="FFFFFF"/>
+      </a:lt1>
+      <a:dk2>
+        <a:srgbClr val="44546A"/>
+      </a:dk2>
+      <a:lt2>
+        <a:srgbClr val="E7E6E6"/>
+      </a:lt2>
+      <a:accent1>
+        <a:srgbClr val="4472C4"/>
+      </a:accent1>
+      <a:accent2>
+        <a:srgbClr val="ED7D31"/>
+      </a:accent2>
+      <a:accent3>
+        <a:srgbClr val="A5A5A5"/>
+      </a:accent3>
+      <a:accent4>
+        <a:srgbClr val="FFC000"/>
+      </a:accent4>
+      <a:accent5>
+        <a:srgbClr val="5B9BD5"/>
+      </a:accent5>
+      <a:accent6>
+        <a:srgbClr val="70AD47"/>
+      </a:accent6>
+      <a:hlink>
+        <a:srgbClr val="0563C1"/>
+      </a:hlink>
+      <a:folHlink>
+        <a:srgbClr val="954F72"/>
+      </a:folHlink>
+    </a:clrScheme>
+    <a:fontScheme name="Office">
+      <a:majorFont>
+        <a:latin typeface="Calibri Light" panose="020F0302020204030204"/>
+        <a:ea typeface=""/>
+        <a:cs typeface=""/>
+        <a:font script="Jpan" typeface="游ゴシック Light"/>
+        <a:font script="Hang" typeface="맑은 고딕"/>
+        <a:font script="Hans" typeface="等线 Light"/>
+        <a:font script="Hant" typeface="新細明體"/>
+        <a:font script="Arab" typeface="Times New Roman"/>
+        <a:font script="Hebr" typeface="Times New Roman"/>
+        <a:font script="Thai" typeface="Angsana New"/>
+        <a:font script="Ethi" typeface="Nyala"/>
+        <a:font script="Beng" typeface="Vrinda"/>
+        <a:font script="Gujr" typeface="Shruti"/>
+        <a:font script="Khmr" typeface="MoolBoran"/>
+        <a:font script="Knda" typeface="Tunga"/>
+        <a:font script="Guru" typeface="Raavi"/>
+        <a:font script="Cans" typeface="Euphemia"/>
+        <a:font script="Cher" typeface="Plantagenet Cherokee"/>
+        <a:font script="Yiii" typeface="Microsoft Yi Baiti"/>
+        <a:font script="Tibt" typeface="Microsoft Himalaya"/>
+        <a:font script="Thaa" typeface="MV Boli"/>
+        <a:font script="Deva" typeface="Mangal"/>
+        <a:font script="Telu" typeface="Gautami"/>
+        <a:font script="Taml" typeface="Latha"/>
+        <a:font script="Syrc" typeface="Estrangelo Edessa"/>
+        <a:font script="Orya" typeface="Kalinga"/>
+        <a:font script="Mlym" typeface="Kartika"/>
+        <a:font script="Laoo" typeface="DokChampa"/>
+        <a:font script="Sinh" typeface="Iskoola Pota"/>
+        <a:font script="Mong" typeface="Mongolian Baiti"/>
+        <a:font script="Viet" typeface="Times New Roman"/>
+        <a:font script="Uigh" typeface="Microsoft Uighur"/>
+        <a:font script="Geor" typeface="Sylfaen"/>
+        <a:font script="Armn" typeface="Arial"/>
+        <a:font script="Bugi" typeface="Leelawadee UI"/>
+        <a:font script="Bopo" typeface="Microsoft JhengHei"/>
+        <a:font script="Java" typeface="Javanese Text"/>
+        <a:font script="Lisu" typeface="Segoe UI"/>
+        <a:font script="Mymr" typeface="Myanmar Text"/>
+        <a:font script="Nkoo" typeface="Ebrima"/>
+        <a:font script="Olck" typeface="Nirmala UI"/>
+        <a:font script="Osma" typeface="Ebrima"/>
+        <a:font script="Phag" typeface="Phagspa"/>
+        <a:font script="Syrn" typeface="Estrangelo Edessa"/>
+        <a:font script="Syrj" typeface="Estrangelo Edessa"/>
+        <a:font script="Syre" typeface="Estrangelo Edessa"/>
+        <a:font script="Sora" typeface="Nirmala UI"/>
+        <a:font script="Tale" typeface="Microsoft Tai Le"/>
+        <a:font script="Talu" typeface="Microsoft New Tai Lue"/>
+        <a:font script="Tfng" typeface="Ebrima"/>
+      </a:majorFont>
+      <a:minorFont>
+        <a:latin typeface="Calibri" panose="020F0502020204030204"/>
+        <a:ea typeface=""/>
+        <a:cs typeface=""/>
+        <a:font script="Jpan" typeface="游ゴシック"/>
+        <a:font script="Hang" typeface="맑은 고딕"/>
+        <a:font script="Hans" typeface="等线"/>
+        <a:font script="Hant" typeface="新細明體"/>
+        <a:font script="Arab" typeface="Arial"/>
+        <a:font script="Hebr" typeface="Arial"/>
+        <a:font script="Thai" typeface="Cordia New"/>
+        <a:font script="Ethi" typeface="Nyala"/>
+        <a:font script="Beng" typeface="Vrinda"/>
+        <a:font script="Gujr" typeface="Shruti"/>
+        <a:font script="Khmr" typeface="DaunPenh"/>
+        <a:font script="Knda" typeface="Tunga"/>
+        <a:font script="Guru" typeface="Raavi"/>
+        <a:font script="Cans" typeface="Euphemia"/>
+        <a:font script="Cher" typeface="Plantagenet Cherokee"/>
+        <a:font script="Yiii" typeface="Microsoft Yi Baiti"/>
+        <a:font script="Tibt" typeface="Microsoft Himalaya"/>
+        <a:font script="Thaa" typeface="MV Boli"/>
+        <a:font script="Deva" typeface="Mangal"/>
+        <a:font script="Telu" typeface="Gautami"/>
+        <a:font script="Taml" typeface="Latha"/>
+        <a:font script="Syrc" typeface="Estrangelo Edessa"/>
+        <a:font script="Orya" typeface="Kalinga"/>
+        <a:font script="Mlym" typeface="Kartika"/>
+        <a:font script="Laoo" typeface="DokChampa"/>
+        <a:font script="Sinh" typeface="Iskoola Pota"/>
+        <a:font script="Mong" typeface="Mongolian Baiti"/>
+        <a:font script="Viet" typeface="Arial"/>
+        <a:font script="Uigh" typeface="Microsoft Uighur"/>
+        <a:font script="Geor" typeface="Sylfaen"/>
+        <a:font script="Armn" typeface="Arial"/>
+        <a:font script="Bugi" typeface="Leelawadee UI"/>
+        <a:font script="Bopo" typeface="Microsoft JhengHei"/>
+        <a:font script="Java" typeface="Javanese Text"/>
+        <a:font script="Lisu" typeface="Segoe UI"/>
+        <a:font script="Mymr" typeface="Myanmar Text"/>
+        <a:font script="Nkoo" typeface="Ebrima"/>
+        <a:font script="Olck" typeface="Nirmala UI"/>
+        <a:font script="Osma" typeface="Ebrima"/>
+        <a:font script="Phag" typeface="Phagspa"/>
+        <a:font script="Syrn" typeface="Estrangelo Edessa"/>
+        <a:font script="Syrj" typeface="Estrangelo Edessa"/>
+        <a:font script="Syre" typeface="Estrangelo Edessa"/>
+        <a:font script="Sora" typeface="Nirmala UI"/>
+        <a:font script="Tale" typeface="Microsoft Tai Le"/>
+        <a:font script="Talu" typeface="Microsoft New Tai Lue"/>
+        <a:font script="Tfng" typeface="Ebrima"/>
+      </a:minorFont>
+    </a:fontScheme>
+    <a:fmtScheme name="Office">
+      <a:fillStyleLst>
+        <a:solidFill>
+          <a:schemeClr val="phClr"/>
+        </a:solidFill>
+        <a:gradFill rotWithShape="1">
+          <a:gsLst>
+            <a:gs pos="0">
+              <a:schemeClr val="phClr">
+                <a:lumMod val="110000"/>
+                <a:satMod val="105000"/>
+                <a:tint val="67000"/>
+              </a:schemeClr>
+            </a:gs>
+            <a:gs pos="50000">
+              <a:schemeClr val="phClr">
+                <a:lumMod val="105000"/>
+                <a:satMod val="103000"/>
+                <a:tint val="73000"/>
+              </a:schemeClr>
+            </a:gs>
+            <a:gs pos="100000">
+              <a:schemeClr val="phClr">
+                <a:lumMod val="105000"/>
+                <a:satMod val="109000"/>
+                <a:tint val="81000"/>
+              </a:schemeClr>
+            </a:gs>
+          </a:gsLst>
+          <a:lin ang="5400000" scaled="0"/>
+        </a:gradFill>
+        <a:gradFill rotWithShape="1">
+          <a:gsLst>
+            <a:gs pos="0">
+              <a:schemeClr val="phClr">
+                <a:satMod val="103000"/>
+                <a:lumMod val="102000"/>
+                <a:tint val="94000"/>
+              </a:schemeClr>
+            </a:gs>
+            <a:gs pos="50000">
+              <a:schemeClr val="phClr">
+                <a:satMod val="110000"/>
+                <a:lumMod val="100000"/>
+                <a:shade val="100000"/>
+              </a:schemeClr>
+            </a:gs>
+            <a:gs pos="100000">
+              <a:schemeClr val="phClr">
+                <a:lumMod val="99000"/>
+                <a:satMod val="120000"/>
+                <a:shade val="78000"/>
+              </a:schemeClr>
+            </a:gs>
+          </a:gsLst>
+          <a:lin ang="5400000" scaled="0"/>
+        </a:gradFill>
+      </a:fillStyleLst>
+      <a:lnStyleLst>
+        <a:ln w="6350" cap="flat" cmpd="sng" algn="ctr">
+          <a:solidFill>
+            <a:schemeClr val="phClr"/>
+          </a:solidFill>
+          <a:prstDash val="solid"/>
+          <a:miter lim="800000"/>
+        </a:ln>
+        <a:ln w="12700" cap="flat" cmpd="sng" algn="ctr">
+          <a:solidFill>
+            <a:schemeClr val="phClr"/>
+          </a:solidFill>
+          <a:prstDash val="solid"/>
+          <a:miter lim="800000"/>
+        </a:ln>
+        <a:ln w="19050" cap="flat" cmpd="sng" algn="ctr">
+          <a:solidFill>
+            <a:schemeClr val="phClr"/>
+          </a:solidFill>
+          <a:prstDash val="solid"/>
+          <a:miter lim="800000"/>
+        </a:ln>
+      </a:lnStyleLst>
+      <a:effectStyleLst>
+        <a:effectStyle>
+          <a:effectLst/>
+        </a:effectStyle>
+        <a:effectStyle>
+          <a:effectLst/>
+        </a:effectStyle>
+        <a:effectStyle>
+          <a:effectLst>
+            <a:outerShdw blurRad="57150" dist="19050" dir="5400000" algn="ctr" rotWithShape="0">
+              <a:srgbClr val="000000">
+                <a:alpha val="63000"/>
+              </a:srgbClr>
+            </a:outerShdw>
+          </a:effectLst>
+        </a:effectStyle>
+      </a:effectStyleLst>
+      <a:bgFillStyleLst>
+        <a:solidFill>
+          <a:schemeClr val="phClr"/>
+        </a:solidFill>
+        <a:solidFill>
+          <a:schemeClr val="phClr">
+            <a:tint val="95000"/>
+            <a:satMod val="170000"/>
+          </a:schemeClr>
+        </a:solidFill>
+        <a:gradFill rotWithShape="1">
+          <a:gsLst>
+            <a:gs pos="0">
+              <a:schemeClr val="phClr">
+                <a:tint val="93000"/>
+                <a:satMod val="150000"/>
+                <a:shade val="98000"/>
+                <a:lumMod val="102000"/>
+              </a:schemeClr>
+            </a:gs>
+            <a:gs pos="50000">
+              <a:schemeClr val="phClr">
+                <a:tint val="98000"/>
+                <a:satMod val="130000"/>
+                <a:shade val="90000"/>
+                <a:lumMod val="103000"/>
+              </a:schemeClr>
+            </a:gs>
+            <a:gs pos="100000">
+              <a:schemeClr val="phClr">
+                <a:shade val="63000"/>
+                <a:satMod val="120000"/>
+              </a:schemeClr>
+            </a:gs>
+          </a:gsLst>
+          <a:lin ang="5400000" scaled="0"/>
+        </a:gradFill>
+      </a:bgFillStyleLst>
+    </a:fmtScheme>
+  </a:themeElements>
+  <a:objectDefaults/>
+  <a:extraClrSchemeLst/>
+  <a:extLst>
+    <a:ext uri="{05A4C25C-085E-4340-85A3-A5531E510DB2}">
+      <thm15:themeFamily xmlns:thm15="http://schemas.microsoft.com/office/thememl/2012/main" name="Office Theme" id="{62F939B6-93AF-4DB8-9C6B-D6C7DFDC589F}" vid="{4A3C46E8-61CC-4603-A589-7422A47A8E4A}"/>
+    </a:ext>
+  </a:extLst>
+</a:theme>
 </file>
--- a/Compiled graphs.pptx
+++ b/Compiled graphs.pptx
@@ -9,10 +9,10 @@
   </p:notesMasterIdLst>
   <p:sldIdLst>
     <p:sldId id="257" r:id="rId2"/>
-    <p:sldId id="261" r:id="rId3"/>
-    <p:sldId id="258" r:id="rId4"/>
-    <p:sldId id="259" r:id="rId5"/>
-    <p:sldId id="260" r:id="rId6"/>
+    <p:sldId id="258" r:id="rId3"/>
+    <p:sldId id="259" r:id="rId4"/>
+    <p:sldId id="260" r:id="rId5"/>
+    <p:sldId id="261" r:id="rId6"/>
   </p:sldIdLst>
   <p:sldSz cx="12192000" cy="6858000"/>
   <p:notesSz cx="6858000" cy="9144000"/>
@@ -187,17 +187,40 @@
   </pc:docChgLst>
   <pc:docChgLst>
     <pc:chgData name="elliot kerman" userId="e77916c079d5c398" providerId="LiveId" clId="{8DA0BB2C-F3B6-45F5-81AB-27FD8BE22616}"/>
-    <pc:docChg chg="undo addSld modSld">
-      <pc:chgData name="elliot kerman" userId="e77916c079d5c398" providerId="LiveId" clId="{8DA0BB2C-F3B6-45F5-81AB-27FD8BE22616}" dt="2018-03-13T09:57:33.479" v="142" actId="1076"/>
+    <pc:docChg chg="undo addSld modSld sldOrd">
+      <pc:chgData name="elliot kerman" userId="e77916c079d5c398" providerId="LiveId" clId="{8DA0BB2C-F3B6-45F5-81AB-27FD8BE22616}" dt="2018-03-13T10:00:16.227" v="159"/>
       <pc:docMkLst>
         <pc:docMk/>
       </pc:docMkLst>
-      <pc:sldChg chg="addSp modSp add">
-        <pc:chgData name="elliot kerman" userId="e77916c079d5c398" providerId="LiveId" clId="{8DA0BB2C-F3B6-45F5-81AB-27FD8BE22616}" dt="2018-03-13T09:57:33.479" v="142" actId="1076"/>
+      <pc:sldChg chg="addSp modSp">
+        <pc:chgData name="elliot kerman" userId="e77916c079d5c398" providerId="LiveId" clId="{8DA0BB2C-F3B6-45F5-81AB-27FD8BE22616}" dt="2018-03-13T09:59:52.480" v="158" actId="1076"/>
+        <pc:sldMkLst>
+          <pc:docMk/>
+          <pc:sldMk cId="3374592240" sldId="260"/>
+        </pc:sldMkLst>
+        <pc:spChg chg="add mod">
+          <ac:chgData name="elliot kerman" userId="e77916c079d5c398" providerId="LiveId" clId="{8DA0BB2C-F3B6-45F5-81AB-27FD8BE22616}" dt="2018-03-13T09:59:52.480" v="158" actId="1076"/>
+          <ac:spMkLst>
+            <pc:docMk/>
+            <pc:sldMk cId="3374592240" sldId="260"/>
+            <ac:spMk id="9" creationId="{882FF231-B88A-4470-9A61-B3ED576D47D7}"/>
+          </ac:spMkLst>
+        </pc:spChg>
+      </pc:sldChg>
+      <pc:sldChg chg="addSp modSp add ord">
+        <pc:chgData name="elliot kerman" userId="e77916c079d5c398" providerId="LiveId" clId="{8DA0BB2C-F3B6-45F5-81AB-27FD8BE22616}" dt="2018-03-13T10:00:16.227" v="159"/>
         <pc:sldMkLst>
           <pc:docMk/>
           <pc:sldMk cId="2150774575" sldId="261"/>
         </pc:sldMkLst>
+        <pc:spChg chg="add mod">
+          <ac:chgData name="elliot kerman" userId="e77916c079d5c398" providerId="LiveId" clId="{8DA0BB2C-F3B6-45F5-81AB-27FD8BE22616}" dt="2018-03-13T09:59:41.213" v="156"/>
+          <ac:spMkLst>
+            <pc:docMk/>
+            <pc:sldMk cId="2150774575" sldId="261"/>
+            <ac:spMk id="2" creationId="{20E7192E-8B00-4D8A-A9B6-D981E08321DC}"/>
+          </ac:spMkLst>
+        </pc:spChg>
         <pc:spChg chg="add mod">
           <ac:chgData name="elliot kerman" userId="e77916c079d5c398" providerId="LiveId" clId="{8DA0BB2C-F3B6-45F5-81AB-27FD8BE22616}" dt="2018-03-13T09:56:23.932" v="43" actId="20577"/>
           <ac:spMkLst>
@@ -4181,220 +4204,6 @@
           <a:chExt cx="0" cy="0"/>
         </a:xfrm>
       </p:grpSpPr>
-      <p:pic>
-        <p:nvPicPr>
-          <p:cNvPr id="3" name="Picture 2">
-            <a:extLst>
-              <a:ext uri="{FF2B5EF4-FFF2-40B4-BE49-F238E27FC236}">
-                <a16:creationId xmlns:a16="http://schemas.microsoft.com/office/drawing/2014/main" id="{DF153BF6-79B3-43B5-A0BF-049E9D9E54A7}"/>
-              </a:ext>
-            </a:extLst>
-          </p:cNvPr>
-          <p:cNvPicPr>
-            <a:picLocks noChangeAspect="1"/>
-          </p:cNvPicPr>
-          <p:nvPr/>
-        </p:nvPicPr>
-        <p:blipFill rotWithShape="1">
-          <a:blip r:embed="rId2">
-            <a:extLst>
-              <a:ext uri="{28A0092B-C50C-407E-A947-70E740481C1C}">
-                <a14:useLocalDpi xmlns:a14="http://schemas.microsoft.com/office/drawing/2010/main" val="0"/>
-              </a:ext>
-            </a:extLst>
-          </a:blip>
-          <a:srcRect l="11776" t="10574" r="9306" b="11024"/>
-          <a:stretch/>
-        </p:blipFill>
-        <p:spPr>
-          <a:xfrm>
-            <a:off x="6260123" y="1266093"/>
-            <a:ext cx="5324251" cy="5289452"/>
-          </a:xfrm>
-          <a:prstGeom prst="rect">
-            <a:avLst/>
-          </a:prstGeom>
-        </p:spPr>
-      </p:pic>
-      <p:pic>
-        <p:nvPicPr>
-          <p:cNvPr id="5" name="Picture 4">
-            <a:extLst>
-              <a:ext uri="{FF2B5EF4-FFF2-40B4-BE49-F238E27FC236}">
-                <a16:creationId xmlns:a16="http://schemas.microsoft.com/office/drawing/2014/main" id="{CB45506E-26BD-4A06-8BCD-8A5177A378E2}"/>
-              </a:ext>
-            </a:extLst>
-          </p:cNvPr>
-          <p:cNvPicPr>
-            <a:picLocks noChangeAspect="1"/>
-          </p:cNvPicPr>
-          <p:nvPr/>
-        </p:nvPicPr>
-        <p:blipFill rotWithShape="1">
-          <a:blip r:embed="rId3">
-            <a:extLst>
-              <a:ext uri="{28A0092B-C50C-407E-A947-70E740481C1C}">
-                <a14:useLocalDpi xmlns:a14="http://schemas.microsoft.com/office/drawing/2010/main" val="0"/>
-              </a:ext>
-            </a:extLst>
-          </a:blip>
-          <a:srcRect l="11300" t="11077" r="8291" b="11796"/>
-          <a:stretch/>
-        </p:blipFill>
-        <p:spPr>
-          <a:xfrm>
-            <a:off x="858129" y="784273"/>
-            <a:ext cx="3024554" cy="5802205"/>
-          </a:xfrm>
-          <a:prstGeom prst="rect">
-            <a:avLst/>
-          </a:prstGeom>
-        </p:spPr>
-      </p:pic>
-      <p:sp>
-        <p:nvSpPr>
-          <p:cNvPr id="6" name="TextBox 5">
-            <a:extLst>
-              <a:ext uri="{FF2B5EF4-FFF2-40B4-BE49-F238E27FC236}">
-                <a16:creationId xmlns:a16="http://schemas.microsoft.com/office/drawing/2014/main" id="{7A8DEA36-A431-4E66-95D8-C203D32F97F5}"/>
-              </a:ext>
-            </a:extLst>
-          </p:cNvPr>
-          <p:cNvSpPr txBox="1"/>
-          <p:nvPr/>
-        </p:nvSpPr>
-        <p:spPr>
-          <a:xfrm>
-            <a:off x="1153551" y="342983"/>
-            <a:ext cx="2729132" cy="369332"/>
-          </a:xfrm>
-          <a:prstGeom prst="rect">
-            <a:avLst/>
-          </a:prstGeom>
-          <a:noFill/>
-        </p:spPr>
-        <p:txBody>
-          <a:bodyPr wrap="square" rtlCol="0">
-            <a:spAutoFit/>
-          </a:bodyPr>
-          <a:lstStyle/>
-          <a:p>
-            <a:r>
-              <a:rPr lang="en-GB" dirty="0"/>
-              <a:t>1</a:t>
-            </a:r>
-            <a:r>
-              <a:rPr lang="en-GB" baseline="30000" dirty="0"/>
-              <a:t>st</a:t>
-            </a:r>
-            <a:r>
-              <a:rPr lang="en-GB" dirty="0"/>
-              <a:t> layer activations</a:t>
-            </a:r>
-          </a:p>
-        </p:txBody>
-      </p:sp>
-      <p:sp>
-        <p:nvSpPr>
-          <p:cNvPr id="7" name="TextBox 6">
-            <a:extLst>
-              <a:ext uri="{FF2B5EF4-FFF2-40B4-BE49-F238E27FC236}">
-                <a16:creationId xmlns:a16="http://schemas.microsoft.com/office/drawing/2014/main" id="{63F0D41E-535C-4573-98B2-ED311E0E4637}"/>
-              </a:ext>
-            </a:extLst>
-          </p:cNvPr>
-          <p:cNvSpPr txBox="1"/>
-          <p:nvPr/>
-        </p:nvSpPr>
-        <p:spPr>
-          <a:xfrm>
-            <a:off x="7397262" y="342983"/>
-            <a:ext cx="2729132" cy="369332"/>
-          </a:xfrm>
-          <a:prstGeom prst="rect">
-            <a:avLst/>
-          </a:prstGeom>
-          <a:noFill/>
-        </p:spPr>
-        <p:txBody>
-          <a:bodyPr wrap="square" rtlCol="0">
-            <a:spAutoFit/>
-          </a:bodyPr>
-          <a:lstStyle/>
-          <a:p>
-            <a:r>
-              <a:rPr lang="en-GB" dirty="0"/>
-              <a:t>2nd layer activations</a:t>
-            </a:r>
-          </a:p>
-        </p:txBody>
-      </p:sp>
-      <p:sp>
-        <p:nvSpPr>
-          <p:cNvPr id="8" name="TextBox 7">
-            <a:extLst>
-              <a:ext uri="{FF2B5EF4-FFF2-40B4-BE49-F238E27FC236}">
-                <a16:creationId xmlns:a16="http://schemas.microsoft.com/office/drawing/2014/main" id="{29E4150E-7532-4CDF-9D3B-F540C3B02DE7}"/>
-              </a:ext>
-            </a:extLst>
-          </p:cNvPr>
-          <p:cNvSpPr txBox="1"/>
-          <p:nvPr/>
-        </p:nvSpPr>
-        <p:spPr>
-          <a:xfrm>
-            <a:off x="4346917" y="2274838"/>
-            <a:ext cx="1491175" cy="2308324"/>
-          </a:xfrm>
-          <a:prstGeom prst="rect">
-            <a:avLst/>
-          </a:prstGeom>
-          <a:noFill/>
-        </p:spPr>
-        <p:txBody>
-          <a:bodyPr wrap="square" rtlCol="0">
-            <a:spAutoFit/>
-          </a:bodyPr>
-          <a:lstStyle/>
-          <a:p>
-            <a:pPr algn="ctr"/>
-            <a:r>
-              <a:rPr lang="en-GB" dirty="0"/>
-              <a:t>Feature maps from convolutional layers from network trained on 100 classes from scratch</a:t>
-            </a:r>
-          </a:p>
-        </p:txBody>
-      </p:sp>
-    </p:spTree>
-    <p:extLst>
-      <p:ext uri="{BB962C8B-B14F-4D97-AF65-F5344CB8AC3E}">
-        <p14:creationId xmlns:p14="http://schemas.microsoft.com/office/powerpoint/2010/main" val="2150774575"/>
-      </p:ext>
-    </p:extLst>
-  </p:cSld>
-  <p:clrMapOvr>
-    <a:masterClrMapping/>
-  </p:clrMapOvr>
-</p:sld>
-</file>
-
-<file path=ppt/slides/slide3.xml><?xml version="1.0" encoding="utf-8"?>
-<p:sld xmlns:a="http://schemas.openxmlformats.org/drawingml/2006/main" xmlns:r="http://schemas.openxmlformats.org/officeDocument/2006/relationships" xmlns:p="http://schemas.openxmlformats.org/presentationml/2006/main">
-  <p:cSld>
-    <p:spTree>
-      <p:nvGrpSpPr>
-        <p:cNvPr id="1" name=""/>
-        <p:cNvGrpSpPr/>
-        <p:nvPr/>
-      </p:nvGrpSpPr>
-      <p:grpSpPr>
-        <a:xfrm>
-          <a:off x="0" y="0"/>
-          <a:ext cx="0" cy="0"/>
-          <a:chOff x="0" y="0"/>
-          <a:chExt cx="0" cy="0"/>
-        </a:xfrm>
-      </p:grpSpPr>
       <p:grpSp>
         <p:nvGrpSpPr>
           <p:cNvPr id="5" name="Group 4">
@@ -4812,7 +4621,7 @@
 </p:sld>
 </file>
 
-<file path=ppt/slides/slide4.xml><?xml version="1.0" encoding="utf-8"?>
+<file path=ppt/slides/slide3.xml><?xml version="1.0" encoding="utf-8"?>
 <p:sld xmlns:a="http://schemas.openxmlformats.org/drawingml/2006/main" xmlns:r="http://schemas.openxmlformats.org/officeDocument/2006/relationships" xmlns:p="http://schemas.openxmlformats.org/presentationml/2006/main">
   <p:cSld>
     <p:spTree>
@@ -5229,7 +5038,7 @@
 </p:sld>
 </file>
 
-<file path=ppt/slides/slide5.xml><?xml version="1.0" encoding="utf-8"?>
+<file path=ppt/slides/slide4.xml><?xml version="1.0" encoding="utf-8"?>
 <p:sld xmlns:a="http://schemas.openxmlformats.org/drawingml/2006/main" xmlns:r="http://schemas.openxmlformats.org/officeDocument/2006/relationships" xmlns:p="http://schemas.openxmlformats.org/presentationml/2006/main">
   <p:cSld>
     <p:spTree>
@@ -5466,10 +5275,302 @@
           </a:p>
         </p:txBody>
       </p:sp>
+      <p:sp>
+        <p:nvSpPr>
+          <p:cNvPr id="9" name="TextBox 8">
+            <a:extLst>
+              <a:ext uri="{FF2B5EF4-FFF2-40B4-BE49-F238E27FC236}">
+                <a16:creationId xmlns:a16="http://schemas.microsoft.com/office/drawing/2014/main" id="{882FF231-B88A-4470-9A61-B3ED576D47D7}"/>
+              </a:ext>
+            </a:extLst>
+          </p:cNvPr>
+          <p:cNvSpPr txBox="1"/>
+          <p:nvPr/>
+        </p:nvSpPr>
+        <p:spPr>
+          <a:xfrm>
+            <a:off x="5750325" y="791253"/>
+            <a:ext cx="1235675" cy="369332"/>
+          </a:xfrm>
+          <a:prstGeom prst="rect">
+            <a:avLst/>
+          </a:prstGeom>
+          <a:noFill/>
+        </p:spPr>
+        <p:txBody>
+          <a:bodyPr wrap="square" rtlCol="0">
+            <a:spAutoFit/>
+          </a:bodyPr>
+          <a:lstStyle/>
+          <a:p>
+            <a:r>
+              <a:rPr lang="en-GB" dirty="0">
+                <a:solidFill>
+                  <a:srgbClr val="FF0000"/>
+                </a:solidFill>
+              </a:rPr>
+              <a:t>PRINT</a:t>
+            </a:r>
+          </a:p>
+        </p:txBody>
+      </p:sp>
     </p:spTree>
     <p:extLst>
       <p:ext uri="{BB962C8B-B14F-4D97-AF65-F5344CB8AC3E}">
         <p14:creationId xmlns:p14="http://schemas.microsoft.com/office/powerpoint/2010/main" val="3374592240"/>
+      </p:ext>
+    </p:extLst>
+  </p:cSld>
+  <p:clrMapOvr>
+    <a:masterClrMapping/>
+  </p:clrMapOvr>
+</p:sld>
+</file>
+
+<file path=ppt/slides/slide5.xml><?xml version="1.0" encoding="utf-8"?>
+<p:sld xmlns:a="http://schemas.openxmlformats.org/drawingml/2006/main" xmlns:r="http://schemas.openxmlformats.org/officeDocument/2006/relationships" xmlns:p="http://schemas.openxmlformats.org/presentationml/2006/main">
+  <p:cSld>
+    <p:spTree>
+      <p:nvGrpSpPr>
+        <p:cNvPr id="1" name=""/>
+        <p:cNvGrpSpPr/>
+        <p:nvPr/>
+      </p:nvGrpSpPr>
+      <p:grpSpPr>
+        <a:xfrm>
+          <a:off x="0" y="0"/>
+          <a:ext cx="0" cy="0"/>
+          <a:chOff x="0" y="0"/>
+          <a:chExt cx="0" cy="0"/>
+        </a:xfrm>
+      </p:grpSpPr>
+      <p:pic>
+        <p:nvPicPr>
+          <p:cNvPr id="3" name="Picture 2">
+            <a:extLst>
+              <a:ext uri="{FF2B5EF4-FFF2-40B4-BE49-F238E27FC236}">
+                <a16:creationId xmlns:a16="http://schemas.microsoft.com/office/drawing/2014/main" id="{DF153BF6-79B3-43B5-A0BF-049E9D9E54A7}"/>
+              </a:ext>
+            </a:extLst>
+          </p:cNvPr>
+          <p:cNvPicPr>
+            <a:picLocks noChangeAspect="1"/>
+          </p:cNvPicPr>
+          <p:nvPr/>
+        </p:nvPicPr>
+        <p:blipFill rotWithShape="1">
+          <a:blip r:embed="rId2">
+            <a:extLst>
+              <a:ext uri="{28A0092B-C50C-407E-A947-70E740481C1C}">
+                <a14:useLocalDpi xmlns:a14="http://schemas.microsoft.com/office/drawing/2010/main" val="0"/>
+              </a:ext>
+            </a:extLst>
+          </a:blip>
+          <a:srcRect l="11776" t="10574" r="9306" b="11024"/>
+          <a:stretch/>
+        </p:blipFill>
+        <p:spPr>
+          <a:xfrm>
+            <a:off x="6260123" y="1266093"/>
+            <a:ext cx="5324251" cy="5289452"/>
+          </a:xfrm>
+          <a:prstGeom prst="rect">
+            <a:avLst/>
+          </a:prstGeom>
+        </p:spPr>
+      </p:pic>
+      <p:pic>
+        <p:nvPicPr>
+          <p:cNvPr id="5" name="Picture 4">
+            <a:extLst>
+              <a:ext uri="{FF2B5EF4-FFF2-40B4-BE49-F238E27FC236}">
+                <a16:creationId xmlns:a16="http://schemas.microsoft.com/office/drawing/2014/main" id="{CB45506E-26BD-4A06-8BCD-8A5177A378E2}"/>
+              </a:ext>
+            </a:extLst>
+          </p:cNvPr>
+          <p:cNvPicPr>
+            <a:picLocks noChangeAspect="1"/>
+          </p:cNvPicPr>
+          <p:nvPr/>
+        </p:nvPicPr>
+        <p:blipFill rotWithShape="1">
+          <a:blip r:embed="rId3">
+            <a:extLst>
+              <a:ext uri="{28A0092B-C50C-407E-A947-70E740481C1C}">
+                <a14:useLocalDpi xmlns:a14="http://schemas.microsoft.com/office/drawing/2010/main" val="0"/>
+              </a:ext>
+            </a:extLst>
+          </a:blip>
+          <a:srcRect l="11300" t="11077" r="8291" b="11796"/>
+          <a:stretch/>
+        </p:blipFill>
+        <p:spPr>
+          <a:xfrm>
+            <a:off x="858129" y="784273"/>
+            <a:ext cx="3024554" cy="5802205"/>
+          </a:xfrm>
+          <a:prstGeom prst="rect">
+            <a:avLst/>
+          </a:prstGeom>
+        </p:spPr>
+      </p:pic>
+      <p:sp>
+        <p:nvSpPr>
+          <p:cNvPr id="6" name="TextBox 5">
+            <a:extLst>
+              <a:ext uri="{FF2B5EF4-FFF2-40B4-BE49-F238E27FC236}">
+                <a16:creationId xmlns:a16="http://schemas.microsoft.com/office/drawing/2014/main" id="{7A8DEA36-A431-4E66-95D8-C203D32F97F5}"/>
+              </a:ext>
+            </a:extLst>
+          </p:cNvPr>
+          <p:cNvSpPr txBox="1"/>
+          <p:nvPr/>
+        </p:nvSpPr>
+        <p:spPr>
+          <a:xfrm>
+            <a:off x="1153551" y="342983"/>
+            <a:ext cx="2729132" cy="369332"/>
+          </a:xfrm>
+          <a:prstGeom prst="rect">
+            <a:avLst/>
+          </a:prstGeom>
+          <a:noFill/>
+        </p:spPr>
+        <p:txBody>
+          <a:bodyPr wrap="square" rtlCol="0">
+            <a:spAutoFit/>
+          </a:bodyPr>
+          <a:lstStyle/>
+          <a:p>
+            <a:r>
+              <a:rPr lang="en-GB" dirty="0"/>
+              <a:t>1</a:t>
+            </a:r>
+            <a:r>
+              <a:rPr lang="en-GB" baseline="30000" dirty="0"/>
+              <a:t>st</a:t>
+            </a:r>
+            <a:r>
+              <a:rPr lang="en-GB" dirty="0"/>
+              <a:t> layer activations</a:t>
+            </a:r>
+          </a:p>
+        </p:txBody>
+      </p:sp>
+      <p:sp>
+        <p:nvSpPr>
+          <p:cNvPr id="7" name="TextBox 6">
+            <a:extLst>
+              <a:ext uri="{FF2B5EF4-FFF2-40B4-BE49-F238E27FC236}">
+                <a16:creationId xmlns:a16="http://schemas.microsoft.com/office/drawing/2014/main" id="{63F0D41E-535C-4573-98B2-ED311E0E4637}"/>
+              </a:ext>
+            </a:extLst>
+          </p:cNvPr>
+          <p:cNvSpPr txBox="1"/>
+          <p:nvPr/>
+        </p:nvSpPr>
+        <p:spPr>
+          <a:xfrm>
+            <a:off x="7397262" y="342983"/>
+            <a:ext cx="2729132" cy="369332"/>
+          </a:xfrm>
+          <a:prstGeom prst="rect">
+            <a:avLst/>
+          </a:prstGeom>
+          <a:noFill/>
+        </p:spPr>
+        <p:txBody>
+          <a:bodyPr wrap="square" rtlCol="0">
+            <a:spAutoFit/>
+          </a:bodyPr>
+          <a:lstStyle/>
+          <a:p>
+            <a:r>
+              <a:rPr lang="en-GB" dirty="0"/>
+              <a:t>2nd layer activations</a:t>
+            </a:r>
+          </a:p>
+        </p:txBody>
+      </p:sp>
+      <p:sp>
+        <p:nvSpPr>
+          <p:cNvPr id="8" name="TextBox 7">
+            <a:extLst>
+              <a:ext uri="{FF2B5EF4-FFF2-40B4-BE49-F238E27FC236}">
+                <a16:creationId xmlns:a16="http://schemas.microsoft.com/office/drawing/2014/main" id="{29E4150E-7532-4CDF-9D3B-F540C3B02DE7}"/>
+              </a:ext>
+            </a:extLst>
+          </p:cNvPr>
+          <p:cNvSpPr txBox="1"/>
+          <p:nvPr/>
+        </p:nvSpPr>
+        <p:spPr>
+          <a:xfrm>
+            <a:off x="4346917" y="2274838"/>
+            <a:ext cx="1491175" cy="2308324"/>
+          </a:xfrm>
+          <a:prstGeom prst="rect">
+            <a:avLst/>
+          </a:prstGeom>
+          <a:noFill/>
+        </p:spPr>
+        <p:txBody>
+          <a:bodyPr wrap="square" rtlCol="0">
+            <a:spAutoFit/>
+          </a:bodyPr>
+          <a:lstStyle/>
+          <a:p>
+            <a:pPr algn="ctr"/>
+            <a:r>
+              <a:rPr lang="en-GB" dirty="0"/>
+              <a:t>Feature maps from convolutional layers from network trained on 100 classes from scratch</a:t>
+            </a:r>
+          </a:p>
+        </p:txBody>
+      </p:sp>
+      <p:sp>
+        <p:nvSpPr>
+          <p:cNvPr id="2" name="TextBox 1">
+            <a:extLst>
+              <a:ext uri="{FF2B5EF4-FFF2-40B4-BE49-F238E27FC236}">
+                <a16:creationId xmlns:a16="http://schemas.microsoft.com/office/drawing/2014/main" id="{20E7192E-8B00-4D8A-A9B6-D981E08321DC}"/>
+              </a:ext>
+            </a:extLst>
+          </p:cNvPr>
+          <p:cNvSpPr txBox="1"/>
+          <p:nvPr/>
+        </p:nvSpPr>
+        <p:spPr>
+          <a:xfrm>
+            <a:off x="4195595" y="5189838"/>
+            <a:ext cx="1235675" cy="369332"/>
+          </a:xfrm>
+          <a:prstGeom prst="rect">
+            <a:avLst/>
+          </a:prstGeom>
+          <a:noFill/>
+        </p:spPr>
+        <p:txBody>
+          <a:bodyPr wrap="square" rtlCol="0">
+            <a:spAutoFit/>
+          </a:bodyPr>
+          <a:lstStyle/>
+          <a:p>
+            <a:r>
+              <a:rPr lang="en-GB" dirty="0">
+                <a:solidFill>
+                  <a:srgbClr val="FF0000"/>
+                </a:solidFill>
+              </a:rPr>
+              <a:t>PRINT</a:t>
+            </a:r>
+          </a:p>
+        </p:txBody>
+      </p:sp>
+    </p:spTree>
+    <p:extLst>
+      <p:ext uri="{BB962C8B-B14F-4D97-AF65-F5344CB8AC3E}">
+        <p14:creationId xmlns:p14="http://schemas.microsoft.com/office/powerpoint/2010/main" val="2150774575"/>
       </p:ext>
     </p:extLst>
   </p:cSld>

--- a/Compiled graphs.pptx
+++ b/Compiled graphs.pptx
@@ -5,7 +5,7 @@
     <p:sldMasterId id="2147483648" r:id="rId1"/>
   </p:sldMasterIdLst>
   <p:notesMasterIdLst>
-    <p:notesMasterId r:id="rId7"/>
+    <p:notesMasterId r:id="rId8"/>
   </p:notesMasterIdLst>
   <p:sldIdLst>
     <p:sldId id="257" r:id="rId2"/>
@@ -13,6 +13,7 @@
     <p:sldId id="259" r:id="rId4"/>
     <p:sldId id="260" r:id="rId5"/>
     <p:sldId id="261" r:id="rId6"/>
+    <p:sldId id="262" r:id="rId7"/>
   </p:sldIdLst>
   <p:sldSz cx="12192000" cy="6858000"/>
   <p:notesSz cx="6858000" cy="9144000"/>
@@ -188,7 +189,7 @@
   <pc:docChgLst>
     <pc:chgData name="elliot kerman" userId="e77916c079d5c398" providerId="LiveId" clId="{8DA0BB2C-F3B6-45F5-81AB-27FD8BE22616}"/>
     <pc:docChg chg="undo addSld modSld sldOrd">
-      <pc:chgData name="elliot kerman" userId="e77916c079d5c398" providerId="LiveId" clId="{8DA0BB2C-F3B6-45F5-81AB-27FD8BE22616}" dt="2018-03-13T10:00:16.227" v="159"/>
+      <pc:chgData name="elliot kerman" userId="e77916c079d5c398" providerId="LiveId" clId="{8DA0BB2C-F3B6-45F5-81AB-27FD8BE22616}" dt="2018-03-13T10:04:59.554" v="190" actId="20577"/>
       <pc:docMkLst>
         <pc:docMk/>
       </pc:docMkLst>
@@ -261,6 +262,29 @@
             <ac:picMk id="5" creationId="{CB45506E-26BD-4A06-8BCD-8A5177A378E2}"/>
           </ac:picMkLst>
         </pc:picChg>
+      </pc:sldChg>
+      <pc:sldChg chg="addSp modSp add ord">
+        <pc:chgData name="elliot kerman" userId="e77916c079d5c398" providerId="LiveId" clId="{8DA0BB2C-F3B6-45F5-81AB-27FD8BE22616}" dt="2018-03-13T10:04:59.554" v="190" actId="20577"/>
+        <pc:sldMkLst>
+          <pc:docMk/>
+          <pc:sldMk cId="1231363515" sldId="262"/>
+        </pc:sldMkLst>
+        <pc:spChg chg="add mod">
+          <ac:chgData name="elliot kerman" userId="e77916c079d5c398" providerId="LiveId" clId="{8DA0BB2C-F3B6-45F5-81AB-27FD8BE22616}" dt="2018-03-13T10:04:14.190" v="172" actId="20577"/>
+          <ac:spMkLst>
+            <pc:docMk/>
+            <pc:sldMk cId="1231363515" sldId="262"/>
+            <ac:spMk id="2" creationId="{3B6B9253-75BD-490E-AAE3-AA5A1A8EDCEC}"/>
+          </ac:spMkLst>
+        </pc:spChg>
+        <pc:spChg chg="add mod">
+          <ac:chgData name="elliot kerman" userId="e77916c079d5c398" providerId="LiveId" clId="{8DA0BB2C-F3B6-45F5-81AB-27FD8BE22616}" dt="2018-03-13T10:04:59.554" v="190" actId="20577"/>
+          <ac:spMkLst>
+            <pc:docMk/>
+            <pc:sldMk cId="1231363515" sldId="262"/>
+            <ac:spMk id="3" creationId="{D3DAF75E-1D02-47B6-B0DD-79C125EB3B45}"/>
+          </ac:spMkLst>
+        </pc:spChg>
       </pc:sldChg>
     </pc:docChg>
   </pc:docChgLst>
@@ -5571,6 +5595,124 @@
     <p:extLst>
       <p:ext uri="{BB962C8B-B14F-4D97-AF65-F5344CB8AC3E}">
         <p14:creationId xmlns:p14="http://schemas.microsoft.com/office/powerpoint/2010/main" val="2150774575"/>
+      </p:ext>
+    </p:extLst>
+  </p:cSld>
+  <p:clrMapOvr>
+    <a:masterClrMapping/>
+  </p:clrMapOvr>
+</p:sld>
+</file>
+
+<file path=ppt/slides/slide6.xml><?xml version="1.0" encoding="utf-8"?>
+<p:sld xmlns:a="http://schemas.openxmlformats.org/drawingml/2006/main" xmlns:r="http://schemas.openxmlformats.org/officeDocument/2006/relationships" xmlns:p="http://schemas.openxmlformats.org/presentationml/2006/main">
+  <p:cSld>
+    <p:spTree>
+      <p:nvGrpSpPr>
+        <p:cNvPr id="1" name=""/>
+        <p:cNvGrpSpPr/>
+        <p:nvPr/>
+      </p:nvGrpSpPr>
+      <p:grpSpPr>
+        <a:xfrm>
+          <a:off x="0" y="0"/>
+          <a:ext cx="0" cy="0"/>
+          <a:chOff x="0" y="0"/>
+          <a:chExt cx="0" cy="0"/>
+        </a:xfrm>
+      </p:grpSpPr>
+      <p:sp>
+        <p:nvSpPr>
+          <p:cNvPr id="2" name="TextBox 1">
+            <a:extLst>
+              <a:ext uri="{FF2B5EF4-FFF2-40B4-BE49-F238E27FC236}">
+                <a16:creationId xmlns:a16="http://schemas.microsoft.com/office/drawing/2014/main" id="{3B6B9253-75BD-490E-AAE3-AA5A1A8EDCEC}"/>
+              </a:ext>
+            </a:extLst>
+          </p:cNvPr>
+          <p:cNvSpPr txBox="1"/>
+          <p:nvPr/>
+        </p:nvSpPr>
+        <p:spPr>
+          <a:xfrm>
+            <a:off x="3941805" y="543697"/>
+            <a:ext cx="3323968" cy="369332"/>
+          </a:xfrm>
+          <a:prstGeom prst="rect">
+            <a:avLst/>
+          </a:prstGeom>
+          <a:noFill/>
+        </p:spPr>
+        <p:txBody>
+          <a:bodyPr wrap="square" rtlCol="0">
+            <a:spAutoFit/>
+          </a:bodyPr>
+          <a:lstStyle/>
+          <a:p>
+            <a:r>
+              <a:rPr lang="en-GB" dirty="0"/>
+              <a:t>References</a:t>
+            </a:r>
+          </a:p>
+        </p:txBody>
+      </p:sp>
+      <p:sp>
+        <p:nvSpPr>
+          <p:cNvPr id="3" name="TextBox 2">
+            <a:extLst>
+              <a:ext uri="{FF2B5EF4-FFF2-40B4-BE49-F238E27FC236}">
+                <a16:creationId xmlns:a16="http://schemas.microsoft.com/office/drawing/2014/main" id="{D3DAF75E-1D02-47B6-B0DD-79C125EB3B45}"/>
+              </a:ext>
+            </a:extLst>
+          </p:cNvPr>
+          <p:cNvSpPr txBox="1"/>
+          <p:nvPr/>
+        </p:nvSpPr>
+        <p:spPr>
+          <a:xfrm>
+            <a:off x="729049" y="1186249"/>
+            <a:ext cx="5474043" cy="923330"/>
+          </a:xfrm>
+          <a:prstGeom prst="rect">
+            <a:avLst/>
+          </a:prstGeom>
+          <a:noFill/>
+        </p:spPr>
+        <p:txBody>
+          <a:bodyPr wrap="square" rtlCol="0">
+            <a:spAutoFit/>
+          </a:bodyPr>
+          <a:lstStyle/>
+          <a:p>
+            <a:r>
+              <a:rPr lang="en-GB">
+                <a:hlinkClick r:id="rId2"/>
+              </a:rPr>
+              <a:t>Feature maps</a:t>
+            </a:r>
+          </a:p>
+          <a:p>
+            <a:pPr marL="285750" indent="-285750">
+              <a:buFont typeface="Arial" panose="020B0604020202020204" pitchFamily="34" charset="0"/>
+              <a:buChar char="•"/>
+            </a:pPr>
+            <a:r>
+              <a:rPr lang="en-GB" dirty="0">
+                <a:hlinkClick r:id="rId2"/>
+              </a:rPr>
+              <a:t>https://arxiv.org/pdf/1507.02313.pdf</a:t>
+            </a:r>
+            <a:endParaRPr lang="en-GB" dirty="0"/>
+          </a:p>
+          <a:p>
+            <a:endParaRPr lang="en-GB" dirty="0"/>
+          </a:p>
+        </p:txBody>
+      </p:sp>
+    </p:spTree>
+    <p:extLst>
+      <p:ext uri="{BB962C8B-B14F-4D97-AF65-F5344CB8AC3E}">
+        <p14:creationId xmlns:p14="http://schemas.microsoft.com/office/powerpoint/2010/main" val="1231363515"/>
       </p:ext>
     </p:extLst>
   </p:cSld>

--- a/Compiled graphs.pptx
+++ b/Compiled graphs.pptx
@@ -120,6 +120,10 @@
 </p:presentation>
 </file>
 
+<file path=ppt/revisionInfo.xml><?xml version="1.0" encoding="utf-8"?>
+<p1510:revInfo xmlns:a="http://schemas.openxmlformats.org/drawingml/2006/main" xmlns:r="http://schemas.openxmlformats.org/officeDocument/2006/relationships" xmlns:p1510="http://schemas.microsoft.com/office/powerpoint/2015/10/main"/>
+</file>
+
 <file path=ppt/changesInfos/changesInfo1.xml><?xml version="1.0" encoding="utf-8"?>
 <pc:chgInfo xmlns:a="http://schemas.openxmlformats.org/drawingml/2006/main" xmlns:r="http://schemas.openxmlformats.org/officeDocument/2006/relationships" xmlns:ac="http://schemas.microsoft.com/office/drawing/2013/main/command" xmlns:pc="http://schemas.microsoft.com/office/powerpoint/2013/main/command">
   <pc:docChgLst>
@@ -209,13 +213,13 @@
         </pc:spChg>
       </pc:sldChg>
       <pc:sldChg chg="addSp modSp add ord">
-        <pc:chgData name="elliot kerman" userId="e77916c079d5c398" providerId="LiveId" clId="{8DA0BB2C-F3B6-45F5-81AB-27FD8BE22616}" dt="2018-03-13T10:00:16.227" v="159"/>
+        <pc:chgData name="elliot kerman" userId="e77916c079d5c398" providerId="LiveId" clId="{8DA0BB2C-F3B6-45F5-81AB-27FD8BE22616}" dt="2018-03-13T10:00:16.227" v="159" actId="20577"/>
         <pc:sldMkLst>
           <pc:docMk/>
           <pc:sldMk cId="2150774575" sldId="261"/>
         </pc:sldMkLst>
         <pc:spChg chg="add mod">
-          <ac:chgData name="elliot kerman" userId="e77916c079d5c398" providerId="LiveId" clId="{8DA0BB2C-F3B6-45F5-81AB-27FD8BE22616}" dt="2018-03-13T09:59:41.213" v="156"/>
+          <ac:chgData name="elliot kerman" userId="e77916c079d5c398" providerId="LiveId" clId="{8DA0BB2C-F3B6-45F5-81AB-27FD8BE22616}" dt="2018-03-13T09:59:41.213" v="156" actId="20577"/>
           <ac:spMkLst>
             <pc:docMk/>
             <pc:sldMk cId="2150774575" sldId="261"/>
@@ -4558,80 +4562,101 @@
           </a:p>
         </p:txBody>
       </p:sp>
-      <p:pic>
-        <p:nvPicPr>
-          <p:cNvPr id="6" name="Picture 5">
-            <a:extLst>
-              <a:ext uri="{FF2B5EF4-FFF2-40B4-BE49-F238E27FC236}">
-                <a16:creationId xmlns:a16="http://schemas.microsoft.com/office/drawing/2014/main" id="{B55AF439-76D2-498B-826D-0279F0C6118D}"/>
-              </a:ext>
-            </a:extLst>
-          </p:cNvPr>
-          <p:cNvPicPr>
-            <a:picLocks noChangeAspect="1"/>
-          </p:cNvPicPr>
+      <p:grpSp>
+        <p:nvGrpSpPr>
+          <p:cNvPr id="2" name="Group 1">
+            <a:extLst>
+              <a:ext uri="{FF2B5EF4-FFF2-40B4-BE49-F238E27FC236}">
+                <a16:creationId xmlns:a16="http://schemas.microsoft.com/office/drawing/2014/main" id="{AA5091FF-E41A-4508-B7F6-CBA354AB2A7C}"/>
+              </a:ext>
+            </a:extLst>
+          </p:cNvPr>
+          <p:cNvGrpSpPr/>
           <p:nvPr/>
-        </p:nvPicPr>
-        <p:blipFill>
-          <a:blip r:embed="rId5">
-            <a:extLst>
-              <a:ext uri="{28A0092B-C50C-407E-A947-70E740481C1C}">
-                <a14:useLocalDpi xmlns:a14="http://schemas.microsoft.com/office/drawing/2010/main" val="0"/>
-              </a:ext>
-            </a:extLst>
-          </a:blip>
-          <a:stretch>
-            <a:fillRect/>
-          </a:stretch>
-        </p:blipFill>
-        <p:spPr>
-          <a:xfrm>
-            <a:off x="6187271" y="3436131"/>
-            <a:ext cx="5132804" cy="3421869"/>
-          </a:xfrm>
-          <a:prstGeom prst="rect">
-            <a:avLst/>
-          </a:prstGeom>
-        </p:spPr>
-      </p:pic>
-      <p:sp>
-        <p:nvSpPr>
-          <p:cNvPr id="15" name="TextBox 14">
-            <a:extLst>
-              <a:ext uri="{FF2B5EF4-FFF2-40B4-BE49-F238E27FC236}">
-                <a16:creationId xmlns:a16="http://schemas.microsoft.com/office/drawing/2014/main" id="{5156B7B3-92B6-46D0-B128-0F02A35B7C93}"/>
-              </a:ext>
-            </a:extLst>
-          </p:cNvPr>
-          <p:cNvSpPr txBox="1"/>
-          <p:nvPr/>
-        </p:nvSpPr>
-        <p:spPr>
+        </p:nvGrpSpPr>
+        <p:grpSpPr>
           <a:xfrm>
             <a:off x="6098163" y="3436131"/>
-            <a:ext cx="5311019" cy="369332"/>
+            <a:ext cx="5311019" cy="3421869"/>
+            <a:chOff x="6098163" y="3436131"/>
+            <a:chExt cx="5311019" cy="3421869"/>
           </a:xfrm>
-          <a:prstGeom prst="rect">
-            <a:avLst/>
-          </a:prstGeom>
-          <a:solidFill>
-            <a:schemeClr val="bg1"/>
-          </a:solidFill>
-        </p:spPr>
-        <p:txBody>
-          <a:bodyPr wrap="square" rtlCol="0">
-            <a:spAutoFit/>
-          </a:bodyPr>
-          <a:lstStyle/>
-          <a:p>
-            <a:pPr algn="ctr"/>
-            <a:r>
-              <a:rPr lang="en-GB" dirty="0"/>
-              <a:t>Advanced normalisation (and shuffled test data)</a:t>
-            </a:r>
-          </a:p>
-        </p:txBody>
-      </p:sp>
+        </p:grpSpPr>
+        <p:pic>
+          <p:nvPicPr>
+            <p:cNvPr id="6" name="Picture 5">
+              <a:extLst>
+                <a:ext uri="{FF2B5EF4-FFF2-40B4-BE49-F238E27FC236}">
+                  <a16:creationId xmlns:a16="http://schemas.microsoft.com/office/drawing/2014/main" id="{B55AF439-76D2-498B-826D-0279F0C6118D}"/>
+                </a:ext>
+              </a:extLst>
+            </p:cNvPr>
+            <p:cNvPicPr>
+              <a:picLocks noChangeAspect="1"/>
+            </p:cNvPicPr>
+            <p:nvPr/>
+          </p:nvPicPr>
+          <p:blipFill>
+            <a:blip r:embed="rId5">
+              <a:extLst>
+                <a:ext uri="{28A0092B-C50C-407E-A947-70E740481C1C}">
+                  <a14:useLocalDpi xmlns:a14="http://schemas.microsoft.com/office/drawing/2010/main" val="0"/>
+                </a:ext>
+              </a:extLst>
+            </a:blip>
+            <a:stretch>
+              <a:fillRect/>
+            </a:stretch>
+          </p:blipFill>
+          <p:spPr>
+            <a:xfrm>
+              <a:off x="6187271" y="3436131"/>
+              <a:ext cx="5132804" cy="3421869"/>
+            </a:xfrm>
+            <a:prstGeom prst="rect">
+              <a:avLst/>
+            </a:prstGeom>
+          </p:spPr>
+        </p:pic>
+        <p:sp>
+          <p:nvSpPr>
+            <p:cNvPr id="15" name="TextBox 14">
+              <a:extLst>
+                <a:ext uri="{FF2B5EF4-FFF2-40B4-BE49-F238E27FC236}">
+                  <a16:creationId xmlns:a16="http://schemas.microsoft.com/office/drawing/2014/main" id="{5156B7B3-92B6-46D0-B128-0F02A35B7C93}"/>
+                </a:ext>
+              </a:extLst>
+            </p:cNvPr>
+            <p:cNvSpPr txBox="1"/>
+            <p:nvPr/>
+          </p:nvSpPr>
+          <p:spPr>
+            <a:xfrm>
+              <a:off x="6098163" y="3436131"/>
+              <a:ext cx="5311019" cy="369332"/>
+            </a:xfrm>
+            <a:prstGeom prst="rect">
+              <a:avLst/>
+            </a:prstGeom>
+            <a:solidFill>
+              <a:schemeClr val="bg1"/>
+            </a:solidFill>
+          </p:spPr>
+          <p:txBody>
+            <a:bodyPr wrap="square" rtlCol="0">
+              <a:spAutoFit/>
+            </a:bodyPr>
+            <a:lstStyle/>
+            <a:p>
+              <a:pPr algn="ctr"/>
+              <a:r>
+                <a:rPr lang="en-GB" dirty="0"/>
+                <a:t>Advanced normalisation (and shuffled test data)</a:t>
+              </a:r>
+            </a:p>
+          </p:txBody>
+        </p:sp>
+      </p:grpSp>
     </p:spTree>
     <p:extLst>
       <p:ext uri="{BB962C8B-B14F-4D97-AF65-F5344CB8AC3E}">
@@ -5635,8 +5660,8 @@
         </p:nvSpPr>
         <p:spPr>
           <a:xfrm>
-            <a:off x="3941805" y="543697"/>
-            <a:ext cx="3323968" cy="369332"/>
+            <a:off x="5016842" y="284005"/>
+            <a:ext cx="3323968" cy="461665"/>
           </a:xfrm>
           <a:prstGeom prst="rect">
             <a:avLst/>
@@ -5650,7 +5675,7 @@
           <a:lstStyle/>
           <a:p>
             <a:r>
-              <a:rPr lang="en-GB" dirty="0"/>
+              <a:rPr lang="en-GB" sz="2400" b="1" dirty="0"/>
               <a:t>References</a:t>
             </a:r>
           </a:p>
@@ -5685,11 +5710,262 @@
           <a:lstStyle/>
           <a:p>
             <a:r>
-              <a:rPr lang="en-GB">
+              <a:rPr lang="en-GB" dirty="0"/>
+              <a:t>Feature maps</a:t>
+            </a:r>
+            <a:endParaRPr lang="en-GB" dirty="0">
+              <a:hlinkClick r:id="rId2"/>
+            </a:endParaRPr>
+          </a:p>
+          <a:p>
+            <a:pPr marL="285750" indent="-285750">
+              <a:buFont typeface="Arial" panose="020B0604020202020204" pitchFamily="34" charset="0"/>
+              <a:buChar char="•"/>
+            </a:pPr>
+            <a:r>
+              <a:rPr lang="en-GB" dirty="0">
                 <a:hlinkClick r:id="rId2"/>
               </a:rPr>
-              <a:t>Feature maps</a:t>
-            </a:r>
+              <a:t>https://arxiv.org/pdf/1507.02313.pdf</a:t>
+            </a:r>
+            <a:endParaRPr lang="en-GB" dirty="0"/>
+          </a:p>
+          <a:p>
+            <a:endParaRPr lang="en-GB" dirty="0"/>
+          </a:p>
+        </p:txBody>
+      </p:sp>
+      <p:sp>
+        <p:nvSpPr>
+          <p:cNvPr id="4" name="TextBox 3">
+            <a:extLst>
+              <a:ext uri="{FF2B5EF4-FFF2-40B4-BE49-F238E27FC236}">
+                <a16:creationId xmlns:a16="http://schemas.microsoft.com/office/drawing/2014/main" id="{4325F775-FCB3-417E-A2D5-C3695AE14043}"/>
+              </a:ext>
+            </a:extLst>
+          </p:cNvPr>
+          <p:cNvSpPr txBox="1"/>
+          <p:nvPr/>
+        </p:nvSpPr>
+        <p:spPr>
+          <a:xfrm>
+            <a:off x="5603789" y="1046418"/>
+            <a:ext cx="5474043" cy="4801314"/>
+          </a:xfrm>
+          <a:prstGeom prst="rect">
+            <a:avLst/>
+          </a:prstGeom>
+          <a:noFill/>
+        </p:spPr>
+        <p:txBody>
+          <a:bodyPr wrap="square" rtlCol="0">
+            <a:spAutoFit/>
+          </a:bodyPr>
+          <a:lstStyle/>
+          <a:p>
+            <a:r>
+              <a:rPr lang="en-GB" dirty="0"/>
+              <a:t>GANs:</a:t>
+            </a:r>
+          </a:p>
+          <a:p>
+            <a:pPr marL="285750" indent="-285750">
+              <a:buFont typeface="Arial" panose="020B0604020202020204" pitchFamily="34" charset="0"/>
+              <a:buChar char="•"/>
+            </a:pPr>
+            <a:r>
+              <a:rPr lang="en-GB" dirty="0"/>
+              <a:t>Overview of GANs: </a:t>
+            </a:r>
+            <a:r>
+              <a:rPr lang="en-GB" dirty="0">
+                <a:hlinkClick r:id="rId3"/>
+              </a:rPr>
+              <a:t>https://arxiv.org/pdf/1710.07035.pdf</a:t>
+            </a:r>
+            <a:endParaRPr lang="en-GB" dirty="0"/>
+          </a:p>
+          <a:p>
+            <a:pPr marL="285750" indent="-285750">
+              <a:buFont typeface="Arial" panose="020B0604020202020204" pitchFamily="34" charset="0"/>
+              <a:buChar char="•"/>
+            </a:pPr>
+            <a:r>
+              <a:rPr lang="en-GB" dirty="0"/>
+              <a:t>Face aging with </a:t>
+            </a:r>
+            <a:r>
+              <a:rPr lang="en-GB" dirty="0" err="1"/>
+              <a:t>cGAN</a:t>
+            </a:r>
+            <a:r>
+              <a:rPr lang="en-GB" dirty="0"/>
+              <a:t>: </a:t>
+            </a:r>
+            <a:r>
+              <a:rPr lang="en-GB" dirty="0">
+                <a:hlinkClick r:id="rId4"/>
+              </a:rPr>
+              <a:t>https://arxiv.org/pdf/1702.01983.pdf</a:t>
+            </a:r>
+            <a:endParaRPr lang="en-GB" dirty="0"/>
+          </a:p>
+          <a:p>
+            <a:pPr marL="285750" indent="-285750">
+              <a:buFont typeface="Arial" panose="020B0604020202020204" pitchFamily="34" charset="0"/>
+              <a:buChar char="•"/>
+            </a:pPr>
+            <a:r>
+              <a:rPr lang="en-GB" dirty="0"/>
+              <a:t>Image de-raining with </a:t>
+            </a:r>
+            <a:r>
+              <a:rPr lang="en-GB" dirty="0" err="1"/>
+              <a:t>cGAN</a:t>
+            </a:r>
+            <a:r>
+              <a:rPr lang="en-GB" dirty="0"/>
+              <a:t>: </a:t>
+            </a:r>
+            <a:r>
+              <a:rPr lang="en-GB" dirty="0">
+                <a:hlinkClick r:id="rId5"/>
+              </a:rPr>
+              <a:t>https://arxiv.org/pdf/1701.05957.pdf</a:t>
+            </a:r>
+            <a:endParaRPr lang="en-GB" dirty="0"/>
+          </a:p>
+          <a:p>
+            <a:pPr marL="285750" indent="-285750">
+              <a:buFont typeface="Arial" panose="020B0604020202020204" pitchFamily="34" charset="0"/>
+              <a:buChar char="•"/>
+            </a:pPr>
+            <a:r>
+              <a:rPr lang="en-GB" dirty="0"/>
+              <a:t>Original GAN paper: </a:t>
+            </a:r>
+            <a:r>
+              <a:rPr lang="en-GB" dirty="0">
+                <a:hlinkClick r:id="rId6"/>
+              </a:rPr>
+              <a:t>http://papers.nips.cc/paper/5423-generative-adversarial-nets.pdf</a:t>
+            </a:r>
+            <a:endParaRPr lang="en-GB" dirty="0"/>
+          </a:p>
+          <a:p>
+            <a:pPr marL="285750" indent="-285750">
+              <a:buFont typeface="Arial" panose="020B0604020202020204" pitchFamily="34" charset="0"/>
+              <a:buChar char="•"/>
+            </a:pPr>
+            <a:r>
+              <a:rPr lang="en-GB" dirty="0"/>
+              <a:t>DC-GAN paper: </a:t>
+            </a:r>
+            <a:r>
+              <a:rPr lang="en-GB" dirty="0">
+                <a:hlinkClick r:id="rId7"/>
+              </a:rPr>
+              <a:t>https://arxiv.org/pdf/1511.06434.pdf</a:t>
+            </a:r>
+            <a:endParaRPr lang="en-GB" dirty="0"/>
+          </a:p>
+          <a:p>
+            <a:pPr marL="285750" indent="-285750">
+              <a:buFont typeface="Arial" panose="020B0604020202020204" pitchFamily="34" charset="0"/>
+              <a:buChar char="•"/>
+            </a:pPr>
+            <a:r>
+              <a:rPr lang="en-GB" dirty="0"/>
+              <a:t>ALI (</a:t>
+            </a:r>
+            <a:r>
+              <a:rPr lang="en-GB" dirty="0" err="1"/>
+              <a:t>Adversarially</a:t>
+            </a:r>
+            <a:r>
+              <a:rPr lang="en-GB" dirty="0"/>
+              <a:t> learned inference) model: </a:t>
+            </a:r>
+            <a:r>
+              <a:rPr lang="en-GB" dirty="0">
+                <a:hlinkClick r:id="rId8"/>
+              </a:rPr>
+              <a:t>https://arxiv.org/pdf/1606.00704.pdf</a:t>
+            </a:r>
+            <a:endParaRPr lang="en-GB" dirty="0"/>
+          </a:p>
+          <a:p>
+            <a:pPr marL="285750" indent="-285750">
+              <a:buFont typeface="Arial" panose="020B0604020202020204" pitchFamily="34" charset="0"/>
+              <a:buChar char="•"/>
+            </a:pPr>
+            <a:r>
+              <a:rPr lang="en-GB" dirty="0" err="1"/>
+              <a:t>BiGAN</a:t>
+            </a:r>
+            <a:r>
+              <a:rPr lang="en-GB" dirty="0"/>
+              <a:t> (same as ALI): </a:t>
+            </a:r>
+            <a:r>
+              <a:rPr lang="en-GB" dirty="0">
+                <a:hlinkClick r:id="rId9"/>
+              </a:rPr>
+              <a:t>https://arxiv.org/pdf/1605.09782.pdf</a:t>
+            </a:r>
+            <a:endParaRPr lang="en-GB" dirty="0"/>
+          </a:p>
+          <a:p>
+            <a:pPr marL="285750" indent="-285750">
+              <a:buFont typeface="Arial" panose="020B0604020202020204" pitchFamily="34" charset="0"/>
+              <a:buChar char="•"/>
+            </a:pPr>
+            <a:endParaRPr lang="en-GB" dirty="0"/>
+          </a:p>
+          <a:p>
+            <a:pPr marL="285750" indent="-285750">
+              <a:buFont typeface="Arial" panose="020B0604020202020204" pitchFamily="34" charset="0"/>
+              <a:buChar char="•"/>
+            </a:pPr>
+            <a:endParaRPr lang="en-GB" dirty="0"/>
+          </a:p>
+        </p:txBody>
+      </p:sp>
+      <p:sp>
+        <p:nvSpPr>
+          <p:cNvPr id="5" name="TextBox 4">
+            <a:extLst>
+              <a:ext uri="{FF2B5EF4-FFF2-40B4-BE49-F238E27FC236}">
+                <a16:creationId xmlns:a16="http://schemas.microsoft.com/office/drawing/2014/main" id="{9A69B8FE-CD02-4A70-B110-CAAD16C3D7F4}"/>
+              </a:ext>
+            </a:extLst>
+          </p:cNvPr>
+          <p:cNvSpPr txBox="1"/>
+          <p:nvPr/>
+        </p:nvSpPr>
+        <p:spPr>
+          <a:xfrm>
+            <a:off x="476097" y="5439308"/>
+            <a:ext cx="5474043" cy="923330"/>
+          </a:xfrm>
+          <a:prstGeom prst="rect">
+            <a:avLst/>
+          </a:prstGeom>
+          <a:noFill/>
+        </p:spPr>
+        <p:txBody>
+          <a:bodyPr wrap="square" rtlCol="0">
+            <a:spAutoFit/>
+          </a:bodyPr>
+          <a:lstStyle/>
+          <a:p>
+            <a:r>
+              <a:rPr lang="en-GB" dirty="0"/>
+              <a:t>Notes on online deep learning course</a:t>
+            </a:r>
+            <a:endParaRPr lang="en-GB" dirty="0">
+              <a:hlinkClick r:id="rId2"/>
+            </a:endParaRPr>
           </a:p>
           <a:p>
             <a:pPr marL="285750" indent="-285750">

--- a/Compiled graphs.pptx
+++ b/Compiled graphs.pptx
@@ -5696,7 +5696,7 @@
         <p:spPr>
           <a:xfrm>
             <a:off x="729049" y="1186249"/>
-            <a:ext cx="5474043" cy="923330"/>
+            <a:ext cx="4757351" cy="3693319"/>
           </a:xfrm>
           <a:prstGeom prst="rect">
             <a:avLst/>
@@ -5731,6 +5731,75 @@
             <a:endParaRPr lang="en-GB" dirty="0"/>
           </a:p>
           <a:p>
+            <a:pPr marL="285750" indent="-285750">
+              <a:buFont typeface="Arial" panose="020B0604020202020204" pitchFamily="34" charset="0"/>
+              <a:buChar char="•"/>
+            </a:pPr>
+            <a:endParaRPr lang="en-GB" dirty="0"/>
+          </a:p>
+          <a:p>
+            <a:r>
+              <a:rPr lang="en-GB" dirty="0"/>
+              <a:t>Transfer learning</a:t>
+            </a:r>
+          </a:p>
+          <a:p>
+            <a:pPr marL="285750" indent="-285750">
+              <a:buFont typeface="Arial" panose="020B0604020202020204" pitchFamily="34" charset="0"/>
+              <a:buChar char="•"/>
+            </a:pPr>
+            <a:r>
+              <a:rPr lang="en-GB" dirty="0">
+                <a:hlinkClick r:id="rId3"/>
+              </a:rPr>
+              <a:t>https://papers.nips.cc/paper/5347-how-transferable-are-features-in-deep-neural-networks.pdf</a:t>
+            </a:r>
+            <a:endParaRPr lang="en-GB" dirty="0"/>
+          </a:p>
+          <a:p>
+            <a:pPr marL="285750" indent="-285750">
+              <a:buFont typeface="Arial" panose="020B0604020202020204" pitchFamily="34" charset="0"/>
+              <a:buChar char="•"/>
+            </a:pPr>
+            <a:endParaRPr lang="en-GB" dirty="0"/>
+          </a:p>
+          <a:p>
+            <a:r>
+              <a:rPr lang="en-GB" dirty="0"/>
+              <a:t>Notes on online deep learning course</a:t>
+            </a:r>
+            <a:endParaRPr lang="en-GB" dirty="0">
+              <a:hlinkClick r:id="rId2"/>
+            </a:endParaRPr>
+          </a:p>
+          <a:p>
+            <a:pPr marL="285750" indent="-285750">
+              <a:buFont typeface="Arial" panose="020B0604020202020204" pitchFamily="34" charset="0"/>
+              <a:buChar char="•"/>
+            </a:pPr>
+            <a:r>
+              <a:rPr lang="en-GB" dirty="0">
+                <a:hlinkClick r:id="rId2"/>
+              </a:rPr>
+              <a:t>https://arxiv.org/pdf/1507.02313.pdf</a:t>
+            </a:r>
+            <a:endParaRPr lang="en-GB" dirty="0"/>
+          </a:p>
+          <a:p>
+            <a:pPr marL="285750" indent="-285750">
+              <a:buFont typeface="Arial" panose="020B0604020202020204" pitchFamily="34" charset="0"/>
+              <a:buChar char="•"/>
+            </a:pPr>
+            <a:endParaRPr lang="en-GB" dirty="0"/>
+          </a:p>
+          <a:p>
+            <a:pPr marL="285750" indent="-285750">
+              <a:buFont typeface="Arial" panose="020B0604020202020204" pitchFamily="34" charset="0"/>
+              <a:buChar char="•"/>
+            </a:pPr>
+            <a:endParaRPr lang="en-GB" dirty="0"/>
+          </a:p>
+          <a:p>
             <a:endParaRPr lang="en-GB" dirty="0"/>
           </a:p>
         </p:txBody>
@@ -5749,7 +5818,7 @@
         </p:nvSpPr>
         <p:spPr>
           <a:xfrm>
-            <a:off x="5603789" y="1046418"/>
+            <a:off x="6178824" y="1065271"/>
             <a:ext cx="5474043" cy="4801314"/>
           </a:xfrm>
           <a:prstGeom prst="rect">
@@ -5779,7 +5848,7 @@
             </a:r>
             <a:r>
               <a:rPr lang="en-GB" dirty="0">
-                <a:hlinkClick r:id="rId3"/>
+                <a:hlinkClick r:id="rId4"/>
               </a:rPr>
               <a:t>https://arxiv.org/pdf/1710.07035.pdf</a:t>
             </a:r>
@@ -5804,7 +5873,7 @@
             </a:r>
             <a:r>
               <a:rPr lang="en-GB" dirty="0">
-                <a:hlinkClick r:id="rId4"/>
+                <a:hlinkClick r:id="rId5"/>
               </a:rPr>
               <a:t>https://arxiv.org/pdf/1702.01983.pdf</a:t>
             </a:r>
@@ -5829,7 +5898,7 @@
             </a:r>
             <a:r>
               <a:rPr lang="en-GB" dirty="0">
-                <a:hlinkClick r:id="rId5"/>
+                <a:hlinkClick r:id="rId6"/>
               </a:rPr>
               <a:t>https://arxiv.org/pdf/1701.05957.pdf</a:t>
             </a:r>
@@ -5846,7 +5915,7 @@
             </a:r>
             <a:r>
               <a:rPr lang="en-GB" dirty="0">
-                <a:hlinkClick r:id="rId6"/>
+                <a:hlinkClick r:id="rId7"/>
               </a:rPr>
               <a:t>http://papers.nips.cc/paper/5423-generative-adversarial-nets.pdf</a:t>
             </a:r>
@@ -5863,7 +5932,7 @@
             </a:r>
             <a:r>
               <a:rPr lang="en-GB" dirty="0">
-                <a:hlinkClick r:id="rId7"/>
+                <a:hlinkClick r:id="rId8"/>
               </a:rPr>
               <a:t>https://arxiv.org/pdf/1511.06434.pdf</a:t>
             </a:r>
@@ -5888,7 +5957,7 @@
             </a:r>
             <a:r>
               <a:rPr lang="en-GB" dirty="0">
-                <a:hlinkClick r:id="rId8"/>
+                <a:hlinkClick r:id="rId9"/>
               </a:rPr>
               <a:t>https://arxiv.org/pdf/1606.00704.pdf</a:t>
             </a:r>
@@ -5909,7 +5978,7 @@
             </a:r>
             <a:r>
               <a:rPr lang="en-GB" dirty="0">
-                <a:hlinkClick r:id="rId9"/>
+                <a:hlinkClick r:id="rId10"/>
               </a:rPr>
               <a:t>https://arxiv.org/pdf/1605.09782.pdf</a:t>
             </a:r>
@@ -5927,60 +5996,6 @@
               <a:buFont typeface="Arial" panose="020B0604020202020204" pitchFamily="34" charset="0"/>
               <a:buChar char="•"/>
             </a:pPr>
-            <a:endParaRPr lang="en-GB" dirty="0"/>
-          </a:p>
-        </p:txBody>
-      </p:sp>
-      <p:sp>
-        <p:nvSpPr>
-          <p:cNvPr id="5" name="TextBox 4">
-            <a:extLst>
-              <a:ext uri="{FF2B5EF4-FFF2-40B4-BE49-F238E27FC236}">
-                <a16:creationId xmlns:a16="http://schemas.microsoft.com/office/drawing/2014/main" id="{9A69B8FE-CD02-4A70-B110-CAAD16C3D7F4}"/>
-              </a:ext>
-            </a:extLst>
-          </p:cNvPr>
-          <p:cNvSpPr txBox="1"/>
-          <p:nvPr/>
-        </p:nvSpPr>
-        <p:spPr>
-          <a:xfrm>
-            <a:off x="476097" y="5439308"/>
-            <a:ext cx="5474043" cy="923330"/>
-          </a:xfrm>
-          <a:prstGeom prst="rect">
-            <a:avLst/>
-          </a:prstGeom>
-          <a:noFill/>
-        </p:spPr>
-        <p:txBody>
-          <a:bodyPr wrap="square" rtlCol="0">
-            <a:spAutoFit/>
-          </a:bodyPr>
-          <a:lstStyle/>
-          <a:p>
-            <a:r>
-              <a:rPr lang="en-GB" dirty="0"/>
-              <a:t>Notes on online deep learning course</a:t>
-            </a:r>
-            <a:endParaRPr lang="en-GB" dirty="0">
-              <a:hlinkClick r:id="rId2"/>
-            </a:endParaRPr>
-          </a:p>
-          <a:p>
-            <a:pPr marL="285750" indent="-285750">
-              <a:buFont typeface="Arial" panose="020B0604020202020204" pitchFamily="34" charset="0"/>
-              <a:buChar char="•"/>
-            </a:pPr>
-            <a:r>
-              <a:rPr lang="en-GB" dirty="0">
-                <a:hlinkClick r:id="rId2"/>
-              </a:rPr>
-              <a:t>https://arxiv.org/pdf/1507.02313.pdf</a:t>
-            </a:r>
-            <a:endParaRPr lang="en-GB" dirty="0"/>
-          </a:p>
-          <a:p>
             <a:endParaRPr lang="en-GB" dirty="0"/>
           </a:p>
         </p:txBody>

--- a/Compiled graphs.pptx
+++ b/Compiled graphs.pptx
@@ -3,17 +3,19 @@
 <p:presentation xmlns:a="http://schemas.openxmlformats.org/drawingml/2006/main" xmlns:r="http://schemas.openxmlformats.org/officeDocument/2006/relationships" xmlns:p="http://schemas.openxmlformats.org/presentationml/2006/main" saveSubsetFonts="1">
   <p:sldMasterIdLst>
     <p:sldMasterId id="2147483648" r:id="rId1"/>
+    <p:sldMasterId id="2147483660" r:id="rId2"/>
   </p:sldMasterIdLst>
   <p:notesMasterIdLst>
-    <p:notesMasterId r:id="rId8"/>
+    <p:notesMasterId r:id="rId10"/>
   </p:notesMasterIdLst>
   <p:sldIdLst>
-    <p:sldId id="257" r:id="rId2"/>
-    <p:sldId id="258" r:id="rId3"/>
-    <p:sldId id="259" r:id="rId4"/>
-    <p:sldId id="260" r:id="rId5"/>
-    <p:sldId id="261" r:id="rId6"/>
-    <p:sldId id="262" r:id="rId7"/>
+    <p:sldId id="257" r:id="rId3"/>
+    <p:sldId id="258" r:id="rId4"/>
+    <p:sldId id="259" r:id="rId5"/>
+    <p:sldId id="260" r:id="rId6"/>
+    <p:sldId id="261" r:id="rId7"/>
+    <p:sldId id="264" r:id="rId8"/>
+    <p:sldId id="262" r:id="rId9"/>
   </p:sldIdLst>
   <p:sldSz cx="12192000" cy="6858000"/>
   <p:notesSz cx="6858000" cy="9144000"/>
@@ -118,10 +120,6 @@
     </p:ext>
   </p:extLst>
 </p:presentation>
-</file>
-
-<file path=ppt/revisionInfo.xml><?xml version="1.0" encoding="utf-8"?>
-<p1510:revInfo xmlns:a="http://schemas.openxmlformats.org/drawingml/2006/main" xmlns:r="http://schemas.openxmlformats.org/officeDocument/2006/relationships" xmlns:p1510="http://schemas.microsoft.com/office/powerpoint/2015/10/main"/>
 </file>
 
 <file path=ppt/changesInfos/changesInfo1.xml><?xml version="1.0" encoding="utf-8"?>
@@ -377,7 +375,7 @@
           <a:p>
             <a:fld id="{1312CFC0-6A39-4A2C-AC24-6061EBE48B82}" type="datetimeFigureOut">
               <a:rPr lang="en-GB" smtClean="0"/>
-              <a:t>13/03/2018</a:t>
+              <a:t>20/03/2018</a:t>
             </a:fld>
             <a:endParaRPr lang="en-GB"/>
           </a:p>
@@ -794,7 +792,7 @@
           <a:p>
             <a:fld id="{F999EE6D-E52B-45B7-B943-4C650C77E21B}" type="datetimeFigureOut">
               <a:rPr lang="en-GB" smtClean="0"/>
-              <a:t>13/03/2018</a:t>
+              <a:t>20/03/2018</a:t>
             </a:fld>
             <a:endParaRPr lang="en-GB"/>
           </a:p>
@@ -994,7 +992,7 @@
           <a:p>
             <a:fld id="{F999EE6D-E52B-45B7-B943-4C650C77E21B}" type="datetimeFigureOut">
               <a:rPr lang="en-GB" smtClean="0"/>
-              <a:t>13/03/2018</a:t>
+              <a:t>20/03/2018</a:t>
             </a:fld>
             <a:endParaRPr lang="en-GB"/>
           </a:p>
@@ -1204,7 +1202,7 @@
           <a:p>
             <a:fld id="{F999EE6D-E52B-45B7-B943-4C650C77E21B}" type="datetimeFigureOut">
               <a:rPr lang="en-GB" smtClean="0"/>
-              <a:t>13/03/2018</a:t>
+              <a:t>20/03/2018</a:t>
             </a:fld>
             <a:endParaRPr lang="en-GB"/>
           </a:p>
@@ -1268,6 +1266,1955 @@
     <p:extLst>
       <p:ext uri="{BB962C8B-B14F-4D97-AF65-F5344CB8AC3E}">
         <p14:creationId xmlns:p14="http://schemas.microsoft.com/office/powerpoint/2010/main" val="1979493009"/>
+      </p:ext>
+    </p:extLst>
+  </p:cSld>
+  <p:clrMapOvr>
+    <a:masterClrMapping/>
+  </p:clrMapOvr>
+</p:sldLayout>
+</file>
+
+<file path=ppt/slideLayouts/slideLayout12.xml><?xml version="1.0" encoding="utf-8"?>
+<p:sldLayout xmlns:a="http://schemas.openxmlformats.org/drawingml/2006/main" xmlns:r="http://schemas.openxmlformats.org/officeDocument/2006/relationships" xmlns:p="http://schemas.openxmlformats.org/presentationml/2006/main" type="title" preserve="1">
+  <p:cSld name="Title Slide">
+    <p:spTree>
+      <p:nvGrpSpPr>
+        <p:cNvPr id="1" name=""/>
+        <p:cNvGrpSpPr/>
+        <p:nvPr/>
+      </p:nvGrpSpPr>
+      <p:grpSpPr>
+        <a:xfrm>
+          <a:off x="0" y="0"/>
+          <a:ext cx="0" cy="0"/>
+          <a:chOff x="0" y="0"/>
+          <a:chExt cx="0" cy="0"/>
+        </a:xfrm>
+      </p:grpSpPr>
+      <p:sp>
+        <p:nvSpPr>
+          <p:cNvPr id="2" name="Title 1">
+            <a:extLst>
+              <a:ext uri="{FF2B5EF4-FFF2-40B4-BE49-F238E27FC236}">
+                <a16:creationId xmlns:a16="http://schemas.microsoft.com/office/drawing/2014/main" id="{56374C8B-A17C-4E31-AB80-9020CD82A20F}"/>
+              </a:ext>
+            </a:extLst>
+          </p:cNvPr>
+          <p:cNvSpPr>
+            <a:spLocks noGrp="1"/>
+          </p:cNvSpPr>
+          <p:nvPr>
+            <p:ph type="ctrTitle"/>
+          </p:nvPr>
+        </p:nvSpPr>
+        <p:spPr>
+          <a:xfrm>
+            <a:off x="1524000" y="1122363"/>
+            <a:ext cx="9144000" cy="2387600"/>
+          </a:xfrm>
+        </p:spPr>
+        <p:txBody>
+          <a:bodyPr anchor="b"/>
+          <a:lstStyle>
+            <a:lvl1pPr algn="ctr">
+              <a:defRPr sz="6000"/>
+            </a:lvl1pPr>
+          </a:lstStyle>
+          <a:p>
+            <a:r>
+              <a:rPr lang="en-US"/>
+              <a:t>Click to edit Master title style</a:t>
+            </a:r>
+            <a:endParaRPr lang="en-GB"/>
+          </a:p>
+        </p:txBody>
+      </p:sp>
+      <p:sp>
+        <p:nvSpPr>
+          <p:cNvPr id="3" name="Subtitle 2">
+            <a:extLst>
+              <a:ext uri="{FF2B5EF4-FFF2-40B4-BE49-F238E27FC236}">
+                <a16:creationId xmlns:a16="http://schemas.microsoft.com/office/drawing/2014/main" id="{4B63A064-FD13-4B88-9424-552815AEFED3}"/>
+              </a:ext>
+            </a:extLst>
+          </p:cNvPr>
+          <p:cNvSpPr>
+            <a:spLocks noGrp="1"/>
+          </p:cNvSpPr>
+          <p:nvPr>
+            <p:ph type="subTitle" idx="1"/>
+          </p:nvPr>
+        </p:nvSpPr>
+        <p:spPr>
+          <a:xfrm>
+            <a:off x="1524000" y="3602038"/>
+            <a:ext cx="9144000" cy="1655762"/>
+          </a:xfrm>
+        </p:spPr>
+        <p:txBody>
+          <a:bodyPr/>
+          <a:lstStyle>
+            <a:lvl1pPr marL="0" indent="0" algn="ctr">
+              <a:buNone/>
+              <a:defRPr sz="2400"/>
+            </a:lvl1pPr>
+            <a:lvl2pPr marL="457200" indent="0" algn="ctr">
+              <a:buNone/>
+              <a:defRPr sz="2000"/>
+            </a:lvl2pPr>
+            <a:lvl3pPr marL="914400" indent="0" algn="ctr">
+              <a:buNone/>
+              <a:defRPr sz="1800"/>
+            </a:lvl3pPr>
+            <a:lvl4pPr marL="1371600" indent="0" algn="ctr">
+              <a:buNone/>
+              <a:defRPr sz="1600"/>
+            </a:lvl4pPr>
+            <a:lvl5pPr marL="1828800" indent="0" algn="ctr">
+              <a:buNone/>
+              <a:defRPr sz="1600"/>
+            </a:lvl5pPr>
+            <a:lvl6pPr marL="2286000" indent="0" algn="ctr">
+              <a:buNone/>
+              <a:defRPr sz="1600"/>
+            </a:lvl6pPr>
+            <a:lvl7pPr marL="2743200" indent="0" algn="ctr">
+              <a:buNone/>
+              <a:defRPr sz="1600"/>
+            </a:lvl7pPr>
+            <a:lvl8pPr marL="3200400" indent="0" algn="ctr">
+              <a:buNone/>
+              <a:defRPr sz="1600"/>
+            </a:lvl8pPr>
+            <a:lvl9pPr marL="3657600" indent="0" algn="ctr">
+              <a:buNone/>
+              <a:defRPr sz="1600"/>
+            </a:lvl9pPr>
+          </a:lstStyle>
+          <a:p>
+            <a:r>
+              <a:rPr lang="en-US"/>
+              <a:t>Click to edit Master subtitle style</a:t>
+            </a:r>
+            <a:endParaRPr lang="en-GB"/>
+          </a:p>
+        </p:txBody>
+      </p:sp>
+      <p:sp>
+        <p:nvSpPr>
+          <p:cNvPr id="4" name="Date Placeholder 3">
+            <a:extLst>
+              <a:ext uri="{FF2B5EF4-FFF2-40B4-BE49-F238E27FC236}">
+                <a16:creationId xmlns:a16="http://schemas.microsoft.com/office/drawing/2014/main" id="{BC59A3DC-D5AB-41D4-BD89-D295D5D4A06F}"/>
+              </a:ext>
+            </a:extLst>
+          </p:cNvPr>
+          <p:cNvSpPr>
+            <a:spLocks noGrp="1"/>
+          </p:cNvSpPr>
+          <p:nvPr>
+            <p:ph type="dt" sz="half" idx="10"/>
+          </p:nvPr>
+        </p:nvSpPr>
+        <p:spPr/>
+        <p:txBody>
+          <a:bodyPr/>
+          <a:lstStyle/>
+          <a:p>
+            <a:fld id="{9C24F874-02A1-48BF-AE54-4A07EBAF6EA2}" type="datetimeFigureOut">
+              <a:rPr lang="en-GB" smtClean="0"/>
+              <a:t>20/03/2018</a:t>
+            </a:fld>
+            <a:endParaRPr lang="en-GB"/>
+          </a:p>
+        </p:txBody>
+      </p:sp>
+      <p:sp>
+        <p:nvSpPr>
+          <p:cNvPr id="5" name="Footer Placeholder 4">
+            <a:extLst>
+              <a:ext uri="{FF2B5EF4-FFF2-40B4-BE49-F238E27FC236}">
+                <a16:creationId xmlns:a16="http://schemas.microsoft.com/office/drawing/2014/main" id="{12BB95E6-B267-4D29-B3BF-746EF570C980}"/>
+              </a:ext>
+            </a:extLst>
+          </p:cNvPr>
+          <p:cNvSpPr>
+            <a:spLocks noGrp="1"/>
+          </p:cNvSpPr>
+          <p:nvPr>
+            <p:ph type="ftr" sz="quarter" idx="11"/>
+          </p:nvPr>
+        </p:nvSpPr>
+        <p:spPr/>
+        <p:txBody>
+          <a:bodyPr/>
+          <a:lstStyle/>
+          <a:p>
+            <a:endParaRPr lang="en-GB"/>
+          </a:p>
+        </p:txBody>
+      </p:sp>
+      <p:sp>
+        <p:nvSpPr>
+          <p:cNvPr id="6" name="Slide Number Placeholder 5">
+            <a:extLst>
+              <a:ext uri="{FF2B5EF4-FFF2-40B4-BE49-F238E27FC236}">
+                <a16:creationId xmlns:a16="http://schemas.microsoft.com/office/drawing/2014/main" id="{28F59548-8F39-45F2-AEDB-2041AFF72270}"/>
+              </a:ext>
+            </a:extLst>
+          </p:cNvPr>
+          <p:cNvSpPr>
+            <a:spLocks noGrp="1"/>
+          </p:cNvSpPr>
+          <p:nvPr>
+            <p:ph type="sldNum" sz="quarter" idx="12"/>
+          </p:nvPr>
+        </p:nvSpPr>
+        <p:spPr/>
+        <p:txBody>
+          <a:bodyPr/>
+          <a:lstStyle/>
+          <a:p>
+            <a:fld id="{9C7D1916-3AD3-4FEC-AEB3-D0E6DB5A64D5}" type="slidenum">
+              <a:rPr lang="en-GB" smtClean="0"/>
+              <a:t>‹#›</a:t>
+            </a:fld>
+            <a:endParaRPr lang="en-GB"/>
+          </a:p>
+        </p:txBody>
+      </p:sp>
+    </p:spTree>
+    <p:extLst>
+      <p:ext uri="{BB962C8B-B14F-4D97-AF65-F5344CB8AC3E}">
+        <p14:creationId xmlns:p14="http://schemas.microsoft.com/office/powerpoint/2010/main" val="4078363842"/>
+      </p:ext>
+    </p:extLst>
+  </p:cSld>
+  <p:clrMapOvr>
+    <a:masterClrMapping/>
+  </p:clrMapOvr>
+</p:sldLayout>
+</file>
+
+<file path=ppt/slideLayouts/slideLayout13.xml><?xml version="1.0" encoding="utf-8"?>
+<p:sldLayout xmlns:a="http://schemas.openxmlformats.org/drawingml/2006/main" xmlns:r="http://schemas.openxmlformats.org/officeDocument/2006/relationships" xmlns:p="http://schemas.openxmlformats.org/presentationml/2006/main" type="obj" preserve="1">
+  <p:cSld name="Title and Content">
+    <p:spTree>
+      <p:nvGrpSpPr>
+        <p:cNvPr id="1" name=""/>
+        <p:cNvGrpSpPr/>
+        <p:nvPr/>
+      </p:nvGrpSpPr>
+      <p:grpSpPr>
+        <a:xfrm>
+          <a:off x="0" y="0"/>
+          <a:ext cx="0" cy="0"/>
+          <a:chOff x="0" y="0"/>
+          <a:chExt cx="0" cy="0"/>
+        </a:xfrm>
+      </p:grpSpPr>
+      <p:sp>
+        <p:nvSpPr>
+          <p:cNvPr id="2" name="Title 1">
+            <a:extLst>
+              <a:ext uri="{FF2B5EF4-FFF2-40B4-BE49-F238E27FC236}">
+                <a16:creationId xmlns:a16="http://schemas.microsoft.com/office/drawing/2014/main" id="{08014273-4F3D-4EE4-9B58-2769BE71FD13}"/>
+              </a:ext>
+            </a:extLst>
+          </p:cNvPr>
+          <p:cNvSpPr>
+            <a:spLocks noGrp="1"/>
+          </p:cNvSpPr>
+          <p:nvPr>
+            <p:ph type="title"/>
+          </p:nvPr>
+        </p:nvSpPr>
+        <p:spPr/>
+        <p:txBody>
+          <a:bodyPr/>
+          <a:lstStyle/>
+          <a:p>
+            <a:r>
+              <a:rPr lang="en-US"/>
+              <a:t>Click to edit Master title style</a:t>
+            </a:r>
+            <a:endParaRPr lang="en-GB"/>
+          </a:p>
+        </p:txBody>
+      </p:sp>
+      <p:sp>
+        <p:nvSpPr>
+          <p:cNvPr id="3" name="Content Placeholder 2">
+            <a:extLst>
+              <a:ext uri="{FF2B5EF4-FFF2-40B4-BE49-F238E27FC236}">
+                <a16:creationId xmlns:a16="http://schemas.microsoft.com/office/drawing/2014/main" id="{7EFC0F42-2515-488E-B1F7-251EBF716B93}"/>
+              </a:ext>
+            </a:extLst>
+          </p:cNvPr>
+          <p:cNvSpPr>
+            <a:spLocks noGrp="1"/>
+          </p:cNvSpPr>
+          <p:nvPr>
+            <p:ph idx="1"/>
+          </p:nvPr>
+        </p:nvSpPr>
+        <p:spPr/>
+        <p:txBody>
+          <a:bodyPr/>
+          <a:lstStyle/>
+          <a:p>
+            <a:pPr lvl="0"/>
+            <a:r>
+              <a:rPr lang="en-US"/>
+              <a:t>Edit Master text styles</a:t>
+            </a:r>
+          </a:p>
+          <a:p>
+            <a:pPr lvl="1"/>
+            <a:r>
+              <a:rPr lang="en-US"/>
+              <a:t>Second level</a:t>
+            </a:r>
+          </a:p>
+          <a:p>
+            <a:pPr lvl="2"/>
+            <a:r>
+              <a:rPr lang="en-US"/>
+              <a:t>Third level</a:t>
+            </a:r>
+          </a:p>
+          <a:p>
+            <a:pPr lvl="3"/>
+            <a:r>
+              <a:rPr lang="en-US"/>
+              <a:t>Fourth level</a:t>
+            </a:r>
+          </a:p>
+          <a:p>
+            <a:pPr lvl="4"/>
+            <a:r>
+              <a:rPr lang="en-US"/>
+              <a:t>Fifth level</a:t>
+            </a:r>
+            <a:endParaRPr lang="en-GB"/>
+          </a:p>
+        </p:txBody>
+      </p:sp>
+      <p:sp>
+        <p:nvSpPr>
+          <p:cNvPr id="4" name="Date Placeholder 3">
+            <a:extLst>
+              <a:ext uri="{FF2B5EF4-FFF2-40B4-BE49-F238E27FC236}">
+                <a16:creationId xmlns:a16="http://schemas.microsoft.com/office/drawing/2014/main" id="{EB704120-10CB-4723-97EA-755B18486C05}"/>
+              </a:ext>
+            </a:extLst>
+          </p:cNvPr>
+          <p:cNvSpPr>
+            <a:spLocks noGrp="1"/>
+          </p:cNvSpPr>
+          <p:nvPr>
+            <p:ph type="dt" sz="half" idx="10"/>
+          </p:nvPr>
+        </p:nvSpPr>
+        <p:spPr/>
+        <p:txBody>
+          <a:bodyPr/>
+          <a:lstStyle/>
+          <a:p>
+            <a:fld id="{9C24F874-02A1-48BF-AE54-4A07EBAF6EA2}" type="datetimeFigureOut">
+              <a:rPr lang="en-GB" smtClean="0"/>
+              <a:t>20/03/2018</a:t>
+            </a:fld>
+            <a:endParaRPr lang="en-GB"/>
+          </a:p>
+        </p:txBody>
+      </p:sp>
+      <p:sp>
+        <p:nvSpPr>
+          <p:cNvPr id="5" name="Footer Placeholder 4">
+            <a:extLst>
+              <a:ext uri="{FF2B5EF4-FFF2-40B4-BE49-F238E27FC236}">
+                <a16:creationId xmlns:a16="http://schemas.microsoft.com/office/drawing/2014/main" id="{1280DE06-979B-4E7B-B4AB-9B4D6FE2647B}"/>
+              </a:ext>
+            </a:extLst>
+          </p:cNvPr>
+          <p:cNvSpPr>
+            <a:spLocks noGrp="1"/>
+          </p:cNvSpPr>
+          <p:nvPr>
+            <p:ph type="ftr" sz="quarter" idx="11"/>
+          </p:nvPr>
+        </p:nvSpPr>
+        <p:spPr/>
+        <p:txBody>
+          <a:bodyPr/>
+          <a:lstStyle/>
+          <a:p>
+            <a:endParaRPr lang="en-GB"/>
+          </a:p>
+        </p:txBody>
+      </p:sp>
+      <p:sp>
+        <p:nvSpPr>
+          <p:cNvPr id="6" name="Slide Number Placeholder 5">
+            <a:extLst>
+              <a:ext uri="{FF2B5EF4-FFF2-40B4-BE49-F238E27FC236}">
+                <a16:creationId xmlns:a16="http://schemas.microsoft.com/office/drawing/2014/main" id="{10DDAC91-D187-46B2-8BE9-C6A574D019F1}"/>
+              </a:ext>
+            </a:extLst>
+          </p:cNvPr>
+          <p:cNvSpPr>
+            <a:spLocks noGrp="1"/>
+          </p:cNvSpPr>
+          <p:nvPr>
+            <p:ph type="sldNum" sz="quarter" idx="12"/>
+          </p:nvPr>
+        </p:nvSpPr>
+        <p:spPr/>
+        <p:txBody>
+          <a:bodyPr/>
+          <a:lstStyle/>
+          <a:p>
+            <a:fld id="{9C7D1916-3AD3-4FEC-AEB3-D0E6DB5A64D5}" type="slidenum">
+              <a:rPr lang="en-GB" smtClean="0"/>
+              <a:t>‹#›</a:t>
+            </a:fld>
+            <a:endParaRPr lang="en-GB"/>
+          </a:p>
+        </p:txBody>
+      </p:sp>
+    </p:spTree>
+    <p:extLst>
+      <p:ext uri="{BB962C8B-B14F-4D97-AF65-F5344CB8AC3E}">
+        <p14:creationId xmlns:p14="http://schemas.microsoft.com/office/powerpoint/2010/main" val="4187686326"/>
+      </p:ext>
+    </p:extLst>
+  </p:cSld>
+  <p:clrMapOvr>
+    <a:masterClrMapping/>
+  </p:clrMapOvr>
+</p:sldLayout>
+</file>
+
+<file path=ppt/slideLayouts/slideLayout14.xml><?xml version="1.0" encoding="utf-8"?>
+<p:sldLayout xmlns:a="http://schemas.openxmlformats.org/drawingml/2006/main" xmlns:r="http://schemas.openxmlformats.org/officeDocument/2006/relationships" xmlns:p="http://schemas.openxmlformats.org/presentationml/2006/main" type="secHead" preserve="1">
+  <p:cSld name="Section Header">
+    <p:spTree>
+      <p:nvGrpSpPr>
+        <p:cNvPr id="1" name=""/>
+        <p:cNvGrpSpPr/>
+        <p:nvPr/>
+      </p:nvGrpSpPr>
+      <p:grpSpPr>
+        <a:xfrm>
+          <a:off x="0" y="0"/>
+          <a:ext cx="0" cy="0"/>
+          <a:chOff x="0" y="0"/>
+          <a:chExt cx="0" cy="0"/>
+        </a:xfrm>
+      </p:grpSpPr>
+      <p:sp>
+        <p:nvSpPr>
+          <p:cNvPr id="2" name="Title 1">
+            <a:extLst>
+              <a:ext uri="{FF2B5EF4-FFF2-40B4-BE49-F238E27FC236}">
+                <a16:creationId xmlns:a16="http://schemas.microsoft.com/office/drawing/2014/main" id="{4376D59D-9CC6-41A6-A21E-D975DA663EF1}"/>
+              </a:ext>
+            </a:extLst>
+          </p:cNvPr>
+          <p:cNvSpPr>
+            <a:spLocks noGrp="1"/>
+          </p:cNvSpPr>
+          <p:nvPr>
+            <p:ph type="title"/>
+          </p:nvPr>
+        </p:nvSpPr>
+        <p:spPr>
+          <a:xfrm>
+            <a:off x="831850" y="1709738"/>
+            <a:ext cx="10515600" cy="2852737"/>
+          </a:xfrm>
+        </p:spPr>
+        <p:txBody>
+          <a:bodyPr anchor="b"/>
+          <a:lstStyle>
+            <a:lvl1pPr>
+              <a:defRPr sz="6000"/>
+            </a:lvl1pPr>
+          </a:lstStyle>
+          <a:p>
+            <a:r>
+              <a:rPr lang="en-US"/>
+              <a:t>Click to edit Master title style</a:t>
+            </a:r>
+            <a:endParaRPr lang="en-GB"/>
+          </a:p>
+        </p:txBody>
+      </p:sp>
+      <p:sp>
+        <p:nvSpPr>
+          <p:cNvPr id="3" name="Text Placeholder 2">
+            <a:extLst>
+              <a:ext uri="{FF2B5EF4-FFF2-40B4-BE49-F238E27FC236}">
+                <a16:creationId xmlns:a16="http://schemas.microsoft.com/office/drawing/2014/main" id="{4217D9F7-BEEB-4967-BDE5-DCB7B8303C42}"/>
+              </a:ext>
+            </a:extLst>
+          </p:cNvPr>
+          <p:cNvSpPr>
+            <a:spLocks noGrp="1"/>
+          </p:cNvSpPr>
+          <p:nvPr>
+            <p:ph type="body" idx="1"/>
+          </p:nvPr>
+        </p:nvSpPr>
+        <p:spPr>
+          <a:xfrm>
+            <a:off x="831850" y="4589463"/>
+            <a:ext cx="10515600" cy="1500187"/>
+          </a:xfrm>
+        </p:spPr>
+        <p:txBody>
+          <a:bodyPr/>
+          <a:lstStyle>
+            <a:lvl1pPr marL="0" indent="0">
+              <a:buNone/>
+              <a:defRPr sz="2400">
+                <a:solidFill>
+                  <a:schemeClr val="tx1">
+                    <a:tint val="75000"/>
+                  </a:schemeClr>
+                </a:solidFill>
+              </a:defRPr>
+            </a:lvl1pPr>
+            <a:lvl2pPr marL="457200" indent="0">
+              <a:buNone/>
+              <a:defRPr sz="2000">
+                <a:solidFill>
+                  <a:schemeClr val="tx1">
+                    <a:tint val="75000"/>
+                  </a:schemeClr>
+                </a:solidFill>
+              </a:defRPr>
+            </a:lvl2pPr>
+            <a:lvl3pPr marL="914400" indent="0">
+              <a:buNone/>
+              <a:defRPr sz="1800">
+                <a:solidFill>
+                  <a:schemeClr val="tx1">
+                    <a:tint val="75000"/>
+                  </a:schemeClr>
+                </a:solidFill>
+              </a:defRPr>
+            </a:lvl3pPr>
+            <a:lvl4pPr marL="1371600" indent="0">
+              <a:buNone/>
+              <a:defRPr sz="1600">
+                <a:solidFill>
+                  <a:schemeClr val="tx1">
+                    <a:tint val="75000"/>
+                  </a:schemeClr>
+                </a:solidFill>
+              </a:defRPr>
+            </a:lvl4pPr>
+            <a:lvl5pPr marL="1828800" indent="0">
+              <a:buNone/>
+              <a:defRPr sz="1600">
+                <a:solidFill>
+                  <a:schemeClr val="tx1">
+                    <a:tint val="75000"/>
+                  </a:schemeClr>
+                </a:solidFill>
+              </a:defRPr>
+            </a:lvl5pPr>
+            <a:lvl6pPr marL="2286000" indent="0">
+              <a:buNone/>
+              <a:defRPr sz="1600">
+                <a:solidFill>
+                  <a:schemeClr val="tx1">
+                    <a:tint val="75000"/>
+                  </a:schemeClr>
+                </a:solidFill>
+              </a:defRPr>
+            </a:lvl6pPr>
+            <a:lvl7pPr marL="2743200" indent="0">
+              <a:buNone/>
+              <a:defRPr sz="1600">
+                <a:solidFill>
+                  <a:schemeClr val="tx1">
+                    <a:tint val="75000"/>
+                  </a:schemeClr>
+                </a:solidFill>
+              </a:defRPr>
+            </a:lvl7pPr>
+            <a:lvl8pPr marL="3200400" indent="0">
+              <a:buNone/>
+              <a:defRPr sz="1600">
+                <a:solidFill>
+                  <a:schemeClr val="tx1">
+                    <a:tint val="75000"/>
+                  </a:schemeClr>
+                </a:solidFill>
+              </a:defRPr>
+            </a:lvl8pPr>
+            <a:lvl9pPr marL="3657600" indent="0">
+              <a:buNone/>
+              <a:defRPr sz="1600">
+                <a:solidFill>
+                  <a:schemeClr val="tx1">
+                    <a:tint val="75000"/>
+                  </a:schemeClr>
+                </a:solidFill>
+              </a:defRPr>
+            </a:lvl9pPr>
+          </a:lstStyle>
+          <a:p>
+            <a:pPr lvl="0"/>
+            <a:r>
+              <a:rPr lang="en-US"/>
+              <a:t>Edit Master text styles</a:t>
+            </a:r>
+          </a:p>
+        </p:txBody>
+      </p:sp>
+      <p:sp>
+        <p:nvSpPr>
+          <p:cNvPr id="4" name="Date Placeholder 3">
+            <a:extLst>
+              <a:ext uri="{FF2B5EF4-FFF2-40B4-BE49-F238E27FC236}">
+                <a16:creationId xmlns:a16="http://schemas.microsoft.com/office/drawing/2014/main" id="{3435BE15-9957-44E8-B446-00E0F504DBA4}"/>
+              </a:ext>
+            </a:extLst>
+          </p:cNvPr>
+          <p:cNvSpPr>
+            <a:spLocks noGrp="1"/>
+          </p:cNvSpPr>
+          <p:nvPr>
+            <p:ph type="dt" sz="half" idx="10"/>
+          </p:nvPr>
+        </p:nvSpPr>
+        <p:spPr/>
+        <p:txBody>
+          <a:bodyPr/>
+          <a:lstStyle/>
+          <a:p>
+            <a:fld id="{9C24F874-02A1-48BF-AE54-4A07EBAF6EA2}" type="datetimeFigureOut">
+              <a:rPr lang="en-GB" smtClean="0"/>
+              <a:t>20/03/2018</a:t>
+            </a:fld>
+            <a:endParaRPr lang="en-GB"/>
+          </a:p>
+        </p:txBody>
+      </p:sp>
+      <p:sp>
+        <p:nvSpPr>
+          <p:cNvPr id="5" name="Footer Placeholder 4">
+            <a:extLst>
+              <a:ext uri="{FF2B5EF4-FFF2-40B4-BE49-F238E27FC236}">
+                <a16:creationId xmlns:a16="http://schemas.microsoft.com/office/drawing/2014/main" id="{A7DAFCC6-CB6C-4D32-9693-71DCCB7F6AEC}"/>
+              </a:ext>
+            </a:extLst>
+          </p:cNvPr>
+          <p:cNvSpPr>
+            <a:spLocks noGrp="1"/>
+          </p:cNvSpPr>
+          <p:nvPr>
+            <p:ph type="ftr" sz="quarter" idx="11"/>
+          </p:nvPr>
+        </p:nvSpPr>
+        <p:spPr/>
+        <p:txBody>
+          <a:bodyPr/>
+          <a:lstStyle/>
+          <a:p>
+            <a:endParaRPr lang="en-GB"/>
+          </a:p>
+        </p:txBody>
+      </p:sp>
+      <p:sp>
+        <p:nvSpPr>
+          <p:cNvPr id="6" name="Slide Number Placeholder 5">
+            <a:extLst>
+              <a:ext uri="{FF2B5EF4-FFF2-40B4-BE49-F238E27FC236}">
+                <a16:creationId xmlns:a16="http://schemas.microsoft.com/office/drawing/2014/main" id="{1FBD2804-29F3-4162-804C-3B9C70E53412}"/>
+              </a:ext>
+            </a:extLst>
+          </p:cNvPr>
+          <p:cNvSpPr>
+            <a:spLocks noGrp="1"/>
+          </p:cNvSpPr>
+          <p:nvPr>
+            <p:ph type="sldNum" sz="quarter" idx="12"/>
+          </p:nvPr>
+        </p:nvSpPr>
+        <p:spPr/>
+        <p:txBody>
+          <a:bodyPr/>
+          <a:lstStyle/>
+          <a:p>
+            <a:fld id="{9C7D1916-3AD3-4FEC-AEB3-D0E6DB5A64D5}" type="slidenum">
+              <a:rPr lang="en-GB" smtClean="0"/>
+              <a:t>‹#›</a:t>
+            </a:fld>
+            <a:endParaRPr lang="en-GB"/>
+          </a:p>
+        </p:txBody>
+      </p:sp>
+    </p:spTree>
+    <p:extLst>
+      <p:ext uri="{BB962C8B-B14F-4D97-AF65-F5344CB8AC3E}">
+        <p14:creationId xmlns:p14="http://schemas.microsoft.com/office/powerpoint/2010/main" val="1248479678"/>
+      </p:ext>
+    </p:extLst>
+  </p:cSld>
+  <p:clrMapOvr>
+    <a:masterClrMapping/>
+  </p:clrMapOvr>
+</p:sldLayout>
+</file>
+
+<file path=ppt/slideLayouts/slideLayout15.xml><?xml version="1.0" encoding="utf-8"?>
+<p:sldLayout xmlns:a="http://schemas.openxmlformats.org/drawingml/2006/main" xmlns:r="http://schemas.openxmlformats.org/officeDocument/2006/relationships" xmlns:p="http://schemas.openxmlformats.org/presentationml/2006/main" type="twoObj" preserve="1">
+  <p:cSld name="Two Content">
+    <p:spTree>
+      <p:nvGrpSpPr>
+        <p:cNvPr id="1" name=""/>
+        <p:cNvGrpSpPr/>
+        <p:nvPr/>
+      </p:nvGrpSpPr>
+      <p:grpSpPr>
+        <a:xfrm>
+          <a:off x="0" y="0"/>
+          <a:ext cx="0" cy="0"/>
+          <a:chOff x="0" y="0"/>
+          <a:chExt cx="0" cy="0"/>
+        </a:xfrm>
+      </p:grpSpPr>
+      <p:sp>
+        <p:nvSpPr>
+          <p:cNvPr id="2" name="Title 1">
+            <a:extLst>
+              <a:ext uri="{FF2B5EF4-FFF2-40B4-BE49-F238E27FC236}">
+                <a16:creationId xmlns:a16="http://schemas.microsoft.com/office/drawing/2014/main" id="{0A955F64-5F43-41AF-B15A-0751000D88E2}"/>
+              </a:ext>
+            </a:extLst>
+          </p:cNvPr>
+          <p:cNvSpPr>
+            <a:spLocks noGrp="1"/>
+          </p:cNvSpPr>
+          <p:nvPr>
+            <p:ph type="title"/>
+          </p:nvPr>
+        </p:nvSpPr>
+        <p:spPr/>
+        <p:txBody>
+          <a:bodyPr/>
+          <a:lstStyle/>
+          <a:p>
+            <a:r>
+              <a:rPr lang="en-US"/>
+              <a:t>Click to edit Master title style</a:t>
+            </a:r>
+            <a:endParaRPr lang="en-GB"/>
+          </a:p>
+        </p:txBody>
+      </p:sp>
+      <p:sp>
+        <p:nvSpPr>
+          <p:cNvPr id="3" name="Content Placeholder 2">
+            <a:extLst>
+              <a:ext uri="{FF2B5EF4-FFF2-40B4-BE49-F238E27FC236}">
+                <a16:creationId xmlns:a16="http://schemas.microsoft.com/office/drawing/2014/main" id="{63219744-EBDB-4212-A966-DDFE05CF409A}"/>
+              </a:ext>
+            </a:extLst>
+          </p:cNvPr>
+          <p:cNvSpPr>
+            <a:spLocks noGrp="1"/>
+          </p:cNvSpPr>
+          <p:nvPr>
+            <p:ph sz="half" idx="1"/>
+          </p:nvPr>
+        </p:nvSpPr>
+        <p:spPr>
+          <a:xfrm>
+            <a:off x="838200" y="1825625"/>
+            <a:ext cx="5181600" cy="4351338"/>
+          </a:xfrm>
+        </p:spPr>
+        <p:txBody>
+          <a:bodyPr/>
+          <a:lstStyle/>
+          <a:p>
+            <a:pPr lvl="0"/>
+            <a:r>
+              <a:rPr lang="en-US"/>
+              <a:t>Edit Master text styles</a:t>
+            </a:r>
+          </a:p>
+          <a:p>
+            <a:pPr lvl="1"/>
+            <a:r>
+              <a:rPr lang="en-US"/>
+              <a:t>Second level</a:t>
+            </a:r>
+          </a:p>
+          <a:p>
+            <a:pPr lvl="2"/>
+            <a:r>
+              <a:rPr lang="en-US"/>
+              <a:t>Third level</a:t>
+            </a:r>
+          </a:p>
+          <a:p>
+            <a:pPr lvl="3"/>
+            <a:r>
+              <a:rPr lang="en-US"/>
+              <a:t>Fourth level</a:t>
+            </a:r>
+          </a:p>
+          <a:p>
+            <a:pPr lvl="4"/>
+            <a:r>
+              <a:rPr lang="en-US"/>
+              <a:t>Fifth level</a:t>
+            </a:r>
+            <a:endParaRPr lang="en-GB"/>
+          </a:p>
+        </p:txBody>
+      </p:sp>
+      <p:sp>
+        <p:nvSpPr>
+          <p:cNvPr id="4" name="Content Placeholder 3">
+            <a:extLst>
+              <a:ext uri="{FF2B5EF4-FFF2-40B4-BE49-F238E27FC236}">
+                <a16:creationId xmlns:a16="http://schemas.microsoft.com/office/drawing/2014/main" id="{65DF55AD-D32E-4DBF-AF8A-C3ECB55CC7F0}"/>
+              </a:ext>
+            </a:extLst>
+          </p:cNvPr>
+          <p:cNvSpPr>
+            <a:spLocks noGrp="1"/>
+          </p:cNvSpPr>
+          <p:nvPr>
+            <p:ph sz="half" idx="2"/>
+          </p:nvPr>
+        </p:nvSpPr>
+        <p:spPr>
+          <a:xfrm>
+            <a:off x="6172200" y="1825625"/>
+            <a:ext cx="5181600" cy="4351338"/>
+          </a:xfrm>
+        </p:spPr>
+        <p:txBody>
+          <a:bodyPr/>
+          <a:lstStyle/>
+          <a:p>
+            <a:pPr lvl="0"/>
+            <a:r>
+              <a:rPr lang="en-US"/>
+              <a:t>Edit Master text styles</a:t>
+            </a:r>
+          </a:p>
+          <a:p>
+            <a:pPr lvl="1"/>
+            <a:r>
+              <a:rPr lang="en-US"/>
+              <a:t>Second level</a:t>
+            </a:r>
+          </a:p>
+          <a:p>
+            <a:pPr lvl="2"/>
+            <a:r>
+              <a:rPr lang="en-US"/>
+              <a:t>Third level</a:t>
+            </a:r>
+          </a:p>
+          <a:p>
+            <a:pPr lvl="3"/>
+            <a:r>
+              <a:rPr lang="en-US"/>
+              <a:t>Fourth level</a:t>
+            </a:r>
+          </a:p>
+          <a:p>
+            <a:pPr lvl="4"/>
+            <a:r>
+              <a:rPr lang="en-US"/>
+              <a:t>Fifth level</a:t>
+            </a:r>
+            <a:endParaRPr lang="en-GB"/>
+          </a:p>
+        </p:txBody>
+      </p:sp>
+      <p:sp>
+        <p:nvSpPr>
+          <p:cNvPr id="5" name="Date Placeholder 4">
+            <a:extLst>
+              <a:ext uri="{FF2B5EF4-FFF2-40B4-BE49-F238E27FC236}">
+                <a16:creationId xmlns:a16="http://schemas.microsoft.com/office/drawing/2014/main" id="{5A18F8F5-31D7-4D9A-8567-8C1024AC868E}"/>
+              </a:ext>
+            </a:extLst>
+          </p:cNvPr>
+          <p:cNvSpPr>
+            <a:spLocks noGrp="1"/>
+          </p:cNvSpPr>
+          <p:nvPr>
+            <p:ph type="dt" sz="half" idx="10"/>
+          </p:nvPr>
+        </p:nvSpPr>
+        <p:spPr/>
+        <p:txBody>
+          <a:bodyPr/>
+          <a:lstStyle/>
+          <a:p>
+            <a:fld id="{9C24F874-02A1-48BF-AE54-4A07EBAF6EA2}" type="datetimeFigureOut">
+              <a:rPr lang="en-GB" smtClean="0"/>
+              <a:t>20/03/2018</a:t>
+            </a:fld>
+            <a:endParaRPr lang="en-GB"/>
+          </a:p>
+        </p:txBody>
+      </p:sp>
+      <p:sp>
+        <p:nvSpPr>
+          <p:cNvPr id="6" name="Footer Placeholder 5">
+            <a:extLst>
+              <a:ext uri="{FF2B5EF4-FFF2-40B4-BE49-F238E27FC236}">
+                <a16:creationId xmlns:a16="http://schemas.microsoft.com/office/drawing/2014/main" id="{91A6E0E1-CE22-4C74-AC8B-939386C71B1A}"/>
+              </a:ext>
+            </a:extLst>
+          </p:cNvPr>
+          <p:cNvSpPr>
+            <a:spLocks noGrp="1"/>
+          </p:cNvSpPr>
+          <p:nvPr>
+            <p:ph type="ftr" sz="quarter" idx="11"/>
+          </p:nvPr>
+        </p:nvSpPr>
+        <p:spPr/>
+        <p:txBody>
+          <a:bodyPr/>
+          <a:lstStyle/>
+          <a:p>
+            <a:endParaRPr lang="en-GB"/>
+          </a:p>
+        </p:txBody>
+      </p:sp>
+      <p:sp>
+        <p:nvSpPr>
+          <p:cNvPr id="7" name="Slide Number Placeholder 6">
+            <a:extLst>
+              <a:ext uri="{FF2B5EF4-FFF2-40B4-BE49-F238E27FC236}">
+                <a16:creationId xmlns:a16="http://schemas.microsoft.com/office/drawing/2014/main" id="{939ED5D0-D600-4A1C-AE96-D57E0FDFFD2F}"/>
+              </a:ext>
+            </a:extLst>
+          </p:cNvPr>
+          <p:cNvSpPr>
+            <a:spLocks noGrp="1"/>
+          </p:cNvSpPr>
+          <p:nvPr>
+            <p:ph type="sldNum" sz="quarter" idx="12"/>
+          </p:nvPr>
+        </p:nvSpPr>
+        <p:spPr/>
+        <p:txBody>
+          <a:bodyPr/>
+          <a:lstStyle/>
+          <a:p>
+            <a:fld id="{9C7D1916-3AD3-4FEC-AEB3-D0E6DB5A64D5}" type="slidenum">
+              <a:rPr lang="en-GB" smtClean="0"/>
+              <a:t>‹#›</a:t>
+            </a:fld>
+            <a:endParaRPr lang="en-GB"/>
+          </a:p>
+        </p:txBody>
+      </p:sp>
+    </p:spTree>
+    <p:extLst>
+      <p:ext uri="{BB962C8B-B14F-4D97-AF65-F5344CB8AC3E}">
+        <p14:creationId xmlns:p14="http://schemas.microsoft.com/office/powerpoint/2010/main" val="553355799"/>
+      </p:ext>
+    </p:extLst>
+  </p:cSld>
+  <p:clrMapOvr>
+    <a:masterClrMapping/>
+  </p:clrMapOvr>
+</p:sldLayout>
+</file>
+
+<file path=ppt/slideLayouts/slideLayout16.xml><?xml version="1.0" encoding="utf-8"?>
+<p:sldLayout xmlns:a="http://schemas.openxmlformats.org/drawingml/2006/main" xmlns:r="http://schemas.openxmlformats.org/officeDocument/2006/relationships" xmlns:p="http://schemas.openxmlformats.org/presentationml/2006/main" type="twoTxTwoObj" preserve="1">
+  <p:cSld name="Comparison">
+    <p:spTree>
+      <p:nvGrpSpPr>
+        <p:cNvPr id="1" name=""/>
+        <p:cNvGrpSpPr/>
+        <p:nvPr/>
+      </p:nvGrpSpPr>
+      <p:grpSpPr>
+        <a:xfrm>
+          <a:off x="0" y="0"/>
+          <a:ext cx="0" cy="0"/>
+          <a:chOff x="0" y="0"/>
+          <a:chExt cx="0" cy="0"/>
+        </a:xfrm>
+      </p:grpSpPr>
+      <p:sp>
+        <p:nvSpPr>
+          <p:cNvPr id="2" name="Title 1">
+            <a:extLst>
+              <a:ext uri="{FF2B5EF4-FFF2-40B4-BE49-F238E27FC236}">
+                <a16:creationId xmlns:a16="http://schemas.microsoft.com/office/drawing/2014/main" id="{E60EF56A-AD96-43F4-8C9D-0BC1F0893424}"/>
+              </a:ext>
+            </a:extLst>
+          </p:cNvPr>
+          <p:cNvSpPr>
+            <a:spLocks noGrp="1"/>
+          </p:cNvSpPr>
+          <p:nvPr>
+            <p:ph type="title"/>
+          </p:nvPr>
+        </p:nvSpPr>
+        <p:spPr>
+          <a:xfrm>
+            <a:off x="839788" y="365125"/>
+            <a:ext cx="10515600" cy="1325563"/>
+          </a:xfrm>
+        </p:spPr>
+        <p:txBody>
+          <a:bodyPr/>
+          <a:lstStyle/>
+          <a:p>
+            <a:r>
+              <a:rPr lang="en-US"/>
+              <a:t>Click to edit Master title style</a:t>
+            </a:r>
+            <a:endParaRPr lang="en-GB"/>
+          </a:p>
+        </p:txBody>
+      </p:sp>
+      <p:sp>
+        <p:nvSpPr>
+          <p:cNvPr id="3" name="Text Placeholder 2">
+            <a:extLst>
+              <a:ext uri="{FF2B5EF4-FFF2-40B4-BE49-F238E27FC236}">
+                <a16:creationId xmlns:a16="http://schemas.microsoft.com/office/drawing/2014/main" id="{EF38C103-CEFB-41FD-B406-024D23D4A3D4}"/>
+              </a:ext>
+            </a:extLst>
+          </p:cNvPr>
+          <p:cNvSpPr>
+            <a:spLocks noGrp="1"/>
+          </p:cNvSpPr>
+          <p:nvPr>
+            <p:ph type="body" idx="1"/>
+          </p:nvPr>
+        </p:nvSpPr>
+        <p:spPr>
+          <a:xfrm>
+            <a:off x="839788" y="1681163"/>
+            <a:ext cx="5157787" cy="823912"/>
+          </a:xfrm>
+        </p:spPr>
+        <p:txBody>
+          <a:bodyPr anchor="b"/>
+          <a:lstStyle>
+            <a:lvl1pPr marL="0" indent="0">
+              <a:buNone/>
+              <a:defRPr sz="2400" b="1"/>
+            </a:lvl1pPr>
+            <a:lvl2pPr marL="457200" indent="0">
+              <a:buNone/>
+              <a:defRPr sz="2000" b="1"/>
+            </a:lvl2pPr>
+            <a:lvl3pPr marL="914400" indent="0">
+              <a:buNone/>
+              <a:defRPr sz="1800" b="1"/>
+            </a:lvl3pPr>
+            <a:lvl4pPr marL="1371600" indent="0">
+              <a:buNone/>
+              <a:defRPr sz="1600" b="1"/>
+            </a:lvl4pPr>
+            <a:lvl5pPr marL="1828800" indent="0">
+              <a:buNone/>
+              <a:defRPr sz="1600" b="1"/>
+            </a:lvl5pPr>
+            <a:lvl6pPr marL="2286000" indent="0">
+              <a:buNone/>
+              <a:defRPr sz="1600" b="1"/>
+            </a:lvl6pPr>
+            <a:lvl7pPr marL="2743200" indent="0">
+              <a:buNone/>
+              <a:defRPr sz="1600" b="1"/>
+            </a:lvl7pPr>
+            <a:lvl8pPr marL="3200400" indent="0">
+              <a:buNone/>
+              <a:defRPr sz="1600" b="1"/>
+            </a:lvl8pPr>
+            <a:lvl9pPr marL="3657600" indent="0">
+              <a:buNone/>
+              <a:defRPr sz="1600" b="1"/>
+            </a:lvl9pPr>
+          </a:lstStyle>
+          <a:p>
+            <a:pPr lvl="0"/>
+            <a:r>
+              <a:rPr lang="en-US"/>
+              <a:t>Edit Master text styles</a:t>
+            </a:r>
+          </a:p>
+        </p:txBody>
+      </p:sp>
+      <p:sp>
+        <p:nvSpPr>
+          <p:cNvPr id="4" name="Content Placeholder 3">
+            <a:extLst>
+              <a:ext uri="{FF2B5EF4-FFF2-40B4-BE49-F238E27FC236}">
+                <a16:creationId xmlns:a16="http://schemas.microsoft.com/office/drawing/2014/main" id="{C9F62E4D-F934-4B10-A230-AB04308C9D8D}"/>
+              </a:ext>
+            </a:extLst>
+          </p:cNvPr>
+          <p:cNvSpPr>
+            <a:spLocks noGrp="1"/>
+          </p:cNvSpPr>
+          <p:nvPr>
+            <p:ph sz="half" idx="2"/>
+          </p:nvPr>
+        </p:nvSpPr>
+        <p:spPr>
+          <a:xfrm>
+            <a:off x="839788" y="2505075"/>
+            <a:ext cx="5157787" cy="3684588"/>
+          </a:xfrm>
+        </p:spPr>
+        <p:txBody>
+          <a:bodyPr/>
+          <a:lstStyle/>
+          <a:p>
+            <a:pPr lvl="0"/>
+            <a:r>
+              <a:rPr lang="en-US"/>
+              <a:t>Edit Master text styles</a:t>
+            </a:r>
+          </a:p>
+          <a:p>
+            <a:pPr lvl="1"/>
+            <a:r>
+              <a:rPr lang="en-US"/>
+              <a:t>Second level</a:t>
+            </a:r>
+          </a:p>
+          <a:p>
+            <a:pPr lvl="2"/>
+            <a:r>
+              <a:rPr lang="en-US"/>
+              <a:t>Third level</a:t>
+            </a:r>
+          </a:p>
+          <a:p>
+            <a:pPr lvl="3"/>
+            <a:r>
+              <a:rPr lang="en-US"/>
+              <a:t>Fourth level</a:t>
+            </a:r>
+          </a:p>
+          <a:p>
+            <a:pPr lvl="4"/>
+            <a:r>
+              <a:rPr lang="en-US"/>
+              <a:t>Fifth level</a:t>
+            </a:r>
+            <a:endParaRPr lang="en-GB"/>
+          </a:p>
+        </p:txBody>
+      </p:sp>
+      <p:sp>
+        <p:nvSpPr>
+          <p:cNvPr id="5" name="Text Placeholder 4">
+            <a:extLst>
+              <a:ext uri="{FF2B5EF4-FFF2-40B4-BE49-F238E27FC236}">
+                <a16:creationId xmlns:a16="http://schemas.microsoft.com/office/drawing/2014/main" id="{DC1EEE72-86EC-492D-BF4A-A2C046C62A5B}"/>
+              </a:ext>
+            </a:extLst>
+          </p:cNvPr>
+          <p:cNvSpPr>
+            <a:spLocks noGrp="1"/>
+          </p:cNvSpPr>
+          <p:nvPr>
+            <p:ph type="body" sz="quarter" idx="3"/>
+          </p:nvPr>
+        </p:nvSpPr>
+        <p:spPr>
+          <a:xfrm>
+            <a:off x="6172200" y="1681163"/>
+            <a:ext cx="5183188" cy="823912"/>
+          </a:xfrm>
+        </p:spPr>
+        <p:txBody>
+          <a:bodyPr anchor="b"/>
+          <a:lstStyle>
+            <a:lvl1pPr marL="0" indent="0">
+              <a:buNone/>
+              <a:defRPr sz="2400" b="1"/>
+            </a:lvl1pPr>
+            <a:lvl2pPr marL="457200" indent="0">
+              <a:buNone/>
+              <a:defRPr sz="2000" b="1"/>
+            </a:lvl2pPr>
+            <a:lvl3pPr marL="914400" indent="0">
+              <a:buNone/>
+              <a:defRPr sz="1800" b="1"/>
+            </a:lvl3pPr>
+            <a:lvl4pPr marL="1371600" indent="0">
+              <a:buNone/>
+              <a:defRPr sz="1600" b="1"/>
+            </a:lvl4pPr>
+            <a:lvl5pPr marL="1828800" indent="0">
+              <a:buNone/>
+              <a:defRPr sz="1600" b="1"/>
+            </a:lvl5pPr>
+            <a:lvl6pPr marL="2286000" indent="0">
+              <a:buNone/>
+              <a:defRPr sz="1600" b="1"/>
+            </a:lvl6pPr>
+            <a:lvl7pPr marL="2743200" indent="0">
+              <a:buNone/>
+              <a:defRPr sz="1600" b="1"/>
+            </a:lvl7pPr>
+            <a:lvl8pPr marL="3200400" indent="0">
+              <a:buNone/>
+              <a:defRPr sz="1600" b="1"/>
+            </a:lvl8pPr>
+            <a:lvl9pPr marL="3657600" indent="0">
+              <a:buNone/>
+              <a:defRPr sz="1600" b="1"/>
+            </a:lvl9pPr>
+          </a:lstStyle>
+          <a:p>
+            <a:pPr lvl="0"/>
+            <a:r>
+              <a:rPr lang="en-US"/>
+              <a:t>Edit Master text styles</a:t>
+            </a:r>
+          </a:p>
+        </p:txBody>
+      </p:sp>
+      <p:sp>
+        <p:nvSpPr>
+          <p:cNvPr id="6" name="Content Placeholder 5">
+            <a:extLst>
+              <a:ext uri="{FF2B5EF4-FFF2-40B4-BE49-F238E27FC236}">
+                <a16:creationId xmlns:a16="http://schemas.microsoft.com/office/drawing/2014/main" id="{314AAF85-AE79-4BF0-8325-CA41ED7F9EB4}"/>
+              </a:ext>
+            </a:extLst>
+          </p:cNvPr>
+          <p:cNvSpPr>
+            <a:spLocks noGrp="1"/>
+          </p:cNvSpPr>
+          <p:nvPr>
+            <p:ph sz="quarter" idx="4"/>
+          </p:nvPr>
+        </p:nvSpPr>
+        <p:spPr>
+          <a:xfrm>
+            <a:off x="6172200" y="2505075"/>
+            <a:ext cx="5183188" cy="3684588"/>
+          </a:xfrm>
+        </p:spPr>
+        <p:txBody>
+          <a:bodyPr/>
+          <a:lstStyle/>
+          <a:p>
+            <a:pPr lvl="0"/>
+            <a:r>
+              <a:rPr lang="en-US"/>
+              <a:t>Edit Master text styles</a:t>
+            </a:r>
+          </a:p>
+          <a:p>
+            <a:pPr lvl="1"/>
+            <a:r>
+              <a:rPr lang="en-US"/>
+              <a:t>Second level</a:t>
+            </a:r>
+          </a:p>
+          <a:p>
+            <a:pPr lvl="2"/>
+            <a:r>
+              <a:rPr lang="en-US"/>
+              <a:t>Third level</a:t>
+            </a:r>
+          </a:p>
+          <a:p>
+            <a:pPr lvl="3"/>
+            <a:r>
+              <a:rPr lang="en-US"/>
+              <a:t>Fourth level</a:t>
+            </a:r>
+          </a:p>
+          <a:p>
+            <a:pPr lvl="4"/>
+            <a:r>
+              <a:rPr lang="en-US"/>
+              <a:t>Fifth level</a:t>
+            </a:r>
+            <a:endParaRPr lang="en-GB"/>
+          </a:p>
+        </p:txBody>
+      </p:sp>
+      <p:sp>
+        <p:nvSpPr>
+          <p:cNvPr id="7" name="Date Placeholder 6">
+            <a:extLst>
+              <a:ext uri="{FF2B5EF4-FFF2-40B4-BE49-F238E27FC236}">
+                <a16:creationId xmlns:a16="http://schemas.microsoft.com/office/drawing/2014/main" id="{B20576AD-28F2-4F7A-93CC-8A8F83736E68}"/>
+              </a:ext>
+            </a:extLst>
+          </p:cNvPr>
+          <p:cNvSpPr>
+            <a:spLocks noGrp="1"/>
+          </p:cNvSpPr>
+          <p:nvPr>
+            <p:ph type="dt" sz="half" idx="10"/>
+          </p:nvPr>
+        </p:nvSpPr>
+        <p:spPr/>
+        <p:txBody>
+          <a:bodyPr/>
+          <a:lstStyle/>
+          <a:p>
+            <a:fld id="{9C24F874-02A1-48BF-AE54-4A07EBAF6EA2}" type="datetimeFigureOut">
+              <a:rPr lang="en-GB" smtClean="0"/>
+              <a:t>20/03/2018</a:t>
+            </a:fld>
+            <a:endParaRPr lang="en-GB"/>
+          </a:p>
+        </p:txBody>
+      </p:sp>
+      <p:sp>
+        <p:nvSpPr>
+          <p:cNvPr id="8" name="Footer Placeholder 7">
+            <a:extLst>
+              <a:ext uri="{FF2B5EF4-FFF2-40B4-BE49-F238E27FC236}">
+                <a16:creationId xmlns:a16="http://schemas.microsoft.com/office/drawing/2014/main" id="{5CB017B9-1D5D-400D-A70A-014C49A11813}"/>
+              </a:ext>
+            </a:extLst>
+          </p:cNvPr>
+          <p:cNvSpPr>
+            <a:spLocks noGrp="1"/>
+          </p:cNvSpPr>
+          <p:nvPr>
+            <p:ph type="ftr" sz="quarter" idx="11"/>
+          </p:nvPr>
+        </p:nvSpPr>
+        <p:spPr/>
+        <p:txBody>
+          <a:bodyPr/>
+          <a:lstStyle/>
+          <a:p>
+            <a:endParaRPr lang="en-GB"/>
+          </a:p>
+        </p:txBody>
+      </p:sp>
+      <p:sp>
+        <p:nvSpPr>
+          <p:cNvPr id="9" name="Slide Number Placeholder 8">
+            <a:extLst>
+              <a:ext uri="{FF2B5EF4-FFF2-40B4-BE49-F238E27FC236}">
+                <a16:creationId xmlns:a16="http://schemas.microsoft.com/office/drawing/2014/main" id="{F3961309-6F01-4F1B-9605-F40DF3B66B09}"/>
+              </a:ext>
+            </a:extLst>
+          </p:cNvPr>
+          <p:cNvSpPr>
+            <a:spLocks noGrp="1"/>
+          </p:cNvSpPr>
+          <p:nvPr>
+            <p:ph type="sldNum" sz="quarter" idx="12"/>
+          </p:nvPr>
+        </p:nvSpPr>
+        <p:spPr/>
+        <p:txBody>
+          <a:bodyPr/>
+          <a:lstStyle/>
+          <a:p>
+            <a:fld id="{9C7D1916-3AD3-4FEC-AEB3-D0E6DB5A64D5}" type="slidenum">
+              <a:rPr lang="en-GB" smtClean="0"/>
+              <a:t>‹#›</a:t>
+            </a:fld>
+            <a:endParaRPr lang="en-GB"/>
+          </a:p>
+        </p:txBody>
+      </p:sp>
+    </p:spTree>
+    <p:extLst>
+      <p:ext uri="{BB962C8B-B14F-4D97-AF65-F5344CB8AC3E}">
+        <p14:creationId xmlns:p14="http://schemas.microsoft.com/office/powerpoint/2010/main" val="479645543"/>
+      </p:ext>
+    </p:extLst>
+  </p:cSld>
+  <p:clrMapOvr>
+    <a:masterClrMapping/>
+  </p:clrMapOvr>
+</p:sldLayout>
+</file>
+
+<file path=ppt/slideLayouts/slideLayout17.xml><?xml version="1.0" encoding="utf-8"?>
+<p:sldLayout xmlns:a="http://schemas.openxmlformats.org/drawingml/2006/main" xmlns:r="http://schemas.openxmlformats.org/officeDocument/2006/relationships" xmlns:p="http://schemas.openxmlformats.org/presentationml/2006/main" type="titleOnly" preserve="1">
+  <p:cSld name="Title Only">
+    <p:spTree>
+      <p:nvGrpSpPr>
+        <p:cNvPr id="1" name=""/>
+        <p:cNvGrpSpPr/>
+        <p:nvPr/>
+      </p:nvGrpSpPr>
+      <p:grpSpPr>
+        <a:xfrm>
+          <a:off x="0" y="0"/>
+          <a:ext cx="0" cy="0"/>
+          <a:chOff x="0" y="0"/>
+          <a:chExt cx="0" cy="0"/>
+        </a:xfrm>
+      </p:grpSpPr>
+      <p:sp>
+        <p:nvSpPr>
+          <p:cNvPr id="2" name="Title 1">
+            <a:extLst>
+              <a:ext uri="{FF2B5EF4-FFF2-40B4-BE49-F238E27FC236}">
+                <a16:creationId xmlns:a16="http://schemas.microsoft.com/office/drawing/2014/main" id="{8985C816-68C3-4E16-8DB4-64620CF1C80A}"/>
+              </a:ext>
+            </a:extLst>
+          </p:cNvPr>
+          <p:cNvSpPr>
+            <a:spLocks noGrp="1"/>
+          </p:cNvSpPr>
+          <p:nvPr>
+            <p:ph type="title"/>
+          </p:nvPr>
+        </p:nvSpPr>
+        <p:spPr/>
+        <p:txBody>
+          <a:bodyPr/>
+          <a:lstStyle/>
+          <a:p>
+            <a:r>
+              <a:rPr lang="en-US"/>
+              <a:t>Click to edit Master title style</a:t>
+            </a:r>
+            <a:endParaRPr lang="en-GB"/>
+          </a:p>
+        </p:txBody>
+      </p:sp>
+      <p:sp>
+        <p:nvSpPr>
+          <p:cNvPr id="3" name="Date Placeholder 2">
+            <a:extLst>
+              <a:ext uri="{FF2B5EF4-FFF2-40B4-BE49-F238E27FC236}">
+                <a16:creationId xmlns:a16="http://schemas.microsoft.com/office/drawing/2014/main" id="{3615920A-08D2-46F6-8865-5C9480135981}"/>
+              </a:ext>
+            </a:extLst>
+          </p:cNvPr>
+          <p:cNvSpPr>
+            <a:spLocks noGrp="1"/>
+          </p:cNvSpPr>
+          <p:nvPr>
+            <p:ph type="dt" sz="half" idx="10"/>
+          </p:nvPr>
+        </p:nvSpPr>
+        <p:spPr/>
+        <p:txBody>
+          <a:bodyPr/>
+          <a:lstStyle/>
+          <a:p>
+            <a:fld id="{9C24F874-02A1-48BF-AE54-4A07EBAF6EA2}" type="datetimeFigureOut">
+              <a:rPr lang="en-GB" smtClean="0"/>
+              <a:t>20/03/2018</a:t>
+            </a:fld>
+            <a:endParaRPr lang="en-GB"/>
+          </a:p>
+        </p:txBody>
+      </p:sp>
+      <p:sp>
+        <p:nvSpPr>
+          <p:cNvPr id="4" name="Footer Placeholder 3">
+            <a:extLst>
+              <a:ext uri="{FF2B5EF4-FFF2-40B4-BE49-F238E27FC236}">
+                <a16:creationId xmlns:a16="http://schemas.microsoft.com/office/drawing/2014/main" id="{6EDC9628-A315-440F-8B71-F70531CAF485}"/>
+              </a:ext>
+            </a:extLst>
+          </p:cNvPr>
+          <p:cNvSpPr>
+            <a:spLocks noGrp="1"/>
+          </p:cNvSpPr>
+          <p:nvPr>
+            <p:ph type="ftr" sz="quarter" idx="11"/>
+          </p:nvPr>
+        </p:nvSpPr>
+        <p:spPr/>
+        <p:txBody>
+          <a:bodyPr/>
+          <a:lstStyle/>
+          <a:p>
+            <a:endParaRPr lang="en-GB"/>
+          </a:p>
+        </p:txBody>
+      </p:sp>
+      <p:sp>
+        <p:nvSpPr>
+          <p:cNvPr id="5" name="Slide Number Placeholder 4">
+            <a:extLst>
+              <a:ext uri="{FF2B5EF4-FFF2-40B4-BE49-F238E27FC236}">
+                <a16:creationId xmlns:a16="http://schemas.microsoft.com/office/drawing/2014/main" id="{68C29F2C-E6EC-4AB0-81E3-091CD5D479BE}"/>
+              </a:ext>
+            </a:extLst>
+          </p:cNvPr>
+          <p:cNvSpPr>
+            <a:spLocks noGrp="1"/>
+          </p:cNvSpPr>
+          <p:nvPr>
+            <p:ph type="sldNum" sz="quarter" idx="12"/>
+          </p:nvPr>
+        </p:nvSpPr>
+        <p:spPr/>
+        <p:txBody>
+          <a:bodyPr/>
+          <a:lstStyle/>
+          <a:p>
+            <a:fld id="{9C7D1916-3AD3-4FEC-AEB3-D0E6DB5A64D5}" type="slidenum">
+              <a:rPr lang="en-GB" smtClean="0"/>
+              <a:t>‹#›</a:t>
+            </a:fld>
+            <a:endParaRPr lang="en-GB"/>
+          </a:p>
+        </p:txBody>
+      </p:sp>
+    </p:spTree>
+    <p:extLst>
+      <p:ext uri="{BB962C8B-B14F-4D97-AF65-F5344CB8AC3E}">
+        <p14:creationId xmlns:p14="http://schemas.microsoft.com/office/powerpoint/2010/main" val="1979020232"/>
+      </p:ext>
+    </p:extLst>
+  </p:cSld>
+  <p:clrMapOvr>
+    <a:masterClrMapping/>
+  </p:clrMapOvr>
+</p:sldLayout>
+</file>
+
+<file path=ppt/slideLayouts/slideLayout18.xml><?xml version="1.0" encoding="utf-8"?>
+<p:sldLayout xmlns:a="http://schemas.openxmlformats.org/drawingml/2006/main" xmlns:r="http://schemas.openxmlformats.org/officeDocument/2006/relationships" xmlns:p="http://schemas.openxmlformats.org/presentationml/2006/main" type="blank" preserve="1">
+  <p:cSld name="Blank">
+    <p:spTree>
+      <p:nvGrpSpPr>
+        <p:cNvPr id="1" name=""/>
+        <p:cNvGrpSpPr/>
+        <p:nvPr/>
+      </p:nvGrpSpPr>
+      <p:grpSpPr>
+        <a:xfrm>
+          <a:off x="0" y="0"/>
+          <a:ext cx="0" cy="0"/>
+          <a:chOff x="0" y="0"/>
+          <a:chExt cx="0" cy="0"/>
+        </a:xfrm>
+      </p:grpSpPr>
+      <p:sp>
+        <p:nvSpPr>
+          <p:cNvPr id="2" name="Date Placeholder 1">
+            <a:extLst>
+              <a:ext uri="{FF2B5EF4-FFF2-40B4-BE49-F238E27FC236}">
+                <a16:creationId xmlns:a16="http://schemas.microsoft.com/office/drawing/2014/main" id="{0C9B0261-43EE-47BF-8831-8E176B3AA641}"/>
+              </a:ext>
+            </a:extLst>
+          </p:cNvPr>
+          <p:cNvSpPr>
+            <a:spLocks noGrp="1"/>
+          </p:cNvSpPr>
+          <p:nvPr>
+            <p:ph type="dt" sz="half" idx="10"/>
+          </p:nvPr>
+        </p:nvSpPr>
+        <p:spPr/>
+        <p:txBody>
+          <a:bodyPr/>
+          <a:lstStyle/>
+          <a:p>
+            <a:fld id="{9C24F874-02A1-48BF-AE54-4A07EBAF6EA2}" type="datetimeFigureOut">
+              <a:rPr lang="en-GB" smtClean="0"/>
+              <a:t>20/03/2018</a:t>
+            </a:fld>
+            <a:endParaRPr lang="en-GB"/>
+          </a:p>
+        </p:txBody>
+      </p:sp>
+      <p:sp>
+        <p:nvSpPr>
+          <p:cNvPr id="3" name="Footer Placeholder 2">
+            <a:extLst>
+              <a:ext uri="{FF2B5EF4-FFF2-40B4-BE49-F238E27FC236}">
+                <a16:creationId xmlns:a16="http://schemas.microsoft.com/office/drawing/2014/main" id="{5B342CFC-8AF7-47F6-B52F-73097FBC01CB}"/>
+              </a:ext>
+            </a:extLst>
+          </p:cNvPr>
+          <p:cNvSpPr>
+            <a:spLocks noGrp="1"/>
+          </p:cNvSpPr>
+          <p:nvPr>
+            <p:ph type="ftr" sz="quarter" idx="11"/>
+          </p:nvPr>
+        </p:nvSpPr>
+        <p:spPr/>
+        <p:txBody>
+          <a:bodyPr/>
+          <a:lstStyle/>
+          <a:p>
+            <a:endParaRPr lang="en-GB"/>
+          </a:p>
+        </p:txBody>
+      </p:sp>
+      <p:sp>
+        <p:nvSpPr>
+          <p:cNvPr id="4" name="Slide Number Placeholder 3">
+            <a:extLst>
+              <a:ext uri="{FF2B5EF4-FFF2-40B4-BE49-F238E27FC236}">
+                <a16:creationId xmlns:a16="http://schemas.microsoft.com/office/drawing/2014/main" id="{1F5474FF-644B-42F0-A2C5-31CA8F9240BE}"/>
+              </a:ext>
+            </a:extLst>
+          </p:cNvPr>
+          <p:cNvSpPr>
+            <a:spLocks noGrp="1"/>
+          </p:cNvSpPr>
+          <p:nvPr>
+            <p:ph type="sldNum" sz="quarter" idx="12"/>
+          </p:nvPr>
+        </p:nvSpPr>
+        <p:spPr/>
+        <p:txBody>
+          <a:bodyPr/>
+          <a:lstStyle/>
+          <a:p>
+            <a:fld id="{9C7D1916-3AD3-4FEC-AEB3-D0E6DB5A64D5}" type="slidenum">
+              <a:rPr lang="en-GB" smtClean="0"/>
+              <a:t>‹#›</a:t>
+            </a:fld>
+            <a:endParaRPr lang="en-GB"/>
+          </a:p>
+        </p:txBody>
+      </p:sp>
+    </p:spTree>
+    <p:extLst>
+      <p:ext uri="{BB962C8B-B14F-4D97-AF65-F5344CB8AC3E}">
+        <p14:creationId xmlns:p14="http://schemas.microsoft.com/office/powerpoint/2010/main" val="3608333928"/>
+      </p:ext>
+    </p:extLst>
+  </p:cSld>
+  <p:clrMapOvr>
+    <a:masterClrMapping/>
+  </p:clrMapOvr>
+</p:sldLayout>
+</file>
+
+<file path=ppt/slideLayouts/slideLayout19.xml><?xml version="1.0" encoding="utf-8"?>
+<p:sldLayout xmlns:a="http://schemas.openxmlformats.org/drawingml/2006/main" xmlns:r="http://schemas.openxmlformats.org/officeDocument/2006/relationships" xmlns:p="http://schemas.openxmlformats.org/presentationml/2006/main" type="objTx" preserve="1">
+  <p:cSld name="Content with Caption">
+    <p:spTree>
+      <p:nvGrpSpPr>
+        <p:cNvPr id="1" name=""/>
+        <p:cNvGrpSpPr/>
+        <p:nvPr/>
+      </p:nvGrpSpPr>
+      <p:grpSpPr>
+        <a:xfrm>
+          <a:off x="0" y="0"/>
+          <a:ext cx="0" cy="0"/>
+          <a:chOff x="0" y="0"/>
+          <a:chExt cx="0" cy="0"/>
+        </a:xfrm>
+      </p:grpSpPr>
+      <p:sp>
+        <p:nvSpPr>
+          <p:cNvPr id="2" name="Title 1">
+            <a:extLst>
+              <a:ext uri="{FF2B5EF4-FFF2-40B4-BE49-F238E27FC236}">
+                <a16:creationId xmlns:a16="http://schemas.microsoft.com/office/drawing/2014/main" id="{A8835ADA-1CD1-489A-85AF-01CAD3E5BE7C}"/>
+              </a:ext>
+            </a:extLst>
+          </p:cNvPr>
+          <p:cNvSpPr>
+            <a:spLocks noGrp="1"/>
+          </p:cNvSpPr>
+          <p:nvPr>
+            <p:ph type="title"/>
+          </p:nvPr>
+        </p:nvSpPr>
+        <p:spPr>
+          <a:xfrm>
+            <a:off x="839788" y="457200"/>
+            <a:ext cx="3932237" cy="1600200"/>
+          </a:xfrm>
+        </p:spPr>
+        <p:txBody>
+          <a:bodyPr anchor="b"/>
+          <a:lstStyle>
+            <a:lvl1pPr>
+              <a:defRPr sz="3200"/>
+            </a:lvl1pPr>
+          </a:lstStyle>
+          <a:p>
+            <a:r>
+              <a:rPr lang="en-US"/>
+              <a:t>Click to edit Master title style</a:t>
+            </a:r>
+            <a:endParaRPr lang="en-GB"/>
+          </a:p>
+        </p:txBody>
+      </p:sp>
+      <p:sp>
+        <p:nvSpPr>
+          <p:cNvPr id="3" name="Content Placeholder 2">
+            <a:extLst>
+              <a:ext uri="{FF2B5EF4-FFF2-40B4-BE49-F238E27FC236}">
+                <a16:creationId xmlns:a16="http://schemas.microsoft.com/office/drawing/2014/main" id="{CC6E079B-E1BE-42CB-8941-50E87679994A}"/>
+              </a:ext>
+            </a:extLst>
+          </p:cNvPr>
+          <p:cNvSpPr>
+            <a:spLocks noGrp="1"/>
+          </p:cNvSpPr>
+          <p:nvPr>
+            <p:ph idx="1"/>
+          </p:nvPr>
+        </p:nvSpPr>
+        <p:spPr>
+          <a:xfrm>
+            <a:off x="5183188" y="987425"/>
+            <a:ext cx="6172200" cy="4873625"/>
+          </a:xfrm>
+        </p:spPr>
+        <p:txBody>
+          <a:bodyPr/>
+          <a:lstStyle>
+            <a:lvl1pPr>
+              <a:defRPr sz="3200"/>
+            </a:lvl1pPr>
+            <a:lvl2pPr>
+              <a:defRPr sz="2800"/>
+            </a:lvl2pPr>
+            <a:lvl3pPr>
+              <a:defRPr sz="2400"/>
+            </a:lvl3pPr>
+            <a:lvl4pPr>
+              <a:defRPr sz="2000"/>
+            </a:lvl4pPr>
+            <a:lvl5pPr>
+              <a:defRPr sz="2000"/>
+            </a:lvl5pPr>
+            <a:lvl6pPr>
+              <a:defRPr sz="2000"/>
+            </a:lvl6pPr>
+            <a:lvl7pPr>
+              <a:defRPr sz="2000"/>
+            </a:lvl7pPr>
+            <a:lvl8pPr>
+              <a:defRPr sz="2000"/>
+            </a:lvl8pPr>
+            <a:lvl9pPr>
+              <a:defRPr sz="2000"/>
+            </a:lvl9pPr>
+          </a:lstStyle>
+          <a:p>
+            <a:pPr lvl="0"/>
+            <a:r>
+              <a:rPr lang="en-US"/>
+              <a:t>Edit Master text styles</a:t>
+            </a:r>
+          </a:p>
+          <a:p>
+            <a:pPr lvl="1"/>
+            <a:r>
+              <a:rPr lang="en-US"/>
+              <a:t>Second level</a:t>
+            </a:r>
+          </a:p>
+          <a:p>
+            <a:pPr lvl="2"/>
+            <a:r>
+              <a:rPr lang="en-US"/>
+              <a:t>Third level</a:t>
+            </a:r>
+          </a:p>
+          <a:p>
+            <a:pPr lvl="3"/>
+            <a:r>
+              <a:rPr lang="en-US"/>
+              <a:t>Fourth level</a:t>
+            </a:r>
+          </a:p>
+          <a:p>
+            <a:pPr lvl="4"/>
+            <a:r>
+              <a:rPr lang="en-US"/>
+              <a:t>Fifth level</a:t>
+            </a:r>
+            <a:endParaRPr lang="en-GB"/>
+          </a:p>
+        </p:txBody>
+      </p:sp>
+      <p:sp>
+        <p:nvSpPr>
+          <p:cNvPr id="4" name="Text Placeholder 3">
+            <a:extLst>
+              <a:ext uri="{FF2B5EF4-FFF2-40B4-BE49-F238E27FC236}">
+                <a16:creationId xmlns:a16="http://schemas.microsoft.com/office/drawing/2014/main" id="{A51DA364-C48D-4094-9AA5-E4E71D3F6881}"/>
+              </a:ext>
+            </a:extLst>
+          </p:cNvPr>
+          <p:cNvSpPr>
+            <a:spLocks noGrp="1"/>
+          </p:cNvSpPr>
+          <p:nvPr>
+            <p:ph type="body" sz="half" idx="2"/>
+          </p:nvPr>
+        </p:nvSpPr>
+        <p:spPr>
+          <a:xfrm>
+            <a:off x="839788" y="2057400"/>
+            <a:ext cx="3932237" cy="3811588"/>
+          </a:xfrm>
+        </p:spPr>
+        <p:txBody>
+          <a:bodyPr/>
+          <a:lstStyle>
+            <a:lvl1pPr marL="0" indent="0">
+              <a:buNone/>
+              <a:defRPr sz="1600"/>
+            </a:lvl1pPr>
+            <a:lvl2pPr marL="457200" indent="0">
+              <a:buNone/>
+              <a:defRPr sz="1400"/>
+            </a:lvl2pPr>
+            <a:lvl3pPr marL="914400" indent="0">
+              <a:buNone/>
+              <a:defRPr sz="1200"/>
+            </a:lvl3pPr>
+            <a:lvl4pPr marL="1371600" indent="0">
+              <a:buNone/>
+              <a:defRPr sz="1000"/>
+            </a:lvl4pPr>
+            <a:lvl5pPr marL="1828800" indent="0">
+              <a:buNone/>
+              <a:defRPr sz="1000"/>
+            </a:lvl5pPr>
+            <a:lvl6pPr marL="2286000" indent="0">
+              <a:buNone/>
+              <a:defRPr sz="1000"/>
+            </a:lvl6pPr>
+            <a:lvl7pPr marL="2743200" indent="0">
+              <a:buNone/>
+              <a:defRPr sz="1000"/>
+            </a:lvl7pPr>
+            <a:lvl8pPr marL="3200400" indent="0">
+              <a:buNone/>
+              <a:defRPr sz="1000"/>
+            </a:lvl8pPr>
+            <a:lvl9pPr marL="3657600" indent="0">
+              <a:buNone/>
+              <a:defRPr sz="1000"/>
+            </a:lvl9pPr>
+          </a:lstStyle>
+          <a:p>
+            <a:pPr lvl="0"/>
+            <a:r>
+              <a:rPr lang="en-US"/>
+              <a:t>Edit Master text styles</a:t>
+            </a:r>
+          </a:p>
+        </p:txBody>
+      </p:sp>
+      <p:sp>
+        <p:nvSpPr>
+          <p:cNvPr id="5" name="Date Placeholder 4">
+            <a:extLst>
+              <a:ext uri="{FF2B5EF4-FFF2-40B4-BE49-F238E27FC236}">
+                <a16:creationId xmlns:a16="http://schemas.microsoft.com/office/drawing/2014/main" id="{6068FBED-E736-4C83-842D-5A3A7EC007C1}"/>
+              </a:ext>
+            </a:extLst>
+          </p:cNvPr>
+          <p:cNvSpPr>
+            <a:spLocks noGrp="1"/>
+          </p:cNvSpPr>
+          <p:nvPr>
+            <p:ph type="dt" sz="half" idx="10"/>
+          </p:nvPr>
+        </p:nvSpPr>
+        <p:spPr/>
+        <p:txBody>
+          <a:bodyPr/>
+          <a:lstStyle/>
+          <a:p>
+            <a:fld id="{9C24F874-02A1-48BF-AE54-4A07EBAF6EA2}" type="datetimeFigureOut">
+              <a:rPr lang="en-GB" smtClean="0"/>
+              <a:t>20/03/2018</a:t>
+            </a:fld>
+            <a:endParaRPr lang="en-GB"/>
+          </a:p>
+        </p:txBody>
+      </p:sp>
+      <p:sp>
+        <p:nvSpPr>
+          <p:cNvPr id="6" name="Footer Placeholder 5">
+            <a:extLst>
+              <a:ext uri="{FF2B5EF4-FFF2-40B4-BE49-F238E27FC236}">
+                <a16:creationId xmlns:a16="http://schemas.microsoft.com/office/drawing/2014/main" id="{97FB011C-DAB5-43AB-8067-52FD08AC3B90}"/>
+              </a:ext>
+            </a:extLst>
+          </p:cNvPr>
+          <p:cNvSpPr>
+            <a:spLocks noGrp="1"/>
+          </p:cNvSpPr>
+          <p:nvPr>
+            <p:ph type="ftr" sz="quarter" idx="11"/>
+          </p:nvPr>
+        </p:nvSpPr>
+        <p:spPr/>
+        <p:txBody>
+          <a:bodyPr/>
+          <a:lstStyle/>
+          <a:p>
+            <a:endParaRPr lang="en-GB"/>
+          </a:p>
+        </p:txBody>
+      </p:sp>
+      <p:sp>
+        <p:nvSpPr>
+          <p:cNvPr id="7" name="Slide Number Placeholder 6">
+            <a:extLst>
+              <a:ext uri="{FF2B5EF4-FFF2-40B4-BE49-F238E27FC236}">
+                <a16:creationId xmlns:a16="http://schemas.microsoft.com/office/drawing/2014/main" id="{7CCE5707-A3E2-4F40-8791-D7805FD070D0}"/>
+              </a:ext>
+            </a:extLst>
+          </p:cNvPr>
+          <p:cNvSpPr>
+            <a:spLocks noGrp="1"/>
+          </p:cNvSpPr>
+          <p:nvPr>
+            <p:ph type="sldNum" sz="quarter" idx="12"/>
+          </p:nvPr>
+        </p:nvSpPr>
+        <p:spPr/>
+        <p:txBody>
+          <a:bodyPr/>
+          <a:lstStyle/>
+          <a:p>
+            <a:fld id="{9C7D1916-3AD3-4FEC-AEB3-D0E6DB5A64D5}" type="slidenum">
+              <a:rPr lang="en-GB" smtClean="0"/>
+              <a:t>‹#›</a:t>
+            </a:fld>
+            <a:endParaRPr lang="en-GB"/>
+          </a:p>
+        </p:txBody>
+      </p:sp>
+    </p:spTree>
+    <p:extLst>
+      <p:ext uri="{BB962C8B-B14F-4D97-AF65-F5344CB8AC3E}">
+        <p14:creationId xmlns:p14="http://schemas.microsoft.com/office/powerpoint/2010/main" val="1514029806"/>
       </p:ext>
     </p:extLst>
   </p:cSld>
@@ -1404,7 +3351,7 @@
           <a:p>
             <a:fld id="{F999EE6D-E52B-45B7-B943-4C650C77E21B}" type="datetimeFigureOut">
               <a:rPr lang="en-GB" smtClean="0"/>
-              <a:t>13/03/2018</a:t>
+              <a:t>20/03/2018</a:t>
             </a:fld>
             <a:endParaRPr lang="en-GB"/>
           </a:p>
@@ -1468,6 +3415,705 @@
     <p:extLst>
       <p:ext uri="{BB962C8B-B14F-4D97-AF65-F5344CB8AC3E}">
         <p14:creationId xmlns:p14="http://schemas.microsoft.com/office/powerpoint/2010/main" val="1032662362"/>
+      </p:ext>
+    </p:extLst>
+  </p:cSld>
+  <p:clrMapOvr>
+    <a:masterClrMapping/>
+  </p:clrMapOvr>
+</p:sldLayout>
+</file>
+
+<file path=ppt/slideLayouts/slideLayout20.xml><?xml version="1.0" encoding="utf-8"?>
+<p:sldLayout xmlns:a="http://schemas.openxmlformats.org/drawingml/2006/main" xmlns:r="http://schemas.openxmlformats.org/officeDocument/2006/relationships" xmlns:p="http://schemas.openxmlformats.org/presentationml/2006/main" type="picTx" preserve="1">
+  <p:cSld name="Picture with Caption">
+    <p:spTree>
+      <p:nvGrpSpPr>
+        <p:cNvPr id="1" name=""/>
+        <p:cNvGrpSpPr/>
+        <p:nvPr/>
+      </p:nvGrpSpPr>
+      <p:grpSpPr>
+        <a:xfrm>
+          <a:off x="0" y="0"/>
+          <a:ext cx="0" cy="0"/>
+          <a:chOff x="0" y="0"/>
+          <a:chExt cx="0" cy="0"/>
+        </a:xfrm>
+      </p:grpSpPr>
+      <p:sp>
+        <p:nvSpPr>
+          <p:cNvPr id="2" name="Title 1">
+            <a:extLst>
+              <a:ext uri="{FF2B5EF4-FFF2-40B4-BE49-F238E27FC236}">
+                <a16:creationId xmlns:a16="http://schemas.microsoft.com/office/drawing/2014/main" id="{63789D0B-CBC2-4D37-9D81-7AEFF12E5D1D}"/>
+              </a:ext>
+            </a:extLst>
+          </p:cNvPr>
+          <p:cNvSpPr>
+            <a:spLocks noGrp="1"/>
+          </p:cNvSpPr>
+          <p:nvPr>
+            <p:ph type="title"/>
+          </p:nvPr>
+        </p:nvSpPr>
+        <p:spPr>
+          <a:xfrm>
+            <a:off x="839788" y="457200"/>
+            <a:ext cx="3932237" cy="1600200"/>
+          </a:xfrm>
+        </p:spPr>
+        <p:txBody>
+          <a:bodyPr anchor="b"/>
+          <a:lstStyle>
+            <a:lvl1pPr>
+              <a:defRPr sz="3200"/>
+            </a:lvl1pPr>
+          </a:lstStyle>
+          <a:p>
+            <a:r>
+              <a:rPr lang="en-US"/>
+              <a:t>Click to edit Master title style</a:t>
+            </a:r>
+            <a:endParaRPr lang="en-GB"/>
+          </a:p>
+        </p:txBody>
+      </p:sp>
+      <p:sp>
+        <p:nvSpPr>
+          <p:cNvPr id="3" name="Picture Placeholder 2">
+            <a:extLst>
+              <a:ext uri="{FF2B5EF4-FFF2-40B4-BE49-F238E27FC236}">
+                <a16:creationId xmlns:a16="http://schemas.microsoft.com/office/drawing/2014/main" id="{53D7C785-F078-4BAB-973C-BC0456DCF033}"/>
+              </a:ext>
+            </a:extLst>
+          </p:cNvPr>
+          <p:cNvSpPr>
+            <a:spLocks noGrp="1"/>
+          </p:cNvSpPr>
+          <p:nvPr>
+            <p:ph type="pic" idx="1"/>
+          </p:nvPr>
+        </p:nvSpPr>
+        <p:spPr>
+          <a:xfrm>
+            <a:off x="5183188" y="987425"/>
+            <a:ext cx="6172200" cy="4873625"/>
+          </a:xfrm>
+        </p:spPr>
+        <p:txBody>
+          <a:bodyPr/>
+          <a:lstStyle>
+            <a:lvl1pPr marL="0" indent="0">
+              <a:buNone/>
+              <a:defRPr sz="3200"/>
+            </a:lvl1pPr>
+            <a:lvl2pPr marL="457200" indent="0">
+              <a:buNone/>
+              <a:defRPr sz="2800"/>
+            </a:lvl2pPr>
+            <a:lvl3pPr marL="914400" indent="0">
+              <a:buNone/>
+              <a:defRPr sz="2400"/>
+            </a:lvl3pPr>
+            <a:lvl4pPr marL="1371600" indent="0">
+              <a:buNone/>
+              <a:defRPr sz="2000"/>
+            </a:lvl4pPr>
+            <a:lvl5pPr marL="1828800" indent="0">
+              <a:buNone/>
+              <a:defRPr sz="2000"/>
+            </a:lvl5pPr>
+            <a:lvl6pPr marL="2286000" indent="0">
+              <a:buNone/>
+              <a:defRPr sz="2000"/>
+            </a:lvl6pPr>
+            <a:lvl7pPr marL="2743200" indent="0">
+              <a:buNone/>
+              <a:defRPr sz="2000"/>
+            </a:lvl7pPr>
+            <a:lvl8pPr marL="3200400" indent="0">
+              <a:buNone/>
+              <a:defRPr sz="2000"/>
+            </a:lvl8pPr>
+            <a:lvl9pPr marL="3657600" indent="0">
+              <a:buNone/>
+              <a:defRPr sz="2000"/>
+            </a:lvl9pPr>
+          </a:lstStyle>
+          <a:p>
+            <a:endParaRPr lang="en-GB"/>
+          </a:p>
+        </p:txBody>
+      </p:sp>
+      <p:sp>
+        <p:nvSpPr>
+          <p:cNvPr id="4" name="Text Placeholder 3">
+            <a:extLst>
+              <a:ext uri="{FF2B5EF4-FFF2-40B4-BE49-F238E27FC236}">
+                <a16:creationId xmlns:a16="http://schemas.microsoft.com/office/drawing/2014/main" id="{5A06EE2E-B07E-4048-9FBB-9E3877603677}"/>
+              </a:ext>
+            </a:extLst>
+          </p:cNvPr>
+          <p:cNvSpPr>
+            <a:spLocks noGrp="1"/>
+          </p:cNvSpPr>
+          <p:nvPr>
+            <p:ph type="body" sz="half" idx="2"/>
+          </p:nvPr>
+        </p:nvSpPr>
+        <p:spPr>
+          <a:xfrm>
+            <a:off x="839788" y="2057400"/>
+            <a:ext cx="3932237" cy="3811588"/>
+          </a:xfrm>
+        </p:spPr>
+        <p:txBody>
+          <a:bodyPr/>
+          <a:lstStyle>
+            <a:lvl1pPr marL="0" indent="0">
+              <a:buNone/>
+              <a:defRPr sz="1600"/>
+            </a:lvl1pPr>
+            <a:lvl2pPr marL="457200" indent="0">
+              <a:buNone/>
+              <a:defRPr sz="1400"/>
+            </a:lvl2pPr>
+            <a:lvl3pPr marL="914400" indent="0">
+              <a:buNone/>
+              <a:defRPr sz="1200"/>
+            </a:lvl3pPr>
+            <a:lvl4pPr marL="1371600" indent="0">
+              <a:buNone/>
+              <a:defRPr sz="1000"/>
+            </a:lvl4pPr>
+            <a:lvl5pPr marL="1828800" indent="0">
+              <a:buNone/>
+              <a:defRPr sz="1000"/>
+            </a:lvl5pPr>
+            <a:lvl6pPr marL="2286000" indent="0">
+              <a:buNone/>
+              <a:defRPr sz="1000"/>
+            </a:lvl6pPr>
+            <a:lvl7pPr marL="2743200" indent="0">
+              <a:buNone/>
+              <a:defRPr sz="1000"/>
+            </a:lvl7pPr>
+            <a:lvl8pPr marL="3200400" indent="0">
+              <a:buNone/>
+              <a:defRPr sz="1000"/>
+            </a:lvl8pPr>
+            <a:lvl9pPr marL="3657600" indent="0">
+              <a:buNone/>
+              <a:defRPr sz="1000"/>
+            </a:lvl9pPr>
+          </a:lstStyle>
+          <a:p>
+            <a:pPr lvl="0"/>
+            <a:r>
+              <a:rPr lang="en-US"/>
+              <a:t>Edit Master text styles</a:t>
+            </a:r>
+          </a:p>
+        </p:txBody>
+      </p:sp>
+      <p:sp>
+        <p:nvSpPr>
+          <p:cNvPr id="5" name="Date Placeholder 4">
+            <a:extLst>
+              <a:ext uri="{FF2B5EF4-FFF2-40B4-BE49-F238E27FC236}">
+                <a16:creationId xmlns:a16="http://schemas.microsoft.com/office/drawing/2014/main" id="{2F19C16C-5F2A-4EEF-873D-CFCF9707D8D3}"/>
+              </a:ext>
+            </a:extLst>
+          </p:cNvPr>
+          <p:cNvSpPr>
+            <a:spLocks noGrp="1"/>
+          </p:cNvSpPr>
+          <p:nvPr>
+            <p:ph type="dt" sz="half" idx="10"/>
+          </p:nvPr>
+        </p:nvSpPr>
+        <p:spPr/>
+        <p:txBody>
+          <a:bodyPr/>
+          <a:lstStyle/>
+          <a:p>
+            <a:fld id="{9C24F874-02A1-48BF-AE54-4A07EBAF6EA2}" type="datetimeFigureOut">
+              <a:rPr lang="en-GB" smtClean="0"/>
+              <a:t>20/03/2018</a:t>
+            </a:fld>
+            <a:endParaRPr lang="en-GB"/>
+          </a:p>
+        </p:txBody>
+      </p:sp>
+      <p:sp>
+        <p:nvSpPr>
+          <p:cNvPr id="6" name="Footer Placeholder 5">
+            <a:extLst>
+              <a:ext uri="{FF2B5EF4-FFF2-40B4-BE49-F238E27FC236}">
+                <a16:creationId xmlns:a16="http://schemas.microsoft.com/office/drawing/2014/main" id="{FF89BE0D-F613-49E5-A5E9-DEF8F4128FE5}"/>
+              </a:ext>
+            </a:extLst>
+          </p:cNvPr>
+          <p:cNvSpPr>
+            <a:spLocks noGrp="1"/>
+          </p:cNvSpPr>
+          <p:nvPr>
+            <p:ph type="ftr" sz="quarter" idx="11"/>
+          </p:nvPr>
+        </p:nvSpPr>
+        <p:spPr/>
+        <p:txBody>
+          <a:bodyPr/>
+          <a:lstStyle/>
+          <a:p>
+            <a:endParaRPr lang="en-GB"/>
+          </a:p>
+        </p:txBody>
+      </p:sp>
+      <p:sp>
+        <p:nvSpPr>
+          <p:cNvPr id="7" name="Slide Number Placeholder 6">
+            <a:extLst>
+              <a:ext uri="{FF2B5EF4-FFF2-40B4-BE49-F238E27FC236}">
+                <a16:creationId xmlns:a16="http://schemas.microsoft.com/office/drawing/2014/main" id="{F1D20E1D-69E2-463F-AB44-84EDCA9FB974}"/>
+              </a:ext>
+            </a:extLst>
+          </p:cNvPr>
+          <p:cNvSpPr>
+            <a:spLocks noGrp="1"/>
+          </p:cNvSpPr>
+          <p:nvPr>
+            <p:ph type="sldNum" sz="quarter" idx="12"/>
+          </p:nvPr>
+        </p:nvSpPr>
+        <p:spPr/>
+        <p:txBody>
+          <a:bodyPr/>
+          <a:lstStyle/>
+          <a:p>
+            <a:fld id="{9C7D1916-3AD3-4FEC-AEB3-D0E6DB5A64D5}" type="slidenum">
+              <a:rPr lang="en-GB" smtClean="0"/>
+              <a:t>‹#›</a:t>
+            </a:fld>
+            <a:endParaRPr lang="en-GB"/>
+          </a:p>
+        </p:txBody>
+      </p:sp>
+    </p:spTree>
+    <p:extLst>
+      <p:ext uri="{BB962C8B-B14F-4D97-AF65-F5344CB8AC3E}">
+        <p14:creationId xmlns:p14="http://schemas.microsoft.com/office/powerpoint/2010/main" val="3529492853"/>
+      </p:ext>
+    </p:extLst>
+  </p:cSld>
+  <p:clrMapOvr>
+    <a:masterClrMapping/>
+  </p:clrMapOvr>
+</p:sldLayout>
+</file>
+
+<file path=ppt/slideLayouts/slideLayout21.xml><?xml version="1.0" encoding="utf-8"?>
+<p:sldLayout xmlns:a="http://schemas.openxmlformats.org/drawingml/2006/main" xmlns:r="http://schemas.openxmlformats.org/officeDocument/2006/relationships" xmlns:p="http://schemas.openxmlformats.org/presentationml/2006/main" type="vertTx" preserve="1">
+  <p:cSld name="Title and Vertical Text">
+    <p:spTree>
+      <p:nvGrpSpPr>
+        <p:cNvPr id="1" name=""/>
+        <p:cNvGrpSpPr/>
+        <p:nvPr/>
+      </p:nvGrpSpPr>
+      <p:grpSpPr>
+        <a:xfrm>
+          <a:off x="0" y="0"/>
+          <a:ext cx="0" cy="0"/>
+          <a:chOff x="0" y="0"/>
+          <a:chExt cx="0" cy="0"/>
+        </a:xfrm>
+      </p:grpSpPr>
+      <p:sp>
+        <p:nvSpPr>
+          <p:cNvPr id="2" name="Title 1">
+            <a:extLst>
+              <a:ext uri="{FF2B5EF4-FFF2-40B4-BE49-F238E27FC236}">
+                <a16:creationId xmlns:a16="http://schemas.microsoft.com/office/drawing/2014/main" id="{CC03EB89-6F3F-44AC-9685-3251A8D221C1}"/>
+              </a:ext>
+            </a:extLst>
+          </p:cNvPr>
+          <p:cNvSpPr>
+            <a:spLocks noGrp="1"/>
+          </p:cNvSpPr>
+          <p:nvPr>
+            <p:ph type="title"/>
+          </p:nvPr>
+        </p:nvSpPr>
+        <p:spPr/>
+        <p:txBody>
+          <a:bodyPr/>
+          <a:lstStyle/>
+          <a:p>
+            <a:r>
+              <a:rPr lang="en-US"/>
+              <a:t>Click to edit Master title style</a:t>
+            </a:r>
+            <a:endParaRPr lang="en-GB"/>
+          </a:p>
+        </p:txBody>
+      </p:sp>
+      <p:sp>
+        <p:nvSpPr>
+          <p:cNvPr id="3" name="Vertical Text Placeholder 2">
+            <a:extLst>
+              <a:ext uri="{FF2B5EF4-FFF2-40B4-BE49-F238E27FC236}">
+                <a16:creationId xmlns:a16="http://schemas.microsoft.com/office/drawing/2014/main" id="{BFA23489-9012-467A-9C25-E788456CDA61}"/>
+              </a:ext>
+            </a:extLst>
+          </p:cNvPr>
+          <p:cNvSpPr>
+            <a:spLocks noGrp="1"/>
+          </p:cNvSpPr>
+          <p:nvPr>
+            <p:ph type="body" orient="vert" idx="1"/>
+          </p:nvPr>
+        </p:nvSpPr>
+        <p:spPr/>
+        <p:txBody>
+          <a:bodyPr vert="eaVert"/>
+          <a:lstStyle/>
+          <a:p>
+            <a:pPr lvl="0"/>
+            <a:r>
+              <a:rPr lang="en-US"/>
+              <a:t>Edit Master text styles</a:t>
+            </a:r>
+          </a:p>
+          <a:p>
+            <a:pPr lvl="1"/>
+            <a:r>
+              <a:rPr lang="en-US"/>
+              <a:t>Second level</a:t>
+            </a:r>
+          </a:p>
+          <a:p>
+            <a:pPr lvl="2"/>
+            <a:r>
+              <a:rPr lang="en-US"/>
+              <a:t>Third level</a:t>
+            </a:r>
+          </a:p>
+          <a:p>
+            <a:pPr lvl="3"/>
+            <a:r>
+              <a:rPr lang="en-US"/>
+              <a:t>Fourth level</a:t>
+            </a:r>
+          </a:p>
+          <a:p>
+            <a:pPr lvl="4"/>
+            <a:r>
+              <a:rPr lang="en-US"/>
+              <a:t>Fifth level</a:t>
+            </a:r>
+            <a:endParaRPr lang="en-GB"/>
+          </a:p>
+        </p:txBody>
+      </p:sp>
+      <p:sp>
+        <p:nvSpPr>
+          <p:cNvPr id="4" name="Date Placeholder 3">
+            <a:extLst>
+              <a:ext uri="{FF2B5EF4-FFF2-40B4-BE49-F238E27FC236}">
+                <a16:creationId xmlns:a16="http://schemas.microsoft.com/office/drawing/2014/main" id="{0F562833-360C-4877-9449-08951F5FE127}"/>
+              </a:ext>
+            </a:extLst>
+          </p:cNvPr>
+          <p:cNvSpPr>
+            <a:spLocks noGrp="1"/>
+          </p:cNvSpPr>
+          <p:nvPr>
+            <p:ph type="dt" sz="half" idx="10"/>
+          </p:nvPr>
+        </p:nvSpPr>
+        <p:spPr/>
+        <p:txBody>
+          <a:bodyPr/>
+          <a:lstStyle/>
+          <a:p>
+            <a:fld id="{9C24F874-02A1-48BF-AE54-4A07EBAF6EA2}" type="datetimeFigureOut">
+              <a:rPr lang="en-GB" smtClean="0"/>
+              <a:t>20/03/2018</a:t>
+            </a:fld>
+            <a:endParaRPr lang="en-GB"/>
+          </a:p>
+        </p:txBody>
+      </p:sp>
+      <p:sp>
+        <p:nvSpPr>
+          <p:cNvPr id="5" name="Footer Placeholder 4">
+            <a:extLst>
+              <a:ext uri="{FF2B5EF4-FFF2-40B4-BE49-F238E27FC236}">
+                <a16:creationId xmlns:a16="http://schemas.microsoft.com/office/drawing/2014/main" id="{14364642-3ECE-4038-AE02-46F9F5033E14}"/>
+              </a:ext>
+            </a:extLst>
+          </p:cNvPr>
+          <p:cNvSpPr>
+            <a:spLocks noGrp="1"/>
+          </p:cNvSpPr>
+          <p:nvPr>
+            <p:ph type="ftr" sz="quarter" idx="11"/>
+          </p:nvPr>
+        </p:nvSpPr>
+        <p:spPr/>
+        <p:txBody>
+          <a:bodyPr/>
+          <a:lstStyle/>
+          <a:p>
+            <a:endParaRPr lang="en-GB"/>
+          </a:p>
+        </p:txBody>
+      </p:sp>
+      <p:sp>
+        <p:nvSpPr>
+          <p:cNvPr id="6" name="Slide Number Placeholder 5">
+            <a:extLst>
+              <a:ext uri="{FF2B5EF4-FFF2-40B4-BE49-F238E27FC236}">
+                <a16:creationId xmlns:a16="http://schemas.microsoft.com/office/drawing/2014/main" id="{D1506BEA-ACE5-4A4C-B4D8-188FC8D3471A}"/>
+              </a:ext>
+            </a:extLst>
+          </p:cNvPr>
+          <p:cNvSpPr>
+            <a:spLocks noGrp="1"/>
+          </p:cNvSpPr>
+          <p:nvPr>
+            <p:ph type="sldNum" sz="quarter" idx="12"/>
+          </p:nvPr>
+        </p:nvSpPr>
+        <p:spPr/>
+        <p:txBody>
+          <a:bodyPr/>
+          <a:lstStyle/>
+          <a:p>
+            <a:fld id="{9C7D1916-3AD3-4FEC-AEB3-D0E6DB5A64D5}" type="slidenum">
+              <a:rPr lang="en-GB" smtClean="0"/>
+              <a:t>‹#›</a:t>
+            </a:fld>
+            <a:endParaRPr lang="en-GB"/>
+          </a:p>
+        </p:txBody>
+      </p:sp>
+    </p:spTree>
+    <p:extLst>
+      <p:ext uri="{BB962C8B-B14F-4D97-AF65-F5344CB8AC3E}">
+        <p14:creationId xmlns:p14="http://schemas.microsoft.com/office/powerpoint/2010/main" val="1863711696"/>
+      </p:ext>
+    </p:extLst>
+  </p:cSld>
+  <p:clrMapOvr>
+    <a:masterClrMapping/>
+  </p:clrMapOvr>
+</p:sldLayout>
+</file>
+
+<file path=ppt/slideLayouts/slideLayout22.xml><?xml version="1.0" encoding="utf-8"?>
+<p:sldLayout xmlns:a="http://schemas.openxmlformats.org/drawingml/2006/main" xmlns:r="http://schemas.openxmlformats.org/officeDocument/2006/relationships" xmlns:p="http://schemas.openxmlformats.org/presentationml/2006/main" type="vertTitleAndTx" preserve="1">
+  <p:cSld name="Vertical Title and Text">
+    <p:spTree>
+      <p:nvGrpSpPr>
+        <p:cNvPr id="1" name=""/>
+        <p:cNvGrpSpPr/>
+        <p:nvPr/>
+      </p:nvGrpSpPr>
+      <p:grpSpPr>
+        <a:xfrm>
+          <a:off x="0" y="0"/>
+          <a:ext cx="0" cy="0"/>
+          <a:chOff x="0" y="0"/>
+          <a:chExt cx="0" cy="0"/>
+        </a:xfrm>
+      </p:grpSpPr>
+      <p:sp>
+        <p:nvSpPr>
+          <p:cNvPr id="2" name="Vertical Title 1">
+            <a:extLst>
+              <a:ext uri="{FF2B5EF4-FFF2-40B4-BE49-F238E27FC236}">
+                <a16:creationId xmlns:a16="http://schemas.microsoft.com/office/drawing/2014/main" id="{016350FA-2BEC-455D-9889-358869CB398B}"/>
+              </a:ext>
+            </a:extLst>
+          </p:cNvPr>
+          <p:cNvSpPr>
+            <a:spLocks noGrp="1"/>
+          </p:cNvSpPr>
+          <p:nvPr>
+            <p:ph type="title" orient="vert"/>
+          </p:nvPr>
+        </p:nvSpPr>
+        <p:spPr>
+          <a:xfrm>
+            <a:off x="8724900" y="365125"/>
+            <a:ext cx="2628900" cy="5811838"/>
+          </a:xfrm>
+        </p:spPr>
+        <p:txBody>
+          <a:bodyPr vert="eaVert"/>
+          <a:lstStyle/>
+          <a:p>
+            <a:r>
+              <a:rPr lang="en-US"/>
+              <a:t>Click to edit Master title style</a:t>
+            </a:r>
+            <a:endParaRPr lang="en-GB"/>
+          </a:p>
+        </p:txBody>
+      </p:sp>
+      <p:sp>
+        <p:nvSpPr>
+          <p:cNvPr id="3" name="Vertical Text Placeholder 2">
+            <a:extLst>
+              <a:ext uri="{FF2B5EF4-FFF2-40B4-BE49-F238E27FC236}">
+                <a16:creationId xmlns:a16="http://schemas.microsoft.com/office/drawing/2014/main" id="{450FA255-E488-4FC7-B4B8-CB6BF4CFDDD2}"/>
+              </a:ext>
+            </a:extLst>
+          </p:cNvPr>
+          <p:cNvSpPr>
+            <a:spLocks noGrp="1"/>
+          </p:cNvSpPr>
+          <p:nvPr>
+            <p:ph type="body" orient="vert" idx="1"/>
+          </p:nvPr>
+        </p:nvSpPr>
+        <p:spPr>
+          <a:xfrm>
+            <a:off x="838200" y="365125"/>
+            <a:ext cx="7734300" cy="5811838"/>
+          </a:xfrm>
+        </p:spPr>
+        <p:txBody>
+          <a:bodyPr vert="eaVert"/>
+          <a:lstStyle/>
+          <a:p>
+            <a:pPr lvl="0"/>
+            <a:r>
+              <a:rPr lang="en-US"/>
+              <a:t>Edit Master text styles</a:t>
+            </a:r>
+          </a:p>
+          <a:p>
+            <a:pPr lvl="1"/>
+            <a:r>
+              <a:rPr lang="en-US"/>
+              <a:t>Second level</a:t>
+            </a:r>
+          </a:p>
+          <a:p>
+            <a:pPr lvl="2"/>
+            <a:r>
+              <a:rPr lang="en-US"/>
+              <a:t>Third level</a:t>
+            </a:r>
+          </a:p>
+          <a:p>
+            <a:pPr lvl="3"/>
+            <a:r>
+              <a:rPr lang="en-US"/>
+              <a:t>Fourth level</a:t>
+            </a:r>
+          </a:p>
+          <a:p>
+            <a:pPr lvl="4"/>
+            <a:r>
+              <a:rPr lang="en-US"/>
+              <a:t>Fifth level</a:t>
+            </a:r>
+            <a:endParaRPr lang="en-GB"/>
+          </a:p>
+        </p:txBody>
+      </p:sp>
+      <p:sp>
+        <p:nvSpPr>
+          <p:cNvPr id="4" name="Date Placeholder 3">
+            <a:extLst>
+              <a:ext uri="{FF2B5EF4-FFF2-40B4-BE49-F238E27FC236}">
+                <a16:creationId xmlns:a16="http://schemas.microsoft.com/office/drawing/2014/main" id="{96AB9114-D3F3-4368-BD41-FDF3F4676A73}"/>
+              </a:ext>
+            </a:extLst>
+          </p:cNvPr>
+          <p:cNvSpPr>
+            <a:spLocks noGrp="1"/>
+          </p:cNvSpPr>
+          <p:nvPr>
+            <p:ph type="dt" sz="half" idx="10"/>
+          </p:nvPr>
+        </p:nvSpPr>
+        <p:spPr/>
+        <p:txBody>
+          <a:bodyPr/>
+          <a:lstStyle/>
+          <a:p>
+            <a:fld id="{9C24F874-02A1-48BF-AE54-4A07EBAF6EA2}" type="datetimeFigureOut">
+              <a:rPr lang="en-GB" smtClean="0"/>
+              <a:t>20/03/2018</a:t>
+            </a:fld>
+            <a:endParaRPr lang="en-GB"/>
+          </a:p>
+        </p:txBody>
+      </p:sp>
+      <p:sp>
+        <p:nvSpPr>
+          <p:cNvPr id="5" name="Footer Placeholder 4">
+            <a:extLst>
+              <a:ext uri="{FF2B5EF4-FFF2-40B4-BE49-F238E27FC236}">
+                <a16:creationId xmlns:a16="http://schemas.microsoft.com/office/drawing/2014/main" id="{EA571B5A-4B3D-4771-8572-DC6CA3208CF0}"/>
+              </a:ext>
+            </a:extLst>
+          </p:cNvPr>
+          <p:cNvSpPr>
+            <a:spLocks noGrp="1"/>
+          </p:cNvSpPr>
+          <p:nvPr>
+            <p:ph type="ftr" sz="quarter" idx="11"/>
+          </p:nvPr>
+        </p:nvSpPr>
+        <p:spPr/>
+        <p:txBody>
+          <a:bodyPr/>
+          <a:lstStyle/>
+          <a:p>
+            <a:endParaRPr lang="en-GB"/>
+          </a:p>
+        </p:txBody>
+      </p:sp>
+      <p:sp>
+        <p:nvSpPr>
+          <p:cNvPr id="6" name="Slide Number Placeholder 5">
+            <a:extLst>
+              <a:ext uri="{FF2B5EF4-FFF2-40B4-BE49-F238E27FC236}">
+                <a16:creationId xmlns:a16="http://schemas.microsoft.com/office/drawing/2014/main" id="{CAB0DCA1-D8D5-45FF-A0E6-B6D2F76694EA}"/>
+              </a:ext>
+            </a:extLst>
+          </p:cNvPr>
+          <p:cNvSpPr>
+            <a:spLocks noGrp="1"/>
+          </p:cNvSpPr>
+          <p:nvPr>
+            <p:ph type="sldNum" sz="quarter" idx="12"/>
+          </p:nvPr>
+        </p:nvSpPr>
+        <p:spPr/>
+        <p:txBody>
+          <a:bodyPr/>
+          <a:lstStyle/>
+          <a:p>
+            <a:fld id="{9C7D1916-3AD3-4FEC-AEB3-D0E6DB5A64D5}" type="slidenum">
+              <a:rPr lang="en-GB" smtClean="0"/>
+              <a:t>‹#›</a:t>
+            </a:fld>
+            <a:endParaRPr lang="en-GB"/>
+          </a:p>
+        </p:txBody>
+      </p:sp>
+    </p:spTree>
+    <p:extLst>
+      <p:ext uri="{BB962C8B-B14F-4D97-AF65-F5344CB8AC3E}">
+        <p14:creationId xmlns:p14="http://schemas.microsoft.com/office/powerpoint/2010/main" val="2469861496"/>
       </p:ext>
     </p:extLst>
   </p:cSld>
@@ -1680,7 +4326,7 @@
           <a:p>
             <a:fld id="{F999EE6D-E52B-45B7-B943-4C650C77E21B}" type="datetimeFigureOut">
               <a:rPr lang="en-GB" smtClean="0"/>
-              <a:t>13/03/2018</a:t>
+              <a:t>20/03/2018</a:t>
             </a:fld>
             <a:endParaRPr lang="en-GB"/>
           </a:p>
@@ -1948,7 +4594,7 @@
           <a:p>
             <a:fld id="{F999EE6D-E52B-45B7-B943-4C650C77E21B}" type="datetimeFigureOut">
               <a:rPr lang="en-GB" smtClean="0"/>
-              <a:t>13/03/2018</a:t>
+              <a:t>20/03/2018</a:t>
             </a:fld>
             <a:endParaRPr lang="en-GB"/>
           </a:p>
@@ -2363,7 +5009,7 @@
           <a:p>
             <a:fld id="{F999EE6D-E52B-45B7-B943-4C650C77E21B}" type="datetimeFigureOut">
               <a:rPr lang="en-GB" smtClean="0"/>
-              <a:t>13/03/2018</a:t>
+              <a:t>20/03/2018</a:t>
             </a:fld>
             <a:endParaRPr lang="en-GB"/>
           </a:p>
@@ -2505,7 +5151,7 @@
           <a:p>
             <a:fld id="{F999EE6D-E52B-45B7-B943-4C650C77E21B}" type="datetimeFigureOut">
               <a:rPr lang="en-GB" smtClean="0"/>
-              <a:t>13/03/2018</a:t>
+              <a:t>20/03/2018</a:t>
             </a:fld>
             <a:endParaRPr lang="en-GB"/>
           </a:p>
@@ -2618,7 +5264,7 @@
           <a:p>
             <a:fld id="{F999EE6D-E52B-45B7-B943-4C650C77E21B}" type="datetimeFigureOut">
               <a:rPr lang="en-GB" smtClean="0"/>
-              <a:t>13/03/2018</a:t>
+              <a:t>20/03/2018</a:t>
             </a:fld>
             <a:endParaRPr lang="en-GB"/>
           </a:p>
@@ -2931,7 +5577,7 @@
           <a:p>
             <a:fld id="{F999EE6D-E52B-45B7-B943-4C650C77E21B}" type="datetimeFigureOut">
               <a:rPr lang="en-GB" smtClean="0"/>
-              <a:t>13/03/2018</a:t>
+              <a:t>20/03/2018</a:t>
             </a:fld>
             <a:endParaRPr lang="en-GB"/>
           </a:p>
@@ -3220,7 +5866,7 @@
           <a:p>
             <a:fld id="{F999EE6D-E52B-45B7-B943-4C650C77E21B}" type="datetimeFigureOut">
               <a:rPr lang="en-GB" smtClean="0"/>
-              <a:t>13/03/2018</a:t>
+              <a:t>20/03/2018</a:t>
             </a:fld>
             <a:endParaRPr lang="en-GB"/>
           </a:p>
@@ -3463,7 +6109,7 @@
           <a:p>
             <a:fld id="{F999EE6D-E52B-45B7-B943-4C650C77E21B}" type="datetimeFigureOut">
               <a:rPr lang="en-GB" smtClean="0"/>
-              <a:t>13/03/2018</a:t>
+              <a:t>20/03/2018</a:t>
             </a:fld>
             <a:endParaRPr lang="en-GB"/>
           </a:p>
@@ -3863,6 +6509,576 @@
 </p:sldMaster>
 </file>
 
+<file path=ppt/slideMasters/slideMaster2.xml><?xml version="1.0" encoding="utf-8"?>
+<p:sldMaster xmlns:a="http://schemas.openxmlformats.org/drawingml/2006/main" xmlns:r="http://schemas.openxmlformats.org/officeDocument/2006/relationships" xmlns:p="http://schemas.openxmlformats.org/presentationml/2006/main">
+  <p:cSld>
+    <p:bg>
+      <p:bgRef idx="1001">
+        <a:schemeClr val="bg1"/>
+      </p:bgRef>
+    </p:bg>
+    <p:spTree>
+      <p:nvGrpSpPr>
+        <p:cNvPr id="1" name=""/>
+        <p:cNvGrpSpPr/>
+        <p:nvPr/>
+      </p:nvGrpSpPr>
+      <p:grpSpPr>
+        <a:xfrm>
+          <a:off x="0" y="0"/>
+          <a:ext cx="0" cy="0"/>
+          <a:chOff x="0" y="0"/>
+          <a:chExt cx="0" cy="0"/>
+        </a:xfrm>
+      </p:grpSpPr>
+      <p:sp>
+        <p:nvSpPr>
+          <p:cNvPr id="2" name="Title Placeholder 1">
+            <a:extLst>
+              <a:ext uri="{FF2B5EF4-FFF2-40B4-BE49-F238E27FC236}">
+                <a16:creationId xmlns:a16="http://schemas.microsoft.com/office/drawing/2014/main" id="{EC535ED7-C7B8-407D-9246-0FC9DF9ECE05}"/>
+              </a:ext>
+            </a:extLst>
+          </p:cNvPr>
+          <p:cNvSpPr>
+            <a:spLocks noGrp="1"/>
+          </p:cNvSpPr>
+          <p:nvPr>
+            <p:ph type="title"/>
+          </p:nvPr>
+        </p:nvSpPr>
+        <p:spPr>
+          <a:xfrm>
+            <a:off x="838200" y="365125"/>
+            <a:ext cx="10515600" cy="1325563"/>
+          </a:xfrm>
+          <a:prstGeom prst="rect">
+            <a:avLst/>
+          </a:prstGeom>
+        </p:spPr>
+        <p:txBody>
+          <a:bodyPr vert="horz" lIns="91440" tIns="45720" rIns="91440" bIns="45720" rtlCol="0" anchor="ctr">
+            <a:normAutofit/>
+          </a:bodyPr>
+          <a:lstStyle/>
+          <a:p>
+            <a:r>
+              <a:rPr lang="en-US"/>
+              <a:t>Click to edit Master title style</a:t>
+            </a:r>
+            <a:endParaRPr lang="en-GB"/>
+          </a:p>
+        </p:txBody>
+      </p:sp>
+      <p:sp>
+        <p:nvSpPr>
+          <p:cNvPr id="3" name="Text Placeholder 2">
+            <a:extLst>
+              <a:ext uri="{FF2B5EF4-FFF2-40B4-BE49-F238E27FC236}">
+                <a16:creationId xmlns:a16="http://schemas.microsoft.com/office/drawing/2014/main" id="{2665FAFD-1788-4751-84FF-DA3ECBCDC4E3}"/>
+              </a:ext>
+            </a:extLst>
+          </p:cNvPr>
+          <p:cNvSpPr>
+            <a:spLocks noGrp="1"/>
+          </p:cNvSpPr>
+          <p:nvPr>
+            <p:ph type="body" idx="1"/>
+          </p:nvPr>
+        </p:nvSpPr>
+        <p:spPr>
+          <a:xfrm>
+            <a:off x="838200" y="1825625"/>
+            <a:ext cx="10515600" cy="4351338"/>
+          </a:xfrm>
+          <a:prstGeom prst="rect">
+            <a:avLst/>
+          </a:prstGeom>
+        </p:spPr>
+        <p:txBody>
+          <a:bodyPr vert="horz" lIns="91440" tIns="45720" rIns="91440" bIns="45720" rtlCol="0">
+            <a:normAutofit/>
+          </a:bodyPr>
+          <a:lstStyle/>
+          <a:p>
+            <a:pPr lvl="0"/>
+            <a:r>
+              <a:rPr lang="en-US"/>
+              <a:t>Edit Master text styles</a:t>
+            </a:r>
+          </a:p>
+          <a:p>
+            <a:pPr lvl="1"/>
+            <a:r>
+              <a:rPr lang="en-US"/>
+              <a:t>Second level</a:t>
+            </a:r>
+          </a:p>
+          <a:p>
+            <a:pPr lvl="2"/>
+            <a:r>
+              <a:rPr lang="en-US"/>
+              <a:t>Third level</a:t>
+            </a:r>
+          </a:p>
+          <a:p>
+            <a:pPr lvl="3"/>
+            <a:r>
+              <a:rPr lang="en-US"/>
+              <a:t>Fourth level</a:t>
+            </a:r>
+          </a:p>
+          <a:p>
+            <a:pPr lvl="4"/>
+            <a:r>
+              <a:rPr lang="en-US"/>
+              <a:t>Fifth level</a:t>
+            </a:r>
+            <a:endParaRPr lang="en-GB"/>
+          </a:p>
+        </p:txBody>
+      </p:sp>
+      <p:sp>
+        <p:nvSpPr>
+          <p:cNvPr id="4" name="Date Placeholder 3">
+            <a:extLst>
+              <a:ext uri="{FF2B5EF4-FFF2-40B4-BE49-F238E27FC236}">
+                <a16:creationId xmlns:a16="http://schemas.microsoft.com/office/drawing/2014/main" id="{52365336-5579-4C13-8B3D-98B5A3B120D0}"/>
+              </a:ext>
+            </a:extLst>
+          </p:cNvPr>
+          <p:cNvSpPr>
+            <a:spLocks noGrp="1"/>
+          </p:cNvSpPr>
+          <p:nvPr>
+            <p:ph type="dt" sz="half" idx="2"/>
+          </p:nvPr>
+        </p:nvSpPr>
+        <p:spPr>
+          <a:xfrm>
+            <a:off x="838200" y="6356350"/>
+            <a:ext cx="2743200" cy="365125"/>
+          </a:xfrm>
+          <a:prstGeom prst="rect">
+            <a:avLst/>
+          </a:prstGeom>
+        </p:spPr>
+        <p:txBody>
+          <a:bodyPr vert="horz" lIns="91440" tIns="45720" rIns="91440" bIns="45720" rtlCol="0" anchor="ctr"/>
+          <a:lstStyle>
+            <a:lvl1pPr algn="l">
+              <a:defRPr sz="1200">
+                <a:solidFill>
+                  <a:schemeClr val="tx1">
+                    <a:tint val="75000"/>
+                  </a:schemeClr>
+                </a:solidFill>
+              </a:defRPr>
+            </a:lvl1pPr>
+          </a:lstStyle>
+          <a:p>
+            <a:fld id="{9C24F874-02A1-48BF-AE54-4A07EBAF6EA2}" type="datetimeFigureOut">
+              <a:rPr lang="en-GB" smtClean="0"/>
+              <a:t>20/03/2018</a:t>
+            </a:fld>
+            <a:endParaRPr lang="en-GB"/>
+          </a:p>
+        </p:txBody>
+      </p:sp>
+      <p:sp>
+        <p:nvSpPr>
+          <p:cNvPr id="5" name="Footer Placeholder 4">
+            <a:extLst>
+              <a:ext uri="{FF2B5EF4-FFF2-40B4-BE49-F238E27FC236}">
+                <a16:creationId xmlns:a16="http://schemas.microsoft.com/office/drawing/2014/main" id="{883D9F1F-0948-442D-82E0-CEE01D6F15CB}"/>
+              </a:ext>
+            </a:extLst>
+          </p:cNvPr>
+          <p:cNvSpPr>
+            <a:spLocks noGrp="1"/>
+          </p:cNvSpPr>
+          <p:nvPr>
+            <p:ph type="ftr" sz="quarter" idx="3"/>
+          </p:nvPr>
+        </p:nvSpPr>
+        <p:spPr>
+          <a:xfrm>
+            <a:off x="4038600" y="6356350"/>
+            <a:ext cx="4114800" cy="365125"/>
+          </a:xfrm>
+          <a:prstGeom prst="rect">
+            <a:avLst/>
+          </a:prstGeom>
+        </p:spPr>
+        <p:txBody>
+          <a:bodyPr vert="horz" lIns="91440" tIns="45720" rIns="91440" bIns="45720" rtlCol="0" anchor="ctr"/>
+          <a:lstStyle>
+            <a:lvl1pPr algn="ctr">
+              <a:defRPr sz="1200">
+                <a:solidFill>
+                  <a:schemeClr val="tx1">
+                    <a:tint val="75000"/>
+                  </a:schemeClr>
+                </a:solidFill>
+              </a:defRPr>
+            </a:lvl1pPr>
+          </a:lstStyle>
+          <a:p>
+            <a:endParaRPr lang="en-GB"/>
+          </a:p>
+        </p:txBody>
+      </p:sp>
+      <p:sp>
+        <p:nvSpPr>
+          <p:cNvPr id="6" name="Slide Number Placeholder 5">
+            <a:extLst>
+              <a:ext uri="{FF2B5EF4-FFF2-40B4-BE49-F238E27FC236}">
+                <a16:creationId xmlns:a16="http://schemas.microsoft.com/office/drawing/2014/main" id="{24C60991-82BF-4770-B406-335445615505}"/>
+              </a:ext>
+            </a:extLst>
+          </p:cNvPr>
+          <p:cNvSpPr>
+            <a:spLocks noGrp="1"/>
+          </p:cNvSpPr>
+          <p:nvPr>
+            <p:ph type="sldNum" sz="quarter" idx="4"/>
+          </p:nvPr>
+        </p:nvSpPr>
+        <p:spPr>
+          <a:xfrm>
+            <a:off x="8610600" y="6356350"/>
+            <a:ext cx="2743200" cy="365125"/>
+          </a:xfrm>
+          <a:prstGeom prst="rect">
+            <a:avLst/>
+          </a:prstGeom>
+        </p:spPr>
+        <p:txBody>
+          <a:bodyPr vert="horz" lIns="91440" tIns="45720" rIns="91440" bIns="45720" rtlCol="0" anchor="ctr"/>
+          <a:lstStyle>
+            <a:lvl1pPr algn="r">
+              <a:defRPr sz="1200">
+                <a:solidFill>
+                  <a:schemeClr val="tx1">
+                    <a:tint val="75000"/>
+                  </a:schemeClr>
+                </a:solidFill>
+              </a:defRPr>
+            </a:lvl1pPr>
+          </a:lstStyle>
+          <a:p>
+            <a:fld id="{9C7D1916-3AD3-4FEC-AEB3-D0E6DB5A64D5}" type="slidenum">
+              <a:rPr lang="en-GB" smtClean="0"/>
+              <a:t>‹#›</a:t>
+            </a:fld>
+            <a:endParaRPr lang="en-GB"/>
+          </a:p>
+        </p:txBody>
+      </p:sp>
+    </p:spTree>
+    <p:extLst>
+      <p:ext uri="{BB962C8B-B14F-4D97-AF65-F5344CB8AC3E}">
+        <p14:creationId xmlns:p14="http://schemas.microsoft.com/office/powerpoint/2010/main" val="4155326003"/>
+      </p:ext>
+    </p:extLst>
+  </p:cSld>
+  <p:clrMap bg1="lt1" tx1="dk1" bg2="lt2" tx2="dk2" accent1="accent1" accent2="accent2" accent3="accent3" accent4="accent4" accent5="accent5" accent6="accent6" hlink="hlink" folHlink="folHlink"/>
+  <p:sldLayoutIdLst>
+    <p:sldLayoutId id="2147483661" r:id="rId1"/>
+    <p:sldLayoutId id="2147483662" r:id="rId2"/>
+    <p:sldLayoutId id="2147483663" r:id="rId3"/>
+    <p:sldLayoutId id="2147483664" r:id="rId4"/>
+    <p:sldLayoutId id="2147483665" r:id="rId5"/>
+    <p:sldLayoutId id="2147483666" r:id="rId6"/>
+    <p:sldLayoutId id="2147483667" r:id="rId7"/>
+    <p:sldLayoutId id="2147483668" r:id="rId8"/>
+    <p:sldLayoutId id="2147483669" r:id="rId9"/>
+    <p:sldLayoutId id="2147483670" r:id="rId10"/>
+    <p:sldLayoutId id="2147483671" r:id="rId11"/>
+  </p:sldLayoutIdLst>
+  <p:txStyles>
+    <p:titleStyle>
+      <a:lvl1pPr algn="l" defTabSz="914400" rtl="0" eaLnBrk="1" latinLnBrk="0" hangingPunct="1">
+        <a:lnSpc>
+          <a:spcPct val="90000"/>
+        </a:lnSpc>
+        <a:spcBef>
+          <a:spcPct val="0"/>
+        </a:spcBef>
+        <a:buNone/>
+        <a:defRPr sz="4400" kern="1200">
+          <a:solidFill>
+            <a:schemeClr val="tx1"/>
+          </a:solidFill>
+          <a:latin typeface="+mj-lt"/>
+          <a:ea typeface="+mj-ea"/>
+          <a:cs typeface="+mj-cs"/>
+        </a:defRPr>
+      </a:lvl1pPr>
+    </p:titleStyle>
+    <p:bodyStyle>
+      <a:lvl1pPr marL="228600" indent="-228600" algn="l" defTabSz="914400" rtl="0" eaLnBrk="1" latinLnBrk="0" hangingPunct="1">
+        <a:lnSpc>
+          <a:spcPct val="90000"/>
+        </a:lnSpc>
+        <a:spcBef>
+          <a:spcPts val="1000"/>
+        </a:spcBef>
+        <a:buFont typeface="Arial" panose="020B0604020202020204" pitchFamily="34" charset="0"/>
+        <a:buChar char="•"/>
+        <a:defRPr sz="2800" kern="1200">
+          <a:solidFill>
+            <a:schemeClr val="tx1"/>
+          </a:solidFill>
+          <a:latin typeface="+mn-lt"/>
+          <a:ea typeface="+mn-ea"/>
+          <a:cs typeface="+mn-cs"/>
+        </a:defRPr>
+      </a:lvl1pPr>
+      <a:lvl2pPr marL="685800" indent="-228600" algn="l" defTabSz="914400" rtl="0" eaLnBrk="1" latinLnBrk="0" hangingPunct="1">
+        <a:lnSpc>
+          <a:spcPct val="90000"/>
+        </a:lnSpc>
+        <a:spcBef>
+          <a:spcPts val="500"/>
+        </a:spcBef>
+        <a:buFont typeface="Arial" panose="020B0604020202020204" pitchFamily="34" charset="0"/>
+        <a:buChar char="•"/>
+        <a:defRPr sz="2400" kern="1200">
+          <a:solidFill>
+            <a:schemeClr val="tx1"/>
+          </a:solidFill>
+          <a:latin typeface="+mn-lt"/>
+          <a:ea typeface="+mn-ea"/>
+          <a:cs typeface="+mn-cs"/>
+        </a:defRPr>
+      </a:lvl2pPr>
+      <a:lvl3pPr marL="1143000" indent="-228600" algn="l" defTabSz="914400" rtl="0" eaLnBrk="1" latinLnBrk="0" hangingPunct="1">
+        <a:lnSpc>
+          <a:spcPct val="90000"/>
+        </a:lnSpc>
+        <a:spcBef>
+          <a:spcPts val="500"/>
+        </a:spcBef>
+        <a:buFont typeface="Arial" panose="020B0604020202020204" pitchFamily="34" charset="0"/>
+        <a:buChar char="•"/>
+        <a:defRPr sz="2000" kern="1200">
+          <a:solidFill>
+            <a:schemeClr val="tx1"/>
+          </a:solidFill>
+          <a:latin typeface="+mn-lt"/>
+          <a:ea typeface="+mn-ea"/>
+          <a:cs typeface="+mn-cs"/>
+        </a:defRPr>
+      </a:lvl3pPr>
+      <a:lvl4pPr marL="1600200" indent="-228600" algn="l" defTabSz="914400" rtl="0" eaLnBrk="1" latinLnBrk="0" hangingPunct="1">
+        <a:lnSpc>
+          <a:spcPct val="90000"/>
+        </a:lnSpc>
+        <a:spcBef>
+          <a:spcPts val="500"/>
+        </a:spcBef>
+        <a:buFont typeface="Arial" panose="020B0604020202020204" pitchFamily="34" charset="0"/>
+        <a:buChar char="•"/>
+        <a:defRPr sz="1800" kern="1200">
+          <a:solidFill>
+            <a:schemeClr val="tx1"/>
+          </a:solidFill>
+          <a:latin typeface="+mn-lt"/>
+          <a:ea typeface="+mn-ea"/>
+          <a:cs typeface="+mn-cs"/>
+        </a:defRPr>
+      </a:lvl4pPr>
+      <a:lvl5pPr marL="2057400" indent="-228600" algn="l" defTabSz="914400" rtl="0" eaLnBrk="1" latinLnBrk="0" hangingPunct="1">
+        <a:lnSpc>
+          <a:spcPct val="90000"/>
+        </a:lnSpc>
+        <a:spcBef>
+          <a:spcPts val="500"/>
+        </a:spcBef>
+        <a:buFont typeface="Arial" panose="020B0604020202020204" pitchFamily="34" charset="0"/>
+        <a:buChar char="•"/>
+        <a:defRPr sz="1800" kern="1200">
+          <a:solidFill>
+            <a:schemeClr val="tx1"/>
+          </a:solidFill>
+          <a:latin typeface="+mn-lt"/>
+          <a:ea typeface="+mn-ea"/>
+          <a:cs typeface="+mn-cs"/>
+        </a:defRPr>
+      </a:lvl5pPr>
+      <a:lvl6pPr marL="2514600" indent="-228600" algn="l" defTabSz="914400" rtl="0" eaLnBrk="1" latinLnBrk="0" hangingPunct="1">
+        <a:lnSpc>
+          <a:spcPct val="90000"/>
+        </a:lnSpc>
+        <a:spcBef>
+          <a:spcPts val="500"/>
+        </a:spcBef>
+        <a:buFont typeface="Arial" panose="020B0604020202020204" pitchFamily="34" charset="0"/>
+        <a:buChar char="•"/>
+        <a:defRPr sz="1800" kern="1200">
+          <a:solidFill>
+            <a:schemeClr val="tx1"/>
+          </a:solidFill>
+          <a:latin typeface="+mn-lt"/>
+          <a:ea typeface="+mn-ea"/>
+          <a:cs typeface="+mn-cs"/>
+        </a:defRPr>
+      </a:lvl6pPr>
+      <a:lvl7pPr marL="2971800" indent="-228600" algn="l" defTabSz="914400" rtl="0" eaLnBrk="1" latinLnBrk="0" hangingPunct="1">
+        <a:lnSpc>
+          <a:spcPct val="90000"/>
+        </a:lnSpc>
+        <a:spcBef>
+          <a:spcPts val="500"/>
+        </a:spcBef>
+        <a:buFont typeface="Arial" panose="020B0604020202020204" pitchFamily="34" charset="0"/>
+        <a:buChar char="•"/>
+        <a:defRPr sz="1800" kern="1200">
+          <a:solidFill>
+            <a:schemeClr val="tx1"/>
+          </a:solidFill>
+          <a:latin typeface="+mn-lt"/>
+          <a:ea typeface="+mn-ea"/>
+          <a:cs typeface="+mn-cs"/>
+        </a:defRPr>
+      </a:lvl7pPr>
+      <a:lvl8pPr marL="3429000" indent="-228600" algn="l" defTabSz="914400" rtl="0" eaLnBrk="1" latinLnBrk="0" hangingPunct="1">
+        <a:lnSpc>
+          <a:spcPct val="90000"/>
+        </a:lnSpc>
+        <a:spcBef>
+          <a:spcPts val="500"/>
+        </a:spcBef>
+        <a:buFont typeface="Arial" panose="020B0604020202020204" pitchFamily="34" charset="0"/>
+        <a:buChar char="•"/>
+        <a:defRPr sz="1800" kern="1200">
+          <a:solidFill>
+            <a:schemeClr val="tx1"/>
+          </a:solidFill>
+          <a:latin typeface="+mn-lt"/>
+          <a:ea typeface="+mn-ea"/>
+          <a:cs typeface="+mn-cs"/>
+        </a:defRPr>
+      </a:lvl8pPr>
+      <a:lvl9pPr marL="3886200" indent="-228600" algn="l" defTabSz="914400" rtl="0" eaLnBrk="1" latinLnBrk="0" hangingPunct="1">
+        <a:lnSpc>
+          <a:spcPct val="90000"/>
+        </a:lnSpc>
+        <a:spcBef>
+          <a:spcPts val="500"/>
+        </a:spcBef>
+        <a:buFont typeface="Arial" panose="020B0604020202020204" pitchFamily="34" charset="0"/>
+        <a:buChar char="•"/>
+        <a:defRPr sz="1800" kern="1200">
+          <a:solidFill>
+            <a:schemeClr val="tx1"/>
+          </a:solidFill>
+          <a:latin typeface="+mn-lt"/>
+          <a:ea typeface="+mn-ea"/>
+          <a:cs typeface="+mn-cs"/>
+        </a:defRPr>
+      </a:lvl9pPr>
+    </p:bodyStyle>
+    <p:otherStyle>
+      <a:defPPr>
+        <a:defRPr lang="en-US"/>
+      </a:defPPr>
+      <a:lvl1pPr marL="0" algn="l" defTabSz="914400" rtl="0" eaLnBrk="1" latinLnBrk="0" hangingPunct="1">
+        <a:defRPr sz="1800" kern="1200">
+          <a:solidFill>
+            <a:schemeClr val="tx1"/>
+          </a:solidFill>
+          <a:latin typeface="+mn-lt"/>
+          <a:ea typeface="+mn-ea"/>
+          <a:cs typeface="+mn-cs"/>
+        </a:defRPr>
+      </a:lvl1pPr>
+      <a:lvl2pPr marL="457200" algn="l" defTabSz="914400" rtl="0" eaLnBrk="1" latinLnBrk="0" hangingPunct="1">
+        <a:defRPr sz="1800" kern="1200">
+          <a:solidFill>
+            <a:schemeClr val="tx1"/>
+          </a:solidFill>
+          <a:latin typeface="+mn-lt"/>
+          <a:ea typeface="+mn-ea"/>
+          <a:cs typeface="+mn-cs"/>
+        </a:defRPr>
+      </a:lvl2pPr>
+      <a:lvl3pPr marL="914400" algn="l" defTabSz="914400" rtl="0" eaLnBrk="1" latinLnBrk="0" hangingPunct="1">
+        <a:defRPr sz="1800" kern="1200">
+          <a:solidFill>
+            <a:schemeClr val="tx1"/>
+          </a:solidFill>
+          <a:latin typeface="+mn-lt"/>
+          <a:ea typeface="+mn-ea"/>
+          <a:cs typeface="+mn-cs"/>
+        </a:defRPr>
+      </a:lvl3pPr>
+      <a:lvl4pPr marL="1371600" algn="l" defTabSz="914400" rtl="0" eaLnBrk="1" latinLnBrk="0" hangingPunct="1">
+        <a:defRPr sz="1800" kern="1200">
+          <a:solidFill>
+            <a:schemeClr val="tx1"/>
+          </a:solidFill>
+          <a:latin typeface="+mn-lt"/>
+          <a:ea typeface="+mn-ea"/>
+          <a:cs typeface="+mn-cs"/>
+        </a:defRPr>
+      </a:lvl4pPr>
+      <a:lvl5pPr marL="1828800" algn="l" defTabSz="914400" rtl="0" eaLnBrk="1" latinLnBrk="0" hangingPunct="1">
+        <a:defRPr sz="1800" kern="1200">
+          <a:solidFill>
+            <a:schemeClr val="tx1"/>
+          </a:solidFill>
+          <a:latin typeface="+mn-lt"/>
+          <a:ea typeface="+mn-ea"/>
+          <a:cs typeface="+mn-cs"/>
+        </a:defRPr>
+      </a:lvl5pPr>
+      <a:lvl6pPr marL="2286000" algn="l" defTabSz="914400" rtl="0" eaLnBrk="1" latinLnBrk="0" hangingPunct="1">
+        <a:defRPr sz="1800" kern="1200">
+          <a:solidFill>
+            <a:schemeClr val="tx1"/>
+          </a:solidFill>
+          <a:latin typeface="+mn-lt"/>
+          <a:ea typeface="+mn-ea"/>
+          <a:cs typeface="+mn-cs"/>
+        </a:defRPr>
+      </a:lvl6pPr>
+      <a:lvl7pPr marL="2743200" algn="l" defTabSz="914400" rtl="0" eaLnBrk="1" latinLnBrk="0" hangingPunct="1">
+        <a:defRPr sz="1800" kern="1200">
+          <a:solidFill>
+            <a:schemeClr val="tx1"/>
+          </a:solidFill>
+          <a:latin typeface="+mn-lt"/>
+          <a:ea typeface="+mn-ea"/>
+          <a:cs typeface="+mn-cs"/>
+        </a:defRPr>
+      </a:lvl7pPr>
+      <a:lvl8pPr marL="3200400" algn="l" defTabSz="914400" rtl="0" eaLnBrk="1" latinLnBrk="0" hangingPunct="1">
+        <a:defRPr sz="1800" kern="1200">
+          <a:solidFill>
+            <a:schemeClr val="tx1"/>
+          </a:solidFill>
+          <a:latin typeface="+mn-lt"/>
+          <a:ea typeface="+mn-ea"/>
+          <a:cs typeface="+mn-cs"/>
+        </a:defRPr>
+      </a:lvl8pPr>
+      <a:lvl9pPr marL="3657600" algn="l" defTabSz="914400" rtl="0" eaLnBrk="1" latinLnBrk="0" hangingPunct="1">
+        <a:defRPr sz="1800" kern="1200">
+          <a:solidFill>
+            <a:schemeClr val="tx1"/>
+          </a:solidFill>
+          <a:latin typeface="+mn-lt"/>
+          <a:ea typeface="+mn-ea"/>
+          <a:cs typeface="+mn-cs"/>
+        </a:defRPr>
+      </a:lvl9pPr>
+    </p:otherStyle>
+  </p:txStyles>
+</p:sldMaster>
+</file>
+
 <file path=ppt/slides/slide1.xml><?xml version="1.0" encoding="utf-8"?>
 <p:sld xmlns:a="http://schemas.openxmlformats.org/drawingml/2006/main" xmlns:r="http://schemas.openxmlformats.org/officeDocument/2006/relationships" xmlns:p="http://schemas.openxmlformats.org/presentationml/2006/main">
   <p:cSld>
@@ -5630,6 +8846,419 @@
 </file>
 
 <file path=ppt/slides/slide6.xml><?xml version="1.0" encoding="utf-8"?>
+<p:sld xmlns:a="http://schemas.openxmlformats.org/drawingml/2006/main" xmlns:r="http://schemas.openxmlformats.org/officeDocument/2006/relationships" xmlns:p="http://schemas.openxmlformats.org/presentationml/2006/main">
+  <p:cSld>
+    <p:spTree>
+      <p:nvGrpSpPr>
+        <p:cNvPr id="1" name=""/>
+        <p:cNvGrpSpPr/>
+        <p:nvPr/>
+      </p:nvGrpSpPr>
+      <p:grpSpPr>
+        <a:xfrm>
+          <a:off x="0" y="0"/>
+          <a:ext cx="0" cy="0"/>
+          <a:chOff x="0" y="0"/>
+          <a:chExt cx="0" cy="0"/>
+        </a:xfrm>
+      </p:grpSpPr>
+      <p:sp>
+        <p:nvSpPr>
+          <p:cNvPr id="6" name="TextBox 5">
+            <a:extLst>
+              <a:ext uri="{FF2B5EF4-FFF2-40B4-BE49-F238E27FC236}">
+                <a16:creationId xmlns:a16="http://schemas.microsoft.com/office/drawing/2014/main" id="{7A8DEA36-A431-4E66-95D8-C203D32F97F5}"/>
+              </a:ext>
+            </a:extLst>
+          </p:cNvPr>
+          <p:cNvSpPr txBox="1"/>
+          <p:nvPr/>
+        </p:nvSpPr>
+        <p:spPr>
+          <a:xfrm>
+            <a:off x="1420831" y="896761"/>
+            <a:ext cx="2729132" cy="369332"/>
+          </a:xfrm>
+          <a:prstGeom prst="rect">
+            <a:avLst/>
+          </a:prstGeom>
+          <a:noFill/>
+        </p:spPr>
+        <p:txBody>
+          <a:bodyPr wrap="square" rtlCol="0">
+            <a:spAutoFit/>
+          </a:bodyPr>
+          <a:lstStyle/>
+          <a:p>
+            <a:pPr marL="0" marR="0" lvl="0" indent="0" algn="l" defTabSz="914400" rtl="0" eaLnBrk="1" fontAlgn="auto" latinLnBrk="0" hangingPunct="1">
+              <a:lnSpc>
+                <a:spcPct val="100000"/>
+              </a:lnSpc>
+              <a:spcBef>
+                <a:spcPts val="0"/>
+              </a:spcBef>
+              <a:spcAft>
+                <a:spcPts val="0"/>
+              </a:spcAft>
+              <a:buClrTx/>
+              <a:buSzTx/>
+              <a:buFontTx/>
+              <a:buNone/>
+              <a:tabLst/>
+              <a:defRPr/>
+            </a:pPr>
+            <a:r>
+              <a:rPr kumimoji="0" lang="en-GB" sz="1800" b="0" i="0" u="none" strike="noStrike" kern="1200" cap="none" spc="0" normalizeH="0" baseline="0" noProof="0" dirty="0">
+                <a:ln>
+                  <a:noFill/>
+                </a:ln>
+                <a:solidFill>
+                  <a:prstClr val="black"/>
+                </a:solidFill>
+                <a:effectLst/>
+                <a:uLnTx/>
+                <a:uFillTx/>
+                <a:latin typeface="Calibri" panose="020F0502020204030204"/>
+                <a:ea typeface="+mn-ea"/>
+                <a:cs typeface="+mn-cs"/>
+              </a:rPr>
+              <a:t>1</a:t>
+            </a:r>
+            <a:r>
+              <a:rPr kumimoji="0" lang="en-GB" sz="1800" b="0" i="0" u="none" strike="noStrike" kern="1200" cap="none" spc="0" normalizeH="0" baseline="30000" noProof="0" dirty="0">
+                <a:ln>
+                  <a:noFill/>
+                </a:ln>
+                <a:solidFill>
+                  <a:prstClr val="black"/>
+                </a:solidFill>
+                <a:effectLst/>
+                <a:uLnTx/>
+                <a:uFillTx/>
+                <a:latin typeface="Calibri" panose="020F0502020204030204"/>
+                <a:ea typeface="+mn-ea"/>
+                <a:cs typeface="+mn-cs"/>
+              </a:rPr>
+              <a:t>st</a:t>
+            </a:r>
+            <a:r>
+              <a:rPr kumimoji="0" lang="en-GB" sz="1800" b="0" i="0" u="none" strike="noStrike" kern="1200" cap="none" spc="0" normalizeH="0" baseline="0" noProof="0" dirty="0">
+                <a:ln>
+                  <a:noFill/>
+                </a:ln>
+                <a:solidFill>
+                  <a:prstClr val="black"/>
+                </a:solidFill>
+                <a:effectLst/>
+                <a:uLnTx/>
+                <a:uFillTx/>
+                <a:latin typeface="Calibri" panose="020F0502020204030204"/>
+                <a:ea typeface="+mn-ea"/>
+                <a:cs typeface="+mn-cs"/>
+              </a:rPr>
+              <a:t> layer activations</a:t>
+            </a:r>
+          </a:p>
+        </p:txBody>
+      </p:sp>
+      <p:sp>
+        <p:nvSpPr>
+          <p:cNvPr id="7" name="TextBox 6">
+            <a:extLst>
+              <a:ext uri="{FF2B5EF4-FFF2-40B4-BE49-F238E27FC236}">
+                <a16:creationId xmlns:a16="http://schemas.microsoft.com/office/drawing/2014/main" id="{63F0D41E-535C-4573-98B2-ED311E0E4637}"/>
+              </a:ext>
+            </a:extLst>
+          </p:cNvPr>
+          <p:cNvSpPr txBox="1"/>
+          <p:nvPr/>
+        </p:nvSpPr>
+        <p:spPr>
+          <a:xfrm>
+            <a:off x="7970291" y="896761"/>
+            <a:ext cx="2729132" cy="369332"/>
+          </a:xfrm>
+          <a:prstGeom prst="rect">
+            <a:avLst/>
+          </a:prstGeom>
+          <a:noFill/>
+        </p:spPr>
+        <p:txBody>
+          <a:bodyPr wrap="square" rtlCol="0">
+            <a:spAutoFit/>
+          </a:bodyPr>
+          <a:lstStyle/>
+          <a:p>
+            <a:pPr marL="0" marR="0" lvl="0" indent="0" algn="l" defTabSz="914400" rtl="0" eaLnBrk="1" fontAlgn="auto" latinLnBrk="0" hangingPunct="1">
+              <a:lnSpc>
+                <a:spcPct val="100000"/>
+              </a:lnSpc>
+              <a:spcBef>
+                <a:spcPts val="0"/>
+              </a:spcBef>
+              <a:spcAft>
+                <a:spcPts val="0"/>
+              </a:spcAft>
+              <a:buClrTx/>
+              <a:buSzTx/>
+              <a:buFontTx/>
+              <a:buNone/>
+              <a:tabLst/>
+              <a:defRPr/>
+            </a:pPr>
+            <a:r>
+              <a:rPr kumimoji="0" lang="en-GB" sz="1800" b="0" i="0" u="none" strike="noStrike" kern="1200" cap="none" spc="0" normalizeH="0" baseline="0" noProof="0" dirty="0">
+                <a:ln>
+                  <a:noFill/>
+                </a:ln>
+                <a:solidFill>
+                  <a:prstClr val="black"/>
+                </a:solidFill>
+                <a:effectLst/>
+                <a:uLnTx/>
+                <a:uFillTx/>
+                <a:latin typeface="Calibri" panose="020F0502020204030204"/>
+                <a:ea typeface="+mn-ea"/>
+                <a:cs typeface="+mn-cs"/>
+              </a:rPr>
+              <a:t>2nd layer activations</a:t>
+            </a:r>
+          </a:p>
+        </p:txBody>
+      </p:sp>
+      <p:sp>
+        <p:nvSpPr>
+          <p:cNvPr id="8" name="TextBox 7">
+            <a:extLst>
+              <a:ext uri="{FF2B5EF4-FFF2-40B4-BE49-F238E27FC236}">
+                <a16:creationId xmlns:a16="http://schemas.microsoft.com/office/drawing/2014/main" id="{29E4150E-7532-4CDF-9D3B-F540C3B02DE7}"/>
+              </a:ext>
+            </a:extLst>
+          </p:cNvPr>
+          <p:cNvSpPr txBox="1"/>
+          <p:nvPr/>
+        </p:nvSpPr>
+        <p:spPr>
+          <a:xfrm>
+            <a:off x="4346917" y="2274838"/>
+            <a:ext cx="1491175" cy="2308324"/>
+          </a:xfrm>
+          <a:prstGeom prst="rect">
+            <a:avLst/>
+          </a:prstGeom>
+          <a:noFill/>
+        </p:spPr>
+        <p:txBody>
+          <a:bodyPr wrap="square" rtlCol="0">
+            <a:spAutoFit/>
+          </a:bodyPr>
+          <a:lstStyle/>
+          <a:p>
+            <a:pPr marL="0" marR="0" lvl="0" indent="0" algn="ctr" defTabSz="914400" rtl="0" eaLnBrk="1" fontAlgn="auto" latinLnBrk="0" hangingPunct="1">
+              <a:lnSpc>
+                <a:spcPct val="100000"/>
+              </a:lnSpc>
+              <a:spcBef>
+                <a:spcPts val="0"/>
+              </a:spcBef>
+              <a:spcAft>
+                <a:spcPts val="0"/>
+              </a:spcAft>
+              <a:buClrTx/>
+              <a:buSzTx/>
+              <a:buFontTx/>
+              <a:buNone/>
+              <a:tabLst/>
+              <a:defRPr/>
+            </a:pPr>
+            <a:r>
+              <a:rPr kumimoji="0" lang="en-GB" sz="1800" b="0" i="0" u="none" strike="noStrike" kern="1200" cap="none" spc="0" normalizeH="0" baseline="0" noProof="0" dirty="0">
+                <a:ln>
+                  <a:noFill/>
+                </a:ln>
+                <a:solidFill>
+                  <a:prstClr val="black"/>
+                </a:solidFill>
+                <a:effectLst/>
+                <a:uLnTx/>
+                <a:uFillTx/>
+                <a:latin typeface="Calibri" panose="020F0502020204030204"/>
+                <a:ea typeface="+mn-ea"/>
+                <a:cs typeface="+mn-cs"/>
+              </a:rPr>
+              <a:t>Feature maps from convolutional layers from network trained on 100 classes from scratch</a:t>
+            </a:r>
+          </a:p>
+        </p:txBody>
+      </p:sp>
+      <p:sp>
+        <p:nvSpPr>
+          <p:cNvPr id="9" name="Title 1">
+            <a:extLst>
+              <a:ext uri="{FF2B5EF4-FFF2-40B4-BE49-F238E27FC236}">
+                <a16:creationId xmlns:a16="http://schemas.microsoft.com/office/drawing/2014/main" id="{27FD6720-7A05-4822-8A8D-181AE7BCC6E1}"/>
+              </a:ext>
+            </a:extLst>
+          </p:cNvPr>
+          <p:cNvSpPr txBox="1">
+            <a:spLocks/>
+          </p:cNvSpPr>
+          <p:nvPr/>
+        </p:nvSpPr>
+        <p:spPr>
+          <a:xfrm>
+            <a:off x="183823" y="-59081"/>
+            <a:ext cx="10515600" cy="1325563"/>
+          </a:xfrm>
+          <a:prstGeom prst="rect">
+            <a:avLst/>
+          </a:prstGeom>
+        </p:spPr>
+        <p:txBody>
+          <a:bodyPr vert="horz" lIns="91440" tIns="45720" rIns="91440" bIns="45720" rtlCol="0" anchor="ctr">
+            <a:normAutofit/>
+          </a:bodyPr>
+          <a:lstStyle>
+            <a:lvl1pPr algn="l" defTabSz="914400" rtl="0" eaLnBrk="1" latinLnBrk="0" hangingPunct="1">
+              <a:lnSpc>
+                <a:spcPct val="90000"/>
+              </a:lnSpc>
+              <a:spcBef>
+                <a:spcPct val="0"/>
+              </a:spcBef>
+              <a:buNone/>
+              <a:defRPr sz="4400" kern="1200">
+                <a:solidFill>
+                  <a:schemeClr val="tx1"/>
+                </a:solidFill>
+                <a:latin typeface="+mj-lt"/>
+                <a:ea typeface="+mj-ea"/>
+                <a:cs typeface="+mj-cs"/>
+              </a:defRPr>
+            </a:lvl1pPr>
+          </a:lstStyle>
+          <a:p>
+            <a:pPr marL="0" marR="0" lvl="0" indent="0" algn="l" defTabSz="914400" rtl="0" eaLnBrk="1" fontAlgn="auto" latinLnBrk="0" hangingPunct="1">
+              <a:lnSpc>
+                <a:spcPct val="90000"/>
+              </a:lnSpc>
+              <a:spcBef>
+                <a:spcPct val="0"/>
+              </a:spcBef>
+              <a:spcAft>
+                <a:spcPts val="0"/>
+              </a:spcAft>
+              <a:buClrTx/>
+              <a:buSzTx/>
+              <a:buFontTx/>
+              <a:buNone/>
+              <a:tabLst/>
+              <a:defRPr/>
+            </a:pPr>
+            <a:r>
+              <a:rPr kumimoji="0" lang="en-GB" sz="4000" b="0" i="0" u="none" strike="noStrike" kern="1200" cap="none" spc="0" normalizeH="0" baseline="0" noProof="0" dirty="0">
+                <a:ln>
+                  <a:noFill/>
+                </a:ln>
+                <a:solidFill>
+                  <a:prstClr val="black"/>
+                </a:solidFill>
+                <a:effectLst/>
+                <a:uLnTx/>
+                <a:uFillTx/>
+                <a:latin typeface="Calibri Light" panose="020F0302020204030204"/>
+                <a:ea typeface="+mj-ea"/>
+                <a:cs typeface="+mj-cs"/>
+              </a:rPr>
+              <a:t>Feature maps – maximum activation</a:t>
+            </a:r>
+          </a:p>
+        </p:txBody>
+      </p:sp>
+      <p:pic>
+        <p:nvPicPr>
+          <p:cNvPr id="4" name="Picture 3">
+            <a:extLst>
+              <a:ext uri="{FF2B5EF4-FFF2-40B4-BE49-F238E27FC236}">
+                <a16:creationId xmlns:a16="http://schemas.microsoft.com/office/drawing/2014/main" id="{6F43E460-1A09-42C9-985E-D974E8888B5E}"/>
+              </a:ext>
+            </a:extLst>
+          </p:cNvPr>
+          <p:cNvPicPr>
+            <a:picLocks noChangeAspect="1"/>
+          </p:cNvPicPr>
+          <p:nvPr/>
+        </p:nvPicPr>
+        <p:blipFill rotWithShape="1">
+          <a:blip r:embed="rId2">
+            <a:extLst>
+              <a:ext uri="{28A0092B-C50C-407E-A947-70E740481C1C}">
+                <a14:useLocalDpi xmlns:a14="http://schemas.microsoft.com/office/drawing/2010/main" val="0"/>
+              </a:ext>
+            </a:extLst>
+          </a:blip>
+          <a:srcRect l="12222" t="11680" r="8572" b="11806"/>
+          <a:stretch/>
+        </p:blipFill>
+        <p:spPr>
+          <a:xfrm>
+            <a:off x="6481135" y="1353454"/>
+            <a:ext cx="5281374" cy="5101991"/>
+          </a:xfrm>
+          <a:prstGeom prst="rect">
+            <a:avLst/>
+          </a:prstGeom>
+        </p:spPr>
+      </p:pic>
+      <p:pic>
+        <p:nvPicPr>
+          <p:cNvPr id="11" name="Picture 10">
+            <a:extLst>
+              <a:ext uri="{FF2B5EF4-FFF2-40B4-BE49-F238E27FC236}">
+                <a16:creationId xmlns:a16="http://schemas.microsoft.com/office/drawing/2014/main" id="{374C3B5D-D3CD-441B-8946-404151EF2E64}"/>
+              </a:ext>
+            </a:extLst>
+          </p:cNvPr>
+          <p:cNvPicPr>
+            <a:picLocks noChangeAspect="1"/>
+          </p:cNvPicPr>
+          <p:nvPr/>
+        </p:nvPicPr>
+        <p:blipFill rotWithShape="1">
+          <a:blip r:embed="rId3">
+            <a:extLst>
+              <a:ext uri="{28A0092B-C50C-407E-A947-70E740481C1C}">
+                <a14:useLocalDpi xmlns:a14="http://schemas.microsoft.com/office/drawing/2010/main" val="0"/>
+              </a:ext>
+            </a:extLst>
+          </a:blip>
+          <a:srcRect l="12478" t="11633" r="7932" b="10311"/>
+          <a:stretch/>
+        </p:blipFill>
+        <p:spPr>
+          <a:xfrm>
+            <a:off x="1022250" y="1353455"/>
+            <a:ext cx="2729132" cy="5353050"/>
+          </a:xfrm>
+          <a:prstGeom prst="rect">
+            <a:avLst/>
+          </a:prstGeom>
+        </p:spPr>
+      </p:pic>
+    </p:spTree>
+    <p:extLst>
+      <p:ext uri="{BB962C8B-B14F-4D97-AF65-F5344CB8AC3E}">
+        <p14:creationId xmlns:p14="http://schemas.microsoft.com/office/powerpoint/2010/main" val="4284362155"/>
+      </p:ext>
+    </p:extLst>
+  </p:cSld>
+  <p:clrMapOvr>
+    <a:masterClrMapping/>
+  </p:clrMapOvr>
+</p:sld>
+</file>
+
+<file path=ppt/slides/slide7.xml><?xml version="1.0" encoding="utf-8"?>
 <p:sld xmlns:a="http://schemas.openxmlformats.org/drawingml/2006/main" xmlns:r="http://schemas.openxmlformats.org/officeDocument/2006/relationships" xmlns:p="http://schemas.openxmlformats.org/presentationml/2006/main">
   <p:cSld>
     <p:spTree>
@@ -6309,6 +9938,301 @@
 </file>
 
 <file path=ppt/theme/theme2.xml><?xml version="1.0" encoding="utf-8"?>
+<a:theme xmlns:a="http://schemas.openxmlformats.org/drawingml/2006/main" name="1_Office Theme">
+  <a:themeElements>
+    <a:clrScheme name="Office">
+      <a:dk1>
+        <a:sysClr val="windowText" lastClr="000000"/>
+      </a:dk1>
+      <a:lt1>
+        <a:sysClr val="window" lastClr="FFFFFF"/>
+      </a:lt1>
+      <a:dk2>
+        <a:srgbClr val="44546A"/>
+      </a:dk2>
+      <a:lt2>
+        <a:srgbClr val="E7E6E6"/>
+      </a:lt2>
+      <a:accent1>
+        <a:srgbClr val="4472C4"/>
+      </a:accent1>
+      <a:accent2>
+        <a:srgbClr val="ED7D31"/>
+      </a:accent2>
+      <a:accent3>
+        <a:srgbClr val="A5A5A5"/>
+      </a:accent3>
+      <a:accent4>
+        <a:srgbClr val="FFC000"/>
+      </a:accent4>
+      <a:accent5>
+        <a:srgbClr val="5B9BD5"/>
+      </a:accent5>
+      <a:accent6>
+        <a:srgbClr val="70AD47"/>
+      </a:accent6>
+      <a:hlink>
+        <a:srgbClr val="0563C1"/>
+      </a:hlink>
+      <a:folHlink>
+        <a:srgbClr val="954F72"/>
+      </a:folHlink>
+    </a:clrScheme>
+    <a:fontScheme name="Office">
+      <a:majorFont>
+        <a:latin typeface="Calibri Light" panose="020F0302020204030204"/>
+        <a:ea typeface=""/>
+        <a:cs typeface=""/>
+        <a:font script="Jpan" typeface="游ゴシック Light"/>
+        <a:font script="Hang" typeface="맑은 고딕"/>
+        <a:font script="Hans" typeface="等线 Light"/>
+        <a:font script="Hant" typeface="新細明體"/>
+        <a:font script="Arab" typeface="Times New Roman"/>
+        <a:font script="Hebr" typeface="Times New Roman"/>
+        <a:font script="Thai" typeface="Angsana New"/>
+        <a:font script="Ethi" typeface="Nyala"/>
+        <a:font script="Beng" typeface="Vrinda"/>
+        <a:font script="Gujr" typeface="Shruti"/>
+        <a:font script="Khmr" typeface="MoolBoran"/>
+        <a:font script="Knda" typeface="Tunga"/>
+        <a:font script="Guru" typeface="Raavi"/>
+        <a:font script="Cans" typeface="Euphemia"/>
+        <a:font script="Cher" typeface="Plantagenet Cherokee"/>
+        <a:font script="Yiii" typeface="Microsoft Yi Baiti"/>
+        <a:font script="Tibt" typeface="Microsoft Himalaya"/>
+        <a:font script="Thaa" typeface="MV Boli"/>
+        <a:font script="Deva" typeface="Mangal"/>
+        <a:font script="Telu" typeface="Gautami"/>
+        <a:font script="Taml" typeface="Latha"/>
+        <a:font script="Syrc" typeface="Estrangelo Edessa"/>
+        <a:font script="Orya" typeface="Kalinga"/>
+        <a:font script="Mlym" typeface="Kartika"/>
+        <a:font script="Laoo" typeface="DokChampa"/>
+        <a:font script="Sinh" typeface="Iskoola Pota"/>
+        <a:font script="Mong" typeface="Mongolian Baiti"/>
+        <a:font script="Viet" typeface="Times New Roman"/>
+        <a:font script="Uigh" typeface="Microsoft Uighur"/>
+        <a:font script="Geor" typeface="Sylfaen"/>
+        <a:font script="Armn" typeface="Arial"/>
+        <a:font script="Bugi" typeface="Leelawadee UI"/>
+        <a:font script="Bopo" typeface="Microsoft JhengHei"/>
+        <a:font script="Java" typeface="Javanese Text"/>
+        <a:font script="Lisu" typeface="Segoe UI"/>
+        <a:font script="Mymr" typeface="Myanmar Text"/>
+        <a:font script="Nkoo" typeface="Ebrima"/>
+        <a:font script="Olck" typeface="Nirmala UI"/>
+        <a:font script="Osma" typeface="Ebrima"/>
+        <a:font script="Phag" typeface="Phagspa"/>
+        <a:font script="Syrn" typeface="Estrangelo Edessa"/>
+        <a:font script="Syrj" typeface="Estrangelo Edessa"/>
+        <a:font script="Syre" typeface="Estrangelo Edessa"/>
+        <a:font script="Sora" typeface="Nirmala UI"/>
+        <a:font script="Tale" typeface="Microsoft Tai Le"/>
+        <a:font script="Talu" typeface="Microsoft New Tai Lue"/>
+        <a:font script="Tfng" typeface="Ebrima"/>
+      </a:majorFont>
+      <a:minorFont>
+        <a:latin typeface="Calibri" panose="020F0502020204030204"/>
+        <a:ea typeface=""/>
+        <a:cs typeface=""/>
+        <a:font script="Jpan" typeface="游ゴシック"/>
+        <a:font script="Hang" typeface="맑은 고딕"/>
+        <a:font script="Hans" typeface="等线"/>
+        <a:font script="Hant" typeface="新細明體"/>
+        <a:font script="Arab" typeface="Arial"/>
+        <a:font script="Hebr" typeface="Arial"/>
+        <a:font script="Thai" typeface="Cordia New"/>
+        <a:font script="Ethi" typeface="Nyala"/>
+        <a:font script="Beng" typeface="Vrinda"/>
+        <a:font script="Gujr" typeface="Shruti"/>
+        <a:font script="Khmr" typeface="DaunPenh"/>
+        <a:font script="Knda" typeface="Tunga"/>
+        <a:font script="Guru" typeface="Raavi"/>
+        <a:font script="Cans" typeface="Euphemia"/>
+        <a:font script="Cher" typeface="Plantagenet Cherokee"/>
+        <a:font script="Yiii" typeface="Microsoft Yi Baiti"/>
+        <a:font script="Tibt" typeface="Microsoft Himalaya"/>
+        <a:font script="Thaa" typeface="MV Boli"/>
+        <a:font script="Deva" typeface="Mangal"/>
+        <a:font script="Telu" typeface="Gautami"/>
+        <a:font script="Taml" typeface="Latha"/>
+        <a:font script="Syrc" typeface="Estrangelo Edessa"/>
+        <a:font script="Orya" typeface="Kalinga"/>
+        <a:font script="Mlym" typeface="Kartika"/>
+        <a:font script="Laoo" typeface="DokChampa"/>
+        <a:font script="Sinh" typeface="Iskoola Pota"/>
+        <a:font script="Mong" typeface="Mongolian Baiti"/>
+        <a:font script="Viet" typeface="Arial"/>
+        <a:font script="Uigh" typeface="Microsoft Uighur"/>
+        <a:font script="Geor" typeface="Sylfaen"/>
+        <a:font script="Armn" typeface="Arial"/>
+        <a:font script="Bugi" typeface="Leelawadee UI"/>
+        <a:font script="Bopo" typeface="Microsoft JhengHei"/>
+        <a:font script="Java" typeface="Javanese Text"/>
+        <a:font script="Lisu" typeface="Segoe UI"/>
+        <a:font script="Mymr" typeface="Myanmar Text"/>
+        <a:font script="Nkoo" typeface="Ebrima"/>
+        <a:font script="Olck" typeface="Nirmala UI"/>
+        <a:font script="Osma" typeface="Ebrima"/>
+        <a:font script="Phag" typeface="Phagspa"/>
+        <a:font script="Syrn" typeface="Estrangelo Edessa"/>
+        <a:font script="Syrj" typeface="Estrangelo Edessa"/>
+        <a:font script="Syre" typeface="Estrangelo Edessa"/>
+        <a:font script="Sora" typeface="Nirmala UI"/>
+        <a:font script="Tale" typeface="Microsoft Tai Le"/>
+        <a:font script="Talu" typeface="Microsoft New Tai Lue"/>
+        <a:font script="Tfng" typeface="Ebrima"/>
+      </a:minorFont>
+    </a:fontScheme>
+    <a:fmtScheme name="Office">
+      <a:fillStyleLst>
+        <a:solidFill>
+          <a:schemeClr val="phClr"/>
+        </a:solidFill>
+        <a:gradFill rotWithShape="1">
+          <a:gsLst>
+            <a:gs pos="0">
+              <a:schemeClr val="phClr">
+                <a:lumMod val="110000"/>
+                <a:satMod val="105000"/>
+                <a:tint val="67000"/>
+              </a:schemeClr>
+            </a:gs>
+            <a:gs pos="50000">
+              <a:schemeClr val="phClr">
+                <a:lumMod val="105000"/>
+                <a:satMod val="103000"/>
+                <a:tint val="73000"/>
+              </a:schemeClr>
+            </a:gs>
+            <a:gs pos="100000">
+              <a:schemeClr val="phClr">
+                <a:lumMod val="105000"/>
+                <a:satMod val="109000"/>
+                <a:tint val="81000"/>
+              </a:schemeClr>
+            </a:gs>
+          </a:gsLst>
+          <a:lin ang="5400000" scaled="0"/>
+        </a:gradFill>
+        <a:gradFill rotWithShape="1">
+          <a:gsLst>
+            <a:gs pos="0">
+              <a:schemeClr val="phClr">
+                <a:satMod val="103000"/>
+                <a:lumMod val="102000"/>
+                <a:tint val="94000"/>
+              </a:schemeClr>
+            </a:gs>
+            <a:gs pos="50000">
+              <a:schemeClr val="phClr">
+                <a:satMod val="110000"/>
+                <a:lumMod val="100000"/>
+                <a:shade val="100000"/>
+              </a:schemeClr>
+            </a:gs>
+            <a:gs pos="100000">
+              <a:schemeClr val="phClr">
+                <a:lumMod val="99000"/>
+                <a:satMod val="120000"/>
+                <a:shade val="78000"/>
+              </a:schemeClr>
+            </a:gs>
+          </a:gsLst>
+          <a:lin ang="5400000" scaled="0"/>
+        </a:gradFill>
+      </a:fillStyleLst>
+      <a:lnStyleLst>
+        <a:ln w="6350" cap="flat" cmpd="sng" algn="ctr">
+          <a:solidFill>
+            <a:schemeClr val="phClr"/>
+          </a:solidFill>
+          <a:prstDash val="solid"/>
+          <a:miter lim="800000"/>
+        </a:ln>
+        <a:ln w="12700" cap="flat" cmpd="sng" algn="ctr">
+          <a:solidFill>
+            <a:schemeClr val="phClr"/>
+          </a:solidFill>
+          <a:prstDash val="solid"/>
+          <a:miter lim="800000"/>
+        </a:ln>
+        <a:ln w="19050" cap="flat" cmpd="sng" algn="ctr">
+          <a:solidFill>
+            <a:schemeClr val="phClr"/>
+          </a:solidFill>
+          <a:prstDash val="solid"/>
+          <a:miter lim="800000"/>
+        </a:ln>
+      </a:lnStyleLst>
+      <a:effectStyleLst>
+        <a:effectStyle>
+          <a:effectLst/>
+        </a:effectStyle>
+        <a:effectStyle>
+          <a:effectLst/>
+        </a:effectStyle>
+        <a:effectStyle>
+          <a:effectLst>
+            <a:outerShdw blurRad="57150" dist="19050" dir="5400000" algn="ctr" rotWithShape="0">
+              <a:srgbClr val="000000">
+                <a:alpha val="63000"/>
+              </a:srgbClr>
+            </a:outerShdw>
+          </a:effectLst>
+        </a:effectStyle>
+      </a:effectStyleLst>
+      <a:bgFillStyleLst>
+        <a:solidFill>
+          <a:schemeClr val="phClr"/>
+        </a:solidFill>
+        <a:solidFill>
+          <a:schemeClr val="phClr">
+            <a:tint val="95000"/>
+            <a:satMod val="170000"/>
+          </a:schemeClr>
+        </a:solidFill>
+        <a:gradFill rotWithShape="1">
+          <a:gsLst>
+            <a:gs pos="0">
+              <a:schemeClr val="phClr">
+                <a:tint val="93000"/>
+                <a:satMod val="150000"/>
+                <a:shade val="98000"/>
+                <a:lumMod val="102000"/>
+              </a:schemeClr>
+            </a:gs>
+            <a:gs pos="50000">
+              <a:schemeClr val="phClr">
+                <a:tint val="98000"/>
+                <a:satMod val="130000"/>
+                <a:shade val="90000"/>
+                <a:lumMod val="103000"/>
+              </a:schemeClr>
+            </a:gs>
+            <a:gs pos="100000">
+              <a:schemeClr val="phClr">
+                <a:shade val="63000"/>
+                <a:satMod val="120000"/>
+              </a:schemeClr>
+            </a:gs>
+          </a:gsLst>
+          <a:lin ang="5400000" scaled="0"/>
+        </a:gradFill>
+      </a:bgFillStyleLst>
+    </a:fmtScheme>
+  </a:themeElements>
+  <a:objectDefaults/>
+  <a:extraClrSchemeLst/>
+  <a:extLst>
+    <a:ext uri="{05A4C25C-085E-4340-85A3-A5531E510DB2}">
+      <thm15:themeFamily xmlns:thm15="http://schemas.microsoft.com/office/thememl/2012/main" name="Office Theme" id="{62F939B6-93AF-4DB8-9C6B-D6C7DFDC589F}" vid="{4A3C46E8-61CC-4603-A589-7422A47A8E4A}"/>
+    </a:ext>
+  </a:extLst>
+</a:theme>
+</file>
+
+<file path=ppt/theme/theme3.xml><?xml version="1.0" encoding="utf-8"?>
 <a:theme xmlns:a="http://schemas.openxmlformats.org/drawingml/2006/main" name="Office Theme">
   <a:themeElements>
     <a:clrScheme name="Office">

--- a/Compiled graphs.pptx
+++ b/Compiled graphs.pptx
@@ -6,8 +6,11 @@
     <p:sldMasterId id="2147483660" r:id="rId2"/>
   </p:sldMasterIdLst>
   <p:notesMasterIdLst>
-    <p:notesMasterId r:id="rId10"/>
+    <p:notesMasterId r:id="rId11"/>
   </p:notesMasterIdLst>
+  <p:handoutMasterIdLst>
+    <p:handoutMasterId r:id="rId12"/>
+  </p:handoutMasterIdLst>
   <p:sldIdLst>
     <p:sldId id="257" r:id="rId3"/>
     <p:sldId id="258" r:id="rId4"/>
@@ -15,7 +18,8 @@
     <p:sldId id="260" r:id="rId6"/>
     <p:sldId id="261" r:id="rId7"/>
     <p:sldId id="264" r:id="rId8"/>
-    <p:sldId id="262" r:id="rId9"/>
+    <p:sldId id="265" r:id="rId9"/>
+    <p:sldId id="262" r:id="rId10"/>
   </p:sldIdLst>
   <p:sldSz cx="12192000" cy="6858000"/>
   <p:notesSz cx="6858000" cy="9144000"/>
@@ -291,6 +295,195 @@
     </pc:docChg>
   </pc:docChgLst>
 </pc:chgInfo>
+</file>
+
+<file path=ppt/handoutMasters/handoutMaster1.xml><?xml version="1.0" encoding="utf-8"?>
+<p:handoutMaster xmlns:a="http://schemas.openxmlformats.org/drawingml/2006/main" xmlns:r="http://schemas.openxmlformats.org/officeDocument/2006/relationships" xmlns:p="http://schemas.openxmlformats.org/presentationml/2006/main">
+  <p:cSld>
+    <p:bg>
+      <p:bgRef idx="1001">
+        <a:schemeClr val="bg1"/>
+      </p:bgRef>
+    </p:bg>
+    <p:spTree>
+      <p:nvGrpSpPr>
+        <p:cNvPr id="1" name=""/>
+        <p:cNvGrpSpPr/>
+        <p:nvPr/>
+      </p:nvGrpSpPr>
+      <p:grpSpPr>
+        <a:xfrm>
+          <a:off x="0" y="0"/>
+          <a:ext cx="0" cy="0"/>
+          <a:chOff x="0" y="0"/>
+          <a:chExt cx="0" cy="0"/>
+        </a:xfrm>
+      </p:grpSpPr>
+      <p:sp>
+        <p:nvSpPr>
+          <p:cNvPr id="2" name="Header Placeholder 1">
+            <a:extLst>
+              <a:ext uri="{FF2B5EF4-FFF2-40B4-BE49-F238E27FC236}">
+                <a16:creationId xmlns:a16="http://schemas.microsoft.com/office/drawing/2014/main" id="{5A31939A-1E1C-43C6-87D9-4707F4ECE4BF}"/>
+              </a:ext>
+            </a:extLst>
+          </p:cNvPr>
+          <p:cNvSpPr>
+            <a:spLocks noGrp="1"/>
+          </p:cNvSpPr>
+          <p:nvPr>
+            <p:ph type="hdr" sz="quarter"/>
+          </p:nvPr>
+        </p:nvSpPr>
+        <p:spPr>
+          <a:xfrm>
+            <a:off x="0" y="0"/>
+            <a:ext cx="2971800" cy="458788"/>
+          </a:xfrm>
+          <a:prstGeom prst="rect">
+            <a:avLst/>
+          </a:prstGeom>
+        </p:spPr>
+        <p:txBody>
+          <a:bodyPr vert="horz" lIns="91440" tIns="45720" rIns="91440" bIns="45720" rtlCol="0"/>
+          <a:lstStyle>
+            <a:lvl1pPr algn="l">
+              <a:defRPr sz="1200"/>
+            </a:lvl1pPr>
+          </a:lstStyle>
+          <a:p>
+            <a:endParaRPr lang="en-GB"/>
+          </a:p>
+        </p:txBody>
+      </p:sp>
+      <p:sp>
+        <p:nvSpPr>
+          <p:cNvPr id="3" name="Date Placeholder 2">
+            <a:extLst>
+              <a:ext uri="{FF2B5EF4-FFF2-40B4-BE49-F238E27FC236}">
+                <a16:creationId xmlns:a16="http://schemas.microsoft.com/office/drawing/2014/main" id="{D30A2096-24D5-4C83-B320-3BA033617CAB}"/>
+              </a:ext>
+            </a:extLst>
+          </p:cNvPr>
+          <p:cNvSpPr>
+            <a:spLocks noGrp="1"/>
+          </p:cNvSpPr>
+          <p:nvPr>
+            <p:ph type="dt" sz="quarter" idx="1"/>
+          </p:nvPr>
+        </p:nvSpPr>
+        <p:spPr>
+          <a:xfrm>
+            <a:off x="3884613" y="0"/>
+            <a:ext cx="2971800" cy="458788"/>
+          </a:xfrm>
+          <a:prstGeom prst="rect">
+            <a:avLst/>
+          </a:prstGeom>
+        </p:spPr>
+        <p:txBody>
+          <a:bodyPr vert="horz" lIns="91440" tIns="45720" rIns="91440" bIns="45720" rtlCol="0"/>
+          <a:lstStyle>
+            <a:lvl1pPr algn="r">
+              <a:defRPr sz="1200"/>
+            </a:lvl1pPr>
+          </a:lstStyle>
+          <a:p>
+            <a:fld id="{D34097AA-F62E-482D-8D58-1B8F77A2395C}" type="datetimeFigureOut">
+              <a:rPr lang="en-GB" smtClean="0"/>
+              <a:t>20/03/2018</a:t>
+            </a:fld>
+            <a:endParaRPr lang="en-GB"/>
+          </a:p>
+        </p:txBody>
+      </p:sp>
+      <p:sp>
+        <p:nvSpPr>
+          <p:cNvPr id="4" name="Footer Placeholder 3">
+            <a:extLst>
+              <a:ext uri="{FF2B5EF4-FFF2-40B4-BE49-F238E27FC236}">
+                <a16:creationId xmlns:a16="http://schemas.microsoft.com/office/drawing/2014/main" id="{2FF57497-991D-4934-BA2F-0A0E489B6527}"/>
+              </a:ext>
+            </a:extLst>
+          </p:cNvPr>
+          <p:cNvSpPr>
+            <a:spLocks noGrp="1"/>
+          </p:cNvSpPr>
+          <p:nvPr>
+            <p:ph type="ftr" sz="quarter" idx="2"/>
+          </p:nvPr>
+        </p:nvSpPr>
+        <p:spPr>
+          <a:xfrm>
+            <a:off x="0" y="8685213"/>
+            <a:ext cx="2971800" cy="458787"/>
+          </a:xfrm>
+          <a:prstGeom prst="rect">
+            <a:avLst/>
+          </a:prstGeom>
+        </p:spPr>
+        <p:txBody>
+          <a:bodyPr vert="horz" lIns="91440" tIns="45720" rIns="91440" bIns="45720" rtlCol="0" anchor="b"/>
+          <a:lstStyle>
+            <a:lvl1pPr algn="l">
+              <a:defRPr sz="1200"/>
+            </a:lvl1pPr>
+          </a:lstStyle>
+          <a:p>
+            <a:endParaRPr lang="en-GB"/>
+          </a:p>
+        </p:txBody>
+      </p:sp>
+      <p:sp>
+        <p:nvSpPr>
+          <p:cNvPr id="5" name="Slide Number Placeholder 4">
+            <a:extLst>
+              <a:ext uri="{FF2B5EF4-FFF2-40B4-BE49-F238E27FC236}">
+                <a16:creationId xmlns:a16="http://schemas.microsoft.com/office/drawing/2014/main" id="{99628FAF-8BE9-41A5-BE33-5CFA166F71C6}"/>
+              </a:ext>
+            </a:extLst>
+          </p:cNvPr>
+          <p:cNvSpPr>
+            <a:spLocks noGrp="1"/>
+          </p:cNvSpPr>
+          <p:nvPr>
+            <p:ph type="sldNum" sz="quarter" idx="3"/>
+          </p:nvPr>
+        </p:nvSpPr>
+        <p:spPr>
+          <a:xfrm>
+            <a:off x="3884613" y="8685213"/>
+            <a:ext cx="2971800" cy="458787"/>
+          </a:xfrm>
+          <a:prstGeom prst="rect">
+            <a:avLst/>
+          </a:prstGeom>
+        </p:spPr>
+        <p:txBody>
+          <a:bodyPr vert="horz" lIns="91440" tIns="45720" rIns="91440" bIns="45720" rtlCol="0" anchor="b"/>
+          <a:lstStyle>
+            <a:lvl1pPr algn="r">
+              <a:defRPr sz="1200"/>
+            </a:lvl1pPr>
+          </a:lstStyle>
+          <a:p>
+            <a:fld id="{29792A4E-ED01-4A18-B484-C3FE7E29D803}" type="slidenum">
+              <a:rPr lang="en-GB" smtClean="0"/>
+              <a:t>‹#›</a:t>
+            </a:fld>
+            <a:endParaRPr lang="en-GB"/>
+          </a:p>
+        </p:txBody>
+      </p:sp>
+    </p:spTree>
+    <p:extLst>
+      <p:ext uri="{BB962C8B-B14F-4D97-AF65-F5344CB8AC3E}">
+        <p14:creationId xmlns:p14="http://schemas.microsoft.com/office/powerpoint/2010/main" val="2860586962"/>
+      </p:ext>
+    </p:extLst>
+  </p:cSld>
+  <p:clrMap bg1="lt1" tx1="dk1" bg2="lt2" tx2="dk2" accent1="accent1" accent2="accent2" accent3="accent3" accent4="accent4" accent5="accent5" accent6="accent6" hlink="hlink" folHlink="folHlink"/>
+</p:handoutMaster>
 </file>
 
 <file path=ppt/notesMasters/notesMaster1.xml><?xml version="1.0" encoding="utf-8"?>
@@ -9259,6 +9452,287 @@
 </file>
 
 <file path=ppt/slides/slide7.xml><?xml version="1.0" encoding="utf-8"?>
+<p:sld xmlns:a="http://schemas.openxmlformats.org/drawingml/2006/main" xmlns:r="http://schemas.openxmlformats.org/officeDocument/2006/relationships" xmlns:p="http://schemas.openxmlformats.org/presentationml/2006/main">
+  <p:cSld>
+    <p:spTree>
+      <p:nvGrpSpPr>
+        <p:cNvPr id="1" name=""/>
+        <p:cNvGrpSpPr/>
+        <p:nvPr/>
+      </p:nvGrpSpPr>
+      <p:grpSpPr>
+        <a:xfrm>
+          <a:off x="0" y="0"/>
+          <a:ext cx="0" cy="0"/>
+          <a:chOff x="0" y="0"/>
+          <a:chExt cx="0" cy="0"/>
+        </a:xfrm>
+      </p:grpSpPr>
+      <p:sp>
+        <p:nvSpPr>
+          <p:cNvPr id="26" name="TextBox 25">
+            <a:extLst>
+              <a:ext uri="{FF2B5EF4-FFF2-40B4-BE49-F238E27FC236}">
+                <a16:creationId xmlns:a16="http://schemas.microsoft.com/office/drawing/2014/main" id="{1E123B2E-4739-4D65-A68E-E31211E9C4FD}"/>
+              </a:ext>
+            </a:extLst>
+          </p:cNvPr>
+          <p:cNvSpPr txBox="1"/>
+          <p:nvPr/>
+        </p:nvSpPr>
+        <p:spPr>
+          <a:xfrm>
+            <a:off x="5676346" y="454162"/>
+            <a:ext cx="5523470" cy="369332"/>
+          </a:xfrm>
+          <a:prstGeom prst="rect">
+            <a:avLst/>
+          </a:prstGeom>
+          <a:noFill/>
+        </p:spPr>
+        <p:txBody>
+          <a:bodyPr wrap="square" rtlCol="0">
+            <a:spAutoFit/>
+          </a:bodyPr>
+          <a:lstStyle/>
+          <a:p>
+            <a:r>
+              <a:rPr lang="en-GB" dirty="0"/>
+              <a:t>GAN</a:t>
+            </a:r>
+          </a:p>
+        </p:txBody>
+      </p:sp>
+      <p:pic>
+        <p:nvPicPr>
+          <p:cNvPr id="28" name="Picture 27">
+            <a:extLst>
+              <a:ext uri="{FF2B5EF4-FFF2-40B4-BE49-F238E27FC236}">
+                <a16:creationId xmlns:a16="http://schemas.microsoft.com/office/drawing/2014/main" id="{2EF0C535-78A4-4A0F-83A1-8DBF589DE3CD}"/>
+              </a:ext>
+            </a:extLst>
+          </p:cNvPr>
+          <p:cNvPicPr>
+            <a:picLocks noChangeAspect="1"/>
+          </p:cNvPicPr>
+          <p:nvPr/>
+        </p:nvPicPr>
+        <p:blipFill>
+          <a:blip r:embed="rId2">
+            <a:extLst>
+              <a:ext uri="{28A0092B-C50C-407E-A947-70E740481C1C}">
+                <a14:useLocalDpi xmlns:a14="http://schemas.microsoft.com/office/drawing/2010/main" val="0"/>
+              </a:ext>
+            </a:extLst>
+          </a:blip>
+          <a:stretch>
+            <a:fillRect/>
+          </a:stretch>
+        </p:blipFill>
+        <p:spPr>
+          <a:xfrm>
+            <a:off x="7066170" y="3699569"/>
+            <a:ext cx="2743825" cy="2743825"/>
+          </a:xfrm>
+          <a:prstGeom prst="rect">
+            <a:avLst/>
+          </a:prstGeom>
+        </p:spPr>
+      </p:pic>
+      <p:pic>
+        <p:nvPicPr>
+          <p:cNvPr id="30" name="Picture 29">
+            <a:extLst>
+              <a:ext uri="{FF2B5EF4-FFF2-40B4-BE49-F238E27FC236}">
+                <a16:creationId xmlns:a16="http://schemas.microsoft.com/office/drawing/2014/main" id="{1B2789E2-26B1-483B-BD74-4C2F0C28869C}"/>
+              </a:ext>
+            </a:extLst>
+          </p:cNvPr>
+          <p:cNvPicPr>
+            <a:picLocks noChangeAspect="1"/>
+          </p:cNvPicPr>
+          <p:nvPr/>
+        </p:nvPicPr>
+        <p:blipFill>
+          <a:blip r:embed="rId3">
+            <a:extLst>
+              <a:ext uri="{28A0092B-C50C-407E-A947-70E740481C1C}">
+                <a14:useLocalDpi xmlns:a14="http://schemas.microsoft.com/office/drawing/2010/main" val="0"/>
+              </a:ext>
+            </a:extLst>
+          </a:blip>
+          <a:stretch>
+            <a:fillRect/>
+          </a:stretch>
+        </p:blipFill>
+        <p:spPr>
+          <a:xfrm>
+            <a:off x="4590905" y="3699571"/>
+            <a:ext cx="2743825" cy="2743825"/>
+          </a:xfrm>
+          <a:prstGeom prst="rect">
+            <a:avLst/>
+          </a:prstGeom>
+        </p:spPr>
+      </p:pic>
+      <p:pic>
+        <p:nvPicPr>
+          <p:cNvPr id="32" name="Picture 31">
+            <a:extLst>
+              <a:ext uri="{FF2B5EF4-FFF2-40B4-BE49-F238E27FC236}">
+                <a16:creationId xmlns:a16="http://schemas.microsoft.com/office/drawing/2014/main" id="{1B3921C4-0CD4-4BC8-A078-4F85F24CB333}"/>
+              </a:ext>
+            </a:extLst>
+          </p:cNvPr>
+          <p:cNvPicPr>
+            <a:picLocks noChangeAspect="1"/>
+          </p:cNvPicPr>
+          <p:nvPr/>
+        </p:nvPicPr>
+        <p:blipFill>
+          <a:blip r:embed="rId4">
+            <a:extLst>
+              <a:ext uri="{28A0092B-C50C-407E-A947-70E740481C1C}">
+                <a14:useLocalDpi xmlns:a14="http://schemas.microsoft.com/office/drawing/2010/main" val="0"/>
+              </a:ext>
+            </a:extLst>
+          </a:blip>
+          <a:stretch>
+            <a:fillRect/>
+          </a:stretch>
+        </p:blipFill>
+        <p:spPr>
+          <a:xfrm>
+            <a:off x="2115639" y="3699570"/>
+            <a:ext cx="2743825" cy="2743825"/>
+          </a:xfrm>
+          <a:prstGeom prst="rect">
+            <a:avLst/>
+          </a:prstGeom>
+        </p:spPr>
+      </p:pic>
+      <p:pic>
+        <p:nvPicPr>
+          <p:cNvPr id="34" name="Picture 33">
+            <a:extLst>
+              <a:ext uri="{FF2B5EF4-FFF2-40B4-BE49-F238E27FC236}">
+                <a16:creationId xmlns:a16="http://schemas.microsoft.com/office/drawing/2014/main" id="{45D6D687-F164-4EE2-9BD8-6A0247C33C58}"/>
+              </a:ext>
+            </a:extLst>
+          </p:cNvPr>
+          <p:cNvPicPr>
+            <a:picLocks noChangeAspect="1"/>
+          </p:cNvPicPr>
+          <p:nvPr/>
+        </p:nvPicPr>
+        <p:blipFill>
+          <a:blip r:embed="rId5">
+            <a:extLst>
+              <a:ext uri="{28A0092B-C50C-407E-A947-70E740481C1C}">
+                <a14:useLocalDpi xmlns:a14="http://schemas.microsoft.com/office/drawing/2010/main" val="0"/>
+              </a:ext>
+            </a:extLst>
+          </a:blip>
+          <a:stretch>
+            <a:fillRect/>
+          </a:stretch>
+        </p:blipFill>
+        <p:spPr>
+          <a:xfrm>
+            <a:off x="7066169" y="955745"/>
+            <a:ext cx="2743825" cy="2743825"/>
+          </a:xfrm>
+          <a:prstGeom prst="rect">
+            <a:avLst/>
+          </a:prstGeom>
+        </p:spPr>
+      </p:pic>
+      <p:pic>
+        <p:nvPicPr>
+          <p:cNvPr id="36" name="Picture 35">
+            <a:extLst>
+              <a:ext uri="{FF2B5EF4-FFF2-40B4-BE49-F238E27FC236}">
+                <a16:creationId xmlns:a16="http://schemas.microsoft.com/office/drawing/2014/main" id="{8211DED6-1CE3-4CD7-B775-98C448351BBE}"/>
+              </a:ext>
+            </a:extLst>
+          </p:cNvPr>
+          <p:cNvPicPr>
+            <a:picLocks noChangeAspect="1"/>
+          </p:cNvPicPr>
+          <p:nvPr/>
+        </p:nvPicPr>
+        <p:blipFill>
+          <a:blip r:embed="rId6">
+            <a:extLst>
+              <a:ext uri="{28A0092B-C50C-407E-A947-70E740481C1C}">
+                <a14:useLocalDpi xmlns:a14="http://schemas.microsoft.com/office/drawing/2010/main" val="0"/>
+              </a:ext>
+            </a:extLst>
+          </a:blip>
+          <a:stretch>
+            <a:fillRect/>
+          </a:stretch>
+        </p:blipFill>
+        <p:spPr>
+          <a:xfrm>
+            <a:off x="4590909" y="955747"/>
+            <a:ext cx="2743825" cy="2743825"/>
+          </a:xfrm>
+          <a:prstGeom prst="rect">
+            <a:avLst/>
+          </a:prstGeom>
+        </p:spPr>
+      </p:pic>
+      <p:pic>
+        <p:nvPicPr>
+          <p:cNvPr id="38" name="Picture 37">
+            <a:extLst>
+              <a:ext uri="{FF2B5EF4-FFF2-40B4-BE49-F238E27FC236}">
+                <a16:creationId xmlns:a16="http://schemas.microsoft.com/office/drawing/2014/main" id="{5A4F9160-7F29-45F1-B4BC-D8A4CA9CA7BA}"/>
+              </a:ext>
+            </a:extLst>
+          </p:cNvPr>
+          <p:cNvPicPr>
+            <a:picLocks noChangeAspect="1"/>
+          </p:cNvPicPr>
+          <p:nvPr/>
+        </p:nvPicPr>
+        <p:blipFill>
+          <a:blip r:embed="rId7">
+            <a:extLst>
+              <a:ext uri="{28A0092B-C50C-407E-A947-70E740481C1C}">
+                <a14:useLocalDpi xmlns:a14="http://schemas.microsoft.com/office/drawing/2010/main" val="0"/>
+              </a:ext>
+            </a:extLst>
+          </a:blip>
+          <a:stretch>
+            <a:fillRect/>
+          </a:stretch>
+        </p:blipFill>
+        <p:spPr>
+          <a:xfrm>
+            <a:off x="2115640" y="955746"/>
+            <a:ext cx="2743825" cy="2743825"/>
+          </a:xfrm>
+          <a:prstGeom prst="rect">
+            <a:avLst/>
+          </a:prstGeom>
+        </p:spPr>
+      </p:pic>
+    </p:spTree>
+    <p:extLst>
+      <p:ext uri="{BB962C8B-B14F-4D97-AF65-F5344CB8AC3E}">
+        <p14:creationId xmlns:p14="http://schemas.microsoft.com/office/powerpoint/2010/main" val="378443896"/>
+      </p:ext>
+    </p:extLst>
+  </p:cSld>
+  <p:clrMapOvr>
+    <a:masterClrMapping/>
+  </p:clrMapOvr>
+</p:sld>
+</file>
+
+<file path=ppt/slides/slide8.xml><?xml version="1.0" encoding="utf-8"?>
 <p:sld xmlns:a="http://schemas.openxmlformats.org/drawingml/2006/main" xmlns:r="http://schemas.openxmlformats.org/officeDocument/2006/relationships" xmlns:p="http://schemas.openxmlformats.org/presentationml/2006/main">
   <p:cSld>
     <p:spTree>
@@ -10525,4 +10999,299 @@
     </a:ext>
   </a:extLst>
 </a:theme>
+</file>
+
+<file path=ppt/theme/theme4.xml><?xml version="1.0" encoding="utf-8"?>
+<a:theme xmlns:a="http://schemas.openxmlformats.org/drawingml/2006/main" name="Office Theme">
+  <a:themeElements>
+    <a:clrScheme name="Office">
+      <a:dk1>
+        <a:sysClr val="windowText" lastClr="000000"/>
+      </a:dk1>
+      <a:lt1>
+        <a:sysClr val="window" lastClr="FFFFFF"/>
+      </a:lt1>
+      <a:dk2>
+        <a:srgbClr val="44546A"/>
+      </a:dk2>
+      <a:lt2>
+        <a:srgbClr val="E7E6E6"/>
+      </a:lt2>
+      <a:accent1>
+        <a:srgbClr val="4472C4"/>
+      </a:accent1>
+      <a:accent2>
+        <a:srgbClr val="ED7D31"/>
+      </a:accent2>
+      <a:accent3>
+        <a:srgbClr val="A5A5A5"/>
+      </a:accent3>
+      <a:accent4>
+        <a:srgbClr val="FFC000"/>
+      </a:accent4>
+      <a:accent5>
+        <a:srgbClr val="5B9BD5"/>
+      </a:accent5>
+      <a:accent6>
+        <a:srgbClr val="70AD47"/>
+      </a:accent6>
+      <a:hlink>
+        <a:srgbClr val="0563C1"/>
+      </a:hlink>
+      <a:folHlink>
+        <a:srgbClr val="954F72"/>
+      </a:folHlink>
+    </a:clrScheme>
+    <a:fontScheme name="Office">
+      <a:majorFont>
+        <a:latin typeface="Calibri Light" panose="020F0302020204030204"/>
+        <a:ea typeface=""/>
+        <a:cs typeface=""/>
+        <a:font script="Jpan" typeface="游ゴシック Light"/>
+        <a:font script="Hang" typeface="맑은 고딕"/>
+        <a:font script="Hans" typeface="等线 Light"/>
+        <a:font script="Hant" typeface="新細明體"/>
+        <a:font script="Arab" typeface="Times New Roman"/>
+        <a:font script="Hebr" typeface="Times New Roman"/>
+        <a:font script="Thai" typeface="Angsana New"/>
+        <a:font script="Ethi" typeface="Nyala"/>
+        <a:font script="Beng" typeface="Vrinda"/>
+        <a:font script="Gujr" typeface="Shruti"/>
+        <a:font script="Khmr" typeface="MoolBoran"/>
+        <a:font script="Knda" typeface="Tunga"/>
+        <a:font script="Guru" typeface="Raavi"/>
+        <a:font script="Cans" typeface="Euphemia"/>
+        <a:font script="Cher" typeface="Plantagenet Cherokee"/>
+        <a:font script="Yiii" typeface="Microsoft Yi Baiti"/>
+        <a:font script="Tibt" typeface="Microsoft Himalaya"/>
+        <a:font script="Thaa" typeface="MV Boli"/>
+        <a:font script="Deva" typeface="Mangal"/>
+        <a:font script="Telu" typeface="Gautami"/>
+        <a:font script="Taml" typeface="Latha"/>
+        <a:font script="Syrc" typeface="Estrangelo Edessa"/>
+        <a:font script="Orya" typeface="Kalinga"/>
+        <a:font script="Mlym" typeface="Kartika"/>
+        <a:font script="Laoo" typeface="DokChampa"/>
+        <a:font script="Sinh" typeface="Iskoola Pota"/>
+        <a:font script="Mong" typeface="Mongolian Baiti"/>
+        <a:font script="Viet" typeface="Times New Roman"/>
+        <a:font script="Uigh" typeface="Microsoft Uighur"/>
+        <a:font script="Geor" typeface="Sylfaen"/>
+        <a:font script="Armn" typeface="Arial"/>
+        <a:font script="Bugi" typeface="Leelawadee UI"/>
+        <a:font script="Bopo" typeface="Microsoft JhengHei"/>
+        <a:font script="Java" typeface="Javanese Text"/>
+        <a:font script="Lisu" typeface="Segoe UI"/>
+        <a:font script="Mymr" typeface="Myanmar Text"/>
+        <a:font script="Nkoo" typeface="Ebrima"/>
+        <a:font script="Olck" typeface="Nirmala UI"/>
+        <a:font script="Osma" typeface="Ebrima"/>
+        <a:font script="Phag" typeface="Phagspa"/>
+        <a:font script="Syrn" typeface="Estrangelo Edessa"/>
+        <a:font script="Syrj" typeface="Estrangelo Edessa"/>
+        <a:font script="Syre" typeface="Estrangelo Edessa"/>
+        <a:font script="Sora" typeface="Nirmala UI"/>
+        <a:font script="Tale" typeface="Microsoft Tai Le"/>
+        <a:font script="Talu" typeface="Microsoft New Tai Lue"/>
+        <a:font script="Tfng" typeface="Ebrima"/>
+      </a:majorFont>
+      <a:minorFont>
+        <a:latin typeface="Calibri" panose="020F0502020204030204"/>
+        <a:ea typeface=""/>
+        <a:cs typeface=""/>
+        <a:font script="Jpan" typeface="游ゴシック"/>
+        <a:font script="Hang" typeface="맑은 고딕"/>
+        <a:font script="Hans" typeface="等线"/>
+        <a:font script="Hant" typeface="新細明體"/>
+        <a:font script="Arab" typeface="Arial"/>
+        <a:font script="Hebr" typeface="Arial"/>
+        <a:font script="Thai" typeface="Cordia New"/>
+        <a:font script="Ethi" typeface="Nyala"/>
+        <a:font script="Beng" typeface="Vrinda"/>
+        <a:font script="Gujr" typeface="Shruti"/>
+        <a:font script="Khmr" typeface="DaunPenh"/>
+        <a:font script="Knda" typeface="Tunga"/>
+        <a:font script="Guru" typeface="Raavi"/>
+        <a:font script="Cans" typeface="Euphemia"/>
+        <a:font script="Cher" typeface="Plantagenet Cherokee"/>
+        <a:font script="Yiii" typeface="Microsoft Yi Baiti"/>
+        <a:font script="Tibt" typeface="Microsoft Himalaya"/>
+        <a:font script="Thaa" typeface="MV Boli"/>
+        <a:font script="Deva" typeface="Mangal"/>
+        <a:font script="Telu" typeface="Gautami"/>
+        <a:font script="Taml" typeface="Latha"/>
+        <a:font script="Syrc" typeface="Estrangelo Edessa"/>
+        <a:font script="Orya" typeface="Kalinga"/>
+        <a:font script="Mlym" typeface="Kartika"/>
+        <a:font script="Laoo" typeface="DokChampa"/>
+        <a:font script="Sinh" typeface="Iskoola Pota"/>
+        <a:font script="Mong" typeface="Mongolian Baiti"/>
+        <a:font script="Viet" typeface="Arial"/>
+        <a:font script="Uigh" typeface="Microsoft Uighur"/>
+        <a:font script="Geor" typeface="Sylfaen"/>
+        <a:font script="Armn" typeface="Arial"/>
+        <a:font script="Bugi" typeface="Leelawadee UI"/>
+        <a:font script="Bopo" typeface="Microsoft JhengHei"/>
+        <a:font script="Java" typeface="Javanese Text"/>
+        <a:font script="Lisu" typeface="Segoe UI"/>
+        <a:font script="Mymr" typeface="Myanmar Text"/>
+        <a:font script="Nkoo" typeface="Ebrima"/>
+        <a:font script="Olck" typeface="Nirmala UI"/>
+        <a:font script="Osma" typeface="Ebrima"/>
+        <a:font script="Phag" typeface="Phagspa"/>
+        <a:font script="Syrn" typeface="Estrangelo Edessa"/>
+        <a:font script="Syrj" typeface="Estrangelo Edessa"/>
+        <a:font script="Syre" typeface="Estrangelo Edessa"/>
+        <a:font script="Sora" typeface="Nirmala UI"/>
+        <a:font script="Tale" typeface="Microsoft Tai Le"/>
+        <a:font script="Talu" typeface="Microsoft New Tai Lue"/>
+        <a:font script="Tfng" typeface="Ebrima"/>
+      </a:minorFont>
+    </a:fontScheme>
+    <a:fmtScheme name="Office">
+      <a:fillStyleLst>
+        <a:solidFill>
+          <a:schemeClr val="phClr"/>
+        </a:solidFill>
+        <a:gradFill rotWithShape="1">
+          <a:gsLst>
+            <a:gs pos="0">
+              <a:schemeClr val="phClr">
+                <a:lumMod val="110000"/>
+                <a:satMod val="105000"/>
+                <a:tint val="67000"/>
+              </a:schemeClr>
+            </a:gs>
+            <a:gs pos="50000">
+              <a:schemeClr val="phClr">
+                <a:lumMod val="105000"/>
+                <a:satMod val="103000"/>
+                <a:tint val="73000"/>
+              </a:schemeClr>
+            </a:gs>
+            <a:gs pos="100000">
+              <a:schemeClr val="phClr">
+                <a:lumMod val="105000"/>
+                <a:satMod val="109000"/>
+                <a:tint val="81000"/>
+              </a:schemeClr>
+            </a:gs>
+          </a:gsLst>
+          <a:lin ang="5400000" scaled="0"/>
+        </a:gradFill>
+        <a:gradFill rotWithShape="1">
+          <a:gsLst>
+            <a:gs pos="0">
+              <a:schemeClr val="phClr">
+                <a:satMod val="103000"/>
+                <a:lumMod val="102000"/>
+                <a:tint val="94000"/>
+              </a:schemeClr>
+            </a:gs>
+            <a:gs pos="50000">
+              <a:schemeClr val="phClr">
+                <a:satMod val="110000"/>
+                <a:lumMod val="100000"/>
+                <a:shade val="100000"/>
+              </a:schemeClr>
+            </a:gs>
+            <a:gs pos="100000">
+              <a:schemeClr val="phClr">
+                <a:lumMod val="99000"/>
+                <a:satMod val="120000"/>
+                <a:shade val="78000"/>
+              </a:schemeClr>
+            </a:gs>
+          </a:gsLst>
+          <a:lin ang="5400000" scaled="0"/>
+        </a:gradFill>
+      </a:fillStyleLst>
+      <a:lnStyleLst>
+        <a:ln w="6350" cap="flat" cmpd="sng" algn="ctr">
+          <a:solidFill>
+            <a:schemeClr val="phClr"/>
+          </a:solidFill>
+          <a:prstDash val="solid"/>
+          <a:miter lim="800000"/>
+        </a:ln>
+        <a:ln w="12700" cap="flat" cmpd="sng" algn="ctr">
+          <a:solidFill>
+            <a:schemeClr val="phClr"/>
+          </a:solidFill>
+          <a:prstDash val="solid"/>
+          <a:miter lim="800000"/>
+        </a:ln>
+        <a:ln w="19050" cap="flat" cmpd="sng" algn="ctr">
+          <a:solidFill>
+            <a:schemeClr val="phClr"/>
+          </a:solidFill>
+          <a:prstDash val="solid"/>
+          <a:miter lim="800000"/>
+        </a:ln>
+      </a:lnStyleLst>
+      <a:effectStyleLst>
+        <a:effectStyle>
+          <a:effectLst/>
+        </a:effectStyle>
+        <a:effectStyle>
+          <a:effectLst/>
+        </a:effectStyle>
+        <a:effectStyle>
+          <a:effectLst>
+            <a:outerShdw blurRad="57150" dist="19050" dir="5400000" algn="ctr" rotWithShape="0">
+              <a:srgbClr val="000000">
+                <a:alpha val="63000"/>
+              </a:srgbClr>
+            </a:outerShdw>
+          </a:effectLst>
+        </a:effectStyle>
+      </a:effectStyleLst>
+      <a:bgFillStyleLst>
+        <a:solidFill>
+          <a:schemeClr val="phClr"/>
+        </a:solidFill>
+        <a:solidFill>
+          <a:schemeClr val="phClr">
+            <a:tint val="95000"/>
+            <a:satMod val="170000"/>
+          </a:schemeClr>
+        </a:solidFill>
+        <a:gradFill rotWithShape="1">
+          <a:gsLst>
+            <a:gs pos="0">
+              <a:schemeClr val="phClr">
+                <a:tint val="93000"/>
+                <a:satMod val="150000"/>
+                <a:shade val="98000"/>
+                <a:lumMod val="102000"/>
+              </a:schemeClr>
+            </a:gs>
+            <a:gs pos="50000">
+              <a:schemeClr val="phClr">
+                <a:tint val="98000"/>
+                <a:satMod val="130000"/>
+                <a:shade val="90000"/>
+                <a:lumMod val="103000"/>
+              </a:schemeClr>
+            </a:gs>
+            <a:gs pos="100000">
+              <a:schemeClr val="phClr">
+                <a:shade val="63000"/>
+                <a:satMod val="120000"/>
+              </a:schemeClr>
+            </a:gs>
+          </a:gsLst>
+          <a:lin ang="5400000" scaled="0"/>
+        </a:gradFill>
+      </a:bgFillStyleLst>
+    </a:fmtScheme>
+  </a:themeElements>
+  <a:objectDefaults/>
+  <a:extraClrSchemeLst/>
+  <a:extLst>
+    <a:ext uri="{05A4C25C-085E-4340-85A3-A5531E510DB2}">
+      <thm15:themeFamily xmlns:thm15="http://schemas.microsoft.com/office/thememl/2012/main" name="Office Theme" id="{62F939B6-93AF-4DB8-9C6B-D6C7DFDC589F}" vid="{4A3C46E8-61CC-4603-A589-7422A47A8E4A}"/>
+    </a:ext>
+  </a:extLst>
+</a:theme>
 </file>
--- a/Compiled graphs.pptx
+++ b/Compiled graphs.pptx
@@ -6,10 +6,10 @@
     <p:sldMasterId id="2147483660" r:id="rId2"/>
   </p:sldMasterIdLst>
   <p:notesMasterIdLst>
-    <p:notesMasterId r:id="rId11"/>
+    <p:notesMasterId r:id="rId13"/>
   </p:notesMasterIdLst>
   <p:handoutMasterIdLst>
-    <p:handoutMasterId r:id="rId12"/>
+    <p:handoutMasterId r:id="rId14"/>
   </p:handoutMasterIdLst>
   <p:sldIdLst>
     <p:sldId id="257" r:id="rId3"/>
@@ -20,6 +20,8 @@
     <p:sldId id="264" r:id="rId8"/>
     <p:sldId id="265" r:id="rId9"/>
     <p:sldId id="262" r:id="rId10"/>
+    <p:sldId id="267" r:id="rId11"/>
+    <p:sldId id="268" r:id="rId12"/>
   </p:sldIdLst>
   <p:sldSz cx="12192000" cy="6858000"/>
   <p:notesSz cx="6858000" cy="9144000"/>
@@ -391,7 +393,7 @@
           <a:p>
             <a:fld id="{D34097AA-F62E-482D-8D58-1B8F77A2395C}" type="datetimeFigureOut">
               <a:rPr lang="en-GB" smtClean="0"/>
-              <a:t>20/03/2018</a:t>
+              <a:t>17/04/2018</a:t>
             </a:fld>
             <a:endParaRPr lang="en-GB"/>
           </a:p>
@@ -568,7 +570,7 @@
           <a:p>
             <a:fld id="{1312CFC0-6A39-4A2C-AC24-6061EBE48B82}" type="datetimeFigureOut">
               <a:rPr lang="en-GB" smtClean="0"/>
-              <a:t>20/03/2018</a:t>
+              <a:t>17/04/2018</a:t>
             </a:fld>
             <a:endParaRPr lang="en-GB"/>
           </a:p>
@@ -985,7 +987,7 @@
           <a:p>
             <a:fld id="{F999EE6D-E52B-45B7-B943-4C650C77E21B}" type="datetimeFigureOut">
               <a:rPr lang="en-GB" smtClean="0"/>
-              <a:t>20/03/2018</a:t>
+              <a:t>17/04/2018</a:t>
             </a:fld>
             <a:endParaRPr lang="en-GB"/>
           </a:p>
@@ -1185,7 +1187,7 @@
           <a:p>
             <a:fld id="{F999EE6D-E52B-45B7-B943-4C650C77E21B}" type="datetimeFigureOut">
               <a:rPr lang="en-GB" smtClean="0"/>
-              <a:t>20/03/2018</a:t>
+              <a:t>17/04/2018</a:t>
             </a:fld>
             <a:endParaRPr lang="en-GB"/>
           </a:p>
@@ -1395,7 +1397,7 @@
           <a:p>
             <a:fld id="{F999EE6D-E52B-45B7-B943-4C650C77E21B}" type="datetimeFigureOut">
               <a:rPr lang="en-GB" smtClean="0"/>
-              <a:t>20/03/2018</a:t>
+              <a:t>17/04/2018</a:t>
             </a:fld>
             <a:endParaRPr lang="en-GB"/>
           </a:p>
@@ -1617,7 +1619,7 @@
           <a:p>
             <a:fld id="{9C24F874-02A1-48BF-AE54-4A07EBAF6EA2}" type="datetimeFigureOut">
               <a:rPr lang="en-GB" smtClean="0"/>
-              <a:t>20/03/2018</a:t>
+              <a:t>17/04/2018</a:t>
             </a:fld>
             <a:endParaRPr lang="en-GB"/>
           </a:p>
@@ -1817,7 +1819,7 @@
           <a:p>
             <a:fld id="{9C24F874-02A1-48BF-AE54-4A07EBAF6EA2}" type="datetimeFigureOut">
               <a:rPr lang="en-GB" smtClean="0"/>
-              <a:t>20/03/2018</a:t>
+              <a:t>17/04/2018</a:t>
             </a:fld>
             <a:endParaRPr lang="en-GB"/>
           </a:p>
@@ -2093,7 +2095,7 @@
           <a:p>
             <a:fld id="{9C24F874-02A1-48BF-AE54-4A07EBAF6EA2}" type="datetimeFigureOut">
               <a:rPr lang="en-GB" smtClean="0"/>
-              <a:t>20/03/2018</a:t>
+              <a:t>17/04/2018</a:t>
             </a:fld>
             <a:endParaRPr lang="en-GB"/>
           </a:p>
@@ -2361,7 +2363,7 @@
           <a:p>
             <a:fld id="{9C24F874-02A1-48BF-AE54-4A07EBAF6EA2}" type="datetimeFigureOut">
               <a:rPr lang="en-GB" smtClean="0"/>
-              <a:t>20/03/2018</a:t>
+              <a:t>17/04/2018</a:t>
             </a:fld>
             <a:endParaRPr lang="en-GB"/>
           </a:p>
@@ -2776,7 +2778,7 @@
           <a:p>
             <a:fld id="{9C24F874-02A1-48BF-AE54-4A07EBAF6EA2}" type="datetimeFigureOut">
               <a:rPr lang="en-GB" smtClean="0"/>
-              <a:t>20/03/2018</a:t>
+              <a:t>17/04/2018</a:t>
             </a:fld>
             <a:endParaRPr lang="en-GB"/>
           </a:p>
@@ -2918,7 +2920,7 @@
           <a:p>
             <a:fld id="{9C24F874-02A1-48BF-AE54-4A07EBAF6EA2}" type="datetimeFigureOut">
               <a:rPr lang="en-GB" smtClean="0"/>
-              <a:t>20/03/2018</a:t>
+              <a:t>17/04/2018</a:t>
             </a:fld>
             <a:endParaRPr lang="en-GB"/>
           </a:p>
@@ -3031,7 +3033,7 @@
           <a:p>
             <a:fld id="{9C24F874-02A1-48BF-AE54-4A07EBAF6EA2}" type="datetimeFigureOut">
               <a:rPr lang="en-GB" smtClean="0"/>
-              <a:t>20/03/2018</a:t>
+              <a:t>17/04/2018</a:t>
             </a:fld>
             <a:endParaRPr lang="en-GB"/>
           </a:p>
@@ -3344,7 +3346,7 @@
           <a:p>
             <a:fld id="{9C24F874-02A1-48BF-AE54-4A07EBAF6EA2}" type="datetimeFigureOut">
               <a:rPr lang="en-GB" smtClean="0"/>
-              <a:t>20/03/2018</a:t>
+              <a:t>17/04/2018</a:t>
             </a:fld>
             <a:endParaRPr lang="en-GB"/>
           </a:p>
@@ -3544,7 +3546,7 @@
           <a:p>
             <a:fld id="{F999EE6D-E52B-45B7-B943-4C650C77E21B}" type="datetimeFigureOut">
               <a:rPr lang="en-GB" smtClean="0"/>
-              <a:t>20/03/2018</a:t>
+              <a:t>17/04/2018</a:t>
             </a:fld>
             <a:endParaRPr lang="en-GB"/>
           </a:p>
@@ -3833,7 +3835,7 @@
           <a:p>
             <a:fld id="{9C24F874-02A1-48BF-AE54-4A07EBAF6EA2}" type="datetimeFigureOut">
               <a:rPr lang="en-GB" smtClean="0"/>
-              <a:t>20/03/2018</a:t>
+              <a:t>17/04/2018</a:t>
             </a:fld>
             <a:endParaRPr lang="en-GB"/>
           </a:p>
@@ -4033,7 +4035,7 @@
           <a:p>
             <a:fld id="{9C24F874-02A1-48BF-AE54-4A07EBAF6EA2}" type="datetimeFigureOut">
               <a:rPr lang="en-GB" smtClean="0"/>
-              <a:t>20/03/2018</a:t>
+              <a:t>17/04/2018</a:t>
             </a:fld>
             <a:endParaRPr lang="en-GB"/>
           </a:p>
@@ -4243,7 +4245,7 @@
           <a:p>
             <a:fld id="{9C24F874-02A1-48BF-AE54-4A07EBAF6EA2}" type="datetimeFigureOut">
               <a:rPr lang="en-GB" smtClean="0"/>
-              <a:t>20/03/2018</a:t>
+              <a:t>17/04/2018</a:t>
             </a:fld>
             <a:endParaRPr lang="en-GB"/>
           </a:p>
@@ -4519,7 +4521,7 @@
           <a:p>
             <a:fld id="{F999EE6D-E52B-45B7-B943-4C650C77E21B}" type="datetimeFigureOut">
               <a:rPr lang="en-GB" smtClean="0"/>
-              <a:t>20/03/2018</a:t>
+              <a:t>17/04/2018</a:t>
             </a:fld>
             <a:endParaRPr lang="en-GB"/>
           </a:p>
@@ -4787,7 +4789,7 @@
           <a:p>
             <a:fld id="{F999EE6D-E52B-45B7-B943-4C650C77E21B}" type="datetimeFigureOut">
               <a:rPr lang="en-GB" smtClean="0"/>
-              <a:t>20/03/2018</a:t>
+              <a:t>17/04/2018</a:t>
             </a:fld>
             <a:endParaRPr lang="en-GB"/>
           </a:p>
@@ -5202,7 +5204,7 @@
           <a:p>
             <a:fld id="{F999EE6D-E52B-45B7-B943-4C650C77E21B}" type="datetimeFigureOut">
               <a:rPr lang="en-GB" smtClean="0"/>
-              <a:t>20/03/2018</a:t>
+              <a:t>17/04/2018</a:t>
             </a:fld>
             <a:endParaRPr lang="en-GB"/>
           </a:p>
@@ -5344,7 +5346,7 @@
           <a:p>
             <a:fld id="{F999EE6D-E52B-45B7-B943-4C650C77E21B}" type="datetimeFigureOut">
               <a:rPr lang="en-GB" smtClean="0"/>
-              <a:t>20/03/2018</a:t>
+              <a:t>17/04/2018</a:t>
             </a:fld>
             <a:endParaRPr lang="en-GB"/>
           </a:p>
@@ -5457,7 +5459,7 @@
           <a:p>
             <a:fld id="{F999EE6D-E52B-45B7-B943-4C650C77E21B}" type="datetimeFigureOut">
               <a:rPr lang="en-GB" smtClean="0"/>
-              <a:t>20/03/2018</a:t>
+              <a:t>17/04/2018</a:t>
             </a:fld>
             <a:endParaRPr lang="en-GB"/>
           </a:p>
@@ -5770,7 +5772,7 @@
           <a:p>
             <a:fld id="{F999EE6D-E52B-45B7-B943-4C650C77E21B}" type="datetimeFigureOut">
               <a:rPr lang="en-GB" smtClean="0"/>
-              <a:t>20/03/2018</a:t>
+              <a:t>17/04/2018</a:t>
             </a:fld>
             <a:endParaRPr lang="en-GB"/>
           </a:p>
@@ -6059,7 +6061,7 @@
           <a:p>
             <a:fld id="{F999EE6D-E52B-45B7-B943-4C650C77E21B}" type="datetimeFigureOut">
               <a:rPr lang="en-GB" smtClean="0"/>
-              <a:t>20/03/2018</a:t>
+              <a:t>17/04/2018</a:t>
             </a:fld>
             <a:endParaRPr lang="en-GB"/>
           </a:p>
@@ -6302,7 +6304,7 @@
           <a:p>
             <a:fld id="{F999EE6D-E52B-45B7-B943-4C650C77E21B}" type="datetimeFigureOut">
               <a:rPr lang="en-GB" smtClean="0"/>
-              <a:t>20/03/2018</a:t>
+              <a:t>17/04/2018</a:t>
             </a:fld>
             <a:endParaRPr lang="en-GB"/>
           </a:p>
@@ -6872,7 +6874,7 @@
           <a:p>
             <a:fld id="{9C24F874-02A1-48BF-AE54-4A07EBAF6EA2}" type="datetimeFigureOut">
               <a:rPr lang="en-GB" smtClean="0"/>
-              <a:t>20/03/2018</a:t>
+              <a:t>17/04/2018</a:t>
             </a:fld>
             <a:endParaRPr lang="en-GB"/>
           </a:p>
@@ -7624,6 +7626,1957 @@
 </p:sld>
 </file>
 
+<file path=ppt/slides/slide10.xml><?xml version="1.0" encoding="utf-8"?>
+<p:sld xmlns:a="http://schemas.openxmlformats.org/drawingml/2006/main" xmlns:r="http://schemas.openxmlformats.org/officeDocument/2006/relationships" xmlns:p="http://schemas.openxmlformats.org/presentationml/2006/main">
+  <p:cSld>
+    <p:spTree>
+      <p:nvGrpSpPr>
+        <p:cNvPr id="1" name=""/>
+        <p:cNvGrpSpPr/>
+        <p:nvPr/>
+      </p:nvGrpSpPr>
+      <p:grpSpPr>
+        <a:xfrm>
+          <a:off x="0" y="0"/>
+          <a:ext cx="0" cy="0"/>
+          <a:chOff x="0" y="0"/>
+          <a:chExt cx="0" cy="0"/>
+        </a:xfrm>
+      </p:grpSpPr>
+      <p:grpSp>
+        <p:nvGrpSpPr>
+          <p:cNvPr id="66" name="Group 65">
+            <a:extLst>
+              <a:ext uri="{FF2B5EF4-FFF2-40B4-BE49-F238E27FC236}">
+                <a16:creationId xmlns:a16="http://schemas.microsoft.com/office/drawing/2014/main" id="{47A3FCD2-F7B3-4FA1-87B8-6C9F547DA24A}"/>
+              </a:ext>
+            </a:extLst>
+          </p:cNvPr>
+          <p:cNvGrpSpPr/>
+          <p:nvPr/>
+        </p:nvGrpSpPr>
+        <p:grpSpPr>
+          <a:xfrm>
+            <a:off x="650240" y="299171"/>
+            <a:ext cx="10143997" cy="6191693"/>
+            <a:chOff x="650240" y="299171"/>
+            <a:chExt cx="10143997" cy="6191693"/>
+          </a:xfrm>
+        </p:grpSpPr>
+        <p:grpSp>
+          <p:nvGrpSpPr>
+            <p:cNvPr id="65" name="Group 64">
+              <a:extLst>
+                <a:ext uri="{FF2B5EF4-FFF2-40B4-BE49-F238E27FC236}">
+                  <a16:creationId xmlns:a16="http://schemas.microsoft.com/office/drawing/2014/main" id="{5E14ECB1-2C16-443A-99D7-29FACF6DBB86}"/>
+                </a:ext>
+              </a:extLst>
+            </p:cNvPr>
+            <p:cNvGrpSpPr/>
+            <p:nvPr/>
+          </p:nvGrpSpPr>
+          <p:grpSpPr>
+            <a:xfrm>
+              <a:off x="650240" y="299171"/>
+              <a:ext cx="10143997" cy="6191693"/>
+              <a:chOff x="650240" y="299171"/>
+              <a:chExt cx="10143997" cy="6191693"/>
+            </a:xfrm>
+          </p:grpSpPr>
+          <p:grpSp>
+            <p:nvGrpSpPr>
+              <p:cNvPr id="62" name="Group 61">
+                <a:extLst>
+                  <a:ext uri="{FF2B5EF4-FFF2-40B4-BE49-F238E27FC236}">
+                    <a16:creationId xmlns:a16="http://schemas.microsoft.com/office/drawing/2014/main" id="{50ED5725-4141-46FD-9715-13B84CF2815B}"/>
+                  </a:ext>
+                </a:extLst>
+              </p:cNvPr>
+              <p:cNvGrpSpPr/>
+              <p:nvPr/>
+            </p:nvGrpSpPr>
+            <p:grpSpPr>
+              <a:xfrm>
+                <a:off x="777083" y="299171"/>
+                <a:ext cx="10017154" cy="6191693"/>
+                <a:chOff x="777083" y="299171"/>
+                <a:chExt cx="10017154" cy="6191693"/>
+              </a:xfrm>
+            </p:grpSpPr>
+            <p:grpSp>
+              <p:nvGrpSpPr>
+                <p:cNvPr id="110" name="Group 109">
+                  <a:extLst>
+                    <a:ext uri="{FF2B5EF4-FFF2-40B4-BE49-F238E27FC236}">
+                      <a16:creationId xmlns:a16="http://schemas.microsoft.com/office/drawing/2014/main" id="{72269C90-9540-418A-904B-22F1572C6DDE}"/>
+                    </a:ext>
+                  </a:extLst>
+                </p:cNvPr>
+                <p:cNvGrpSpPr/>
+                <p:nvPr/>
+              </p:nvGrpSpPr>
+              <p:grpSpPr>
+                <a:xfrm>
+                  <a:off x="777083" y="299171"/>
+                  <a:ext cx="10017154" cy="6191693"/>
+                  <a:chOff x="777083" y="299171"/>
+                  <a:chExt cx="10017154" cy="6191693"/>
+                </a:xfrm>
+              </p:grpSpPr>
+              <p:grpSp>
+                <p:nvGrpSpPr>
+                  <p:cNvPr id="56" name="Group 55">
+                    <a:extLst>
+                      <a:ext uri="{FF2B5EF4-FFF2-40B4-BE49-F238E27FC236}">
+                        <a16:creationId xmlns:a16="http://schemas.microsoft.com/office/drawing/2014/main" id="{E1799449-656F-4A45-A3F6-B62996E7E131}"/>
+                      </a:ext>
+                    </a:extLst>
+                  </p:cNvPr>
+                  <p:cNvGrpSpPr/>
+                  <p:nvPr/>
+                </p:nvGrpSpPr>
+                <p:grpSpPr>
+                  <a:xfrm>
+                    <a:off x="777083" y="299171"/>
+                    <a:ext cx="2347274" cy="3360314"/>
+                    <a:chOff x="777083" y="299171"/>
+                    <a:chExt cx="2347274" cy="3360314"/>
+                  </a:xfrm>
+                </p:grpSpPr>
+                <p:sp>
+                  <p:nvSpPr>
+                    <p:cNvPr id="2" name="Rectangle: Rounded Corners 1">
+                      <a:extLst>
+                        <a:ext uri="{FF2B5EF4-FFF2-40B4-BE49-F238E27FC236}">
+                          <a16:creationId xmlns:a16="http://schemas.microsoft.com/office/drawing/2014/main" id="{06890A94-FF72-4E61-A946-CBC7EBD28008}"/>
+                        </a:ext>
+                      </a:extLst>
+                    </p:cNvPr>
+                    <p:cNvSpPr/>
+                    <p:nvPr/>
+                  </p:nvSpPr>
+                  <p:spPr>
+                    <a:xfrm>
+                      <a:off x="777083" y="2254891"/>
+                      <a:ext cx="2347274" cy="1404594"/>
+                    </a:xfrm>
+                    <a:prstGeom prst="roundRect">
+                      <a:avLst/>
+                    </a:prstGeom>
+                    <a:gradFill flip="none" rotWithShape="1">
+                      <a:gsLst>
+                        <a:gs pos="0">
+                          <a:schemeClr val="accent6">
+                            <a:lumMod val="60000"/>
+                            <a:lumOff val="40000"/>
+                          </a:schemeClr>
+                        </a:gs>
+                        <a:gs pos="46000">
+                          <a:schemeClr val="accent1">
+                            <a:lumMod val="95000"/>
+                            <a:lumOff val="5000"/>
+                          </a:schemeClr>
+                        </a:gs>
+                        <a:gs pos="100000">
+                          <a:schemeClr val="accent1">
+                            <a:lumMod val="60000"/>
+                          </a:schemeClr>
+                        </a:gs>
+                      </a:gsLst>
+                      <a:path path="circle">
+                        <a:fillToRect l="50000" t="130000" r="50000" b="-30000"/>
+                      </a:path>
+                      <a:tileRect/>
+                    </a:gradFill>
+                  </p:spPr>
+                  <p:style>
+                    <a:lnRef idx="2">
+                      <a:schemeClr val="accent1">
+                        <a:shade val="50000"/>
+                      </a:schemeClr>
+                    </a:lnRef>
+                    <a:fillRef idx="1">
+                      <a:schemeClr val="accent1"/>
+                    </a:fillRef>
+                    <a:effectRef idx="0">
+                      <a:schemeClr val="accent1"/>
+                    </a:effectRef>
+                    <a:fontRef idx="minor">
+                      <a:schemeClr val="lt1"/>
+                    </a:fontRef>
+                  </p:style>
+                  <p:txBody>
+                    <a:bodyPr rtlCol="0" anchor="ctr"/>
+                    <a:lstStyle/>
+                    <a:p>
+                      <a:pPr algn="ctr"/>
+                      <a:r>
+                        <a:rPr lang="en-GB" dirty="0"/>
+                        <a:t>Discriminator for real images</a:t>
+                      </a:r>
+                    </a:p>
+                  </p:txBody>
+                </p:sp>
+                <p:sp>
+                  <p:nvSpPr>
+                    <p:cNvPr id="15" name="TextBox 14">
+                      <a:extLst>
+                        <a:ext uri="{FF2B5EF4-FFF2-40B4-BE49-F238E27FC236}">
+                          <a16:creationId xmlns:a16="http://schemas.microsoft.com/office/drawing/2014/main" id="{CE81C320-8597-470B-B0F7-2B53765873BF}"/>
+                        </a:ext>
+                      </a:extLst>
+                    </p:cNvPr>
+                    <p:cNvSpPr txBox="1"/>
+                    <p:nvPr/>
+                  </p:nvSpPr>
+                  <p:spPr>
+                    <a:xfrm>
+                      <a:off x="1074297" y="1619390"/>
+                      <a:ext cx="1899559" cy="369332"/>
+                    </a:xfrm>
+                    <a:prstGeom prst="rect">
+                      <a:avLst/>
+                    </a:prstGeom>
+                    <a:solidFill>
+                      <a:schemeClr val="bg1"/>
+                    </a:solidFill>
+                  </p:spPr>
+                  <p:txBody>
+                    <a:bodyPr wrap="none" rtlCol="0">
+                      <a:spAutoFit/>
+                    </a:bodyPr>
+                    <a:lstStyle/>
+                    <a:p>
+                      <a:r>
+                        <a:rPr lang="en-GB" dirty="0"/>
+                        <a:t>Feed in real image</a:t>
+                      </a:r>
+                    </a:p>
+                  </p:txBody>
+                </p:sp>
+                <p:cxnSp>
+                  <p:nvCxnSpPr>
+                    <p:cNvPr id="47" name="Straight Arrow Connector 46">
+                      <a:extLst>
+                        <a:ext uri="{FF2B5EF4-FFF2-40B4-BE49-F238E27FC236}">
+                          <a16:creationId xmlns:a16="http://schemas.microsoft.com/office/drawing/2014/main" id="{5C79D6E8-F1D5-45D8-90F6-819C86237E97}"/>
+                        </a:ext>
+                      </a:extLst>
+                    </p:cNvPr>
+                    <p:cNvCxnSpPr>
+                      <a:cxnSpLocks/>
+                      <a:endCxn id="2" idx="0"/>
+                    </p:cNvCxnSpPr>
+                    <p:nvPr/>
+                  </p:nvCxnSpPr>
+                  <p:spPr>
+                    <a:xfrm>
+                      <a:off x="1950720" y="2014120"/>
+                      <a:ext cx="0" cy="240771"/>
+                    </a:xfrm>
+                    <a:prstGeom prst="straightConnector1">
+                      <a:avLst/>
+                    </a:prstGeom>
+                    <a:ln w="19050">
+                      <a:prstDash val="dash"/>
+                      <a:tailEnd type="triangle"/>
+                    </a:ln>
+                  </p:spPr>
+                  <p:style>
+                    <a:lnRef idx="1">
+                      <a:schemeClr val="dk1"/>
+                    </a:lnRef>
+                    <a:fillRef idx="0">
+                      <a:schemeClr val="dk1"/>
+                    </a:fillRef>
+                    <a:effectRef idx="0">
+                      <a:schemeClr val="dk1"/>
+                    </a:effectRef>
+                    <a:fontRef idx="minor">
+                      <a:schemeClr val="tx1"/>
+                    </a:fontRef>
+                  </p:style>
+                </p:cxnSp>
+                <p:cxnSp>
+                  <p:nvCxnSpPr>
+                    <p:cNvPr id="44" name="Straight Arrow Connector 43">
+                      <a:extLst>
+                        <a:ext uri="{FF2B5EF4-FFF2-40B4-BE49-F238E27FC236}">
+                          <a16:creationId xmlns:a16="http://schemas.microsoft.com/office/drawing/2014/main" id="{0F99FBFD-C40F-4447-810E-D519B3686BE2}"/>
+                        </a:ext>
+                      </a:extLst>
+                    </p:cNvPr>
+                    <p:cNvCxnSpPr>
+                      <a:cxnSpLocks/>
+                    </p:cNvCxnSpPr>
+                    <p:nvPr/>
+                  </p:nvCxnSpPr>
+                  <p:spPr>
+                    <a:xfrm flipV="1">
+                      <a:off x="1941186" y="1266827"/>
+                      <a:ext cx="0" cy="396684"/>
+                    </a:xfrm>
+                    <a:prstGeom prst="straightConnector1">
+                      <a:avLst/>
+                    </a:prstGeom>
+                    <a:ln w="19050">
+                      <a:prstDash val="dash"/>
+                      <a:tailEnd type="triangle"/>
+                    </a:ln>
+                  </p:spPr>
+                  <p:style>
+                    <a:lnRef idx="1">
+                      <a:schemeClr val="dk1"/>
+                    </a:lnRef>
+                    <a:fillRef idx="0">
+                      <a:schemeClr val="dk1"/>
+                    </a:fillRef>
+                    <a:effectRef idx="0">
+                      <a:schemeClr val="dk1"/>
+                    </a:effectRef>
+                    <a:fontRef idx="minor">
+                      <a:schemeClr val="tx1"/>
+                    </a:fontRef>
+                  </p:style>
+                </p:cxnSp>
+                <p:pic>
+                  <p:nvPicPr>
+                    <p:cNvPr id="6" name="Picture 5">
+                      <a:extLst>
+                        <a:ext uri="{FF2B5EF4-FFF2-40B4-BE49-F238E27FC236}">
+                          <a16:creationId xmlns:a16="http://schemas.microsoft.com/office/drawing/2014/main" id="{94227E4C-41D5-4577-8D3A-AC8D1BD0D5B4}"/>
+                        </a:ext>
+                      </a:extLst>
+                    </p:cNvPr>
+                    <p:cNvPicPr>
+                      <a:picLocks noChangeAspect="1"/>
+                    </p:cNvPicPr>
+                    <p:nvPr/>
+                  </p:nvPicPr>
+                  <p:blipFill rotWithShape="1">
+                    <a:blip r:embed="rId2">
+                      <a:extLst>
+                        <a:ext uri="{28A0092B-C50C-407E-A947-70E740481C1C}">
+                          <a14:useLocalDpi xmlns:a14="http://schemas.microsoft.com/office/drawing/2010/main" val="0"/>
+                        </a:ext>
+                      </a:extLst>
+                    </a:blip>
+                    <a:srcRect l="69874" t="14783" r="19017" b="67541"/>
+                    <a:stretch/>
+                  </p:blipFill>
+                  <p:spPr>
+                    <a:xfrm>
+                      <a:off x="1483986" y="299171"/>
+                      <a:ext cx="914400" cy="1165205"/>
+                    </a:xfrm>
+                    <a:prstGeom prst="rect">
+                      <a:avLst/>
+                    </a:prstGeom>
+                  </p:spPr>
+                </p:pic>
+              </p:grpSp>
+              <p:grpSp>
+                <p:nvGrpSpPr>
+                  <p:cNvPr id="109" name="Group 108">
+                    <a:extLst>
+                      <a:ext uri="{FF2B5EF4-FFF2-40B4-BE49-F238E27FC236}">
+                        <a16:creationId xmlns:a16="http://schemas.microsoft.com/office/drawing/2014/main" id="{508D52B5-B7CB-46B7-83D9-756DA1634F53}"/>
+                      </a:ext>
+                    </a:extLst>
+                  </p:cNvPr>
+                  <p:cNvGrpSpPr/>
+                  <p:nvPr/>
+                </p:nvGrpSpPr>
+                <p:grpSpPr>
+                  <a:xfrm>
+                    <a:off x="3549478" y="457655"/>
+                    <a:ext cx="7244759" cy="4218214"/>
+                    <a:chOff x="3549478" y="457655"/>
+                    <a:chExt cx="7244759" cy="4218214"/>
+                  </a:xfrm>
+                </p:grpSpPr>
+                <p:grpSp>
+                  <p:nvGrpSpPr>
+                    <p:cNvPr id="108" name="Group 107">
+                      <a:extLst>
+                        <a:ext uri="{FF2B5EF4-FFF2-40B4-BE49-F238E27FC236}">
+                          <a16:creationId xmlns:a16="http://schemas.microsoft.com/office/drawing/2014/main" id="{4ED8CBB1-9F35-46DD-929A-A147615CB26A}"/>
+                        </a:ext>
+                      </a:extLst>
+                    </p:cNvPr>
+                    <p:cNvGrpSpPr/>
+                    <p:nvPr/>
+                  </p:nvGrpSpPr>
+                  <p:grpSpPr>
+                    <a:xfrm>
+                      <a:off x="3549478" y="2238499"/>
+                      <a:ext cx="4641610" cy="2437370"/>
+                      <a:chOff x="3549478" y="2238499"/>
+                      <a:chExt cx="4641610" cy="2437370"/>
+                    </a:xfrm>
+                  </p:grpSpPr>
+                  <p:cxnSp>
+                    <p:nvCxnSpPr>
+                      <p:cNvPr id="74" name="Straight Arrow Connector 73">
+                        <a:extLst>
+                          <a:ext uri="{FF2B5EF4-FFF2-40B4-BE49-F238E27FC236}">
+                            <a16:creationId xmlns:a16="http://schemas.microsoft.com/office/drawing/2014/main" id="{E7D9FAE6-6E7C-41AF-B26C-7E852D511445}"/>
+                          </a:ext>
+                        </a:extLst>
+                      </p:cNvPr>
+                      <p:cNvCxnSpPr>
+                        <a:cxnSpLocks/>
+                        <a:endCxn id="9" idx="2"/>
+                      </p:cNvCxnSpPr>
+                      <p:nvPr/>
+                    </p:nvCxnSpPr>
+                    <p:spPr>
+                      <a:xfrm>
+                        <a:off x="5737017" y="3243596"/>
+                        <a:ext cx="2454071" cy="1432273"/>
+                      </a:xfrm>
+                      <a:prstGeom prst="straightConnector1">
+                        <a:avLst/>
+                      </a:prstGeom>
+                      <a:ln w="19050">
+                        <a:tailEnd type="triangle"/>
+                      </a:ln>
+                    </p:spPr>
+                    <p:style>
+                      <a:lnRef idx="1">
+                        <a:schemeClr val="dk1"/>
+                      </a:lnRef>
+                      <a:fillRef idx="0">
+                        <a:schemeClr val="dk1"/>
+                      </a:fillRef>
+                      <a:effectRef idx="0">
+                        <a:schemeClr val="dk1"/>
+                      </a:effectRef>
+                      <a:fontRef idx="minor">
+                        <a:schemeClr val="tx1"/>
+                      </a:fontRef>
+                    </p:style>
+                  </p:cxnSp>
+                  <p:cxnSp>
+                    <p:nvCxnSpPr>
+                      <p:cNvPr id="71" name="Straight Arrow Connector 70">
+                        <a:extLst>
+                          <a:ext uri="{FF2B5EF4-FFF2-40B4-BE49-F238E27FC236}">
+                            <a16:creationId xmlns:a16="http://schemas.microsoft.com/office/drawing/2014/main" id="{1CDAF3CE-C83F-4566-B10A-0DD3EF45C431}"/>
+                          </a:ext>
+                        </a:extLst>
+                      </p:cNvPr>
+                      <p:cNvCxnSpPr>
+                        <a:cxnSpLocks/>
+                        <a:stCxn id="3" idx="2"/>
+                        <a:endCxn id="8" idx="1"/>
+                      </p:cNvCxnSpPr>
+                      <p:nvPr/>
+                    </p:nvCxnSpPr>
+                    <p:spPr>
+                      <a:xfrm>
+                        <a:off x="4723115" y="3643093"/>
+                        <a:ext cx="390293" cy="587392"/>
+                      </a:xfrm>
+                      <a:prstGeom prst="straightConnector1">
+                        <a:avLst/>
+                      </a:prstGeom>
+                      <a:ln w="19050">
+                        <a:tailEnd type="triangle"/>
+                      </a:ln>
+                    </p:spPr>
+                    <p:style>
+                      <a:lnRef idx="1">
+                        <a:schemeClr val="dk1"/>
+                      </a:lnRef>
+                      <a:fillRef idx="0">
+                        <a:schemeClr val="dk1"/>
+                      </a:fillRef>
+                      <a:effectRef idx="0">
+                        <a:schemeClr val="dk1"/>
+                      </a:effectRef>
+                      <a:fontRef idx="minor">
+                        <a:schemeClr val="tx1"/>
+                      </a:fontRef>
+                    </p:style>
+                  </p:cxnSp>
+                  <p:sp>
+                    <p:nvSpPr>
+                      <p:cNvPr id="3" name="Rectangle: Rounded Corners 2">
+                        <a:extLst>
+                          <a:ext uri="{FF2B5EF4-FFF2-40B4-BE49-F238E27FC236}">
+                            <a16:creationId xmlns:a16="http://schemas.microsoft.com/office/drawing/2014/main" id="{C3BEC677-3ADE-4731-9E53-09138C415F5F}"/>
+                          </a:ext>
+                        </a:extLst>
+                      </p:cNvPr>
+                      <p:cNvSpPr/>
+                      <p:nvPr/>
+                    </p:nvSpPr>
+                    <p:spPr>
+                      <a:xfrm>
+                        <a:off x="3549478" y="2238499"/>
+                        <a:ext cx="2347274" cy="1404594"/>
+                      </a:xfrm>
+                      <a:prstGeom prst="roundRect">
+                        <a:avLst/>
+                      </a:prstGeom>
+                      <a:gradFill>
+                        <a:gsLst>
+                          <a:gs pos="0">
+                            <a:srgbClr val="D99187"/>
+                          </a:gs>
+                          <a:gs pos="46000">
+                            <a:schemeClr val="accent1">
+                              <a:lumMod val="95000"/>
+                              <a:lumOff val="5000"/>
+                            </a:schemeClr>
+                          </a:gs>
+                          <a:gs pos="100000">
+                            <a:schemeClr val="accent1">
+                              <a:lumMod val="60000"/>
+                            </a:schemeClr>
+                          </a:gs>
+                        </a:gsLst>
+                        <a:path path="circle">
+                          <a:fillToRect l="50000" t="130000" r="50000" b="-30000"/>
+                        </a:path>
+                      </a:gradFill>
+                    </p:spPr>
+                    <p:style>
+                      <a:lnRef idx="2">
+                        <a:schemeClr val="accent1">
+                          <a:shade val="50000"/>
+                        </a:schemeClr>
+                      </a:lnRef>
+                      <a:fillRef idx="1">
+                        <a:schemeClr val="accent1"/>
+                      </a:fillRef>
+                      <a:effectRef idx="0">
+                        <a:schemeClr val="accent1"/>
+                      </a:effectRef>
+                      <a:fontRef idx="minor">
+                        <a:schemeClr val="lt1"/>
+                      </a:fontRef>
+                    </p:style>
+                    <p:txBody>
+                      <a:bodyPr rtlCol="0" anchor="ctr"/>
+                      <a:lstStyle/>
+                      <a:p>
+                        <a:pPr algn="ctr"/>
+                        <a:r>
+                          <a:rPr lang="en-GB" dirty="0"/>
+                          <a:t>Discriminator for fake images</a:t>
+                        </a:r>
+                      </a:p>
+                    </p:txBody>
+                  </p:sp>
+                </p:grpSp>
+                <p:grpSp>
+                  <p:nvGrpSpPr>
+                    <p:cNvPr id="43" name="Group 42">
+                      <a:extLst>
+                        <a:ext uri="{FF2B5EF4-FFF2-40B4-BE49-F238E27FC236}">
+                          <a16:creationId xmlns:a16="http://schemas.microsoft.com/office/drawing/2014/main" id="{948E6C37-70EB-42CE-8CA9-D67AA02B1040}"/>
+                        </a:ext>
+                      </a:extLst>
+                    </p:cNvPr>
+                    <p:cNvGrpSpPr/>
+                    <p:nvPr/>
+                  </p:nvGrpSpPr>
+                  <p:grpSpPr>
+                    <a:xfrm>
+                      <a:off x="3910411" y="457655"/>
+                      <a:ext cx="4293691" cy="1953030"/>
+                      <a:chOff x="4139795" y="638546"/>
+                      <a:chExt cx="4293691" cy="1953030"/>
+                    </a:xfrm>
+                  </p:grpSpPr>
+                  <p:cxnSp>
+                    <p:nvCxnSpPr>
+                      <p:cNvPr id="41" name="Straight Arrow Connector 40">
+                        <a:extLst>
+                          <a:ext uri="{FF2B5EF4-FFF2-40B4-BE49-F238E27FC236}">
+                            <a16:creationId xmlns:a16="http://schemas.microsoft.com/office/drawing/2014/main" id="{5E1CA412-B735-4395-9C13-1B9243AD0A60}"/>
+                          </a:ext>
+                        </a:extLst>
+                      </p:cNvPr>
+                      <p:cNvCxnSpPr>
+                        <a:cxnSpLocks/>
+                        <a:endCxn id="7" idx="3"/>
+                      </p:cNvCxnSpPr>
+                      <p:nvPr/>
+                    </p:nvCxnSpPr>
+                    <p:spPr>
+                      <a:xfrm flipH="1" flipV="1">
+                        <a:off x="5381322" y="1098891"/>
+                        <a:ext cx="3052164" cy="1492685"/>
+                      </a:xfrm>
+                      <a:prstGeom prst="straightConnector1">
+                        <a:avLst/>
+                      </a:prstGeom>
+                      <a:ln w="19050">
+                        <a:prstDash val="dash"/>
+                        <a:tailEnd type="triangle"/>
+                      </a:ln>
+                    </p:spPr>
+                    <p:style>
+                      <a:lnRef idx="1">
+                        <a:schemeClr val="dk1"/>
+                      </a:lnRef>
+                      <a:fillRef idx="0">
+                        <a:schemeClr val="dk1"/>
+                      </a:fillRef>
+                      <a:effectRef idx="0">
+                        <a:schemeClr val="dk1"/>
+                      </a:effectRef>
+                      <a:fontRef idx="minor">
+                        <a:schemeClr val="tx1"/>
+                      </a:fontRef>
+                    </p:style>
+                  </p:cxnSp>
+                  <p:cxnSp>
+                    <p:nvCxnSpPr>
+                      <p:cNvPr id="37" name="Straight Arrow Connector 36">
+                        <a:extLst>
+                          <a:ext uri="{FF2B5EF4-FFF2-40B4-BE49-F238E27FC236}">
+                            <a16:creationId xmlns:a16="http://schemas.microsoft.com/office/drawing/2014/main" id="{9BA05FF3-CFA4-4945-BC71-2341A3FC7D4C}"/>
+                          </a:ext>
+                        </a:extLst>
+                      </p:cNvPr>
+                      <p:cNvCxnSpPr>
+                        <a:cxnSpLocks/>
+                      </p:cNvCxnSpPr>
+                      <p:nvPr/>
+                    </p:nvCxnSpPr>
+                    <p:spPr>
+                      <a:xfrm flipV="1">
+                        <a:off x="4931198" y="1201951"/>
+                        <a:ext cx="3923" cy="636597"/>
+                      </a:xfrm>
+                      <a:prstGeom prst="straightConnector1">
+                        <a:avLst/>
+                      </a:prstGeom>
+                      <a:ln w="19050">
+                        <a:prstDash val="dash"/>
+                        <a:tailEnd type="triangle"/>
+                      </a:ln>
+                    </p:spPr>
+                    <p:style>
+                      <a:lnRef idx="1">
+                        <a:schemeClr val="dk1"/>
+                      </a:lnRef>
+                      <a:fillRef idx="0">
+                        <a:schemeClr val="dk1"/>
+                      </a:fillRef>
+                      <a:effectRef idx="0">
+                        <a:schemeClr val="dk1"/>
+                      </a:effectRef>
+                      <a:fontRef idx="minor">
+                        <a:schemeClr val="tx1"/>
+                      </a:fontRef>
+                    </p:style>
+                  </p:cxnSp>
+                  <p:pic>
+                    <p:nvPicPr>
+                      <p:cNvPr id="7" name="Picture 6">
+                        <a:extLst>
+                          <a:ext uri="{FF2B5EF4-FFF2-40B4-BE49-F238E27FC236}">
+                            <a16:creationId xmlns:a16="http://schemas.microsoft.com/office/drawing/2014/main" id="{2C328D72-A3AB-431A-98CF-68B9FFBC4023}"/>
+                          </a:ext>
+                        </a:extLst>
+                      </p:cNvPr>
+                      <p:cNvPicPr>
+                        <a:picLocks noChangeAspect="1"/>
+                      </p:cNvPicPr>
+                      <p:nvPr/>
+                    </p:nvPicPr>
+                    <p:blipFill rotWithShape="1">
+                      <a:blip r:embed="rId3"/>
+                      <a:srcRect l="34333" t="25185" r="54500" b="54333"/>
+                      <a:stretch/>
+                    </p:blipFill>
+                    <p:spPr>
+                      <a:xfrm>
+                        <a:off x="4488918" y="638546"/>
+                        <a:ext cx="892404" cy="920690"/>
+                      </a:xfrm>
+                      <a:prstGeom prst="rect">
+                        <a:avLst/>
+                      </a:prstGeom>
+                    </p:spPr>
+                  </p:pic>
+                  <p:sp>
+                    <p:nvSpPr>
+                      <p:cNvPr id="16" name="TextBox 15">
+                        <a:extLst>
+                          <a:ext uri="{FF2B5EF4-FFF2-40B4-BE49-F238E27FC236}">
+                            <a16:creationId xmlns:a16="http://schemas.microsoft.com/office/drawing/2014/main" id="{96F16C8C-37C1-4C8B-91FC-011E171320C7}"/>
+                          </a:ext>
+                        </a:extLst>
+                      </p:cNvPr>
+                      <p:cNvSpPr txBox="1"/>
+                      <p:nvPr/>
+                    </p:nvSpPr>
+                    <p:spPr>
+                      <a:xfrm>
+                        <a:off x="4139795" y="1798035"/>
+                        <a:ext cx="1932324" cy="369332"/>
+                      </a:xfrm>
+                      <a:prstGeom prst="rect">
+                        <a:avLst/>
+                      </a:prstGeom>
+                      <a:noFill/>
+                    </p:spPr>
+                    <p:txBody>
+                      <a:bodyPr wrap="none" rtlCol="0">
+                        <a:spAutoFit/>
+                      </a:bodyPr>
+                      <a:lstStyle/>
+                      <a:p>
+                        <a:r>
+                          <a:rPr lang="en-GB" dirty="0"/>
+                          <a:t>Feed in fake image</a:t>
+                        </a:r>
+                      </a:p>
+                    </p:txBody>
+                  </p:sp>
+                </p:grpSp>
+                <p:grpSp>
+                  <p:nvGrpSpPr>
+                    <p:cNvPr id="83" name="Group 82">
+                      <a:extLst>
+                        <a:ext uri="{FF2B5EF4-FFF2-40B4-BE49-F238E27FC236}">
+                          <a16:creationId xmlns:a16="http://schemas.microsoft.com/office/drawing/2014/main" id="{3B66F07F-F2FD-45CB-ADB6-508D08AD8E59}"/>
+                        </a:ext>
+                      </a:extLst>
+                    </p:cNvPr>
+                    <p:cNvGrpSpPr/>
+                    <p:nvPr/>
+                  </p:nvGrpSpPr>
+                  <p:grpSpPr>
+                    <a:xfrm>
+                      <a:off x="7479227" y="737529"/>
+                      <a:ext cx="3315010" cy="2874930"/>
+                      <a:chOff x="3504875" y="347216"/>
+                      <a:chExt cx="3315010" cy="2874930"/>
+                    </a:xfrm>
+                  </p:grpSpPr>
+                  <p:sp>
+                    <p:nvSpPr>
+                      <p:cNvPr id="4" name="Rectangle: Rounded Corners 3">
+                        <a:extLst>
+                          <a:ext uri="{FF2B5EF4-FFF2-40B4-BE49-F238E27FC236}">
+                            <a16:creationId xmlns:a16="http://schemas.microsoft.com/office/drawing/2014/main" id="{EE5A72BE-2140-4F41-81F8-391B789C0454}"/>
+                          </a:ext>
+                        </a:extLst>
+                      </p:cNvPr>
+                      <p:cNvSpPr/>
+                      <p:nvPr/>
+                    </p:nvSpPr>
+                    <p:spPr>
+                      <a:xfrm>
+                        <a:off x="4037626" y="1817552"/>
+                        <a:ext cx="2347274" cy="1404594"/>
+                      </a:xfrm>
+                      <a:prstGeom prst="roundRect">
+                        <a:avLst/>
+                      </a:prstGeom>
+                      <a:gradFill flip="none" rotWithShape="1">
+                        <a:gsLst>
+                          <a:gs pos="0">
+                            <a:schemeClr val="accent6">
+                              <a:lumMod val="60000"/>
+                              <a:lumOff val="40000"/>
+                            </a:schemeClr>
+                          </a:gs>
+                          <a:gs pos="46000">
+                            <a:schemeClr val="accent2">
+                              <a:lumMod val="60000"/>
+                              <a:lumOff val="40000"/>
+                            </a:schemeClr>
+                          </a:gs>
+                          <a:gs pos="100000">
+                            <a:schemeClr val="accent2">
+                              <a:lumMod val="75000"/>
+                            </a:schemeClr>
+                          </a:gs>
+                        </a:gsLst>
+                        <a:path path="circle">
+                          <a:fillToRect l="50000" t="130000" r="50000" b="-30000"/>
+                        </a:path>
+                        <a:tileRect/>
+                      </a:gradFill>
+                    </p:spPr>
+                    <p:style>
+                      <a:lnRef idx="2">
+                        <a:schemeClr val="accent2">
+                          <a:shade val="50000"/>
+                        </a:schemeClr>
+                      </a:lnRef>
+                      <a:fillRef idx="1">
+                        <a:schemeClr val="accent2"/>
+                      </a:fillRef>
+                      <a:effectRef idx="0">
+                        <a:schemeClr val="accent2"/>
+                      </a:effectRef>
+                      <a:fontRef idx="minor">
+                        <a:schemeClr val="lt1"/>
+                      </a:fontRef>
+                    </p:style>
+                    <p:txBody>
+                      <a:bodyPr rtlCol="0" anchor="ctr"/>
+                      <a:lstStyle/>
+                      <a:p>
+                        <a:pPr algn="ctr"/>
+                        <a:r>
+                          <a:rPr lang="en-GB" dirty="0"/>
+                          <a:t>Generator for fake images</a:t>
+                        </a:r>
+                      </a:p>
+                    </p:txBody>
+                  </p:sp>
+                  <p:grpSp>
+                    <p:nvGrpSpPr>
+                      <p:cNvPr id="14" name="Group 13">
+                        <a:extLst>
+                          <a:ext uri="{FF2B5EF4-FFF2-40B4-BE49-F238E27FC236}">
+                            <a16:creationId xmlns:a16="http://schemas.microsoft.com/office/drawing/2014/main" id="{B600AE14-5892-4BE8-985F-F9695BEE40B0}"/>
+                          </a:ext>
+                        </a:extLst>
+                      </p:cNvPr>
+                      <p:cNvGrpSpPr/>
+                      <p:nvPr/>
+                    </p:nvGrpSpPr>
+                    <p:grpSpPr>
+                      <a:xfrm>
+                        <a:off x="3504875" y="347216"/>
+                        <a:ext cx="3315010" cy="683639"/>
+                        <a:chOff x="3575756" y="141698"/>
+                        <a:chExt cx="3315010" cy="683639"/>
+                      </a:xfrm>
+                    </p:grpSpPr>
+                    <p:sp>
+                      <p:nvSpPr>
+                        <p:cNvPr id="12" name="TextBox 11">
+                          <a:extLst>
+                            <a:ext uri="{FF2B5EF4-FFF2-40B4-BE49-F238E27FC236}">
+                              <a16:creationId xmlns:a16="http://schemas.microsoft.com/office/drawing/2014/main" id="{61BE1393-0E60-4B44-95E7-9E98EA08CED0}"/>
+                            </a:ext>
+                          </a:extLst>
+                        </p:cNvPr>
+                        <p:cNvSpPr txBox="1"/>
+                        <p:nvPr/>
+                      </p:nvSpPr>
+                      <p:spPr>
+                        <a:xfrm>
+                          <a:off x="4042862" y="425227"/>
+                          <a:ext cx="2478564" cy="400110"/>
+                        </a:xfrm>
+                        <a:prstGeom prst="rect">
+                          <a:avLst/>
+                        </a:prstGeom>
+                        <a:noFill/>
+                      </p:spPr>
+                      <p:txBody>
+                        <a:bodyPr wrap="none" rtlCol="0">
+                          <a:spAutoFit/>
+                        </a:bodyPr>
+                        <a:lstStyle/>
+                        <a:p>
+                          <a:r>
+                            <a:rPr lang="en-GB" sz="2000" b="1" dirty="0"/>
+                            <a:t>[0, 0.3, 0.6, ... , 0.1, 0]</a:t>
+                          </a:r>
+                        </a:p>
+                      </p:txBody>
+                    </p:sp>
+                    <p:sp>
+                      <p:nvSpPr>
+                        <p:cNvPr id="13" name="TextBox 12">
+                          <a:extLst>
+                            <a:ext uri="{FF2B5EF4-FFF2-40B4-BE49-F238E27FC236}">
+                              <a16:creationId xmlns:a16="http://schemas.microsoft.com/office/drawing/2014/main" id="{062B0296-1477-4A3E-AEFA-06F15744F9DE}"/>
+                            </a:ext>
+                          </a:extLst>
+                        </p:cNvPr>
+                        <p:cNvSpPr txBox="1"/>
+                        <p:nvPr/>
+                      </p:nvSpPr>
+                      <p:spPr>
+                        <a:xfrm>
+                          <a:off x="3575756" y="141698"/>
+                          <a:ext cx="3315010" cy="369332"/>
+                        </a:xfrm>
+                        <a:prstGeom prst="rect">
+                          <a:avLst/>
+                        </a:prstGeom>
+                        <a:noFill/>
+                      </p:spPr>
+                      <p:txBody>
+                        <a:bodyPr wrap="none" rtlCol="0">
+                          <a:spAutoFit/>
+                        </a:bodyPr>
+                        <a:lstStyle/>
+                        <a:p>
+                          <a:r>
+                            <a:rPr lang="en-GB" dirty="0"/>
+                            <a:t>Feed in array of random numbers</a:t>
+                          </a:r>
+                        </a:p>
+                      </p:txBody>
+                    </p:sp>
+                  </p:grpSp>
+                  <p:cxnSp>
+                    <p:nvCxnSpPr>
+                      <p:cNvPr id="57" name="Straight Arrow Connector 56">
+                        <a:extLst>
+                          <a:ext uri="{FF2B5EF4-FFF2-40B4-BE49-F238E27FC236}">
+                            <a16:creationId xmlns:a16="http://schemas.microsoft.com/office/drawing/2014/main" id="{A010A48D-4433-4670-B090-7533A2C48EAD}"/>
+                          </a:ext>
+                        </a:extLst>
+                      </p:cNvPr>
+                      <p:cNvCxnSpPr>
+                        <a:cxnSpLocks/>
+                        <a:stCxn id="12" idx="2"/>
+                        <a:endCxn id="4" idx="0"/>
+                      </p:cNvCxnSpPr>
+                      <p:nvPr/>
+                    </p:nvCxnSpPr>
+                    <p:spPr>
+                      <a:xfrm>
+                        <a:off x="5211263" y="1030855"/>
+                        <a:ext cx="0" cy="786697"/>
+                      </a:xfrm>
+                      <a:prstGeom prst="straightConnector1">
+                        <a:avLst/>
+                      </a:prstGeom>
+                      <a:ln w="19050">
+                        <a:prstDash val="dash"/>
+                        <a:tailEnd type="triangle"/>
+                      </a:ln>
+                    </p:spPr>
+                    <p:style>
+                      <a:lnRef idx="1">
+                        <a:schemeClr val="dk1"/>
+                      </a:lnRef>
+                      <a:fillRef idx="0">
+                        <a:schemeClr val="dk1"/>
+                      </a:fillRef>
+                      <a:effectRef idx="0">
+                        <a:schemeClr val="dk1"/>
+                      </a:effectRef>
+                      <a:fontRef idx="minor">
+                        <a:schemeClr val="tx1"/>
+                      </a:fontRef>
+                    </p:style>
+                  </p:cxnSp>
+                </p:grpSp>
+              </p:grpSp>
+              <p:grpSp>
+                <p:nvGrpSpPr>
+                  <p:cNvPr id="70" name="Group 69">
+                    <a:extLst>
+                      <a:ext uri="{FF2B5EF4-FFF2-40B4-BE49-F238E27FC236}">
+                        <a16:creationId xmlns:a16="http://schemas.microsoft.com/office/drawing/2014/main" id="{E9B8C9D5-ABE9-439D-AEA0-25AE880AF3B7}"/>
+                      </a:ext>
+                    </a:extLst>
+                  </p:cNvPr>
+                  <p:cNvGrpSpPr/>
+                  <p:nvPr/>
+                </p:nvGrpSpPr>
+                <p:grpSpPr>
+                  <a:xfrm>
+                    <a:off x="1201530" y="4066212"/>
+                    <a:ext cx="9157722" cy="2424652"/>
+                    <a:chOff x="1137920" y="4207105"/>
+                    <a:chExt cx="9157722" cy="2424652"/>
+                  </a:xfrm>
+                </p:grpSpPr>
+                <p:cxnSp>
+                  <p:nvCxnSpPr>
+                    <p:cNvPr id="60" name="Straight Arrow Connector 59">
+                      <a:extLst>
+                        <a:ext uri="{FF2B5EF4-FFF2-40B4-BE49-F238E27FC236}">
+                          <a16:creationId xmlns:a16="http://schemas.microsoft.com/office/drawing/2014/main" id="{C09D5249-48A1-4262-B07C-AF1722A3CBA4}"/>
+                        </a:ext>
+                      </a:extLst>
+                    </p:cNvPr>
+                    <p:cNvCxnSpPr>
+                      <a:cxnSpLocks/>
+                    </p:cNvCxnSpPr>
+                    <p:nvPr/>
+                  </p:nvCxnSpPr>
+                  <p:spPr>
+                    <a:xfrm flipH="1">
+                      <a:off x="2783863" y="5600131"/>
+                      <a:ext cx="748286" cy="495947"/>
+                    </a:xfrm>
+                    <a:prstGeom prst="straightConnector1">
+                      <a:avLst/>
+                    </a:prstGeom>
+                    <a:ln w="19050">
+                      <a:tailEnd type="triangle"/>
+                    </a:ln>
+                  </p:spPr>
+                  <p:style>
+                    <a:lnRef idx="1">
+                      <a:schemeClr val="dk1"/>
+                    </a:lnRef>
+                    <a:fillRef idx="0">
+                      <a:schemeClr val="dk1"/>
+                    </a:fillRef>
+                    <a:effectRef idx="0">
+                      <a:schemeClr val="dk1"/>
+                    </a:effectRef>
+                    <a:fontRef idx="minor">
+                      <a:schemeClr val="tx1"/>
+                    </a:fontRef>
+                  </p:style>
+                </p:cxnSp>
+                <p:sp>
+                  <p:nvSpPr>
+                    <p:cNvPr id="8" name="Oval 7">
+                      <a:extLst>
+                        <a:ext uri="{FF2B5EF4-FFF2-40B4-BE49-F238E27FC236}">
+                          <a16:creationId xmlns:a16="http://schemas.microsoft.com/office/drawing/2014/main" id="{CDEB0D35-A219-4B2D-A117-A58344F93B6A}"/>
+                        </a:ext>
+                      </a:extLst>
+                    </p:cNvPr>
+                    <p:cNvSpPr/>
+                    <p:nvPr/>
+                  </p:nvSpPr>
+                  <p:spPr>
+                    <a:xfrm>
+                      <a:off x="4732278" y="4207105"/>
+                      <a:ext cx="2168164" cy="1121724"/>
+                    </a:xfrm>
+                    <a:prstGeom prst="ellipse">
+                      <a:avLst/>
+                    </a:prstGeom>
+                    <a:gradFill flip="none" rotWithShape="1">
+                      <a:gsLst>
+                        <a:gs pos="0">
+                          <a:schemeClr val="accent2">
+                            <a:lumMod val="60000"/>
+                            <a:lumOff val="40000"/>
+                            <a:tint val="66000"/>
+                            <a:satMod val="160000"/>
+                          </a:schemeClr>
+                        </a:gs>
+                        <a:gs pos="50000">
+                          <a:schemeClr val="accent2">
+                            <a:lumMod val="60000"/>
+                            <a:lumOff val="40000"/>
+                            <a:tint val="44500"/>
+                            <a:satMod val="160000"/>
+                          </a:schemeClr>
+                        </a:gs>
+                        <a:gs pos="100000">
+                          <a:schemeClr val="accent2">
+                            <a:lumMod val="60000"/>
+                            <a:lumOff val="40000"/>
+                            <a:tint val="23500"/>
+                            <a:satMod val="160000"/>
+                          </a:schemeClr>
+                        </a:gs>
+                      </a:gsLst>
+                      <a:path path="circle">
+                        <a:fillToRect l="50000" t="50000" r="50000" b="50000"/>
+                      </a:path>
+                      <a:tileRect/>
+                    </a:gradFill>
+                    <a:ln>
+                      <a:solidFill>
+                        <a:schemeClr val="accent2"/>
+                      </a:solidFill>
+                    </a:ln>
+                  </p:spPr>
+                  <p:style>
+                    <a:lnRef idx="2">
+                      <a:schemeClr val="accent1">
+                        <a:shade val="50000"/>
+                      </a:schemeClr>
+                    </a:lnRef>
+                    <a:fillRef idx="1">
+                      <a:schemeClr val="accent1"/>
+                    </a:fillRef>
+                    <a:effectRef idx="0">
+                      <a:schemeClr val="accent1"/>
+                    </a:effectRef>
+                    <a:fontRef idx="minor">
+                      <a:schemeClr val="lt1"/>
+                    </a:fontRef>
+                  </p:style>
+                  <p:txBody>
+                    <a:bodyPr rtlCol="0" anchor="ctr"/>
+                    <a:lstStyle/>
+                    <a:p>
+                      <a:pPr algn="ctr"/>
+                      <a:r>
+                        <a:rPr lang="en-GB" dirty="0">
+                          <a:solidFill>
+                            <a:sysClr val="windowText" lastClr="000000"/>
+                          </a:solidFill>
+                        </a:rPr>
+                        <a:t>Generator loss</a:t>
+                      </a:r>
+                    </a:p>
+                  </p:txBody>
+                </p:sp>
+                <p:grpSp>
+                  <p:nvGrpSpPr>
+                    <p:cNvPr id="36" name="Group 35">
+                      <a:extLst>
+                        <a:ext uri="{FF2B5EF4-FFF2-40B4-BE49-F238E27FC236}">
+                          <a16:creationId xmlns:a16="http://schemas.microsoft.com/office/drawing/2014/main" id="{7012900E-4405-457C-9B88-BE673136F64F}"/>
+                        </a:ext>
+                      </a:extLst>
+                    </p:cNvPr>
+                    <p:cNvGrpSpPr/>
+                    <p:nvPr/>
+                  </p:nvGrpSpPr>
+                  <p:grpSpPr>
+                    <a:xfrm>
+                      <a:off x="1137920" y="4255900"/>
+                      <a:ext cx="9157722" cy="2375857"/>
+                      <a:chOff x="1137920" y="4255900"/>
+                      <a:chExt cx="9157722" cy="2375857"/>
+                    </a:xfrm>
+                  </p:grpSpPr>
+                  <p:sp>
+                    <p:nvSpPr>
+                      <p:cNvPr id="11" name="Oval 10">
+                        <a:extLst>
+                          <a:ext uri="{FF2B5EF4-FFF2-40B4-BE49-F238E27FC236}">
+                            <a16:creationId xmlns:a16="http://schemas.microsoft.com/office/drawing/2014/main" id="{3ECE27D4-3252-4C7D-9FD1-6FAF058366C3}"/>
+                          </a:ext>
+                        </a:extLst>
+                      </p:cNvPr>
+                      <p:cNvSpPr/>
+                      <p:nvPr/>
+                    </p:nvSpPr>
+                    <p:spPr>
+                      <a:xfrm>
+                        <a:off x="4632699" y="5510033"/>
+                        <a:ext cx="2168164" cy="1121724"/>
+                      </a:xfrm>
+                      <a:prstGeom prst="ellipse">
+                        <a:avLst/>
+                      </a:prstGeom>
+                      <a:gradFill flip="none" rotWithShape="1">
+                        <a:gsLst>
+                          <a:gs pos="0">
+                            <a:schemeClr val="accent1">
+                              <a:lumMod val="60000"/>
+                              <a:lumOff val="40000"/>
+                              <a:tint val="66000"/>
+                              <a:satMod val="160000"/>
+                            </a:schemeClr>
+                          </a:gs>
+                          <a:gs pos="50000">
+                            <a:schemeClr val="accent1">
+                              <a:lumMod val="60000"/>
+                              <a:lumOff val="40000"/>
+                              <a:tint val="44500"/>
+                              <a:satMod val="160000"/>
+                            </a:schemeClr>
+                          </a:gs>
+                          <a:gs pos="100000">
+                            <a:schemeClr val="accent1">
+                              <a:lumMod val="60000"/>
+                              <a:lumOff val="40000"/>
+                              <a:tint val="23500"/>
+                              <a:satMod val="160000"/>
+                            </a:schemeClr>
+                          </a:gs>
+                        </a:gsLst>
+                        <a:path path="circle">
+                          <a:fillToRect l="50000" t="50000" r="50000" b="50000"/>
+                        </a:path>
+                        <a:tileRect/>
+                      </a:gradFill>
+                      <a:ln>
+                        <a:solidFill>
+                          <a:schemeClr val="accent1"/>
+                        </a:solidFill>
+                      </a:ln>
+                    </p:spPr>
+                    <p:style>
+                      <a:lnRef idx="2">
+                        <a:schemeClr val="accent1">
+                          <a:shade val="50000"/>
+                        </a:schemeClr>
+                      </a:lnRef>
+                      <a:fillRef idx="1">
+                        <a:schemeClr val="accent1"/>
+                      </a:fillRef>
+                      <a:effectRef idx="0">
+                        <a:schemeClr val="accent1"/>
+                      </a:effectRef>
+                      <a:fontRef idx="minor">
+                        <a:schemeClr val="lt1"/>
+                      </a:fontRef>
+                    </p:style>
+                    <p:txBody>
+                      <a:bodyPr rtlCol="0" anchor="ctr"/>
+                      <a:lstStyle/>
+                      <a:p>
+                        <a:pPr algn="ctr"/>
+                        <a:r>
+                          <a:rPr lang="en-GB" dirty="0">
+                            <a:solidFill>
+                              <a:sysClr val="windowText" lastClr="000000"/>
+                            </a:solidFill>
+                          </a:rPr>
+                          <a:t>Total discriminator loss</a:t>
+                        </a:r>
+                      </a:p>
+                    </p:txBody>
+                  </p:sp>
+                  <p:grpSp>
+                    <p:nvGrpSpPr>
+                      <p:cNvPr id="27" name="Group 26">
+                        <a:extLst>
+                          <a:ext uri="{FF2B5EF4-FFF2-40B4-BE49-F238E27FC236}">
+                            <a16:creationId xmlns:a16="http://schemas.microsoft.com/office/drawing/2014/main" id="{DEC5F646-97E7-411E-83F5-48F3AE33B5D0}"/>
+                          </a:ext>
+                        </a:extLst>
+                      </p:cNvPr>
+                      <p:cNvGrpSpPr/>
+                      <p:nvPr/>
+                    </p:nvGrpSpPr>
+                    <p:grpSpPr>
+                      <a:xfrm>
+                        <a:off x="8127478" y="4255900"/>
+                        <a:ext cx="2168164" cy="2182605"/>
+                        <a:chOff x="8127478" y="4255900"/>
+                        <a:chExt cx="2168164" cy="2182605"/>
+                      </a:xfrm>
+                    </p:grpSpPr>
+                    <p:sp>
+                      <p:nvSpPr>
+                        <p:cNvPr id="9" name="Oval 8">
+                          <a:extLst>
+                            <a:ext uri="{FF2B5EF4-FFF2-40B4-BE49-F238E27FC236}">
+                              <a16:creationId xmlns:a16="http://schemas.microsoft.com/office/drawing/2014/main" id="{57646BED-B103-411C-A6B9-CFAD06D21C1F}"/>
+                            </a:ext>
+                          </a:extLst>
+                        </p:cNvPr>
+                        <p:cNvSpPr/>
+                        <p:nvPr/>
+                      </p:nvSpPr>
+                      <p:spPr>
+                        <a:xfrm>
+                          <a:off x="8127478" y="4255900"/>
+                          <a:ext cx="2168164" cy="1121724"/>
+                        </a:xfrm>
+                        <a:prstGeom prst="ellipse">
+                          <a:avLst/>
+                        </a:prstGeom>
+                        <a:gradFill flip="none" rotWithShape="1">
+                          <a:gsLst>
+                            <a:gs pos="0">
+                              <a:schemeClr val="accent1">
+                                <a:lumMod val="60000"/>
+                                <a:lumOff val="40000"/>
+                                <a:tint val="66000"/>
+                                <a:satMod val="160000"/>
+                              </a:schemeClr>
+                            </a:gs>
+                            <a:gs pos="50000">
+                              <a:schemeClr val="accent1">
+                                <a:lumMod val="60000"/>
+                                <a:lumOff val="40000"/>
+                                <a:tint val="44500"/>
+                                <a:satMod val="160000"/>
+                              </a:schemeClr>
+                            </a:gs>
+                            <a:gs pos="100000">
+                              <a:schemeClr val="accent1">
+                                <a:lumMod val="60000"/>
+                                <a:lumOff val="40000"/>
+                                <a:tint val="23500"/>
+                                <a:satMod val="160000"/>
+                              </a:schemeClr>
+                            </a:gs>
+                          </a:gsLst>
+                          <a:path path="circle">
+                            <a:fillToRect l="50000" t="50000" r="50000" b="50000"/>
+                          </a:path>
+                          <a:tileRect/>
+                        </a:gradFill>
+                        <a:ln>
+                          <a:solidFill>
+                            <a:schemeClr val="accent1"/>
+                          </a:solidFill>
+                        </a:ln>
+                      </p:spPr>
+                      <p:style>
+                        <a:lnRef idx="2">
+                          <a:schemeClr val="accent1">
+                            <a:shade val="50000"/>
+                          </a:schemeClr>
+                        </a:lnRef>
+                        <a:fillRef idx="1">
+                          <a:schemeClr val="accent1"/>
+                        </a:fillRef>
+                        <a:effectRef idx="0">
+                          <a:schemeClr val="accent1"/>
+                        </a:effectRef>
+                        <a:fontRef idx="minor">
+                          <a:schemeClr val="lt1"/>
+                        </a:fontRef>
+                      </p:style>
+                      <p:txBody>
+                        <a:bodyPr rtlCol="0" anchor="ctr"/>
+                        <a:lstStyle/>
+                        <a:p>
+                          <a:pPr algn="ctr"/>
+                          <a:r>
+                            <a:rPr lang="en-GB" dirty="0">
+                              <a:solidFill>
+                                <a:sysClr val="windowText" lastClr="000000"/>
+                              </a:solidFill>
+                            </a:rPr>
+                            <a:t>Fake discriminator loss</a:t>
+                          </a:r>
+                        </a:p>
+                      </p:txBody>
+                    </p:sp>
+                    <p:sp>
+                      <p:nvSpPr>
+                        <p:cNvPr id="18" name="Rectangle 17">
+                          <a:extLst>
+                            <a:ext uri="{FF2B5EF4-FFF2-40B4-BE49-F238E27FC236}">
+                              <a16:creationId xmlns:a16="http://schemas.microsoft.com/office/drawing/2014/main" id="{B1B01374-E51F-440A-912A-8DF2095F4F5E}"/>
+                            </a:ext>
+                          </a:extLst>
+                        </p:cNvPr>
+                        <p:cNvSpPr/>
+                        <p:nvPr/>
+                      </p:nvSpPr>
+                      <p:spPr>
+                        <a:xfrm>
+                          <a:off x="8490410" y="5898622"/>
+                          <a:ext cx="1442301" cy="539883"/>
+                        </a:xfrm>
+                        <a:prstGeom prst="rect">
+                          <a:avLst/>
+                        </a:prstGeom>
+                        <a:solidFill>
+                          <a:srgbClr val="FF7C80"/>
+                        </a:solidFill>
+                        <a:ln>
+                          <a:solidFill>
+                            <a:schemeClr val="tx1"/>
+                          </a:solidFill>
+                        </a:ln>
+                      </p:spPr>
+                      <p:style>
+                        <a:lnRef idx="2">
+                          <a:schemeClr val="accent1">
+                            <a:shade val="50000"/>
+                          </a:schemeClr>
+                        </a:lnRef>
+                        <a:fillRef idx="1">
+                          <a:schemeClr val="accent1"/>
+                        </a:fillRef>
+                        <a:effectRef idx="0">
+                          <a:schemeClr val="accent1"/>
+                        </a:effectRef>
+                        <a:fontRef idx="minor">
+                          <a:schemeClr val="lt1"/>
+                        </a:fontRef>
+                      </p:style>
+                      <p:txBody>
+                        <a:bodyPr rtlCol="0" anchor="ctr"/>
+                        <a:lstStyle/>
+                        <a:p>
+                          <a:pPr algn="ctr"/>
+                          <a:r>
+                            <a:rPr lang="en-GB" dirty="0"/>
+                            <a:t>‘fake’ label</a:t>
+                          </a:r>
+                        </a:p>
+                      </p:txBody>
+                    </p:sp>
+                    <p:cxnSp>
+                      <p:nvCxnSpPr>
+                        <p:cNvPr id="21" name="Straight Arrow Connector 20">
+                          <a:extLst>
+                            <a:ext uri="{FF2B5EF4-FFF2-40B4-BE49-F238E27FC236}">
+                              <a16:creationId xmlns:a16="http://schemas.microsoft.com/office/drawing/2014/main" id="{E7ACA827-8B81-430F-A5F0-5F698986141A}"/>
+                            </a:ext>
+                          </a:extLst>
+                        </p:cNvPr>
+                        <p:cNvCxnSpPr>
+                          <a:stCxn id="18" idx="0"/>
+                          <a:endCxn id="9" idx="4"/>
+                        </p:cNvCxnSpPr>
+                        <p:nvPr/>
+                      </p:nvCxnSpPr>
+                      <p:spPr>
+                        <a:xfrm flipH="1" flipV="1">
+                          <a:off x="9211560" y="5377624"/>
+                          <a:ext cx="1" cy="520998"/>
+                        </a:xfrm>
+                        <a:prstGeom prst="straightConnector1">
+                          <a:avLst/>
+                        </a:prstGeom>
+                        <a:ln w="19050">
+                          <a:tailEnd type="triangle"/>
+                        </a:ln>
+                      </p:spPr>
+                      <p:style>
+                        <a:lnRef idx="1">
+                          <a:schemeClr val="dk1"/>
+                        </a:lnRef>
+                        <a:fillRef idx="0">
+                          <a:schemeClr val="dk1"/>
+                        </a:fillRef>
+                        <a:effectRef idx="0">
+                          <a:schemeClr val="dk1"/>
+                        </a:effectRef>
+                        <a:fontRef idx="minor">
+                          <a:schemeClr val="tx1"/>
+                        </a:fontRef>
+                      </p:style>
+                    </p:cxnSp>
+                  </p:grpSp>
+                  <p:grpSp>
+                    <p:nvGrpSpPr>
+                      <p:cNvPr id="26" name="Group 25">
+                        <a:extLst>
+                          <a:ext uri="{FF2B5EF4-FFF2-40B4-BE49-F238E27FC236}">
+                            <a16:creationId xmlns:a16="http://schemas.microsoft.com/office/drawing/2014/main" id="{2069FD15-6F02-46C2-8C3C-834DCFF0E895}"/>
+                          </a:ext>
+                        </a:extLst>
+                      </p:cNvPr>
+                      <p:cNvGrpSpPr/>
+                      <p:nvPr/>
+                    </p:nvGrpSpPr>
+                    <p:grpSpPr>
+                      <a:xfrm>
+                        <a:off x="1137920" y="4255900"/>
+                        <a:ext cx="2168164" cy="2182606"/>
+                        <a:chOff x="1137920" y="4255900"/>
+                        <a:chExt cx="2168164" cy="2182606"/>
+                      </a:xfrm>
+                    </p:grpSpPr>
+                    <p:sp>
+                      <p:nvSpPr>
+                        <p:cNvPr id="10" name="Oval 9">
+                          <a:extLst>
+                            <a:ext uri="{FF2B5EF4-FFF2-40B4-BE49-F238E27FC236}">
+                              <a16:creationId xmlns:a16="http://schemas.microsoft.com/office/drawing/2014/main" id="{60E2EBC9-5E48-4126-ABC1-06E7FB1CEA66}"/>
+                            </a:ext>
+                          </a:extLst>
+                        </p:cNvPr>
+                        <p:cNvSpPr/>
+                        <p:nvPr/>
+                      </p:nvSpPr>
+                      <p:spPr>
+                        <a:xfrm>
+                          <a:off x="1137920" y="4255900"/>
+                          <a:ext cx="2168164" cy="1121724"/>
+                        </a:xfrm>
+                        <a:prstGeom prst="ellipse">
+                          <a:avLst/>
+                        </a:prstGeom>
+                        <a:gradFill flip="none" rotWithShape="1">
+                          <a:gsLst>
+                            <a:gs pos="0">
+                              <a:schemeClr val="accent1">
+                                <a:lumMod val="60000"/>
+                                <a:lumOff val="40000"/>
+                                <a:tint val="66000"/>
+                                <a:satMod val="160000"/>
+                              </a:schemeClr>
+                            </a:gs>
+                            <a:gs pos="50000">
+                              <a:schemeClr val="accent1">
+                                <a:lumMod val="60000"/>
+                                <a:lumOff val="40000"/>
+                                <a:tint val="44500"/>
+                                <a:satMod val="160000"/>
+                              </a:schemeClr>
+                            </a:gs>
+                            <a:gs pos="100000">
+                              <a:schemeClr val="accent1">
+                                <a:lumMod val="60000"/>
+                                <a:lumOff val="40000"/>
+                                <a:tint val="23500"/>
+                                <a:satMod val="160000"/>
+                              </a:schemeClr>
+                            </a:gs>
+                          </a:gsLst>
+                          <a:path path="circle">
+                            <a:fillToRect l="50000" t="50000" r="50000" b="50000"/>
+                          </a:path>
+                          <a:tileRect/>
+                        </a:gradFill>
+                        <a:ln>
+                          <a:solidFill>
+                            <a:schemeClr val="accent1"/>
+                          </a:solidFill>
+                        </a:ln>
+                      </p:spPr>
+                      <p:style>
+                        <a:lnRef idx="2">
+                          <a:schemeClr val="accent1">
+                            <a:shade val="50000"/>
+                          </a:schemeClr>
+                        </a:lnRef>
+                        <a:fillRef idx="1">
+                          <a:schemeClr val="accent1"/>
+                        </a:fillRef>
+                        <a:effectRef idx="0">
+                          <a:schemeClr val="accent1"/>
+                        </a:effectRef>
+                        <a:fontRef idx="minor">
+                          <a:schemeClr val="lt1"/>
+                        </a:fontRef>
+                      </p:style>
+                      <p:txBody>
+                        <a:bodyPr rtlCol="0" anchor="ctr"/>
+                        <a:lstStyle/>
+                        <a:p>
+                          <a:pPr algn="ctr"/>
+                          <a:r>
+                            <a:rPr lang="en-GB" dirty="0">
+                              <a:solidFill>
+                                <a:sysClr val="windowText" lastClr="000000"/>
+                              </a:solidFill>
+                            </a:rPr>
+                            <a:t>Real discriminator loss</a:t>
+                          </a:r>
+                        </a:p>
+                      </p:txBody>
+                    </p:sp>
+                    <p:cxnSp>
+                      <p:nvCxnSpPr>
+                        <p:cNvPr id="23" name="Straight Arrow Connector 22">
+                          <a:extLst>
+                            <a:ext uri="{FF2B5EF4-FFF2-40B4-BE49-F238E27FC236}">
+                              <a16:creationId xmlns:a16="http://schemas.microsoft.com/office/drawing/2014/main" id="{0A423E04-069E-4505-A4F3-D048CBB93540}"/>
+                            </a:ext>
+                          </a:extLst>
+                        </p:cNvPr>
+                        <p:cNvCxnSpPr>
+                          <a:cxnSpLocks/>
+                          <a:stCxn id="19" idx="0"/>
+                          <a:endCxn id="10" idx="4"/>
+                        </p:cNvCxnSpPr>
+                        <p:nvPr/>
+                      </p:nvCxnSpPr>
+                      <p:spPr>
+                        <a:xfrm flipV="1">
+                          <a:off x="2222002" y="5377624"/>
+                          <a:ext cx="0" cy="520999"/>
+                        </a:xfrm>
+                        <a:prstGeom prst="straightConnector1">
+                          <a:avLst/>
+                        </a:prstGeom>
+                        <a:ln w="19050">
+                          <a:tailEnd type="triangle"/>
+                        </a:ln>
+                      </p:spPr>
+                      <p:style>
+                        <a:lnRef idx="1">
+                          <a:schemeClr val="dk1"/>
+                        </a:lnRef>
+                        <a:fillRef idx="0">
+                          <a:schemeClr val="dk1"/>
+                        </a:fillRef>
+                        <a:effectRef idx="0">
+                          <a:schemeClr val="dk1"/>
+                        </a:effectRef>
+                        <a:fontRef idx="minor">
+                          <a:schemeClr val="tx1"/>
+                        </a:fontRef>
+                      </p:style>
+                    </p:cxnSp>
+                    <p:sp>
+                      <p:nvSpPr>
+                        <p:cNvPr id="19" name="Rectangle 18">
+                          <a:extLst>
+                            <a:ext uri="{FF2B5EF4-FFF2-40B4-BE49-F238E27FC236}">
+                              <a16:creationId xmlns:a16="http://schemas.microsoft.com/office/drawing/2014/main" id="{DDCFE481-6471-42AE-97D8-520B36C80C70}"/>
+                            </a:ext>
+                          </a:extLst>
+                        </p:cNvPr>
+                        <p:cNvSpPr/>
+                        <p:nvPr/>
+                      </p:nvSpPr>
+                      <p:spPr>
+                        <a:xfrm>
+                          <a:off x="1500851" y="5898623"/>
+                          <a:ext cx="1442301" cy="539883"/>
+                        </a:xfrm>
+                        <a:prstGeom prst="rect">
+                          <a:avLst/>
+                        </a:prstGeom>
+                        <a:solidFill>
+                          <a:schemeClr val="accent6">
+                            <a:lumMod val="60000"/>
+                            <a:lumOff val="40000"/>
+                          </a:schemeClr>
+                        </a:solidFill>
+                        <a:ln>
+                          <a:solidFill>
+                            <a:schemeClr val="tx1"/>
+                          </a:solidFill>
+                        </a:ln>
+                      </p:spPr>
+                      <p:style>
+                        <a:lnRef idx="2">
+                          <a:schemeClr val="accent1">
+                            <a:shade val="50000"/>
+                          </a:schemeClr>
+                        </a:lnRef>
+                        <a:fillRef idx="1">
+                          <a:schemeClr val="accent1"/>
+                        </a:fillRef>
+                        <a:effectRef idx="0">
+                          <a:schemeClr val="accent1"/>
+                        </a:effectRef>
+                        <a:fontRef idx="minor">
+                          <a:schemeClr val="lt1"/>
+                        </a:fontRef>
+                      </p:style>
+                      <p:txBody>
+                        <a:bodyPr rtlCol="0" anchor="ctr"/>
+                        <a:lstStyle/>
+                        <a:p>
+                          <a:pPr algn="ctr"/>
+                          <a:r>
+                            <a:rPr lang="en-GB" dirty="0"/>
+                            <a:t>‘real’ label</a:t>
+                          </a:r>
+                        </a:p>
+                      </p:txBody>
+                    </p:sp>
+                  </p:grpSp>
+                  <p:cxnSp>
+                    <p:nvCxnSpPr>
+                      <p:cNvPr id="28" name="Straight Arrow Connector 27">
+                        <a:extLst>
+                          <a:ext uri="{FF2B5EF4-FFF2-40B4-BE49-F238E27FC236}">
+                            <a16:creationId xmlns:a16="http://schemas.microsoft.com/office/drawing/2014/main" id="{F2C11F96-B555-4FFD-8548-FC150C24A03A}"/>
+                          </a:ext>
+                        </a:extLst>
+                      </p:cNvPr>
+                      <p:cNvCxnSpPr>
+                        <a:cxnSpLocks/>
+                        <a:stCxn id="10" idx="5"/>
+                        <a:endCxn id="11" idx="2"/>
+                      </p:cNvCxnSpPr>
+                      <p:nvPr/>
+                    </p:nvCxnSpPr>
+                    <p:spPr>
+                      <a:xfrm>
+                        <a:off x="2988564" y="5213351"/>
+                        <a:ext cx="1644135" cy="857544"/>
+                      </a:xfrm>
+                      <a:prstGeom prst="straightConnector1">
+                        <a:avLst/>
+                      </a:prstGeom>
+                      <a:ln w="19050">
+                        <a:tailEnd type="triangle"/>
+                      </a:ln>
+                    </p:spPr>
+                    <p:style>
+                      <a:lnRef idx="1">
+                        <a:schemeClr val="dk1"/>
+                      </a:lnRef>
+                      <a:fillRef idx="0">
+                        <a:schemeClr val="dk1"/>
+                      </a:fillRef>
+                      <a:effectRef idx="0">
+                        <a:schemeClr val="dk1"/>
+                      </a:effectRef>
+                      <a:fontRef idx="minor">
+                        <a:schemeClr val="tx1"/>
+                      </a:fontRef>
+                    </p:style>
+                  </p:cxnSp>
+                  <p:cxnSp>
+                    <p:nvCxnSpPr>
+                      <p:cNvPr id="33" name="Straight Arrow Connector 32">
+                        <a:extLst>
+                          <a:ext uri="{FF2B5EF4-FFF2-40B4-BE49-F238E27FC236}">
+                            <a16:creationId xmlns:a16="http://schemas.microsoft.com/office/drawing/2014/main" id="{63925A6A-D9B9-4581-B8DF-B72746C4747A}"/>
+                          </a:ext>
+                        </a:extLst>
+                      </p:cNvPr>
+                      <p:cNvCxnSpPr>
+                        <a:cxnSpLocks/>
+                        <a:stCxn id="9" idx="3"/>
+                        <a:endCxn id="11" idx="6"/>
+                      </p:cNvCxnSpPr>
+                      <p:nvPr/>
+                    </p:nvCxnSpPr>
+                    <p:spPr>
+                      <a:xfrm flipH="1">
+                        <a:off x="6800863" y="5213351"/>
+                        <a:ext cx="1644135" cy="857544"/>
+                      </a:xfrm>
+                      <a:prstGeom prst="straightConnector1">
+                        <a:avLst/>
+                      </a:prstGeom>
+                      <a:ln w="19050">
+                        <a:tailEnd type="triangle"/>
+                      </a:ln>
+                    </p:spPr>
+                    <p:style>
+                      <a:lnRef idx="1">
+                        <a:schemeClr val="dk1"/>
+                      </a:lnRef>
+                      <a:fillRef idx="0">
+                        <a:schemeClr val="dk1"/>
+                      </a:fillRef>
+                      <a:effectRef idx="0">
+                        <a:schemeClr val="dk1"/>
+                      </a:effectRef>
+                      <a:fontRef idx="minor">
+                        <a:schemeClr val="tx1"/>
+                      </a:fontRef>
+                    </p:style>
+                  </p:cxnSp>
+                </p:grpSp>
+                <p:cxnSp>
+                  <p:nvCxnSpPr>
+                    <p:cNvPr id="64" name="Straight Arrow Connector 63">
+                      <a:extLst>
+                        <a:ext uri="{FF2B5EF4-FFF2-40B4-BE49-F238E27FC236}">
+                          <a16:creationId xmlns:a16="http://schemas.microsoft.com/office/drawing/2014/main" id="{57AA4799-FD8C-4899-8AAE-D8AD0E17BFED}"/>
+                        </a:ext>
+                      </a:extLst>
+                    </p:cNvPr>
+                    <p:cNvCxnSpPr>
+                      <a:cxnSpLocks/>
+                    </p:cNvCxnSpPr>
+                    <p:nvPr/>
+                  </p:nvCxnSpPr>
+                  <p:spPr>
+                    <a:xfrm flipV="1">
+                      <a:off x="3679078" y="4816762"/>
+                      <a:ext cx="1083867" cy="673291"/>
+                    </a:xfrm>
+                    <a:prstGeom prst="straightConnector1">
+                      <a:avLst/>
+                    </a:prstGeom>
+                    <a:ln w="19050">
+                      <a:tailEnd type="triangle"/>
+                    </a:ln>
+                  </p:spPr>
+                  <p:style>
+                    <a:lnRef idx="1">
+                      <a:schemeClr val="dk1"/>
+                    </a:lnRef>
+                    <a:fillRef idx="0">
+                      <a:schemeClr val="dk1"/>
+                    </a:fillRef>
+                    <a:effectRef idx="0">
+                      <a:schemeClr val="dk1"/>
+                    </a:effectRef>
+                    <a:fontRef idx="minor">
+                      <a:schemeClr val="tx1"/>
+                    </a:fontRef>
+                  </p:style>
+                </p:cxnSp>
+              </p:grpSp>
+            </p:grpSp>
+            <p:cxnSp>
+              <p:nvCxnSpPr>
+                <p:cNvPr id="79" name="Straight Arrow Connector 78">
+                  <a:extLst>
+                    <a:ext uri="{FF2B5EF4-FFF2-40B4-BE49-F238E27FC236}">
+                      <a16:creationId xmlns:a16="http://schemas.microsoft.com/office/drawing/2014/main" id="{85819E7C-D65A-4826-A7EE-B2B433E1F0A5}"/>
+                    </a:ext>
+                  </a:extLst>
+                </p:cNvPr>
+                <p:cNvCxnSpPr>
+                  <a:cxnSpLocks/>
+                  <a:stCxn id="2" idx="2"/>
+                  <a:endCxn id="10" idx="0"/>
+                </p:cNvCxnSpPr>
+                <p:nvPr/>
+              </p:nvCxnSpPr>
+              <p:spPr>
+                <a:xfrm>
+                  <a:off x="1950720" y="3659485"/>
+                  <a:ext cx="334892" cy="455522"/>
+                </a:xfrm>
+                <a:prstGeom prst="straightConnector1">
+                  <a:avLst/>
+                </a:prstGeom>
+                <a:ln w="19050">
+                  <a:tailEnd type="triangle"/>
+                </a:ln>
+              </p:spPr>
+              <p:style>
+                <a:lnRef idx="1">
+                  <a:schemeClr val="dk1"/>
+                </a:lnRef>
+                <a:fillRef idx="0">
+                  <a:schemeClr val="dk1"/>
+                </a:fillRef>
+                <a:effectRef idx="0">
+                  <a:schemeClr val="dk1"/>
+                </a:effectRef>
+                <a:fontRef idx="minor">
+                  <a:schemeClr val="tx1"/>
+                </a:fontRef>
+              </p:style>
+            </p:cxnSp>
+          </p:grpSp>
+          <p:sp>
+            <p:nvSpPr>
+              <p:cNvPr id="31" name="Rectangle 30">
+                <a:extLst>
+                  <a:ext uri="{FF2B5EF4-FFF2-40B4-BE49-F238E27FC236}">
+                    <a16:creationId xmlns:a16="http://schemas.microsoft.com/office/drawing/2014/main" id="{A61C9484-1AB5-4BCB-A154-032507373BD6}"/>
+                  </a:ext>
+                </a:extLst>
+              </p:cNvPr>
+              <p:cNvSpPr/>
+              <p:nvPr/>
+            </p:nvSpPr>
+            <p:spPr>
+              <a:xfrm>
+                <a:off x="650240" y="2039303"/>
+                <a:ext cx="5445760" cy="1754860"/>
+              </a:xfrm>
+              <a:prstGeom prst="rect">
+                <a:avLst/>
+              </a:prstGeom>
+              <a:noFill/>
+              <a:ln w="28575">
+                <a:solidFill>
+                  <a:schemeClr val="tx1"/>
+                </a:solidFill>
+                <a:prstDash val="dash"/>
+              </a:ln>
+            </p:spPr>
+            <p:style>
+              <a:lnRef idx="2">
+                <a:schemeClr val="accent1">
+                  <a:shade val="50000"/>
+                </a:schemeClr>
+              </a:lnRef>
+              <a:fillRef idx="1">
+                <a:schemeClr val="accent1"/>
+              </a:fillRef>
+              <a:effectRef idx="0">
+                <a:schemeClr val="accent1"/>
+              </a:effectRef>
+              <a:fontRef idx="minor">
+                <a:schemeClr val="lt1"/>
+              </a:fontRef>
+            </p:style>
+            <p:txBody>
+              <a:bodyPr rtlCol="0" anchor="ctr"/>
+              <a:lstStyle/>
+              <a:p>
+                <a:pPr algn="ctr"/>
+                <a:endParaRPr lang="en-GB"/>
+              </a:p>
+            </p:txBody>
+          </p:sp>
+          <p:sp>
+            <p:nvSpPr>
+              <p:cNvPr id="52" name="TextBox 51">
+                <a:extLst>
+                  <a:ext uri="{FF2B5EF4-FFF2-40B4-BE49-F238E27FC236}">
+                    <a16:creationId xmlns:a16="http://schemas.microsoft.com/office/drawing/2014/main" id="{F7CFAEA8-AB5D-4749-8481-74046ED90203}"/>
+                  </a:ext>
+                </a:extLst>
+              </p:cNvPr>
+              <p:cNvSpPr txBox="1"/>
+              <p:nvPr/>
+            </p:nvSpPr>
+            <p:spPr>
+              <a:xfrm>
+                <a:off x="6087185" y="2597265"/>
+                <a:ext cx="1554576" cy="646331"/>
+              </a:xfrm>
+              <a:prstGeom prst="rect">
+                <a:avLst/>
+              </a:prstGeom>
+              <a:noFill/>
+            </p:spPr>
+            <p:txBody>
+              <a:bodyPr wrap="square" rtlCol="0">
+                <a:spAutoFit/>
+              </a:bodyPr>
+              <a:lstStyle/>
+              <a:p>
+                <a:r>
+                  <a:rPr lang="en-GB" dirty="0"/>
+                  <a:t>Discriminators share weights</a:t>
+                </a:r>
+              </a:p>
+            </p:txBody>
+          </p:sp>
+        </p:grpSp>
+        <p:cxnSp>
+          <p:nvCxnSpPr>
+            <p:cNvPr id="63" name="Straight Arrow Connector 62">
+              <a:extLst>
+                <a:ext uri="{FF2B5EF4-FFF2-40B4-BE49-F238E27FC236}">
+                  <a16:creationId xmlns:a16="http://schemas.microsoft.com/office/drawing/2014/main" id="{36C73E04-3189-4C64-ACB3-0D28EB8E606A}"/>
+                </a:ext>
+              </a:extLst>
+            </p:cNvPr>
+            <p:cNvCxnSpPr>
+              <a:cxnSpLocks/>
+              <a:endCxn id="3" idx="0"/>
+            </p:cNvCxnSpPr>
+            <p:nvPr/>
+          </p:nvCxnSpPr>
+          <p:spPr>
+            <a:xfrm>
+              <a:off x="4723115" y="1941749"/>
+              <a:ext cx="0" cy="296750"/>
+            </a:xfrm>
+            <a:prstGeom prst="straightConnector1">
+              <a:avLst/>
+            </a:prstGeom>
+            <a:ln w="19050">
+              <a:prstDash val="dash"/>
+              <a:tailEnd type="triangle"/>
+            </a:ln>
+          </p:spPr>
+          <p:style>
+            <a:lnRef idx="1">
+              <a:schemeClr val="dk1"/>
+            </a:lnRef>
+            <a:fillRef idx="0">
+              <a:schemeClr val="dk1"/>
+            </a:fillRef>
+            <a:effectRef idx="0">
+              <a:schemeClr val="dk1"/>
+            </a:effectRef>
+            <a:fontRef idx="minor">
+              <a:schemeClr val="tx1"/>
+            </a:fontRef>
+          </p:style>
+        </p:cxnSp>
+      </p:grpSp>
+    </p:spTree>
+    <p:extLst>
+      <p:ext uri="{BB962C8B-B14F-4D97-AF65-F5344CB8AC3E}">
+        <p14:creationId xmlns:p14="http://schemas.microsoft.com/office/powerpoint/2010/main" val="1304647823"/>
+      </p:ext>
+    </p:extLst>
+  </p:cSld>
+  <p:clrMapOvr>
+    <a:masterClrMapping/>
+  </p:clrMapOvr>
+</p:sld>
+</file>
+
 <file path=ppt/slides/slide2.xml><?xml version="1.0" encoding="utf-8"?>
 <p:sld xmlns:a="http://schemas.openxmlformats.org/drawingml/2006/main" xmlns:r="http://schemas.openxmlformats.org/officeDocument/2006/relationships" xmlns:p="http://schemas.openxmlformats.org/presentationml/2006/main">
   <p:cSld>
@@ -10107,6 +12060,188 @@
     <p:extLst>
       <p:ext uri="{BB962C8B-B14F-4D97-AF65-F5344CB8AC3E}">
         <p14:creationId xmlns:p14="http://schemas.microsoft.com/office/powerpoint/2010/main" val="1231363515"/>
+      </p:ext>
+    </p:extLst>
+  </p:cSld>
+  <p:clrMapOvr>
+    <a:masterClrMapping/>
+  </p:clrMapOvr>
+</p:sld>
+</file>
+
+<file path=ppt/slides/slide9.xml><?xml version="1.0" encoding="utf-8"?>
+<p:sld xmlns:a="http://schemas.openxmlformats.org/drawingml/2006/main" xmlns:r="http://schemas.openxmlformats.org/officeDocument/2006/relationships" xmlns:p="http://schemas.openxmlformats.org/presentationml/2006/main">
+  <p:cSld>
+    <p:spTree>
+      <p:nvGrpSpPr>
+        <p:cNvPr id="1" name=""/>
+        <p:cNvGrpSpPr/>
+        <p:nvPr/>
+      </p:nvGrpSpPr>
+      <p:grpSpPr>
+        <a:xfrm>
+          <a:off x="0" y="0"/>
+          <a:ext cx="0" cy="0"/>
+          <a:chOff x="0" y="0"/>
+          <a:chExt cx="0" cy="0"/>
+        </a:xfrm>
+      </p:grpSpPr>
+      <p:pic>
+        <p:nvPicPr>
+          <p:cNvPr id="11" name="Picture 10">
+            <a:extLst>
+              <a:ext uri="{FF2B5EF4-FFF2-40B4-BE49-F238E27FC236}">
+                <a16:creationId xmlns:a16="http://schemas.microsoft.com/office/drawing/2014/main" id="{DF2C51A2-FAE5-4156-BF1F-960AA8CEAEE8}"/>
+              </a:ext>
+            </a:extLst>
+          </p:cNvPr>
+          <p:cNvPicPr>
+            <a:picLocks noChangeAspect="1"/>
+          </p:cNvPicPr>
+          <p:nvPr/>
+        </p:nvPicPr>
+        <p:blipFill rotWithShape="1">
+          <a:blip r:embed="rId2">
+            <a:extLst>
+              <a:ext uri="{28A0092B-C50C-407E-A947-70E740481C1C}">
+                <a14:useLocalDpi xmlns:a14="http://schemas.microsoft.com/office/drawing/2010/main" val="0"/>
+              </a:ext>
+            </a:extLst>
+          </a:blip>
+          <a:srcRect l="6516" t="6460" r="8136" b="52302"/>
+          <a:stretch/>
+        </p:blipFill>
+        <p:spPr>
+          <a:xfrm>
+            <a:off x="195511" y="153918"/>
+            <a:ext cx="5751488" cy="3930402"/>
+          </a:xfrm>
+          <a:prstGeom prst="rect">
+            <a:avLst/>
+          </a:prstGeom>
+        </p:spPr>
+      </p:pic>
+      <p:pic>
+        <p:nvPicPr>
+          <p:cNvPr id="13" name="Picture 12">
+            <a:extLst>
+              <a:ext uri="{FF2B5EF4-FFF2-40B4-BE49-F238E27FC236}">
+                <a16:creationId xmlns:a16="http://schemas.microsoft.com/office/drawing/2014/main" id="{4701718B-EE51-4310-8101-8C6B94DAE845}"/>
+              </a:ext>
+            </a:extLst>
+          </p:cNvPr>
+          <p:cNvPicPr>
+            <a:picLocks noChangeAspect="1"/>
+          </p:cNvPicPr>
+          <p:nvPr/>
+        </p:nvPicPr>
+        <p:blipFill rotWithShape="1">
+          <a:blip r:embed="rId3">
+            <a:extLst>
+              <a:ext uri="{28A0092B-C50C-407E-A947-70E740481C1C}">
+                <a14:useLocalDpi xmlns:a14="http://schemas.microsoft.com/office/drawing/2010/main" val="0"/>
+              </a:ext>
+            </a:extLst>
+          </a:blip>
+          <a:srcRect l="4883" t="6240" r="9770" b="52524"/>
+          <a:stretch/>
+        </p:blipFill>
+        <p:spPr>
+          <a:xfrm>
+            <a:off x="6245003" y="287524"/>
+            <a:ext cx="5555978" cy="3796796"/>
+          </a:xfrm>
+          <a:prstGeom prst="rect">
+            <a:avLst/>
+          </a:prstGeom>
+        </p:spPr>
+      </p:pic>
+      <p:sp>
+        <p:nvSpPr>
+          <p:cNvPr id="14" name="TextBox 13">
+            <a:extLst>
+              <a:ext uri="{FF2B5EF4-FFF2-40B4-BE49-F238E27FC236}">
+                <a16:creationId xmlns:a16="http://schemas.microsoft.com/office/drawing/2014/main" id="{EE57C43F-9806-471E-A464-FFFD03890525}"/>
+              </a:ext>
+            </a:extLst>
+          </p:cNvPr>
+          <p:cNvSpPr txBox="1"/>
+          <p:nvPr/>
+        </p:nvSpPr>
+        <p:spPr>
+          <a:xfrm>
+            <a:off x="1001829" y="4084320"/>
+            <a:ext cx="4138851" cy="646331"/>
+          </a:xfrm>
+          <a:prstGeom prst="rect">
+            <a:avLst/>
+          </a:prstGeom>
+          <a:noFill/>
+        </p:spPr>
+        <p:txBody>
+          <a:bodyPr wrap="square" rtlCol="0">
+            <a:spAutoFit/>
+          </a:bodyPr>
+          <a:lstStyle/>
+          <a:p>
+            <a:r>
+              <a:rPr lang="en-GB" dirty="0"/>
+              <a:t>30 outputs, 128 train batch size, LR 1e-3, test batch 500</a:t>
+            </a:r>
+          </a:p>
+        </p:txBody>
+      </p:sp>
+      <p:sp>
+        <p:nvSpPr>
+          <p:cNvPr id="19" name="TextBox 18">
+            <a:extLst>
+              <a:ext uri="{FF2B5EF4-FFF2-40B4-BE49-F238E27FC236}">
+                <a16:creationId xmlns:a16="http://schemas.microsoft.com/office/drawing/2014/main" id="{DB8CA36B-6C1C-4449-846B-086AAB0CCBD8}"/>
+              </a:ext>
+            </a:extLst>
+          </p:cNvPr>
+          <p:cNvSpPr txBox="1"/>
+          <p:nvPr/>
+        </p:nvSpPr>
+        <p:spPr>
+          <a:xfrm>
+            <a:off x="7321349" y="4084320"/>
+            <a:ext cx="4138851" cy="1477328"/>
+          </a:xfrm>
+          <a:prstGeom prst="rect">
+            <a:avLst/>
+          </a:prstGeom>
+          <a:noFill/>
+        </p:spPr>
+        <p:txBody>
+          <a:bodyPr wrap="square" rtlCol="0">
+            <a:spAutoFit/>
+          </a:bodyPr>
+          <a:lstStyle/>
+          <a:p>
+            <a:r>
+              <a:rPr lang="en-GB" dirty="0"/>
+              <a:t>100 outputs, 128 train batch size, LR 1e-3, test batch 500</a:t>
+            </a:r>
+          </a:p>
+          <a:p>
+            <a:r>
+              <a:rPr lang="en-GB" dirty="0"/>
+              <a:t>Simple norm (-0.5 to 0.5)</a:t>
+            </a:r>
+          </a:p>
+          <a:p>
+            <a:r>
+              <a:rPr lang="en-GB" dirty="0"/>
+              <a:t>Complex norm (mean and standard deviation)</a:t>
+            </a:r>
+          </a:p>
+        </p:txBody>
+      </p:sp>
+    </p:spTree>
+    <p:extLst>
+      <p:ext uri="{BB962C8B-B14F-4D97-AF65-F5344CB8AC3E}">
+        <p14:creationId xmlns:p14="http://schemas.microsoft.com/office/powerpoint/2010/main" val="354087843"/>
       </p:ext>
     </p:extLst>
   </p:cSld>

--- a/Compiled graphs.pptx
+++ b/Compiled graphs.pptx
@@ -6,10 +6,10 @@
     <p:sldMasterId id="2147483660" r:id="rId2"/>
   </p:sldMasterIdLst>
   <p:notesMasterIdLst>
-    <p:notesMasterId r:id="rId13"/>
+    <p:notesMasterId r:id="rId14"/>
   </p:notesMasterIdLst>
   <p:handoutMasterIdLst>
-    <p:handoutMasterId r:id="rId14"/>
+    <p:handoutMasterId r:id="rId15"/>
   </p:handoutMasterIdLst>
   <p:sldIdLst>
     <p:sldId id="257" r:id="rId3"/>
@@ -22,6 +22,7 @@
     <p:sldId id="262" r:id="rId10"/>
     <p:sldId id="267" r:id="rId11"/>
     <p:sldId id="268" r:id="rId12"/>
+    <p:sldId id="269" r:id="rId13"/>
   </p:sldIdLst>
   <p:sldSz cx="12192000" cy="6858000"/>
   <p:notesSz cx="6858000" cy="9144000"/>
@@ -9577,6 +9578,218 @@
 </p:sld>
 </file>
 
+<file path=ppt/slides/slide11.xml><?xml version="1.0" encoding="utf-8"?>
+<p:sld xmlns:a="http://schemas.openxmlformats.org/drawingml/2006/main" xmlns:r="http://schemas.openxmlformats.org/officeDocument/2006/relationships" xmlns:p="http://schemas.openxmlformats.org/presentationml/2006/main">
+  <p:cSld>
+    <p:spTree>
+      <p:nvGrpSpPr>
+        <p:cNvPr id="1" name=""/>
+        <p:cNvGrpSpPr/>
+        <p:nvPr/>
+      </p:nvGrpSpPr>
+      <p:grpSpPr>
+        <a:xfrm>
+          <a:off x="0" y="0"/>
+          <a:ext cx="0" cy="0"/>
+          <a:chOff x="0" y="0"/>
+          <a:chExt cx="0" cy="0"/>
+        </a:xfrm>
+      </p:grpSpPr>
+      <p:pic>
+        <p:nvPicPr>
+          <p:cNvPr id="2" name="Picture 1">
+            <a:extLst>
+              <a:ext uri="{FF2B5EF4-FFF2-40B4-BE49-F238E27FC236}">
+                <a16:creationId xmlns:a16="http://schemas.microsoft.com/office/drawing/2014/main" id="{6C865E77-6ED4-48BB-A7CB-BCE7D89B179D}"/>
+              </a:ext>
+            </a:extLst>
+          </p:cNvPr>
+          <p:cNvPicPr>
+            <a:picLocks noChangeAspect="1"/>
+          </p:cNvPicPr>
+          <p:nvPr/>
+        </p:nvPicPr>
+        <p:blipFill rotWithShape="1">
+          <a:blip r:embed="rId2">
+            <a:extLst>
+              <a:ext uri="{28A0092B-C50C-407E-A947-70E740481C1C}">
+                <a14:useLocalDpi xmlns:a14="http://schemas.microsoft.com/office/drawing/2010/main" val="0"/>
+              </a:ext>
+            </a:extLst>
+          </a:blip>
+          <a:srcRect l="1598" t="1955" b="50371"/>
+          <a:stretch/>
+        </p:blipFill>
+        <p:spPr>
+          <a:xfrm>
+            <a:off x="3749040" y="1066800"/>
+            <a:ext cx="4771382" cy="3269456"/>
+          </a:xfrm>
+          <a:prstGeom prst="rect">
+            <a:avLst/>
+          </a:prstGeom>
+        </p:spPr>
+      </p:pic>
+      <p:sp>
+        <p:nvSpPr>
+          <p:cNvPr id="3" name="TextBox 3">
+            <a:extLst>
+              <a:ext uri="{FF2B5EF4-FFF2-40B4-BE49-F238E27FC236}">
+                <a16:creationId xmlns:a16="http://schemas.microsoft.com/office/drawing/2014/main" id="{94FAC903-2274-4C65-8470-98B39789CCB2}"/>
+              </a:ext>
+            </a:extLst>
+          </p:cNvPr>
+          <p:cNvSpPr txBox="1"/>
+          <p:nvPr/>
+        </p:nvSpPr>
+        <p:spPr>
+          <a:xfrm>
+            <a:off x="4100629" y="4448016"/>
+            <a:ext cx="4138851" cy="1477328"/>
+          </a:xfrm>
+          <a:prstGeom prst="rect">
+            <a:avLst/>
+          </a:prstGeom>
+          <a:noFill/>
+        </p:spPr>
+        <p:txBody>
+          <a:bodyPr wrap="square" rtlCol="0">
+            <a:spAutoFit/>
+          </a:bodyPr>
+          <a:lstStyle>
+            <a:defPPr>
+              <a:defRPr lang="en-US"/>
+            </a:defPPr>
+            <a:lvl1pPr marL="0" algn="l" defTabSz="914400" rtl="0" eaLnBrk="1" latinLnBrk="0" hangingPunct="1">
+              <a:defRPr sz="1800" kern="1200">
+                <a:solidFill>
+                  <a:schemeClr val="tx1"/>
+                </a:solidFill>
+                <a:latin typeface="+mn-lt"/>
+                <a:ea typeface="+mn-ea"/>
+                <a:cs typeface="+mn-cs"/>
+              </a:defRPr>
+            </a:lvl1pPr>
+            <a:lvl2pPr marL="457200" algn="l" defTabSz="914400" rtl="0" eaLnBrk="1" latinLnBrk="0" hangingPunct="1">
+              <a:defRPr sz="1800" kern="1200">
+                <a:solidFill>
+                  <a:schemeClr val="tx1"/>
+                </a:solidFill>
+                <a:latin typeface="+mn-lt"/>
+                <a:ea typeface="+mn-ea"/>
+                <a:cs typeface="+mn-cs"/>
+              </a:defRPr>
+            </a:lvl2pPr>
+            <a:lvl3pPr marL="914400" algn="l" defTabSz="914400" rtl="0" eaLnBrk="1" latinLnBrk="0" hangingPunct="1">
+              <a:defRPr sz="1800" kern="1200">
+                <a:solidFill>
+                  <a:schemeClr val="tx1"/>
+                </a:solidFill>
+                <a:latin typeface="+mn-lt"/>
+                <a:ea typeface="+mn-ea"/>
+                <a:cs typeface="+mn-cs"/>
+              </a:defRPr>
+            </a:lvl3pPr>
+            <a:lvl4pPr marL="1371600" algn="l" defTabSz="914400" rtl="0" eaLnBrk="1" latinLnBrk="0" hangingPunct="1">
+              <a:defRPr sz="1800" kern="1200">
+                <a:solidFill>
+                  <a:schemeClr val="tx1"/>
+                </a:solidFill>
+                <a:latin typeface="+mn-lt"/>
+                <a:ea typeface="+mn-ea"/>
+                <a:cs typeface="+mn-cs"/>
+              </a:defRPr>
+            </a:lvl4pPr>
+            <a:lvl5pPr marL="1828800" algn="l" defTabSz="914400" rtl="0" eaLnBrk="1" latinLnBrk="0" hangingPunct="1">
+              <a:defRPr sz="1800" kern="1200">
+                <a:solidFill>
+                  <a:schemeClr val="tx1"/>
+                </a:solidFill>
+                <a:latin typeface="+mn-lt"/>
+                <a:ea typeface="+mn-ea"/>
+                <a:cs typeface="+mn-cs"/>
+              </a:defRPr>
+            </a:lvl5pPr>
+            <a:lvl6pPr marL="2286000" algn="l" defTabSz="914400" rtl="0" eaLnBrk="1" latinLnBrk="0" hangingPunct="1">
+              <a:defRPr sz="1800" kern="1200">
+                <a:solidFill>
+                  <a:schemeClr val="tx1"/>
+                </a:solidFill>
+                <a:latin typeface="+mn-lt"/>
+                <a:ea typeface="+mn-ea"/>
+                <a:cs typeface="+mn-cs"/>
+              </a:defRPr>
+            </a:lvl6pPr>
+            <a:lvl7pPr marL="2743200" algn="l" defTabSz="914400" rtl="0" eaLnBrk="1" latinLnBrk="0" hangingPunct="1">
+              <a:defRPr sz="1800" kern="1200">
+                <a:solidFill>
+                  <a:schemeClr val="tx1"/>
+                </a:solidFill>
+                <a:latin typeface="+mn-lt"/>
+                <a:ea typeface="+mn-ea"/>
+                <a:cs typeface="+mn-cs"/>
+              </a:defRPr>
+            </a:lvl7pPr>
+            <a:lvl8pPr marL="3200400" algn="l" defTabSz="914400" rtl="0" eaLnBrk="1" latinLnBrk="0" hangingPunct="1">
+              <a:defRPr sz="1800" kern="1200">
+                <a:solidFill>
+                  <a:schemeClr val="tx1"/>
+                </a:solidFill>
+                <a:latin typeface="+mn-lt"/>
+                <a:ea typeface="+mn-ea"/>
+                <a:cs typeface="+mn-cs"/>
+              </a:defRPr>
+            </a:lvl8pPr>
+            <a:lvl9pPr marL="3657600" algn="l" defTabSz="914400" rtl="0" eaLnBrk="1" latinLnBrk="0" hangingPunct="1">
+              <a:defRPr sz="1800" kern="1200">
+                <a:solidFill>
+                  <a:schemeClr val="tx1"/>
+                </a:solidFill>
+                <a:latin typeface="+mn-lt"/>
+                <a:ea typeface="+mn-ea"/>
+                <a:cs typeface="+mn-cs"/>
+              </a:defRPr>
+            </a:lvl9pPr>
+          </a:lstStyle>
+          <a:p>
+            <a:r>
+              <a:rPr lang="en-GB" dirty="0"/>
+              <a:t>100 outputs, 128 train batch size, LR 1e-3, test batch 500.</a:t>
+            </a:r>
+          </a:p>
+          <a:p>
+            <a:r>
+              <a:rPr lang="en-GB" dirty="0"/>
+              <a:t>2conv: 32, 64 filters</a:t>
+            </a:r>
+          </a:p>
+          <a:p>
+            <a:r>
+              <a:rPr lang="en-GB" dirty="0"/>
+              <a:t>2 conv many filters: 128, 256 filters</a:t>
+            </a:r>
+          </a:p>
+          <a:p>
+            <a:r>
+              <a:rPr lang="en-GB" dirty="0"/>
+              <a:t>6 conv: 32, 64, 96, 128, 160, 196</a:t>
+            </a:r>
+          </a:p>
+        </p:txBody>
+      </p:sp>
+    </p:spTree>
+    <p:extLst>
+      <p:ext uri="{BB962C8B-B14F-4D97-AF65-F5344CB8AC3E}">
+        <p14:creationId xmlns:p14="http://schemas.microsoft.com/office/powerpoint/2010/main" val="1254657178"/>
+      </p:ext>
+    </p:extLst>
+  </p:cSld>
+  <p:clrMapOvr>
+    <a:masterClrMapping/>
+  </p:clrMapOvr>
+</p:sld>
+</file>
+
 <file path=ppt/slides/slide2.xml><?xml version="1.0" encoding="utf-8"?>
 <p:sld xmlns:a="http://schemas.openxmlformats.org/drawingml/2006/main" xmlns:r="http://schemas.openxmlformats.org/officeDocument/2006/relationships" xmlns:p="http://schemas.openxmlformats.org/presentationml/2006/main">
   <p:cSld>

--- a/Compiled graphs.pptx
+++ b/Compiled graphs.pptx
@@ -6,10 +6,10 @@
     <p:sldMasterId id="2147483660" r:id="rId2"/>
   </p:sldMasterIdLst>
   <p:notesMasterIdLst>
-    <p:notesMasterId r:id="rId14"/>
+    <p:notesMasterId r:id="rId15"/>
   </p:notesMasterIdLst>
   <p:handoutMasterIdLst>
-    <p:handoutMasterId r:id="rId15"/>
+    <p:handoutMasterId r:id="rId16"/>
   </p:handoutMasterIdLst>
   <p:sldIdLst>
     <p:sldId id="257" r:id="rId3"/>
@@ -23,6 +23,7 @@
     <p:sldId id="267" r:id="rId11"/>
     <p:sldId id="268" r:id="rId12"/>
     <p:sldId id="269" r:id="rId13"/>
+    <p:sldId id="270" r:id="rId14"/>
   </p:sldIdLst>
   <p:sldSz cx="12192000" cy="6858000"/>
   <p:notesSz cx="6858000" cy="9144000"/>
@@ -394,7 +395,7 @@
           <a:p>
             <a:fld id="{D34097AA-F62E-482D-8D58-1B8F77A2395C}" type="datetimeFigureOut">
               <a:rPr lang="en-GB" smtClean="0"/>
-              <a:t>17/04/2018</a:t>
+              <a:t>22/04/2018</a:t>
             </a:fld>
             <a:endParaRPr lang="en-GB"/>
           </a:p>
@@ -571,7 +572,7 @@
           <a:p>
             <a:fld id="{1312CFC0-6A39-4A2C-AC24-6061EBE48B82}" type="datetimeFigureOut">
               <a:rPr lang="en-GB" smtClean="0"/>
-              <a:t>17/04/2018</a:t>
+              <a:t>22/04/2018</a:t>
             </a:fld>
             <a:endParaRPr lang="en-GB"/>
           </a:p>
@@ -988,7 +989,7 @@
           <a:p>
             <a:fld id="{F999EE6D-E52B-45B7-B943-4C650C77E21B}" type="datetimeFigureOut">
               <a:rPr lang="en-GB" smtClean="0"/>
-              <a:t>17/04/2018</a:t>
+              <a:t>22/04/2018</a:t>
             </a:fld>
             <a:endParaRPr lang="en-GB"/>
           </a:p>
@@ -1188,7 +1189,7 @@
           <a:p>
             <a:fld id="{F999EE6D-E52B-45B7-B943-4C650C77E21B}" type="datetimeFigureOut">
               <a:rPr lang="en-GB" smtClean="0"/>
-              <a:t>17/04/2018</a:t>
+              <a:t>22/04/2018</a:t>
             </a:fld>
             <a:endParaRPr lang="en-GB"/>
           </a:p>
@@ -1398,7 +1399,7 @@
           <a:p>
             <a:fld id="{F999EE6D-E52B-45B7-B943-4C650C77E21B}" type="datetimeFigureOut">
               <a:rPr lang="en-GB" smtClean="0"/>
-              <a:t>17/04/2018</a:t>
+              <a:t>22/04/2018</a:t>
             </a:fld>
             <a:endParaRPr lang="en-GB"/>
           </a:p>
@@ -1620,7 +1621,7 @@
           <a:p>
             <a:fld id="{9C24F874-02A1-48BF-AE54-4A07EBAF6EA2}" type="datetimeFigureOut">
               <a:rPr lang="en-GB" smtClean="0"/>
-              <a:t>17/04/2018</a:t>
+              <a:t>22/04/2018</a:t>
             </a:fld>
             <a:endParaRPr lang="en-GB"/>
           </a:p>
@@ -1820,7 +1821,7 @@
           <a:p>
             <a:fld id="{9C24F874-02A1-48BF-AE54-4A07EBAF6EA2}" type="datetimeFigureOut">
               <a:rPr lang="en-GB" smtClean="0"/>
-              <a:t>17/04/2018</a:t>
+              <a:t>22/04/2018</a:t>
             </a:fld>
             <a:endParaRPr lang="en-GB"/>
           </a:p>
@@ -2096,7 +2097,7 @@
           <a:p>
             <a:fld id="{9C24F874-02A1-48BF-AE54-4A07EBAF6EA2}" type="datetimeFigureOut">
               <a:rPr lang="en-GB" smtClean="0"/>
-              <a:t>17/04/2018</a:t>
+              <a:t>22/04/2018</a:t>
             </a:fld>
             <a:endParaRPr lang="en-GB"/>
           </a:p>
@@ -2364,7 +2365,7 @@
           <a:p>
             <a:fld id="{9C24F874-02A1-48BF-AE54-4A07EBAF6EA2}" type="datetimeFigureOut">
               <a:rPr lang="en-GB" smtClean="0"/>
-              <a:t>17/04/2018</a:t>
+              <a:t>22/04/2018</a:t>
             </a:fld>
             <a:endParaRPr lang="en-GB"/>
           </a:p>
@@ -2779,7 +2780,7 @@
           <a:p>
             <a:fld id="{9C24F874-02A1-48BF-AE54-4A07EBAF6EA2}" type="datetimeFigureOut">
               <a:rPr lang="en-GB" smtClean="0"/>
-              <a:t>17/04/2018</a:t>
+              <a:t>22/04/2018</a:t>
             </a:fld>
             <a:endParaRPr lang="en-GB"/>
           </a:p>
@@ -2921,7 +2922,7 @@
           <a:p>
             <a:fld id="{9C24F874-02A1-48BF-AE54-4A07EBAF6EA2}" type="datetimeFigureOut">
               <a:rPr lang="en-GB" smtClean="0"/>
-              <a:t>17/04/2018</a:t>
+              <a:t>22/04/2018</a:t>
             </a:fld>
             <a:endParaRPr lang="en-GB"/>
           </a:p>
@@ -3034,7 +3035,7 @@
           <a:p>
             <a:fld id="{9C24F874-02A1-48BF-AE54-4A07EBAF6EA2}" type="datetimeFigureOut">
               <a:rPr lang="en-GB" smtClean="0"/>
-              <a:t>17/04/2018</a:t>
+              <a:t>22/04/2018</a:t>
             </a:fld>
             <a:endParaRPr lang="en-GB"/>
           </a:p>
@@ -3347,7 +3348,7 @@
           <a:p>
             <a:fld id="{9C24F874-02A1-48BF-AE54-4A07EBAF6EA2}" type="datetimeFigureOut">
               <a:rPr lang="en-GB" smtClean="0"/>
-              <a:t>17/04/2018</a:t>
+              <a:t>22/04/2018</a:t>
             </a:fld>
             <a:endParaRPr lang="en-GB"/>
           </a:p>
@@ -3547,7 +3548,7 @@
           <a:p>
             <a:fld id="{F999EE6D-E52B-45B7-B943-4C650C77E21B}" type="datetimeFigureOut">
               <a:rPr lang="en-GB" smtClean="0"/>
-              <a:t>17/04/2018</a:t>
+              <a:t>22/04/2018</a:t>
             </a:fld>
             <a:endParaRPr lang="en-GB"/>
           </a:p>
@@ -3836,7 +3837,7 @@
           <a:p>
             <a:fld id="{9C24F874-02A1-48BF-AE54-4A07EBAF6EA2}" type="datetimeFigureOut">
               <a:rPr lang="en-GB" smtClean="0"/>
-              <a:t>17/04/2018</a:t>
+              <a:t>22/04/2018</a:t>
             </a:fld>
             <a:endParaRPr lang="en-GB"/>
           </a:p>
@@ -4036,7 +4037,7 @@
           <a:p>
             <a:fld id="{9C24F874-02A1-48BF-AE54-4A07EBAF6EA2}" type="datetimeFigureOut">
               <a:rPr lang="en-GB" smtClean="0"/>
-              <a:t>17/04/2018</a:t>
+              <a:t>22/04/2018</a:t>
             </a:fld>
             <a:endParaRPr lang="en-GB"/>
           </a:p>
@@ -4246,7 +4247,7 @@
           <a:p>
             <a:fld id="{9C24F874-02A1-48BF-AE54-4A07EBAF6EA2}" type="datetimeFigureOut">
               <a:rPr lang="en-GB" smtClean="0"/>
-              <a:t>17/04/2018</a:t>
+              <a:t>22/04/2018</a:t>
             </a:fld>
             <a:endParaRPr lang="en-GB"/>
           </a:p>
@@ -4522,7 +4523,7 @@
           <a:p>
             <a:fld id="{F999EE6D-E52B-45B7-B943-4C650C77E21B}" type="datetimeFigureOut">
               <a:rPr lang="en-GB" smtClean="0"/>
-              <a:t>17/04/2018</a:t>
+              <a:t>22/04/2018</a:t>
             </a:fld>
             <a:endParaRPr lang="en-GB"/>
           </a:p>
@@ -4790,7 +4791,7 @@
           <a:p>
             <a:fld id="{F999EE6D-E52B-45B7-B943-4C650C77E21B}" type="datetimeFigureOut">
               <a:rPr lang="en-GB" smtClean="0"/>
-              <a:t>17/04/2018</a:t>
+              <a:t>22/04/2018</a:t>
             </a:fld>
             <a:endParaRPr lang="en-GB"/>
           </a:p>
@@ -5205,7 +5206,7 @@
           <a:p>
             <a:fld id="{F999EE6D-E52B-45B7-B943-4C650C77E21B}" type="datetimeFigureOut">
               <a:rPr lang="en-GB" smtClean="0"/>
-              <a:t>17/04/2018</a:t>
+              <a:t>22/04/2018</a:t>
             </a:fld>
             <a:endParaRPr lang="en-GB"/>
           </a:p>
@@ -5347,7 +5348,7 @@
           <a:p>
             <a:fld id="{F999EE6D-E52B-45B7-B943-4C650C77E21B}" type="datetimeFigureOut">
               <a:rPr lang="en-GB" smtClean="0"/>
-              <a:t>17/04/2018</a:t>
+              <a:t>22/04/2018</a:t>
             </a:fld>
             <a:endParaRPr lang="en-GB"/>
           </a:p>
@@ -5460,7 +5461,7 @@
           <a:p>
             <a:fld id="{F999EE6D-E52B-45B7-B943-4C650C77E21B}" type="datetimeFigureOut">
               <a:rPr lang="en-GB" smtClean="0"/>
-              <a:t>17/04/2018</a:t>
+              <a:t>22/04/2018</a:t>
             </a:fld>
             <a:endParaRPr lang="en-GB"/>
           </a:p>
@@ -5773,7 +5774,7 @@
           <a:p>
             <a:fld id="{F999EE6D-E52B-45B7-B943-4C650C77E21B}" type="datetimeFigureOut">
               <a:rPr lang="en-GB" smtClean="0"/>
-              <a:t>17/04/2018</a:t>
+              <a:t>22/04/2018</a:t>
             </a:fld>
             <a:endParaRPr lang="en-GB"/>
           </a:p>
@@ -6062,7 +6063,7 @@
           <a:p>
             <a:fld id="{F999EE6D-E52B-45B7-B943-4C650C77E21B}" type="datetimeFigureOut">
               <a:rPr lang="en-GB" smtClean="0"/>
-              <a:t>17/04/2018</a:t>
+              <a:t>22/04/2018</a:t>
             </a:fld>
             <a:endParaRPr lang="en-GB"/>
           </a:p>
@@ -6305,7 +6306,7 @@
           <a:p>
             <a:fld id="{F999EE6D-E52B-45B7-B943-4C650C77E21B}" type="datetimeFigureOut">
               <a:rPr lang="en-GB" smtClean="0"/>
-              <a:t>17/04/2018</a:t>
+              <a:t>22/04/2018</a:t>
             </a:fld>
             <a:endParaRPr lang="en-GB"/>
           </a:p>
@@ -6875,7 +6876,7 @@
           <a:p>
             <a:fld id="{9C24F874-02A1-48BF-AE54-4A07EBAF6EA2}" type="datetimeFigureOut">
               <a:rPr lang="en-GB" smtClean="0"/>
-              <a:t>17/04/2018</a:t>
+              <a:t>22/04/2018</a:t>
             </a:fld>
             <a:endParaRPr lang="en-GB"/>
           </a:p>
@@ -7658,7 +7659,7 @@
         </p:nvGrpSpPr>
         <p:grpSpPr>
           <a:xfrm>
-            <a:off x="650240" y="299171"/>
+            <a:off x="403104" y="459809"/>
             <a:ext cx="10143997" cy="6191693"/>
             <a:chOff x="650240" y="299171"/>
             <a:chExt cx="10143997" cy="6191693"/>
@@ -9790,6 +9791,2409 @@
 </p:sld>
 </file>
 
+<file path=ppt/slides/slide12.xml><?xml version="1.0" encoding="utf-8"?>
+<p:sld xmlns:a="http://schemas.openxmlformats.org/drawingml/2006/main" xmlns:r="http://schemas.openxmlformats.org/officeDocument/2006/relationships" xmlns:p="http://schemas.openxmlformats.org/presentationml/2006/main">
+  <p:cSld>
+    <p:spTree>
+      <p:nvGrpSpPr>
+        <p:cNvPr id="1" name=""/>
+        <p:cNvGrpSpPr/>
+        <p:nvPr/>
+      </p:nvGrpSpPr>
+      <p:grpSpPr>
+        <a:xfrm>
+          <a:off x="0" y="0"/>
+          <a:ext cx="0" cy="0"/>
+          <a:chOff x="0" y="0"/>
+          <a:chExt cx="0" cy="0"/>
+        </a:xfrm>
+      </p:grpSpPr>
+      <p:grpSp>
+        <p:nvGrpSpPr>
+          <p:cNvPr id="270" name="Group 269">
+            <a:extLst>
+              <a:ext uri="{FF2B5EF4-FFF2-40B4-BE49-F238E27FC236}">
+                <a16:creationId xmlns:a16="http://schemas.microsoft.com/office/drawing/2014/main" id="{33F59364-1BDF-4E26-8807-02F90FDC244C}"/>
+              </a:ext>
+            </a:extLst>
+          </p:cNvPr>
+          <p:cNvGrpSpPr/>
+          <p:nvPr/>
+        </p:nvGrpSpPr>
+        <p:grpSpPr>
+          <a:xfrm>
+            <a:off x="82573" y="160528"/>
+            <a:ext cx="11976858" cy="6641860"/>
+            <a:chOff x="82573" y="174596"/>
+            <a:chExt cx="11976858" cy="6641860"/>
+          </a:xfrm>
+        </p:grpSpPr>
+        <p:grpSp>
+          <p:nvGrpSpPr>
+            <p:cNvPr id="2" name="Group 1">
+              <a:extLst>
+                <a:ext uri="{FF2B5EF4-FFF2-40B4-BE49-F238E27FC236}">
+                  <a16:creationId xmlns:a16="http://schemas.microsoft.com/office/drawing/2014/main" id="{50639CFE-A054-419B-BFF5-7E51C8A063ED}"/>
+                </a:ext>
+              </a:extLst>
+            </p:cNvPr>
+            <p:cNvGrpSpPr/>
+            <p:nvPr/>
+          </p:nvGrpSpPr>
+          <p:grpSpPr>
+            <a:xfrm>
+              <a:off x="82573" y="174596"/>
+              <a:ext cx="11869538" cy="6399493"/>
+              <a:chOff x="-3939315" y="-497166"/>
+              <a:chExt cx="15881408" cy="6891725"/>
+            </a:xfrm>
+          </p:grpSpPr>
+          <p:grpSp>
+            <p:nvGrpSpPr>
+              <p:cNvPr id="3" name="Group 2">
+                <a:extLst>
+                  <a:ext uri="{FF2B5EF4-FFF2-40B4-BE49-F238E27FC236}">
+                    <a16:creationId xmlns:a16="http://schemas.microsoft.com/office/drawing/2014/main" id="{56A56AA7-86CE-4676-A64B-AF4C6316E7ED}"/>
+                  </a:ext>
+                </a:extLst>
+              </p:cNvPr>
+              <p:cNvGrpSpPr/>
+              <p:nvPr/>
+            </p:nvGrpSpPr>
+            <p:grpSpPr>
+              <a:xfrm>
+                <a:off x="-3939315" y="-497166"/>
+                <a:ext cx="15881408" cy="6891725"/>
+                <a:chOff x="-3939315" y="-497166"/>
+                <a:chExt cx="15881408" cy="6891725"/>
+              </a:xfrm>
+            </p:grpSpPr>
+            <p:grpSp>
+              <p:nvGrpSpPr>
+                <p:cNvPr id="5" name="Group 4">
+                  <a:extLst>
+                    <a:ext uri="{FF2B5EF4-FFF2-40B4-BE49-F238E27FC236}">
+                      <a16:creationId xmlns:a16="http://schemas.microsoft.com/office/drawing/2014/main" id="{62B7E471-4A45-4FE9-88C8-60EB0FD31B50}"/>
+                    </a:ext>
+                  </a:extLst>
+                </p:cNvPr>
+                <p:cNvGrpSpPr/>
+                <p:nvPr/>
+              </p:nvGrpSpPr>
+              <p:grpSpPr>
+                <a:xfrm>
+                  <a:off x="-3939315" y="-497166"/>
+                  <a:ext cx="15808291" cy="6891725"/>
+                  <a:chOff x="-3939315" y="-497166"/>
+                  <a:chExt cx="15808291" cy="6891725"/>
+                </a:xfrm>
+              </p:grpSpPr>
+              <p:grpSp>
+                <p:nvGrpSpPr>
+                  <p:cNvPr id="8" name="Group 7">
+                    <a:extLst>
+                      <a:ext uri="{FF2B5EF4-FFF2-40B4-BE49-F238E27FC236}">
+                        <a16:creationId xmlns:a16="http://schemas.microsoft.com/office/drawing/2014/main" id="{2F1193DF-479A-48DD-A5CD-1C97407952BF}"/>
+                      </a:ext>
+                    </a:extLst>
+                  </p:cNvPr>
+                  <p:cNvGrpSpPr/>
+                  <p:nvPr/>
+                </p:nvGrpSpPr>
+                <p:grpSpPr>
+                  <a:xfrm>
+                    <a:off x="-3939315" y="-497166"/>
+                    <a:ext cx="15808291" cy="6891725"/>
+                    <a:chOff x="-3939315" y="-497166"/>
+                    <a:chExt cx="15808291" cy="6891725"/>
+                  </a:xfrm>
+                </p:grpSpPr>
+                <p:grpSp>
+                  <p:nvGrpSpPr>
+                    <p:cNvPr id="10" name="Group 9">
+                      <a:extLst>
+                        <a:ext uri="{FF2B5EF4-FFF2-40B4-BE49-F238E27FC236}">
+                          <a16:creationId xmlns:a16="http://schemas.microsoft.com/office/drawing/2014/main" id="{2317FAB1-8CBF-41EC-8030-0CB18808D53F}"/>
+                        </a:ext>
+                      </a:extLst>
+                    </p:cNvPr>
+                    <p:cNvGrpSpPr/>
+                    <p:nvPr/>
+                  </p:nvGrpSpPr>
+                  <p:grpSpPr>
+                    <a:xfrm>
+                      <a:off x="-3646924" y="-460336"/>
+                      <a:ext cx="6970516" cy="3186945"/>
+                      <a:chOff x="-3646924" y="-460336"/>
+                      <a:chExt cx="6970516" cy="3186945"/>
+                    </a:xfrm>
+                  </p:grpSpPr>
+                  <p:sp>
+                    <p:nvSpPr>
+                      <p:cNvPr id="43" name="Rectangle: Rounded Corners 42">
+                        <a:extLst>
+                          <a:ext uri="{FF2B5EF4-FFF2-40B4-BE49-F238E27FC236}">
+                            <a16:creationId xmlns:a16="http://schemas.microsoft.com/office/drawing/2014/main" id="{6428F8EF-ADFF-4A97-A465-533531F99B88}"/>
+                          </a:ext>
+                        </a:extLst>
+                      </p:cNvPr>
+                      <p:cNvSpPr/>
+                      <p:nvPr/>
+                    </p:nvSpPr>
+                    <p:spPr>
+                      <a:xfrm>
+                        <a:off x="976318" y="1009738"/>
+                        <a:ext cx="2347274" cy="1404594"/>
+                      </a:xfrm>
+                      <a:prstGeom prst="roundRect">
+                        <a:avLst/>
+                      </a:prstGeom>
+                      <a:gradFill flip="none" rotWithShape="1">
+                        <a:gsLst>
+                          <a:gs pos="0">
+                            <a:schemeClr val="accent6">
+                              <a:lumMod val="60000"/>
+                              <a:lumOff val="40000"/>
+                            </a:schemeClr>
+                          </a:gs>
+                          <a:gs pos="46000">
+                            <a:schemeClr val="accent1">
+                              <a:lumMod val="95000"/>
+                              <a:lumOff val="5000"/>
+                            </a:schemeClr>
+                          </a:gs>
+                          <a:gs pos="100000">
+                            <a:schemeClr val="accent1">
+                              <a:lumMod val="60000"/>
+                            </a:schemeClr>
+                          </a:gs>
+                        </a:gsLst>
+                        <a:path path="circle">
+                          <a:fillToRect l="50000" t="130000" r="50000" b="-30000"/>
+                        </a:path>
+                        <a:tileRect/>
+                      </a:gradFill>
+                    </p:spPr>
+                    <p:style>
+                      <a:lnRef idx="2">
+                        <a:schemeClr val="accent1">
+                          <a:shade val="50000"/>
+                        </a:schemeClr>
+                      </a:lnRef>
+                      <a:fillRef idx="1">
+                        <a:schemeClr val="accent1"/>
+                      </a:fillRef>
+                      <a:effectRef idx="0">
+                        <a:schemeClr val="accent1"/>
+                      </a:effectRef>
+                      <a:fontRef idx="minor">
+                        <a:schemeClr val="lt1"/>
+                      </a:fontRef>
+                    </p:style>
+                    <p:txBody>
+                      <a:bodyPr rtlCol="0" anchor="ctr"/>
+                      <a:lstStyle/>
+                      <a:p>
+                        <a:pPr algn="ctr"/>
+                        <a:r>
+                          <a:rPr lang="en-GB" dirty="0"/>
+                          <a:t>Discriminator for real images</a:t>
+                        </a:r>
+                      </a:p>
+                    </p:txBody>
+                  </p:sp>
+                  <p:sp>
+                    <p:nvSpPr>
+                      <p:cNvPr id="44" name="TextBox 43">
+                        <a:extLst>
+                          <a:ext uri="{FF2B5EF4-FFF2-40B4-BE49-F238E27FC236}">
+                            <a16:creationId xmlns:a16="http://schemas.microsoft.com/office/drawing/2014/main" id="{132F905B-3FB9-4353-A6ED-10AE6E06D5CC}"/>
+                          </a:ext>
+                        </a:extLst>
+                      </p:cNvPr>
+                      <p:cNvSpPr txBox="1"/>
+                      <p:nvPr/>
+                    </p:nvSpPr>
+                    <p:spPr>
+                      <a:xfrm>
+                        <a:off x="-2623829" y="-460336"/>
+                        <a:ext cx="1557393" cy="397740"/>
+                      </a:xfrm>
+                      <a:prstGeom prst="rect">
+                        <a:avLst/>
+                      </a:prstGeom>
+                      <a:solidFill>
+                        <a:schemeClr val="bg1"/>
+                      </a:solidFill>
+                    </p:spPr>
+                    <p:txBody>
+                      <a:bodyPr wrap="none" rtlCol="0">
+                        <a:spAutoFit/>
+                      </a:bodyPr>
+                      <a:lstStyle/>
+                      <a:p>
+                        <a:r>
+                          <a:rPr lang="en-GB" dirty="0"/>
+                          <a:t>real image</a:t>
+                        </a:r>
+                      </a:p>
+                    </p:txBody>
+                  </p:sp>
+                  <p:cxnSp>
+                    <p:nvCxnSpPr>
+                      <p:cNvPr id="45" name="Straight Arrow Connector 44">
+                        <a:extLst>
+                          <a:ext uri="{FF2B5EF4-FFF2-40B4-BE49-F238E27FC236}">
+                            <a16:creationId xmlns:a16="http://schemas.microsoft.com/office/drawing/2014/main" id="{D8E47192-A617-4FDF-A7FF-C609477E679F}"/>
+                          </a:ext>
+                        </a:extLst>
+                      </p:cNvPr>
+                      <p:cNvCxnSpPr>
+                        <a:cxnSpLocks/>
+                      </p:cNvCxnSpPr>
+                      <p:nvPr/>
+                    </p:nvCxnSpPr>
+                    <p:spPr>
+                      <a:xfrm flipV="1">
+                        <a:off x="-996857" y="1799232"/>
+                        <a:ext cx="1689572" cy="927377"/>
+                      </a:xfrm>
+                      <a:prstGeom prst="straightConnector1">
+                        <a:avLst/>
+                      </a:prstGeom>
+                      <a:ln w="19050">
+                        <a:prstDash val="dash"/>
+                        <a:tailEnd type="triangle"/>
+                      </a:ln>
+                    </p:spPr>
+                    <p:style>
+                      <a:lnRef idx="1">
+                        <a:schemeClr val="dk1"/>
+                      </a:lnRef>
+                      <a:fillRef idx="0">
+                        <a:schemeClr val="dk1"/>
+                      </a:fillRef>
+                      <a:effectRef idx="0">
+                        <a:schemeClr val="dk1"/>
+                      </a:effectRef>
+                      <a:fontRef idx="minor">
+                        <a:schemeClr val="tx1"/>
+                      </a:fontRef>
+                    </p:style>
+                  </p:cxnSp>
+                  <p:pic>
+                    <p:nvPicPr>
+                      <p:cNvPr id="47" name="Picture 46">
+                        <a:extLst>
+                          <a:ext uri="{FF2B5EF4-FFF2-40B4-BE49-F238E27FC236}">
+                            <a16:creationId xmlns:a16="http://schemas.microsoft.com/office/drawing/2014/main" id="{86A602A8-E8AD-4DA1-9977-26917DF7FD81}"/>
+                          </a:ext>
+                        </a:extLst>
+                      </p:cNvPr>
+                      <p:cNvPicPr>
+                        <a:picLocks noChangeAspect="1"/>
+                      </p:cNvPicPr>
+                      <p:nvPr/>
+                    </p:nvPicPr>
+                    <p:blipFill rotWithShape="1">
+                      <a:blip r:embed="rId2">
+                        <a:extLst>
+                          <a:ext uri="{28A0092B-C50C-407E-A947-70E740481C1C}">
+                            <a14:useLocalDpi xmlns:a14="http://schemas.microsoft.com/office/drawing/2010/main" val="0"/>
+                          </a:ext>
+                        </a:extLst>
+                      </a:blip>
+                      <a:srcRect l="69874" t="14783" r="19017" b="67541"/>
+                      <a:stretch/>
+                    </p:blipFill>
+                    <p:spPr>
+                      <a:xfrm>
+                        <a:off x="-3646924" y="-415148"/>
+                        <a:ext cx="753706" cy="960436"/>
+                      </a:xfrm>
+                      <a:prstGeom prst="rect">
+                        <a:avLst/>
+                      </a:prstGeom>
+                    </p:spPr>
+                  </p:pic>
+                </p:grpSp>
+                <p:grpSp>
+                  <p:nvGrpSpPr>
+                    <p:cNvPr id="11" name="Group 10">
+                      <a:extLst>
+                        <a:ext uri="{FF2B5EF4-FFF2-40B4-BE49-F238E27FC236}">
+                          <a16:creationId xmlns:a16="http://schemas.microsoft.com/office/drawing/2014/main" id="{3B9F5CB9-6275-40E4-9393-7AF6CC9846AC}"/>
+                        </a:ext>
+                      </a:extLst>
+                    </p:cNvPr>
+                    <p:cNvGrpSpPr/>
+                    <p:nvPr/>
+                  </p:nvGrpSpPr>
+                  <p:grpSpPr>
+                    <a:xfrm>
+                      <a:off x="-3939315" y="-497166"/>
+                      <a:ext cx="15808291" cy="3716123"/>
+                      <a:chOff x="-3939315" y="-497166"/>
+                      <a:chExt cx="15808291" cy="3716123"/>
+                    </a:xfrm>
+                  </p:grpSpPr>
+                  <p:grpSp>
+                    <p:nvGrpSpPr>
+                      <p:cNvPr id="28" name="Group 27">
+                        <a:extLst>
+                          <a:ext uri="{FF2B5EF4-FFF2-40B4-BE49-F238E27FC236}">
+                            <a16:creationId xmlns:a16="http://schemas.microsoft.com/office/drawing/2014/main" id="{D9572AA0-FCF9-4ADC-969D-E06E431BA3FE}"/>
+                          </a:ext>
+                        </a:extLst>
+                      </p:cNvPr>
+                      <p:cNvGrpSpPr/>
+                      <p:nvPr/>
+                    </p:nvGrpSpPr>
+                    <p:grpSpPr>
+                      <a:xfrm>
+                        <a:off x="3678402" y="1006035"/>
+                        <a:ext cx="2347274" cy="2211716"/>
+                        <a:chOff x="3678402" y="1006035"/>
+                        <a:chExt cx="2347274" cy="2211716"/>
+                      </a:xfrm>
+                    </p:grpSpPr>
+                    <p:cxnSp>
+                      <p:nvCxnSpPr>
+                        <p:cNvPr id="41" name="Straight Arrow Connector 40">
+                          <a:extLst>
+                            <a:ext uri="{FF2B5EF4-FFF2-40B4-BE49-F238E27FC236}">
+                              <a16:creationId xmlns:a16="http://schemas.microsoft.com/office/drawing/2014/main" id="{AA0198AB-849D-441E-98AC-F921EA948ABF}"/>
+                            </a:ext>
+                          </a:extLst>
+                        </p:cNvPr>
+                        <p:cNvCxnSpPr>
+                          <a:cxnSpLocks/>
+                          <a:stCxn id="42" idx="2"/>
+                        </p:cNvCxnSpPr>
+                        <p:nvPr/>
+                      </p:nvCxnSpPr>
+                      <p:spPr>
+                        <a:xfrm>
+                          <a:off x="4852040" y="2410629"/>
+                          <a:ext cx="1173636" cy="807122"/>
+                        </a:xfrm>
+                        <a:prstGeom prst="straightConnector1">
+                          <a:avLst/>
+                        </a:prstGeom>
+                        <a:ln w="19050">
+                          <a:tailEnd type="triangle"/>
+                        </a:ln>
+                      </p:spPr>
+                      <p:style>
+                        <a:lnRef idx="1">
+                          <a:schemeClr val="dk1"/>
+                        </a:lnRef>
+                        <a:fillRef idx="0">
+                          <a:schemeClr val="dk1"/>
+                        </a:fillRef>
+                        <a:effectRef idx="0">
+                          <a:schemeClr val="dk1"/>
+                        </a:effectRef>
+                        <a:fontRef idx="minor">
+                          <a:schemeClr val="tx1"/>
+                        </a:fontRef>
+                      </p:style>
+                    </p:cxnSp>
+                    <p:sp>
+                      <p:nvSpPr>
+                        <p:cNvPr id="42" name="Rectangle: Rounded Corners 41">
+                          <a:extLst>
+                            <a:ext uri="{FF2B5EF4-FFF2-40B4-BE49-F238E27FC236}">
+                              <a16:creationId xmlns:a16="http://schemas.microsoft.com/office/drawing/2014/main" id="{C8D52ED4-CF26-4D2F-9D22-F0862EF76AB8}"/>
+                            </a:ext>
+                          </a:extLst>
+                        </p:cNvPr>
+                        <p:cNvSpPr/>
+                        <p:nvPr/>
+                      </p:nvSpPr>
+                      <p:spPr>
+                        <a:xfrm>
+                          <a:off x="3678402" y="1006035"/>
+                          <a:ext cx="2347274" cy="1404594"/>
+                        </a:xfrm>
+                        <a:prstGeom prst="roundRect">
+                          <a:avLst/>
+                        </a:prstGeom>
+                        <a:gradFill>
+                          <a:gsLst>
+                            <a:gs pos="0">
+                              <a:srgbClr val="D99187"/>
+                            </a:gs>
+                            <a:gs pos="46000">
+                              <a:schemeClr val="accent1">
+                                <a:lumMod val="95000"/>
+                                <a:lumOff val="5000"/>
+                              </a:schemeClr>
+                            </a:gs>
+                            <a:gs pos="100000">
+                              <a:schemeClr val="accent1">
+                                <a:lumMod val="60000"/>
+                              </a:schemeClr>
+                            </a:gs>
+                          </a:gsLst>
+                          <a:path path="circle">
+                            <a:fillToRect l="50000" t="130000" r="50000" b="-30000"/>
+                          </a:path>
+                        </a:gradFill>
+                      </p:spPr>
+                      <p:style>
+                        <a:lnRef idx="2">
+                          <a:schemeClr val="accent1">
+                            <a:shade val="50000"/>
+                          </a:schemeClr>
+                        </a:lnRef>
+                        <a:fillRef idx="1">
+                          <a:schemeClr val="accent1"/>
+                        </a:fillRef>
+                        <a:effectRef idx="0">
+                          <a:schemeClr val="accent1"/>
+                        </a:effectRef>
+                        <a:fontRef idx="minor">
+                          <a:schemeClr val="lt1"/>
+                        </a:fontRef>
+                      </p:style>
+                      <p:txBody>
+                        <a:bodyPr rtlCol="0" anchor="ctr"/>
+                        <a:lstStyle/>
+                        <a:p>
+                          <a:pPr algn="ctr"/>
+                          <a:r>
+                            <a:rPr lang="en-GB" dirty="0"/>
+                            <a:t>Discriminator for fake images</a:t>
+                          </a:r>
+                        </a:p>
+                      </p:txBody>
+                    </p:sp>
+                  </p:grpSp>
+                  <p:grpSp>
+                    <p:nvGrpSpPr>
+                      <p:cNvPr id="29" name="Group 28">
+                        <a:extLst>
+                          <a:ext uri="{FF2B5EF4-FFF2-40B4-BE49-F238E27FC236}">
+                            <a16:creationId xmlns:a16="http://schemas.microsoft.com/office/drawing/2014/main" id="{DF1C5BED-F9E7-46EE-AA9B-00865A7D7B08}"/>
+                          </a:ext>
+                        </a:extLst>
+                      </p:cNvPr>
+                      <p:cNvGrpSpPr/>
+                      <p:nvPr/>
+                    </p:nvGrpSpPr>
+                    <p:grpSpPr>
+                      <a:xfrm>
+                        <a:off x="3910411" y="1617144"/>
+                        <a:ext cx="7231130" cy="1601813"/>
+                        <a:chOff x="4139795" y="1798035"/>
+                        <a:chExt cx="7231130" cy="1601813"/>
+                      </a:xfrm>
+                    </p:grpSpPr>
+                    <p:cxnSp>
+                      <p:nvCxnSpPr>
+                        <p:cNvPr id="36" name="Straight Arrow Connector 35">
+                          <a:extLst>
+                            <a:ext uri="{FF2B5EF4-FFF2-40B4-BE49-F238E27FC236}">
+                              <a16:creationId xmlns:a16="http://schemas.microsoft.com/office/drawing/2014/main" id="{6F4E9460-6498-4057-A7D6-7EC64E42997C}"/>
+                            </a:ext>
+                          </a:extLst>
+                        </p:cNvPr>
+                        <p:cNvCxnSpPr>
+                          <a:cxnSpLocks/>
+                        </p:cNvCxnSpPr>
+                        <p:nvPr/>
+                      </p:nvCxnSpPr>
+                      <p:spPr>
+                        <a:xfrm>
+                          <a:off x="10902290" y="1829858"/>
+                          <a:ext cx="0" cy="557963"/>
+                        </a:xfrm>
+                        <a:prstGeom prst="straightConnector1">
+                          <a:avLst/>
+                        </a:prstGeom>
+                        <a:ln w="19050">
+                          <a:prstDash val="dash"/>
+                          <a:tailEnd type="triangle"/>
+                        </a:ln>
+                      </p:spPr>
+                      <p:style>
+                        <a:lnRef idx="1">
+                          <a:schemeClr val="dk1"/>
+                        </a:lnRef>
+                        <a:fillRef idx="0">
+                          <a:schemeClr val="dk1"/>
+                        </a:fillRef>
+                        <a:effectRef idx="0">
+                          <a:schemeClr val="dk1"/>
+                        </a:effectRef>
+                        <a:fontRef idx="minor">
+                          <a:schemeClr val="tx1"/>
+                        </a:fontRef>
+                      </p:style>
+                    </p:cxnSp>
+                    <p:pic>
+                      <p:nvPicPr>
+                        <p:cNvPr id="38" name="Picture 37">
+                          <a:extLst>
+                            <a:ext uri="{FF2B5EF4-FFF2-40B4-BE49-F238E27FC236}">
+                              <a16:creationId xmlns:a16="http://schemas.microsoft.com/office/drawing/2014/main" id="{3A4FBFD3-BF80-4EC0-8498-26F2AB4E1978}"/>
+                            </a:ext>
+                          </a:extLst>
+                        </p:cNvPr>
+                        <p:cNvPicPr>
+                          <a:picLocks noChangeAspect="1"/>
+                        </p:cNvPicPr>
+                        <p:nvPr/>
+                      </p:nvPicPr>
+                      <p:blipFill rotWithShape="1">
+                        <a:blip r:embed="rId3"/>
+                        <a:srcRect l="34333" t="25185" r="54500" b="54333"/>
+                        <a:stretch/>
+                      </p:blipFill>
+                      <p:spPr>
+                        <a:xfrm>
+                          <a:off x="10478521" y="2479158"/>
+                          <a:ext cx="892404" cy="920690"/>
+                        </a:xfrm>
+                        <a:prstGeom prst="rect">
+                          <a:avLst/>
+                        </a:prstGeom>
+                      </p:spPr>
+                    </p:pic>
+                    <p:sp>
+                      <p:nvSpPr>
+                        <p:cNvPr id="39" name="TextBox 38">
+                          <a:extLst>
+                            <a:ext uri="{FF2B5EF4-FFF2-40B4-BE49-F238E27FC236}">
+                              <a16:creationId xmlns:a16="http://schemas.microsoft.com/office/drawing/2014/main" id="{6F69FA7B-DB87-403C-BE2C-EFCA4283C286}"/>
+                            </a:ext>
+                          </a:extLst>
+                        </p:cNvPr>
+                        <p:cNvSpPr txBox="1"/>
+                        <p:nvPr/>
+                      </p:nvSpPr>
+                      <p:spPr>
+                        <a:xfrm>
+                          <a:off x="4139795" y="1798035"/>
+                          <a:ext cx="247170" cy="397740"/>
+                        </a:xfrm>
+                        <a:prstGeom prst="rect">
+                          <a:avLst/>
+                        </a:prstGeom>
+                        <a:noFill/>
+                      </p:spPr>
+                      <p:txBody>
+                        <a:bodyPr wrap="none" rtlCol="0">
+                          <a:spAutoFit/>
+                        </a:bodyPr>
+                        <a:lstStyle/>
+                        <a:p>
+                          <a:endParaRPr lang="en-GB" dirty="0"/>
+                        </a:p>
+                      </p:txBody>
+                    </p:sp>
+                  </p:grpSp>
+                  <p:grpSp>
+                    <p:nvGrpSpPr>
+                      <p:cNvPr id="30" name="Group 29">
+                        <a:extLst>
+                          <a:ext uri="{FF2B5EF4-FFF2-40B4-BE49-F238E27FC236}">
+                            <a16:creationId xmlns:a16="http://schemas.microsoft.com/office/drawing/2014/main" id="{2717FA57-1030-4BF8-AC24-E9952C8FDB19}"/>
+                          </a:ext>
+                        </a:extLst>
+                      </p:cNvPr>
+                      <p:cNvGrpSpPr/>
+                      <p:nvPr/>
+                    </p:nvGrpSpPr>
+                    <p:grpSpPr>
+                      <a:xfrm>
+                        <a:off x="-3939315" y="-497166"/>
+                        <a:ext cx="15808291" cy="3586049"/>
+                        <a:chOff x="-7913667" y="-887479"/>
+                        <a:chExt cx="15808291" cy="3586049"/>
+                      </a:xfrm>
+                    </p:grpSpPr>
+                    <p:sp>
+                      <p:nvSpPr>
+                        <p:cNvPr id="31" name="Rectangle: Rounded Corners 30">
+                          <a:extLst>
+                            <a:ext uri="{FF2B5EF4-FFF2-40B4-BE49-F238E27FC236}">
+                              <a16:creationId xmlns:a16="http://schemas.microsoft.com/office/drawing/2014/main" id="{DA8BF6E8-8656-4116-8C56-1F663B549B8A}"/>
+                            </a:ext>
+                          </a:extLst>
+                        </p:cNvPr>
+                        <p:cNvSpPr/>
+                        <p:nvPr/>
+                      </p:nvSpPr>
+                      <p:spPr>
+                        <a:xfrm>
+                          <a:off x="5547350" y="-124694"/>
+                          <a:ext cx="2347274" cy="1404594"/>
+                        </a:xfrm>
+                        <a:prstGeom prst="roundRect">
+                          <a:avLst/>
+                        </a:prstGeom>
+                        <a:gradFill flip="none" rotWithShape="1">
+                          <a:gsLst>
+                            <a:gs pos="0">
+                              <a:schemeClr val="accent6">
+                                <a:lumMod val="60000"/>
+                                <a:lumOff val="40000"/>
+                              </a:schemeClr>
+                            </a:gs>
+                            <a:gs pos="46000">
+                              <a:schemeClr val="accent2">
+                                <a:lumMod val="60000"/>
+                                <a:lumOff val="40000"/>
+                              </a:schemeClr>
+                            </a:gs>
+                            <a:gs pos="100000">
+                              <a:schemeClr val="accent2">
+                                <a:lumMod val="75000"/>
+                              </a:schemeClr>
+                            </a:gs>
+                          </a:gsLst>
+                          <a:path path="circle">
+                            <a:fillToRect l="50000" t="130000" r="50000" b="-30000"/>
+                          </a:path>
+                          <a:tileRect/>
+                        </a:gradFill>
+                      </p:spPr>
+                      <p:style>
+                        <a:lnRef idx="2">
+                          <a:schemeClr val="accent2">
+                            <a:shade val="50000"/>
+                          </a:schemeClr>
+                        </a:lnRef>
+                        <a:fillRef idx="1">
+                          <a:schemeClr val="accent2"/>
+                        </a:fillRef>
+                        <a:effectRef idx="0">
+                          <a:schemeClr val="accent2"/>
+                        </a:effectRef>
+                        <a:fontRef idx="minor">
+                          <a:schemeClr val="lt1"/>
+                        </a:fontRef>
+                      </p:style>
+                      <p:txBody>
+                        <a:bodyPr rtlCol="0" anchor="ctr"/>
+                        <a:lstStyle/>
+                        <a:p>
+                          <a:pPr algn="ctr"/>
+                          <a:r>
+                            <a:rPr lang="en-GB" dirty="0"/>
+                            <a:t>Generator for fake images</a:t>
+                          </a:r>
+                        </a:p>
+                      </p:txBody>
+                    </p:sp>
+                    <p:grpSp>
+                      <p:nvGrpSpPr>
+                        <p:cNvPr id="32" name="Group 31">
+                          <a:extLst>
+                            <a:ext uri="{FF2B5EF4-FFF2-40B4-BE49-F238E27FC236}">
+                              <a16:creationId xmlns:a16="http://schemas.microsoft.com/office/drawing/2014/main" id="{C83A88FC-5570-4781-B3A9-BC3709021507}"/>
+                            </a:ext>
+                          </a:extLst>
+                        </p:cNvPr>
+                        <p:cNvGrpSpPr/>
+                        <p:nvPr/>
+                      </p:nvGrpSpPr>
+                      <p:grpSpPr>
+                        <a:xfrm>
+                          <a:off x="-7913667" y="-887479"/>
+                          <a:ext cx="12877440" cy="3586049"/>
+                          <a:chOff x="-7842786" y="-1092997"/>
+                          <a:chExt cx="12877440" cy="3586049"/>
+                        </a:xfrm>
+                      </p:grpSpPr>
+                      <p:sp>
+                        <p:nvSpPr>
+                          <p:cNvPr id="34" name="TextBox 33">
+                            <a:extLst>
+                              <a:ext uri="{FF2B5EF4-FFF2-40B4-BE49-F238E27FC236}">
+                                <a16:creationId xmlns:a16="http://schemas.microsoft.com/office/drawing/2014/main" id="{4E224C2F-F7DA-491B-915D-431999693984}"/>
+                              </a:ext>
+                            </a:extLst>
+                          </p:cNvPr>
+                          <p:cNvSpPr txBox="1"/>
+                          <p:nvPr/>
+                        </p:nvSpPr>
+                        <p:spPr>
+                          <a:xfrm>
+                            <a:off x="-7842786" y="2092942"/>
+                            <a:ext cx="2478563" cy="400110"/>
+                          </a:xfrm>
+                          <a:prstGeom prst="rect">
+                            <a:avLst/>
+                          </a:prstGeom>
+                          <a:noFill/>
+                        </p:spPr>
+                        <p:txBody>
+                          <a:bodyPr wrap="none" rtlCol="0">
+                            <a:spAutoFit/>
+                          </a:bodyPr>
+                          <a:lstStyle/>
+                          <a:p>
+                            <a:r>
+                              <a:rPr lang="en-GB" sz="2000" b="1" dirty="0"/>
+                              <a:t>[0, 0.3, 0.6, ... , 0.1, 0]</a:t>
+                            </a:r>
+                          </a:p>
+                        </p:txBody>
+                      </p:sp>
+                      <p:sp>
+                        <p:nvSpPr>
+                          <p:cNvPr id="35" name="TextBox 34">
+                            <a:extLst>
+                              <a:ext uri="{FF2B5EF4-FFF2-40B4-BE49-F238E27FC236}">
+                                <a16:creationId xmlns:a16="http://schemas.microsoft.com/office/drawing/2014/main" id="{73C05B57-9783-4B88-8980-E37FA43FAC4D}"/>
+                              </a:ext>
+                            </a:extLst>
+                          </p:cNvPr>
+                          <p:cNvSpPr txBox="1"/>
+                          <p:nvPr/>
+                        </p:nvSpPr>
+                        <p:spPr>
+                          <a:xfrm>
+                            <a:off x="3480078" y="-1092997"/>
+                            <a:ext cx="1554576" cy="994350"/>
+                          </a:xfrm>
+                          <a:prstGeom prst="rect">
+                            <a:avLst/>
+                          </a:prstGeom>
+                          <a:noFill/>
+                        </p:spPr>
+                        <p:txBody>
+                          <a:bodyPr wrap="square" rtlCol="0">
+                            <a:spAutoFit/>
+                          </a:bodyPr>
+                          <a:lstStyle/>
+                          <a:p>
+                            <a:r>
+                              <a:rPr lang="en-GB" dirty="0"/>
+                              <a:t>array of N random numbers</a:t>
+                            </a:r>
+                          </a:p>
+                        </p:txBody>
+                      </p:sp>
+                    </p:grpSp>
+                  </p:grpSp>
+                </p:grpSp>
+                <p:grpSp>
+                  <p:nvGrpSpPr>
+                    <p:cNvPr id="12" name="Group 11">
+                      <a:extLst>
+                        <a:ext uri="{FF2B5EF4-FFF2-40B4-BE49-F238E27FC236}">
+                          <a16:creationId xmlns:a16="http://schemas.microsoft.com/office/drawing/2014/main" id="{4DFE58D9-9399-4FBC-BC6B-17B94109D41F}"/>
+                        </a:ext>
+                      </a:extLst>
+                    </p:cNvPr>
+                    <p:cNvGrpSpPr/>
+                    <p:nvPr/>
+                  </p:nvGrpSpPr>
+                  <p:grpSpPr>
+                    <a:xfrm>
+                      <a:off x="-1014635" y="3395993"/>
+                      <a:ext cx="9897870" cy="2998566"/>
+                      <a:chOff x="-1078245" y="3536886"/>
+                      <a:chExt cx="9897870" cy="2998566"/>
+                    </a:xfrm>
+                  </p:grpSpPr>
+                  <p:cxnSp>
+                    <p:nvCxnSpPr>
+                      <p:cNvPr id="13" name="Straight Arrow Connector 12">
+                        <a:extLst>
+                          <a:ext uri="{FF2B5EF4-FFF2-40B4-BE49-F238E27FC236}">
+                            <a16:creationId xmlns:a16="http://schemas.microsoft.com/office/drawing/2014/main" id="{4DEB55AC-A1C9-474D-B453-A8D3229A0705}"/>
+                          </a:ext>
+                        </a:extLst>
+                      </p:cNvPr>
+                      <p:cNvCxnSpPr>
+                        <a:cxnSpLocks/>
+                        <a:stCxn id="216" idx="1"/>
+                        <a:endCxn id="14" idx="7"/>
+                      </p:cNvCxnSpPr>
+                      <p:nvPr/>
+                    </p:nvCxnSpPr>
+                    <p:spPr>
+                      <a:xfrm flipH="1">
+                        <a:off x="4597010" y="3685587"/>
+                        <a:ext cx="981416" cy="17098"/>
+                      </a:xfrm>
+                      <a:prstGeom prst="straightConnector1">
+                        <a:avLst/>
+                      </a:prstGeom>
+                      <a:ln w="19050">
+                        <a:tailEnd type="triangle"/>
+                      </a:ln>
+                    </p:spPr>
+                    <p:style>
+                      <a:lnRef idx="1">
+                        <a:schemeClr val="dk1"/>
+                      </a:lnRef>
+                      <a:fillRef idx="0">
+                        <a:schemeClr val="dk1"/>
+                      </a:fillRef>
+                      <a:effectRef idx="0">
+                        <a:schemeClr val="dk1"/>
+                      </a:effectRef>
+                      <a:fontRef idx="minor">
+                        <a:schemeClr val="tx1"/>
+                      </a:fontRef>
+                    </p:style>
+                  </p:cxnSp>
+                  <p:sp>
+                    <p:nvSpPr>
+                      <p:cNvPr id="14" name="Oval 13">
+                        <a:extLst>
+                          <a:ext uri="{FF2B5EF4-FFF2-40B4-BE49-F238E27FC236}">
+                            <a16:creationId xmlns:a16="http://schemas.microsoft.com/office/drawing/2014/main" id="{603E48CF-C0EA-4323-A7F1-07A950585ECD}"/>
+                          </a:ext>
+                        </a:extLst>
+                      </p:cNvPr>
+                      <p:cNvSpPr/>
+                      <p:nvPr/>
+                    </p:nvSpPr>
+                    <p:spPr>
+                      <a:xfrm>
+                        <a:off x="2746366" y="3536886"/>
+                        <a:ext cx="2168164" cy="1132148"/>
+                      </a:xfrm>
+                      <a:prstGeom prst="ellipse">
+                        <a:avLst/>
+                      </a:prstGeom>
+                      <a:gradFill flip="none" rotWithShape="1">
+                        <a:gsLst>
+                          <a:gs pos="0">
+                            <a:schemeClr val="accent2">
+                              <a:lumMod val="60000"/>
+                              <a:lumOff val="40000"/>
+                              <a:tint val="66000"/>
+                              <a:satMod val="160000"/>
+                            </a:schemeClr>
+                          </a:gs>
+                          <a:gs pos="50000">
+                            <a:schemeClr val="accent2">
+                              <a:lumMod val="60000"/>
+                              <a:lumOff val="40000"/>
+                              <a:tint val="44500"/>
+                              <a:satMod val="160000"/>
+                            </a:schemeClr>
+                          </a:gs>
+                          <a:gs pos="100000">
+                            <a:schemeClr val="accent2">
+                              <a:lumMod val="60000"/>
+                              <a:lumOff val="40000"/>
+                              <a:tint val="23500"/>
+                              <a:satMod val="160000"/>
+                            </a:schemeClr>
+                          </a:gs>
+                        </a:gsLst>
+                        <a:path path="circle">
+                          <a:fillToRect l="50000" t="50000" r="50000" b="50000"/>
+                        </a:path>
+                        <a:tileRect/>
+                      </a:gradFill>
+                      <a:ln>
+                        <a:solidFill>
+                          <a:schemeClr val="accent2"/>
+                        </a:solidFill>
+                      </a:ln>
+                    </p:spPr>
+                    <p:style>
+                      <a:lnRef idx="2">
+                        <a:schemeClr val="accent1">
+                          <a:shade val="50000"/>
+                        </a:schemeClr>
+                      </a:lnRef>
+                      <a:fillRef idx="1">
+                        <a:schemeClr val="accent1"/>
+                      </a:fillRef>
+                      <a:effectRef idx="0">
+                        <a:schemeClr val="accent1"/>
+                      </a:effectRef>
+                      <a:fontRef idx="minor">
+                        <a:schemeClr val="lt1"/>
+                      </a:fontRef>
+                    </p:style>
+                    <p:txBody>
+                      <a:bodyPr rtlCol="0" anchor="ctr"/>
+                      <a:lstStyle/>
+                      <a:p>
+                        <a:pPr algn="ctr"/>
+                        <a:r>
+                          <a:rPr lang="en-GB" dirty="0">
+                            <a:solidFill>
+                              <a:sysClr val="windowText" lastClr="000000"/>
+                            </a:solidFill>
+                          </a:rPr>
+                          <a:t>Generator loss</a:t>
+                        </a:r>
+                      </a:p>
+                    </p:txBody>
+                  </p:sp>
+                  <p:cxnSp>
+                    <p:nvCxnSpPr>
+                      <p:cNvPr id="16" name="Straight Arrow Connector 15">
+                        <a:extLst>
+                          <a:ext uri="{FF2B5EF4-FFF2-40B4-BE49-F238E27FC236}">
+                            <a16:creationId xmlns:a16="http://schemas.microsoft.com/office/drawing/2014/main" id="{B3083FB3-352E-4DAC-8FD7-AA4F1EB57FD4}"/>
+                          </a:ext>
+                        </a:extLst>
+                      </p:cNvPr>
+                      <p:cNvCxnSpPr>
+                        <a:cxnSpLocks/>
+                        <a:stCxn id="24" idx="0"/>
+                        <a:endCxn id="14" idx="2"/>
+                      </p:cNvCxnSpPr>
+                      <p:nvPr/>
+                    </p:nvCxnSpPr>
+                    <p:spPr>
+                      <a:xfrm flipV="1">
+                        <a:off x="1256845" y="4102960"/>
+                        <a:ext cx="1489521" cy="1892609"/>
+                      </a:xfrm>
+                      <a:prstGeom prst="straightConnector1">
+                        <a:avLst/>
+                      </a:prstGeom>
+                      <a:ln w="19050">
+                        <a:tailEnd type="triangle"/>
+                      </a:ln>
+                    </p:spPr>
+                    <p:style>
+                      <a:lnRef idx="1">
+                        <a:schemeClr val="dk1"/>
+                      </a:lnRef>
+                      <a:fillRef idx="0">
+                        <a:schemeClr val="dk1"/>
+                      </a:fillRef>
+                      <a:effectRef idx="0">
+                        <a:schemeClr val="dk1"/>
+                      </a:effectRef>
+                      <a:fontRef idx="minor">
+                        <a:schemeClr val="tx1"/>
+                      </a:fontRef>
+                    </p:style>
+                  </p:cxnSp>
+                  <p:grpSp>
+                    <p:nvGrpSpPr>
+                      <p:cNvPr id="15" name="Group 14">
+                        <a:extLst>
+                          <a:ext uri="{FF2B5EF4-FFF2-40B4-BE49-F238E27FC236}">
+                            <a16:creationId xmlns:a16="http://schemas.microsoft.com/office/drawing/2014/main" id="{B26D1137-7693-4CD3-B50E-F26B2C9285AA}"/>
+                          </a:ext>
+                        </a:extLst>
+                      </p:cNvPr>
+                      <p:cNvGrpSpPr/>
+                      <p:nvPr/>
+                    </p:nvGrpSpPr>
+                    <p:grpSpPr>
+                      <a:xfrm>
+                        <a:off x="-1078245" y="3916590"/>
+                        <a:ext cx="9897870" cy="2618862"/>
+                        <a:chOff x="-1078245" y="3916590"/>
+                        <a:chExt cx="9897870" cy="2618862"/>
+                      </a:xfrm>
+                    </p:grpSpPr>
+                    <p:grpSp>
+                      <p:nvGrpSpPr>
+                        <p:cNvPr id="18" name="Group 17">
+                          <a:extLst>
+                            <a:ext uri="{FF2B5EF4-FFF2-40B4-BE49-F238E27FC236}">
+                              <a16:creationId xmlns:a16="http://schemas.microsoft.com/office/drawing/2014/main" id="{450B240A-9FDF-4A84-8D08-E0ACF5ADEC36}"/>
+                            </a:ext>
+                          </a:extLst>
+                        </p:cNvPr>
+                        <p:cNvGrpSpPr/>
+                        <p:nvPr/>
+                      </p:nvGrpSpPr>
+                      <p:grpSpPr>
+                        <a:xfrm>
+                          <a:off x="5877525" y="4520569"/>
+                          <a:ext cx="2942100" cy="2010060"/>
+                          <a:chOff x="5877525" y="4520569"/>
+                          <a:chExt cx="2942100" cy="2010060"/>
+                        </a:xfrm>
+                      </p:grpSpPr>
+                      <p:sp>
+                        <p:nvSpPr>
+                          <p:cNvPr id="25" name="Oval 24">
+                            <a:extLst>
+                              <a:ext uri="{FF2B5EF4-FFF2-40B4-BE49-F238E27FC236}">
+                                <a16:creationId xmlns:a16="http://schemas.microsoft.com/office/drawing/2014/main" id="{4349DBED-ABA1-4752-82C5-1850D7F83D1A}"/>
+                              </a:ext>
+                            </a:extLst>
+                          </p:cNvPr>
+                          <p:cNvSpPr/>
+                          <p:nvPr/>
+                        </p:nvSpPr>
+                        <p:spPr>
+                          <a:xfrm>
+                            <a:off x="5990171" y="4520569"/>
+                            <a:ext cx="2829454" cy="1010394"/>
+                          </a:xfrm>
+                          <a:prstGeom prst="ellipse">
+                            <a:avLst/>
+                          </a:prstGeom>
+                          <a:gradFill flip="none" rotWithShape="1">
+                            <a:gsLst>
+                              <a:gs pos="0">
+                                <a:schemeClr val="accent1">
+                                  <a:lumMod val="60000"/>
+                                  <a:lumOff val="40000"/>
+                                  <a:tint val="66000"/>
+                                  <a:satMod val="160000"/>
+                                </a:schemeClr>
+                              </a:gs>
+                              <a:gs pos="50000">
+                                <a:schemeClr val="accent1">
+                                  <a:lumMod val="60000"/>
+                                  <a:lumOff val="40000"/>
+                                  <a:tint val="44500"/>
+                                  <a:satMod val="160000"/>
+                                </a:schemeClr>
+                              </a:gs>
+                              <a:gs pos="100000">
+                                <a:schemeClr val="accent1">
+                                  <a:lumMod val="60000"/>
+                                  <a:lumOff val="40000"/>
+                                  <a:tint val="23500"/>
+                                  <a:satMod val="160000"/>
+                                </a:schemeClr>
+                              </a:gs>
+                            </a:gsLst>
+                            <a:path path="circle">
+                              <a:fillToRect l="50000" t="50000" r="50000" b="50000"/>
+                            </a:path>
+                            <a:tileRect/>
+                          </a:gradFill>
+                          <a:ln>
+                            <a:solidFill>
+                              <a:schemeClr val="accent1"/>
+                            </a:solidFill>
+                          </a:ln>
+                        </p:spPr>
+                        <p:style>
+                          <a:lnRef idx="2">
+                            <a:schemeClr val="accent1">
+                              <a:shade val="50000"/>
+                            </a:schemeClr>
+                          </a:lnRef>
+                          <a:fillRef idx="1">
+                            <a:schemeClr val="accent1"/>
+                          </a:fillRef>
+                          <a:effectRef idx="0">
+                            <a:schemeClr val="accent1"/>
+                          </a:effectRef>
+                          <a:fontRef idx="minor">
+                            <a:schemeClr val="lt1"/>
+                          </a:fontRef>
+                        </p:style>
+                        <p:txBody>
+                          <a:bodyPr rtlCol="0" anchor="ctr"/>
+                          <a:lstStyle/>
+                          <a:p>
+                            <a:pPr algn="ctr"/>
+                            <a:r>
+                              <a:rPr lang="en-GB" dirty="0">
+                                <a:solidFill>
+                                  <a:sysClr val="windowText" lastClr="000000"/>
+                                </a:solidFill>
+                              </a:rPr>
+                              <a:t> discriminator loss (fake images)</a:t>
+                            </a:r>
+                          </a:p>
+                        </p:txBody>
+                      </p:sp>
+                      <p:sp>
+                        <p:nvSpPr>
+                          <p:cNvPr id="26" name="Rectangle 25">
+                            <a:extLst>
+                              <a:ext uri="{FF2B5EF4-FFF2-40B4-BE49-F238E27FC236}">
+                                <a16:creationId xmlns:a16="http://schemas.microsoft.com/office/drawing/2014/main" id="{E0BF78F3-336E-472A-A8DB-2293BCEA08CB}"/>
+                              </a:ext>
+                            </a:extLst>
+                          </p:cNvPr>
+                          <p:cNvSpPr/>
+                          <p:nvPr/>
+                        </p:nvSpPr>
+                        <p:spPr>
+                          <a:xfrm>
+                            <a:off x="5877525" y="5990745"/>
+                            <a:ext cx="1442300" cy="539884"/>
+                          </a:xfrm>
+                          <a:prstGeom prst="rect">
+                            <a:avLst/>
+                          </a:prstGeom>
+                          <a:solidFill>
+                            <a:srgbClr val="FF7C80"/>
+                          </a:solidFill>
+                          <a:ln>
+                            <a:solidFill>
+                              <a:schemeClr val="tx1"/>
+                            </a:solidFill>
+                          </a:ln>
+                        </p:spPr>
+                        <p:style>
+                          <a:lnRef idx="2">
+                            <a:schemeClr val="accent1">
+                              <a:shade val="50000"/>
+                            </a:schemeClr>
+                          </a:lnRef>
+                          <a:fillRef idx="1">
+                            <a:schemeClr val="accent1"/>
+                          </a:fillRef>
+                          <a:effectRef idx="0">
+                            <a:schemeClr val="accent1"/>
+                          </a:effectRef>
+                          <a:fontRef idx="minor">
+                            <a:schemeClr val="lt1"/>
+                          </a:fontRef>
+                        </p:style>
+                        <p:txBody>
+                          <a:bodyPr rtlCol="0" anchor="ctr"/>
+                          <a:lstStyle/>
+                          <a:p>
+                            <a:pPr algn="ctr"/>
+                            <a:r>
+                              <a:rPr lang="en-GB" dirty="0"/>
+                              <a:t>‘fake’ label</a:t>
+                            </a:r>
+                          </a:p>
+                        </p:txBody>
+                      </p:sp>
+                      <p:cxnSp>
+                        <p:nvCxnSpPr>
+                          <p:cNvPr id="27" name="Straight Arrow Connector 26">
+                            <a:extLst>
+                              <a:ext uri="{FF2B5EF4-FFF2-40B4-BE49-F238E27FC236}">
+                                <a16:creationId xmlns:a16="http://schemas.microsoft.com/office/drawing/2014/main" id="{798BCB63-452C-4579-8E7D-959D09F576C7}"/>
+                              </a:ext>
+                            </a:extLst>
+                          </p:cNvPr>
+                          <p:cNvCxnSpPr>
+                            <a:cxnSpLocks/>
+                            <a:stCxn id="26" idx="0"/>
+                            <a:endCxn id="25" idx="4"/>
+                          </p:cNvCxnSpPr>
+                          <p:nvPr/>
+                        </p:nvCxnSpPr>
+                        <p:spPr>
+                          <a:xfrm flipV="1">
+                            <a:off x="6598676" y="5530963"/>
+                            <a:ext cx="806222" cy="459782"/>
+                          </a:xfrm>
+                          <a:prstGeom prst="straightConnector1">
+                            <a:avLst/>
+                          </a:prstGeom>
+                          <a:ln w="19050">
+                            <a:tailEnd type="triangle"/>
+                          </a:ln>
+                        </p:spPr>
+                        <p:style>
+                          <a:lnRef idx="1">
+                            <a:schemeClr val="dk1"/>
+                          </a:lnRef>
+                          <a:fillRef idx="0">
+                            <a:schemeClr val="dk1"/>
+                          </a:fillRef>
+                          <a:effectRef idx="0">
+                            <a:schemeClr val="dk1"/>
+                          </a:effectRef>
+                          <a:fontRef idx="minor">
+                            <a:schemeClr val="tx1"/>
+                          </a:fontRef>
+                        </p:style>
+                      </p:cxnSp>
+                    </p:grpSp>
+                    <p:cxnSp>
+                      <p:nvCxnSpPr>
+                        <p:cNvPr id="20" name="Straight Arrow Connector 19">
+                          <a:extLst>
+                            <a:ext uri="{FF2B5EF4-FFF2-40B4-BE49-F238E27FC236}">
+                              <a16:creationId xmlns:a16="http://schemas.microsoft.com/office/drawing/2014/main" id="{2FEE2808-B097-41E3-B215-22E9111093AB}"/>
+                            </a:ext>
+                          </a:extLst>
+                        </p:cNvPr>
+                        <p:cNvCxnSpPr>
+                          <a:cxnSpLocks/>
+                          <a:stCxn id="215" idx="2"/>
+                          <a:endCxn id="246" idx="2"/>
+                        </p:cNvCxnSpPr>
+                        <p:nvPr/>
+                      </p:nvCxnSpPr>
+                      <p:spPr>
+                        <a:xfrm>
+                          <a:off x="1223683" y="3916590"/>
+                          <a:ext cx="1522684" cy="2313797"/>
+                        </a:xfrm>
+                        <a:prstGeom prst="straightConnector1">
+                          <a:avLst/>
+                        </a:prstGeom>
+                        <a:ln w="19050">
+                          <a:tailEnd type="triangle"/>
+                        </a:ln>
+                      </p:spPr>
+                      <p:style>
+                        <a:lnRef idx="1">
+                          <a:schemeClr val="dk1"/>
+                        </a:lnRef>
+                        <a:fillRef idx="0">
+                          <a:schemeClr val="dk1"/>
+                        </a:fillRef>
+                        <a:effectRef idx="0">
+                          <a:schemeClr val="dk1"/>
+                        </a:effectRef>
+                        <a:fontRef idx="minor">
+                          <a:schemeClr val="tx1"/>
+                        </a:fontRef>
+                      </p:style>
+                    </p:cxnSp>
+                    <p:grpSp>
+                      <p:nvGrpSpPr>
+                        <p:cNvPr id="19" name="Group 18">
+                          <a:extLst>
+                            <a:ext uri="{FF2B5EF4-FFF2-40B4-BE49-F238E27FC236}">
+                              <a16:creationId xmlns:a16="http://schemas.microsoft.com/office/drawing/2014/main" id="{AC03904D-E075-469B-AEED-5B969A2E1E98}"/>
+                            </a:ext>
+                          </a:extLst>
+                        </p:cNvPr>
+                        <p:cNvGrpSpPr/>
+                        <p:nvPr/>
+                      </p:nvGrpSpPr>
+                      <p:grpSpPr>
+                        <a:xfrm>
+                          <a:off x="-1078245" y="4389201"/>
+                          <a:ext cx="3056240" cy="2146251"/>
+                          <a:chOff x="-1078245" y="4389201"/>
+                          <a:chExt cx="3056240" cy="2146251"/>
+                        </a:xfrm>
+                      </p:grpSpPr>
+                      <p:cxnSp>
+                        <p:nvCxnSpPr>
+                          <p:cNvPr id="23" name="Straight Arrow Connector 22">
+                            <a:extLst>
+                              <a:ext uri="{FF2B5EF4-FFF2-40B4-BE49-F238E27FC236}">
+                                <a16:creationId xmlns:a16="http://schemas.microsoft.com/office/drawing/2014/main" id="{371E7258-3B0C-4FED-8187-BCB18C0CC885}"/>
+                              </a:ext>
+                            </a:extLst>
+                          </p:cNvPr>
+                          <p:cNvCxnSpPr>
+                            <a:cxnSpLocks/>
+                            <a:stCxn id="24" idx="0"/>
+                            <a:endCxn id="22" idx="4"/>
+                          </p:cNvCxnSpPr>
+                          <p:nvPr/>
+                        </p:nvCxnSpPr>
+                        <p:spPr>
+                          <a:xfrm flipH="1" flipV="1">
+                            <a:off x="332138" y="5510925"/>
+                            <a:ext cx="924707" cy="484644"/>
+                          </a:xfrm>
+                          <a:prstGeom prst="straightConnector1">
+                            <a:avLst/>
+                          </a:prstGeom>
+                          <a:ln w="19050">
+                            <a:tailEnd type="triangle"/>
+                          </a:ln>
+                        </p:spPr>
+                        <p:style>
+                          <a:lnRef idx="1">
+                            <a:schemeClr val="dk1"/>
+                          </a:lnRef>
+                          <a:fillRef idx="0">
+                            <a:schemeClr val="dk1"/>
+                          </a:fillRef>
+                          <a:effectRef idx="0">
+                            <a:schemeClr val="dk1"/>
+                          </a:effectRef>
+                          <a:fontRef idx="minor">
+                            <a:schemeClr val="tx1"/>
+                          </a:fontRef>
+                        </p:style>
+                      </p:cxnSp>
+                      <p:sp>
+                        <p:nvSpPr>
+                          <p:cNvPr id="24" name="Rectangle 23">
+                            <a:extLst>
+                              <a:ext uri="{FF2B5EF4-FFF2-40B4-BE49-F238E27FC236}">
+                                <a16:creationId xmlns:a16="http://schemas.microsoft.com/office/drawing/2014/main" id="{17538934-BB58-4FF1-BA81-1DB690ED7AAD}"/>
+                              </a:ext>
+                            </a:extLst>
+                          </p:cNvPr>
+                          <p:cNvSpPr/>
+                          <p:nvPr/>
+                        </p:nvSpPr>
+                        <p:spPr>
+                          <a:xfrm>
+                            <a:off x="535694" y="5995569"/>
+                            <a:ext cx="1442301" cy="539883"/>
+                          </a:xfrm>
+                          <a:prstGeom prst="rect">
+                            <a:avLst/>
+                          </a:prstGeom>
+                          <a:solidFill>
+                            <a:schemeClr val="accent6">
+                              <a:lumMod val="60000"/>
+                              <a:lumOff val="40000"/>
+                            </a:schemeClr>
+                          </a:solidFill>
+                          <a:ln>
+                            <a:solidFill>
+                              <a:schemeClr val="tx1"/>
+                            </a:solidFill>
+                          </a:ln>
+                        </p:spPr>
+                        <p:style>
+                          <a:lnRef idx="2">
+                            <a:schemeClr val="accent1">
+                              <a:shade val="50000"/>
+                            </a:schemeClr>
+                          </a:lnRef>
+                          <a:fillRef idx="1">
+                            <a:schemeClr val="accent1"/>
+                          </a:fillRef>
+                          <a:effectRef idx="0">
+                            <a:schemeClr val="accent1"/>
+                          </a:effectRef>
+                          <a:fontRef idx="minor">
+                            <a:schemeClr val="lt1"/>
+                          </a:fontRef>
+                        </p:style>
+                        <p:txBody>
+                          <a:bodyPr rtlCol="0" anchor="ctr"/>
+                          <a:lstStyle/>
+                          <a:p>
+                            <a:pPr algn="ctr"/>
+                            <a:r>
+                              <a:rPr lang="en-GB" dirty="0"/>
+                              <a:t>‘real’ label</a:t>
+                            </a:r>
+                          </a:p>
+                        </p:txBody>
+                      </p:sp>
+                      <p:sp>
+                        <p:nvSpPr>
+                          <p:cNvPr id="22" name="Oval 21">
+                            <a:extLst>
+                              <a:ext uri="{FF2B5EF4-FFF2-40B4-BE49-F238E27FC236}">
+                                <a16:creationId xmlns:a16="http://schemas.microsoft.com/office/drawing/2014/main" id="{D348B207-1C44-4D05-A869-59BCEB7CE0A3}"/>
+                              </a:ext>
+                            </a:extLst>
+                          </p:cNvPr>
+                          <p:cNvSpPr/>
+                          <p:nvPr/>
+                        </p:nvSpPr>
+                        <p:spPr>
+                          <a:xfrm>
+                            <a:off x="-1078245" y="4389201"/>
+                            <a:ext cx="2820766" cy="1121724"/>
+                          </a:xfrm>
+                          <a:prstGeom prst="ellipse">
+                            <a:avLst/>
+                          </a:prstGeom>
+                          <a:gradFill flip="none" rotWithShape="1">
+                            <a:gsLst>
+                              <a:gs pos="0">
+                                <a:schemeClr val="accent1">
+                                  <a:lumMod val="60000"/>
+                                  <a:lumOff val="40000"/>
+                                  <a:tint val="66000"/>
+                                  <a:satMod val="160000"/>
+                                </a:schemeClr>
+                              </a:gs>
+                              <a:gs pos="50000">
+                                <a:schemeClr val="accent1">
+                                  <a:lumMod val="60000"/>
+                                  <a:lumOff val="40000"/>
+                                  <a:tint val="44500"/>
+                                  <a:satMod val="160000"/>
+                                </a:schemeClr>
+                              </a:gs>
+                              <a:gs pos="100000">
+                                <a:schemeClr val="accent1">
+                                  <a:lumMod val="60000"/>
+                                  <a:lumOff val="40000"/>
+                                  <a:tint val="23500"/>
+                                  <a:satMod val="160000"/>
+                                </a:schemeClr>
+                              </a:gs>
+                            </a:gsLst>
+                            <a:path path="circle">
+                              <a:fillToRect l="50000" t="50000" r="50000" b="50000"/>
+                            </a:path>
+                            <a:tileRect/>
+                          </a:gradFill>
+                          <a:ln>
+                            <a:solidFill>
+                              <a:schemeClr val="accent1"/>
+                            </a:solidFill>
+                          </a:ln>
+                        </p:spPr>
+                        <p:style>
+                          <a:lnRef idx="2">
+                            <a:schemeClr val="accent1">
+                              <a:shade val="50000"/>
+                            </a:schemeClr>
+                          </a:lnRef>
+                          <a:fillRef idx="1">
+                            <a:schemeClr val="accent1"/>
+                          </a:fillRef>
+                          <a:effectRef idx="0">
+                            <a:schemeClr val="accent1"/>
+                          </a:effectRef>
+                          <a:fontRef idx="minor">
+                            <a:schemeClr val="lt1"/>
+                          </a:fontRef>
+                        </p:style>
+                        <p:txBody>
+                          <a:bodyPr rtlCol="0" anchor="ctr"/>
+                          <a:lstStyle/>
+                          <a:p>
+                            <a:pPr algn="ctr"/>
+                            <a:r>
+                              <a:rPr lang="en-GB" dirty="0">
+                                <a:solidFill>
+                                  <a:sysClr val="windowText" lastClr="000000"/>
+                                </a:solidFill>
+                              </a:rPr>
+                              <a:t>Discriminator loss (real images)</a:t>
+                            </a:r>
+                          </a:p>
+                        </p:txBody>
+                      </p:sp>
+                    </p:grpSp>
+                    <p:cxnSp>
+                      <p:nvCxnSpPr>
+                        <p:cNvPr id="21" name="Straight Arrow Connector 20">
+                          <a:extLst>
+                            <a:ext uri="{FF2B5EF4-FFF2-40B4-BE49-F238E27FC236}">
+                              <a16:creationId xmlns:a16="http://schemas.microsoft.com/office/drawing/2014/main" id="{8C594D1C-3A50-4D77-88BC-F9F89056B463}"/>
+                            </a:ext>
+                          </a:extLst>
+                        </p:cNvPr>
+                        <p:cNvCxnSpPr>
+                          <a:cxnSpLocks/>
+                          <a:stCxn id="26" idx="1"/>
+                          <a:endCxn id="246" idx="6"/>
+                        </p:cNvCxnSpPr>
+                        <p:nvPr/>
+                      </p:nvCxnSpPr>
+                      <p:spPr>
+                        <a:xfrm flipH="1" flipV="1">
+                          <a:off x="4914530" y="6230387"/>
+                          <a:ext cx="962994" cy="30300"/>
+                        </a:xfrm>
+                        <a:prstGeom prst="straightConnector1">
+                          <a:avLst/>
+                        </a:prstGeom>
+                        <a:ln w="19050">
+                          <a:tailEnd type="triangle"/>
+                        </a:ln>
+                      </p:spPr>
+                      <p:style>
+                        <a:lnRef idx="1">
+                          <a:schemeClr val="dk1"/>
+                        </a:lnRef>
+                        <a:fillRef idx="0">
+                          <a:schemeClr val="dk1"/>
+                        </a:fillRef>
+                        <a:effectRef idx="0">
+                          <a:schemeClr val="dk1"/>
+                        </a:effectRef>
+                        <a:fontRef idx="minor">
+                          <a:schemeClr val="tx1"/>
+                        </a:fontRef>
+                      </p:style>
+                    </p:cxnSp>
+                  </p:grpSp>
+                </p:grpSp>
+              </p:grpSp>
+              <p:cxnSp>
+                <p:nvCxnSpPr>
+                  <p:cNvPr id="9" name="Straight Arrow Connector 8">
+                    <a:extLst>
+                      <a:ext uri="{FF2B5EF4-FFF2-40B4-BE49-F238E27FC236}">
+                        <a16:creationId xmlns:a16="http://schemas.microsoft.com/office/drawing/2014/main" id="{3A7381F7-9C68-40E5-8CE0-15A1141B29D8}"/>
+                      </a:ext>
+                    </a:extLst>
+                  </p:cNvPr>
+                  <p:cNvCxnSpPr>
+                    <a:cxnSpLocks/>
+                    <a:stCxn id="43" idx="2"/>
+                  </p:cNvCxnSpPr>
+                  <p:nvPr/>
+                </p:nvCxnSpPr>
+                <p:spPr>
+                  <a:xfrm flipH="1">
+                    <a:off x="1320455" y="2414332"/>
+                    <a:ext cx="829501" cy="803419"/>
+                  </a:xfrm>
+                  <a:prstGeom prst="straightConnector1">
+                    <a:avLst/>
+                  </a:prstGeom>
+                  <a:ln w="19050">
+                    <a:tailEnd type="triangle"/>
+                  </a:ln>
+                </p:spPr>
+                <p:style>
+                  <a:lnRef idx="1">
+                    <a:schemeClr val="dk1"/>
+                  </a:lnRef>
+                  <a:fillRef idx="0">
+                    <a:schemeClr val="dk1"/>
+                  </a:fillRef>
+                  <a:effectRef idx="0">
+                    <a:schemeClr val="dk1"/>
+                  </a:effectRef>
+                  <a:fontRef idx="minor">
+                    <a:schemeClr val="tx1"/>
+                  </a:fontRef>
+                </p:style>
+              </p:cxnSp>
+            </p:grpSp>
+            <p:sp>
+              <p:nvSpPr>
+                <p:cNvPr id="6" name="Rectangle 5">
+                  <a:extLst>
+                    <a:ext uri="{FF2B5EF4-FFF2-40B4-BE49-F238E27FC236}">
+                      <a16:creationId xmlns:a16="http://schemas.microsoft.com/office/drawing/2014/main" id="{FDEF2827-B39F-4E84-BE1A-D37BC1AC92C3}"/>
+                    </a:ext>
+                  </a:extLst>
+                </p:cNvPr>
+                <p:cNvSpPr/>
+                <p:nvPr/>
+              </p:nvSpPr>
+              <p:spPr>
+                <a:xfrm>
+                  <a:off x="897196" y="856462"/>
+                  <a:ext cx="5445760" cy="1754860"/>
+                </a:xfrm>
+                <a:prstGeom prst="rect">
+                  <a:avLst/>
+                </a:prstGeom>
+                <a:noFill/>
+                <a:ln w="28575">
+                  <a:solidFill>
+                    <a:schemeClr val="tx1"/>
+                  </a:solidFill>
+                  <a:prstDash val="dash"/>
+                </a:ln>
+              </p:spPr>
+              <p:style>
+                <a:lnRef idx="2">
+                  <a:schemeClr val="accent1">
+                    <a:shade val="50000"/>
+                  </a:schemeClr>
+                </a:lnRef>
+                <a:fillRef idx="1">
+                  <a:schemeClr val="accent1"/>
+                </a:fillRef>
+                <a:effectRef idx="0">
+                  <a:schemeClr val="accent1"/>
+                </a:effectRef>
+                <a:fontRef idx="minor">
+                  <a:schemeClr val="lt1"/>
+                </a:fontRef>
+              </p:style>
+              <p:txBody>
+                <a:bodyPr rtlCol="0" anchor="ctr"/>
+                <a:lstStyle/>
+                <a:p>
+                  <a:pPr algn="ctr"/>
+                  <a:endParaRPr lang="en-GB"/>
+                </a:p>
+              </p:txBody>
+            </p:sp>
+            <p:sp>
+              <p:nvSpPr>
+                <p:cNvPr id="7" name="TextBox 6">
+                  <a:extLst>
+                    <a:ext uri="{FF2B5EF4-FFF2-40B4-BE49-F238E27FC236}">
+                      <a16:creationId xmlns:a16="http://schemas.microsoft.com/office/drawing/2014/main" id="{1FFEFC63-03B0-407F-934A-94637AA28AA2}"/>
+                    </a:ext>
+                  </a:extLst>
+                </p:cNvPr>
+                <p:cNvSpPr txBox="1"/>
+                <p:nvPr/>
+              </p:nvSpPr>
+              <p:spPr>
+                <a:xfrm>
+                  <a:off x="10094991" y="3266021"/>
+                  <a:ext cx="1847102" cy="696045"/>
+                </a:xfrm>
+                <a:prstGeom prst="rect">
+                  <a:avLst/>
+                </a:prstGeom>
+                <a:noFill/>
+              </p:spPr>
+              <p:txBody>
+                <a:bodyPr wrap="square" rtlCol="0">
+                  <a:spAutoFit/>
+                </a:bodyPr>
+                <a:lstStyle/>
+                <a:p>
+                  <a:r>
+                    <a:rPr lang="en-GB" dirty="0"/>
+                    <a:t>Generated fake image </a:t>
+                  </a:r>
+                </a:p>
+              </p:txBody>
+            </p:sp>
+          </p:grpSp>
+          <p:cxnSp>
+            <p:nvCxnSpPr>
+              <p:cNvPr id="4" name="Straight Arrow Connector 3">
+                <a:extLst>
+                  <a:ext uri="{FF2B5EF4-FFF2-40B4-BE49-F238E27FC236}">
+                    <a16:creationId xmlns:a16="http://schemas.microsoft.com/office/drawing/2014/main" id="{08BFB21D-3280-4CD0-8ED1-3D709CDB7A66}"/>
+                  </a:ext>
+                </a:extLst>
+              </p:cNvPr>
+              <p:cNvCxnSpPr>
+                <a:cxnSpLocks/>
+              </p:cNvCxnSpPr>
+              <p:nvPr/>
+            </p:nvCxnSpPr>
+            <p:spPr>
+              <a:xfrm flipH="1">
+                <a:off x="6502339" y="265619"/>
+                <a:ext cx="2772831" cy="949851"/>
+              </a:xfrm>
+              <a:prstGeom prst="straightConnector1">
+                <a:avLst/>
+              </a:prstGeom>
+              <a:ln w="19050">
+                <a:prstDash val="dash"/>
+                <a:tailEnd type="triangle"/>
+              </a:ln>
+            </p:spPr>
+            <p:style>
+              <a:lnRef idx="1">
+                <a:schemeClr val="dk1"/>
+              </a:lnRef>
+              <a:fillRef idx="0">
+                <a:schemeClr val="dk1"/>
+              </a:fillRef>
+              <a:effectRef idx="0">
+                <a:schemeClr val="dk1"/>
+              </a:effectRef>
+              <a:fontRef idx="minor">
+                <a:schemeClr val="tx1"/>
+              </a:fontRef>
+            </p:style>
+          </p:cxnSp>
+        </p:grpSp>
+        <p:grpSp>
+          <p:nvGrpSpPr>
+            <p:cNvPr id="269" name="Group 268">
+              <a:extLst>
+                <a:ext uri="{FF2B5EF4-FFF2-40B4-BE49-F238E27FC236}">
+                  <a16:creationId xmlns:a16="http://schemas.microsoft.com/office/drawing/2014/main" id="{13B06EC1-D063-4F6D-B487-07DABE236D7B}"/>
+                </a:ext>
+              </a:extLst>
+            </p:cNvPr>
+            <p:cNvGrpSpPr/>
+            <p:nvPr/>
+          </p:nvGrpSpPr>
+          <p:grpSpPr>
+            <a:xfrm>
+              <a:off x="95073" y="186553"/>
+              <a:ext cx="11964358" cy="6629903"/>
+              <a:chOff x="95073" y="186553"/>
+              <a:chExt cx="11964358" cy="6629903"/>
+            </a:xfrm>
+          </p:grpSpPr>
+          <p:sp>
+            <p:nvSpPr>
+              <p:cNvPr id="192" name="Rectangle: Rounded Corners 191">
+                <a:extLst>
+                  <a:ext uri="{FF2B5EF4-FFF2-40B4-BE49-F238E27FC236}">
+                    <a16:creationId xmlns:a16="http://schemas.microsoft.com/office/drawing/2014/main" id="{A68B31AB-F622-4052-9E36-092090AA6CBF}"/>
+                  </a:ext>
+                </a:extLst>
+              </p:cNvPr>
+              <p:cNvSpPr/>
+              <p:nvPr/>
+            </p:nvSpPr>
+            <p:spPr>
+              <a:xfrm>
+                <a:off x="101408" y="1353146"/>
+                <a:ext cx="1748455" cy="1304273"/>
+              </a:xfrm>
+              <a:prstGeom prst="roundRect">
+                <a:avLst/>
+              </a:prstGeom>
+              <a:gradFill>
+                <a:gsLst>
+                  <a:gs pos="0">
+                    <a:schemeClr val="bg1">
+                      <a:lumMod val="95000"/>
+                    </a:schemeClr>
+                  </a:gs>
+                  <a:gs pos="46000">
+                    <a:srgbClr val="F97F7F"/>
+                  </a:gs>
+                  <a:gs pos="100000">
+                    <a:srgbClr val="FF0000"/>
+                  </a:gs>
+                </a:gsLst>
+                <a:path path="circle">
+                  <a:fillToRect l="50000" t="130000" r="50000" b="-30000"/>
+                </a:path>
+              </a:gradFill>
+            </p:spPr>
+            <p:style>
+              <a:lnRef idx="2">
+                <a:schemeClr val="accent1">
+                  <a:shade val="50000"/>
+                </a:schemeClr>
+              </a:lnRef>
+              <a:fillRef idx="1">
+                <a:schemeClr val="accent1"/>
+              </a:fillRef>
+              <a:effectRef idx="0">
+                <a:schemeClr val="accent1"/>
+              </a:effectRef>
+              <a:fontRef idx="minor">
+                <a:schemeClr val="lt1"/>
+              </a:fontRef>
+            </p:style>
+            <p:txBody>
+              <a:bodyPr rtlCol="0" anchor="ctr"/>
+              <a:lstStyle/>
+              <a:p>
+                <a:pPr algn="ctr"/>
+                <a:r>
+                  <a:rPr lang="en-GB" dirty="0"/>
+                  <a:t>Encoder for real images</a:t>
+                </a:r>
+              </a:p>
+            </p:txBody>
+          </p:sp>
+          <p:sp>
+            <p:nvSpPr>
+              <p:cNvPr id="193" name="TextBox 192">
+                <a:extLst>
+                  <a:ext uri="{FF2B5EF4-FFF2-40B4-BE49-F238E27FC236}">
+                    <a16:creationId xmlns:a16="http://schemas.microsoft.com/office/drawing/2014/main" id="{91529FFD-4BDA-4E84-9D81-CBC87BAFF21A}"/>
+                  </a:ext>
+                </a:extLst>
+              </p:cNvPr>
+              <p:cNvSpPr txBox="1"/>
+              <p:nvPr/>
+            </p:nvSpPr>
+            <p:spPr>
+              <a:xfrm>
+                <a:off x="263836" y="3502368"/>
+                <a:ext cx="1201150" cy="923330"/>
+              </a:xfrm>
+              <a:prstGeom prst="rect">
+                <a:avLst/>
+              </a:prstGeom>
+              <a:noFill/>
+            </p:spPr>
+            <p:txBody>
+              <a:bodyPr wrap="square" rtlCol="0">
+                <a:spAutoFit/>
+              </a:bodyPr>
+              <a:lstStyle/>
+              <a:p>
+                <a:r>
+                  <a:rPr lang="en-GB" dirty="0"/>
+                  <a:t>Length N encoding of image</a:t>
+                </a:r>
+              </a:p>
+            </p:txBody>
+          </p:sp>
+          <p:sp>
+            <p:nvSpPr>
+              <p:cNvPr id="194" name="TextBox 193">
+                <a:extLst>
+                  <a:ext uri="{FF2B5EF4-FFF2-40B4-BE49-F238E27FC236}">
+                    <a16:creationId xmlns:a16="http://schemas.microsoft.com/office/drawing/2014/main" id="{9B68FC5B-033A-4C7F-9E73-E318BA92619C}"/>
+                  </a:ext>
+                </a:extLst>
+              </p:cNvPr>
+              <p:cNvSpPr txBox="1"/>
+              <p:nvPr/>
+            </p:nvSpPr>
+            <p:spPr>
+              <a:xfrm>
+                <a:off x="9706988" y="186553"/>
+                <a:ext cx="1852443" cy="371533"/>
+              </a:xfrm>
+              <a:prstGeom prst="rect">
+                <a:avLst/>
+              </a:prstGeom>
+              <a:noFill/>
+            </p:spPr>
+            <p:txBody>
+              <a:bodyPr wrap="none" rtlCol="0">
+                <a:spAutoFit/>
+              </a:bodyPr>
+              <a:lstStyle/>
+              <a:p>
+                <a:r>
+                  <a:rPr lang="en-GB" sz="2000" b="1" dirty="0"/>
+                  <a:t>[0, 0.3, 0.6, ... , 0.1, 0]</a:t>
+                </a:r>
+              </a:p>
+            </p:txBody>
+          </p:sp>
+          <p:cxnSp>
+            <p:nvCxnSpPr>
+              <p:cNvPr id="195" name="Straight Arrow Connector 194">
+                <a:extLst>
+                  <a:ext uri="{FF2B5EF4-FFF2-40B4-BE49-F238E27FC236}">
+                    <a16:creationId xmlns:a16="http://schemas.microsoft.com/office/drawing/2014/main" id="{8708E8B6-590B-4676-A436-B98C73AD9CB0}"/>
+                  </a:ext>
+                </a:extLst>
+              </p:cNvPr>
+              <p:cNvCxnSpPr>
+                <a:cxnSpLocks/>
+              </p:cNvCxnSpPr>
+              <p:nvPr/>
+            </p:nvCxnSpPr>
+            <p:spPr>
+              <a:xfrm>
+                <a:off x="941889" y="2701955"/>
+                <a:ext cx="0" cy="518111"/>
+              </a:xfrm>
+              <a:prstGeom prst="straightConnector1">
+                <a:avLst/>
+              </a:prstGeom>
+              <a:ln w="19050">
+                <a:prstDash val="dash"/>
+                <a:tailEnd type="triangle"/>
+              </a:ln>
+            </p:spPr>
+            <p:style>
+              <a:lnRef idx="1">
+                <a:schemeClr val="dk1"/>
+              </a:lnRef>
+              <a:fillRef idx="0">
+                <a:schemeClr val="dk1"/>
+              </a:fillRef>
+              <a:effectRef idx="0">
+                <a:schemeClr val="dk1"/>
+              </a:effectRef>
+              <a:fontRef idx="minor">
+                <a:schemeClr val="tx1"/>
+              </a:fontRef>
+            </p:style>
+          </p:cxnSp>
+          <p:cxnSp>
+            <p:nvCxnSpPr>
+              <p:cNvPr id="201" name="Straight Arrow Connector 200">
+                <a:extLst>
+                  <a:ext uri="{FF2B5EF4-FFF2-40B4-BE49-F238E27FC236}">
+                    <a16:creationId xmlns:a16="http://schemas.microsoft.com/office/drawing/2014/main" id="{764092FE-E638-40AF-B435-A0F5508E7118}"/>
+                  </a:ext>
+                </a:extLst>
+              </p:cNvPr>
+              <p:cNvCxnSpPr>
+                <a:cxnSpLocks/>
+              </p:cNvCxnSpPr>
+              <p:nvPr/>
+            </p:nvCxnSpPr>
+            <p:spPr>
+              <a:xfrm>
+                <a:off x="1741571" y="874733"/>
+                <a:ext cx="1690561" cy="956680"/>
+              </a:xfrm>
+              <a:prstGeom prst="straightConnector1">
+                <a:avLst/>
+              </a:prstGeom>
+              <a:ln w="19050">
+                <a:prstDash val="dash"/>
+                <a:tailEnd type="triangle"/>
+              </a:ln>
+            </p:spPr>
+            <p:style>
+              <a:lnRef idx="1">
+                <a:schemeClr val="dk1"/>
+              </a:lnRef>
+              <a:fillRef idx="0">
+                <a:schemeClr val="dk1"/>
+              </a:fillRef>
+              <a:effectRef idx="0">
+                <a:schemeClr val="dk1"/>
+              </a:effectRef>
+              <a:fontRef idx="minor">
+                <a:schemeClr val="tx1"/>
+              </a:fontRef>
+            </p:style>
+          </p:cxnSp>
+          <p:cxnSp>
+            <p:nvCxnSpPr>
+              <p:cNvPr id="206" name="Straight Arrow Connector 205">
+                <a:extLst>
+                  <a:ext uri="{FF2B5EF4-FFF2-40B4-BE49-F238E27FC236}">
+                    <a16:creationId xmlns:a16="http://schemas.microsoft.com/office/drawing/2014/main" id="{00B459B1-F920-4A36-BFC3-613534DF5BFE}"/>
+                  </a:ext>
+                </a:extLst>
+              </p:cNvPr>
+              <p:cNvCxnSpPr>
+                <a:cxnSpLocks/>
+              </p:cNvCxnSpPr>
+              <p:nvPr/>
+            </p:nvCxnSpPr>
+            <p:spPr>
+              <a:xfrm flipH="1" flipV="1">
+                <a:off x="7920221" y="1931692"/>
+                <a:ext cx="2530209" cy="1101237"/>
+              </a:xfrm>
+              <a:prstGeom prst="straightConnector1">
+                <a:avLst/>
+              </a:prstGeom>
+              <a:ln w="19050">
+                <a:prstDash val="dash"/>
+                <a:tailEnd type="triangle"/>
+              </a:ln>
+            </p:spPr>
+            <p:style>
+              <a:lnRef idx="1">
+                <a:schemeClr val="dk1"/>
+              </a:lnRef>
+              <a:fillRef idx="0">
+                <a:schemeClr val="dk1"/>
+              </a:fillRef>
+              <a:effectRef idx="0">
+                <a:schemeClr val="dk1"/>
+              </a:effectRef>
+              <a:fontRef idx="minor">
+                <a:schemeClr val="tx1"/>
+              </a:fontRef>
+            </p:style>
+          </p:cxnSp>
+          <p:sp>
+            <p:nvSpPr>
+              <p:cNvPr id="215" name="Rectangle 214">
+                <a:extLst>
+                  <a:ext uri="{FF2B5EF4-FFF2-40B4-BE49-F238E27FC236}">
+                    <a16:creationId xmlns:a16="http://schemas.microsoft.com/office/drawing/2014/main" id="{3AA1391A-E9D2-40A0-BC7D-54C6CE5415EE}"/>
+                  </a:ext>
+                </a:extLst>
+              </p:cNvPr>
+              <p:cNvSpPr/>
+              <p:nvPr/>
+            </p:nvSpPr>
+            <p:spPr>
+              <a:xfrm>
+                <a:off x="3104299" y="3640952"/>
+                <a:ext cx="1769132" cy="501323"/>
+              </a:xfrm>
+              <a:prstGeom prst="rect">
+                <a:avLst/>
+              </a:prstGeom>
+              <a:solidFill>
+                <a:schemeClr val="accent6">
+                  <a:lumMod val="60000"/>
+                  <a:lumOff val="40000"/>
+                </a:schemeClr>
+              </a:solidFill>
+              <a:ln>
+                <a:solidFill>
+                  <a:schemeClr val="tx1"/>
+                </a:solidFill>
+              </a:ln>
+            </p:spPr>
+            <p:style>
+              <a:lnRef idx="2">
+                <a:schemeClr val="accent1">
+                  <a:shade val="50000"/>
+                </a:schemeClr>
+              </a:lnRef>
+              <a:fillRef idx="1">
+                <a:schemeClr val="accent1"/>
+              </a:fillRef>
+              <a:effectRef idx="0">
+                <a:schemeClr val="accent1"/>
+              </a:effectRef>
+              <a:fontRef idx="minor">
+                <a:schemeClr val="lt1"/>
+              </a:fontRef>
+            </p:style>
+            <p:txBody>
+              <a:bodyPr rtlCol="0" anchor="ctr"/>
+              <a:lstStyle/>
+              <a:p>
+                <a:pPr algn="ctr"/>
+                <a:r>
+                  <a:rPr lang="en-GB" dirty="0"/>
+                  <a:t>‘real’ Image predictions</a:t>
+                </a:r>
+              </a:p>
+            </p:txBody>
+          </p:sp>
+          <p:sp>
+            <p:nvSpPr>
+              <p:cNvPr id="216" name="Rectangle 215">
+                <a:extLst>
+                  <a:ext uri="{FF2B5EF4-FFF2-40B4-BE49-F238E27FC236}">
+                    <a16:creationId xmlns:a16="http://schemas.microsoft.com/office/drawing/2014/main" id="{9806EE43-05CB-4F93-AF94-F2E210091C3C}"/>
+                  </a:ext>
+                </a:extLst>
+              </p:cNvPr>
+              <p:cNvSpPr/>
+              <p:nvPr/>
+            </p:nvSpPr>
+            <p:spPr>
+              <a:xfrm>
+                <a:off x="7243538" y="3607503"/>
+                <a:ext cx="1525037" cy="640535"/>
+              </a:xfrm>
+              <a:prstGeom prst="rect">
+                <a:avLst/>
+              </a:prstGeom>
+              <a:solidFill>
+                <a:srgbClr val="F97F7F"/>
+              </a:solidFill>
+              <a:ln>
+                <a:solidFill>
+                  <a:schemeClr val="tx1"/>
+                </a:solidFill>
+              </a:ln>
+            </p:spPr>
+            <p:style>
+              <a:lnRef idx="2">
+                <a:schemeClr val="accent1">
+                  <a:shade val="50000"/>
+                </a:schemeClr>
+              </a:lnRef>
+              <a:fillRef idx="1">
+                <a:schemeClr val="accent1"/>
+              </a:fillRef>
+              <a:effectRef idx="0">
+                <a:schemeClr val="accent1"/>
+              </a:effectRef>
+              <a:fontRef idx="minor">
+                <a:schemeClr val="lt1"/>
+              </a:fontRef>
+            </p:style>
+            <p:txBody>
+              <a:bodyPr rtlCol="0" anchor="ctr"/>
+              <a:lstStyle/>
+              <a:p>
+                <a:pPr algn="ctr"/>
+                <a:r>
+                  <a:rPr lang="en-GB" dirty="0"/>
+                  <a:t>Fake Image predictions</a:t>
+                </a:r>
+              </a:p>
+            </p:txBody>
+          </p:sp>
+          <p:cxnSp>
+            <p:nvCxnSpPr>
+              <p:cNvPr id="223" name="Straight Arrow Connector 222">
+                <a:extLst>
+                  <a:ext uri="{FF2B5EF4-FFF2-40B4-BE49-F238E27FC236}">
+                    <a16:creationId xmlns:a16="http://schemas.microsoft.com/office/drawing/2014/main" id="{431955C9-4EA3-45AE-85D6-EF707B004EBB}"/>
+                  </a:ext>
+                </a:extLst>
+              </p:cNvPr>
+              <p:cNvCxnSpPr>
+                <a:cxnSpLocks/>
+                <a:stCxn id="215" idx="2"/>
+                <a:endCxn id="22" idx="0"/>
+              </p:cNvCxnSpPr>
+              <p:nvPr/>
+            </p:nvCxnSpPr>
+            <p:spPr>
+              <a:xfrm flipH="1">
+                <a:off x="3322537" y="4142275"/>
+                <a:ext cx="666328" cy="438856"/>
+              </a:xfrm>
+              <a:prstGeom prst="straightConnector1">
+                <a:avLst/>
+              </a:prstGeom>
+              <a:ln w="19050">
+                <a:tailEnd type="triangle"/>
+              </a:ln>
+            </p:spPr>
+            <p:style>
+              <a:lnRef idx="1">
+                <a:schemeClr val="dk1"/>
+              </a:lnRef>
+              <a:fillRef idx="0">
+                <a:schemeClr val="dk1"/>
+              </a:fillRef>
+              <a:effectRef idx="0">
+                <a:schemeClr val="dk1"/>
+              </a:effectRef>
+              <a:fontRef idx="minor">
+                <a:schemeClr val="tx1"/>
+              </a:fontRef>
+            </p:style>
+          </p:cxnSp>
+          <p:cxnSp>
+            <p:nvCxnSpPr>
+              <p:cNvPr id="231" name="Straight Arrow Connector 230">
+                <a:extLst>
+                  <a:ext uri="{FF2B5EF4-FFF2-40B4-BE49-F238E27FC236}">
+                    <a16:creationId xmlns:a16="http://schemas.microsoft.com/office/drawing/2014/main" id="{7D71BEEB-0A4E-48E3-A212-65996F272CA2}"/>
+                  </a:ext>
+                </a:extLst>
+              </p:cNvPr>
+              <p:cNvCxnSpPr>
+                <a:cxnSpLocks/>
+                <a:endCxn id="25" idx="0"/>
+              </p:cNvCxnSpPr>
+              <p:nvPr/>
+            </p:nvCxnSpPr>
+            <p:spPr>
+              <a:xfrm>
+                <a:off x="8001196" y="4273792"/>
+                <a:ext cx="607421" cy="429324"/>
+              </a:xfrm>
+              <a:prstGeom prst="straightConnector1">
+                <a:avLst/>
+              </a:prstGeom>
+              <a:ln w="19050">
+                <a:tailEnd type="triangle"/>
+              </a:ln>
+            </p:spPr>
+            <p:style>
+              <a:lnRef idx="1">
+                <a:schemeClr val="dk1"/>
+              </a:lnRef>
+              <a:fillRef idx="0">
+                <a:schemeClr val="dk1"/>
+              </a:fillRef>
+              <a:effectRef idx="0">
+                <a:schemeClr val="dk1"/>
+              </a:effectRef>
+              <a:fontRef idx="minor">
+                <a:schemeClr val="tx1"/>
+              </a:fontRef>
+            </p:style>
+          </p:cxnSp>
+          <p:sp>
+            <p:nvSpPr>
+              <p:cNvPr id="246" name="Oval 245">
+                <a:extLst>
+                  <a:ext uri="{FF2B5EF4-FFF2-40B4-BE49-F238E27FC236}">
+                    <a16:creationId xmlns:a16="http://schemas.microsoft.com/office/drawing/2014/main" id="{7663E53D-D236-45C7-861B-C91D4D4AA4FD}"/>
+                  </a:ext>
+                </a:extLst>
+              </p:cNvPr>
+              <p:cNvSpPr/>
+              <p:nvPr/>
+            </p:nvSpPr>
+            <p:spPr>
+              <a:xfrm>
+                <a:off x="5126897" y="5765170"/>
+                <a:ext cx="1620455" cy="1051286"/>
+              </a:xfrm>
+              <a:prstGeom prst="ellipse">
+                <a:avLst/>
+              </a:prstGeom>
+              <a:gradFill flip="none" rotWithShape="1">
+                <a:gsLst>
+                  <a:gs pos="0">
+                    <a:schemeClr val="accent2">
+                      <a:lumMod val="60000"/>
+                      <a:lumOff val="40000"/>
+                      <a:tint val="66000"/>
+                      <a:satMod val="160000"/>
+                    </a:schemeClr>
+                  </a:gs>
+                  <a:gs pos="50000">
+                    <a:schemeClr val="accent2">
+                      <a:lumMod val="60000"/>
+                      <a:lumOff val="40000"/>
+                      <a:tint val="44500"/>
+                      <a:satMod val="160000"/>
+                    </a:schemeClr>
+                  </a:gs>
+                  <a:gs pos="100000">
+                    <a:schemeClr val="accent2">
+                      <a:lumMod val="60000"/>
+                      <a:lumOff val="40000"/>
+                      <a:tint val="23500"/>
+                      <a:satMod val="160000"/>
+                    </a:schemeClr>
+                  </a:gs>
+                </a:gsLst>
+                <a:path path="circle">
+                  <a:fillToRect l="50000" t="50000" r="50000" b="50000"/>
+                </a:path>
+                <a:tileRect/>
+              </a:gradFill>
+              <a:ln>
+                <a:solidFill>
+                  <a:schemeClr val="accent2"/>
+                </a:solidFill>
+              </a:ln>
+            </p:spPr>
+            <p:style>
+              <a:lnRef idx="2">
+                <a:schemeClr val="accent1">
+                  <a:shade val="50000"/>
+                </a:schemeClr>
+              </a:lnRef>
+              <a:fillRef idx="1">
+                <a:schemeClr val="accent1"/>
+              </a:fillRef>
+              <a:effectRef idx="0">
+                <a:schemeClr val="accent1"/>
+              </a:effectRef>
+              <a:fontRef idx="minor">
+                <a:schemeClr val="lt1"/>
+              </a:fontRef>
+            </p:style>
+            <p:txBody>
+              <a:bodyPr rtlCol="0" anchor="ctr"/>
+              <a:lstStyle/>
+              <a:p>
+                <a:pPr algn="ctr"/>
+                <a:r>
+                  <a:rPr lang="en-GB" dirty="0">
+                    <a:solidFill>
+                      <a:sysClr val="windowText" lastClr="000000"/>
+                    </a:solidFill>
+                  </a:rPr>
+                  <a:t>Encoder loss</a:t>
+                </a:r>
+              </a:p>
+            </p:txBody>
+          </p:sp>
+          <p:sp>
+            <p:nvSpPr>
+              <p:cNvPr id="267" name="TextBox 266">
+                <a:extLst>
+                  <a:ext uri="{FF2B5EF4-FFF2-40B4-BE49-F238E27FC236}">
+                    <a16:creationId xmlns:a16="http://schemas.microsoft.com/office/drawing/2014/main" id="{3E0DC404-9796-477B-B90F-264984FEC9CE}"/>
+                  </a:ext>
+                </a:extLst>
+              </p:cNvPr>
+              <p:cNvSpPr txBox="1"/>
+              <p:nvPr/>
+            </p:nvSpPr>
+            <p:spPr>
+              <a:xfrm>
+                <a:off x="95073" y="4749507"/>
+                <a:ext cx="2143170" cy="2031325"/>
+              </a:xfrm>
+              <a:prstGeom prst="rect">
+                <a:avLst/>
+              </a:prstGeom>
+              <a:gradFill>
+                <a:gsLst>
+                  <a:gs pos="0">
+                    <a:schemeClr val="accent2">
+                      <a:lumMod val="60000"/>
+                      <a:lumOff val="40000"/>
+                    </a:schemeClr>
+                  </a:gs>
+                  <a:gs pos="50000">
+                    <a:schemeClr val="accent2">
+                      <a:lumMod val="40000"/>
+                      <a:lumOff val="60000"/>
+                    </a:schemeClr>
+                  </a:gs>
+                  <a:gs pos="100000">
+                    <a:schemeClr val="accent2">
+                      <a:lumMod val="20000"/>
+                      <a:lumOff val="80000"/>
+                    </a:schemeClr>
+                  </a:gs>
+                </a:gsLst>
+                <a:path path="circle">
+                  <a:fillToRect l="50000" t="50000" r="50000" b="50000"/>
+                </a:path>
+              </a:gradFill>
+            </p:spPr>
+            <p:txBody>
+              <a:bodyPr wrap="square" rtlCol="0">
+                <a:spAutoFit/>
+              </a:bodyPr>
+              <a:lstStyle/>
+              <a:p>
+                <a:r>
+                  <a:rPr lang="en-GB" dirty="0"/>
+                  <a:t>Although labelled separately, the generator loss and encoder loss contribute to a total encoder/generator loss</a:t>
+                </a:r>
+              </a:p>
+            </p:txBody>
+          </p:sp>
+          <p:sp>
+            <p:nvSpPr>
+              <p:cNvPr id="268" name="TextBox 267">
+                <a:extLst>
+                  <a:ext uri="{FF2B5EF4-FFF2-40B4-BE49-F238E27FC236}">
+                    <a16:creationId xmlns:a16="http://schemas.microsoft.com/office/drawing/2014/main" id="{675A4C60-B488-40AF-8A1A-B3C1F007274C}"/>
+                  </a:ext>
+                </a:extLst>
+              </p:cNvPr>
+              <p:cNvSpPr txBox="1"/>
+              <p:nvPr/>
+            </p:nvSpPr>
+            <p:spPr>
+              <a:xfrm>
+                <a:off x="9788256" y="5080951"/>
+                <a:ext cx="2271175" cy="1477328"/>
+              </a:xfrm>
+              <a:prstGeom prst="rect">
+                <a:avLst/>
+              </a:prstGeom>
+              <a:gradFill>
+                <a:gsLst>
+                  <a:gs pos="0">
+                    <a:schemeClr val="accent5">
+                      <a:lumMod val="60000"/>
+                      <a:lumOff val="40000"/>
+                    </a:schemeClr>
+                  </a:gs>
+                  <a:gs pos="50000">
+                    <a:schemeClr val="accent5">
+                      <a:lumMod val="40000"/>
+                      <a:lumOff val="60000"/>
+                    </a:schemeClr>
+                  </a:gs>
+                  <a:gs pos="100000">
+                    <a:schemeClr val="accent5">
+                      <a:lumMod val="20000"/>
+                      <a:lumOff val="80000"/>
+                    </a:schemeClr>
+                  </a:gs>
+                </a:gsLst>
+                <a:path path="circle">
+                  <a:fillToRect l="50000" t="50000" r="50000" b="50000"/>
+                </a:path>
+              </a:gradFill>
+            </p:spPr>
+            <p:txBody>
+              <a:bodyPr wrap="square" rtlCol="0">
+                <a:spAutoFit/>
+              </a:bodyPr>
+              <a:lstStyle/>
+              <a:p>
+                <a:r>
+                  <a:rPr lang="en-GB" dirty="0"/>
+                  <a:t>the discriminator loss for both fake and real images contributes to the total discriminator loss.  </a:t>
+                </a:r>
+              </a:p>
+            </p:txBody>
+          </p:sp>
+        </p:grpSp>
+      </p:grpSp>
+    </p:spTree>
+    <p:extLst>
+      <p:ext uri="{BB962C8B-B14F-4D97-AF65-F5344CB8AC3E}">
+        <p14:creationId xmlns:p14="http://schemas.microsoft.com/office/powerpoint/2010/main" val="1375899158"/>
+      </p:ext>
+    </p:extLst>
+  </p:cSld>
+  <p:clrMapOvr>
+    <a:masterClrMapping/>
+  </p:clrMapOvr>
+</p:sld>
+</file>
+
 <file path=ppt/slides/slide2.xml><?xml version="1.0" encoding="utf-8"?>
 <p:sld xmlns:a="http://schemas.openxmlformats.org/drawingml/2006/main" xmlns:r="http://schemas.openxmlformats.org/officeDocument/2006/relationships" xmlns:p="http://schemas.openxmlformats.org/presentationml/2006/main">
   <p:cSld>

--- a/Compiled graphs.pptx
+++ b/Compiled graphs.pptx
@@ -394,7 +394,7 @@
           <a:p>
             <a:fld id="{D34097AA-F62E-482D-8D58-1B8F77A2395C}" type="datetimeFigureOut">
               <a:rPr lang="en-GB" smtClean="0"/>
-              <a:t>17/04/2018</a:t>
+              <a:t>22/04/2018</a:t>
             </a:fld>
             <a:endParaRPr lang="en-GB"/>
           </a:p>
@@ -571,7 +571,7 @@
           <a:p>
             <a:fld id="{1312CFC0-6A39-4A2C-AC24-6061EBE48B82}" type="datetimeFigureOut">
               <a:rPr lang="en-GB" smtClean="0"/>
-              <a:t>17/04/2018</a:t>
+              <a:t>22/04/2018</a:t>
             </a:fld>
             <a:endParaRPr lang="en-GB"/>
           </a:p>
@@ -988,7 +988,7 @@
           <a:p>
             <a:fld id="{F999EE6D-E52B-45B7-B943-4C650C77E21B}" type="datetimeFigureOut">
               <a:rPr lang="en-GB" smtClean="0"/>
-              <a:t>17/04/2018</a:t>
+              <a:t>22/04/2018</a:t>
             </a:fld>
             <a:endParaRPr lang="en-GB"/>
           </a:p>
@@ -1188,7 +1188,7 @@
           <a:p>
             <a:fld id="{F999EE6D-E52B-45B7-B943-4C650C77E21B}" type="datetimeFigureOut">
               <a:rPr lang="en-GB" smtClean="0"/>
-              <a:t>17/04/2018</a:t>
+              <a:t>22/04/2018</a:t>
             </a:fld>
             <a:endParaRPr lang="en-GB"/>
           </a:p>
@@ -1398,7 +1398,7 @@
           <a:p>
             <a:fld id="{F999EE6D-E52B-45B7-B943-4C650C77E21B}" type="datetimeFigureOut">
               <a:rPr lang="en-GB" smtClean="0"/>
-              <a:t>17/04/2018</a:t>
+              <a:t>22/04/2018</a:t>
             </a:fld>
             <a:endParaRPr lang="en-GB"/>
           </a:p>
@@ -1620,7 +1620,7 @@
           <a:p>
             <a:fld id="{9C24F874-02A1-48BF-AE54-4A07EBAF6EA2}" type="datetimeFigureOut">
               <a:rPr lang="en-GB" smtClean="0"/>
-              <a:t>17/04/2018</a:t>
+              <a:t>22/04/2018</a:t>
             </a:fld>
             <a:endParaRPr lang="en-GB"/>
           </a:p>
@@ -1820,7 +1820,7 @@
           <a:p>
             <a:fld id="{9C24F874-02A1-48BF-AE54-4A07EBAF6EA2}" type="datetimeFigureOut">
               <a:rPr lang="en-GB" smtClean="0"/>
-              <a:t>17/04/2018</a:t>
+              <a:t>22/04/2018</a:t>
             </a:fld>
             <a:endParaRPr lang="en-GB"/>
           </a:p>
@@ -2096,7 +2096,7 @@
           <a:p>
             <a:fld id="{9C24F874-02A1-48BF-AE54-4A07EBAF6EA2}" type="datetimeFigureOut">
               <a:rPr lang="en-GB" smtClean="0"/>
-              <a:t>17/04/2018</a:t>
+              <a:t>22/04/2018</a:t>
             </a:fld>
             <a:endParaRPr lang="en-GB"/>
           </a:p>
@@ -2364,7 +2364,7 @@
           <a:p>
             <a:fld id="{9C24F874-02A1-48BF-AE54-4A07EBAF6EA2}" type="datetimeFigureOut">
               <a:rPr lang="en-GB" smtClean="0"/>
-              <a:t>17/04/2018</a:t>
+              <a:t>22/04/2018</a:t>
             </a:fld>
             <a:endParaRPr lang="en-GB"/>
           </a:p>
@@ -2779,7 +2779,7 @@
           <a:p>
             <a:fld id="{9C24F874-02A1-48BF-AE54-4A07EBAF6EA2}" type="datetimeFigureOut">
               <a:rPr lang="en-GB" smtClean="0"/>
-              <a:t>17/04/2018</a:t>
+              <a:t>22/04/2018</a:t>
             </a:fld>
             <a:endParaRPr lang="en-GB"/>
           </a:p>
@@ -2921,7 +2921,7 @@
           <a:p>
             <a:fld id="{9C24F874-02A1-48BF-AE54-4A07EBAF6EA2}" type="datetimeFigureOut">
               <a:rPr lang="en-GB" smtClean="0"/>
-              <a:t>17/04/2018</a:t>
+              <a:t>22/04/2018</a:t>
             </a:fld>
             <a:endParaRPr lang="en-GB"/>
           </a:p>
@@ -3034,7 +3034,7 @@
           <a:p>
             <a:fld id="{9C24F874-02A1-48BF-AE54-4A07EBAF6EA2}" type="datetimeFigureOut">
               <a:rPr lang="en-GB" smtClean="0"/>
-              <a:t>17/04/2018</a:t>
+              <a:t>22/04/2018</a:t>
             </a:fld>
             <a:endParaRPr lang="en-GB"/>
           </a:p>
@@ -3347,7 +3347,7 @@
           <a:p>
             <a:fld id="{9C24F874-02A1-48BF-AE54-4A07EBAF6EA2}" type="datetimeFigureOut">
               <a:rPr lang="en-GB" smtClean="0"/>
-              <a:t>17/04/2018</a:t>
+              <a:t>22/04/2018</a:t>
             </a:fld>
             <a:endParaRPr lang="en-GB"/>
           </a:p>
@@ -3547,7 +3547,7 @@
           <a:p>
             <a:fld id="{F999EE6D-E52B-45B7-B943-4C650C77E21B}" type="datetimeFigureOut">
               <a:rPr lang="en-GB" smtClean="0"/>
-              <a:t>17/04/2018</a:t>
+              <a:t>22/04/2018</a:t>
             </a:fld>
             <a:endParaRPr lang="en-GB"/>
           </a:p>
@@ -3836,7 +3836,7 @@
           <a:p>
             <a:fld id="{9C24F874-02A1-48BF-AE54-4A07EBAF6EA2}" type="datetimeFigureOut">
               <a:rPr lang="en-GB" smtClean="0"/>
-              <a:t>17/04/2018</a:t>
+              <a:t>22/04/2018</a:t>
             </a:fld>
             <a:endParaRPr lang="en-GB"/>
           </a:p>
@@ -4036,7 +4036,7 @@
           <a:p>
             <a:fld id="{9C24F874-02A1-48BF-AE54-4A07EBAF6EA2}" type="datetimeFigureOut">
               <a:rPr lang="en-GB" smtClean="0"/>
-              <a:t>17/04/2018</a:t>
+              <a:t>22/04/2018</a:t>
             </a:fld>
             <a:endParaRPr lang="en-GB"/>
           </a:p>
@@ -4246,7 +4246,7 @@
           <a:p>
             <a:fld id="{9C24F874-02A1-48BF-AE54-4A07EBAF6EA2}" type="datetimeFigureOut">
               <a:rPr lang="en-GB" smtClean="0"/>
-              <a:t>17/04/2018</a:t>
+              <a:t>22/04/2018</a:t>
             </a:fld>
             <a:endParaRPr lang="en-GB"/>
           </a:p>
@@ -4522,7 +4522,7 @@
           <a:p>
             <a:fld id="{F999EE6D-E52B-45B7-B943-4C650C77E21B}" type="datetimeFigureOut">
               <a:rPr lang="en-GB" smtClean="0"/>
-              <a:t>17/04/2018</a:t>
+              <a:t>22/04/2018</a:t>
             </a:fld>
             <a:endParaRPr lang="en-GB"/>
           </a:p>
@@ -4790,7 +4790,7 @@
           <a:p>
             <a:fld id="{F999EE6D-E52B-45B7-B943-4C650C77E21B}" type="datetimeFigureOut">
               <a:rPr lang="en-GB" smtClean="0"/>
-              <a:t>17/04/2018</a:t>
+              <a:t>22/04/2018</a:t>
             </a:fld>
             <a:endParaRPr lang="en-GB"/>
           </a:p>
@@ -5205,7 +5205,7 @@
           <a:p>
             <a:fld id="{F999EE6D-E52B-45B7-B943-4C650C77E21B}" type="datetimeFigureOut">
               <a:rPr lang="en-GB" smtClean="0"/>
-              <a:t>17/04/2018</a:t>
+              <a:t>22/04/2018</a:t>
             </a:fld>
             <a:endParaRPr lang="en-GB"/>
           </a:p>
@@ -5347,7 +5347,7 @@
           <a:p>
             <a:fld id="{F999EE6D-E52B-45B7-B943-4C650C77E21B}" type="datetimeFigureOut">
               <a:rPr lang="en-GB" smtClean="0"/>
-              <a:t>17/04/2018</a:t>
+              <a:t>22/04/2018</a:t>
             </a:fld>
             <a:endParaRPr lang="en-GB"/>
           </a:p>
@@ -5460,7 +5460,7 @@
           <a:p>
             <a:fld id="{F999EE6D-E52B-45B7-B943-4C650C77E21B}" type="datetimeFigureOut">
               <a:rPr lang="en-GB" smtClean="0"/>
-              <a:t>17/04/2018</a:t>
+              <a:t>22/04/2018</a:t>
             </a:fld>
             <a:endParaRPr lang="en-GB"/>
           </a:p>
@@ -5773,7 +5773,7 @@
           <a:p>
             <a:fld id="{F999EE6D-E52B-45B7-B943-4C650C77E21B}" type="datetimeFigureOut">
               <a:rPr lang="en-GB" smtClean="0"/>
-              <a:t>17/04/2018</a:t>
+              <a:t>22/04/2018</a:t>
             </a:fld>
             <a:endParaRPr lang="en-GB"/>
           </a:p>
@@ -6062,7 +6062,7 @@
           <a:p>
             <a:fld id="{F999EE6D-E52B-45B7-B943-4C650C77E21B}" type="datetimeFigureOut">
               <a:rPr lang="en-GB" smtClean="0"/>
-              <a:t>17/04/2018</a:t>
+              <a:t>22/04/2018</a:t>
             </a:fld>
             <a:endParaRPr lang="en-GB"/>
           </a:p>
@@ -6305,7 +6305,7 @@
           <a:p>
             <a:fld id="{F999EE6D-E52B-45B7-B943-4C650C77E21B}" type="datetimeFigureOut">
               <a:rPr lang="en-GB" smtClean="0"/>
-              <a:t>17/04/2018</a:t>
+              <a:t>22/04/2018</a:t>
             </a:fld>
             <a:endParaRPr lang="en-GB"/>
           </a:p>
@@ -6875,7 +6875,7 @@
           <a:p>
             <a:fld id="{9C24F874-02A1-48BF-AE54-4A07EBAF6EA2}" type="datetimeFigureOut">
               <a:rPr lang="en-GB" smtClean="0"/>
-              <a:t>17/04/2018</a:t>
+              <a:t>22/04/2018</a:t>
             </a:fld>
             <a:endParaRPr lang="en-GB"/>
           </a:p>
@@ -12299,76 +12299,6 @@
           <a:chExt cx="0" cy="0"/>
         </a:xfrm>
       </p:grpSpPr>
-      <p:pic>
-        <p:nvPicPr>
-          <p:cNvPr id="11" name="Picture 10">
-            <a:extLst>
-              <a:ext uri="{FF2B5EF4-FFF2-40B4-BE49-F238E27FC236}">
-                <a16:creationId xmlns:a16="http://schemas.microsoft.com/office/drawing/2014/main" id="{DF2C51A2-FAE5-4156-BF1F-960AA8CEAEE8}"/>
-              </a:ext>
-            </a:extLst>
-          </p:cNvPr>
-          <p:cNvPicPr>
-            <a:picLocks noChangeAspect="1"/>
-          </p:cNvPicPr>
-          <p:nvPr/>
-        </p:nvPicPr>
-        <p:blipFill rotWithShape="1">
-          <a:blip r:embed="rId2">
-            <a:extLst>
-              <a:ext uri="{28A0092B-C50C-407E-A947-70E740481C1C}">
-                <a14:useLocalDpi xmlns:a14="http://schemas.microsoft.com/office/drawing/2010/main" val="0"/>
-              </a:ext>
-            </a:extLst>
-          </a:blip>
-          <a:srcRect l="6516" t="6460" r="8136" b="52302"/>
-          <a:stretch/>
-        </p:blipFill>
-        <p:spPr>
-          <a:xfrm>
-            <a:off x="195511" y="153918"/>
-            <a:ext cx="5751488" cy="3930402"/>
-          </a:xfrm>
-          <a:prstGeom prst="rect">
-            <a:avLst/>
-          </a:prstGeom>
-        </p:spPr>
-      </p:pic>
-      <p:pic>
-        <p:nvPicPr>
-          <p:cNvPr id="13" name="Picture 12">
-            <a:extLst>
-              <a:ext uri="{FF2B5EF4-FFF2-40B4-BE49-F238E27FC236}">
-                <a16:creationId xmlns:a16="http://schemas.microsoft.com/office/drawing/2014/main" id="{4701718B-EE51-4310-8101-8C6B94DAE845}"/>
-              </a:ext>
-            </a:extLst>
-          </p:cNvPr>
-          <p:cNvPicPr>
-            <a:picLocks noChangeAspect="1"/>
-          </p:cNvPicPr>
-          <p:nvPr/>
-        </p:nvPicPr>
-        <p:blipFill rotWithShape="1">
-          <a:blip r:embed="rId3">
-            <a:extLst>
-              <a:ext uri="{28A0092B-C50C-407E-A947-70E740481C1C}">
-                <a14:useLocalDpi xmlns:a14="http://schemas.microsoft.com/office/drawing/2010/main" val="0"/>
-              </a:ext>
-            </a:extLst>
-          </a:blip>
-          <a:srcRect l="4883" t="6240" r="9770" b="52524"/>
-          <a:stretch/>
-        </p:blipFill>
-        <p:spPr>
-          <a:xfrm>
-            <a:off x="6245003" y="287524"/>
-            <a:ext cx="5555978" cy="3796796"/>
-          </a:xfrm>
-          <a:prstGeom prst="rect">
-            <a:avLst/>
-          </a:prstGeom>
-        </p:spPr>
-      </p:pic>
       <p:sp>
         <p:nvSpPr>
           <p:cNvPr id="14" name="TextBox 13">
@@ -12451,6 +12381,167 @@
           </a:p>
         </p:txBody>
       </p:sp>
+      <p:grpSp>
+        <p:nvGrpSpPr>
+          <p:cNvPr id="8" name="Group 7">
+            <a:extLst>
+              <a:ext uri="{FF2B5EF4-FFF2-40B4-BE49-F238E27FC236}">
+                <a16:creationId xmlns:a16="http://schemas.microsoft.com/office/drawing/2014/main" id="{1811691B-9130-40CE-B4DA-6635031CEBB8}"/>
+              </a:ext>
+            </a:extLst>
+          </p:cNvPr>
+          <p:cNvGrpSpPr/>
+          <p:nvPr/>
+        </p:nvGrpSpPr>
+        <p:grpSpPr>
+          <a:xfrm>
+            <a:off x="1022473" y="563880"/>
+            <a:ext cx="8226578" cy="2865120"/>
+            <a:chOff x="1022473" y="563880"/>
+            <a:chExt cx="8226578" cy="2865120"/>
+          </a:xfrm>
+        </p:grpSpPr>
+        <p:pic>
+          <p:nvPicPr>
+            <p:cNvPr id="3" name="Picture 2">
+              <a:extLst>
+                <a:ext uri="{FF2B5EF4-FFF2-40B4-BE49-F238E27FC236}">
+                  <a16:creationId xmlns:a16="http://schemas.microsoft.com/office/drawing/2014/main" id="{CC59F2B4-6ED5-418E-AF1F-F4723D461072}"/>
+                </a:ext>
+              </a:extLst>
+            </p:cNvPr>
+            <p:cNvPicPr>
+              <a:picLocks noChangeAspect="1"/>
+            </p:cNvPicPr>
+            <p:nvPr/>
+          </p:nvPicPr>
+          <p:blipFill rotWithShape="1">
+            <a:blip r:embed="rId2">
+              <a:extLst>
+                <a:ext uri="{28A0092B-C50C-407E-A947-70E740481C1C}">
+                  <a14:useLocalDpi xmlns:a14="http://schemas.microsoft.com/office/drawing/2010/main" val="0"/>
+                </a:ext>
+              </a:extLst>
+            </a:blip>
+            <a:srcRect l="6969" t="6963" r="7674" b="51556"/>
+            <a:stretch/>
+          </p:blipFill>
+          <p:spPr>
+            <a:xfrm>
+              <a:off x="1022473" y="584200"/>
+              <a:ext cx="4138851" cy="2844800"/>
+            </a:xfrm>
+            <a:prstGeom prst="rect">
+              <a:avLst/>
+            </a:prstGeom>
+          </p:spPr>
+        </p:pic>
+        <p:pic>
+          <p:nvPicPr>
+            <p:cNvPr id="5" name="Picture 4">
+              <a:extLst>
+                <a:ext uri="{FF2B5EF4-FFF2-40B4-BE49-F238E27FC236}">
+                  <a16:creationId xmlns:a16="http://schemas.microsoft.com/office/drawing/2014/main" id="{B4DBECAB-AF69-4A35-A52D-5C9393EB0431}"/>
+                </a:ext>
+              </a:extLst>
+            </p:cNvPr>
+            <p:cNvPicPr>
+              <a:picLocks noChangeAspect="1"/>
+            </p:cNvPicPr>
+            <p:nvPr/>
+          </p:nvPicPr>
+          <p:blipFill rotWithShape="1">
+            <a:blip r:embed="rId3">
+              <a:extLst>
+                <a:ext uri="{28A0092B-C50C-407E-A947-70E740481C1C}">
+                  <a14:useLocalDpi xmlns:a14="http://schemas.microsoft.com/office/drawing/2010/main" val="0"/>
+                </a:ext>
+              </a:extLst>
+            </a:blip>
+            <a:srcRect l="5762" t="5334" r="9979" b="53185"/>
+            <a:stretch/>
+          </p:blipFill>
+          <p:spPr>
+            <a:xfrm>
+              <a:off x="5163503" y="563880"/>
+              <a:ext cx="4085548" cy="2844800"/>
+            </a:xfrm>
+            <a:prstGeom prst="rect">
+              <a:avLst/>
+            </a:prstGeom>
+          </p:spPr>
+        </p:pic>
+        <p:sp>
+          <p:nvSpPr>
+            <p:cNvPr id="6" name="TextBox 5">
+              <a:extLst>
+                <a:ext uri="{FF2B5EF4-FFF2-40B4-BE49-F238E27FC236}">
+                  <a16:creationId xmlns:a16="http://schemas.microsoft.com/office/drawing/2014/main" id="{CCEDEDE9-5819-4D8E-B1E3-77A80F467A60}"/>
+                </a:ext>
+              </a:extLst>
+            </p:cNvPr>
+            <p:cNvSpPr txBox="1"/>
+            <p:nvPr/>
+          </p:nvSpPr>
+          <p:spPr>
+            <a:xfrm>
+              <a:off x="1479550" y="692150"/>
+              <a:ext cx="391454" cy="400110"/>
+            </a:xfrm>
+            <a:prstGeom prst="rect">
+              <a:avLst/>
+            </a:prstGeom>
+            <a:noFill/>
+          </p:spPr>
+          <p:txBody>
+            <a:bodyPr wrap="none" rtlCol="0">
+              <a:spAutoFit/>
+            </a:bodyPr>
+            <a:lstStyle/>
+            <a:p>
+              <a:r>
+                <a:rPr lang="en-GB" sz="2000" b="1" dirty="0"/>
+                <a:t>a)</a:t>
+              </a:r>
+            </a:p>
+          </p:txBody>
+        </p:sp>
+        <p:sp>
+          <p:nvSpPr>
+            <p:cNvPr id="12" name="TextBox 11">
+              <a:extLst>
+                <a:ext uri="{FF2B5EF4-FFF2-40B4-BE49-F238E27FC236}">
+                  <a16:creationId xmlns:a16="http://schemas.microsoft.com/office/drawing/2014/main" id="{95829097-8723-4114-9307-7382941E4261}"/>
+                </a:ext>
+              </a:extLst>
+            </p:cNvPr>
+            <p:cNvSpPr txBox="1"/>
+            <p:nvPr/>
+          </p:nvSpPr>
+          <p:spPr>
+            <a:xfrm>
+              <a:off x="5618401" y="714405"/>
+              <a:ext cx="402674" cy="400110"/>
+            </a:xfrm>
+            <a:prstGeom prst="rect">
+              <a:avLst/>
+            </a:prstGeom>
+            <a:noFill/>
+          </p:spPr>
+          <p:txBody>
+            <a:bodyPr wrap="none" rtlCol="0">
+              <a:spAutoFit/>
+            </a:bodyPr>
+            <a:lstStyle/>
+            <a:p>
+              <a:r>
+                <a:rPr lang="en-GB" sz="2000" b="1" dirty="0"/>
+                <a:t>b)</a:t>
+              </a:r>
+            </a:p>
+          </p:txBody>
+        </p:sp>
+      </p:grpSp>
     </p:spTree>
     <p:extLst>
       <p:ext uri="{BB962C8B-B14F-4D97-AF65-F5344CB8AC3E}">

--- a/Compiled graphs.pptx
+++ b/Compiled graphs.pptx
@@ -6,10 +6,10 @@
     <p:sldMasterId id="2147483660" r:id="rId2"/>
   </p:sldMasterIdLst>
   <p:notesMasterIdLst>
-    <p:notesMasterId r:id="rId15"/>
+    <p:notesMasterId r:id="rId16"/>
   </p:notesMasterIdLst>
   <p:handoutMasterIdLst>
-    <p:handoutMasterId r:id="rId16"/>
+    <p:handoutMasterId r:id="rId17"/>
   </p:handoutMasterIdLst>
   <p:sldIdLst>
     <p:sldId id="257" r:id="rId3"/>
@@ -24,6 +24,7 @@
     <p:sldId id="268" r:id="rId12"/>
     <p:sldId id="269" r:id="rId13"/>
     <p:sldId id="270" r:id="rId14"/>
+    <p:sldId id="272" r:id="rId15"/>
   </p:sldIdLst>
   <p:sldSz cx="12192000" cy="6858000"/>
   <p:notesSz cx="6858000" cy="9144000"/>
@@ -395,7 +396,7 @@
           <a:p>
             <a:fld id="{D34097AA-F62E-482D-8D58-1B8F77A2395C}" type="datetimeFigureOut">
               <a:rPr lang="en-GB" smtClean="0"/>
-              <a:t>22/04/2018</a:t>
+              <a:t>24/04/2018</a:t>
             </a:fld>
             <a:endParaRPr lang="en-GB"/>
           </a:p>
@@ -572,7 +573,7 @@
           <a:p>
             <a:fld id="{1312CFC0-6A39-4A2C-AC24-6061EBE48B82}" type="datetimeFigureOut">
               <a:rPr lang="en-GB" smtClean="0"/>
-              <a:t>22/04/2018</a:t>
+              <a:t>24/04/2018</a:t>
             </a:fld>
             <a:endParaRPr lang="en-GB"/>
           </a:p>
@@ -989,7 +990,7 @@
           <a:p>
             <a:fld id="{F999EE6D-E52B-45B7-B943-4C650C77E21B}" type="datetimeFigureOut">
               <a:rPr lang="en-GB" smtClean="0"/>
-              <a:t>22/04/2018</a:t>
+              <a:t>24/04/2018</a:t>
             </a:fld>
             <a:endParaRPr lang="en-GB"/>
           </a:p>
@@ -1189,7 +1190,7 @@
           <a:p>
             <a:fld id="{F999EE6D-E52B-45B7-B943-4C650C77E21B}" type="datetimeFigureOut">
               <a:rPr lang="en-GB" smtClean="0"/>
-              <a:t>22/04/2018</a:t>
+              <a:t>24/04/2018</a:t>
             </a:fld>
             <a:endParaRPr lang="en-GB"/>
           </a:p>
@@ -1399,7 +1400,7 @@
           <a:p>
             <a:fld id="{F999EE6D-E52B-45B7-B943-4C650C77E21B}" type="datetimeFigureOut">
               <a:rPr lang="en-GB" smtClean="0"/>
-              <a:t>22/04/2018</a:t>
+              <a:t>24/04/2018</a:t>
             </a:fld>
             <a:endParaRPr lang="en-GB"/>
           </a:p>
@@ -1621,7 +1622,7 @@
           <a:p>
             <a:fld id="{9C24F874-02A1-48BF-AE54-4A07EBAF6EA2}" type="datetimeFigureOut">
               <a:rPr lang="en-GB" smtClean="0"/>
-              <a:t>22/04/2018</a:t>
+              <a:t>24/04/2018</a:t>
             </a:fld>
             <a:endParaRPr lang="en-GB"/>
           </a:p>
@@ -1821,7 +1822,7 @@
           <a:p>
             <a:fld id="{9C24F874-02A1-48BF-AE54-4A07EBAF6EA2}" type="datetimeFigureOut">
               <a:rPr lang="en-GB" smtClean="0"/>
-              <a:t>22/04/2018</a:t>
+              <a:t>24/04/2018</a:t>
             </a:fld>
             <a:endParaRPr lang="en-GB"/>
           </a:p>
@@ -2097,7 +2098,7 @@
           <a:p>
             <a:fld id="{9C24F874-02A1-48BF-AE54-4A07EBAF6EA2}" type="datetimeFigureOut">
               <a:rPr lang="en-GB" smtClean="0"/>
-              <a:t>22/04/2018</a:t>
+              <a:t>24/04/2018</a:t>
             </a:fld>
             <a:endParaRPr lang="en-GB"/>
           </a:p>
@@ -2365,7 +2366,7 @@
           <a:p>
             <a:fld id="{9C24F874-02A1-48BF-AE54-4A07EBAF6EA2}" type="datetimeFigureOut">
               <a:rPr lang="en-GB" smtClean="0"/>
-              <a:t>22/04/2018</a:t>
+              <a:t>24/04/2018</a:t>
             </a:fld>
             <a:endParaRPr lang="en-GB"/>
           </a:p>
@@ -2780,7 +2781,7 @@
           <a:p>
             <a:fld id="{9C24F874-02A1-48BF-AE54-4A07EBAF6EA2}" type="datetimeFigureOut">
               <a:rPr lang="en-GB" smtClean="0"/>
-              <a:t>22/04/2018</a:t>
+              <a:t>24/04/2018</a:t>
             </a:fld>
             <a:endParaRPr lang="en-GB"/>
           </a:p>
@@ -2922,7 +2923,7 @@
           <a:p>
             <a:fld id="{9C24F874-02A1-48BF-AE54-4A07EBAF6EA2}" type="datetimeFigureOut">
               <a:rPr lang="en-GB" smtClean="0"/>
-              <a:t>22/04/2018</a:t>
+              <a:t>24/04/2018</a:t>
             </a:fld>
             <a:endParaRPr lang="en-GB"/>
           </a:p>
@@ -3035,7 +3036,7 @@
           <a:p>
             <a:fld id="{9C24F874-02A1-48BF-AE54-4A07EBAF6EA2}" type="datetimeFigureOut">
               <a:rPr lang="en-GB" smtClean="0"/>
-              <a:t>22/04/2018</a:t>
+              <a:t>24/04/2018</a:t>
             </a:fld>
             <a:endParaRPr lang="en-GB"/>
           </a:p>
@@ -3348,7 +3349,7 @@
           <a:p>
             <a:fld id="{9C24F874-02A1-48BF-AE54-4A07EBAF6EA2}" type="datetimeFigureOut">
               <a:rPr lang="en-GB" smtClean="0"/>
-              <a:t>22/04/2018</a:t>
+              <a:t>24/04/2018</a:t>
             </a:fld>
             <a:endParaRPr lang="en-GB"/>
           </a:p>
@@ -3548,7 +3549,7 @@
           <a:p>
             <a:fld id="{F999EE6D-E52B-45B7-B943-4C650C77E21B}" type="datetimeFigureOut">
               <a:rPr lang="en-GB" smtClean="0"/>
-              <a:t>22/04/2018</a:t>
+              <a:t>24/04/2018</a:t>
             </a:fld>
             <a:endParaRPr lang="en-GB"/>
           </a:p>
@@ -3837,7 +3838,7 @@
           <a:p>
             <a:fld id="{9C24F874-02A1-48BF-AE54-4A07EBAF6EA2}" type="datetimeFigureOut">
               <a:rPr lang="en-GB" smtClean="0"/>
-              <a:t>22/04/2018</a:t>
+              <a:t>24/04/2018</a:t>
             </a:fld>
             <a:endParaRPr lang="en-GB"/>
           </a:p>
@@ -4037,7 +4038,7 @@
           <a:p>
             <a:fld id="{9C24F874-02A1-48BF-AE54-4A07EBAF6EA2}" type="datetimeFigureOut">
               <a:rPr lang="en-GB" smtClean="0"/>
-              <a:t>22/04/2018</a:t>
+              <a:t>24/04/2018</a:t>
             </a:fld>
             <a:endParaRPr lang="en-GB"/>
           </a:p>
@@ -4247,7 +4248,7 @@
           <a:p>
             <a:fld id="{9C24F874-02A1-48BF-AE54-4A07EBAF6EA2}" type="datetimeFigureOut">
               <a:rPr lang="en-GB" smtClean="0"/>
-              <a:t>22/04/2018</a:t>
+              <a:t>24/04/2018</a:t>
             </a:fld>
             <a:endParaRPr lang="en-GB"/>
           </a:p>
@@ -4523,7 +4524,7 @@
           <a:p>
             <a:fld id="{F999EE6D-E52B-45B7-B943-4C650C77E21B}" type="datetimeFigureOut">
               <a:rPr lang="en-GB" smtClean="0"/>
-              <a:t>22/04/2018</a:t>
+              <a:t>24/04/2018</a:t>
             </a:fld>
             <a:endParaRPr lang="en-GB"/>
           </a:p>
@@ -4791,7 +4792,7 @@
           <a:p>
             <a:fld id="{F999EE6D-E52B-45B7-B943-4C650C77E21B}" type="datetimeFigureOut">
               <a:rPr lang="en-GB" smtClean="0"/>
-              <a:t>22/04/2018</a:t>
+              <a:t>24/04/2018</a:t>
             </a:fld>
             <a:endParaRPr lang="en-GB"/>
           </a:p>
@@ -5206,7 +5207,7 @@
           <a:p>
             <a:fld id="{F999EE6D-E52B-45B7-B943-4C650C77E21B}" type="datetimeFigureOut">
               <a:rPr lang="en-GB" smtClean="0"/>
-              <a:t>22/04/2018</a:t>
+              <a:t>24/04/2018</a:t>
             </a:fld>
             <a:endParaRPr lang="en-GB"/>
           </a:p>
@@ -5348,7 +5349,7 @@
           <a:p>
             <a:fld id="{F999EE6D-E52B-45B7-B943-4C650C77E21B}" type="datetimeFigureOut">
               <a:rPr lang="en-GB" smtClean="0"/>
-              <a:t>22/04/2018</a:t>
+              <a:t>24/04/2018</a:t>
             </a:fld>
             <a:endParaRPr lang="en-GB"/>
           </a:p>
@@ -5461,7 +5462,7 @@
           <a:p>
             <a:fld id="{F999EE6D-E52B-45B7-B943-4C650C77E21B}" type="datetimeFigureOut">
               <a:rPr lang="en-GB" smtClean="0"/>
-              <a:t>22/04/2018</a:t>
+              <a:t>24/04/2018</a:t>
             </a:fld>
             <a:endParaRPr lang="en-GB"/>
           </a:p>
@@ -5774,7 +5775,7 @@
           <a:p>
             <a:fld id="{F999EE6D-E52B-45B7-B943-4C650C77E21B}" type="datetimeFigureOut">
               <a:rPr lang="en-GB" smtClean="0"/>
-              <a:t>22/04/2018</a:t>
+              <a:t>24/04/2018</a:t>
             </a:fld>
             <a:endParaRPr lang="en-GB"/>
           </a:p>
@@ -6063,7 +6064,7 @@
           <a:p>
             <a:fld id="{F999EE6D-E52B-45B7-B943-4C650C77E21B}" type="datetimeFigureOut">
               <a:rPr lang="en-GB" smtClean="0"/>
-              <a:t>22/04/2018</a:t>
+              <a:t>24/04/2018</a:t>
             </a:fld>
             <a:endParaRPr lang="en-GB"/>
           </a:p>
@@ -6306,7 +6307,7 @@
           <a:p>
             <a:fld id="{F999EE6D-E52B-45B7-B943-4C650C77E21B}" type="datetimeFigureOut">
               <a:rPr lang="en-GB" smtClean="0"/>
-              <a:t>22/04/2018</a:t>
+              <a:t>24/04/2018</a:t>
             </a:fld>
             <a:endParaRPr lang="en-GB"/>
           </a:p>
@@ -6876,7 +6877,7 @@
           <a:p>
             <a:fld id="{9C24F874-02A1-48BF-AE54-4A07EBAF6EA2}" type="datetimeFigureOut">
               <a:rPr lang="en-GB" smtClean="0"/>
-              <a:t>22/04/2018</a:t>
+              <a:t>24/04/2018</a:t>
             </a:fld>
             <a:endParaRPr lang="en-GB"/>
           </a:p>
@@ -12194,6 +12195,2249 @@
 </p:sld>
 </file>
 
+<file path=ppt/slides/slide13.xml><?xml version="1.0" encoding="utf-8"?>
+<p:sld xmlns:a="http://schemas.openxmlformats.org/drawingml/2006/main" xmlns:r="http://schemas.openxmlformats.org/officeDocument/2006/relationships" xmlns:p="http://schemas.openxmlformats.org/presentationml/2006/main">
+  <p:cSld>
+    <p:spTree>
+      <p:nvGrpSpPr>
+        <p:cNvPr id="1" name=""/>
+        <p:cNvGrpSpPr/>
+        <p:nvPr/>
+      </p:nvGrpSpPr>
+      <p:grpSpPr>
+        <a:xfrm>
+          <a:off x="0" y="0"/>
+          <a:ext cx="0" cy="0"/>
+          <a:chOff x="0" y="0"/>
+          <a:chExt cx="0" cy="0"/>
+        </a:xfrm>
+      </p:grpSpPr>
+      <p:grpSp>
+        <p:nvGrpSpPr>
+          <p:cNvPr id="101" name="Group 100">
+            <a:extLst>
+              <a:ext uri="{FF2B5EF4-FFF2-40B4-BE49-F238E27FC236}">
+                <a16:creationId xmlns:a16="http://schemas.microsoft.com/office/drawing/2014/main" id="{BDF006FE-6B63-41B7-BE0B-6BF8C75DCF07}"/>
+              </a:ext>
+            </a:extLst>
+          </p:cNvPr>
+          <p:cNvGrpSpPr/>
+          <p:nvPr/>
+        </p:nvGrpSpPr>
+        <p:grpSpPr>
+          <a:xfrm>
+            <a:off x="1247406" y="205315"/>
+            <a:ext cx="9374673" cy="5846010"/>
+            <a:chOff x="1228553" y="742643"/>
+            <a:chExt cx="9374673" cy="5846010"/>
+          </a:xfrm>
+        </p:grpSpPr>
+        <p:cxnSp>
+          <p:nvCxnSpPr>
+            <p:cNvPr id="70" name="Straight Arrow Connector 69">
+              <a:extLst>
+                <a:ext uri="{FF2B5EF4-FFF2-40B4-BE49-F238E27FC236}">
+                  <a16:creationId xmlns:a16="http://schemas.microsoft.com/office/drawing/2014/main" id="{B40E1A9C-5AB3-4841-B5EE-BA5AE747FFBC}"/>
+                </a:ext>
+              </a:extLst>
+            </p:cNvPr>
+            <p:cNvCxnSpPr>
+              <a:cxnSpLocks/>
+            </p:cNvCxnSpPr>
+            <p:nvPr/>
+          </p:nvCxnSpPr>
+          <p:spPr>
+            <a:xfrm>
+              <a:off x="6094944" y="3578502"/>
+              <a:ext cx="1773930" cy="0"/>
+            </a:xfrm>
+            <a:prstGeom prst="straightConnector1">
+              <a:avLst/>
+            </a:prstGeom>
+            <a:ln w="28575">
+              <a:tailEnd type="triangle"/>
+            </a:ln>
+          </p:spPr>
+          <p:style>
+            <a:lnRef idx="1">
+              <a:schemeClr val="dk1"/>
+            </a:lnRef>
+            <a:fillRef idx="0">
+              <a:schemeClr val="dk1"/>
+            </a:fillRef>
+            <a:effectRef idx="0">
+              <a:schemeClr val="dk1"/>
+            </a:effectRef>
+            <a:fontRef idx="minor">
+              <a:schemeClr val="tx1"/>
+            </a:fontRef>
+          </p:style>
+        </p:cxnSp>
+        <p:cxnSp>
+          <p:nvCxnSpPr>
+            <p:cNvPr id="71" name="Straight Arrow Connector 70">
+              <a:extLst>
+                <a:ext uri="{FF2B5EF4-FFF2-40B4-BE49-F238E27FC236}">
+                  <a16:creationId xmlns:a16="http://schemas.microsoft.com/office/drawing/2014/main" id="{A125C8F0-B7ED-4F9C-93E6-9CB6D8839738}"/>
+                </a:ext>
+              </a:extLst>
+            </p:cNvPr>
+            <p:cNvCxnSpPr>
+              <a:cxnSpLocks/>
+            </p:cNvCxnSpPr>
+            <p:nvPr/>
+          </p:nvCxnSpPr>
+          <p:spPr>
+            <a:xfrm>
+              <a:off x="6094944" y="3898901"/>
+              <a:ext cx="1773930" cy="0"/>
+            </a:xfrm>
+            <a:prstGeom prst="straightConnector1">
+              <a:avLst/>
+            </a:prstGeom>
+            <a:ln w="28575">
+              <a:tailEnd type="triangle"/>
+            </a:ln>
+          </p:spPr>
+          <p:style>
+            <a:lnRef idx="1">
+              <a:schemeClr val="dk1"/>
+            </a:lnRef>
+            <a:fillRef idx="0">
+              <a:schemeClr val="dk1"/>
+            </a:fillRef>
+            <a:effectRef idx="0">
+              <a:schemeClr val="dk1"/>
+            </a:effectRef>
+            <a:fontRef idx="minor">
+              <a:schemeClr val="tx1"/>
+            </a:fontRef>
+          </p:style>
+        </p:cxnSp>
+        <p:grpSp>
+          <p:nvGrpSpPr>
+            <p:cNvPr id="100" name="Group 99">
+              <a:extLst>
+                <a:ext uri="{FF2B5EF4-FFF2-40B4-BE49-F238E27FC236}">
+                  <a16:creationId xmlns:a16="http://schemas.microsoft.com/office/drawing/2014/main" id="{444A0A53-B345-4B0D-A37A-547883C4A1F6}"/>
+                </a:ext>
+              </a:extLst>
+            </p:cNvPr>
+            <p:cNvGrpSpPr/>
+            <p:nvPr/>
+          </p:nvGrpSpPr>
+          <p:grpSpPr>
+            <a:xfrm>
+              <a:off x="1228553" y="742643"/>
+              <a:ext cx="9374673" cy="5846010"/>
+              <a:chOff x="1228553" y="742643"/>
+              <a:chExt cx="9374673" cy="5846010"/>
+            </a:xfrm>
+          </p:grpSpPr>
+          <p:grpSp>
+            <p:nvGrpSpPr>
+              <p:cNvPr id="16" name="Group 15">
+                <a:extLst>
+                  <a:ext uri="{FF2B5EF4-FFF2-40B4-BE49-F238E27FC236}">
+                    <a16:creationId xmlns:a16="http://schemas.microsoft.com/office/drawing/2014/main" id="{A19695A3-D165-441D-8098-3419A506B402}"/>
+                  </a:ext>
+                </a:extLst>
+              </p:cNvPr>
+              <p:cNvGrpSpPr/>
+              <p:nvPr/>
+            </p:nvGrpSpPr>
+            <p:grpSpPr>
+              <a:xfrm>
+                <a:off x="3400607" y="4024025"/>
+                <a:ext cx="1646836" cy="2222370"/>
+                <a:chOff x="3447947" y="3998422"/>
+                <a:chExt cx="1646836" cy="2222370"/>
+              </a:xfrm>
+            </p:grpSpPr>
+            <p:grpSp>
+              <p:nvGrpSpPr>
+                <p:cNvPr id="12" name="Group 11">
+                  <a:extLst>
+                    <a:ext uri="{FF2B5EF4-FFF2-40B4-BE49-F238E27FC236}">
+                      <a16:creationId xmlns:a16="http://schemas.microsoft.com/office/drawing/2014/main" id="{56A3F17A-AE11-44A3-AE9D-2DD8C984445B}"/>
+                    </a:ext>
+                  </a:extLst>
+                </p:cNvPr>
+                <p:cNvGrpSpPr/>
+                <p:nvPr/>
+              </p:nvGrpSpPr>
+              <p:grpSpPr>
+                <a:xfrm flipH="1">
+                  <a:off x="3447947" y="3998422"/>
+                  <a:ext cx="1646836" cy="2222370"/>
+                  <a:chOff x="6104620" y="961748"/>
+                  <a:chExt cx="2703154" cy="3647849"/>
+                </a:xfrm>
+                <a:solidFill>
+                  <a:schemeClr val="accent2"/>
+                </a:solidFill>
+              </p:grpSpPr>
+              <p:sp>
+                <p:nvSpPr>
+                  <p:cNvPr id="7" name="Rectangle 6">
+                    <a:extLst>
+                      <a:ext uri="{FF2B5EF4-FFF2-40B4-BE49-F238E27FC236}">
+                        <a16:creationId xmlns:a16="http://schemas.microsoft.com/office/drawing/2014/main" id="{27F3D376-B76B-4B8D-95C1-3D1BF34B7040}"/>
+                      </a:ext>
+                    </a:extLst>
+                  </p:cNvPr>
+                  <p:cNvSpPr/>
+                  <p:nvPr/>
+                </p:nvSpPr>
+                <p:spPr>
+                  <a:xfrm>
+                    <a:off x="6104620" y="961748"/>
+                    <a:ext cx="666970" cy="3647849"/>
+                  </a:xfrm>
+                  <a:prstGeom prst="rect">
+                    <a:avLst/>
+                  </a:prstGeom>
+                  <a:grpFill/>
+                  <a:ln>
+                    <a:noFill/>
+                  </a:ln>
+                </p:spPr>
+                <p:style>
+                  <a:lnRef idx="2">
+                    <a:schemeClr val="accent1">
+                      <a:shade val="50000"/>
+                    </a:schemeClr>
+                  </a:lnRef>
+                  <a:fillRef idx="1">
+                    <a:schemeClr val="accent1"/>
+                  </a:fillRef>
+                  <a:effectRef idx="0">
+                    <a:schemeClr val="accent1"/>
+                  </a:effectRef>
+                  <a:fontRef idx="minor">
+                    <a:schemeClr val="lt1"/>
+                  </a:fontRef>
+                </p:style>
+                <p:txBody>
+                  <a:bodyPr rtlCol="0" anchor="ctr"/>
+                  <a:lstStyle/>
+                  <a:p>
+                    <a:pPr algn="ctr"/>
+                    <a:endParaRPr lang="en-GB" dirty="0"/>
+                  </a:p>
+                </p:txBody>
+              </p:sp>
+              <p:sp>
+                <p:nvSpPr>
+                  <p:cNvPr id="8" name="Rectangle 7">
+                    <a:extLst>
+                      <a:ext uri="{FF2B5EF4-FFF2-40B4-BE49-F238E27FC236}">
+                        <a16:creationId xmlns:a16="http://schemas.microsoft.com/office/drawing/2014/main" id="{9E43AAC5-8D2E-4B1E-95F2-A01BFAA350AF}"/>
+                      </a:ext>
+                    </a:extLst>
+                  </p:cNvPr>
+                  <p:cNvSpPr/>
+                  <p:nvPr/>
+                </p:nvSpPr>
+                <p:spPr>
+                  <a:xfrm>
+                    <a:off x="6733882" y="1340560"/>
+                    <a:ext cx="539662" cy="2943520"/>
+                  </a:xfrm>
+                  <a:prstGeom prst="rect">
+                    <a:avLst/>
+                  </a:prstGeom>
+                  <a:grpFill/>
+                  <a:ln>
+                    <a:noFill/>
+                  </a:ln>
+                </p:spPr>
+                <p:style>
+                  <a:lnRef idx="2">
+                    <a:schemeClr val="accent1">
+                      <a:shade val="50000"/>
+                    </a:schemeClr>
+                  </a:lnRef>
+                  <a:fillRef idx="1">
+                    <a:schemeClr val="accent1"/>
+                  </a:fillRef>
+                  <a:effectRef idx="0">
+                    <a:schemeClr val="accent1"/>
+                  </a:effectRef>
+                  <a:fontRef idx="minor">
+                    <a:schemeClr val="lt1"/>
+                  </a:fontRef>
+                </p:style>
+                <p:txBody>
+                  <a:bodyPr rtlCol="0" anchor="ctr"/>
+                  <a:lstStyle/>
+                  <a:p>
+                    <a:pPr algn="ctr"/>
+                    <a:endParaRPr lang="en-GB" dirty="0"/>
+                  </a:p>
+                </p:txBody>
+              </p:sp>
+              <p:sp>
+                <p:nvSpPr>
+                  <p:cNvPr id="9" name="Rectangle 8">
+                    <a:extLst>
+                      <a:ext uri="{FF2B5EF4-FFF2-40B4-BE49-F238E27FC236}">
+                        <a16:creationId xmlns:a16="http://schemas.microsoft.com/office/drawing/2014/main" id="{CDC7B1CE-BDA3-4D44-8718-C529D678E310}"/>
+                      </a:ext>
+                    </a:extLst>
+                  </p:cNvPr>
+                  <p:cNvSpPr/>
+                  <p:nvPr/>
+                </p:nvSpPr>
+                <p:spPr>
+                  <a:xfrm>
+                    <a:off x="7250020" y="1591811"/>
+                    <a:ext cx="539662" cy="2387721"/>
+                  </a:xfrm>
+                  <a:prstGeom prst="rect">
+                    <a:avLst/>
+                  </a:prstGeom>
+                  <a:grpFill/>
+                  <a:ln>
+                    <a:noFill/>
+                  </a:ln>
+                </p:spPr>
+                <p:style>
+                  <a:lnRef idx="2">
+                    <a:schemeClr val="accent1">
+                      <a:shade val="50000"/>
+                    </a:schemeClr>
+                  </a:lnRef>
+                  <a:fillRef idx="1">
+                    <a:schemeClr val="accent1"/>
+                  </a:fillRef>
+                  <a:effectRef idx="0">
+                    <a:schemeClr val="accent1"/>
+                  </a:effectRef>
+                  <a:fontRef idx="minor">
+                    <a:schemeClr val="lt1"/>
+                  </a:fontRef>
+                </p:style>
+                <p:txBody>
+                  <a:bodyPr rtlCol="0" anchor="ctr"/>
+                  <a:lstStyle/>
+                  <a:p>
+                    <a:pPr algn="ctr"/>
+                    <a:endParaRPr lang="en-GB"/>
+                  </a:p>
+                </p:txBody>
+              </p:sp>
+              <p:sp>
+                <p:nvSpPr>
+                  <p:cNvPr id="10" name="Rectangle 9">
+                    <a:extLst>
+                      <a:ext uri="{FF2B5EF4-FFF2-40B4-BE49-F238E27FC236}">
+                        <a16:creationId xmlns:a16="http://schemas.microsoft.com/office/drawing/2014/main" id="{0B80046B-8576-4E83-B48A-1894D70D14D6}"/>
+                      </a:ext>
+                    </a:extLst>
+                  </p:cNvPr>
+                  <p:cNvSpPr/>
+                  <p:nvPr/>
+                </p:nvSpPr>
+                <p:spPr>
+                  <a:xfrm>
+                    <a:off x="7775589" y="1877501"/>
+                    <a:ext cx="539662" cy="1809795"/>
+                  </a:xfrm>
+                  <a:prstGeom prst="rect">
+                    <a:avLst/>
+                  </a:prstGeom>
+                  <a:grpFill/>
+                  <a:ln>
+                    <a:noFill/>
+                  </a:ln>
+                </p:spPr>
+                <p:style>
+                  <a:lnRef idx="2">
+                    <a:schemeClr val="accent1">
+                      <a:shade val="50000"/>
+                    </a:schemeClr>
+                  </a:lnRef>
+                  <a:fillRef idx="1">
+                    <a:schemeClr val="accent1"/>
+                  </a:fillRef>
+                  <a:effectRef idx="0">
+                    <a:schemeClr val="accent1"/>
+                  </a:effectRef>
+                  <a:fontRef idx="minor">
+                    <a:schemeClr val="lt1"/>
+                  </a:fontRef>
+                </p:style>
+                <p:txBody>
+                  <a:bodyPr rtlCol="0" anchor="ctr"/>
+                  <a:lstStyle/>
+                  <a:p>
+                    <a:pPr algn="ctr"/>
+                    <a:endParaRPr lang="en-GB"/>
+                  </a:p>
+                </p:txBody>
+              </p:sp>
+              <p:sp>
+                <p:nvSpPr>
+                  <p:cNvPr id="11" name="Rectangle 10">
+                    <a:extLst>
+                      <a:ext uri="{FF2B5EF4-FFF2-40B4-BE49-F238E27FC236}">
+                        <a16:creationId xmlns:a16="http://schemas.microsoft.com/office/drawing/2014/main" id="{ABC4657E-2CE1-44B9-B8CA-5FEC9EE83177}"/>
+                      </a:ext>
+                    </a:extLst>
+                  </p:cNvPr>
+                  <p:cNvSpPr/>
+                  <p:nvPr/>
+                </p:nvSpPr>
+                <p:spPr>
+                  <a:xfrm>
+                    <a:off x="8268112" y="2205929"/>
+                    <a:ext cx="539662" cy="1152938"/>
+                  </a:xfrm>
+                  <a:prstGeom prst="rect">
+                    <a:avLst/>
+                  </a:prstGeom>
+                  <a:grpFill/>
+                  <a:ln>
+                    <a:noFill/>
+                  </a:ln>
+                </p:spPr>
+                <p:style>
+                  <a:lnRef idx="2">
+                    <a:schemeClr val="accent1">
+                      <a:shade val="50000"/>
+                    </a:schemeClr>
+                  </a:lnRef>
+                  <a:fillRef idx="1">
+                    <a:schemeClr val="accent1"/>
+                  </a:fillRef>
+                  <a:effectRef idx="0">
+                    <a:schemeClr val="accent1"/>
+                  </a:effectRef>
+                  <a:fontRef idx="minor">
+                    <a:schemeClr val="lt1"/>
+                  </a:fontRef>
+                </p:style>
+                <p:txBody>
+                  <a:bodyPr rtlCol="0" anchor="ctr"/>
+                  <a:lstStyle/>
+                  <a:p>
+                    <a:pPr algn="ctr"/>
+                    <a:endParaRPr lang="en-GB"/>
+                  </a:p>
+                </p:txBody>
+              </p:sp>
+            </p:grpSp>
+            <p:sp>
+              <p:nvSpPr>
+                <p:cNvPr id="15" name="TextBox 14">
+                  <a:extLst>
+                    <a:ext uri="{FF2B5EF4-FFF2-40B4-BE49-F238E27FC236}">
+                      <a16:creationId xmlns:a16="http://schemas.microsoft.com/office/drawing/2014/main" id="{923BFBF9-5058-4ED4-9843-1CC162AEA0DC}"/>
+                    </a:ext>
+                  </a:extLst>
+                </p:cNvPr>
+                <p:cNvSpPr txBox="1"/>
+                <p:nvPr/>
+              </p:nvSpPr>
+              <p:spPr>
+                <a:xfrm>
+                  <a:off x="3466816" y="4938335"/>
+                  <a:ext cx="1609095" cy="338554"/>
+                </a:xfrm>
+                <a:prstGeom prst="rect">
+                  <a:avLst/>
+                </a:prstGeom>
+                <a:noFill/>
+              </p:spPr>
+              <p:txBody>
+                <a:bodyPr wrap="none" rtlCol="0">
+                  <a:spAutoFit/>
+                </a:bodyPr>
+                <a:lstStyle/>
+                <a:p>
+                  <a:r>
+                    <a:rPr lang="en-GB" sz="1600" dirty="0">
+                      <a:solidFill>
+                        <a:schemeClr val="bg1"/>
+                      </a:solidFill>
+                    </a:rPr>
+                    <a:t>5 deconvolutions</a:t>
+                  </a:r>
+                </a:p>
+              </p:txBody>
+            </p:sp>
+          </p:grpSp>
+          <p:cxnSp>
+            <p:nvCxnSpPr>
+              <p:cNvPr id="22" name="Straight Arrow Connector 21">
+                <a:extLst>
+                  <a:ext uri="{FF2B5EF4-FFF2-40B4-BE49-F238E27FC236}">
+                    <a16:creationId xmlns:a16="http://schemas.microsoft.com/office/drawing/2014/main" id="{A370FAE6-E24A-4599-AE73-5B270BB59DB2}"/>
+                  </a:ext>
+                </a:extLst>
+              </p:cNvPr>
+              <p:cNvCxnSpPr>
+                <a:cxnSpLocks/>
+                <a:stCxn id="19" idx="3"/>
+                <a:endCxn id="2" idx="1"/>
+              </p:cNvCxnSpPr>
+              <p:nvPr/>
+            </p:nvCxnSpPr>
+            <p:spPr>
+              <a:xfrm>
+                <a:off x="2594288" y="2193785"/>
+                <a:ext cx="787447" cy="1202"/>
+              </a:xfrm>
+              <a:prstGeom prst="straightConnector1">
+                <a:avLst/>
+              </a:prstGeom>
+              <a:ln w="19050">
+                <a:prstDash val="dash"/>
+                <a:tailEnd type="triangle"/>
+              </a:ln>
+            </p:spPr>
+            <p:style>
+              <a:lnRef idx="1">
+                <a:schemeClr val="dk1"/>
+              </a:lnRef>
+              <a:fillRef idx="0">
+                <a:schemeClr val="dk1"/>
+              </a:fillRef>
+              <a:effectRef idx="0">
+                <a:schemeClr val="dk1"/>
+              </a:effectRef>
+              <a:fontRef idx="minor">
+                <a:schemeClr val="tx1"/>
+              </a:fontRef>
+            </p:style>
+          </p:cxnSp>
+          <p:cxnSp>
+            <p:nvCxnSpPr>
+              <p:cNvPr id="49" name="Straight Arrow Connector 48">
+                <a:extLst>
+                  <a:ext uri="{FF2B5EF4-FFF2-40B4-BE49-F238E27FC236}">
+                    <a16:creationId xmlns:a16="http://schemas.microsoft.com/office/drawing/2014/main" id="{9F5AB962-2CED-41EC-93F8-669E5BEF0467}"/>
+                  </a:ext>
+                </a:extLst>
+              </p:cNvPr>
+              <p:cNvCxnSpPr>
+                <a:cxnSpLocks/>
+              </p:cNvCxnSpPr>
+              <p:nvPr/>
+            </p:nvCxnSpPr>
+            <p:spPr>
+              <a:xfrm>
+                <a:off x="2313410" y="2934248"/>
+                <a:ext cx="0" cy="632276"/>
+              </a:xfrm>
+              <a:prstGeom prst="straightConnector1">
+                <a:avLst/>
+              </a:prstGeom>
+              <a:ln w="19050">
+                <a:prstDash val="dash"/>
+                <a:tailEnd type="triangle"/>
+              </a:ln>
+            </p:spPr>
+            <p:style>
+              <a:lnRef idx="1">
+                <a:schemeClr val="dk1"/>
+              </a:lnRef>
+              <a:fillRef idx="0">
+                <a:schemeClr val="dk1"/>
+              </a:fillRef>
+              <a:effectRef idx="0">
+                <a:schemeClr val="dk1"/>
+              </a:effectRef>
+              <a:fontRef idx="minor">
+                <a:schemeClr val="tx1"/>
+              </a:fontRef>
+            </p:style>
+          </p:cxnSp>
+          <p:grpSp>
+            <p:nvGrpSpPr>
+              <p:cNvPr id="99" name="Group 98">
+                <a:extLst>
+                  <a:ext uri="{FF2B5EF4-FFF2-40B4-BE49-F238E27FC236}">
+                    <a16:creationId xmlns:a16="http://schemas.microsoft.com/office/drawing/2014/main" id="{27F64F35-EDB5-45E9-8987-E62B67DB9084}"/>
+                  </a:ext>
+                </a:extLst>
+              </p:cNvPr>
+              <p:cNvGrpSpPr/>
+              <p:nvPr/>
+            </p:nvGrpSpPr>
+            <p:grpSpPr>
+              <a:xfrm>
+                <a:off x="1228553" y="742643"/>
+                <a:ext cx="9374673" cy="5846010"/>
+                <a:chOff x="1228553" y="742643"/>
+                <a:chExt cx="9374673" cy="5846010"/>
+              </a:xfrm>
+            </p:grpSpPr>
+            <p:cxnSp>
+              <p:nvCxnSpPr>
+                <p:cNvPr id="36" name="Straight Arrow Connector 35">
+                  <a:extLst>
+                    <a:ext uri="{FF2B5EF4-FFF2-40B4-BE49-F238E27FC236}">
+                      <a16:creationId xmlns:a16="http://schemas.microsoft.com/office/drawing/2014/main" id="{BD813EEF-01AE-41E3-B446-2BADA63F7FAB}"/>
+                    </a:ext>
+                  </a:extLst>
+                </p:cNvPr>
+                <p:cNvCxnSpPr>
+                  <a:cxnSpLocks/>
+                  <a:stCxn id="30" idx="0"/>
+                </p:cNvCxnSpPr>
+                <p:nvPr/>
+              </p:nvCxnSpPr>
+              <p:spPr>
+                <a:xfrm flipV="1">
+                  <a:off x="2313411" y="3898902"/>
+                  <a:ext cx="0" cy="1020538"/>
+                </a:xfrm>
+                <a:prstGeom prst="straightConnector1">
+                  <a:avLst/>
+                </a:prstGeom>
+                <a:ln w="19050">
+                  <a:prstDash val="dash"/>
+                  <a:tailEnd type="triangle"/>
+                </a:ln>
+              </p:spPr>
+              <p:style>
+                <a:lnRef idx="1">
+                  <a:schemeClr val="dk1"/>
+                </a:lnRef>
+                <a:fillRef idx="0">
+                  <a:schemeClr val="dk1"/>
+                </a:fillRef>
+                <a:effectRef idx="0">
+                  <a:schemeClr val="dk1"/>
+                </a:effectRef>
+                <a:fontRef idx="minor">
+                  <a:schemeClr val="tx1"/>
+                </a:fontRef>
+              </p:style>
+            </p:cxnSp>
+            <p:grpSp>
+              <p:nvGrpSpPr>
+                <p:cNvPr id="98" name="Group 97">
+                  <a:extLst>
+                    <a:ext uri="{FF2B5EF4-FFF2-40B4-BE49-F238E27FC236}">
+                      <a16:creationId xmlns:a16="http://schemas.microsoft.com/office/drawing/2014/main" id="{6F4E8885-6AA0-4632-B4DD-034F428528E4}"/>
+                    </a:ext>
+                  </a:extLst>
+                </p:cNvPr>
+                <p:cNvGrpSpPr/>
+                <p:nvPr/>
+              </p:nvGrpSpPr>
+              <p:grpSpPr>
+                <a:xfrm>
+                  <a:off x="1228553" y="742643"/>
+                  <a:ext cx="9374673" cy="5846010"/>
+                  <a:chOff x="1228553" y="742643"/>
+                  <a:chExt cx="9374673" cy="5846010"/>
+                </a:xfrm>
+              </p:grpSpPr>
+              <p:cxnSp>
+                <p:nvCxnSpPr>
+                  <p:cNvPr id="44" name="Straight Arrow Connector 43">
+                    <a:extLst>
+                      <a:ext uri="{FF2B5EF4-FFF2-40B4-BE49-F238E27FC236}">
+                        <a16:creationId xmlns:a16="http://schemas.microsoft.com/office/drawing/2014/main" id="{852C903C-EF8C-4E7D-834D-7F289D49F82E}"/>
+                      </a:ext>
+                    </a:extLst>
+                  </p:cNvPr>
+                  <p:cNvCxnSpPr>
+                    <a:cxnSpLocks/>
+                    <a:stCxn id="20" idx="0"/>
+                  </p:cNvCxnSpPr>
+                  <p:nvPr/>
+                </p:nvCxnSpPr>
+                <p:spPr>
+                  <a:xfrm flipV="1">
+                    <a:off x="6094944" y="3903219"/>
+                    <a:ext cx="0" cy="802530"/>
+                  </a:xfrm>
+                  <a:prstGeom prst="straightConnector1">
+                    <a:avLst/>
+                  </a:prstGeom>
+                  <a:ln w="19050">
+                    <a:prstDash val="dash"/>
+                    <a:tailEnd type="triangle"/>
+                  </a:ln>
+                </p:spPr>
+                <p:style>
+                  <a:lnRef idx="1">
+                    <a:schemeClr val="dk1"/>
+                  </a:lnRef>
+                  <a:fillRef idx="0">
+                    <a:schemeClr val="dk1"/>
+                  </a:fillRef>
+                  <a:effectRef idx="0">
+                    <a:schemeClr val="dk1"/>
+                  </a:effectRef>
+                  <a:fontRef idx="minor">
+                    <a:schemeClr val="tx1"/>
+                  </a:fontRef>
+                </p:style>
+              </p:cxnSp>
+              <p:grpSp>
+                <p:nvGrpSpPr>
+                  <p:cNvPr id="97" name="Group 96">
+                    <a:extLst>
+                      <a:ext uri="{FF2B5EF4-FFF2-40B4-BE49-F238E27FC236}">
+                        <a16:creationId xmlns:a16="http://schemas.microsoft.com/office/drawing/2014/main" id="{C2DAABC3-1F64-4DD2-9909-FFD76213717B}"/>
+                      </a:ext>
+                    </a:extLst>
+                  </p:cNvPr>
+                  <p:cNvGrpSpPr/>
+                  <p:nvPr/>
+                </p:nvGrpSpPr>
+                <p:grpSpPr>
+                  <a:xfrm>
+                    <a:off x="1228553" y="742643"/>
+                    <a:ext cx="9374673" cy="5846010"/>
+                    <a:chOff x="1228553" y="742643"/>
+                    <a:chExt cx="9374673" cy="5846010"/>
+                  </a:xfrm>
+                </p:grpSpPr>
+                <p:pic>
+                  <p:nvPicPr>
+                    <p:cNvPr id="20" name="Picture 19">
+                      <a:extLst>
+                        <a:ext uri="{FF2B5EF4-FFF2-40B4-BE49-F238E27FC236}">
+                          <a16:creationId xmlns:a16="http://schemas.microsoft.com/office/drawing/2014/main" id="{3E2BE6C8-AA81-427A-91E6-7738DDD07C19}"/>
+                        </a:ext>
+                      </a:extLst>
+                    </p:cNvPr>
+                    <p:cNvPicPr>
+                      <a:picLocks noChangeAspect="1"/>
+                    </p:cNvPicPr>
+                    <p:nvPr/>
+                  </p:nvPicPr>
+                  <p:blipFill rotWithShape="1">
+                    <a:blip r:embed="rId2"/>
+                    <a:srcRect l="34333" t="25185" r="54500" b="54333"/>
+                    <a:stretch/>
+                  </p:blipFill>
+                  <p:spPr>
+                    <a:xfrm>
+                      <a:off x="5761459" y="4705749"/>
+                      <a:ext cx="666970" cy="854931"/>
+                    </a:xfrm>
+                    <a:prstGeom prst="rect">
+                      <a:avLst/>
+                    </a:prstGeom>
+                  </p:spPr>
+                </p:pic>
+                <p:sp>
+                  <p:nvSpPr>
+                    <p:cNvPr id="21" name="TextBox 20">
+                      <a:extLst>
+                        <a:ext uri="{FF2B5EF4-FFF2-40B4-BE49-F238E27FC236}">
+                          <a16:creationId xmlns:a16="http://schemas.microsoft.com/office/drawing/2014/main" id="{F36AEC5E-FFCE-4DA8-8FD2-DB5A95EF1C3F}"/>
+                        </a:ext>
+                      </a:extLst>
+                    </p:cNvPr>
+                    <p:cNvSpPr txBox="1"/>
+                    <p:nvPr/>
+                  </p:nvSpPr>
+                  <p:spPr>
+                    <a:xfrm>
+                      <a:off x="5514173" y="5469941"/>
+                      <a:ext cx="1380498" cy="646331"/>
+                    </a:xfrm>
+                    <a:prstGeom prst="rect">
+                      <a:avLst/>
+                    </a:prstGeom>
+                    <a:noFill/>
+                  </p:spPr>
+                  <p:txBody>
+                    <a:bodyPr wrap="square" rtlCol="0">
+                      <a:spAutoFit/>
+                    </a:bodyPr>
+                    <a:lstStyle/>
+                    <a:p>
+                      <a:r>
+                        <a:rPr lang="en-GB" dirty="0"/>
+                        <a:t>Generated fake image </a:t>
+                      </a:r>
+                    </a:p>
+                  </p:txBody>
+                </p:sp>
+                <p:grpSp>
+                  <p:nvGrpSpPr>
+                    <p:cNvPr id="96" name="Group 95">
+                      <a:extLst>
+                        <a:ext uri="{FF2B5EF4-FFF2-40B4-BE49-F238E27FC236}">
+                          <a16:creationId xmlns:a16="http://schemas.microsoft.com/office/drawing/2014/main" id="{3E2604C8-4486-4A99-A4E7-28CFFE7D3D04}"/>
+                        </a:ext>
+                      </a:extLst>
+                    </p:cNvPr>
+                    <p:cNvGrpSpPr/>
+                    <p:nvPr/>
+                  </p:nvGrpSpPr>
+                  <p:grpSpPr>
+                    <a:xfrm>
+                      <a:off x="1228553" y="742643"/>
+                      <a:ext cx="9374673" cy="5846010"/>
+                      <a:chOff x="1228553" y="742643"/>
+                      <a:chExt cx="9374673" cy="5846010"/>
+                    </a:xfrm>
+                  </p:grpSpPr>
+                  <p:sp>
+                    <p:nvSpPr>
+                      <p:cNvPr id="18" name="TextBox 17">
+                        <a:extLst>
+                          <a:ext uri="{FF2B5EF4-FFF2-40B4-BE49-F238E27FC236}">
+                            <a16:creationId xmlns:a16="http://schemas.microsoft.com/office/drawing/2014/main" id="{8CD0A832-EFB2-4F0A-8DE1-BA0C545FE132}"/>
+                          </a:ext>
+                        </a:extLst>
+                      </p:cNvPr>
+                      <p:cNvSpPr txBox="1"/>
+                      <p:nvPr/>
+                    </p:nvSpPr>
+                    <p:spPr>
+                      <a:xfrm>
+                        <a:off x="1675189" y="2564916"/>
+                        <a:ext cx="1207831" cy="369332"/>
+                      </a:xfrm>
+                      <a:prstGeom prst="rect">
+                        <a:avLst/>
+                      </a:prstGeom>
+                      <a:solidFill>
+                        <a:schemeClr val="bg1"/>
+                      </a:solidFill>
+                    </p:spPr>
+                    <p:txBody>
+                      <a:bodyPr wrap="none" rtlCol="0">
+                        <a:spAutoFit/>
+                      </a:bodyPr>
+                      <a:lstStyle/>
+                      <a:p>
+                        <a:r>
+                          <a:rPr lang="en-GB" dirty="0"/>
+                          <a:t>Real image</a:t>
+                        </a:r>
+                      </a:p>
+                    </p:txBody>
+                  </p:sp>
+                  <p:pic>
+                    <p:nvPicPr>
+                      <p:cNvPr id="19" name="Picture 18">
+                        <a:extLst>
+                          <a:ext uri="{FF2B5EF4-FFF2-40B4-BE49-F238E27FC236}">
+                            <a16:creationId xmlns:a16="http://schemas.microsoft.com/office/drawing/2014/main" id="{3707DC68-844F-47A7-A477-0C1443770117}"/>
+                          </a:ext>
+                        </a:extLst>
+                      </p:cNvPr>
+                      <p:cNvPicPr>
+                        <a:picLocks noChangeAspect="1"/>
+                      </p:cNvPicPr>
+                      <p:nvPr/>
+                    </p:nvPicPr>
+                    <p:blipFill rotWithShape="1">
+                      <a:blip r:embed="rId3">
+                        <a:extLst>
+                          <a:ext uri="{28A0092B-C50C-407E-A947-70E740481C1C}">
+                            <a14:useLocalDpi xmlns:a14="http://schemas.microsoft.com/office/drawing/2010/main" val="0"/>
+                          </a:ext>
+                        </a:extLst>
+                      </a:blip>
+                      <a:srcRect l="69874" t="14783" r="19017" b="67541"/>
+                      <a:stretch/>
+                    </p:blipFill>
+                    <p:spPr>
+                      <a:xfrm>
+                        <a:off x="2030979" y="1747866"/>
+                        <a:ext cx="563309" cy="891838"/>
+                      </a:xfrm>
+                      <a:prstGeom prst="rect">
+                        <a:avLst/>
+                      </a:prstGeom>
+                    </p:spPr>
+                  </p:pic>
+                  <p:sp>
+                    <p:nvSpPr>
+                      <p:cNvPr id="29" name="TextBox 28">
+                        <a:extLst>
+                          <a:ext uri="{FF2B5EF4-FFF2-40B4-BE49-F238E27FC236}">
+                            <a16:creationId xmlns:a16="http://schemas.microsoft.com/office/drawing/2014/main" id="{7EBDA95A-D86B-481C-8BAB-5FCEA460DB88}"/>
+                          </a:ext>
+                        </a:extLst>
+                      </p:cNvPr>
+                      <p:cNvSpPr txBox="1"/>
+                      <p:nvPr/>
+                    </p:nvSpPr>
+                    <p:spPr>
+                      <a:xfrm>
+                        <a:off x="1228553" y="5293647"/>
+                        <a:ext cx="2115105" cy="646331"/>
+                      </a:xfrm>
+                      <a:prstGeom prst="rect">
+                        <a:avLst/>
+                      </a:prstGeom>
+                      <a:noFill/>
+                    </p:spPr>
+                    <p:txBody>
+                      <a:bodyPr wrap="square" rtlCol="0">
+                        <a:spAutoFit/>
+                      </a:bodyPr>
+                      <a:lstStyle/>
+                      <a:p>
+                        <a:pPr algn="ctr"/>
+                        <a:r>
+                          <a:rPr lang="en-GB" dirty="0"/>
+                          <a:t>Array of random numbers</a:t>
+                        </a:r>
+                      </a:p>
+                    </p:txBody>
+                  </p:sp>
+                  <p:grpSp>
+                    <p:nvGrpSpPr>
+                      <p:cNvPr id="35" name="Group 34">
+                        <a:extLst>
+                          <a:ext uri="{FF2B5EF4-FFF2-40B4-BE49-F238E27FC236}">
+                            <a16:creationId xmlns:a16="http://schemas.microsoft.com/office/drawing/2014/main" id="{00FAA5A7-0662-46C4-A9D4-10DE432BBD54}"/>
+                          </a:ext>
+                        </a:extLst>
+                      </p:cNvPr>
+                      <p:cNvGrpSpPr/>
+                      <p:nvPr/>
+                    </p:nvGrpSpPr>
+                    <p:grpSpPr>
+                      <a:xfrm>
+                        <a:off x="1255858" y="4919440"/>
+                        <a:ext cx="4505601" cy="400110"/>
+                        <a:chOff x="1255858" y="4919440"/>
+                        <a:chExt cx="4505601" cy="400110"/>
+                      </a:xfrm>
+                    </p:grpSpPr>
+                    <p:cxnSp>
+                      <p:nvCxnSpPr>
+                        <p:cNvPr id="25" name="Straight Arrow Connector 24">
+                          <a:extLst>
+                            <a:ext uri="{FF2B5EF4-FFF2-40B4-BE49-F238E27FC236}">
+                              <a16:creationId xmlns:a16="http://schemas.microsoft.com/office/drawing/2014/main" id="{64708121-1733-47D1-98BD-D2A110A13E99}"/>
+                            </a:ext>
+                          </a:extLst>
+                        </p:cNvPr>
+                        <p:cNvCxnSpPr>
+                          <a:cxnSpLocks/>
+                          <a:stCxn id="7" idx="1"/>
+                          <a:endCxn id="20" idx="1"/>
+                        </p:cNvCxnSpPr>
+                        <p:nvPr/>
+                      </p:nvCxnSpPr>
+                      <p:spPr>
+                        <a:xfrm flipV="1">
+                          <a:off x="5047443" y="5133215"/>
+                          <a:ext cx="714016" cy="1995"/>
+                        </a:xfrm>
+                        <a:prstGeom prst="straightConnector1">
+                          <a:avLst/>
+                        </a:prstGeom>
+                        <a:ln w="19050">
+                          <a:prstDash val="dash"/>
+                          <a:tailEnd type="triangle"/>
+                        </a:ln>
+                      </p:spPr>
+                      <p:style>
+                        <a:lnRef idx="1">
+                          <a:schemeClr val="dk1"/>
+                        </a:lnRef>
+                        <a:fillRef idx="0">
+                          <a:schemeClr val="dk1"/>
+                        </a:fillRef>
+                        <a:effectRef idx="0">
+                          <a:schemeClr val="dk1"/>
+                        </a:effectRef>
+                        <a:fontRef idx="minor">
+                          <a:schemeClr val="tx1"/>
+                        </a:fontRef>
+                      </p:style>
+                    </p:cxnSp>
+                    <p:sp>
+                      <p:nvSpPr>
+                        <p:cNvPr id="30" name="TextBox 29">
+                          <a:extLst>
+                            <a:ext uri="{FF2B5EF4-FFF2-40B4-BE49-F238E27FC236}">
+                              <a16:creationId xmlns:a16="http://schemas.microsoft.com/office/drawing/2014/main" id="{B47ABECE-871F-48E3-8FAA-00AAFB3E1E2B}"/>
+                            </a:ext>
+                          </a:extLst>
+                        </p:cNvPr>
+                        <p:cNvSpPr txBox="1"/>
+                        <p:nvPr/>
+                      </p:nvSpPr>
+                      <p:spPr>
+                        <a:xfrm>
+                          <a:off x="1255858" y="4919440"/>
+                          <a:ext cx="2115105" cy="400110"/>
+                        </a:xfrm>
+                        <a:prstGeom prst="rect">
+                          <a:avLst/>
+                        </a:prstGeom>
+                        <a:noFill/>
+                      </p:spPr>
+                      <p:txBody>
+                        <a:bodyPr wrap="square" rtlCol="0">
+                          <a:spAutoFit/>
+                        </a:bodyPr>
+                        <a:lstStyle/>
+                        <a:p>
+                          <a:r>
+                            <a:rPr lang="en-GB" sz="2000" b="1" dirty="0"/>
+                            <a:t>[0, 0.3, ..., 0.1, 0]</a:t>
+                          </a:r>
+                        </a:p>
+                      </p:txBody>
+                    </p:sp>
+                    <p:cxnSp>
+                      <p:nvCxnSpPr>
+                        <p:cNvPr id="31" name="Straight Arrow Connector 30">
+                          <a:extLst>
+                            <a:ext uri="{FF2B5EF4-FFF2-40B4-BE49-F238E27FC236}">
+                              <a16:creationId xmlns:a16="http://schemas.microsoft.com/office/drawing/2014/main" id="{493E7D73-134E-4846-86C3-A775CD13ADD9}"/>
+                            </a:ext>
+                          </a:extLst>
+                        </p:cNvPr>
+                        <p:cNvCxnSpPr>
+                          <a:cxnSpLocks/>
+                          <a:endCxn id="15" idx="1"/>
+                        </p:cNvCxnSpPr>
+                        <p:nvPr/>
+                      </p:nvCxnSpPr>
+                      <p:spPr>
+                        <a:xfrm>
+                          <a:off x="3140954" y="5133215"/>
+                          <a:ext cx="278522" cy="0"/>
+                        </a:xfrm>
+                        <a:prstGeom prst="straightConnector1">
+                          <a:avLst/>
+                        </a:prstGeom>
+                        <a:ln w="19050">
+                          <a:prstDash val="dash"/>
+                          <a:tailEnd type="triangle"/>
+                        </a:ln>
+                      </p:spPr>
+                      <p:style>
+                        <a:lnRef idx="1">
+                          <a:schemeClr val="dk1"/>
+                        </a:lnRef>
+                        <a:fillRef idx="0">
+                          <a:schemeClr val="dk1"/>
+                        </a:fillRef>
+                        <a:effectRef idx="0">
+                          <a:schemeClr val="dk1"/>
+                        </a:effectRef>
+                        <a:fontRef idx="minor">
+                          <a:schemeClr val="tx1"/>
+                        </a:fontRef>
+                      </p:style>
+                    </p:cxnSp>
+                  </p:grpSp>
+                  <p:sp>
+                    <p:nvSpPr>
+                      <p:cNvPr id="83" name="TextBox 82">
+                        <a:extLst>
+                          <a:ext uri="{FF2B5EF4-FFF2-40B4-BE49-F238E27FC236}">
+                            <a16:creationId xmlns:a16="http://schemas.microsoft.com/office/drawing/2014/main" id="{5875D8C6-75ED-43EA-A00E-C0FD1A2299A3}"/>
+                          </a:ext>
+                        </a:extLst>
+                      </p:cNvPr>
+                      <p:cNvSpPr txBox="1"/>
+                      <p:nvPr/>
+                    </p:nvSpPr>
+                    <p:spPr>
+                      <a:xfrm>
+                        <a:off x="3712706" y="6219321"/>
+                        <a:ext cx="1687708" cy="369332"/>
+                      </a:xfrm>
+                      <a:prstGeom prst="rect">
+                        <a:avLst/>
+                      </a:prstGeom>
+                      <a:noFill/>
+                    </p:spPr>
+                    <p:txBody>
+                      <a:bodyPr wrap="square" rtlCol="0">
+                        <a:spAutoFit/>
+                      </a:bodyPr>
+                      <a:lstStyle/>
+                      <a:p>
+                        <a:r>
+                          <a:rPr lang="en-GB" b="1" dirty="0"/>
+                          <a:t>Generator</a:t>
+                        </a:r>
+                      </a:p>
+                    </p:txBody>
+                  </p:sp>
+                  <p:sp>
+                    <p:nvSpPr>
+                      <p:cNvPr id="84" name="TextBox 83">
+                        <a:extLst>
+                          <a:ext uri="{FF2B5EF4-FFF2-40B4-BE49-F238E27FC236}">
+                            <a16:creationId xmlns:a16="http://schemas.microsoft.com/office/drawing/2014/main" id="{6117E790-0371-47AA-8439-14598DA7AA0A}"/>
+                          </a:ext>
+                        </a:extLst>
+                      </p:cNvPr>
+                      <p:cNvSpPr txBox="1"/>
+                      <p:nvPr/>
+                    </p:nvSpPr>
+                    <p:spPr>
+                      <a:xfrm>
+                        <a:off x="3740588" y="742643"/>
+                        <a:ext cx="1687708" cy="369332"/>
+                      </a:xfrm>
+                      <a:prstGeom prst="rect">
+                        <a:avLst/>
+                      </a:prstGeom>
+                      <a:noFill/>
+                    </p:spPr>
+                    <p:txBody>
+                      <a:bodyPr wrap="square" rtlCol="0">
+                        <a:spAutoFit/>
+                      </a:bodyPr>
+                      <a:lstStyle/>
+                      <a:p>
+                        <a:r>
+                          <a:rPr lang="en-GB" b="1" dirty="0"/>
+                          <a:t>Encoder</a:t>
+                        </a:r>
+                      </a:p>
+                    </p:txBody>
+                  </p:sp>
+                  <p:grpSp>
+                    <p:nvGrpSpPr>
+                      <p:cNvPr id="95" name="Group 94">
+                        <a:extLst>
+                          <a:ext uri="{FF2B5EF4-FFF2-40B4-BE49-F238E27FC236}">
+                            <a16:creationId xmlns:a16="http://schemas.microsoft.com/office/drawing/2014/main" id="{0E1F862C-A09F-414E-81E7-1E80E7AFB796}"/>
+                          </a:ext>
+                        </a:extLst>
+                      </p:cNvPr>
+                      <p:cNvGrpSpPr/>
+                      <p:nvPr/>
+                    </p:nvGrpSpPr>
+                    <p:grpSpPr>
+                      <a:xfrm>
+                        <a:off x="2313410" y="1083802"/>
+                        <a:ext cx="8289816" cy="4180073"/>
+                        <a:chOff x="2313410" y="1083802"/>
+                        <a:chExt cx="8289816" cy="4180073"/>
+                      </a:xfrm>
+                    </p:grpSpPr>
+                    <p:grpSp>
+                      <p:nvGrpSpPr>
+                        <p:cNvPr id="17" name="Group 16">
+                          <a:extLst>
+                            <a:ext uri="{FF2B5EF4-FFF2-40B4-BE49-F238E27FC236}">
+                              <a16:creationId xmlns:a16="http://schemas.microsoft.com/office/drawing/2014/main" id="{802332DA-5C66-4D14-80FF-6C8A3E7BD241}"/>
+                            </a:ext>
+                          </a:extLst>
+                        </p:cNvPr>
+                        <p:cNvGrpSpPr/>
+                        <p:nvPr/>
+                      </p:nvGrpSpPr>
+                      <p:grpSpPr>
+                        <a:xfrm>
+                          <a:off x="3381735" y="1083802"/>
+                          <a:ext cx="1646836" cy="2222370"/>
+                          <a:chOff x="3409167" y="227753"/>
+                          <a:chExt cx="1646836" cy="2222370"/>
+                        </a:xfrm>
+                      </p:grpSpPr>
+                      <p:grpSp>
+                        <p:nvGrpSpPr>
+                          <p:cNvPr id="13" name="Group 12">
+                            <a:extLst>
+                              <a:ext uri="{FF2B5EF4-FFF2-40B4-BE49-F238E27FC236}">
+                                <a16:creationId xmlns:a16="http://schemas.microsoft.com/office/drawing/2014/main" id="{3F56D990-0069-4537-9878-10A34BE2A759}"/>
+                              </a:ext>
+                            </a:extLst>
+                          </p:cNvPr>
+                          <p:cNvGrpSpPr/>
+                          <p:nvPr/>
+                        </p:nvGrpSpPr>
+                        <p:grpSpPr>
+                          <a:xfrm>
+                            <a:off x="3409167" y="227753"/>
+                            <a:ext cx="1646836" cy="2222370"/>
+                            <a:chOff x="2724346" y="526544"/>
+                            <a:chExt cx="2703154" cy="3647849"/>
+                          </a:xfrm>
+                        </p:grpSpPr>
+                        <p:sp>
+                          <p:nvSpPr>
+                            <p:cNvPr id="2" name="Rectangle 1">
+                              <a:extLst>
+                                <a:ext uri="{FF2B5EF4-FFF2-40B4-BE49-F238E27FC236}">
+                                  <a16:creationId xmlns:a16="http://schemas.microsoft.com/office/drawing/2014/main" id="{966EF189-E1FB-4B59-89CD-E4291183B876}"/>
+                                </a:ext>
+                              </a:extLst>
+                            </p:cNvPr>
+                            <p:cNvSpPr/>
+                            <p:nvPr/>
+                          </p:nvSpPr>
+                          <p:spPr>
+                            <a:xfrm>
+                              <a:off x="2724346" y="526544"/>
+                              <a:ext cx="666970" cy="3647849"/>
+                            </a:xfrm>
+                            <a:prstGeom prst="rect">
+                              <a:avLst/>
+                            </a:prstGeom>
+                            <a:ln>
+                              <a:noFill/>
+                            </a:ln>
+                          </p:spPr>
+                          <p:style>
+                            <a:lnRef idx="2">
+                              <a:schemeClr val="accent1">
+                                <a:shade val="50000"/>
+                              </a:schemeClr>
+                            </a:lnRef>
+                            <a:fillRef idx="1">
+                              <a:schemeClr val="accent1"/>
+                            </a:fillRef>
+                            <a:effectRef idx="0">
+                              <a:schemeClr val="accent1"/>
+                            </a:effectRef>
+                            <a:fontRef idx="minor">
+                              <a:schemeClr val="lt1"/>
+                            </a:fontRef>
+                          </p:style>
+                          <p:txBody>
+                            <a:bodyPr rtlCol="0" anchor="ctr"/>
+                            <a:lstStyle/>
+                            <a:p>
+                              <a:pPr algn="ctr"/>
+                              <a:endParaRPr lang="en-GB" dirty="0"/>
+                            </a:p>
+                          </p:txBody>
+                        </p:sp>
+                        <p:sp>
+                          <p:nvSpPr>
+                            <p:cNvPr id="3" name="Rectangle 2">
+                              <a:extLst>
+                                <a:ext uri="{FF2B5EF4-FFF2-40B4-BE49-F238E27FC236}">
+                                  <a16:creationId xmlns:a16="http://schemas.microsoft.com/office/drawing/2014/main" id="{636B91DF-DF2A-4E6F-A5B4-E85A4F4B8224}"/>
+                                </a:ext>
+                              </a:extLst>
+                            </p:cNvPr>
+                            <p:cNvSpPr/>
+                            <p:nvPr/>
+                          </p:nvSpPr>
+                          <p:spPr>
+                            <a:xfrm>
+                              <a:off x="3353608" y="905356"/>
+                              <a:ext cx="539662" cy="2943520"/>
+                            </a:xfrm>
+                            <a:prstGeom prst="rect">
+                              <a:avLst/>
+                            </a:prstGeom>
+                            <a:ln>
+                              <a:noFill/>
+                            </a:ln>
+                          </p:spPr>
+                          <p:style>
+                            <a:lnRef idx="2">
+                              <a:schemeClr val="accent1">
+                                <a:shade val="50000"/>
+                              </a:schemeClr>
+                            </a:lnRef>
+                            <a:fillRef idx="1">
+                              <a:schemeClr val="accent1"/>
+                            </a:fillRef>
+                            <a:effectRef idx="0">
+                              <a:schemeClr val="accent1"/>
+                            </a:effectRef>
+                            <a:fontRef idx="minor">
+                              <a:schemeClr val="lt1"/>
+                            </a:fontRef>
+                          </p:style>
+                          <p:txBody>
+                            <a:bodyPr rtlCol="0" anchor="ctr"/>
+                            <a:lstStyle/>
+                            <a:p>
+                              <a:pPr algn="ctr"/>
+                              <a:endParaRPr lang="en-GB" dirty="0"/>
+                            </a:p>
+                          </p:txBody>
+                        </p:sp>
+                        <p:sp>
+                          <p:nvSpPr>
+                            <p:cNvPr id="4" name="Rectangle 3">
+                              <a:extLst>
+                                <a:ext uri="{FF2B5EF4-FFF2-40B4-BE49-F238E27FC236}">
+                                  <a16:creationId xmlns:a16="http://schemas.microsoft.com/office/drawing/2014/main" id="{AA3CC033-5297-4C66-BB51-E250426F29D5}"/>
+                                </a:ext>
+                              </a:extLst>
+                            </p:cNvPr>
+                            <p:cNvSpPr/>
+                            <p:nvPr/>
+                          </p:nvSpPr>
+                          <p:spPr>
+                            <a:xfrm>
+                              <a:off x="3869746" y="1156607"/>
+                              <a:ext cx="539662" cy="2387721"/>
+                            </a:xfrm>
+                            <a:prstGeom prst="rect">
+                              <a:avLst/>
+                            </a:prstGeom>
+                            <a:ln>
+                              <a:noFill/>
+                            </a:ln>
+                          </p:spPr>
+                          <p:style>
+                            <a:lnRef idx="2">
+                              <a:schemeClr val="accent1">
+                                <a:shade val="50000"/>
+                              </a:schemeClr>
+                            </a:lnRef>
+                            <a:fillRef idx="1">
+                              <a:schemeClr val="accent1"/>
+                            </a:fillRef>
+                            <a:effectRef idx="0">
+                              <a:schemeClr val="accent1"/>
+                            </a:effectRef>
+                            <a:fontRef idx="minor">
+                              <a:schemeClr val="lt1"/>
+                            </a:fontRef>
+                          </p:style>
+                          <p:txBody>
+                            <a:bodyPr rtlCol="0" anchor="ctr"/>
+                            <a:lstStyle/>
+                            <a:p>
+                              <a:pPr algn="ctr"/>
+                              <a:endParaRPr lang="en-GB"/>
+                            </a:p>
+                          </p:txBody>
+                        </p:sp>
+                        <p:sp>
+                          <p:nvSpPr>
+                            <p:cNvPr id="5" name="Rectangle 4">
+                              <a:extLst>
+                                <a:ext uri="{FF2B5EF4-FFF2-40B4-BE49-F238E27FC236}">
+                                  <a16:creationId xmlns:a16="http://schemas.microsoft.com/office/drawing/2014/main" id="{9F3A1367-22D5-4B09-92D7-95B8CF94A189}"/>
+                                </a:ext>
+                              </a:extLst>
+                            </p:cNvPr>
+                            <p:cNvSpPr/>
+                            <p:nvPr/>
+                          </p:nvSpPr>
+                          <p:spPr>
+                            <a:xfrm>
+                              <a:off x="4382900" y="1442297"/>
+                              <a:ext cx="539662" cy="1809795"/>
+                            </a:xfrm>
+                            <a:prstGeom prst="rect">
+                              <a:avLst/>
+                            </a:prstGeom>
+                            <a:ln>
+                              <a:noFill/>
+                            </a:ln>
+                          </p:spPr>
+                          <p:style>
+                            <a:lnRef idx="2">
+                              <a:schemeClr val="accent1">
+                                <a:shade val="50000"/>
+                              </a:schemeClr>
+                            </a:lnRef>
+                            <a:fillRef idx="1">
+                              <a:schemeClr val="accent1"/>
+                            </a:fillRef>
+                            <a:effectRef idx="0">
+                              <a:schemeClr val="accent1"/>
+                            </a:effectRef>
+                            <a:fontRef idx="minor">
+                              <a:schemeClr val="lt1"/>
+                            </a:fontRef>
+                          </p:style>
+                          <p:txBody>
+                            <a:bodyPr rtlCol="0" anchor="ctr"/>
+                            <a:lstStyle/>
+                            <a:p>
+                              <a:pPr algn="ctr"/>
+                              <a:endParaRPr lang="en-GB" dirty="0"/>
+                            </a:p>
+                          </p:txBody>
+                        </p:sp>
+                        <p:sp>
+                          <p:nvSpPr>
+                            <p:cNvPr id="6" name="Rectangle 5">
+                              <a:extLst>
+                                <a:ext uri="{FF2B5EF4-FFF2-40B4-BE49-F238E27FC236}">
+                                  <a16:creationId xmlns:a16="http://schemas.microsoft.com/office/drawing/2014/main" id="{9ED7D4C9-5DD5-47DF-AC8E-BB9BC7C910E6}"/>
+                                </a:ext>
+                              </a:extLst>
+                            </p:cNvPr>
+                            <p:cNvSpPr/>
+                            <p:nvPr/>
+                          </p:nvSpPr>
+                          <p:spPr>
+                            <a:xfrm>
+                              <a:off x="4887838" y="1770725"/>
+                              <a:ext cx="539662" cy="1152938"/>
+                            </a:xfrm>
+                            <a:prstGeom prst="rect">
+                              <a:avLst/>
+                            </a:prstGeom>
+                            <a:ln>
+                              <a:noFill/>
+                            </a:ln>
+                          </p:spPr>
+                          <p:style>
+                            <a:lnRef idx="2">
+                              <a:schemeClr val="accent1">
+                                <a:shade val="50000"/>
+                              </a:schemeClr>
+                            </a:lnRef>
+                            <a:fillRef idx="1">
+                              <a:schemeClr val="accent1"/>
+                            </a:fillRef>
+                            <a:effectRef idx="0">
+                              <a:schemeClr val="accent1"/>
+                            </a:effectRef>
+                            <a:fontRef idx="minor">
+                              <a:schemeClr val="lt1"/>
+                            </a:fontRef>
+                          </p:style>
+                          <p:txBody>
+                            <a:bodyPr rtlCol="0" anchor="ctr"/>
+                            <a:lstStyle/>
+                            <a:p>
+                              <a:pPr algn="ctr"/>
+                              <a:endParaRPr lang="en-GB"/>
+                            </a:p>
+                          </p:txBody>
+                        </p:sp>
+                      </p:grpSp>
+                      <p:sp>
+                        <p:nvSpPr>
+                          <p:cNvPr id="14" name="TextBox 13">
+                            <a:extLst>
+                              <a:ext uri="{FF2B5EF4-FFF2-40B4-BE49-F238E27FC236}">
+                                <a16:creationId xmlns:a16="http://schemas.microsoft.com/office/drawing/2014/main" id="{870F4FEF-856B-4575-A23A-0E8B1D2527C5}"/>
+                              </a:ext>
+                            </a:extLst>
+                          </p:cNvPr>
+                          <p:cNvSpPr txBox="1"/>
+                          <p:nvPr/>
+                        </p:nvSpPr>
+                        <p:spPr>
+                          <a:xfrm>
+                            <a:off x="3447947" y="1152277"/>
+                            <a:ext cx="1552156" cy="369332"/>
+                          </a:xfrm>
+                          <a:prstGeom prst="rect">
+                            <a:avLst/>
+                          </a:prstGeom>
+                          <a:noFill/>
+                        </p:spPr>
+                        <p:txBody>
+                          <a:bodyPr wrap="none" rtlCol="0">
+                            <a:spAutoFit/>
+                          </a:bodyPr>
+                          <a:lstStyle/>
+                          <a:p>
+                            <a:r>
+                              <a:rPr lang="en-GB" dirty="0">
+                                <a:solidFill>
+                                  <a:schemeClr val="bg1"/>
+                                </a:solidFill>
+                              </a:rPr>
+                              <a:t>5 convolutions</a:t>
+                            </a:r>
+                          </a:p>
+                        </p:txBody>
+                      </p:sp>
+                    </p:grpSp>
+                    <p:cxnSp>
+                      <p:nvCxnSpPr>
+                        <p:cNvPr id="39" name="Straight Arrow Connector 38">
+                          <a:extLst>
+                            <a:ext uri="{FF2B5EF4-FFF2-40B4-BE49-F238E27FC236}">
+                              <a16:creationId xmlns:a16="http://schemas.microsoft.com/office/drawing/2014/main" id="{B3CCDEF6-063A-45A5-9387-89D4A066435A}"/>
+                            </a:ext>
+                          </a:extLst>
+                        </p:cNvPr>
+                        <p:cNvCxnSpPr>
+                          <a:cxnSpLocks/>
+                        </p:cNvCxnSpPr>
+                        <p:nvPr/>
+                      </p:nvCxnSpPr>
+                      <p:spPr>
+                        <a:xfrm>
+                          <a:off x="2313410" y="3898901"/>
+                          <a:ext cx="3781534" cy="1"/>
+                        </a:xfrm>
+                        <a:prstGeom prst="straightConnector1">
+                          <a:avLst/>
+                        </a:prstGeom>
+                        <a:ln w="19050">
+                          <a:prstDash val="dash"/>
+                          <a:tailEnd type="triangle"/>
+                        </a:ln>
+                      </p:spPr>
+                      <p:style>
+                        <a:lnRef idx="1">
+                          <a:schemeClr val="dk1"/>
+                        </a:lnRef>
+                        <a:fillRef idx="0">
+                          <a:schemeClr val="dk1"/>
+                        </a:fillRef>
+                        <a:effectRef idx="0">
+                          <a:schemeClr val="dk1"/>
+                        </a:effectRef>
+                        <a:fontRef idx="minor">
+                          <a:schemeClr val="tx1"/>
+                        </a:fontRef>
+                      </p:style>
+                    </p:cxnSp>
+                    <p:cxnSp>
+                      <p:nvCxnSpPr>
+                        <p:cNvPr id="52" name="Straight Arrow Connector 51">
+                          <a:extLst>
+                            <a:ext uri="{FF2B5EF4-FFF2-40B4-BE49-F238E27FC236}">
+                              <a16:creationId xmlns:a16="http://schemas.microsoft.com/office/drawing/2014/main" id="{2FBD9C9D-54B6-4F8E-9742-8476E37BD321}"/>
+                            </a:ext>
+                          </a:extLst>
+                        </p:cNvPr>
+                        <p:cNvCxnSpPr>
+                          <a:cxnSpLocks/>
+                        </p:cNvCxnSpPr>
+                        <p:nvPr/>
+                      </p:nvCxnSpPr>
+                      <p:spPr>
+                        <a:xfrm>
+                          <a:off x="2313410" y="3566526"/>
+                          <a:ext cx="3782590" cy="11976"/>
+                        </a:xfrm>
+                        <a:prstGeom prst="straightConnector1">
+                          <a:avLst/>
+                        </a:prstGeom>
+                        <a:ln w="19050">
+                          <a:prstDash val="dash"/>
+                          <a:tailEnd type="triangle"/>
+                        </a:ln>
+                      </p:spPr>
+                      <p:style>
+                        <a:lnRef idx="1">
+                          <a:schemeClr val="dk1"/>
+                        </a:lnRef>
+                        <a:fillRef idx="0">
+                          <a:schemeClr val="dk1"/>
+                        </a:fillRef>
+                        <a:effectRef idx="0">
+                          <a:schemeClr val="dk1"/>
+                        </a:effectRef>
+                        <a:fontRef idx="minor">
+                          <a:schemeClr val="tx1"/>
+                        </a:fontRef>
+                      </p:style>
+                    </p:cxnSp>
+                    <p:grpSp>
+                      <p:nvGrpSpPr>
+                        <p:cNvPr id="62" name="Group 61">
+                          <a:extLst>
+                            <a:ext uri="{FF2B5EF4-FFF2-40B4-BE49-F238E27FC236}">
+                              <a16:creationId xmlns:a16="http://schemas.microsoft.com/office/drawing/2014/main" id="{BA6995CE-72C0-453F-9870-3EFE723B8A2D}"/>
+                            </a:ext>
+                          </a:extLst>
+                        </p:cNvPr>
+                        <p:cNvGrpSpPr/>
+                        <p:nvPr/>
+                      </p:nvGrpSpPr>
+                      <p:grpSpPr>
+                        <a:xfrm>
+                          <a:off x="5028571" y="1977679"/>
+                          <a:ext cx="2242187" cy="943577"/>
+                          <a:chOff x="5028571" y="1977679"/>
+                          <a:chExt cx="2242187" cy="943577"/>
+                        </a:xfrm>
+                      </p:grpSpPr>
+                      <p:sp>
+                        <p:nvSpPr>
+                          <p:cNvPr id="57" name="TextBox 56">
+                            <a:extLst>
+                              <a:ext uri="{FF2B5EF4-FFF2-40B4-BE49-F238E27FC236}">
+                                <a16:creationId xmlns:a16="http://schemas.microsoft.com/office/drawing/2014/main" id="{63273582-EB64-4BBD-80B1-F1D0A1522E2F}"/>
+                              </a:ext>
+                            </a:extLst>
+                          </p:cNvPr>
+                          <p:cNvSpPr txBox="1"/>
+                          <p:nvPr/>
+                        </p:nvSpPr>
+                        <p:spPr>
+                          <a:xfrm>
+                            <a:off x="5080778" y="1977679"/>
+                            <a:ext cx="2189980" cy="400110"/>
+                          </a:xfrm>
+                          <a:prstGeom prst="rect">
+                            <a:avLst/>
+                          </a:prstGeom>
+                          <a:noFill/>
+                        </p:spPr>
+                        <p:txBody>
+                          <a:bodyPr wrap="square" rtlCol="0">
+                            <a:spAutoFit/>
+                          </a:bodyPr>
+                          <a:lstStyle/>
+                          <a:p>
+                            <a:r>
+                              <a:rPr lang="en-GB" sz="2000" b="1" dirty="0"/>
+                              <a:t>[0.9, 0.2, ..., 0, 0.6]</a:t>
+                            </a:r>
+                          </a:p>
+                        </p:txBody>
+                      </p:sp>
+                      <p:sp>
+                        <p:nvSpPr>
+                          <p:cNvPr id="58" name="TextBox 57">
+                            <a:extLst>
+                              <a:ext uri="{FF2B5EF4-FFF2-40B4-BE49-F238E27FC236}">
+                                <a16:creationId xmlns:a16="http://schemas.microsoft.com/office/drawing/2014/main" id="{391CAF60-B471-4C54-83A6-3F035423D263}"/>
+                              </a:ext>
+                            </a:extLst>
+                          </p:cNvPr>
+                          <p:cNvSpPr txBox="1"/>
+                          <p:nvPr/>
+                        </p:nvSpPr>
+                        <p:spPr>
+                          <a:xfrm>
+                            <a:off x="5405751" y="2274925"/>
+                            <a:ext cx="1380498" cy="646331"/>
+                          </a:xfrm>
+                          <a:prstGeom prst="rect">
+                            <a:avLst/>
+                          </a:prstGeom>
+                          <a:noFill/>
+                        </p:spPr>
+                        <p:txBody>
+                          <a:bodyPr wrap="square" rtlCol="0">
+                            <a:spAutoFit/>
+                          </a:bodyPr>
+                          <a:lstStyle/>
+                          <a:p>
+                            <a:pPr algn="ctr"/>
+                            <a:r>
+                              <a:rPr lang="en-GB" dirty="0"/>
+                              <a:t>Generated encoding</a:t>
+                            </a:r>
+                          </a:p>
+                        </p:txBody>
+                      </p:sp>
+                      <p:cxnSp>
+                        <p:nvCxnSpPr>
+                          <p:cNvPr id="59" name="Straight Arrow Connector 58">
+                            <a:extLst>
+                              <a:ext uri="{FF2B5EF4-FFF2-40B4-BE49-F238E27FC236}">
+                                <a16:creationId xmlns:a16="http://schemas.microsoft.com/office/drawing/2014/main" id="{C421690F-FFD3-41BE-A826-5830AC52CD70}"/>
+                              </a:ext>
+                            </a:extLst>
+                          </p:cNvPr>
+                          <p:cNvCxnSpPr>
+                            <a:cxnSpLocks/>
+                            <a:stCxn id="6" idx="3"/>
+                          </p:cNvCxnSpPr>
+                          <p:nvPr/>
+                        </p:nvCxnSpPr>
+                        <p:spPr>
+                          <a:xfrm>
+                            <a:off x="5028571" y="2192992"/>
+                            <a:ext cx="155380" cy="0"/>
+                          </a:xfrm>
+                          <a:prstGeom prst="straightConnector1">
+                            <a:avLst/>
+                          </a:prstGeom>
+                          <a:ln w="19050">
+                            <a:prstDash val="dash"/>
+                            <a:tailEnd type="triangle"/>
+                          </a:ln>
+                        </p:spPr>
+                        <p:style>
+                          <a:lnRef idx="1">
+                            <a:schemeClr val="dk1"/>
+                          </a:lnRef>
+                          <a:fillRef idx="0">
+                            <a:schemeClr val="dk1"/>
+                          </a:fillRef>
+                          <a:effectRef idx="0">
+                            <a:schemeClr val="dk1"/>
+                          </a:effectRef>
+                          <a:fontRef idx="minor">
+                            <a:schemeClr val="tx1"/>
+                          </a:fontRef>
+                        </p:style>
+                      </p:cxnSp>
+                    </p:grpSp>
+                    <p:cxnSp>
+                      <p:nvCxnSpPr>
+                        <p:cNvPr id="63" name="Straight Arrow Connector 62">
+                          <a:extLst>
+                            <a:ext uri="{FF2B5EF4-FFF2-40B4-BE49-F238E27FC236}">
+                              <a16:creationId xmlns:a16="http://schemas.microsoft.com/office/drawing/2014/main" id="{2902DF36-037B-4B3D-AF60-A63AD5243889}"/>
+                            </a:ext>
+                          </a:extLst>
+                        </p:cNvPr>
+                        <p:cNvCxnSpPr>
+                          <a:cxnSpLocks/>
+                          <a:stCxn id="58" idx="2"/>
+                        </p:cNvCxnSpPr>
+                        <p:nvPr/>
+                      </p:nvCxnSpPr>
+                      <p:spPr>
+                        <a:xfrm>
+                          <a:off x="6096000" y="2921256"/>
+                          <a:ext cx="0" cy="645268"/>
+                        </a:xfrm>
+                        <a:prstGeom prst="straightConnector1">
+                          <a:avLst/>
+                        </a:prstGeom>
+                        <a:ln w="19050">
+                          <a:prstDash val="dash"/>
+                          <a:tailEnd type="triangle"/>
+                        </a:ln>
+                      </p:spPr>
+                      <p:style>
+                        <a:lnRef idx="1">
+                          <a:schemeClr val="dk1"/>
+                        </a:lnRef>
+                        <a:fillRef idx="0">
+                          <a:schemeClr val="dk1"/>
+                        </a:fillRef>
+                        <a:effectRef idx="0">
+                          <a:schemeClr val="dk1"/>
+                        </a:effectRef>
+                        <a:fontRef idx="minor">
+                          <a:schemeClr val="tx1"/>
+                        </a:fontRef>
+                      </p:style>
+                    </p:cxnSp>
+                    <p:grpSp>
+                      <p:nvGrpSpPr>
+                        <p:cNvPr id="85" name="Group 84">
+                          <a:extLst>
+                            <a:ext uri="{FF2B5EF4-FFF2-40B4-BE49-F238E27FC236}">
+                              <a16:creationId xmlns:a16="http://schemas.microsoft.com/office/drawing/2014/main" id="{DB668097-CDCA-4E49-A7CC-29FA005C2EED}"/>
+                            </a:ext>
+                          </a:extLst>
+                        </p:cNvPr>
+                        <p:cNvGrpSpPr/>
+                        <p:nvPr/>
+                      </p:nvGrpSpPr>
+                      <p:grpSpPr>
+                        <a:xfrm>
+                          <a:off x="7868874" y="2639704"/>
+                          <a:ext cx="1770434" cy="2624171"/>
+                          <a:chOff x="7067594" y="2639704"/>
+                          <a:chExt cx="1770434" cy="2624171"/>
+                        </a:xfrm>
+                      </p:grpSpPr>
+                      <p:grpSp>
+                        <p:nvGrpSpPr>
+                          <p:cNvPr id="74" name="Group 73">
+                            <a:extLst>
+                              <a:ext uri="{FF2B5EF4-FFF2-40B4-BE49-F238E27FC236}">
+                                <a16:creationId xmlns:a16="http://schemas.microsoft.com/office/drawing/2014/main" id="{C4CEADAC-65C3-4D35-AF86-CAFF02639E12}"/>
+                              </a:ext>
+                            </a:extLst>
+                          </p:cNvPr>
+                          <p:cNvGrpSpPr/>
+                          <p:nvPr/>
+                        </p:nvGrpSpPr>
+                        <p:grpSpPr>
+                          <a:xfrm>
+                            <a:off x="7067594" y="2639704"/>
+                            <a:ext cx="1646836" cy="2222370"/>
+                            <a:chOff x="3409167" y="227753"/>
+                            <a:chExt cx="1646836" cy="2222370"/>
+                          </a:xfrm>
+                          <a:solidFill>
+                            <a:schemeClr val="accent6">
+                              <a:lumMod val="75000"/>
+                            </a:schemeClr>
+                          </a:solidFill>
+                        </p:grpSpPr>
+                        <p:grpSp>
+                          <p:nvGrpSpPr>
+                            <p:cNvPr id="75" name="Group 74">
+                              <a:extLst>
+                                <a:ext uri="{FF2B5EF4-FFF2-40B4-BE49-F238E27FC236}">
+                                  <a16:creationId xmlns:a16="http://schemas.microsoft.com/office/drawing/2014/main" id="{81312CF3-88E1-4B99-B665-BAE5CE748F8D}"/>
+                                </a:ext>
+                              </a:extLst>
+                            </p:cNvPr>
+                            <p:cNvGrpSpPr/>
+                            <p:nvPr/>
+                          </p:nvGrpSpPr>
+                          <p:grpSpPr>
+                            <a:xfrm>
+                              <a:off x="3409167" y="227753"/>
+                              <a:ext cx="1646836" cy="2222370"/>
+                              <a:chOff x="2724346" y="526544"/>
+                              <a:chExt cx="2703154" cy="3647849"/>
+                            </a:xfrm>
+                            <a:grpFill/>
+                          </p:grpSpPr>
+                          <p:sp>
+                            <p:nvSpPr>
+                              <p:cNvPr id="77" name="Rectangle 76">
+                                <a:extLst>
+                                  <a:ext uri="{FF2B5EF4-FFF2-40B4-BE49-F238E27FC236}">
+                                    <a16:creationId xmlns:a16="http://schemas.microsoft.com/office/drawing/2014/main" id="{11231A32-CCC2-42AF-BDCC-994A2DF57B5C}"/>
+                                  </a:ext>
+                                </a:extLst>
+                              </p:cNvPr>
+                              <p:cNvSpPr/>
+                              <p:nvPr/>
+                            </p:nvSpPr>
+                            <p:spPr>
+                              <a:xfrm>
+                                <a:off x="2724346" y="526544"/>
+                                <a:ext cx="666970" cy="3647849"/>
+                              </a:xfrm>
+                              <a:prstGeom prst="rect">
+                                <a:avLst/>
+                              </a:prstGeom>
+                              <a:grpFill/>
+                              <a:ln>
+                                <a:noFill/>
+                              </a:ln>
+                            </p:spPr>
+                            <p:style>
+                              <a:lnRef idx="2">
+                                <a:schemeClr val="accent1">
+                                  <a:shade val="50000"/>
+                                </a:schemeClr>
+                              </a:lnRef>
+                              <a:fillRef idx="1">
+                                <a:schemeClr val="accent1"/>
+                              </a:fillRef>
+                              <a:effectRef idx="0">
+                                <a:schemeClr val="accent1"/>
+                              </a:effectRef>
+                              <a:fontRef idx="minor">
+                                <a:schemeClr val="lt1"/>
+                              </a:fontRef>
+                            </p:style>
+                            <p:txBody>
+                              <a:bodyPr rtlCol="0" anchor="ctr"/>
+                              <a:lstStyle/>
+                              <a:p>
+                                <a:pPr algn="ctr"/>
+                                <a:endParaRPr lang="en-GB" dirty="0"/>
+                              </a:p>
+                            </p:txBody>
+                          </p:sp>
+                          <p:sp>
+                            <p:nvSpPr>
+                              <p:cNvPr id="78" name="Rectangle 77">
+                                <a:extLst>
+                                  <a:ext uri="{FF2B5EF4-FFF2-40B4-BE49-F238E27FC236}">
+                                    <a16:creationId xmlns:a16="http://schemas.microsoft.com/office/drawing/2014/main" id="{3D8524F2-D528-400C-8466-6E8C3149E53B}"/>
+                                  </a:ext>
+                                </a:extLst>
+                              </p:cNvPr>
+                              <p:cNvSpPr/>
+                              <p:nvPr/>
+                            </p:nvSpPr>
+                            <p:spPr>
+                              <a:xfrm>
+                                <a:off x="3353608" y="905356"/>
+                                <a:ext cx="539662" cy="2943520"/>
+                              </a:xfrm>
+                              <a:prstGeom prst="rect">
+                                <a:avLst/>
+                              </a:prstGeom>
+                              <a:grpFill/>
+                              <a:ln>
+                                <a:noFill/>
+                              </a:ln>
+                            </p:spPr>
+                            <p:style>
+                              <a:lnRef idx="2">
+                                <a:schemeClr val="accent1">
+                                  <a:shade val="50000"/>
+                                </a:schemeClr>
+                              </a:lnRef>
+                              <a:fillRef idx="1">
+                                <a:schemeClr val="accent1"/>
+                              </a:fillRef>
+                              <a:effectRef idx="0">
+                                <a:schemeClr val="accent1"/>
+                              </a:effectRef>
+                              <a:fontRef idx="minor">
+                                <a:schemeClr val="lt1"/>
+                              </a:fontRef>
+                            </p:style>
+                            <p:txBody>
+                              <a:bodyPr rtlCol="0" anchor="ctr"/>
+                              <a:lstStyle/>
+                              <a:p>
+                                <a:pPr algn="ctr"/>
+                                <a:endParaRPr lang="en-GB" dirty="0"/>
+                              </a:p>
+                            </p:txBody>
+                          </p:sp>
+                          <p:sp>
+                            <p:nvSpPr>
+                              <p:cNvPr id="79" name="Rectangle 78">
+                                <a:extLst>
+                                  <a:ext uri="{FF2B5EF4-FFF2-40B4-BE49-F238E27FC236}">
+                                    <a16:creationId xmlns:a16="http://schemas.microsoft.com/office/drawing/2014/main" id="{6535CE58-081D-417B-A828-B5C6C9E32714}"/>
+                                  </a:ext>
+                                </a:extLst>
+                              </p:cNvPr>
+                              <p:cNvSpPr/>
+                              <p:nvPr/>
+                            </p:nvSpPr>
+                            <p:spPr>
+                              <a:xfrm>
+                                <a:off x="3869746" y="1156607"/>
+                                <a:ext cx="539662" cy="2387721"/>
+                              </a:xfrm>
+                              <a:prstGeom prst="rect">
+                                <a:avLst/>
+                              </a:prstGeom>
+                              <a:grpFill/>
+                              <a:ln>
+                                <a:noFill/>
+                              </a:ln>
+                            </p:spPr>
+                            <p:style>
+                              <a:lnRef idx="2">
+                                <a:schemeClr val="accent1">
+                                  <a:shade val="50000"/>
+                                </a:schemeClr>
+                              </a:lnRef>
+                              <a:fillRef idx="1">
+                                <a:schemeClr val="accent1"/>
+                              </a:fillRef>
+                              <a:effectRef idx="0">
+                                <a:schemeClr val="accent1"/>
+                              </a:effectRef>
+                              <a:fontRef idx="minor">
+                                <a:schemeClr val="lt1"/>
+                              </a:fontRef>
+                            </p:style>
+                            <p:txBody>
+                              <a:bodyPr rtlCol="0" anchor="ctr"/>
+                              <a:lstStyle/>
+                              <a:p>
+                                <a:pPr algn="ctr"/>
+                                <a:endParaRPr lang="en-GB"/>
+                              </a:p>
+                            </p:txBody>
+                          </p:sp>
+                          <p:sp>
+                            <p:nvSpPr>
+                              <p:cNvPr id="80" name="Rectangle 79">
+                                <a:extLst>
+                                  <a:ext uri="{FF2B5EF4-FFF2-40B4-BE49-F238E27FC236}">
+                                    <a16:creationId xmlns:a16="http://schemas.microsoft.com/office/drawing/2014/main" id="{9FA7DBF5-F0F2-43A0-A816-552838FAED2A}"/>
+                                  </a:ext>
+                                </a:extLst>
+                              </p:cNvPr>
+                              <p:cNvSpPr/>
+                              <p:nvPr/>
+                            </p:nvSpPr>
+                            <p:spPr>
+                              <a:xfrm>
+                                <a:off x="4382900" y="1442297"/>
+                                <a:ext cx="539662" cy="1809795"/>
+                              </a:xfrm>
+                              <a:prstGeom prst="rect">
+                                <a:avLst/>
+                              </a:prstGeom>
+                              <a:grpFill/>
+                              <a:ln>
+                                <a:noFill/>
+                              </a:ln>
+                            </p:spPr>
+                            <p:style>
+                              <a:lnRef idx="2">
+                                <a:schemeClr val="accent1">
+                                  <a:shade val="50000"/>
+                                </a:schemeClr>
+                              </a:lnRef>
+                              <a:fillRef idx="1">
+                                <a:schemeClr val="accent1"/>
+                              </a:fillRef>
+                              <a:effectRef idx="0">
+                                <a:schemeClr val="accent1"/>
+                              </a:effectRef>
+                              <a:fontRef idx="minor">
+                                <a:schemeClr val="lt1"/>
+                              </a:fontRef>
+                            </p:style>
+                            <p:txBody>
+                              <a:bodyPr rtlCol="0" anchor="ctr"/>
+                              <a:lstStyle/>
+                              <a:p>
+                                <a:pPr algn="ctr"/>
+                                <a:endParaRPr lang="en-GB" dirty="0"/>
+                              </a:p>
+                            </p:txBody>
+                          </p:sp>
+                          <p:sp>
+                            <p:nvSpPr>
+                              <p:cNvPr id="81" name="Rectangle 80">
+                                <a:extLst>
+                                  <a:ext uri="{FF2B5EF4-FFF2-40B4-BE49-F238E27FC236}">
+                                    <a16:creationId xmlns:a16="http://schemas.microsoft.com/office/drawing/2014/main" id="{FED35757-06A2-4007-89DE-D0F6B37580B6}"/>
+                                  </a:ext>
+                                </a:extLst>
+                              </p:cNvPr>
+                              <p:cNvSpPr/>
+                              <p:nvPr/>
+                            </p:nvSpPr>
+                            <p:spPr>
+                              <a:xfrm>
+                                <a:off x="4887838" y="1770725"/>
+                                <a:ext cx="539662" cy="1152938"/>
+                              </a:xfrm>
+                              <a:prstGeom prst="rect">
+                                <a:avLst/>
+                              </a:prstGeom>
+                              <a:grpFill/>
+                              <a:ln>
+                                <a:noFill/>
+                              </a:ln>
+                            </p:spPr>
+                            <p:style>
+                              <a:lnRef idx="2">
+                                <a:schemeClr val="accent1">
+                                  <a:shade val="50000"/>
+                                </a:schemeClr>
+                              </a:lnRef>
+                              <a:fillRef idx="1">
+                                <a:schemeClr val="accent1"/>
+                              </a:fillRef>
+                              <a:effectRef idx="0">
+                                <a:schemeClr val="accent1"/>
+                              </a:effectRef>
+                              <a:fontRef idx="minor">
+                                <a:schemeClr val="lt1"/>
+                              </a:fontRef>
+                            </p:style>
+                            <p:txBody>
+                              <a:bodyPr rtlCol="0" anchor="ctr"/>
+                              <a:lstStyle/>
+                              <a:p>
+                                <a:pPr algn="ctr"/>
+                                <a:endParaRPr lang="en-GB"/>
+                              </a:p>
+                            </p:txBody>
+                          </p:sp>
+                        </p:grpSp>
+                        <p:sp>
+                          <p:nvSpPr>
+                            <p:cNvPr id="76" name="TextBox 75">
+                              <a:extLst>
+                                <a:ext uri="{FF2B5EF4-FFF2-40B4-BE49-F238E27FC236}">
+                                  <a16:creationId xmlns:a16="http://schemas.microsoft.com/office/drawing/2014/main" id="{9FC30396-616F-4BD3-8BB2-9F210F87E1BD}"/>
+                                </a:ext>
+                              </a:extLst>
+                            </p:cNvPr>
+                            <p:cNvSpPr txBox="1"/>
+                            <p:nvPr/>
+                          </p:nvSpPr>
+                          <p:spPr>
+                            <a:xfrm>
+                              <a:off x="3447947" y="1152277"/>
+                              <a:ext cx="1552156" cy="369332"/>
+                            </a:xfrm>
+                            <a:prstGeom prst="rect">
+                              <a:avLst/>
+                            </a:prstGeom>
+                            <a:grpFill/>
+                          </p:spPr>
+                          <p:txBody>
+                            <a:bodyPr wrap="none" rtlCol="0">
+                              <a:spAutoFit/>
+                            </a:bodyPr>
+                            <a:lstStyle/>
+                            <a:p>
+                              <a:r>
+                                <a:rPr lang="en-GB" dirty="0">
+                                  <a:solidFill>
+                                    <a:schemeClr val="bg1"/>
+                                  </a:solidFill>
+                                </a:rPr>
+                                <a:t>5 convolutions</a:t>
+                              </a:r>
+                            </a:p>
+                          </p:txBody>
+                        </p:sp>
+                      </p:grpSp>
+                      <p:sp>
+                        <p:nvSpPr>
+                          <p:cNvPr id="82" name="TextBox 81">
+                            <a:extLst>
+                              <a:ext uri="{FF2B5EF4-FFF2-40B4-BE49-F238E27FC236}">
+                                <a16:creationId xmlns:a16="http://schemas.microsoft.com/office/drawing/2014/main" id="{73AE0F7E-F0EE-4897-BD4A-72B5FF64EEF5}"/>
+                              </a:ext>
+                            </a:extLst>
+                          </p:cNvPr>
+                          <p:cNvSpPr txBox="1"/>
+                          <p:nvPr/>
+                        </p:nvSpPr>
+                        <p:spPr>
+                          <a:xfrm>
+                            <a:off x="7150320" y="4894543"/>
+                            <a:ext cx="1687708" cy="369332"/>
+                          </a:xfrm>
+                          <a:prstGeom prst="rect">
+                            <a:avLst/>
+                          </a:prstGeom>
+                          <a:noFill/>
+                        </p:spPr>
+                        <p:txBody>
+                          <a:bodyPr wrap="square" rtlCol="0">
+                            <a:spAutoFit/>
+                          </a:bodyPr>
+                          <a:lstStyle/>
+                          <a:p>
+                            <a:r>
+                              <a:rPr lang="en-GB" b="1" dirty="0"/>
+                              <a:t>Discriminator</a:t>
+                            </a:r>
+                          </a:p>
+                        </p:txBody>
+                      </p:sp>
+                    </p:grpSp>
+                    <p:sp>
+                      <p:nvSpPr>
+                        <p:cNvPr id="89" name="TextBox 88">
+                          <a:extLst>
+                            <a:ext uri="{FF2B5EF4-FFF2-40B4-BE49-F238E27FC236}">
+                              <a16:creationId xmlns:a16="http://schemas.microsoft.com/office/drawing/2014/main" id="{EBDAFE01-06EB-4398-B864-FA1FF14E59C5}"/>
+                            </a:ext>
+                          </a:extLst>
+                        </p:cNvPr>
+                        <p:cNvSpPr txBox="1"/>
+                        <p:nvPr/>
+                      </p:nvSpPr>
+                      <p:spPr>
+                        <a:xfrm>
+                          <a:off x="6123063" y="3564228"/>
+                          <a:ext cx="1588576" cy="338554"/>
+                        </a:xfrm>
+                        <a:prstGeom prst="rect">
+                          <a:avLst/>
+                        </a:prstGeom>
+                        <a:noFill/>
+                      </p:spPr>
+                      <p:txBody>
+                        <a:bodyPr wrap="none" rtlCol="0">
+                          <a:spAutoFit/>
+                        </a:bodyPr>
+                        <a:lstStyle/>
+                        <a:p>
+                          <a:r>
+                            <a:rPr lang="en-GB" sz="1600" dirty="0"/>
+                            <a:t>Array, image pair</a:t>
+                          </a:r>
+                        </a:p>
+                      </p:txBody>
+                    </p:sp>
+                    <p:cxnSp>
+                      <p:nvCxnSpPr>
+                        <p:cNvPr id="90" name="Straight Arrow Connector 89">
+                          <a:extLst>
+                            <a:ext uri="{FF2B5EF4-FFF2-40B4-BE49-F238E27FC236}">
+                              <a16:creationId xmlns:a16="http://schemas.microsoft.com/office/drawing/2014/main" id="{B88C3D02-D1B4-427E-803E-B33930B8422F}"/>
+                            </a:ext>
+                          </a:extLst>
+                        </p:cNvPr>
+                        <p:cNvCxnSpPr>
+                          <a:cxnSpLocks/>
+                          <a:stCxn id="81" idx="3"/>
+                        </p:cNvCxnSpPr>
+                        <p:nvPr/>
+                      </p:nvCxnSpPr>
+                      <p:spPr>
+                        <a:xfrm>
+                          <a:off x="9515710" y="3748894"/>
+                          <a:ext cx="187090" cy="0"/>
+                        </a:xfrm>
+                        <a:prstGeom prst="straightConnector1">
+                          <a:avLst/>
+                        </a:prstGeom>
+                        <a:ln w="28575">
+                          <a:tailEnd type="triangle"/>
+                        </a:ln>
+                      </p:spPr>
+                      <p:style>
+                        <a:lnRef idx="1">
+                          <a:schemeClr val="dk1"/>
+                        </a:lnRef>
+                        <a:fillRef idx="0">
+                          <a:schemeClr val="dk1"/>
+                        </a:fillRef>
+                        <a:effectRef idx="0">
+                          <a:schemeClr val="dk1"/>
+                        </a:effectRef>
+                        <a:fontRef idx="minor">
+                          <a:schemeClr val="tx1"/>
+                        </a:fontRef>
+                      </p:style>
+                    </p:cxnSp>
+                    <p:sp>
+                      <p:nvSpPr>
+                        <p:cNvPr id="94" name="TextBox 93">
+                          <a:extLst>
+                            <a:ext uri="{FF2B5EF4-FFF2-40B4-BE49-F238E27FC236}">
+                              <a16:creationId xmlns:a16="http://schemas.microsoft.com/office/drawing/2014/main" id="{06ED144F-0DD4-4AC8-962B-6325B2E13D3A}"/>
+                            </a:ext>
+                          </a:extLst>
+                        </p:cNvPr>
+                        <p:cNvSpPr txBox="1"/>
+                        <p:nvPr/>
+                      </p:nvSpPr>
+                      <p:spPr>
+                        <a:xfrm>
+                          <a:off x="9639308" y="3588124"/>
+                          <a:ext cx="963918" cy="338554"/>
+                        </a:xfrm>
+                        <a:prstGeom prst="rect">
+                          <a:avLst/>
+                        </a:prstGeom>
+                        <a:noFill/>
+                      </p:spPr>
+                      <p:txBody>
+                        <a:bodyPr wrap="none" rtlCol="0">
+                          <a:spAutoFit/>
+                        </a:bodyPr>
+                        <a:lstStyle/>
+                        <a:p>
+                          <a:r>
+                            <a:rPr lang="en-GB" sz="1600" dirty="0"/>
+                            <a:t>Real/fake</a:t>
+                          </a:r>
+                        </a:p>
+                      </p:txBody>
+                    </p:sp>
+                  </p:grpSp>
+                </p:grpSp>
+              </p:grpSp>
+            </p:grpSp>
+          </p:grpSp>
+        </p:grpSp>
+      </p:grpSp>
+    </p:spTree>
+    <p:extLst>
+      <p:ext uri="{BB962C8B-B14F-4D97-AF65-F5344CB8AC3E}">
+        <p14:creationId xmlns:p14="http://schemas.microsoft.com/office/powerpoint/2010/main" val="3847008504"/>
+      </p:ext>
+    </p:extLst>
+  </p:cSld>
+  <p:clrMapOvr>
+    <a:masterClrMapping/>
+  </p:clrMapOvr>
+</p:sld>
+</file>
+
 <file path=ppt/slides/slide2.xml><?xml version="1.0" encoding="utf-8"?>
 <p:sld xmlns:a="http://schemas.openxmlformats.org/drawingml/2006/main" xmlns:r="http://schemas.openxmlformats.org/officeDocument/2006/relationships" xmlns:p="http://schemas.openxmlformats.org/presentationml/2006/main">
   <p:cSld>

--- a/Compiled graphs.pptx
+++ b/Compiled graphs.pptx
@@ -6,10 +6,10 @@
     <p:sldMasterId id="2147483660" r:id="rId2"/>
   </p:sldMasterIdLst>
   <p:notesMasterIdLst>
-    <p:notesMasterId r:id="rId16"/>
+    <p:notesMasterId r:id="rId17"/>
   </p:notesMasterIdLst>
   <p:handoutMasterIdLst>
-    <p:handoutMasterId r:id="rId17"/>
+    <p:handoutMasterId r:id="rId18"/>
   </p:handoutMasterIdLst>
   <p:sldIdLst>
     <p:sldId id="257" r:id="rId3"/>
@@ -25,6 +25,7 @@
     <p:sldId id="269" r:id="rId13"/>
     <p:sldId id="270" r:id="rId14"/>
     <p:sldId id="272" r:id="rId15"/>
+    <p:sldId id="275" r:id="rId16"/>
   </p:sldIdLst>
   <p:sldSz cx="12192000" cy="6858000"/>
   <p:notesSz cx="6858000" cy="9144000"/>
@@ -7769,9 +7770,8 @@
                     <a:gradFill flip="none" rotWithShape="1">
                       <a:gsLst>
                         <a:gs pos="0">
-                          <a:schemeClr val="accent6">
-                            <a:lumMod val="60000"/>
-                            <a:lumOff val="40000"/>
+                          <a:schemeClr val="accent5">
+                            <a:lumMod val="50000"/>
                           </a:schemeClr>
                         </a:gs>
                         <a:gs pos="46000">
@@ -8126,7 +8126,9 @@
                       <a:gradFill>
                         <a:gsLst>
                           <a:gs pos="0">
-                            <a:srgbClr val="D99187"/>
+                            <a:schemeClr val="accent5">
+                              <a:lumMod val="50000"/>
+                            </a:schemeClr>
                           </a:gs>
                           <a:gs pos="46000">
                             <a:schemeClr val="accent1">
@@ -8387,9 +8389,8 @@
                       <a:gradFill flip="none" rotWithShape="1">
                         <a:gsLst>
                           <a:gs pos="0">
-                            <a:schemeClr val="accent6">
-                              <a:lumMod val="60000"/>
-                              <a:lumOff val="40000"/>
+                            <a:schemeClr val="accent2">
+                              <a:lumMod val="75000"/>
                             </a:schemeClr>
                           </a:gs>
                           <a:gs pos="46000">
@@ -14438,6 +14439,36 @@
 </p:sld>
 </file>
 
+<file path=ppt/slides/slide14.xml><?xml version="1.0" encoding="utf-8"?>
+<p:sld xmlns:a="http://schemas.openxmlformats.org/drawingml/2006/main" xmlns:r="http://schemas.openxmlformats.org/officeDocument/2006/relationships" xmlns:p="http://schemas.openxmlformats.org/presentationml/2006/main">
+  <p:cSld>
+    <p:spTree>
+      <p:nvGrpSpPr>
+        <p:cNvPr id="1" name=""/>
+        <p:cNvGrpSpPr/>
+        <p:nvPr/>
+      </p:nvGrpSpPr>
+      <p:grpSpPr>
+        <a:xfrm>
+          <a:off x="0" y="0"/>
+          <a:ext cx="0" cy="0"/>
+          <a:chOff x="0" y="0"/>
+          <a:chExt cx="0" cy="0"/>
+        </a:xfrm>
+      </p:grpSpPr>
+    </p:spTree>
+    <p:extLst>
+      <p:ext uri="{BB962C8B-B14F-4D97-AF65-F5344CB8AC3E}">
+        <p14:creationId xmlns:p14="http://schemas.microsoft.com/office/powerpoint/2010/main" val="2287985895"/>
+      </p:ext>
+    </p:extLst>
+  </p:cSld>
+  <p:clrMapOvr>
+    <a:masterClrMapping/>
+  </p:clrMapOvr>
+</p:sld>
+</file>
+
 <file path=ppt/slides/slide2.xml><?xml version="1.0" encoding="utf-8"?>
 <p:sld xmlns:a="http://schemas.openxmlformats.org/drawingml/2006/main" xmlns:r="http://schemas.openxmlformats.org/officeDocument/2006/relationships" xmlns:p="http://schemas.openxmlformats.org/presentationml/2006/main">
   <p:cSld>

--- a/Compiled graphs.pptx
+++ b/Compiled graphs.pptx
@@ -397,7 +397,7 @@
           <a:p>
             <a:fld id="{D34097AA-F62E-482D-8D58-1B8F77A2395C}" type="datetimeFigureOut">
               <a:rPr lang="en-GB" smtClean="0"/>
-              <a:t>24/04/2018</a:t>
+              <a:t>02/05/2018</a:t>
             </a:fld>
             <a:endParaRPr lang="en-GB"/>
           </a:p>
@@ -574,7 +574,7 @@
           <a:p>
             <a:fld id="{1312CFC0-6A39-4A2C-AC24-6061EBE48B82}" type="datetimeFigureOut">
               <a:rPr lang="en-GB" smtClean="0"/>
-              <a:t>24/04/2018</a:t>
+              <a:t>02/05/2018</a:t>
             </a:fld>
             <a:endParaRPr lang="en-GB"/>
           </a:p>
@@ -991,7 +991,7 @@
           <a:p>
             <a:fld id="{F999EE6D-E52B-45B7-B943-4C650C77E21B}" type="datetimeFigureOut">
               <a:rPr lang="en-GB" smtClean="0"/>
-              <a:t>24/04/2018</a:t>
+              <a:t>02/05/2018</a:t>
             </a:fld>
             <a:endParaRPr lang="en-GB"/>
           </a:p>
@@ -1191,7 +1191,7 @@
           <a:p>
             <a:fld id="{F999EE6D-E52B-45B7-B943-4C650C77E21B}" type="datetimeFigureOut">
               <a:rPr lang="en-GB" smtClean="0"/>
-              <a:t>24/04/2018</a:t>
+              <a:t>02/05/2018</a:t>
             </a:fld>
             <a:endParaRPr lang="en-GB"/>
           </a:p>
@@ -1401,7 +1401,7 @@
           <a:p>
             <a:fld id="{F999EE6D-E52B-45B7-B943-4C650C77E21B}" type="datetimeFigureOut">
               <a:rPr lang="en-GB" smtClean="0"/>
-              <a:t>24/04/2018</a:t>
+              <a:t>02/05/2018</a:t>
             </a:fld>
             <a:endParaRPr lang="en-GB"/>
           </a:p>
@@ -1623,7 +1623,7 @@
           <a:p>
             <a:fld id="{9C24F874-02A1-48BF-AE54-4A07EBAF6EA2}" type="datetimeFigureOut">
               <a:rPr lang="en-GB" smtClean="0"/>
-              <a:t>24/04/2018</a:t>
+              <a:t>02/05/2018</a:t>
             </a:fld>
             <a:endParaRPr lang="en-GB"/>
           </a:p>
@@ -1823,7 +1823,7 @@
           <a:p>
             <a:fld id="{9C24F874-02A1-48BF-AE54-4A07EBAF6EA2}" type="datetimeFigureOut">
               <a:rPr lang="en-GB" smtClean="0"/>
-              <a:t>24/04/2018</a:t>
+              <a:t>02/05/2018</a:t>
             </a:fld>
             <a:endParaRPr lang="en-GB"/>
           </a:p>
@@ -2099,7 +2099,7 @@
           <a:p>
             <a:fld id="{9C24F874-02A1-48BF-AE54-4A07EBAF6EA2}" type="datetimeFigureOut">
               <a:rPr lang="en-GB" smtClean="0"/>
-              <a:t>24/04/2018</a:t>
+              <a:t>02/05/2018</a:t>
             </a:fld>
             <a:endParaRPr lang="en-GB"/>
           </a:p>
@@ -2367,7 +2367,7 @@
           <a:p>
             <a:fld id="{9C24F874-02A1-48BF-AE54-4A07EBAF6EA2}" type="datetimeFigureOut">
               <a:rPr lang="en-GB" smtClean="0"/>
-              <a:t>24/04/2018</a:t>
+              <a:t>02/05/2018</a:t>
             </a:fld>
             <a:endParaRPr lang="en-GB"/>
           </a:p>
@@ -2782,7 +2782,7 @@
           <a:p>
             <a:fld id="{9C24F874-02A1-48BF-AE54-4A07EBAF6EA2}" type="datetimeFigureOut">
               <a:rPr lang="en-GB" smtClean="0"/>
-              <a:t>24/04/2018</a:t>
+              <a:t>02/05/2018</a:t>
             </a:fld>
             <a:endParaRPr lang="en-GB"/>
           </a:p>
@@ -2924,7 +2924,7 @@
           <a:p>
             <a:fld id="{9C24F874-02A1-48BF-AE54-4A07EBAF6EA2}" type="datetimeFigureOut">
               <a:rPr lang="en-GB" smtClean="0"/>
-              <a:t>24/04/2018</a:t>
+              <a:t>02/05/2018</a:t>
             </a:fld>
             <a:endParaRPr lang="en-GB"/>
           </a:p>
@@ -3037,7 +3037,7 @@
           <a:p>
             <a:fld id="{9C24F874-02A1-48BF-AE54-4A07EBAF6EA2}" type="datetimeFigureOut">
               <a:rPr lang="en-GB" smtClean="0"/>
-              <a:t>24/04/2018</a:t>
+              <a:t>02/05/2018</a:t>
             </a:fld>
             <a:endParaRPr lang="en-GB"/>
           </a:p>
@@ -3350,7 +3350,7 @@
           <a:p>
             <a:fld id="{9C24F874-02A1-48BF-AE54-4A07EBAF6EA2}" type="datetimeFigureOut">
               <a:rPr lang="en-GB" smtClean="0"/>
-              <a:t>24/04/2018</a:t>
+              <a:t>02/05/2018</a:t>
             </a:fld>
             <a:endParaRPr lang="en-GB"/>
           </a:p>
@@ -3550,7 +3550,7 @@
           <a:p>
             <a:fld id="{F999EE6D-E52B-45B7-B943-4C650C77E21B}" type="datetimeFigureOut">
               <a:rPr lang="en-GB" smtClean="0"/>
-              <a:t>24/04/2018</a:t>
+              <a:t>02/05/2018</a:t>
             </a:fld>
             <a:endParaRPr lang="en-GB"/>
           </a:p>
@@ -3839,7 +3839,7 @@
           <a:p>
             <a:fld id="{9C24F874-02A1-48BF-AE54-4A07EBAF6EA2}" type="datetimeFigureOut">
               <a:rPr lang="en-GB" smtClean="0"/>
-              <a:t>24/04/2018</a:t>
+              <a:t>02/05/2018</a:t>
             </a:fld>
             <a:endParaRPr lang="en-GB"/>
           </a:p>
@@ -4039,7 +4039,7 @@
           <a:p>
             <a:fld id="{9C24F874-02A1-48BF-AE54-4A07EBAF6EA2}" type="datetimeFigureOut">
               <a:rPr lang="en-GB" smtClean="0"/>
-              <a:t>24/04/2018</a:t>
+              <a:t>02/05/2018</a:t>
             </a:fld>
             <a:endParaRPr lang="en-GB"/>
           </a:p>
@@ -4249,7 +4249,7 @@
           <a:p>
             <a:fld id="{9C24F874-02A1-48BF-AE54-4A07EBAF6EA2}" type="datetimeFigureOut">
               <a:rPr lang="en-GB" smtClean="0"/>
-              <a:t>24/04/2018</a:t>
+              <a:t>02/05/2018</a:t>
             </a:fld>
             <a:endParaRPr lang="en-GB"/>
           </a:p>
@@ -4525,7 +4525,7 @@
           <a:p>
             <a:fld id="{F999EE6D-E52B-45B7-B943-4C650C77E21B}" type="datetimeFigureOut">
               <a:rPr lang="en-GB" smtClean="0"/>
-              <a:t>24/04/2018</a:t>
+              <a:t>02/05/2018</a:t>
             </a:fld>
             <a:endParaRPr lang="en-GB"/>
           </a:p>
@@ -4793,7 +4793,7 @@
           <a:p>
             <a:fld id="{F999EE6D-E52B-45B7-B943-4C650C77E21B}" type="datetimeFigureOut">
               <a:rPr lang="en-GB" smtClean="0"/>
-              <a:t>24/04/2018</a:t>
+              <a:t>02/05/2018</a:t>
             </a:fld>
             <a:endParaRPr lang="en-GB"/>
           </a:p>
@@ -5208,7 +5208,7 @@
           <a:p>
             <a:fld id="{F999EE6D-E52B-45B7-B943-4C650C77E21B}" type="datetimeFigureOut">
               <a:rPr lang="en-GB" smtClean="0"/>
-              <a:t>24/04/2018</a:t>
+              <a:t>02/05/2018</a:t>
             </a:fld>
             <a:endParaRPr lang="en-GB"/>
           </a:p>
@@ -5350,7 +5350,7 @@
           <a:p>
             <a:fld id="{F999EE6D-E52B-45B7-B943-4C650C77E21B}" type="datetimeFigureOut">
               <a:rPr lang="en-GB" smtClean="0"/>
-              <a:t>24/04/2018</a:t>
+              <a:t>02/05/2018</a:t>
             </a:fld>
             <a:endParaRPr lang="en-GB"/>
           </a:p>
@@ -5463,7 +5463,7 @@
           <a:p>
             <a:fld id="{F999EE6D-E52B-45B7-B943-4C650C77E21B}" type="datetimeFigureOut">
               <a:rPr lang="en-GB" smtClean="0"/>
-              <a:t>24/04/2018</a:t>
+              <a:t>02/05/2018</a:t>
             </a:fld>
             <a:endParaRPr lang="en-GB"/>
           </a:p>
@@ -5776,7 +5776,7 @@
           <a:p>
             <a:fld id="{F999EE6D-E52B-45B7-B943-4C650C77E21B}" type="datetimeFigureOut">
               <a:rPr lang="en-GB" smtClean="0"/>
-              <a:t>24/04/2018</a:t>
+              <a:t>02/05/2018</a:t>
             </a:fld>
             <a:endParaRPr lang="en-GB"/>
           </a:p>
@@ -6065,7 +6065,7 @@
           <a:p>
             <a:fld id="{F999EE6D-E52B-45B7-B943-4C650C77E21B}" type="datetimeFigureOut">
               <a:rPr lang="en-GB" smtClean="0"/>
-              <a:t>24/04/2018</a:t>
+              <a:t>02/05/2018</a:t>
             </a:fld>
             <a:endParaRPr lang="en-GB"/>
           </a:p>
@@ -6308,7 +6308,7 @@
           <a:p>
             <a:fld id="{F999EE6D-E52B-45B7-B943-4C650C77E21B}" type="datetimeFigureOut">
               <a:rPr lang="en-GB" smtClean="0"/>
-              <a:t>24/04/2018</a:t>
+              <a:t>02/05/2018</a:t>
             </a:fld>
             <a:endParaRPr lang="en-GB"/>
           </a:p>
@@ -6878,7 +6878,7 @@
           <a:p>
             <a:fld id="{9C24F874-02A1-48BF-AE54-4A07EBAF6EA2}" type="datetimeFigureOut">
               <a:rPr lang="en-GB" smtClean="0"/>
-              <a:t>24/04/2018</a:t>
+              <a:t>02/05/2018</a:t>
             </a:fld>
             <a:endParaRPr lang="en-GB"/>
           </a:p>
@@ -14456,6 +14456,41 @@
           <a:chExt cx="0" cy="0"/>
         </a:xfrm>
       </p:grpSpPr>
+      <p:pic>
+        <p:nvPicPr>
+          <p:cNvPr id="3" name="Picture 2">
+            <a:extLst>
+              <a:ext uri="{FF2B5EF4-FFF2-40B4-BE49-F238E27FC236}">
+                <a16:creationId xmlns:a16="http://schemas.microsoft.com/office/drawing/2014/main" id="{A845C0DC-8329-49E7-83E4-174717C3AB22}"/>
+              </a:ext>
+            </a:extLst>
+          </p:cNvPr>
+          <p:cNvPicPr>
+            <a:picLocks noChangeAspect="1"/>
+          </p:cNvPicPr>
+          <p:nvPr/>
+        </p:nvPicPr>
+        <p:blipFill rotWithShape="1">
+          <a:blip r:embed="rId2">
+            <a:extLst>
+              <a:ext uri="{28A0092B-C50C-407E-A947-70E740481C1C}">
+                <a14:useLocalDpi xmlns:a14="http://schemas.microsoft.com/office/drawing/2010/main" val="0"/>
+              </a:ext>
+            </a:extLst>
+          </a:blip>
+          <a:srcRect l="7293" t="5911" r="8525" b="54089"/>
+          <a:stretch/>
+        </p:blipFill>
+        <p:spPr>
+          <a:xfrm>
+            <a:off x="2092749" y="1234911"/>
+            <a:ext cx="4081807" cy="2743200"/>
+          </a:xfrm>
+          <a:prstGeom prst="rect">
+            <a:avLst/>
+          </a:prstGeom>
+        </p:spPr>
+      </p:pic>
     </p:spTree>
     <p:extLst>
       <p:ext uri="{BB962C8B-B14F-4D97-AF65-F5344CB8AC3E}">

--- a/Compiled graphs.pptx
+++ b/Compiled graphs.pptx
@@ -397,7 +397,7 @@
           <a:p>
             <a:fld id="{D34097AA-F62E-482D-8D58-1B8F77A2395C}" type="datetimeFigureOut">
               <a:rPr lang="en-GB" smtClean="0"/>
-              <a:t>02/05/2018</a:t>
+              <a:t>03/05/2018</a:t>
             </a:fld>
             <a:endParaRPr lang="en-GB"/>
           </a:p>
@@ -574,7 +574,7 @@
           <a:p>
             <a:fld id="{1312CFC0-6A39-4A2C-AC24-6061EBE48B82}" type="datetimeFigureOut">
               <a:rPr lang="en-GB" smtClean="0"/>
-              <a:t>02/05/2018</a:t>
+              <a:t>03/05/2018</a:t>
             </a:fld>
             <a:endParaRPr lang="en-GB"/>
           </a:p>
@@ -991,7 +991,7 @@
           <a:p>
             <a:fld id="{F999EE6D-E52B-45B7-B943-4C650C77E21B}" type="datetimeFigureOut">
               <a:rPr lang="en-GB" smtClean="0"/>
-              <a:t>02/05/2018</a:t>
+              <a:t>03/05/2018</a:t>
             </a:fld>
             <a:endParaRPr lang="en-GB"/>
           </a:p>
@@ -1191,7 +1191,7 @@
           <a:p>
             <a:fld id="{F999EE6D-E52B-45B7-B943-4C650C77E21B}" type="datetimeFigureOut">
               <a:rPr lang="en-GB" smtClean="0"/>
-              <a:t>02/05/2018</a:t>
+              <a:t>03/05/2018</a:t>
             </a:fld>
             <a:endParaRPr lang="en-GB"/>
           </a:p>
@@ -1401,7 +1401,7 @@
           <a:p>
             <a:fld id="{F999EE6D-E52B-45B7-B943-4C650C77E21B}" type="datetimeFigureOut">
               <a:rPr lang="en-GB" smtClean="0"/>
-              <a:t>02/05/2018</a:t>
+              <a:t>03/05/2018</a:t>
             </a:fld>
             <a:endParaRPr lang="en-GB"/>
           </a:p>
@@ -1623,7 +1623,7 @@
           <a:p>
             <a:fld id="{9C24F874-02A1-48BF-AE54-4A07EBAF6EA2}" type="datetimeFigureOut">
               <a:rPr lang="en-GB" smtClean="0"/>
-              <a:t>02/05/2018</a:t>
+              <a:t>03/05/2018</a:t>
             </a:fld>
             <a:endParaRPr lang="en-GB"/>
           </a:p>
@@ -1823,7 +1823,7 @@
           <a:p>
             <a:fld id="{9C24F874-02A1-48BF-AE54-4A07EBAF6EA2}" type="datetimeFigureOut">
               <a:rPr lang="en-GB" smtClean="0"/>
-              <a:t>02/05/2018</a:t>
+              <a:t>03/05/2018</a:t>
             </a:fld>
             <a:endParaRPr lang="en-GB"/>
           </a:p>
@@ -2099,7 +2099,7 @@
           <a:p>
             <a:fld id="{9C24F874-02A1-48BF-AE54-4A07EBAF6EA2}" type="datetimeFigureOut">
               <a:rPr lang="en-GB" smtClean="0"/>
-              <a:t>02/05/2018</a:t>
+              <a:t>03/05/2018</a:t>
             </a:fld>
             <a:endParaRPr lang="en-GB"/>
           </a:p>
@@ -2367,7 +2367,7 @@
           <a:p>
             <a:fld id="{9C24F874-02A1-48BF-AE54-4A07EBAF6EA2}" type="datetimeFigureOut">
               <a:rPr lang="en-GB" smtClean="0"/>
-              <a:t>02/05/2018</a:t>
+              <a:t>03/05/2018</a:t>
             </a:fld>
             <a:endParaRPr lang="en-GB"/>
           </a:p>
@@ -2782,7 +2782,7 @@
           <a:p>
             <a:fld id="{9C24F874-02A1-48BF-AE54-4A07EBAF6EA2}" type="datetimeFigureOut">
               <a:rPr lang="en-GB" smtClean="0"/>
-              <a:t>02/05/2018</a:t>
+              <a:t>03/05/2018</a:t>
             </a:fld>
             <a:endParaRPr lang="en-GB"/>
           </a:p>
@@ -2924,7 +2924,7 @@
           <a:p>
             <a:fld id="{9C24F874-02A1-48BF-AE54-4A07EBAF6EA2}" type="datetimeFigureOut">
               <a:rPr lang="en-GB" smtClean="0"/>
-              <a:t>02/05/2018</a:t>
+              <a:t>03/05/2018</a:t>
             </a:fld>
             <a:endParaRPr lang="en-GB"/>
           </a:p>
@@ -3037,7 +3037,7 @@
           <a:p>
             <a:fld id="{9C24F874-02A1-48BF-AE54-4A07EBAF6EA2}" type="datetimeFigureOut">
               <a:rPr lang="en-GB" smtClean="0"/>
-              <a:t>02/05/2018</a:t>
+              <a:t>03/05/2018</a:t>
             </a:fld>
             <a:endParaRPr lang="en-GB"/>
           </a:p>
@@ -3350,7 +3350,7 @@
           <a:p>
             <a:fld id="{9C24F874-02A1-48BF-AE54-4A07EBAF6EA2}" type="datetimeFigureOut">
               <a:rPr lang="en-GB" smtClean="0"/>
-              <a:t>02/05/2018</a:t>
+              <a:t>03/05/2018</a:t>
             </a:fld>
             <a:endParaRPr lang="en-GB"/>
           </a:p>
@@ -3550,7 +3550,7 @@
           <a:p>
             <a:fld id="{F999EE6D-E52B-45B7-B943-4C650C77E21B}" type="datetimeFigureOut">
               <a:rPr lang="en-GB" smtClean="0"/>
-              <a:t>02/05/2018</a:t>
+              <a:t>03/05/2018</a:t>
             </a:fld>
             <a:endParaRPr lang="en-GB"/>
           </a:p>
@@ -3839,7 +3839,7 @@
           <a:p>
             <a:fld id="{9C24F874-02A1-48BF-AE54-4A07EBAF6EA2}" type="datetimeFigureOut">
               <a:rPr lang="en-GB" smtClean="0"/>
-              <a:t>02/05/2018</a:t>
+              <a:t>03/05/2018</a:t>
             </a:fld>
             <a:endParaRPr lang="en-GB"/>
           </a:p>
@@ -4039,7 +4039,7 @@
           <a:p>
             <a:fld id="{9C24F874-02A1-48BF-AE54-4A07EBAF6EA2}" type="datetimeFigureOut">
               <a:rPr lang="en-GB" smtClean="0"/>
-              <a:t>02/05/2018</a:t>
+              <a:t>03/05/2018</a:t>
             </a:fld>
             <a:endParaRPr lang="en-GB"/>
           </a:p>
@@ -4249,7 +4249,7 @@
           <a:p>
             <a:fld id="{9C24F874-02A1-48BF-AE54-4A07EBAF6EA2}" type="datetimeFigureOut">
               <a:rPr lang="en-GB" smtClean="0"/>
-              <a:t>02/05/2018</a:t>
+              <a:t>03/05/2018</a:t>
             </a:fld>
             <a:endParaRPr lang="en-GB"/>
           </a:p>
@@ -4525,7 +4525,7 @@
           <a:p>
             <a:fld id="{F999EE6D-E52B-45B7-B943-4C650C77E21B}" type="datetimeFigureOut">
               <a:rPr lang="en-GB" smtClean="0"/>
-              <a:t>02/05/2018</a:t>
+              <a:t>03/05/2018</a:t>
             </a:fld>
             <a:endParaRPr lang="en-GB"/>
           </a:p>
@@ -4793,7 +4793,7 @@
           <a:p>
             <a:fld id="{F999EE6D-E52B-45B7-B943-4C650C77E21B}" type="datetimeFigureOut">
               <a:rPr lang="en-GB" smtClean="0"/>
-              <a:t>02/05/2018</a:t>
+              <a:t>03/05/2018</a:t>
             </a:fld>
             <a:endParaRPr lang="en-GB"/>
           </a:p>
@@ -5208,7 +5208,7 @@
           <a:p>
             <a:fld id="{F999EE6D-E52B-45B7-B943-4C650C77E21B}" type="datetimeFigureOut">
               <a:rPr lang="en-GB" smtClean="0"/>
-              <a:t>02/05/2018</a:t>
+              <a:t>03/05/2018</a:t>
             </a:fld>
             <a:endParaRPr lang="en-GB"/>
           </a:p>
@@ -5350,7 +5350,7 @@
           <a:p>
             <a:fld id="{F999EE6D-E52B-45B7-B943-4C650C77E21B}" type="datetimeFigureOut">
               <a:rPr lang="en-GB" smtClean="0"/>
-              <a:t>02/05/2018</a:t>
+              <a:t>03/05/2018</a:t>
             </a:fld>
             <a:endParaRPr lang="en-GB"/>
           </a:p>
@@ -5463,7 +5463,7 @@
           <a:p>
             <a:fld id="{F999EE6D-E52B-45B7-B943-4C650C77E21B}" type="datetimeFigureOut">
               <a:rPr lang="en-GB" smtClean="0"/>
-              <a:t>02/05/2018</a:t>
+              <a:t>03/05/2018</a:t>
             </a:fld>
             <a:endParaRPr lang="en-GB"/>
           </a:p>
@@ -5776,7 +5776,7 @@
           <a:p>
             <a:fld id="{F999EE6D-E52B-45B7-B943-4C650C77E21B}" type="datetimeFigureOut">
               <a:rPr lang="en-GB" smtClean="0"/>
-              <a:t>02/05/2018</a:t>
+              <a:t>03/05/2018</a:t>
             </a:fld>
             <a:endParaRPr lang="en-GB"/>
           </a:p>
@@ -6065,7 +6065,7 @@
           <a:p>
             <a:fld id="{F999EE6D-E52B-45B7-B943-4C650C77E21B}" type="datetimeFigureOut">
               <a:rPr lang="en-GB" smtClean="0"/>
-              <a:t>02/05/2018</a:t>
+              <a:t>03/05/2018</a:t>
             </a:fld>
             <a:endParaRPr lang="en-GB"/>
           </a:p>
@@ -6308,7 +6308,7 @@
           <a:p>
             <a:fld id="{F999EE6D-E52B-45B7-B943-4C650C77E21B}" type="datetimeFigureOut">
               <a:rPr lang="en-GB" smtClean="0"/>
-              <a:t>02/05/2018</a:t>
+              <a:t>03/05/2018</a:t>
             </a:fld>
             <a:endParaRPr lang="en-GB"/>
           </a:p>
@@ -6878,7 +6878,7 @@
           <a:p>
             <a:fld id="{9C24F874-02A1-48BF-AE54-4A07EBAF6EA2}" type="datetimeFigureOut">
               <a:rPr lang="en-GB" smtClean="0"/>
-              <a:t>02/05/2018</a:t>
+              <a:t>03/05/2018</a:t>
             </a:fld>
             <a:endParaRPr lang="en-GB"/>
           </a:p>
@@ -14491,6 +14491,57 @@
           </a:prstGeom>
         </p:spPr>
       </p:pic>
+      <p:sp>
+        <p:nvSpPr>
+          <p:cNvPr id="2" name="TextBox 1">
+            <a:extLst>
+              <a:ext uri="{FF2B5EF4-FFF2-40B4-BE49-F238E27FC236}">
+                <a16:creationId xmlns:a16="http://schemas.microsoft.com/office/drawing/2014/main" id="{4D058CA5-7635-47CE-B87A-D345A7DAAE85}"/>
+              </a:ext>
+            </a:extLst>
+          </p:cNvPr>
+          <p:cNvSpPr txBox="1"/>
+          <p:nvPr/>
+        </p:nvSpPr>
+        <p:spPr>
+          <a:xfrm>
+            <a:off x="2092749" y="4600280"/>
+            <a:ext cx="5099538" cy="923330"/>
+          </a:xfrm>
+          <a:prstGeom prst="rect">
+            <a:avLst/>
+          </a:prstGeom>
+          <a:noFill/>
+        </p:spPr>
+        <p:txBody>
+          <a:bodyPr wrap="none" rtlCol="0">
+            <a:spAutoFit/>
+          </a:bodyPr>
+          <a:lstStyle/>
+          <a:p>
+            <a:r>
+              <a:rPr lang="en-US" dirty="0"/>
+              <a:t>100 outputs, 128 batch size, 1e-3 LR</a:t>
+            </a:r>
+          </a:p>
+          <a:p>
+            <a:r>
+              <a:rPr lang="en-US" dirty="0"/>
+              <a:t>2-conv: 32, 64 filters</a:t>
+            </a:r>
+            <a:r>
+              <a:rPr lang="en-GB" dirty="0"/>
+              <a:t> (with and without max pooling)</a:t>
+            </a:r>
+          </a:p>
+          <a:p>
+            <a:r>
+              <a:rPr lang="en-US" dirty="0"/>
+              <a:t>All-conv: 32, 32, 64, 64 (no max pooling)</a:t>
+            </a:r>
+          </a:p>
+        </p:txBody>
+      </p:sp>
     </p:spTree>
     <p:extLst>
       <p:ext uri="{BB962C8B-B14F-4D97-AF65-F5344CB8AC3E}">

--- a/Compiled graphs.pptx
+++ b/Compiled graphs.pptx
@@ -16434,222 +16434,237 @@
           </a:p>
         </p:txBody>
       </p:sp>
-      <p:pic>
-        <p:nvPicPr>
-          <p:cNvPr id="28" name="Picture 27">
-            <a:extLst>
-              <a:ext uri="{FF2B5EF4-FFF2-40B4-BE49-F238E27FC236}">
-                <a16:creationId xmlns:a16="http://schemas.microsoft.com/office/drawing/2014/main" id="{2EF0C535-78A4-4A0F-83A1-8DBF589DE3CD}"/>
-              </a:ext>
-            </a:extLst>
-          </p:cNvPr>
-          <p:cNvPicPr>
-            <a:picLocks noChangeAspect="1"/>
-          </p:cNvPicPr>
+      <p:grpSp>
+        <p:nvGrpSpPr>
+          <p:cNvPr id="2" name="Group 1"/>
+          <p:cNvGrpSpPr/>
           <p:nvPr/>
-        </p:nvPicPr>
-        <p:blipFill>
-          <a:blip r:embed="rId2">
-            <a:extLst>
-              <a:ext uri="{28A0092B-C50C-407E-A947-70E740481C1C}">
-                <a14:useLocalDpi xmlns:a14="http://schemas.microsoft.com/office/drawing/2010/main" val="0"/>
-              </a:ext>
-            </a:extLst>
-          </a:blip>
-          <a:stretch>
-            <a:fillRect/>
-          </a:stretch>
-        </p:blipFill>
-        <p:spPr>
+        </p:nvGrpSpPr>
+        <p:grpSpPr>
           <a:xfrm>
-            <a:off x="7066170" y="3699569"/>
-            <a:ext cx="2743825" cy="2743825"/>
+            <a:off x="2115639" y="955745"/>
+            <a:ext cx="7694356" cy="5487651"/>
+            <a:chOff x="2115639" y="955745"/>
+            <a:chExt cx="7694356" cy="5487651"/>
           </a:xfrm>
-          <a:prstGeom prst="rect">
-            <a:avLst/>
-          </a:prstGeom>
-        </p:spPr>
-      </p:pic>
-      <p:pic>
-        <p:nvPicPr>
-          <p:cNvPr id="30" name="Picture 29">
-            <a:extLst>
-              <a:ext uri="{FF2B5EF4-FFF2-40B4-BE49-F238E27FC236}">
-                <a16:creationId xmlns:a16="http://schemas.microsoft.com/office/drawing/2014/main" id="{1B2789E2-26B1-483B-BD74-4C2F0C28869C}"/>
-              </a:ext>
-            </a:extLst>
-          </p:cNvPr>
-          <p:cNvPicPr>
-            <a:picLocks noChangeAspect="1"/>
-          </p:cNvPicPr>
-          <p:nvPr/>
-        </p:nvPicPr>
-        <p:blipFill>
-          <a:blip r:embed="rId3">
-            <a:extLst>
-              <a:ext uri="{28A0092B-C50C-407E-A947-70E740481C1C}">
-                <a14:useLocalDpi xmlns:a14="http://schemas.microsoft.com/office/drawing/2010/main" val="0"/>
-              </a:ext>
-            </a:extLst>
-          </a:blip>
-          <a:stretch>
-            <a:fillRect/>
-          </a:stretch>
-        </p:blipFill>
-        <p:spPr>
-          <a:xfrm>
-            <a:off x="4590905" y="3699571"/>
-            <a:ext cx="2743825" cy="2743825"/>
-          </a:xfrm>
-          <a:prstGeom prst="rect">
-            <a:avLst/>
-          </a:prstGeom>
-        </p:spPr>
-      </p:pic>
-      <p:pic>
-        <p:nvPicPr>
-          <p:cNvPr id="32" name="Picture 31">
-            <a:extLst>
-              <a:ext uri="{FF2B5EF4-FFF2-40B4-BE49-F238E27FC236}">
-                <a16:creationId xmlns:a16="http://schemas.microsoft.com/office/drawing/2014/main" id="{1B3921C4-0CD4-4BC8-A078-4F85F24CB333}"/>
-              </a:ext>
-            </a:extLst>
-          </p:cNvPr>
-          <p:cNvPicPr>
-            <a:picLocks noChangeAspect="1"/>
-          </p:cNvPicPr>
-          <p:nvPr/>
-        </p:nvPicPr>
-        <p:blipFill>
-          <a:blip r:embed="rId4">
-            <a:extLst>
-              <a:ext uri="{28A0092B-C50C-407E-A947-70E740481C1C}">
-                <a14:useLocalDpi xmlns:a14="http://schemas.microsoft.com/office/drawing/2010/main" val="0"/>
-              </a:ext>
-            </a:extLst>
-          </a:blip>
-          <a:stretch>
-            <a:fillRect/>
-          </a:stretch>
-        </p:blipFill>
-        <p:spPr>
-          <a:xfrm>
-            <a:off x="2115639" y="3699570"/>
-            <a:ext cx="2743825" cy="2743825"/>
-          </a:xfrm>
-          <a:prstGeom prst="rect">
-            <a:avLst/>
-          </a:prstGeom>
-        </p:spPr>
-      </p:pic>
-      <p:pic>
-        <p:nvPicPr>
-          <p:cNvPr id="34" name="Picture 33">
-            <a:extLst>
-              <a:ext uri="{FF2B5EF4-FFF2-40B4-BE49-F238E27FC236}">
-                <a16:creationId xmlns:a16="http://schemas.microsoft.com/office/drawing/2014/main" id="{45D6D687-F164-4EE2-9BD8-6A0247C33C58}"/>
-              </a:ext>
-            </a:extLst>
-          </p:cNvPr>
-          <p:cNvPicPr>
-            <a:picLocks noChangeAspect="1"/>
-          </p:cNvPicPr>
-          <p:nvPr/>
-        </p:nvPicPr>
-        <p:blipFill>
-          <a:blip r:embed="rId5">
-            <a:extLst>
-              <a:ext uri="{28A0092B-C50C-407E-A947-70E740481C1C}">
-                <a14:useLocalDpi xmlns:a14="http://schemas.microsoft.com/office/drawing/2010/main" val="0"/>
-              </a:ext>
-            </a:extLst>
-          </a:blip>
-          <a:stretch>
-            <a:fillRect/>
-          </a:stretch>
-        </p:blipFill>
-        <p:spPr>
-          <a:xfrm>
-            <a:off x="7066169" y="955745"/>
-            <a:ext cx="2743825" cy="2743825"/>
-          </a:xfrm>
-          <a:prstGeom prst="rect">
-            <a:avLst/>
-          </a:prstGeom>
-        </p:spPr>
-      </p:pic>
-      <p:pic>
-        <p:nvPicPr>
-          <p:cNvPr id="36" name="Picture 35">
-            <a:extLst>
-              <a:ext uri="{FF2B5EF4-FFF2-40B4-BE49-F238E27FC236}">
-                <a16:creationId xmlns:a16="http://schemas.microsoft.com/office/drawing/2014/main" id="{8211DED6-1CE3-4CD7-B775-98C448351BBE}"/>
-              </a:ext>
-            </a:extLst>
-          </p:cNvPr>
-          <p:cNvPicPr>
-            <a:picLocks noChangeAspect="1"/>
-          </p:cNvPicPr>
-          <p:nvPr/>
-        </p:nvPicPr>
-        <p:blipFill>
-          <a:blip r:embed="rId6">
-            <a:extLst>
-              <a:ext uri="{28A0092B-C50C-407E-A947-70E740481C1C}">
-                <a14:useLocalDpi xmlns:a14="http://schemas.microsoft.com/office/drawing/2010/main" val="0"/>
-              </a:ext>
-            </a:extLst>
-          </a:blip>
-          <a:stretch>
-            <a:fillRect/>
-          </a:stretch>
-        </p:blipFill>
-        <p:spPr>
-          <a:xfrm>
-            <a:off x="4590909" y="955747"/>
-            <a:ext cx="2743825" cy="2743825"/>
-          </a:xfrm>
-          <a:prstGeom prst="rect">
-            <a:avLst/>
-          </a:prstGeom>
-        </p:spPr>
-      </p:pic>
-      <p:pic>
-        <p:nvPicPr>
-          <p:cNvPr id="38" name="Picture 37">
-            <a:extLst>
-              <a:ext uri="{FF2B5EF4-FFF2-40B4-BE49-F238E27FC236}">
-                <a16:creationId xmlns:a16="http://schemas.microsoft.com/office/drawing/2014/main" id="{5A4F9160-7F29-45F1-B4BC-D8A4CA9CA7BA}"/>
-              </a:ext>
-            </a:extLst>
-          </p:cNvPr>
-          <p:cNvPicPr>
-            <a:picLocks noChangeAspect="1"/>
-          </p:cNvPicPr>
-          <p:nvPr/>
-        </p:nvPicPr>
-        <p:blipFill>
-          <a:blip r:embed="rId7">
-            <a:extLst>
-              <a:ext uri="{28A0092B-C50C-407E-A947-70E740481C1C}">
-                <a14:useLocalDpi xmlns:a14="http://schemas.microsoft.com/office/drawing/2010/main" val="0"/>
-              </a:ext>
-            </a:extLst>
-          </a:blip>
-          <a:stretch>
-            <a:fillRect/>
-          </a:stretch>
-        </p:blipFill>
-        <p:spPr>
-          <a:xfrm>
-            <a:off x="2115640" y="955746"/>
-            <a:ext cx="2743825" cy="2743825"/>
-          </a:xfrm>
-          <a:prstGeom prst="rect">
-            <a:avLst/>
-          </a:prstGeom>
-        </p:spPr>
-      </p:pic>
+        </p:grpSpPr>
+        <p:pic>
+          <p:nvPicPr>
+            <p:cNvPr id="28" name="Picture 27">
+              <a:extLst>
+                <a:ext uri="{FF2B5EF4-FFF2-40B4-BE49-F238E27FC236}">
+                  <a16:creationId xmlns:a16="http://schemas.microsoft.com/office/drawing/2014/main" id="{2EF0C535-78A4-4A0F-83A1-8DBF589DE3CD}"/>
+                </a:ext>
+              </a:extLst>
+            </p:cNvPr>
+            <p:cNvPicPr>
+              <a:picLocks noChangeAspect="1"/>
+            </p:cNvPicPr>
+            <p:nvPr/>
+          </p:nvPicPr>
+          <p:blipFill>
+            <a:blip r:embed="rId2">
+              <a:extLst>
+                <a:ext uri="{28A0092B-C50C-407E-A947-70E740481C1C}">
+                  <a14:useLocalDpi xmlns:a14="http://schemas.microsoft.com/office/drawing/2010/main" val="0"/>
+                </a:ext>
+              </a:extLst>
+            </a:blip>
+            <a:stretch>
+              <a:fillRect/>
+            </a:stretch>
+          </p:blipFill>
+          <p:spPr>
+            <a:xfrm>
+              <a:off x="7066170" y="3699569"/>
+              <a:ext cx="2743825" cy="2743825"/>
+            </a:xfrm>
+            <a:prstGeom prst="rect">
+              <a:avLst/>
+            </a:prstGeom>
+          </p:spPr>
+        </p:pic>
+        <p:pic>
+          <p:nvPicPr>
+            <p:cNvPr id="30" name="Picture 29">
+              <a:extLst>
+                <a:ext uri="{FF2B5EF4-FFF2-40B4-BE49-F238E27FC236}">
+                  <a16:creationId xmlns:a16="http://schemas.microsoft.com/office/drawing/2014/main" id="{1B2789E2-26B1-483B-BD74-4C2F0C28869C}"/>
+                </a:ext>
+              </a:extLst>
+            </p:cNvPr>
+            <p:cNvPicPr>
+              <a:picLocks noChangeAspect="1"/>
+            </p:cNvPicPr>
+            <p:nvPr/>
+          </p:nvPicPr>
+          <p:blipFill>
+            <a:blip r:embed="rId3">
+              <a:extLst>
+                <a:ext uri="{28A0092B-C50C-407E-A947-70E740481C1C}">
+                  <a14:useLocalDpi xmlns:a14="http://schemas.microsoft.com/office/drawing/2010/main" val="0"/>
+                </a:ext>
+              </a:extLst>
+            </a:blip>
+            <a:stretch>
+              <a:fillRect/>
+            </a:stretch>
+          </p:blipFill>
+          <p:spPr>
+            <a:xfrm>
+              <a:off x="4590905" y="3699571"/>
+              <a:ext cx="2743825" cy="2743825"/>
+            </a:xfrm>
+            <a:prstGeom prst="rect">
+              <a:avLst/>
+            </a:prstGeom>
+          </p:spPr>
+        </p:pic>
+        <p:pic>
+          <p:nvPicPr>
+            <p:cNvPr id="32" name="Picture 31">
+              <a:extLst>
+                <a:ext uri="{FF2B5EF4-FFF2-40B4-BE49-F238E27FC236}">
+                  <a16:creationId xmlns:a16="http://schemas.microsoft.com/office/drawing/2014/main" id="{1B3921C4-0CD4-4BC8-A078-4F85F24CB333}"/>
+                </a:ext>
+              </a:extLst>
+            </p:cNvPr>
+            <p:cNvPicPr>
+              <a:picLocks noChangeAspect="1"/>
+            </p:cNvPicPr>
+            <p:nvPr/>
+          </p:nvPicPr>
+          <p:blipFill>
+            <a:blip r:embed="rId4">
+              <a:extLst>
+                <a:ext uri="{28A0092B-C50C-407E-A947-70E740481C1C}">
+                  <a14:useLocalDpi xmlns:a14="http://schemas.microsoft.com/office/drawing/2010/main" val="0"/>
+                </a:ext>
+              </a:extLst>
+            </a:blip>
+            <a:stretch>
+              <a:fillRect/>
+            </a:stretch>
+          </p:blipFill>
+          <p:spPr>
+            <a:xfrm>
+              <a:off x="2115639" y="3699570"/>
+              <a:ext cx="2743825" cy="2743825"/>
+            </a:xfrm>
+            <a:prstGeom prst="rect">
+              <a:avLst/>
+            </a:prstGeom>
+          </p:spPr>
+        </p:pic>
+        <p:pic>
+          <p:nvPicPr>
+            <p:cNvPr id="34" name="Picture 33">
+              <a:extLst>
+                <a:ext uri="{FF2B5EF4-FFF2-40B4-BE49-F238E27FC236}">
+                  <a16:creationId xmlns:a16="http://schemas.microsoft.com/office/drawing/2014/main" id="{45D6D687-F164-4EE2-9BD8-6A0247C33C58}"/>
+                </a:ext>
+              </a:extLst>
+            </p:cNvPr>
+            <p:cNvPicPr>
+              <a:picLocks noChangeAspect="1"/>
+            </p:cNvPicPr>
+            <p:nvPr/>
+          </p:nvPicPr>
+          <p:blipFill>
+            <a:blip r:embed="rId5">
+              <a:extLst>
+                <a:ext uri="{28A0092B-C50C-407E-A947-70E740481C1C}">
+                  <a14:useLocalDpi xmlns:a14="http://schemas.microsoft.com/office/drawing/2010/main" val="0"/>
+                </a:ext>
+              </a:extLst>
+            </a:blip>
+            <a:stretch>
+              <a:fillRect/>
+            </a:stretch>
+          </p:blipFill>
+          <p:spPr>
+            <a:xfrm>
+              <a:off x="7066169" y="955745"/>
+              <a:ext cx="2743825" cy="2743825"/>
+            </a:xfrm>
+            <a:prstGeom prst="rect">
+              <a:avLst/>
+            </a:prstGeom>
+          </p:spPr>
+        </p:pic>
+        <p:pic>
+          <p:nvPicPr>
+            <p:cNvPr id="36" name="Picture 35">
+              <a:extLst>
+                <a:ext uri="{FF2B5EF4-FFF2-40B4-BE49-F238E27FC236}">
+                  <a16:creationId xmlns:a16="http://schemas.microsoft.com/office/drawing/2014/main" id="{8211DED6-1CE3-4CD7-B775-98C448351BBE}"/>
+                </a:ext>
+              </a:extLst>
+            </p:cNvPr>
+            <p:cNvPicPr>
+              <a:picLocks noChangeAspect="1"/>
+            </p:cNvPicPr>
+            <p:nvPr/>
+          </p:nvPicPr>
+          <p:blipFill>
+            <a:blip r:embed="rId6">
+              <a:extLst>
+                <a:ext uri="{28A0092B-C50C-407E-A947-70E740481C1C}">
+                  <a14:useLocalDpi xmlns:a14="http://schemas.microsoft.com/office/drawing/2010/main" val="0"/>
+                </a:ext>
+              </a:extLst>
+            </a:blip>
+            <a:stretch>
+              <a:fillRect/>
+            </a:stretch>
+          </p:blipFill>
+          <p:spPr>
+            <a:xfrm>
+              <a:off x="4590909" y="955747"/>
+              <a:ext cx="2743825" cy="2743825"/>
+            </a:xfrm>
+            <a:prstGeom prst="rect">
+              <a:avLst/>
+            </a:prstGeom>
+          </p:spPr>
+        </p:pic>
+        <p:pic>
+          <p:nvPicPr>
+            <p:cNvPr id="38" name="Picture 37">
+              <a:extLst>
+                <a:ext uri="{FF2B5EF4-FFF2-40B4-BE49-F238E27FC236}">
+                  <a16:creationId xmlns:a16="http://schemas.microsoft.com/office/drawing/2014/main" id="{5A4F9160-7F29-45F1-B4BC-D8A4CA9CA7BA}"/>
+                </a:ext>
+              </a:extLst>
+            </p:cNvPr>
+            <p:cNvPicPr>
+              <a:picLocks noChangeAspect="1"/>
+            </p:cNvPicPr>
+            <p:nvPr/>
+          </p:nvPicPr>
+          <p:blipFill>
+            <a:blip r:embed="rId7">
+              <a:extLst>
+                <a:ext uri="{28A0092B-C50C-407E-A947-70E740481C1C}">
+                  <a14:useLocalDpi xmlns:a14="http://schemas.microsoft.com/office/drawing/2010/main" val="0"/>
+                </a:ext>
+              </a:extLst>
+            </a:blip>
+            <a:stretch>
+              <a:fillRect/>
+            </a:stretch>
+          </p:blipFill>
+          <p:spPr>
+            <a:xfrm>
+              <a:off x="2115640" y="955746"/>
+              <a:ext cx="2743825" cy="2743825"/>
+            </a:xfrm>
+            <a:prstGeom prst="rect">
+              <a:avLst/>
+            </a:prstGeom>
+          </p:spPr>
+        </p:pic>
+      </p:grpSp>
     </p:spTree>
     <p:extLst>
       <p:ext uri="{BB962C8B-B14F-4D97-AF65-F5344CB8AC3E}">

--- a/Compiled graphs.pptx
+++ b/Compiled graphs.pptx
@@ -6,10 +6,10 @@
     <p:sldMasterId id="2147483660" r:id="rId2"/>
   </p:sldMasterIdLst>
   <p:notesMasterIdLst>
-    <p:notesMasterId r:id="rId17"/>
+    <p:notesMasterId r:id="rId18"/>
   </p:notesMasterIdLst>
   <p:handoutMasterIdLst>
-    <p:handoutMasterId r:id="rId18"/>
+    <p:handoutMasterId r:id="rId19"/>
   </p:handoutMasterIdLst>
   <p:sldIdLst>
     <p:sldId id="257" r:id="rId3"/>
@@ -26,6 +26,7 @@
     <p:sldId id="270" r:id="rId14"/>
     <p:sldId id="272" r:id="rId15"/>
     <p:sldId id="275" r:id="rId16"/>
+    <p:sldId id="276" r:id="rId17"/>
   </p:sldIdLst>
   <p:sldSz cx="12192000" cy="6858000"/>
   <p:notesSz cx="6858000" cy="9144000"/>
@@ -14555,6 +14556,432 @@
 </p:sld>
 </file>
 
+<file path=ppt/slides/slide15.xml><?xml version="1.0" encoding="utf-8"?>
+<p:sld xmlns:a="http://schemas.openxmlformats.org/drawingml/2006/main" xmlns:r="http://schemas.openxmlformats.org/officeDocument/2006/relationships" xmlns:p="http://schemas.openxmlformats.org/presentationml/2006/main">
+  <p:cSld>
+    <p:spTree>
+      <p:nvGrpSpPr>
+        <p:cNvPr id="1" name=""/>
+        <p:cNvGrpSpPr/>
+        <p:nvPr/>
+      </p:nvGrpSpPr>
+      <p:grpSpPr>
+        <a:xfrm>
+          <a:off x="0" y="0"/>
+          <a:ext cx="0" cy="0"/>
+          <a:chOff x="0" y="0"/>
+          <a:chExt cx="0" cy="0"/>
+        </a:xfrm>
+      </p:grpSpPr>
+      <p:pic>
+        <p:nvPicPr>
+          <p:cNvPr id="3" name="Picture 2">
+            <a:extLst>
+              <a:ext uri="{FF2B5EF4-FFF2-40B4-BE49-F238E27FC236}">
+                <a16:creationId xmlns:a16="http://schemas.microsoft.com/office/drawing/2014/main" id="{B65E8B23-A135-46B8-AD38-6BE7DBE606BD}"/>
+              </a:ext>
+            </a:extLst>
+          </p:cNvPr>
+          <p:cNvPicPr>
+            <a:picLocks noChangeAspect="1"/>
+          </p:cNvPicPr>
+          <p:nvPr/>
+        </p:nvPicPr>
+        <p:blipFill>
+          <a:blip r:embed="rId2">
+            <a:extLst>
+              <a:ext uri="{28A0092B-C50C-407E-A947-70E740481C1C}">
+                <a14:useLocalDpi xmlns:a14="http://schemas.microsoft.com/office/drawing/2010/main" val="0"/>
+              </a:ext>
+            </a:extLst>
+          </a:blip>
+          <a:stretch>
+            <a:fillRect/>
+          </a:stretch>
+        </p:blipFill>
+        <p:spPr>
+          <a:xfrm>
+            <a:off x="5638800" y="3200400"/>
+            <a:ext cx="914400" cy="457200"/>
+          </a:xfrm>
+          <a:prstGeom prst="rect">
+            <a:avLst/>
+          </a:prstGeom>
+        </p:spPr>
+      </p:pic>
+      <p:pic>
+        <p:nvPicPr>
+          <p:cNvPr id="5" name="Picture 4">
+            <a:extLst>
+              <a:ext uri="{FF2B5EF4-FFF2-40B4-BE49-F238E27FC236}">
+                <a16:creationId xmlns:a16="http://schemas.microsoft.com/office/drawing/2014/main" id="{26D645F9-0F9E-4649-994E-9A27C5796E86}"/>
+              </a:ext>
+            </a:extLst>
+          </p:cNvPr>
+          <p:cNvPicPr>
+            <a:picLocks noChangeAspect="1"/>
+          </p:cNvPicPr>
+          <p:nvPr/>
+        </p:nvPicPr>
+        <p:blipFill>
+          <a:blip r:embed="rId3">
+            <a:extLst>
+              <a:ext uri="{28A0092B-C50C-407E-A947-70E740481C1C}">
+                <a14:useLocalDpi xmlns:a14="http://schemas.microsoft.com/office/drawing/2010/main" val="0"/>
+              </a:ext>
+            </a:extLst>
+          </a:blip>
+          <a:stretch>
+            <a:fillRect/>
+          </a:stretch>
+        </p:blipFill>
+        <p:spPr>
+          <a:xfrm>
+            <a:off x="7031501" y="3200400"/>
+            <a:ext cx="914400" cy="457200"/>
+          </a:xfrm>
+          <a:prstGeom prst="rect">
+            <a:avLst/>
+          </a:prstGeom>
+        </p:spPr>
+      </p:pic>
+      <p:pic>
+        <p:nvPicPr>
+          <p:cNvPr id="7" name="Picture 6">
+            <a:extLst>
+              <a:ext uri="{FF2B5EF4-FFF2-40B4-BE49-F238E27FC236}">
+                <a16:creationId xmlns:a16="http://schemas.microsoft.com/office/drawing/2014/main" id="{88C97E23-8DB3-42BC-914F-36BFBBBCAFE9}"/>
+              </a:ext>
+            </a:extLst>
+          </p:cNvPr>
+          <p:cNvPicPr>
+            <a:picLocks noChangeAspect="1"/>
+          </p:cNvPicPr>
+          <p:nvPr/>
+        </p:nvPicPr>
+        <p:blipFill>
+          <a:blip r:embed="rId4">
+            <a:extLst>
+              <a:ext uri="{28A0092B-C50C-407E-A947-70E740481C1C}">
+                <a14:useLocalDpi xmlns:a14="http://schemas.microsoft.com/office/drawing/2010/main" val="0"/>
+              </a:ext>
+            </a:extLst>
+          </a:blip>
+          <a:stretch>
+            <a:fillRect/>
+          </a:stretch>
+        </p:blipFill>
+        <p:spPr>
+          <a:xfrm>
+            <a:off x="5807613" y="4677508"/>
+            <a:ext cx="914400" cy="457200"/>
+          </a:xfrm>
+          <a:prstGeom prst="rect">
+            <a:avLst/>
+          </a:prstGeom>
+        </p:spPr>
+      </p:pic>
+      <p:pic>
+        <p:nvPicPr>
+          <p:cNvPr id="9" name="Picture 8">
+            <a:extLst>
+              <a:ext uri="{FF2B5EF4-FFF2-40B4-BE49-F238E27FC236}">
+                <a16:creationId xmlns:a16="http://schemas.microsoft.com/office/drawing/2014/main" id="{020DE582-01F5-47D2-807E-71826E0D2827}"/>
+              </a:ext>
+            </a:extLst>
+          </p:cNvPr>
+          <p:cNvPicPr>
+            <a:picLocks noChangeAspect="1"/>
+          </p:cNvPicPr>
+          <p:nvPr/>
+        </p:nvPicPr>
+        <p:blipFill>
+          <a:blip r:embed="rId5">
+            <a:extLst>
+              <a:ext uri="{28A0092B-C50C-407E-A947-70E740481C1C}">
+                <a14:useLocalDpi xmlns:a14="http://schemas.microsoft.com/office/drawing/2010/main" val="0"/>
+              </a:ext>
+            </a:extLst>
+          </a:blip>
+          <a:stretch>
+            <a:fillRect/>
+          </a:stretch>
+        </p:blipFill>
+        <p:spPr>
+          <a:xfrm>
+            <a:off x="4499317" y="4677508"/>
+            <a:ext cx="914400" cy="457200"/>
+          </a:xfrm>
+          <a:prstGeom prst="rect">
+            <a:avLst/>
+          </a:prstGeom>
+        </p:spPr>
+      </p:pic>
+      <p:pic>
+        <p:nvPicPr>
+          <p:cNvPr id="11" name="Picture 10">
+            <a:extLst>
+              <a:ext uri="{FF2B5EF4-FFF2-40B4-BE49-F238E27FC236}">
+                <a16:creationId xmlns:a16="http://schemas.microsoft.com/office/drawing/2014/main" id="{6E0E5D2F-B656-40FA-BB46-B28274E0DC71}"/>
+              </a:ext>
+            </a:extLst>
+          </p:cNvPr>
+          <p:cNvPicPr>
+            <a:picLocks noChangeAspect="1"/>
+          </p:cNvPicPr>
+          <p:nvPr/>
+        </p:nvPicPr>
+        <p:blipFill>
+          <a:blip r:embed="rId6">
+            <a:extLst>
+              <a:ext uri="{28A0092B-C50C-407E-A947-70E740481C1C}">
+                <a14:useLocalDpi xmlns:a14="http://schemas.microsoft.com/office/drawing/2010/main" val="0"/>
+              </a:ext>
+            </a:extLst>
+          </a:blip>
+          <a:stretch>
+            <a:fillRect/>
+          </a:stretch>
+        </p:blipFill>
+        <p:spPr>
+          <a:xfrm>
+            <a:off x="1404425" y="1695157"/>
+            <a:ext cx="914400" cy="457200"/>
+          </a:xfrm>
+          <a:prstGeom prst="rect">
+            <a:avLst/>
+          </a:prstGeom>
+        </p:spPr>
+      </p:pic>
+      <p:pic>
+        <p:nvPicPr>
+          <p:cNvPr id="13" name="Picture 12">
+            <a:extLst>
+              <a:ext uri="{FF2B5EF4-FFF2-40B4-BE49-F238E27FC236}">
+                <a16:creationId xmlns:a16="http://schemas.microsoft.com/office/drawing/2014/main" id="{031F3BDC-1EC3-46D7-ABDB-46A9BA2FA2DD}"/>
+              </a:ext>
+            </a:extLst>
+          </p:cNvPr>
+          <p:cNvPicPr>
+            <a:picLocks noChangeAspect="1"/>
+          </p:cNvPicPr>
+          <p:nvPr/>
+        </p:nvPicPr>
+        <p:blipFill>
+          <a:blip r:embed="rId7">
+            <a:extLst>
+              <a:ext uri="{28A0092B-C50C-407E-A947-70E740481C1C}">
+                <a14:useLocalDpi xmlns:a14="http://schemas.microsoft.com/office/drawing/2010/main" val="0"/>
+              </a:ext>
+            </a:extLst>
+          </a:blip>
+          <a:stretch>
+            <a:fillRect/>
+          </a:stretch>
+        </p:blipFill>
+        <p:spPr>
+          <a:xfrm>
+            <a:off x="1366911" y="2342270"/>
+            <a:ext cx="914400" cy="457200"/>
+          </a:xfrm>
+          <a:prstGeom prst="rect">
+            <a:avLst/>
+          </a:prstGeom>
+        </p:spPr>
+      </p:pic>
+      <p:pic>
+        <p:nvPicPr>
+          <p:cNvPr id="15" name="Picture 14">
+            <a:extLst>
+              <a:ext uri="{FF2B5EF4-FFF2-40B4-BE49-F238E27FC236}">
+                <a16:creationId xmlns:a16="http://schemas.microsoft.com/office/drawing/2014/main" id="{5BACE0D3-87D2-42B3-A5AD-72783A1BB43E}"/>
+              </a:ext>
+            </a:extLst>
+          </p:cNvPr>
+          <p:cNvPicPr>
+            <a:picLocks noChangeAspect="1"/>
+          </p:cNvPicPr>
+          <p:nvPr/>
+        </p:nvPicPr>
+        <p:blipFill>
+          <a:blip r:embed="rId8">
+            <a:extLst>
+              <a:ext uri="{28A0092B-C50C-407E-A947-70E740481C1C}">
+                <a14:useLocalDpi xmlns:a14="http://schemas.microsoft.com/office/drawing/2010/main" val="0"/>
+              </a:ext>
+            </a:extLst>
+          </a:blip>
+          <a:stretch>
+            <a:fillRect/>
+          </a:stretch>
+        </p:blipFill>
+        <p:spPr>
+          <a:xfrm>
+            <a:off x="4485250" y="3200400"/>
+            <a:ext cx="914400" cy="457200"/>
+          </a:xfrm>
+          <a:prstGeom prst="rect">
+            <a:avLst/>
+          </a:prstGeom>
+        </p:spPr>
+      </p:pic>
+      <p:pic>
+        <p:nvPicPr>
+          <p:cNvPr id="17" name="Picture 16">
+            <a:extLst>
+              <a:ext uri="{FF2B5EF4-FFF2-40B4-BE49-F238E27FC236}">
+                <a16:creationId xmlns:a16="http://schemas.microsoft.com/office/drawing/2014/main" id="{E3D431BE-93AC-4512-AF15-DF3014AD5435}"/>
+              </a:ext>
+            </a:extLst>
+          </p:cNvPr>
+          <p:cNvPicPr>
+            <a:picLocks noChangeAspect="1"/>
+          </p:cNvPicPr>
+          <p:nvPr/>
+        </p:nvPicPr>
+        <p:blipFill>
+          <a:blip r:embed="rId9">
+            <a:extLst>
+              <a:ext uri="{28A0092B-C50C-407E-A947-70E740481C1C}">
+                <a14:useLocalDpi xmlns:a14="http://schemas.microsoft.com/office/drawing/2010/main" val="0"/>
+              </a:ext>
+            </a:extLst>
+          </a:blip>
+          <a:stretch>
+            <a:fillRect/>
+          </a:stretch>
+        </p:blipFill>
+        <p:spPr>
+          <a:xfrm>
+            <a:off x="8283526" y="3200400"/>
+            <a:ext cx="914400" cy="457200"/>
+          </a:xfrm>
+          <a:prstGeom prst="rect">
+            <a:avLst/>
+          </a:prstGeom>
+        </p:spPr>
+      </p:pic>
+      <p:pic>
+        <p:nvPicPr>
+          <p:cNvPr id="19" name="Picture 18">
+            <a:extLst>
+              <a:ext uri="{FF2B5EF4-FFF2-40B4-BE49-F238E27FC236}">
+                <a16:creationId xmlns:a16="http://schemas.microsoft.com/office/drawing/2014/main" id="{478336C2-E4FE-48C1-833D-379D7E789A06}"/>
+              </a:ext>
+            </a:extLst>
+          </p:cNvPr>
+          <p:cNvPicPr>
+            <a:picLocks noChangeAspect="1"/>
+          </p:cNvPicPr>
+          <p:nvPr/>
+        </p:nvPicPr>
+        <p:blipFill>
+          <a:blip r:embed="rId10">
+            <a:extLst>
+              <a:ext uri="{28A0092B-C50C-407E-A947-70E740481C1C}">
+                <a14:useLocalDpi xmlns:a14="http://schemas.microsoft.com/office/drawing/2010/main" val="0"/>
+              </a:ext>
+            </a:extLst>
+          </a:blip>
+          <a:stretch>
+            <a:fillRect/>
+          </a:stretch>
+        </p:blipFill>
+        <p:spPr>
+          <a:xfrm>
+            <a:off x="7242516" y="4677508"/>
+            <a:ext cx="914400" cy="457200"/>
+          </a:xfrm>
+          <a:prstGeom prst="rect">
+            <a:avLst/>
+          </a:prstGeom>
+        </p:spPr>
+      </p:pic>
+      <p:pic>
+        <p:nvPicPr>
+          <p:cNvPr id="21" name="Picture 20">
+            <a:extLst>
+              <a:ext uri="{FF2B5EF4-FFF2-40B4-BE49-F238E27FC236}">
+                <a16:creationId xmlns:a16="http://schemas.microsoft.com/office/drawing/2014/main" id="{ADE78CE3-FFC5-4416-84B1-5A97E9650427}"/>
+              </a:ext>
+            </a:extLst>
+          </p:cNvPr>
+          <p:cNvPicPr>
+            <a:picLocks noChangeAspect="1"/>
+          </p:cNvPicPr>
+          <p:nvPr/>
+        </p:nvPicPr>
+        <p:blipFill>
+          <a:blip r:embed="rId11">
+            <a:extLst>
+              <a:ext uri="{28A0092B-C50C-407E-A947-70E740481C1C}">
+                <a14:useLocalDpi xmlns:a14="http://schemas.microsoft.com/office/drawing/2010/main" val="0"/>
+              </a:ext>
+            </a:extLst>
+          </a:blip>
+          <a:stretch>
+            <a:fillRect/>
+          </a:stretch>
+        </p:blipFill>
+        <p:spPr>
+          <a:xfrm>
+            <a:off x="9554309" y="3200400"/>
+            <a:ext cx="914400" cy="457200"/>
+          </a:xfrm>
+          <a:prstGeom prst="rect">
+            <a:avLst/>
+          </a:prstGeom>
+        </p:spPr>
+      </p:pic>
+      <p:pic>
+        <p:nvPicPr>
+          <p:cNvPr id="23" name="Picture 22">
+            <a:extLst>
+              <a:ext uri="{FF2B5EF4-FFF2-40B4-BE49-F238E27FC236}">
+                <a16:creationId xmlns:a16="http://schemas.microsoft.com/office/drawing/2014/main" id="{AD4F4235-221F-4644-AB48-D42978F41735}"/>
+              </a:ext>
+            </a:extLst>
+          </p:cNvPr>
+          <p:cNvPicPr>
+            <a:picLocks noChangeAspect="1"/>
+          </p:cNvPicPr>
+          <p:nvPr/>
+        </p:nvPicPr>
+        <p:blipFill>
+          <a:blip r:embed="rId12">
+            <a:extLst>
+              <a:ext uri="{28A0092B-C50C-407E-A947-70E740481C1C}">
+                <a14:useLocalDpi xmlns:a14="http://schemas.microsoft.com/office/drawing/2010/main" val="0"/>
+              </a:ext>
+            </a:extLst>
+          </a:blip>
+          <a:stretch>
+            <a:fillRect/>
+          </a:stretch>
+        </p:blipFill>
+        <p:spPr>
+          <a:xfrm>
+            <a:off x="8625843" y="4677508"/>
+            <a:ext cx="914400" cy="457200"/>
+          </a:xfrm>
+          <a:prstGeom prst="rect">
+            <a:avLst/>
+          </a:prstGeom>
+        </p:spPr>
+      </p:pic>
+    </p:spTree>
+    <p:extLst>
+      <p:ext uri="{BB962C8B-B14F-4D97-AF65-F5344CB8AC3E}">
+        <p14:creationId xmlns:p14="http://schemas.microsoft.com/office/powerpoint/2010/main" val="2027482871"/>
+      </p:ext>
+    </p:extLst>
+  </p:cSld>
+  <p:clrMapOvr>
+    <a:masterClrMapping/>
+  </p:clrMapOvr>
+</p:sld>
+</file>
+
 <file path=ppt/slides/slide2.xml><?xml version="1.0" encoding="utf-8"?>
 <p:sld xmlns:a="http://schemas.openxmlformats.org/drawingml/2006/main" xmlns:r="http://schemas.openxmlformats.org/officeDocument/2006/relationships" xmlns:p="http://schemas.openxmlformats.org/presentationml/2006/main">
   <p:cSld>

--- a/Compiled graphs.pptx
+++ b/Compiled graphs.pptx
@@ -14575,10 +14575,10 @@
       </p:grpSpPr>
       <p:pic>
         <p:nvPicPr>
-          <p:cNvPr id="3" name="Picture 2">
+          <p:cNvPr id="7" name="Picture 6">
             <a:extLst>
               <a:ext uri="{FF2B5EF4-FFF2-40B4-BE49-F238E27FC236}">
-                <a16:creationId xmlns:a16="http://schemas.microsoft.com/office/drawing/2014/main" id="{B65E8B23-A135-46B8-AD38-6BE7DBE606BD}"/>
+                <a16:creationId xmlns:a16="http://schemas.microsoft.com/office/drawing/2014/main" id="{88C97E23-8DB3-42BC-914F-36BFBBBCAFE9}"/>
               </a:ext>
             </a:extLst>
           </p:cNvPr>
@@ -14589,78 +14589,6 @@
         </p:nvPicPr>
         <p:blipFill>
           <a:blip r:embed="rId2">
-            <a:extLst>
-              <a:ext uri="{28A0092B-C50C-407E-A947-70E740481C1C}">
-                <a14:useLocalDpi xmlns:a14="http://schemas.microsoft.com/office/drawing/2010/main" val="0"/>
-              </a:ext>
-            </a:extLst>
-          </a:blip>
-          <a:stretch>
-            <a:fillRect/>
-          </a:stretch>
-        </p:blipFill>
-        <p:spPr>
-          <a:xfrm>
-            <a:off x="5638800" y="3200400"/>
-            <a:ext cx="914400" cy="457200"/>
-          </a:xfrm>
-          <a:prstGeom prst="rect">
-            <a:avLst/>
-          </a:prstGeom>
-        </p:spPr>
-      </p:pic>
-      <p:pic>
-        <p:nvPicPr>
-          <p:cNvPr id="5" name="Picture 4">
-            <a:extLst>
-              <a:ext uri="{FF2B5EF4-FFF2-40B4-BE49-F238E27FC236}">
-                <a16:creationId xmlns:a16="http://schemas.microsoft.com/office/drawing/2014/main" id="{26D645F9-0F9E-4649-994E-9A27C5796E86}"/>
-              </a:ext>
-            </a:extLst>
-          </p:cNvPr>
-          <p:cNvPicPr>
-            <a:picLocks noChangeAspect="1"/>
-          </p:cNvPicPr>
-          <p:nvPr/>
-        </p:nvPicPr>
-        <p:blipFill>
-          <a:blip r:embed="rId3">
-            <a:extLst>
-              <a:ext uri="{28A0092B-C50C-407E-A947-70E740481C1C}">
-                <a14:useLocalDpi xmlns:a14="http://schemas.microsoft.com/office/drawing/2010/main" val="0"/>
-              </a:ext>
-            </a:extLst>
-          </a:blip>
-          <a:stretch>
-            <a:fillRect/>
-          </a:stretch>
-        </p:blipFill>
-        <p:spPr>
-          <a:xfrm>
-            <a:off x="7031501" y="3200400"/>
-            <a:ext cx="914400" cy="457200"/>
-          </a:xfrm>
-          <a:prstGeom prst="rect">
-            <a:avLst/>
-          </a:prstGeom>
-        </p:spPr>
-      </p:pic>
-      <p:pic>
-        <p:nvPicPr>
-          <p:cNvPr id="7" name="Picture 6">
-            <a:extLst>
-              <a:ext uri="{FF2B5EF4-FFF2-40B4-BE49-F238E27FC236}">
-                <a16:creationId xmlns:a16="http://schemas.microsoft.com/office/drawing/2014/main" id="{88C97E23-8DB3-42BC-914F-36BFBBBCAFE9}"/>
-              </a:ext>
-            </a:extLst>
-          </p:cNvPr>
-          <p:cNvPicPr>
-            <a:picLocks noChangeAspect="1"/>
-          </p:cNvPicPr>
-          <p:nvPr/>
-        </p:nvPicPr>
-        <p:blipFill>
-          <a:blip r:embed="rId4">
             <a:extLst>
               <a:ext uri="{28A0092B-C50C-407E-A947-70E740481C1C}">
                 <a14:useLocalDpi xmlns:a14="http://schemas.microsoft.com/office/drawing/2010/main" val="0"/>
@@ -14696,7 +14624,7 @@
           <p:nvPr/>
         </p:nvPicPr>
         <p:blipFill>
-          <a:blip r:embed="rId5">
+          <a:blip r:embed="rId3">
             <a:extLst>
               <a:ext uri="{28A0092B-C50C-407E-A947-70E740481C1C}">
                 <a14:useLocalDpi xmlns:a14="http://schemas.microsoft.com/office/drawing/2010/main" val="0"/>
@@ -14717,84 +14645,186 @@
           </a:prstGeom>
         </p:spPr>
       </p:pic>
+      <p:grpSp>
+        <p:nvGrpSpPr>
+          <p:cNvPr id="2" name="Group 1"/>
+          <p:cNvGrpSpPr/>
+          <p:nvPr/>
+        </p:nvGrpSpPr>
+        <p:grpSpPr>
+          <a:xfrm>
+            <a:off x="249394" y="2342270"/>
+            <a:ext cx="2031917" cy="457200"/>
+            <a:chOff x="249394" y="2342270"/>
+            <a:chExt cx="2031917" cy="457200"/>
+          </a:xfrm>
+        </p:grpSpPr>
+        <p:pic>
+          <p:nvPicPr>
+            <p:cNvPr id="11" name="Picture 10">
+              <a:extLst>
+                <a:ext uri="{FF2B5EF4-FFF2-40B4-BE49-F238E27FC236}">
+                  <a16:creationId xmlns:a16="http://schemas.microsoft.com/office/drawing/2014/main" id="{6E0E5D2F-B656-40FA-BB46-B28274E0DC71}"/>
+                </a:ext>
+              </a:extLst>
+            </p:cNvPr>
+            <p:cNvPicPr>
+              <a:picLocks noChangeAspect="1"/>
+            </p:cNvPicPr>
+            <p:nvPr/>
+          </p:nvPicPr>
+          <p:blipFill>
+            <a:blip r:embed="rId4">
+              <a:extLst>
+                <a:ext uri="{28A0092B-C50C-407E-A947-70E740481C1C}">
+                  <a14:useLocalDpi xmlns:a14="http://schemas.microsoft.com/office/drawing/2010/main" val="0"/>
+                </a:ext>
+              </a:extLst>
+            </a:blip>
+            <a:stretch>
+              <a:fillRect/>
+            </a:stretch>
+          </p:blipFill>
+          <p:spPr>
+            <a:xfrm>
+              <a:off x="249394" y="2342270"/>
+              <a:ext cx="914400" cy="457200"/>
+            </a:xfrm>
+            <a:prstGeom prst="rect">
+              <a:avLst/>
+            </a:prstGeom>
+          </p:spPr>
+        </p:pic>
+        <p:pic>
+          <p:nvPicPr>
+            <p:cNvPr id="13" name="Picture 12">
+              <a:extLst>
+                <a:ext uri="{FF2B5EF4-FFF2-40B4-BE49-F238E27FC236}">
+                  <a16:creationId xmlns:a16="http://schemas.microsoft.com/office/drawing/2014/main" id="{031F3BDC-1EC3-46D7-ABDB-46A9BA2FA2DD}"/>
+                </a:ext>
+              </a:extLst>
+            </p:cNvPr>
+            <p:cNvPicPr>
+              <a:picLocks noChangeAspect="1"/>
+            </p:cNvPicPr>
+            <p:nvPr/>
+          </p:nvPicPr>
+          <p:blipFill>
+            <a:blip r:embed="rId5">
+              <a:extLst>
+                <a:ext uri="{28A0092B-C50C-407E-A947-70E740481C1C}">
+                  <a14:useLocalDpi xmlns:a14="http://schemas.microsoft.com/office/drawing/2010/main" val="0"/>
+                </a:ext>
+              </a:extLst>
+            </a:blip>
+            <a:stretch>
+              <a:fillRect/>
+            </a:stretch>
+          </p:blipFill>
+          <p:spPr>
+            <a:xfrm>
+              <a:off x="1366911" y="2342270"/>
+              <a:ext cx="914400" cy="457200"/>
+            </a:xfrm>
+            <a:prstGeom prst="rect">
+              <a:avLst/>
+            </a:prstGeom>
+          </p:spPr>
+        </p:pic>
+      </p:grpSp>
+      <p:grpSp>
+        <p:nvGrpSpPr>
+          <p:cNvPr id="4" name="Group 3"/>
+          <p:cNvGrpSpPr/>
+          <p:nvPr/>
+        </p:nvGrpSpPr>
+        <p:grpSpPr>
+          <a:xfrm>
+            <a:off x="4485250" y="3200400"/>
+            <a:ext cx="2067950" cy="457200"/>
+            <a:chOff x="4485250" y="3200400"/>
+            <a:chExt cx="2067950" cy="457200"/>
+          </a:xfrm>
+        </p:grpSpPr>
+        <p:pic>
+          <p:nvPicPr>
+            <p:cNvPr id="3" name="Picture 2">
+              <a:extLst>
+                <a:ext uri="{FF2B5EF4-FFF2-40B4-BE49-F238E27FC236}">
+                  <a16:creationId xmlns:a16="http://schemas.microsoft.com/office/drawing/2014/main" id="{B65E8B23-A135-46B8-AD38-6BE7DBE606BD}"/>
+                </a:ext>
+              </a:extLst>
+            </p:cNvPr>
+            <p:cNvPicPr>
+              <a:picLocks noChangeAspect="1"/>
+            </p:cNvPicPr>
+            <p:nvPr/>
+          </p:nvPicPr>
+          <p:blipFill>
+            <a:blip r:embed="rId6">
+              <a:extLst>
+                <a:ext uri="{28A0092B-C50C-407E-A947-70E740481C1C}">
+                  <a14:useLocalDpi xmlns:a14="http://schemas.microsoft.com/office/drawing/2010/main" val="0"/>
+                </a:ext>
+              </a:extLst>
+            </a:blip>
+            <a:stretch>
+              <a:fillRect/>
+            </a:stretch>
+          </p:blipFill>
+          <p:spPr>
+            <a:xfrm>
+              <a:off x="5638800" y="3200400"/>
+              <a:ext cx="914400" cy="457200"/>
+            </a:xfrm>
+            <a:prstGeom prst="rect">
+              <a:avLst/>
+            </a:prstGeom>
+          </p:spPr>
+        </p:pic>
+        <p:pic>
+          <p:nvPicPr>
+            <p:cNvPr id="15" name="Picture 14">
+              <a:extLst>
+                <a:ext uri="{FF2B5EF4-FFF2-40B4-BE49-F238E27FC236}">
+                  <a16:creationId xmlns:a16="http://schemas.microsoft.com/office/drawing/2014/main" id="{5BACE0D3-87D2-42B3-A5AD-72783A1BB43E}"/>
+                </a:ext>
+              </a:extLst>
+            </p:cNvPr>
+            <p:cNvPicPr>
+              <a:picLocks noChangeAspect="1"/>
+            </p:cNvPicPr>
+            <p:nvPr/>
+          </p:nvPicPr>
+          <p:blipFill>
+            <a:blip r:embed="rId7">
+              <a:extLst>
+                <a:ext uri="{28A0092B-C50C-407E-A947-70E740481C1C}">
+                  <a14:useLocalDpi xmlns:a14="http://schemas.microsoft.com/office/drawing/2010/main" val="0"/>
+                </a:ext>
+              </a:extLst>
+            </a:blip>
+            <a:stretch>
+              <a:fillRect/>
+            </a:stretch>
+          </p:blipFill>
+          <p:spPr>
+            <a:xfrm>
+              <a:off x="4485250" y="3200400"/>
+              <a:ext cx="914400" cy="457200"/>
+            </a:xfrm>
+            <a:prstGeom prst="rect">
+              <a:avLst/>
+            </a:prstGeom>
+          </p:spPr>
+        </p:pic>
+      </p:grpSp>
       <p:pic>
         <p:nvPicPr>
-          <p:cNvPr id="11" name="Picture 10">
+          <p:cNvPr id="19" name="Picture 18">
             <a:extLst>
               <a:ext uri="{FF2B5EF4-FFF2-40B4-BE49-F238E27FC236}">
-                <a16:creationId xmlns:a16="http://schemas.microsoft.com/office/drawing/2014/main" id="{6E0E5D2F-B656-40FA-BB46-B28274E0DC71}"/>
-              </a:ext>
-            </a:extLst>
-          </p:cNvPr>
-          <p:cNvPicPr>
-            <a:picLocks noChangeAspect="1"/>
-          </p:cNvPicPr>
-          <p:nvPr/>
-        </p:nvPicPr>
-        <p:blipFill>
-          <a:blip r:embed="rId6">
-            <a:extLst>
-              <a:ext uri="{28A0092B-C50C-407E-A947-70E740481C1C}">
-                <a14:useLocalDpi xmlns:a14="http://schemas.microsoft.com/office/drawing/2010/main" val="0"/>
-              </a:ext>
-            </a:extLst>
-          </a:blip>
-          <a:stretch>
-            <a:fillRect/>
-          </a:stretch>
-        </p:blipFill>
-        <p:spPr>
-          <a:xfrm>
-            <a:off x="1404425" y="1695157"/>
-            <a:ext cx="914400" cy="457200"/>
-          </a:xfrm>
-          <a:prstGeom prst="rect">
-            <a:avLst/>
-          </a:prstGeom>
-        </p:spPr>
-      </p:pic>
-      <p:pic>
-        <p:nvPicPr>
-          <p:cNvPr id="13" name="Picture 12">
-            <a:extLst>
-              <a:ext uri="{FF2B5EF4-FFF2-40B4-BE49-F238E27FC236}">
-                <a16:creationId xmlns:a16="http://schemas.microsoft.com/office/drawing/2014/main" id="{031F3BDC-1EC3-46D7-ABDB-46A9BA2FA2DD}"/>
-              </a:ext>
-            </a:extLst>
-          </p:cNvPr>
-          <p:cNvPicPr>
-            <a:picLocks noChangeAspect="1"/>
-          </p:cNvPicPr>
-          <p:nvPr/>
-        </p:nvPicPr>
-        <p:blipFill>
-          <a:blip r:embed="rId7">
-            <a:extLst>
-              <a:ext uri="{28A0092B-C50C-407E-A947-70E740481C1C}">
-                <a14:useLocalDpi xmlns:a14="http://schemas.microsoft.com/office/drawing/2010/main" val="0"/>
-              </a:ext>
-            </a:extLst>
-          </a:blip>
-          <a:stretch>
-            <a:fillRect/>
-          </a:stretch>
-        </p:blipFill>
-        <p:spPr>
-          <a:xfrm>
-            <a:off x="1366911" y="2342270"/>
-            <a:ext cx="914400" cy="457200"/>
-          </a:xfrm>
-          <a:prstGeom prst="rect">
-            <a:avLst/>
-          </a:prstGeom>
-        </p:spPr>
-      </p:pic>
-      <p:pic>
-        <p:nvPicPr>
-          <p:cNvPr id="15" name="Picture 14">
-            <a:extLst>
-              <a:ext uri="{FF2B5EF4-FFF2-40B4-BE49-F238E27FC236}">
-                <a16:creationId xmlns:a16="http://schemas.microsoft.com/office/drawing/2014/main" id="{5BACE0D3-87D2-42B3-A5AD-72783A1BB43E}"/>
+                <a16:creationId xmlns:a16="http://schemas.microsoft.com/office/drawing/2014/main" id="{478336C2-E4FE-48C1-833D-379D7E789A06}"/>
               </a:ext>
             </a:extLst>
           </p:cNvPr>
@@ -14805,78 +14835,6 @@
         </p:nvPicPr>
         <p:blipFill>
           <a:blip r:embed="rId8">
-            <a:extLst>
-              <a:ext uri="{28A0092B-C50C-407E-A947-70E740481C1C}">
-                <a14:useLocalDpi xmlns:a14="http://schemas.microsoft.com/office/drawing/2010/main" val="0"/>
-              </a:ext>
-            </a:extLst>
-          </a:blip>
-          <a:stretch>
-            <a:fillRect/>
-          </a:stretch>
-        </p:blipFill>
-        <p:spPr>
-          <a:xfrm>
-            <a:off x="4485250" y="3200400"/>
-            <a:ext cx="914400" cy="457200"/>
-          </a:xfrm>
-          <a:prstGeom prst="rect">
-            <a:avLst/>
-          </a:prstGeom>
-        </p:spPr>
-      </p:pic>
-      <p:pic>
-        <p:nvPicPr>
-          <p:cNvPr id="17" name="Picture 16">
-            <a:extLst>
-              <a:ext uri="{FF2B5EF4-FFF2-40B4-BE49-F238E27FC236}">
-                <a16:creationId xmlns:a16="http://schemas.microsoft.com/office/drawing/2014/main" id="{E3D431BE-93AC-4512-AF15-DF3014AD5435}"/>
-              </a:ext>
-            </a:extLst>
-          </p:cNvPr>
-          <p:cNvPicPr>
-            <a:picLocks noChangeAspect="1"/>
-          </p:cNvPicPr>
-          <p:nvPr/>
-        </p:nvPicPr>
-        <p:blipFill>
-          <a:blip r:embed="rId9">
-            <a:extLst>
-              <a:ext uri="{28A0092B-C50C-407E-A947-70E740481C1C}">
-                <a14:useLocalDpi xmlns:a14="http://schemas.microsoft.com/office/drawing/2010/main" val="0"/>
-              </a:ext>
-            </a:extLst>
-          </a:blip>
-          <a:stretch>
-            <a:fillRect/>
-          </a:stretch>
-        </p:blipFill>
-        <p:spPr>
-          <a:xfrm>
-            <a:off x="8283526" y="3200400"/>
-            <a:ext cx="914400" cy="457200"/>
-          </a:xfrm>
-          <a:prstGeom prst="rect">
-            <a:avLst/>
-          </a:prstGeom>
-        </p:spPr>
-      </p:pic>
-      <p:pic>
-        <p:nvPicPr>
-          <p:cNvPr id="19" name="Picture 18">
-            <a:extLst>
-              <a:ext uri="{FF2B5EF4-FFF2-40B4-BE49-F238E27FC236}">
-                <a16:creationId xmlns:a16="http://schemas.microsoft.com/office/drawing/2014/main" id="{478336C2-E4FE-48C1-833D-379D7E789A06}"/>
-              </a:ext>
-            </a:extLst>
-          </p:cNvPr>
-          <p:cNvPicPr>
-            <a:picLocks noChangeAspect="1"/>
-          </p:cNvPicPr>
-          <p:nvPr/>
-        </p:nvPicPr>
-        <p:blipFill>
-          <a:blip r:embed="rId10">
             <a:extLst>
               <a:ext uri="{28A0092B-C50C-407E-A947-70E740481C1C}">
                 <a14:useLocalDpi xmlns:a14="http://schemas.microsoft.com/office/drawing/2010/main" val="0"/>
@@ -14897,78 +14855,165 @@
           </a:prstGeom>
         </p:spPr>
       </p:pic>
-      <p:pic>
-        <p:nvPicPr>
-          <p:cNvPr id="21" name="Picture 20">
-            <a:extLst>
-              <a:ext uri="{FF2B5EF4-FFF2-40B4-BE49-F238E27FC236}">
-                <a16:creationId xmlns:a16="http://schemas.microsoft.com/office/drawing/2014/main" id="{ADE78CE3-FFC5-4416-84B1-5A97E9650427}"/>
-              </a:ext>
-            </a:extLst>
-          </p:cNvPr>
-          <p:cNvPicPr>
-            <a:picLocks noChangeAspect="1"/>
-          </p:cNvPicPr>
+      <p:grpSp>
+        <p:nvGrpSpPr>
+          <p:cNvPr id="8" name="Group 7"/>
+          <p:cNvGrpSpPr/>
           <p:nvPr/>
-        </p:nvPicPr>
-        <p:blipFill>
-          <a:blip r:embed="rId11">
-            <a:extLst>
-              <a:ext uri="{28A0092B-C50C-407E-A947-70E740481C1C}">
-                <a14:useLocalDpi xmlns:a14="http://schemas.microsoft.com/office/drawing/2010/main" val="0"/>
-              </a:ext>
-            </a:extLst>
-          </a:blip>
-          <a:stretch>
-            <a:fillRect/>
-          </a:stretch>
-        </p:blipFill>
-        <p:spPr>
+        </p:nvGrpSpPr>
+        <p:grpSpPr>
           <a:xfrm>
-            <a:off x="9554309" y="3200400"/>
-            <a:ext cx="914400" cy="457200"/>
+            <a:off x="6753603" y="634898"/>
+            <a:ext cx="4629506" cy="457200"/>
+            <a:chOff x="6753603" y="634898"/>
+            <a:chExt cx="4629506" cy="457200"/>
           </a:xfrm>
-          <a:prstGeom prst="rect">
-            <a:avLst/>
-          </a:prstGeom>
-        </p:spPr>
-      </p:pic>
-      <p:pic>
-        <p:nvPicPr>
-          <p:cNvPr id="23" name="Picture 22">
-            <a:extLst>
-              <a:ext uri="{FF2B5EF4-FFF2-40B4-BE49-F238E27FC236}">
-                <a16:creationId xmlns:a16="http://schemas.microsoft.com/office/drawing/2014/main" id="{AD4F4235-221F-4644-AB48-D42978F41735}"/>
-              </a:ext>
-            </a:extLst>
-          </p:cNvPr>
-          <p:cNvPicPr>
-            <a:picLocks noChangeAspect="1"/>
-          </p:cNvPicPr>
-          <p:nvPr/>
-        </p:nvPicPr>
-        <p:blipFill>
-          <a:blip r:embed="rId12">
-            <a:extLst>
-              <a:ext uri="{28A0092B-C50C-407E-A947-70E740481C1C}">
-                <a14:useLocalDpi xmlns:a14="http://schemas.microsoft.com/office/drawing/2010/main" val="0"/>
-              </a:ext>
-            </a:extLst>
-          </a:blip>
-          <a:stretch>
-            <a:fillRect/>
-          </a:stretch>
-        </p:blipFill>
-        <p:spPr>
-          <a:xfrm>
-            <a:off x="8625843" y="4677508"/>
-            <a:ext cx="914400" cy="457200"/>
-          </a:xfrm>
-          <a:prstGeom prst="rect">
-            <a:avLst/>
-          </a:prstGeom>
-        </p:spPr>
-      </p:pic>
+        </p:grpSpPr>
+        <p:pic>
+          <p:nvPicPr>
+            <p:cNvPr id="5" name="Picture 4">
+              <a:extLst>
+                <a:ext uri="{FF2B5EF4-FFF2-40B4-BE49-F238E27FC236}">
+                  <a16:creationId xmlns:a16="http://schemas.microsoft.com/office/drawing/2014/main" id="{26D645F9-0F9E-4649-994E-9A27C5796E86}"/>
+                </a:ext>
+              </a:extLst>
+            </p:cNvPr>
+            <p:cNvPicPr>
+              <a:picLocks noChangeAspect="1"/>
+            </p:cNvPicPr>
+            <p:nvPr/>
+          </p:nvPicPr>
+          <p:blipFill>
+            <a:blip r:embed="rId9">
+              <a:extLst>
+                <a:ext uri="{28A0092B-C50C-407E-A947-70E740481C1C}">
+                  <a14:useLocalDpi xmlns:a14="http://schemas.microsoft.com/office/drawing/2010/main" val="0"/>
+                </a:ext>
+              </a:extLst>
+            </a:blip>
+            <a:stretch>
+              <a:fillRect/>
+            </a:stretch>
+          </p:blipFill>
+          <p:spPr>
+            <a:xfrm>
+              <a:off x="6753603" y="634898"/>
+              <a:ext cx="914400" cy="457200"/>
+            </a:xfrm>
+            <a:prstGeom prst="rect">
+              <a:avLst/>
+            </a:prstGeom>
+          </p:spPr>
+        </p:pic>
+        <p:pic>
+          <p:nvPicPr>
+            <p:cNvPr id="17" name="Picture 16">
+              <a:extLst>
+                <a:ext uri="{FF2B5EF4-FFF2-40B4-BE49-F238E27FC236}">
+                  <a16:creationId xmlns:a16="http://schemas.microsoft.com/office/drawing/2014/main" id="{E3D431BE-93AC-4512-AF15-DF3014AD5435}"/>
+                </a:ext>
+              </a:extLst>
+            </p:cNvPr>
+            <p:cNvPicPr>
+              <a:picLocks noChangeAspect="1"/>
+            </p:cNvPicPr>
+            <p:nvPr/>
+          </p:nvPicPr>
+          <p:blipFill>
+            <a:blip r:embed="rId10">
+              <a:extLst>
+                <a:ext uri="{28A0092B-C50C-407E-A947-70E740481C1C}">
+                  <a14:useLocalDpi xmlns:a14="http://schemas.microsoft.com/office/drawing/2010/main" val="0"/>
+                </a:ext>
+              </a:extLst>
+            </a:blip>
+            <a:stretch>
+              <a:fillRect/>
+            </a:stretch>
+          </p:blipFill>
+          <p:spPr>
+            <a:xfrm>
+              <a:off x="8005628" y="634898"/>
+              <a:ext cx="914400" cy="457200"/>
+            </a:xfrm>
+            <a:prstGeom prst="rect">
+              <a:avLst/>
+            </a:prstGeom>
+          </p:spPr>
+        </p:pic>
+        <p:pic>
+          <p:nvPicPr>
+            <p:cNvPr id="21" name="Picture 20">
+              <a:extLst>
+                <a:ext uri="{FF2B5EF4-FFF2-40B4-BE49-F238E27FC236}">
+                  <a16:creationId xmlns:a16="http://schemas.microsoft.com/office/drawing/2014/main" id="{ADE78CE3-FFC5-4416-84B1-5A97E9650427}"/>
+                </a:ext>
+              </a:extLst>
+            </p:cNvPr>
+            <p:cNvPicPr>
+              <a:picLocks noChangeAspect="1"/>
+            </p:cNvPicPr>
+            <p:nvPr/>
+          </p:nvPicPr>
+          <p:blipFill>
+            <a:blip r:embed="rId11">
+              <a:extLst>
+                <a:ext uri="{28A0092B-C50C-407E-A947-70E740481C1C}">
+                  <a14:useLocalDpi xmlns:a14="http://schemas.microsoft.com/office/drawing/2010/main" val="0"/>
+                </a:ext>
+              </a:extLst>
+            </a:blip>
+            <a:stretch>
+              <a:fillRect/>
+            </a:stretch>
+          </p:blipFill>
+          <p:spPr>
+            <a:xfrm>
+              <a:off x="9276411" y="634898"/>
+              <a:ext cx="914400" cy="457200"/>
+            </a:xfrm>
+            <a:prstGeom prst="rect">
+              <a:avLst/>
+            </a:prstGeom>
+          </p:spPr>
+        </p:pic>
+        <p:pic>
+          <p:nvPicPr>
+            <p:cNvPr id="23" name="Picture 22">
+              <a:extLst>
+                <a:ext uri="{FF2B5EF4-FFF2-40B4-BE49-F238E27FC236}">
+                  <a16:creationId xmlns:a16="http://schemas.microsoft.com/office/drawing/2014/main" id="{AD4F4235-221F-4644-AB48-D42978F41735}"/>
+                </a:ext>
+              </a:extLst>
+            </p:cNvPr>
+            <p:cNvPicPr>
+              <a:picLocks noChangeAspect="1"/>
+            </p:cNvPicPr>
+            <p:nvPr/>
+          </p:nvPicPr>
+          <p:blipFill>
+            <a:blip r:embed="rId12">
+              <a:extLst>
+                <a:ext uri="{28A0092B-C50C-407E-A947-70E740481C1C}">
+                  <a14:useLocalDpi xmlns:a14="http://schemas.microsoft.com/office/drawing/2010/main" val="0"/>
+                </a:ext>
+              </a:extLst>
+            </a:blip>
+            <a:stretch>
+              <a:fillRect/>
+            </a:stretch>
+          </p:blipFill>
+          <p:spPr>
+            <a:xfrm>
+              <a:off x="10468709" y="634898"/>
+              <a:ext cx="914400" cy="457200"/>
+            </a:xfrm>
+            <a:prstGeom prst="rect">
+              <a:avLst/>
+            </a:prstGeom>
+          </p:spPr>
+        </p:pic>
+      </p:grpSp>
     </p:spTree>
     <p:extLst>
       <p:ext uri="{BB962C8B-B14F-4D97-AF65-F5344CB8AC3E}">
@@ -16861,18 +16906,88 @@
           </a:p>
         </p:txBody>
       </p:sp>
+      <p:pic>
+        <p:nvPicPr>
+          <p:cNvPr id="34" name="Picture 33">
+            <a:extLst>
+              <a:ext uri="{FF2B5EF4-FFF2-40B4-BE49-F238E27FC236}">
+                <a16:creationId xmlns:a16="http://schemas.microsoft.com/office/drawing/2014/main" id="{45D6D687-F164-4EE2-9BD8-6A0247C33C58}"/>
+              </a:ext>
+            </a:extLst>
+          </p:cNvPr>
+          <p:cNvPicPr>
+            <a:picLocks noChangeAspect="1"/>
+          </p:cNvPicPr>
+          <p:nvPr/>
+        </p:nvPicPr>
+        <p:blipFill rotWithShape="1">
+          <a:blip r:embed="rId2">
+            <a:extLst>
+              <a:ext uri="{28A0092B-C50C-407E-A947-70E740481C1C}">
+                <a14:useLocalDpi xmlns:a14="http://schemas.microsoft.com/office/drawing/2010/main" val="0"/>
+              </a:ext>
+            </a:extLst>
+          </a:blip>
+          <a:srcRect b="10299"/>
+          <a:stretch/>
+        </p:blipFill>
+        <p:spPr>
+          <a:xfrm>
+            <a:off x="7066169" y="1276586"/>
+            <a:ext cx="2743825" cy="2461226"/>
+          </a:xfrm>
+          <a:prstGeom prst="rect">
+            <a:avLst/>
+          </a:prstGeom>
+        </p:spPr>
+      </p:pic>
+      <p:pic>
+        <p:nvPicPr>
+          <p:cNvPr id="36" name="Picture 35">
+            <a:extLst>
+              <a:ext uri="{FF2B5EF4-FFF2-40B4-BE49-F238E27FC236}">
+                <a16:creationId xmlns:a16="http://schemas.microsoft.com/office/drawing/2014/main" id="{8211DED6-1CE3-4CD7-B775-98C448351BBE}"/>
+              </a:ext>
+            </a:extLst>
+          </p:cNvPr>
+          <p:cNvPicPr>
+            <a:picLocks noChangeAspect="1"/>
+          </p:cNvPicPr>
+          <p:nvPr/>
+        </p:nvPicPr>
+        <p:blipFill rotWithShape="1">
+          <a:blip r:embed="rId3">
+            <a:extLst>
+              <a:ext uri="{28A0092B-C50C-407E-A947-70E740481C1C}">
+                <a14:useLocalDpi xmlns:a14="http://schemas.microsoft.com/office/drawing/2010/main" val="0"/>
+              </a:ext>
+            </a:extLst>
+          </a:blip>
+          <a:srcRect b="9715"/>
+          <a:stretch/>
+        </p:blipFill>
+        <p:spPr>
+          <a:xfrm>
+            <a:off x="4590909" y="1276588"/>
+            <a:ext cx="2743825" cy="2477266"/>
+          </a:xfrm>
+          <a:prstGeom prst="rect">
+            <a:avLst/>
+          </a:prstGeom>
+        </p:spPr>
+      </p:pic>
       <p:grpSp>
         <p:nvGrpSpPr>
-          <p:cNvPr id="2" name="Group 1"/>
+          <p:cNvPr id="4" name="Group 3"/>
           <p:cNvGrpSpPr/>
           <p:nvPr/>
         </p:nvGrpSpPr>
         <p:grpSpPr>
           <a:xfrm>
-            <a:off x="2115639" y="955745"/>
-            <a:ext cx="7694356" cy="5487651"/>
-            <a:chOff x="2115639" y="955745"/>
-            <a:chExt cx="7694356" cy="5487651"/>
+            <a:off x="2115639" y="1453046"/>
+            <a:ext cx="7694355" cy="5006390"/>
+            <a:chOff x="2115639" y="1453046"/>
+            <a:chExt cx="7694355" cy="5006390"/>
           </a:xfrm>
         </p:grpSpPr>
         <p:pic>
@@ -16889,22 +17004,21 @@
             </p:cNvPicPr>
             <p:nvPr/>
           </p:nvPicPr>
-          <p:blipFill>
-            <a:blip r:embed="rId2">
+          <p:blipFill rotWithShape="1">
+            <a:blip r:embed="rId4">
               <a:extLst>
                 <a:ext uri="{28A0092B-C50C-407E-A947-70E740481C1C}">
                   <a14:useLocalDpi xmlns:a14="http://schemas.microsoft.com/office/drawing/2010/main" val="0"/>
                 </a:ext>
               </a:extLst>
             </a:blip>
-            <a:stretch>
-              <a:fillRect/>
-            </a:stretch>
+            <a:srcRect t="9579"/>
+            <a:stretch/>
           </p:blipFill>
           <p:spPr>
             <a:xfrm>
-              <a:off x="7066170" y="3699569"/>
-              <a:ext cx="2743825" cy="2743825"/>
+              <a:off x="7066169" y="3978442"/>
+              <a:ext cx="2743825" cy="2480994"/>
             </a:xfrm>
             <a:prstGeom prst="rect">
               <a:avLst/>
@@ -16925,22 +17039,21 @@
             </p:cNvPicPr>
             <p:nvPr/>
           </p:nvPicPr>
-          <p:blipFill>
-            <a:blip r:embed="rId3">
+          <p:blipFill rotWithShape="1">
+            <a:blip r:embed="rId5">
               <a:extLst>
                 <a:ext uri="{28A0092B-C50C-407E-A947-70E740481C1C}">
                   <a14:useLocalDpi xmlns:a14="http://schemas.microsoft.com/office/drawing/2010/main" val="0"/>
                 </a:ext>
               </a:extLst>
             </a:blip>
-            <a:stretch>
-              <a:fillRect/>
-            </a:stretch>
+            <a:srcRect t="10164"/>
+            <a:stretch/>
           </p:blipFill>
           <p:spPr>
             <a:xfrm>
-              <a:off x="4590905" y="3699571"/>
-              <a:ext cx="2743825" cy="2743825"/>
+              <a:off x="4590905" y="3978442"/>
+              <a:ext cx="2743825" cy="2464954"/>
             </a:xfrm>
             <a:prstGeom prst="rect">
               <a:avLst/>
@@ -16961,79 +17074,7 @@
             </p:cNvPicPr>
             <p:nvPr/>
           </p:nvPicPr>
-          <p:blipFill>
-            <a:blip r:embed="rId4">
-              <a:extLst>
-                <a:ext uri="{28A0092B-C50C-407E-A947-70E740481C1C}">
-                  <a14:useLocalDpi xmlns:a14="http://schemas.microsoft.com/office/drawing/2010/main" val="0"/>
-                </a:ext>
-              </a:extLst>
-            </a:blip>
-            <a:stretch>
-              <a:fillRect/>
-            </a:stretch>
-          </p:blipFill>
-          <p:spPr>
-            <a:xfrm>
-              <a:off x="2115639" y="3699570"/>
-              <a:ext cx="2743825" cy="2743825"/>
-            </a:xfrm>
-            <a:prstGeom prst="rect">
-              <a:avLst/>
-            </a:prstGeom>
-          </p:spPr>
-        </p:pic>
-        <p:pic>
-          <p:nvPicPr>
-            <p:cNvPr id="34" name="Picture 33">
-              <a:extLst>
-                <a:ext uri="{FF2B5EF4-FFF2-40B4-BE49-F238E27FC236}">
-                  <a16:creationId xmlns:a16="http://schemas.microsoft.com/office/drawing/2014/main" id="{45D6D687-F164-4EE2-9BD8-6A0247C33C58}"/>
-                </a:ext>
-              </a:extLst>
-            </p:cNvPr>
-            <p:cNvPicPr>
-              <a:picLocks noChangeAspect="1"/>
-            </p:cNvPicPr>
-            <p:nvPr/>
-          </p:nvPicPr>
-          <p:blipFill>
-            <a:blip r:embed="rId5">
-              <a:extLst>
-                <a:ext uri="{28A0092B-C50C-407E-A947-70E740481C1C}">
-                  <a14:useLocalDpi xmlns:a14="http://schemas.microsoft.com/office/drawing/2010/main" val="0"/>
-                </a:ext>
-              </a:extLst>
-            </a:blip>
-            <a:stretch>
-              <a:fillRect/>
-            </a:stretch>
-          </p:blipFill>
-          <p:spPr>
-            <a:xfrm>
-              <a:off x="7066169" y="955745"/>
-              <a:ext cx="2743825" cy="2743825"/>
-            </a:xfrm>
-            <a:prstGeom prst="rect">
-              <a:avLst/>
-            </a:prstGeom>
-          </p:spPr>
-        </p:pic>
-        <p:pic>
-          <p:nvPicPr>
-            <p:cNvPr id="36" name="Picture 35">
-              <a:extLst>
-                <a:ext uri="{FF2B5EF4-FFF2-40B4-BE49-F238E27FC236}">
-                  <a16:creationId xmlns:a16="http://schemas.microsoft.com/office/drawing/2014/main" id="{8211DED6-1CE3-4CD7-B775-98C448351BBE}"/>
-                </a:ext>
-              </a:extLst>
-            </p:cNvPr>
-            <p:cNvPicPr>
-              <a:picLocks noChangeAspect="1"/>
-            </p:cNvPicPr>
-            <p:nvPr/>
-          </p:nvPicPr>
-          <p:blipFill>
+          <p:blipFill rotWithShape="1">
             <a:blip r:embed="rId6">
               <a:extLst>
                 <a:ext uri="{28A0092B-C50C-407E-A947-70E740481C1C}">
@@ -17041,14 +17082,13 @@
                 </a:ext>
               </a:extLst>
             </a:blip>
-            <a:stretch>
-              <a:fillRect/>
-            </a:stretch>
+            <a:srcRect t="10164"/>
+            <a:stretch/>
           </p:blipFill>
           <p:spPr>
             <a:xfrm>
-              <a:off x="4590909" y="955747"/>
-              <a:ext cx="2743825" cy="2743825"/>
+              <a:off x="2115639" y="3978442"/>
+              <a:ext cx="2743825" cy="2464953"/>
             </a:xfrm>
             <a:prstGeom prst="rect">
               <a:avLst/>
@@ -17069,7 +17109,7 @@
             </p:cNvPicPr>
             <p:nvPr/>
           </p:nvPicPr>
-          <p:blipFill>
+          <p:blipFill rotWithShape="1">
             <a:blip r:embed="rId7">
               <a:extLst>
                 <a:ext uri="{28A0092B-C50C-407E-A947-70E740481C1C}">
@@ -17077,14 +17117,83 @@
                 </a:ext>
               </a:extLst>
             </a:blip>
-            <a:stretch>
-              <a:fillRect/>
-            </a:stretch>
+            <a:srcRect b="10885"/>
+            <a:stretch/>
           </p:blipFill>
           <p:spPr>
             <a:xfrm>
-              <a:off x="2115640" y="955746"/>
-              <a:ext cx="2743825" cy="2743825"/>
+              <a:off x="2115640" y="1453049"/>
+              <a:ext cx="2743825" cy="2445182"/>
+            </a:xfrm>
+            <a:prstGeom prst="rect">
+              <a:avLst/>
+            </a:prstGeom>
+          </p:spPr>
+        </p:pic>
+        <p:pic>
+          <p:nvPicPr>
+            <p:cNvPr id="11" name="Picture 10">
+              <a:extLst>
+                <a:ext uri="{FF2B5EF4-FFF2-40B4-BE49-F238E27FC236}">
+                  <a16:creationId xmlns:a16="http://schemas.microsoft.com/office/drawing/2014/main" id="{45D6D687-F164-4EE2-9BD8-6A0247C33C58}"/>
+                </a:ext>
+              </a:extLst>
+            </p:cNvPr>
+            <p:cNvPicPr>
+              <a:picLocks noChangeAspect="1"/>
+            </p:cNvPicPr>
+            <p:nvPr/>
+          </p:nvPicPr>
+          <p:blipFill rotWithShape="1">
+            <a:blip r:embed="rId2">
+              <a:extLst>
+                <a:ext uri="{28A0092B-C50C-407E-A947-70E740481C1C}">
+                  <a14:useLocalDpi xmlns:a14="http://schemas.microsoft.com/office/drawing/2010/main" val="0"/>
+                </a:ext>
+              </a:extLst>
+            </a:blip>
+            <a:srcRect b="10299"/>
+            <a:stretch/>
+          </p:blipFill>
+          <p:spPr>
+            <a:xfrm>
+              <a:off x="7066164" y="1453046"/>
+              <a:ext cx="2743825" cy="2461226"/>
+            </a:xfrm>
+            <a:prstGeom prst="rect">
+              <a:avLst/>
+            </a:prstGeom>
+          </p:spPr>
+        </p:pic>
+        <p:pic>
+          <p:nvPicPr>
+            <p:cNvPr id="12" name="Picture 11">
+              <a:extLst>
+                <a:ext uri="{FF2B5EF4-FFF2-40B4-BE49-F238E27FC236}">
+                  <a16:creationId xmlns:a16="http://schemas.microsoft.com/office/drawing/2014/main" id="{8211DED6-1CE3-4CD7-B775-98C448351BBE}"/>
+                </a:ext>
+              </a:extLst>
+            </p:cNvPr>
+            <p:cNvPicPr>
+              <a:picLocks noChangeAspect="1"/>
+            </p:cNvPicPr>
+            <p:nvPr/>
+          </p:nvPicPr>
+          <p:blipFill rotWithShape="1">
+            <a:blip r:embed="rId3">
+              <a:extLst>
+                <a:ext uri="{28A0092B-C50C-407E-A947-70E740481C1C}">
+                  <a14:useLocalDpi xmlns:a14="http://schemas.microsoft.com/office/drawing/2010/main" val="0"/>
+                </a:ext>
+              </a:extLst>
+            </a:blip>
+            <a:srcRect b="9715"/>
+            <a:stretch/>
+          </p:blipFill>
+          <p:spPr>
+            <a:xfrm>
+              <a:off x="4590904" y="1453048"/>
+              <a:ext cx="2743825" cy="2477266"/>
             </a:xfrm>
             <a:prstGeom prst="rect">
               <a:avLst/>

--- a/Compiled graphs.pptx
+++ b/Compiled graphs.pptx
@@ -6,10 +6,10 @@
     <p:sldMasterId id="2147483660" r:id="rId2"/>
   </p:sldMasterIdLst>
   <p:notesMasterIdLst>
-    <p:notesMasterId r:id="rId18"/>
+    <p:notesMasterId r:id="rId19"/>
   </p:notesMasterIdLst>
   <p:handoutMasterIdLst>
-    <p:handoutMasterId r:id="rId19"/>
+    <p:handoutMasterId r:id="rId20"/>
   </p:handoutMasterIdLst>
   <p:sldIdLst>
     <p:sldId id="257" r:id="rId3"/>
@@ -27,6 +27,7 @@
     <p:sldId id="272" r:id="rId15"/>
     <p:sldId id="275" r:id="rId16"/>
     <p:sldId id="276" r:id="rId17"/>
+    <p:sldId id="277" r:id="rId18"/>
   </p:sldIdLst>
   <p:sldSz cx="12192000" cy="6858000"/>
   <p:notesSz cx="6858000" cy="9144000"/>
@@ -398,7 +399,7 @@
           <a:p>
             <a:fld id="{D34097AA-F62E-482D-8D58-1B8F77A2395C}" type="datetimeFigureOut">
               <a:rPr lang="en-GB" smtClean="0"/>
-              <a:t>03/05/2018</a:t>
+              <a:t>10/05/2018</a:t>
             </a:fld>
             <a:endParaRPr lang="en-GB"/>
           </a:p>
@@ -575,7 +576,7 @@
           <a:p>
             <a:fld id="{1312CFC0-6A39-4A2C-AC24-6061EBE48B82}" type="datetimeFigureOut">
               <a:rPr lang="en-GB" smtClean="0"/>
-              <a:t>03/05/2018</a:t>
+              <a:t>10/05/2018</a:t>
             </a:fld>
             <a:endParaRPr lang="en-GB"/>
           </a:p>
@@ -992,7 +993,7 @@
           <a:p>
             <a:fld id="{F999EE6D-E52B-45B7-B943-4C650C77E21B}" type="datetimeFigureOut">
               <a:rPr lang="en-GB" smtClean="0"/>
-              <a:t>03/05/2018</a:t>
+              <a:t>10/05/2018</a:t>
             </a:fld>
             <a:endParaRPr lang="en-GB"/>
           </a:p>
@@ -1192,7 +1193,7 @@
           <a:p>
             <a:fld id="{F999EE6D-E52B-45B7-B943-4C650C77E21B}" type="datetimeFigureOut">
               <a:rPr lang="en-GB" smtClean="0"/>
-              <a:t>03/05/2018</a:t>
+              <a:t>10/05/2018</a:t>
             </a:fld>
             <a:endParaRPr lang="en-GB"/>
           </a:p>
@@ -1402,7 +1403,7 @@
           <a:p>
             <a:fld id="{F999EE6D-E52B-45B7-B943-4C650C77E21B}" type="datetimeFigureOut">
               <a:rPr lang="en-GB" smtClean="0"/>
-              <a:t>03/05/2018</a:t>
+              <a:t>10/05/2018</a:t>
             </a:fld>
             <a:endParaRPr lang="en-GB"/>
           </a:p>
@@ -1624,7 +1625,7 @@
           <a:p>
             <a:fld id="{9C24F874-02A1-48BF-AE54-4A07EBAF6EA2}" type="datetimeFigureOut">
               <a:rPr lang="en-GB" smtClean="0"/>
-              <a:t>03/05/2018</a:t>
+              <a:t>10/05/2018</a:t>
             </a:fld>
             <a:endParaRPr lang="en-GB"/>
           </a:p>
@@ -1824,7 +1825,7 @@
           <a:p>
             <a:fld id="{9C24F874-02A1-48BF-AE54-4A07EBAF6EA2}" type="datetimeFigureOut">
               <a:rPr lang="en-GB" smtClean="0"/>
-              <a:t>03/05/2018</a:t>
+              <a:t>10/05/2018</a:t>
             </a:fld>
             <a:endParaRPr lang="en-GB"/>
           </a:p>
@@ -2100,7 +2101,7 @@
           <a:p>
             <a:fld id="{9C24F874-02A1-48BF-AE54-4A07EBAF6EA2}" type="datetimeFigureOut">
               <a:rPr lang="en-GB" smtClean="0"/>
-              <a:t>03/05/2018</a:t>
+              <a:t>10/05/2018</a:t>
             </a:fld>
             <a:endParaRPr lang="en-GB"/>
           </a:p>
@@ -2368,7 +2369,7 @@
           <a:p>
             <a:fld id="{9C24F874-02A1-48BF-AE54-4A07EBAF6EA2}" type="datetimeFigureOut">
               <a:rPr lang="en-GB" smtClean="0"/>
-              <a:t>03/05/2018</a:t>
+              <a:t>10/05/2018</a:t>
             </a:fld>
             <a:endParaRPr lang="en-GB"/>
           </a:p>
@@ -2783,7 +2784,7 @@
           <a:p>
             <a:fld id="{9C24F874-02A1-48BF-AE54-4A07EBAF6EA2}" type="datetimeFigureOut">
               <a:rPr lang="en-GB" smtClean="0"/>
-              <a:t>03/05/2018</a:t>
+              <a:t>10/05/2018</a:t>
             </a:fld>
             <a:endParaRPr lang="en-GB"/>
           </a:p>
@@ -2925,7 +2926,7 @@
           <a:p>
             <a:fld id="{9C24F874-02A1-48BF-AE54-4A07EBAF6EA2}" type="datetimeFigureOut">
               <a:rPr lang="en-GB" smtClean="0"/>
-              <a:t>03/05/2018</a:t>
+              <a:t>10/05/2018</a:t>
             </a:fld>
             <a:endParaRPr lang="en-GB"/>
           </a:p>
@@ -3038,7 +3039,7 @@
           <a:p>
             <a:fld id="{9C24F874-02A1-48BF-AE54-4A07EBAF6EA2}" type="datetimeFigureOut">
               <a:rPr lang="en-GB" smtClean="0"/>
-              <a:t>03/05/2018</a:t>
+              <a:t>10/05/2018</a:t>
             </a:fld>
             <a:endParaRPr lang="en-GB"/>
           </a:p>
@@ -3351,7 +3352,7 @@
           <a:p>
             <a:fld id="{9C24F874-02A1-48BF-AE54-4A07EBAF6EA2}" type="datetimeFigureOut">
               <a:rPr lang="en-GB" smtClean="0"/>
-              <a:t>03/05/2018</a:t>
+              <a:t>10/05/2018</a:t>
             </a:fld>
             <a:endParaRPr lang="en-GB"/>
           </a:p>
@@ -3551,7 +3552,7 @@
           <a:p>
             <a:fld id="{F999EE6D-E52B-45B7-B943-4C650C77E21B}" type="datetimeFigureOut">
               <a:rPr lang="en-GB" smtClean="0"/>
-              <a:t>03/05/2018</a:t>
+              <a:t>10/05/2018</a:t>
             </a:fld>
             <a:endParaRPr lang="en-GB"/>
           </a:p>
@@ -3840,7 +3841,7 @@
           <a:p>
             <a:fld id="{9C24F874-02A1-48BF-AE54-4A07EBAF6EA2}" type="datetimeFigureOut">
               <a:rPr lang="en-GB" smtClean="0"/>
-              <a:t>03/05/2018</a:t>
+              <a:t>10/05/2018</a:t>
             </a:fld>
             <a:endParaRPr lang="en-GB"/>
           </a:p>
@@ -4040,7 +4041,7 @@
           <a:p>
             <a:fld id="{9C24F874-02A1-48BF-AE54-4A07EBAF6EA2}" type="datetimeFigureOut">
               <a:rPr lang="en-GB" smtClean="0"/>
-              <a:t>03/05/2018</a:t>
+              <a:t>10/05/2018</a:t>
             </a:fld>
             <a:endParaRPr lang="en-GB"/>
           </a:p>
@@ -4250,7 +4251,7 @@
           <a:p>
             <a:fld id="{9C24F874-02A1-48BF-AE54-4A07EBAF6EA2}" type="datetimeFigureOut">
               <a:rPr lang="en-GB" smtClean="0"/>
-              <a:t>03/05/2018</a:t>
+              <a:t>10/05/2018</a:t>
             </a:fld>
             <a:endParaRPr lang="en-GB"/>
           </a:p>
@@ -4526,7 +4527,7 @@
           <a:p>
             <a:fld id="{F999EE6D-E52B-45B7-B943-4C650C77E21B}" type="datetimeFigureOut">
               <a:rPr lang="en-GB" smtClean="0"/>
-              <a:t>03/05/2018</a:t>
+              <a:t>10/05/2018</a:t>
             </a:fld>
             <a:endParaRPr lang="en-GB"/>
           </a:p>
@@ -4794,7 +4795,7 @@
           <a:p>
             <a:fld id="{F999EE6D-E52B-45B7-B943-4C650C77E21B}" type="datetimeFigureOut">
               <a:rPr lang="en-GB" smtClean="0"/>
-              <a:t>03/05/2018</a:t>
+              <a:t>10/05/2018</a:t>
             </a:fld>
             <a:endParaRPr lang="en-GB"/>
           </a:p>
@@ -5209,7 +5210,7 @@
           <a:p>
             <a:fld id="{F999EE6D-E52B-45B7-B943-4C650C77E21B}" type="datetimeFigureOut">
               <a:rPr lang="en-GB" smtClean="0"/>
-              <a:t>03/05/2018</a:t>
+              <a:t>10/05/2018</a:t>
             </a:fld>
             <a:endParaRPr lang="en-GB"/>
           </a:p>
@@ -5351,7 +5352,7 @@
           <a:p>
             <a:fld id="{F999EE6D-E52B-45B7-B943-4C650C77E21B}" type="datetimeFigureOut">
               <a:rPr lang="en-GB" smtClean="0"/>
-              <a:t>03/05/2018</a:t>
+              <a:t>10/05/2018</a:t>
             </a:fld>
             <a:endParaRPr lang="en-GB"/>
           </a:p>
@@ -5464,7 +5465,7 @@
           <a:p>
             <a:fld id="{F999EE6D-E52B-45B7-B943-4C650C77E21B}" type="datetimeFigureOut">
               <a:rPr lang="en-GB" smtClean="0"/>
-              <a:t>03/05/2018</a:t>
+              <a:t>10/05/2018</a:t>
             </a:fld>
             <a:endParaRPr lang="en-GB"/>
           </a:p>
@@ -5777,7 +5778,7 @@
           <a:p>
             <a:fld id="{F999EE6D-E52B-45B7-B943-4C650C77E21B}" type="datetimeFigureOut">
               <a:rPr lang="en-GB" smtClean="0"/>
-              <a:t>03/05/2018</a:t>
+              <a:t>10/05/2018</a:t>
             </a:fld>
             <a:endParaRPr lang="en-GB"/>
           </a:p>
@@ -6066,7 +6067,7 @@
           <a:p>
             <a:fld id="{F999EE6D-E52B-45B7-B943-4C650C77E21B}" type="datetimeFigureOut">
               <a:rPr lang="en-GB" smtClean="0"/>
-              <a:t>03/05/2018</a:t>
+              <a:t>10/05/2018</a:t>
             </a:fld>
             <a:endParaRPr lang="en-GB"/>
           </a:p>
@@ -6309,7 +6310,7 @@
           <a:p>
             <a:fld id="{F999EE6D-E52B-45B7-B943-4C650C77E21B}" type="datetimeFigureOut">
               <a:rPr lang="en-GB" smtClean="0"/>
-              <a:t>03/05/2018</a:t>
+              <a:t>10/05/2018</a:t>
             </a:fld>
             <a:endParaRPr lang="en-GB"/>
           </a:p>
@@ -6879,7 +6880,7 @@
           <a:p>
             <a:fld id="{9C24F874-02A1-48BF-AE54-4A07EBAF6EA2}" type="datetimeFigureOut">
               <a:rPr lang="en-GB" smtClean="0"/>
-              <a:t>03/05/2018</a:t>
+              <a:t>10/05/2018</a:t>
             </a:fld>
             <a:endParaRPr lang="en-GB"/>
           </a:p>
@@ -15027,6 +15028,2833 @@
 </p:sld>
 </file>
 
+<file path=ppt/slides/slide16.xml><?xml version="1.0" encoding="utf-8"?>
+<p:sld xmlns:a="http://schemas.openxmlformats.org/drawingml/2006/main" xmlns:r="http://schemas.openxmlformats.org/officeDocument/2006/relationships" xmlns:p="http://schemas.openxmlformats.org/presentationml/2006/main">
+  <p:cSld>
+    <p:spTree>
+      <p:nvGrpSpPr>
+        <p:cNvPr id="1" name=""/>
+        <p:cNvGrpSpPr/>
+        <p:nvPr/>
+      </p:nvGrpSpPr>
+      <p:grpSpPr>
+        <a:xfrm>
+          <a:off x="0" y="0"/>
+          <a:ext cx="0" cy="0"/>
+          <a:chOff x="0" y="0"/>
+          <a:chExt cx="0" cy="0"/>
+        </a:xfrm>
+      </p:grpSpPr>
+      <p:sp>
+        <p:nvSpPr>
+          <p:cNvPr id="2" name="Rectangle 1"/>
+          <p:cNvSpPr/>
+          <p:nvPr/>
+        </p:nvSpPr>
+        <p:spPr>
+          <a:xfrm>
+            <a:off x="570368" y="2209047"/>
+            <a:ext cx="1086416" cy="1059254"/>
+          </a:xfrm>
+          <a:prstGeom prst="rect">
+            <a:avLst/>
+          </a:prstGeom>
+        </p:spPr>
+        <p:style>
+          <a:lnRef idx="2">
+            <a:schemeClr val="accent1">
+              <a:shade val="50000"/>
+            </a:schemeClr>
+          </a:lnRef>
+          <a:fillRef idx="1">
+            <a:schemeClr val="accent1"/>
+          </a:fillRef>
+          <a:effectRef idx="0">
+            <a:schemeClr val="accent1"/>
+          </a:effectRef>
+          <a:fontRef idx="minor">
+            <a:schemeClr val="lt1"/>
+          </a:fontRef>
+        </p:style>
+        <p:txBody>
+          <a:bodyPr rtlCol="0" anchor="ctr"/>
+          <a:lstStyle/>
+          <a:p>
+            <a:pPr algn="ctr"/>
+            <a:endParaRPr lang="en-GB"/>
+          </a:p>
+        </p:txBody>
+      </p:sp>
+      <p:grpSp>
+        <p:nvGrpSpPr>
+          <p:cNvPr id="21" name="Group 20"/>
+          <p:cNvGrpSpPr/>
+          <p:nvPr/>
+        </p:nvGrpSpPr>
+        <p:grpSpPr>
+          <a:xfrm>
+            <a:off x="2264879" y="2089012"/>
+            <a:ext cx="1415359" cy="1424412"/>
+            <a:chOff x="2263366" y="2018920"/>
+            <a:chExt cx="1415359" cy="1424412"/>
+          </a:xfrm>
+        </p:grpSpPr>
+        <p:sp>
+          <p:nvSpPr>
+            <p:cNvPr id="3" name="Rectangle 2"/>
+            <p:cNvSpPr/>
+            <p:nvPr/>
+          </p:nvSpPr>
+          <p:spPr>
+            <a:xfrm>
+              <a:off x="2263366" y="2018920"/>
+              <a:ext cx="805759" cy="814812"/>
+            </a:xfrm>
+            <a:prstGeom prst="rect">
+              <a:avLst/>
+            </a:prstGeom>
+            <a:solidFill>
+              <a:srgbClr val="FF0000"/>
+            </a:solidFill>
+          </p:spPr>
+          <p:style>
+            <a:lnRef idx="2">
+              <a:schemeClr val="accent1">
+                <a:shade val="50000"/>
+              </a:schemeClr>
+            </a:lnRef>
+            <a:fillRef idx="1">
+              <a:schemeClr val="accent1"/>
+            </a:fillRef>
+            <a:effectRef idx="0">
+              <a:schemeClr val="accent1"/>
+            </a:effectRef>
+            <a:fontRef idx="minor">
+              <a:schemeClr val="lt1"/>
+            </a:fontRef>
+          </p:style>
+          <p:txBody>
+            <a:bodyPr rtlCol="0" anchor="ctr"/>
+            <a:lstStyle/>
+            <a:p>
+              <a:pPr algn="ctr"/>
+              <a:endParaRPr lang="en-GB"/>
+            </a:p>
+          </p:txBody>
+        </p:sp>
+        <p:sp>
+          <p:nvSpPr>
+            <p:cNvPr id="4" name="Rectangle 3"/>
+            <p:cNvSpPr/>
+            <p:nvPr/>
+          </p:nvSpPr>
+          <p:spPr>
+            <a:xfrm>
+              <a:off x="2415766" y="2171320"/>
+              <a:ext cx="805759" cy="814812"/>
+            </a:xfrm>
+            <a:prstGeom prst="rect">
+              <a:avLst/>
+            </a:prstGeom>
+            <a:solidFill>
+              <a:srgbClr val="FF0000"/>
+            </a:solidFill>
+          </p:spPr>
+          <p:style>
+            <a:lnRef idx="2">
+              <a:schemeClr val="accent1">
+                <a:shade val="50000"/>
+              </a:schemeClr>
+            </a:lnRef>
+            <a:fillRef idx="1">
+              <a:schemeClr val="accent1"/>
+            </a:fillRef>
+            <a:effectRef idx="0">
+              <a:schemeClr val="accent1"/>
+            </a:effectRef>
+            <a:fontRef idx="minor">
+              <a:schemeClr val="lt1"/>
+            </a:fontRef>
+          </p:style>
+          <p:txBody>
+            <a:bodyPr rtlCol="0" anchor="ctr"/>
+            <a:lstStyle/>
+            <a:p>
+              <a:pPr algn="ctr"/>
+              <a:endParaRPr lang="en-GB"/>
+            </a:p>
+          </p:txBody>
+        </p:sp>
+        <p:sp>
+          <p:nvSpPr>
+            <p:cNvPr id="5" name="Rectangle 4"/>
+            <p:cNvSpPr/>
+            <p:nvPr/>
+          </p:nvSpPr>
+          <p:spPr>
+            <a:xfrm>
+              <a:off x="2568166" y="2323720"/>
+              <a:ext cx="805759" cy="814812"/>
+            </a:xfrm>
+            <a:prstGeom prst="rect">
+              <a:avLst/>
+            </a:prstGeom>
+            <a:solidFill>
+              <a:srgbClr val="FF0000"/>
+            </a:solidFill>
+          </p:spPr>
+          <p:style>
+            <a:lnRef idx="2">
+              <a:schemeClr val="accent1">
+                <a:shade val="50000"/>
+              </a:schemeClr>
+            </a:lnRef>
+            <a:fillRef idx="1">
+              <a:schemeClr val="accent1"/>
+            </a:fillRef>
+            <a:effectRef idx="0">
+              <a:schemeClr val="accent1"/>
+            </a:effectRef>
+            <a:fontRef idx="minor">
+              <a:schemeClr val="lt1"/>
+            </a:fontRef>
+          </p:style>
+          <p:txBody>
+            <a:bodyPr rtlCol="0" anchor="ctr"/>
+            <a:lstStyle/>
+            <a:p>
+              <a:pPr algn="ctr"/>
+              <a:endParaRPr lang="en-GB"/>
+            </a:p>
+          </p:txBody>
+        </p:sp>
+        <p:sp>
+          <p:nvSpPr>
+            <p:cNvPr id="6" name="Rectangle 5"/>
+            <p:cNvSpPr/>
+            <p:nvPr/>
+          </p:nvSpPr>
+          <p:spPr>
+            <a:xfrm>
+              <a:off x="2720566" y="2476120"/>
+              <a:ext cx="805759" cy="814812"/>
+            </a:xfrm>
+            <a:prstGeom prst="rect">
+              <a:avLst/>
+            </a:prstGeom>
+            <a:solidFill>
+              <a:srgbClr val="FF0000"/>
+            </a:solidFill>
+          </p:spPr>
+          <p:style>
+            <a:lnRef idx="2">
+              <a:schemeClr val="accent1">
+                <a:shade val="50000"/>
+              </a:schemeClr>
+            </a:lnRef>
+            <a:fillRef idx="1">
+              <a:schemeClr val="accent1"/>
+            </a:fillRef>
+            <a:effectRef idx="0">
+              <a:schemeClr val="accent1"/>
+            </a:effectRef>
+            <a:fontRef idx="minor">
+              <a:schemeClr val="lt1"/>
+            </a:fontRef>
+          </p:style>
+          <p:txBody>
+            <a:bodyPr rtlCol="0" anchor="ctr"/>
+            <a:lstStyle/>
+            <a:p>
+              <a:pPr algn="ctr"/>
+              <a:endParaRPr lang="en-GB"/>
+            </a:p>
+          </p:txBody>
+        </p:sp>
+        <p:sp>
+          <p:nvSpPr>
+            <p:cNvPr id="7" name="Rectangle 6"/>
+            <p:cNvSpPr/>
+            <p:nvPr/>
+          </p:nvSpPr>
+          <p:spPr>
+            <a:xfrm>
+              <a:off x="2872966" y="2628520"/>
+              <a:ext cx="805759" cy="814812"/>
+            </a:xfrm>
+            <a:prstGeom prst="rect">
+              <a:avLst/>
+            </a:prstGeom>
+            <a:solidFill>
+              <a:srgbClr val="FF0000"/>
+            </a:solidFill>
+          </p:spPr>
+          <p:style>
+            <a:lnRef idx="2">
+              <a:schemeClr val="accent1">
+                <a:shade val="50000"/>
+              </a:schemeClr>
+            </a:lnRef>
+            <a:fillRef idx="1">
+              <a:schemeClr val="accent1"/>
+            </a:fillRef>
+            <a:effectRef idx="0">
+              <a:schemeClr val="accent1"/>
+            </a:effectRef>
+            <a:fontRef idx="minor">
+              <a:schemeClr val="lt1"/>
+            </a:fontRef>
+          </p:style>
+          <p:txBody>
+            <a:bodyPr rtlCol="0" anchor="ctr"/>
+            <a:lstStyle/>
+            <a:p>
+              <a:pPr algn="ctr"/>
+              <a:endParaRPr lang="en-GB"/>
+            </a:p>
+          </p:txBody>
+        </p:sp>
+      </p:grpSp>
+      <p:grpSp>
+        <p:nvGrpSpPr>
+          <p:cNvPr id="20" name="Group 19"/>
+          <p:cNvGrpSpPr/>
+          <p:nvPr/>
+        </p:nvGrpSpPr>
+        <p:grpSpPr>
+          <a:xfrm>
+            <a:off x="3736087" y="2070149"/>
+            <a:ext cx="1412337" cy="1256925"/>
+            <a:chOff x="4642920" y="2171320"/>
+            <a:chExt cx="1412337" cy="1256925"/>
+          </a:xfrm>
+        </p:grpSpPr>
+        <p:grpSp>
+          <p:nvGrpSpPr>
+            <p:cNvPr id="13" name="Group 12"/>
+            <p:cNvGrpSpPr/>
+            <p:nvPr/>
+          </p:nvGrpSpPr>
+          <p:grpSpPr>
+            <a:xfrm>
+              <a:off x="4642920" y="2171320"/>
+              <a:ext cx="924962" cy="814812"/>
+              <a:chOff x="4642919" y="2171320"/>
+              <a:chExt cx="1415359" cy="1424412"/>
+            </a:xfrm>
+            <a:solidFill>
+              <a:srgbClr val="00B050"/>
+            </a:solidFill>
+          </p:grpSpPr>
+          <p:sp>
+            <p:nvSpPr>
+              <p:cNvPr id="8" name="Rectangle 7"/>
+              <p:cNvSpPr/>
+              <p:nvPr/>
+            </p:nvSpPr>
+            <p:spPr>
+              <a:xfrm>
+                <a:off x="4642919" y="2171320"/>
+                <a:ext cx="805759" cy="814812"/>
+              </a:xfrm>
+              <a:prstGeom prst="rect">
+                <a:avLst/>
+              </a:prstGeom>
+              <a:grpFill/>
+            </p:spPr>
+            <p:style>
+              <a:lnRef idx="2">
+                <a:schemeClr val="accent1">
+                  <a:shade val="50000"/>
+                </a:schemeClr>
+              </a:lnRef>
+              <a:fillRef idx="1">
+                <a:schemeClr val="accent1"/>
+              </a:fillRef>
+              <a:effectRef idx="0">
+                <a:schemeClr val="accent1"/>
+              </a:effectRef>
+              <a:fontRef idx="minor">
+                <a:schemeClr val="lt1"/>
+              </a:fontRef>
+            </p:style>
+            <p:txBody>
+              <a:bodyPr rtlCol="0" anchor="ctr"/>
+              <a:lstStyle/>
+              <a:p>
+                <a:pPr algn="ctr"/>
+                <a:endParaRPr lang="en-GB"/>
+              </a:p>
+            </p:txBody>
+          </p:sp>
+          <p:sp>
+            <p:nvSpPr>
+              <p:cNvPr id="9" name="Rectangle 8"/>
+              <p:cNvSpPr/>
+              <p:nvPr/>
+            </p:nvSpPr>
+            <p:spPr>
+              <a:xfrm>
+                <a:off x="4795319" y="2323720"/>
+                <a:ext cx="805759" cy="814812"/>
+              </a:xfrm>
+              <a:prstGeom prst="rect">
+                <a:avLst/>
+              </a:prstGeom>
+              <a:grpFill/>
+            </p:spPr>
+            <p:style>
+              <a:lnRef idx="2">
+                <a:schemeClr val="accent1">
+                  <a:shade val="50000"/>
+                </a:schemeClr>
+              </a:lnRef>
+              <a:fillRef idx="1">
+                <a:schemeClr val="accent1"/>
+              </a:fillRef>
+              <a:effectRef idx="0">
+                <a:schemeClr val="accent1"/>
+              </a:effectRef>
+              <a:fontRef idx="minor">
+                <a:schemeClr val="lt1"/>
+              </a:fontRef>
+            </p:style>
+            <p:txBody>
+              <a:bodyPr rtlCol="0" anchor="ctr"/>
+              <a:lstStyle/>
+              <a:p>
+                <a:pPr algn="ctr"/>
+                <a:endParaRPr lang="en-GB"/>
+              </a:p>
+            </p:txBody>
+          </p:sp>
+          <p:sp>
+            <p:nvSpPr>
+              <p:cNvPr id="10" name="Rectangle 9"/>
+              <p:cNvSpPr/>
+              <p:nvPr/>
+            </p:nvSpPr>
+            <p:spPr>
+              <a:xfrm>
+                <a:off x="4947719" y="2476120"/>
+                <a:ext cx="805759" cy="814812"/>
+              </a:xfrm>
+              <a:prstGeom prst="rect">
+                <a:avLst/>
+              </a:prstGeom>
+              <a:grpFill/>
+            </p:spPr>
+            <p:style>
+              <a:lnRef idx="2">
+                <a:schemeClr val="accent1">
+                  <a:shade val="50000"/>
+                </a:schemeClr>
+              </a:lnRef>
+              <a:fillRef idx="1">
+                <a:schemeClr val="accent1"/>
+              </a:fillRef>
+              <a:effectRef idx="0">
+                <a:schemeClr val="accent1"/>
+              </a:effectRef>
+              <a:fontRef idx="minor">
+                <a:schemeClr val="lt1"/>
+              </a:fontRef>
+            </p:style>
+            <p:txBody>
+              <a:bodyPr rtlCol="0" anchor="ctr"/>
+              <a:lstStyle/>
+              <a:p>
+                <a:pPr algn="ctr"/>
+                <a:endParaRPr lang="en-GB"/>
+              </a:p>
+            </p:txBody>
+          </p:sp>
+          <p:sp>
+            <p:nvSpPr>
+              <p:cNvPr id="11" name="Rectangle 10"/>
+              <p:cNvSpPr/>
+              <p:nvPr/>
+            </p:nvSpPr>
+            <p:spPr>
+              <a:xfrm>
+                <a:off x="5100119" y="2628520"/>
+                <a:ext cx="805759" cy="814812"/>
+              </a:xfrm>
+              <a:prstGeom prst="rect">
+                <a:avLst/>
+              </a:prstGeom>
+              <a:grpFill/>
+            </p:spPr>
+            <p:style>
+              <a:lnRef idx="2">
+                <a:schemeClr val="accent1">
+                  <a:shade val="50000"/>
+                </a:schemeClr>
+              </a:lnRef>
+              <a:fillRef idx="1">
+                <a:schemeClr val="accent1"/>
+              </a:fillRef>
+              <a:effectRef idx="0">
+                <a:schemeClr val="accent1"/>
+              </a:effectRef>
+              <a:fontRef idx="minor">
+                <a:schemeClr val="lt1"/>
+              </a:fontRef>
+            </p:style>
+            <p:txBody>
+              <a:bodyPr rtlCol="0" anchor="ctr"/>
+              <a:lstStyle/>
+              <a:p>
+                <a:pPr algn="ctr"/>
+                <a:endParaRPr lang="en-GB"/>
+              </a:p>
+            </p:txBody>
+          </p:sp>
+          <p:sp>
+            <p:nvSpPr>
+              <p:cNvPr id="12" name="Rectangle 11"/>
+              <p:cNvSpPr/>
+              <p:nvPr/>
+            </p:nvSpPr>
+            <p:spPr>
+              <a:xfrm>
+                <a:off x="5252519" y="2780920"/>
+                <a:ext cx="805759" cy="814812"/>
+              </a:xfrm>
+              <a:prstGeom prst="rect">
+                <a:avLst/>
+              </a:prstGeom>
+              <a:grpFill/>
+            </p:spPr>
+            <p:style>
+              <a:lnRef idx="2">
+                <a:schemeClr val="accent1">
+                  <a:shade val="50000"/>
+                </a:schemeClr>
+              </a:lnRef>
+              <a:fillRef idx="1">
+                <a:schemeClr val="accent1"/>
+              </a:fillRef>
+              <a:effectRef idx="0">
+                <a:schemeClr val="accent1"/>
+              </a:effectRef>
+              <a:fontRef idx="minor">
+                <a:schemeClr val="lt1"/>
+              </a:fontRef>
+            </p:style>
+            <p:txBody>
+              <a:bodyPr rtlCol="0" anchor="ctr"/>
+              <a:lstStyle/>
+              <a:p>
+                <a:pPr algn="ctr"/>
+                <a:endParaRPr lang="en-GB"/>
+              </a:p>
+            </p:txBody>
+          </p:sp>
+        </p:grpSp>
+        <p:grpSp>
+          <p:nvGrpSpPr>
+            <p:cNvPr id="14" name="Group 13"/>
+            <p:cNvGrpSpPr/>
+            <p:nvPr/>
+          </p:nvGrpSpPr>
+          <p:grpSpPr>
+            <a:xfrm>
+              <a:off x="5130295" y="2613433"/>
+              <a:ext cx="924962" cy="814812"/>
+              <a:chOff x="4642919" y="2171320"/>
+              <a:chExt cx="1415359" cy="1424412"/>
+            </a:xfrm>
+            <a:solidFill>
+              <a:srgbClr val="00B050"/>
+            </a:solidFill>
+          </p:grpSpPr>
+          <p:sp>
+            <p:nvSpPr>
+              <p:cNvPr id="15" name="Rectangle 14"/>
+              <p:cNvSpPr/>
+              <p:nvPr/>
+            </p:nvSpPr>
+            <p:spPr>
+              <a:xfrm>
+                <a:off x="4642919" y="2171320"/>
+                <a:ext cx="805759" cy="814812"/>
+              </a:xfrm>
+              <a:prstGeom prst="rect">
+                <a:avLst/>
+              </a:prstGeom>
+              <a:grpFill/>
+            </p:spPr>
+            <p:style>
+              <a:lnRef idx="2">
+                <a:schemeClr val="accent1">
+                  <a:shade val="50000"/>
+                </a:schemeClr>
+              </a:lnRef>
+              <a:fillRef idx="1">
+                <a:schemeClr val="accent1"/>
+              </a:fillRef>
+              <a:effectRef idx="0">
+                <a:schemeClr val="accent1"/>
+              </a:effectRef>
+              <a:fontRef idx="minor">
+                <a:schemeClr val="lt1"/>
+              </a:fontRef>
+            </p:style>
+            <p:txBody>
+              <a:bodyPr rtlCol="0" anchor="ctr"/>
+              <a:lstStyle/>
+              <a:p>
+                <a:pPr algn="ctr"/>
+                <a:endParaRPr lang="en-GB"/>
+              </a:p>
+            </p:txBody>
+          </p:sp>
+          <p:sp>
+            <p:nvSpPr>
+              <p:cNvPr id="16" name="Rectangle 15"/>
+              <p:cNvSpPr/>
+              <p:nvPr/>
+            </p:nvSpPr>
+            <p:spPr>
+              <a:xfrm>
+                <a:off x="4795319" y="2323720"/>
+                <a:ext cx="805759" cy="814812"/>
+              </a:xfrm>
+              <a:prstGeom prst="rect">
+                <a:avLst/>
+              </a:prstGeom>
+              <a:grpFill/>
+            </p:spPr>
+            <p:style>
+              <a:lnRef idx="2">
+                <a:schemeClr val="accent1">
+                  <a:shade val="50000"/>
+                </a:schemeClr>
+              </a:lnRef>
+              <a:fillRef idx="1">
+                <a:schemeClr val="accent1"/>
+              </a:fillRef>
+              <a:effectRef idx="0">
+                <a:schemeClr val="accent1"/>
+              </a:effectRef>
+              <a:fontRef idx="minor">
+                <a:schemeClr val="lt1"/>
+              </a:fontRef>
+            </p:style>
+            <p:txBody>
+              <a:bodyPr rtlCol="0" anchor="ctr"/>
+              <a:lstStyle/>
+              <a:p>
+                <a:pPr algn="ctr"/>
+                <a:endParaRPr lang="en-GB"/>
+              </a:p>
+            </p:txBody>
+          </p:sp>
+          <p:sp>
+            <p:nvSpPr>
+              <p:cNvPr id="17" name="Rectangle 16"/>
+              <p:cNvSpPr/>
+              <p:nvPr/>
+            </p:nvSpPr>
+            <p:spPr>
+              <a:xfrm>
+                <a:off x="4947719" y="2476120"/>
+                <a:ext cx="805759" cy="814812"/>
+              </a:xfrm>
+              <a:prstGeom prst="rect">
+                <a:avLst/>
+              </a:prstGeom>
+              <a:grpFill/>
+            </p:spPr>
+            <p:style>
+              <a:lnRef idx="2">
+                <a:schemeClr val="accent1">
+                  <a:shade val="50000"/>
+                </a:schemeClr>
+              </a:lnRef>
+              <a:fillRef idx="1">
+                <a:schemeClr val="accent1"/>
+              </a:fillRef>
+              <a:effectRef idx="0">
+                <a:schemeClr val="accent1"/>
+              </a:effectRef>
+              <a:fontRef idx="minor">
+                <a:schemeClr val="lt1"/>
+              </a:fontRef>
+            </p:style>
+            <p:txBody>
+              <a:bodyPr rtlCol="0" anchor="ctr"/>
+              <a:lstStyle/>
+              <a:p>
+                <a:pPr algn="ctr"/>
+                <a:endParaRPr lang="en-GB"/>
+              </a:p>
+            </p:txBody>
+          </p:sp>
+          <p:sp>
+            <p:nvSpPr>
+              <p:cNvPr id="18" name="Rectangle 17"/>
+              <p:cNvSpPr/>
+              <p:nvPr/>
+            </p:nvSpPr>
+            <p:spPr>
+              <a:xfrm>
+                <a:off x="5100119" y="2628520"/>
+                <a:ext cx="805759" cy="814812"/>
+              </a:xfrm>
+              <a:prstGeom prst="rect">
+                <a:avLst/>
+              </a:prstGeom>
+              <a:grpFill/>
+            </p:spPr>
+            <p:style>
+              <a:lnRef idx="2">
+                <a:schemeClr val="accent1">
+                  <a:shade val="50000"/>
+                </a:schemeClr>
+              </a:lnRef>
+              <a:fillRef idx="1">
+                <a:schemeClr val="accent1"/>
+              </a:fillRef>
+              <a:effectRef idx="0">
+                <a:schemeClr val="accent1"/>
+              </a:effectRef>
+              <a:fontRef idx="minor">
+                <a:schemeClr val="lt1"/>
+              </a:fontRef>
+            </p:style>
+            <p:txBody>
+              <a:bodyPr rtlCol="0" anchor="ctr"/>
+              <a:lstStyle/>
+              <a:p>
+                <a:pPr algn="ctr"/>
+                <a:endParaRPr lang="en-GB"/>
+              </a:p>
+            </p:txBody>
+          </p:sp>
+          <p:sp>
+            <p:nvSpPr>
+              <p:cNvPr id="19" name="Rectangle 18"/>
+              <p:cNvSpPr/>
+              <p:nvPr/>
+            </p:nvSpPr>
+            <p:spPr>
+              <a:xfrm>
+                <a:off x="5252519" y="2780920"/>
+                <a:ext cx="805759" cy="814812"/>
+              </a:xfrm>
+              <a:prstGeom prst="rect">
+                <a:avLst/>
+              </a:prstGeom>
+              <a:grpFill/>
+            </p:spPr>
+            <p:style>
+              <a:lnRef idx="2">
+                <a:schemeClr val="accent1">
+                  <a:shade val="50000"/>
+                </a:schemeClr>
+              </a:lnRef>
+              <a:fillRef idx="1">
+                <a:schemeClr val="accent1"/>
+              </a:fillRef>
+              <a:effectRef idx="0">
+                <a:schemeClr val="accent1"/>
+              </a:effectRef>
+              <a:fontRef idx="minor">
+                <a:schemeClr val="lt1"/>
+              </a:fontRef>
+            </p:style>
+            <p:txBody>
+              <a:bodyPr rtlCol="0" anchor="ctr"/>
+              <a:lstStyle/>
+              <a:p>
+                <a:pPr algn="ctr"/>
+                <a:endParaRPr lang="en-GB"/>
+              </a:p>
+            </p:txBody>
+          </p:sp>
+        </p:grpSp>
+      </p:grpSp>
+      <p:grpSp>
+        <p:nvGrpSpPr>
+          <p:cNvPr id="30" name="Group 29"/>
+          <p:cNvGrpSpPr/>
+          <p:nvPr/>
+        </p:nvGrpSpPr>
+        <p:grpSpPr>
+          <a:xfrm>
+            <a:off x="4782518" y="2191956"/>
+            <a:ext cx="1238816" cy="1211653"/>
+            <a:chOff x="5658416" y="1874067"/>
+            <a:chExt cx="1238816" cy="1211653"/>
+          </a:xfrm>
+        </p:grpSpPr>
+        <p:sp>
+          <p:nvSpPr>
+            <p:cNvPr id="22" name="Oval 21"/>
+            <p:cNvSpPr/>
+            <p:nvPr/>
+          </p:nvSpPr>
+          <p:spPr>
+            <a:xfrm>
+              <a:off x="5658416" y="1874067"/>
+              <a:ext cx="172016" cy="144853"/>
+            </a:xfrm>
+            <a:prstGeom prst="ellipse">
+              <a:avLst/>
+            </a:prstGeom>
+          </p:spPr>
+          <p:style>
+            <a:lnRef idx="2">
+              <a:schemeClr val="accent6">
+                <a:shade val="50000"/>
+              </a:schemeClr>
+            </a:lnRef>
+            <a:fillRef idx="1">
+              <a:schemeClr val="accent6"/>
+            </a:fillRef>
+            <a:effectRef idx="0">
+              <a:schemeClr val="accent6"/>
+            </a:effectRef>
+            <a:fontRef idx="minor">
+              <a:schemeClr val="lt1"/>
+            </a:fontRef>
+          </p:style>
+          <p:txBody>
+            <a:bodyPr rtlCol="0" anchor="ctr"/>
+            <a:lstStyle/>
+            <a:p>
+              <a:pPr algn="ctr"/>
+              <a:endParaRPr lang="en-GB"/>
+            </a:p>
+          </p:txBody>
+        </p:sp>
+        <p:sp>
+          <p:nvSpPr>
+            <p:cNvPr id="23" name="Oval 22"/>
+            <p:cNvSpPr/>
+            <p:nvPr/>
+          </p:nvSpPr>
+          <p:spPr>
+            <a:xfrm>
+              <a:off x="5810816" y="2026467"/>
+              <a:ext cx="172016" cy="144853"/>
+            </a:xfrm>
+            <a:prstGeom prst="ellipse">
+              <a:avLst/>
+            </a:prstGeom>
+          </p:spPr>
+          <p:style>
+            <a:lnRef idx="2">
+              <a:schemeClr val="accent6">
+                <a:shade val="50000"/>
+              </a:schemeClr>
+            </a:lnRef>
+            <a:fillRef idx="1">
+              <a:schemeClr val="accent6"/>
+            </a:fillRef>
+            <a:effectRef idx="0">
+              <a:schemeClr val="accent6"/>
+            </a:effectRef>
+            <a:fontRef idx="minor">
+              <a:schemeClr val="lt1"/>
+            </a:fontRef>
+          </p:style>
+          <p:txBody>
+            <a:bodyPr rtlCol="0" anchor="ctr"/>
+            <a:lstStyle/>
+            <a:p>
+              <a:pPr algn="ctr"/>
+              <a:endParaRPr lang="en-GB"/>
+            </a:p>
+          </p:txBody>
+        </p:sp>
+        <p:sp>
+          <p:nvSpPr>
+            <p:cNvPr id="24" name="Oval 23"/>
+            <p:cNvSpPr/>
+            <p:nvPr/>
+          </p:nvSpPr>
+          <p:spPr>
+            <a:xfrm>
+              <a:off x="5963216" y="2178867"/>
+              <a:ext cx="172016" cy="144853"/>
+            </a:xfrm>
+            <a:prstGeom prst="ellipse">
+              <a:avLst/>
+            </a:prstGeom>
+          </p:spPr>
+          <p:style>
+            <a:lnRef idx="2">
+              <a:schemeClr val="accent6">
+                <a:shade val="50000"/>
+              </a:schemeClr>
+            </a:lnRef>
+            <a:fillRef idx="1">
+              <a:schemeClr val="accent6"/>
+            </a:fillRef>
+            <a:effectRef idx="0">
+              <a:schemeClr val="accent6"/>
+            </a:effectRef>
+            <a:fontRef idx="minor">
+              <a:schemeClr val="lt1"/>
+            </a:fontRef>
+          </p:style>
+          <p:txBody>
+            <a:bodyPr rtlCol="0" anchor="ctr"/>
+            <a:lstStyle/>
+            <a:p>
+              <a:pPr algn="ctr"/>
+              <a:endParaRPr lang="en-GB"/>
+            </a:p>
+          </p:txBody>
+        </p:sp>
+        <p:sp>
+          <p:nvSpPr>
+            <p:cNvPr id="25" name="Oval 24"/>
+            <p:cNvSpPr/>
+            <p:nvPr/>
+          </p:nvSpPr>
+          <p:spPr>
+            <a:xfrm>
+              <a:off x="6115616" y="2331267"/>
+              <a:ext cx="172016" cy="144853"/>
+            </a:xfrm>
+            <a:prstGeom prst="ellipse">
+              <a:avLst/>
+            </a:prstGeom>
+          </p:spPr>
+          <p:style>
+            <a:lnRef idx="2">
+              <a:schemeClr val="accent6">
+                <a:shade val="50000"/>
+              </a:schemeClr>
+            </a:lnRef>
+            <a:fillRef idx="1">
+              <a:schemeClr val="accent6"/>
+            </a:fillRef>
+            <a:effectRef idx="0">
+              <a:schemeClr val="accent6"/>
+            </a:effectRef>
+            <a:fontRef idx="minor">
+              <a:schemeClr val="lt1"/>
+            </a:fontRef>
+          </p:style>
+          <p:txBody>
+            <a:bodyPr rtlCol="0" anchor="ctr"/>
+            <a:lstStyle/>
+            <a:p>
+              <a:pPr algn="ctr"/>
+              <a:endParaRPr lang="en-GB"/>
+            </a:p>
+          </p:txBody>
+        </p:sp>
+        <p:sp>
+          <p:nvSpPr>
+            <p:cNvPr id="26" name="Oval 25"/>
+            <p:cNvSpPr/>
+            <p:nvPr/>
+          </p:nvSpPr>
+          <p:spPr>
+            <a:xfrm>
+              <a:off x="6268016" y="2483667"/>
+              <a:ext cx="172016" cy="144853"/>
+            </a:xfrm>
+            <a:prstGeom prst="ellipse">
+              <a:avLst/>
+            </a:prstGeom>
+          </p:spPr>
+          <p:style>
+            <a:lnRef idx="2">
+              <a:schemeClr val="accent6">
+                <a:shade val="50000"/>
+              </a:schemeClr>
+            </a:lnRef>
+            <a:fillRef idx="1">
+              <a:schemeClr val="accent6"/>
+            </a:fillRef>
+            <a:effectRef idx="0">
+              <a:schemeClr val="accent6"/>
+            </a:effectRef>
+            <a:fontRef idx="minor">
+              <a:schemeClr val="lt1"/>
+            </a:fontRef>
+          </p:style>
+          <p:txBody>
+            <a:bodyPr rtlCol="0" anchor="ctr"/>
+            <a:lstStyle/>
+            <a:p>
+              <a:pPr algn="ctr"/>
+              <a:endParaRPr lang="en-GB"/>
+            </a:p>
+          </p:txBody>
+        </p:sp>
+        <p:sp>
+          <p:nvSpPr>
+            <p:cNvPr id="27" name="Oval 26"/>
+            <p:cNvSpPr/>
+            <p:nvPr/>
+          </p:nvSpPr>
+          <p:spPr>
+            <a:xfrm>
+              <a:off x="6420416" y="2636067"/>
+              <a:ext cx="172016" cy="144853"/>
+            </a:xfrm>
+            <a:prstGeom prst="ellipse">
+              <a:avLst/>
+            </a:prstGeom>
+          </p:spPr>
+          <p:style>
+            <a:lnRef idx="2">
+              <a:schemeClr val="accent6">
+                <a:shade val="50000"/>
+              </a:schemeClr>
+            </a:lnRef>
+            <a:fillRef idx="1">
+              <a:schemeClr val="accent6"/>
+            </a:fillRef>
+            <a:effectRef idx="0">
+              <a:schemeClr val="accent6"/>
+            </a:effectRef>
+            <a:fontRef idx="minor">
+              <a:schemeClr val="lt1"/>
+            </a:fontRef>
+          </p:style>
+          <p:txBody>
+            <a:bodyPr rtlCol="0" anchor="ctr"/>
+            <a:lstStyle/>
+            <a:p>
+              <a:pPr algn="ctr"/>
+              <a:endParaRPr lang="en-GB"/>
+            </a:p>
+          </p:txBody>
+        </p:sp>
+        <p:sp>
+          <p:nvSpPr>
+            <p:cNvPr id="28" name="Oval 27"/>
+            <p:cNvSpPr/>
+            <p:nvPr/>
+          </p:nvSpPr>
+          <p:spPr>
+            <a:xfrm>
+              <a:off x="6572816" y="2788467"/>
+              <a:ext cx="172016" cy="144853"/>
+            </a:xfrm>
+            <a:prstGeom prst="ellipse">
+              <a:avLst/>
+            </a:prstGeom>
+          </p:spPr>
+          <p:style>
+            <a:lnRef idx="2">
+              <a:schemeClr val="accent6">
+                <a:shade val="50000"/>
+              </a:schemeClr>
+            </a:lnRef>
+            <a:fillRef idx="1">
+              <a:schemeClr val="accent6"/>
+            </a:fillRef>
+            <a:effectRef idx="0">
+              <a:schemeClr val="accent6"/>
+            </a:effectRef>
+            <a:fontRef idx="minor">
+              <a:schemeClr val="lt1"/>
+            </a:fontRef>
+          </p:style>
+          <p:txBody>
+            <a:bodyPr rtlCol="0" anchor="ctr"/>
+            <a:lstStyle/>
+            <a:p>
+              <a:pPr algn="ctr"/>
+              <a:endParaRPr lang="en-GB"/>
+            </a:p>
+          </p:txBody>
+        </p:sp>
+        <p:sp>
+          <p:nvSpPr>
+            <p:cNvPr id="29" name="Oval 28"/>
+            <p:cNvSpPr/>
+            <p:nvPr/>
+          </p:nvSpPr>
+          <p:spPr>
+            <a:xfrm>
+              <a:off x="6725216" y="2940867"/>
+              <a:ext cx="172016" cy="144853"/>
+            </a:xfrm>
+            <a:prstGeom prst="ellipse">
+              <a:avLst/>
+            </a:prstGeom>
+          </p:spPr>
+          <p:style>
+            <a:lnRef idx="2">
+              <a:schemeClr val="accent6">
+                <a:shade val="50000"/>
+              </a:schemeClr>
+            </a:lnRef>
+            <a:fillRef idx="1">
+              <a:schemeClr val="accent6"/>
+            </a:fillRef>
+            <a:effectRef idx="0">
+              <a:schemeClr val="accent6"/>
+            </a:effectRef>
+            <a:fontRef idx="minor">
+              <a:schemeClr val="lt1"/>
+            </a:fontRef>
+          </p:style>
+          <p:txBody>
+            <a:bodyPr rtlCol="0" anchor="ctr"/>
+            <a:lstStyle/>
+            <a:p>
+              <a:pPr algn="ctr"/>
+              <a:endParaRPr lang="en-GB"/>
+            </a:p>
+          </p:txBody>
+        </p:sp>
+      </p:grpSp>
+      <p:grpSp>
+        <p:nvGrpSpPr>
+          <p:cNvPr id="49" name="Group 48"/>
+          <p:cNvGrpSpPr/>
+          <p:nvPr/>
+        </p:nvGrpSpPr>
+        <p:grpSpPr>
+          <a:xfrm>
+            <a:off x="4882114" y="1527182"/>
+            <a:ext cx="2492720" cy="2436260"/>
+            <a:chOff x="4701767" y="1308842"/>
+            <a:chExt cx="2492720" cy="2436260"/>
+          </a:xfrm>
+        </p:grpSpPr>
+        <p:grpSp>
+          <p:nvGrpSpPr>
+            <p:cNvPr id="31" name="Group 30"/>
+            <p:cNvGrpSpPr/>
+            <p:nvPr/>
+          </p:nvGrpSpPr>
+          <p:grpSpPr>
+            <a:xfrm>
+              <a:off x="5955671" y="2533449"/>
+              <a:ext cx="1238816" cy="1211653"/>
+              <a:chOff x="5658416" y="1874067"/>
+              <a:chExt cx="1238816" cy="1211653"/>
+            </a:xfrm>
+          </p:grpSpPr>
+          <p:sp>
+            <p:nvSpPr>
+              <p:cNvPr id="32" name="Oval 31"/>
+              <p:cNvSpPr/>
+              <p:nvPr/>
+            </p:nvSpPr>
+            <p:spPr>
+              <a:xfrm>
+                <a:off x="5658416" y="1874067"/>
+                <a:ext cx="172016" cy="144853"/>
+              </a:xfrm>
+              <a:prstGeom prst="ellipse">
+                <a:avLst/>
+              </a:prstGeom>
+            </p:spPr>
+            <p:style>
+              <a:lnRef idx="2">
+                <a:schemeClr val="accent4">
+                  <a:shade val="50000"/>
+                </a:schemeClr>
+              </a:lnRef>
+              <a:fillRef idx="1">
+                <a:schemeClr val="accent4"/>
+              </a:fillRef>
+              <a:effectRef idx="0">
+                <a:schemeClr val="accent4"/>
+              </a:effectRef>
+              <a:fontRef idx="minor">
+                <a:schemeClr val="lt1"/>
+              </a:fontRef>
+            </p:style>
+            <p:txBody>
+              <a:bodyPr rtlCol="0" anchor="ctr"/>
+              <a:lstStyle/>
+              <a:p>
+                <a:pPr algn="ctr"/>
+                <a:endParaRPr lang="en-GB"/>
+              </a:p>
+            </p:txBody>
+          </p:sp>
+          <p:sp>
+            <p:nvSpPr>
+              <p:cNvPr id="33" name="Oval 32"/>
+              <p:cNvSpPr/>
+              <p:nvPr/>
+            </p:nvSpPr>
+            <p:spPr>
+              <a:xfrm>
+                <a:off x="5810816" y="2026467"/>
+                <a:ext cx="172016" cy="144853"/>
+              </a:xfrm>
+              <a:prstGeom prst="ellipse">
+                <a:avLst/>
+              </a:prstGeom>
+            </p:spPr>
+            <p:style>
+              <a:lnRef idx="2">
+                <a:schemeClr val="accent4">
+                  <a:shade val="50000"/>
+                </a:schemeClr>
+              </a:lnRef>
+              <a:fillRef idx="1">
+                <a:schemeClr val="accent4"/>
+              </a:fillRef>
+              <a:effectRef idx="0">
+                <a:schemeClr val="accent4"/>
+              </a:effectRef>
+              <a:fontRef idx="minor">
+                <a:schemeClr val="lt1"/>
+              </a:fontRef>
+            </p:style>
+            <p:txBody>
+              <a:bodyPr rtlCol="0" anchor="ctr"/>
+              <a:lstStyle/>
+              <a:p>
+                <a:pPr algn="ctr"/>
+                <a:endParaRPr lang="en-GB"/>
+              </a:p>
+            </p:txBody>
+          </p:sp>
+          <p:sp>
+            <p:nvSpPr>
+              <p:cNvPr id="34" name="Oval 33"/>
+              <p:cNvSpPr/>
+              <p:nvPr/>
+            </p:nvSpPr>
+            <p:spPr>
+              <a:xfrm>
+                <a:off x="5963216" y="2178867"/>
+                <a:ext cx="172016" cy="144853"/>
+              </a:xfrm>
+              <a:prstGeom prst="ellipse">
+                <a:avLst/>
+              </a:prstGeom>
+            </p:spPr>
+            <p:style>
+              <a:lnRef idx="2">
+                <a:schemeClr val="accent4">
+                  <a:shade val="50000"/>
+                </a:schemeClr>
+              </a:lnRef>
+              <a:fillRef idx="1">
+                <a:schemeClr val="accent4"/>
+              </a:fillRef>
+              <a:effectRef idx="0">
+                <a:schemeClr val="accent4"/>
+              </a:effectRef>
+              <a:fontRef idx="minor">
+                <a:schemeClr val="lt1"/>
+              </a:fontRef>
+            </p:style>
+            <p:txBody>
+              <a:bodyPr rtlCol="0" anchor="ctr"/>
+              <a:lstStyle/>
+              <a:p>
+                <a:pPr algn="ctr"/>
+                <a:endParaRPr lang="en-GB"/>
+              </a:p>
+            </p:txBody>
+          </p:sp>
+          <p:sp>
+            <p:nvSpPr>
+              <p:cNvPr id="35" name="Oval 34"/>
+              <p:cNvSpPr/>
+              <p:nvPr/>
+            </p:nvSpPr>
+            <p:spPr>
+              <a:xfrm>
+                <a:off x="6115616" y="2331267"/>
+                <a:ext cx="172016" cy="144853"/>
+              </a:xfrm>
+              <a:prstGeom prst="ellipse">
+                <a:avLst/>
+              </a:prstGeom>
+            </p:spPr>
+            <p:style>
+              <a:lnRef idx="2">
+                <a:schemeClr val="accent4">
+                  <a:shade val="50000"/>
+                </a:schemeClr>
+              </a:lnRef>
+              <a:fillRef idx="1">
+                <a:schemeClr val="accent4"/>
+              </a:fillRef>
+              <a:effectRef idx="0">
+                <a:schemeClr val="accent4"/>
+              </a:effectRef>
+              <a:fontRef idx="minor">
+                <a:schemeClr val="lt1"/>
+              </a:fontRef>
+            </p:style>
+            <p:txBody>
+              <a:bodyPr rtlCol="0" anchor="ctr"/>
+              <a:lstStyle/>
+              <a:p>
+                <a:pPr algn="ctr"/>
+                <a:endParaRPr lang="en-GB"/>
+              </a:p>
+            </p:txBody>
+          </p:sp>
+          <p:sp>
+            <p:nvSpPr>
+              <p:cNvPr id="36" name="Oval 35"/>
+              <p:cNvSpPr/>
+              <p:nvPr/>
+            </p:nvSpPr>
+            <p:spPr>
+              <a:xfrm>
+                <a:off x="6268016" y="2483667"/>
+                <a:ext cx="172016" cy="144853"/>
+              </a:xfrm>
+              <a:prstGeom prst="ellipse">
+                <a:avLst/>
+              </a:prstGeom>
+            </p:spPr>
+            <p:style>
+              <a:lnRef idx="2">
+                <a:schemeClr val="accent4">
+                  <a:shade val="50000"/>
+                </a:schemeClr>
+              </a:lnRef>
+              <a:fillRef idx="1">
+                <a:schemeClr val="accent4"/>
+              </a:fillRef>
+              <a:effectRef idx="0">
+                <a:schemeClr val="accent4"/>
+              </a:effectRef>
+              <a:fontRef idx="minor">
+                <a:schemeClr val="lt1"/>
+              </a:fontRef>
+            </p:style>
+            <p:txBody>
+              <a:bodyPr rtlCol="0" anchor="ctr"/>
+              <a:lstStyle/>
+              <a:p>
+                <a:pPr algn="ctr"/>
+                <a:endParaRPr lang="en-GB"/>
+              </a:p>
+            </p:txBody>
+          </p:sp>
+          <p:sp>
+            <p:nvSpPr>
+              <p:cNvPr id="37" name="Oval 36"/>
+              <p:cNvSpPr/>
+              <p:nvPr/>
+            </p:nvSpPr>
+            <p:spPr>
+              <a:xfrm>
+                <a:off x="6420416" y="2636067"/>
+                <a:ext cx="172016" cy="144853"/>
+              </a:xfrm>
+              <a:prstGeom prst="ellipse">
+                <a:avLst/>
+              </a:prstGeom>
+            </p:spPr>
+            <p:style>
+              <a:lnRef idx="2">
+                <a:schemeClr val="accent4">
+                  <a:shade val="50000"/>
+                </a:schemeClr>
+              </a:lnRef>
+              <a:fillRef idx="1">
+                <a:schemeClr val="accent4"/>
+              </a:fillRef>
+              <a:effectRef idx="0">
+                <a:schemeClr val="accent4"/>
+              </a:effectRef>
+              <a:fontRef idx="minor">
+                <a:schemeClr val="lt1"/>
+              </a:fontRef>
+            </p:style>
+            <p:txBody>
+              <a:bodyPr rtlCol="0" anchor="ctr"/>
+              <a:lstStyle/>
+              <a:p>
+                <a:pPr algn="ctr"/>
+                <a:endParaRPr lang="en-GB"/>
+              </a:p>
+            </p:txBody>
+          </p:sp>
+          <p:sp>
+            <p:nvSpPr>
+              <p:cNvPr id="38" name="Oval 37"/>
+              <p:cNvSpPr/>
+              <p:nvPr/>
+            </p:nvSpPr>
+            <p:spPr>
+              <a:xfrm>
+                <a:off x="6572816" y="2788467"/>
+                <a:ext cx="172016" cy="144853"/>
+              </a:xfrm>
+              <a:prstGeom prst="ellipse">
+                <a:avLst/>
+              </a:prstGeom>
+            </p:spPr>
+            <p:style>
+              <a:lnRef idx="2">
+                <a:schemeClr val="accent4">
+                  <a:shade val="50000"/>
+                </a:schemeClr>
+              </a:lnRef>
+              <a:fillRef idx="1">
+                <a:schemeClr val="accent4"/>
+              </a:fillRef>
+              <a:effectRef idx="0">
+                <a:schemeClr val="accent4"/>
+              </a:effectRef>
+              <a:fontRef idx="minor">
+                <a:schemeClr val="lt1"/>
+              </a:fontRef>
+            </p:style>
+            <p:txBody>
+              <a:bodyPr rtlCol="0" anchor="ctr"/>
+              <a:lstStyle/>
+              <a:p>
+                <a:pPr algn="ctr"/>
+                <a:endParaRPr lang="en-GB"/>
+              </a:p>
+            </p:txBody>
+          </p:sp>
+          <p:sp>
+            <p:nvSpPr>
+              <p:cNvPr id="39" name="Oval 38"/>
+              <p:cNvSpPr/>
+              <p:nvPr/>
+            </p:nvSpPr>
+            <p:spPr>
+              <a:xfrm>
+                <a:off x="6725216" y="2940867"/>
+                <a:ext cx="172016" cy="144853"/>
+              </a:xfrm>
+              <a:prstGeom prst="ellipse">
+                <a:avLst/>
+              </a:prstGeom>
+            </p:spPr>
+            <p:style>
+              <a:lnRef idx="2">
+                <a:schemeClr val="accent4">
+                  <a:shade val="50000"/>
+                </a:schemeClr>
+              </a:lnRef>
+              <a:fillRef idx="1">
+                <a:schemeClr val="accent4"/>
+              </a:fillRef>
+              <a:effectRef idx="0">
+                <a:schemeClr val="accent4"/>
+              </a:effectRef>
+              <a:fontRef idx="minor">
+                <a:schemeClr val="lt1"/>
+              </a:fontRef>
+            </p:style>
+            <p:txBody>
+              <a:bodyPr rtlCol="0" anchor="ctr"/>
+              <a:lstStyle/>
+              <a:p>
+                <a:pPr algn="ctr"/>
+                <a:endParaRPr lang="en-GB"/>
+              </a:p>
+            </p:txBody>
+          </p:sp>
+        </p:grpSp>
+        <p:grpSp>
+          <p:nvGrpSpPr>
+            <p:cNvPr id="40" name="Group 39"/>
+            <p:cNvGrpSpPr/>
+            <p:nvPr/>
+          </p:nvGrpSpPr>
+          <p:grpSpPr>
+            <a:xfrm>
+              <a:off x="4701767" y="1308842"/>
+              <a:ext cx="1238816" cy="1211653"/>
+              <a:chOff x="5658416" y="1874067"/>
+              <a:chExt cx="1238816" cy="1211653"/>
+            </a:xfrm>
+          </p:grpSpPr>
+          <p:sp>
+            <p:nvSpPr>
+              <p:cNvPr id="41" name="Oval 40"/>
+              <p:cNvSpPr/>
+              <p:nvPr/>
+            </p:nvSpPr>
+            <p:spPr>
+              <a:xfrm>
+                <a:off x="5658416" y="1874067"/>
+                <a:ext cx="172016" cy="144853"/>
+              </a:xfrm>
+              <a:prstGeom prst="ellipse">
+                <a:avLst/>
+              </a:prstGeom>
+            </p:spPr>
+            <p:style>
+              <a:lnRef idx="2">
+                <a:schemeClr val="accent4">
+                  <a:shade val="50000"/>
+                </a:schemeClr>
+              </a:lnRef>
+              <a:fillRef idx="1">
+                <a:schemeClr val="accent4"/>
+              </a:fillRef>
+              <a:effectRef idx="0">
+                <a:schemeClr val="accent4"/>
+              </a:effectRef>
+              <a:fontRef idx="minor">
+                <a:schemeClr val="lt1"/>
+              </a:fontRef>
+            </p:style>
+            <p:txBody>
+              <a:bodyPr rtlCol="0" anchor="ctr"/>
+              <a:lstStyle/>
+              <a:p>
+                <a:pPr algn="ctr"/>
+                <a:endParaRPr lang="en-GB"/>
+              </a:p>
+            </p:txBody>
+          </p:sp>
+          <p:sp>
+            <p:nvSpPr>
+              <p:cNvPr id="42" name="Oval 41"/>
+              <p:cNvSpPr/>
+              <p:nvPr/>
+            </p:nvSpPr>
+            <p:spPr>
+              <a:xfrm>
+                <a:off x="5810816" y="2026467"/>
+                <a:ext cx="172016" cy="144853"/>
+              </a:xfrm>
+              <a:prstGeom prst="ellipse">
+                <a:avLst/>
+              </a:prstGeom>
+            </p:spPr>
+            <p:style>
+              <a:lnRef idx="2">
+                <a:schemeClr val="accent4">
+                  <a:shade val="50000"/>
+                </a:schemeClr>
+              </a:lnRef>
+              <a:fillRef idx="1">
+                <a:schemeClr val="accent4"/>
+              </a:fillRef>
+              <a:effectRef idx="0">
+                <a:schemeClr val="accent4"/>
+              </a:effectRef>
+              <a:fontRef idx="minor">
+                <a:schemeClr val="lt1"/>
+              </a:fontRef>
+            </p:style>
+            <p:txBody>
+              <a:bodyPr rtlCol="0" anchor="ctr"/>
+              <a:lstStyle/>
+              <a:p>
+                <a:pPr algn="ctr"/>
+                <a:endParaRPr lang="en-GB"/>
+              </a:p>
+            </p:txBody>
+          </p:sp>
+          <p:sp>
+            <p:nvSpPr>
+              <p:cNvPr id="43" name="Oval 42"/>
+              <p:cNvSpPr/>
+              <p:nvPr/>
+            </p:nvSpPr>
+            <p:spPr>
+              <a:xfrm>
+                <a:off x="5963216" y="2178867"/>
+                <a:ext cx="172016" cy="144853"/>
+              </a:xfrm>
+              <a:prstGeom prst="ellipse">
+                <a:avLst/>
+              </a:prstGeom>
+            </p:spPr>
+            <p:style>
+              <a:lnRef idx="2">
+                <a:schemeClr val="accent4">
+                  <a:shade val="50000"/>
+                </a:schemeClr>
+              </a:lnRef>
+              <a:fillRef idx="1">
+                <a:schemeClr val="accent4"/>
+              </a:fillRef>
+              <a:effectRef idx="0">
+                <a:schemeClr val="accent4"/>
+              </a:effectRef>
+              <a:fontRef idx="minor">
+                <a:schemeClr val="lt1"/>
+              </a:fontRef>
+            </p:style>
+            <p:txBody>
+              <a:bodyPr rtlCol="0" anchor="ctr"/>
+              <a:lstStyle/>
+              <a:p>
+                <a:pPr algn="ctr"/>
+                <a:endParaRPr lang="en-GB"/>
+              </a:p>
+            </p:txBody>
+          </p:sp>
+          <p:sp>
+            <p:nvSpPr>
+              <p:cNvPr id="44" name="Oval 43"/>
+              <p:cNvSpPr/>
+              <p:nvPr/>
+            </p:nvSpPr>
+            <p:spPr>
+              <a:xfrm>
+                <a:off x="6115616" y="2331267"/>
+                <a:ext cx="172016" cy="144853"/>
+              </a:xfrm>
+              <a:prstGeom prst="ellipse">
+                <a:avLst/>
+              </a:prstGeom>
+            </p:spPr>
+            <p:style>
+              <a:lnRef idx="2">
+                <a:schemeClr val="accent4">
+                  <a:shade val="50000"/>
+                </a:schemeClr>
+              </a:lnRef>
+              <a:fillRef idx="1">
+                <a:schemeClr val="accent4"/>
+              </a:fillRef>
+              <a:effectRef idx="0">
+                <a:schemeClr val="accent4"/>
+              </a:effectRef>
+              <a:fontRef idx="minor">
+                <a:schemeClr val="lt1"/>
+              </a:fontRef>
+            </p:style>
+            <p:txBody>
+              <a:bodyPr rtlCol="0" anchor="ctr"/>
+              <a:lstStyle/>
+              <a:p>
+                <a:pPr algn="ctr"/>
+                <a:endParaRPr lang="en-GB"/>
+              </a:p>
+            </p:txBody>
+          </p:sp>
+          <p:sp>
+            <p:nvSpPr>
+              <p:cNvPr id="45" name="Oval 44"/>
+              <p:cNvSpPr/>
+              <p:nvPr/>
+            </p:nvSpPr>
+            <p:spPr>
+              <a:xfrm>
+                <a:off x="6268016" y="2483667"/>
+                <a:ext cx="172016" cy="144853"/>
+              </a:xfrm>
+              <a:prstGeom prst="ellipse">
+                <a:avLst/>
+              </a:prstGeom>
+            </p:spPr>
+            <p:style>
+              <a:lnRef idx="2">
+                <a:schemeClr val="accent4">
+                  <a:shade val="50000"/>
+                </a:schemeClr>
+              </a:lnRef>
+              <a:fillRef idx="1">
+                <a:schemeClr val="accent4"/>
+              </a:fillRef>
+              <a:effectRef idx="0">
+                <a:schemeClr val="accent4"/>
+              </a:effectRef>
+              <a:fontRef idx="minor">
+                <a:schemeClr val="lt1"/>
+              </a:fontRef>
+            </p:style>
+            <p:txBody>
+              <a:bodyPr rtlCol="0" anchor="ctr"/>
+              <a:lstStyle/>
+              <a:p>
+                <a:pPr algn="ctr"/>
+                <a:endParaRPr lang="en-GB"/>
+              </a:p>
+            </p:txBody>
+          </p:sp>
+          <p:sp>
+            <p:nvSpPr>
+              <p:cNvPr id="46" name="Oval 45"/>
+              <p:cNvSpPr/>
+              <p:nvPr/>
+            </p:nvSpPr>
+            <p:spPr>
+              <a:xfrm>
+                <a:off x="6420416" y="2636067"/>
+                <a:ext cx="172016" cy="144853"/>
+              </a:xfrm>
+              <a:prstGeom prst="ellipse">
+                <a:avLst/>
+              </a:prstGeom>
+            </p:spPr>
+            <p:style>
+              <a:lnRef idx="2">
+                <a:schemeClr val="accent4">
+                  <a:shade val="50000"/>
+                </a:schemeClr>
+              </a:lnRef>
+              <a:fillRef idx="1">
+                <a:schemeClr val="accent4"/>
+              </a:fillRef>
+              <a:effectRef idx="0">
+                <a:schemeClr val="accent4"/>
+              </a:effectRef>
+              <a:fontRef idx="minor">
+                <a:schemeClr val="lt1"/>
+              </a:fontRef>
+            </p:style>
+            <p:txBody>
+              <a:bodyPr rtlCol="0" anchor="ctr"/>
+              <a:lstStyle/>
+              <a:p>
+                <a:pPr algn="ctr"/>
+                <a:endParaRPr lang="en-GB"/>
+              </a:p>
+            </p:txBody>
+          </p:sp>
+          <p:sp>
+            <p:nvSpPr>
+              <p:cNvPr id="47" name="Oval 46"/>
+              <p:cNvSpPr/>
+              <p:nvPr/>
+            </p:nvSpPr>
+            <p:spPr>
+              <a:xfrm>
+                <a:off x="6572816" y="2788467"/>
+                <a:ext cx="172016" cy="144853"/>
+              </a:xfrm>
+              <a:prstGeom prst="ellipse">
+                <a:avLst/>
+              </a:prstGeom>
+            </p:spPr>
+            <p:style>
+              <a:lnRef idx="2">
+                <a:schemeClr val="accent4">
+                  <a:shade val="50000"/>
+                </a:schemeClr>
+              </a:lnRef>
+              <a:fillRef idx="1">
+                <a:schemeClr val="accent4"/>
+              </a:fillRef>
+              <a:effectRef idx="0">
+                <a:schemeClr val="accent4"/>
+              </a:effectRef>
+              <a:fontRef idx="minor">
+                <a:schemeClr val="lt1"/>
+              </a:fontRef>
+            </p:style>
+            <p:txBody>
+              <a:bodyPr rtlCol="0" anchor="ctr"/>
+              <a:lstStyle/>
+              <a:p>
+                <a:pPr algn="ctr"/>
+                <a:endParaRPr lang="en-GB"/>
+              </a:p>
+            </p:txBody>
+          </p:sp>
+          <p:sp>
+            <p:nvSpPr>
+              <p:cNvPr id="48" name="Oval 47"/>
+              <p:cNvSpPr/>
+              <p:nvPr/>
+            </p:nvSpPr>
+            <p:spPr>
+              <a:xfrm>
+                <a:off x="6725216" y="2940867"/>
+                <a:ext cx="172016" cy="144853"/>
+              </a:xfrm>
+              <a:prstGeom prst="ellipse">
+                <a:avLst/>
+              </a:prstGeom>
+            </p:spPr>
+            <p:style>
+              <a:lnRef idx="2">
+                <a:schemeClr val="accent4">
+                  <a:shade val="50000"/>
+                </a:schemeClr>
+              </a:lnRef>
+              <a:fillRef idx="1">
+                <a:schemeClr val="accent4"/>
+              </a:fillRef>
+              <a:effectRef idx="0">
+                <a:schemeClr val="accent4"/>
+              </a:effectRef>
+              <a:fontRef idx="minor">
+                <a:schemeClr val="lt1"/>
+              </a:fontRef>
+            </p:style>
+            <p:txBody>
+              <a:bodyPr rtlCol="0" anchor="ctr"/>
+              <a:lstStyle/>
+              <a:p>
+                <a:pPr algn="ctr"/>
+                <a:endParaRPr lang="en-GB"/>
+              </a:p>
+            </p:txBody>
+          </p:sp>
+        </p:grpSp>
+      </p:grpSp>
+      <p:grpSp>
+        <p:nvGrpSpPr>
+          <p:cNvPr id="59" name="Group 58"/>
+          <p:cNvGrpSpPr/>
+          <p:nvPr/>
+        </p:nvGrpSpPr>
+        <p:grpSpPr>
+          <a:xfrm>
+            <a:off x="6573602" y="2285408"/>
+            <a:ext cx="629216" cy="602053"/>
+            <a:chOff x="7078376" y="2738835"/>
+            <a:chExt cx="629216" cy="602053"/>
+          </a:xfrm>
+        </p:grpSpPr>
+        <p:sp>
+          <p:nvSpPr>
+            <p:cNvPr id="55" name="Oval 54"/>
+            <p:cNvSpPr/>
+            <p:nvPr/>
+          </p:nvSpPr>
+          <p:spPr>
+            <a:xfrm>
+              <a:off x="7078376" y="2738835"/>
+              <a:ext cx="172016" cy="144853"/>
+            </a:xfrm>
+            <a:prstGeom prst="ellipse">
+              <a:avLst/>
+            </a:prstGeom>
+          </p:spPr>
+          <p:style>
+            <a:lnRef idx="2">
+              <a:schemeClr val="accent2">
+                <a:shade val="50000"/>
+              </a:schemeClr>
+            </a:lnRef>
+            <a:fillRef idx="1">
+              <a:schemeClr val="accent2"/>
+            </a:fillRef>
+            <a:effectRef idx="0">
+              <a:schemeClr val="accent2"/>
+            </a:effectRef>
+            <a:fontRef idx="minor">
+              <a:schemeClr val="lt1"/>
+            </a:fontRef>
+          </p:style>
+          <p:txBody>
+            <a:bodyPr rtlCol="0" anchor="ctr"/>
+            <a:lstStyle/>
+            <a:p>
+              <a:pPr algn="ctr"/>
+              <a:endParaRPr lang="en-GB"/>
+            </a:p>
+          </p:txBody>
+        </p:sp>
+        <p:sp>
+          <p:nvSpPr>
+            <p:cNvPr id="56" name="Oval 55"/>
+            <p:cNvSpPr/>
+            <p:nvPr/>
+          </p:nvSpPr>
+          <p:spPr>
+            <a:xfrm>
+              <a:off x="7230776" y="2891235"/>
+              <a:ext cx="172016" cy="144853"/>
+            </a:xfrm>
+            <a:prstGeom prst="ellipse">
+              <a:avLst/>
+            </a:prstGeom>
+          </p:spPr>
+          <p:style>
+            <a:lnRef idx="2">
+              <a:schemeClr val="accent2">
+                <a:shade val="50000"/>
+              </a:schemeClr>
+            </a:lnRef>
+            <a:fillRef idx="1">
+              <a:schemeClr val="accent2"/>
+            </a:fillRef>
+            <a:effectRef idx="0">
+              <a:schemeClr val="accent2"/>
+            </a:effectRef>
+            <a:fontRef idx="minor">
+              <a:schemeClr val="lt1"/>
+            </a:fontRef>
+          </p:style>
+          <p:txBody>
+            <a:bodyPr rtlCol="0" anchor="ctr"/>
+            <a:lstStyle/>
+            <a:p>
+              <a:pPr algn="ctr"/>
+              <a:endParaRPr lang="en-GB"/>
+            </a:p>
+          </p:txBody>
+        </p:sp>
+        <p:sp>
+          <p:nvSpPr>
+            <p:cNvPr id="57" name="Oval 56"/>
+            <p:cNvSpPr/>
+            <p:nvPr/>
+          </p:nvSpPr>
+          <p:spPr>
+            <a:xfrm>
+              <a:off x="7383176" y="3043635"/>
+              <a:ext cx="172016" cy="144853"/>
+            </a:xfrm>
+            <a:prstGeom prst="ellipse">
+              <a:avLst/>
+            </a:prstGeom>
+          </p:spPr>
+          <p:style>
+            <a:lnRef idx="2">
+              <a:schemeClr val="accent2">
+                <a:shade val="50000"/>
+              </a:schemeClr>
+            </a:lnRef>
+            <a:fillRef idx="1">
+              <a:schemeClr val="accent2"/>
+            </a:fillRef>
+            <a:effectRef idx="0">
+              <a:schemeClr val="accent2"/>
+            </a:effectRef>
+            <a:fontRef idx="minor">
+              <a:schemeClr val="lt1"/>
+            </a:fontRef>
+          </p:style>
+          <p:txBody>
+            <a:bodyPr rtlCol="0" anchor="ctr"/>
+            <a:lstStyle/>
+            <a:p>
+              <a:pPr algn="ctr"/>
+              <a:endParaRPr lang="en-GB"/>
+            </a:p>
+          </p:txBody>
+        </p:sp>
+        <p:sp>
+          <p:nvSpPr>
+            <p:cNvPr id="58" name="Oval 57"/>
+            <p:cNvSpPr/>
+            <p:nvPr/>
+          </p:nvSpPr>
+          <p:spPr>
+            <a:xfrm>
+              <a:off x="7535576" y="3196035"/>
+              <a:ext cx="172016" cy="144853"/>
+            </a:xfrm>
+            <a:prstGeom prst="ellipse">
+              <a:avLst/>
+            </a:prstGeom>
+          </p:spPr>
+          <p:style>
+            <a:lnRef idx="2">
+              <a:schemeClr val="accent2">
+                <a:shade val="50000"/>
+              </a:schemeClr>
+            </a:lnRef>
+            <a:fillRef idx="1">
+              <a:schemeClr val="accent2"/>
+            </a:fillRef>
+            <a:effectRef idx="0">
+              <a:schemeClr val="accent2"/>
+            </a:effectRef>
+            <a:fontRef idx="minor">
+              <a:schemeClr val="lt1"/>
+            </a:fontRef>
+          </p:style>
+          <p:txBody>
+            <a:bodyPr rtlCol="0" anchor="ctr"/>
+            <a:lstStyle/>
+            <a:p>
+              <a:pPr algn="ctr"/>
+              <a:endParaRPr lang="en-GB"/>
+            </a:p>
+          </p:txBody>
+        </p:sp>
+      </p:grpSp>
+      <p:sp>
+        <p:nvSpPr>
+          <p:cNvPr id="69" name="TextBox 68"/>
+          <p:cNvSpPr txBox="1"/>
+          <p:nvPr/>
+        </p:nvSpPr>
+        <p:spPr>
+          <a:xfrm>
+            <a:off x="4920580" y="3891015"/>
+            <a:ext cx="2029492" cy="369332"/>
+          </a:xfrm>
+          <a:prstGeom prst="rect">
+            <a:avLst/>
+          </a:prstGeom>
+          <a:noFill/>
+        </p:spPr>
+        <p:txBody>
+          <a:bodyPr wrap="square" rtlCol="0">
+            <a:spAutoFit/>
+          </a:bodyPr>
+          <a:lstStyle/>
+          <a:p>
+            <a:r>
+              <a:rPr lang="en-GB" dirty="0" smtClean="0"/>
+              <a:t>Bottleneck layer</a:t>
+            </a:r>
+            <a:endParaRPr lang="en-GB" dirty="0"/>
+          </a:p>
+        </p:txBody>
+      </p:sp>
+      <p:cxnSp>
+        <p:nvCxnSpPr>
+          <p:cNvPr id="71" name="Straight Arrow Connector 70"/>
+          <p:cNvCxnSpPr>
+            <a:stCxn id="69" idx="0"/>
+            <a:endCxn id="36" idx="3"/>
+          </p:cNvCxnSpPr>
+          <p:nvPr/>
+        </p:nvCxnSpPr>
+        <p:spPr>
+          <a:xfrm flipV="1">
+            <a:off x="5935326" y="3485029"/>
+            <a:ext cx="835483" cy="405986"/>
+          </a:xfrm>
+          <a:prstGeom prst="straightConnector1">
+            <a:avLst/>
+          </a:prstGeom>
+          <a:ln>
+            <a:tailEnd type="triangle"/>
+          </a:ln>
+        </p:spPr>
+        <p:style>
+          <a:lnRef idx="1">
+            <a:schemeClr val="accent1"/>
+          </a:lnRef>
+          <a:fillRef idx="0">
+            <a:schemeClr val="accent1"/>
+          </a:fillRef>
+          <a:effectRef idx="0">
+            <a:schemeClr val="accent1"/>
+          </a:effectRef>
+          <a:fontRef idx="minor">
+            <a:schemeClr val="tx1"/>
+          </a:fontRef>
+        </p:style>
+      </p:cxnSp>
+      <p:grpSp>
+        <p:nvGrpSpPr>
+          <p:cNvPr id="99" name="Group 98"/>
+          <p:cNvGrpSpPr/>
+          <p:nvPr/>
+        </p:nvGrpSpPr>
+        <p:grpSpPr>
+          <a:xfrm>
+            <a:off x="1113574" y="4260348"/>
+            <a:ext cx="126751" cy="2185014"/>
+            <a:chOff x="1113574" y="4751560"/>
+            <a:chExt cx="90537" cy="1693801"/>
+          </a:xfrm>
+        </p:grpSpPr>
+        <p:grpSp>
+          <p:nvGrpSpPr>
+            <p:cNvPr id="85" name="Group 84"/>
+            <p:cNvGrpSpPr/>
+            <p:nvPr/>
+          </p:nvGrpSpPr>
+          <p:grpSpPr>
+            <a:xfrm>
+              <a:off x="1113575" y="4751560"/>
+              <a:ext cx="90536" cy="832935"/>
+              <a:chOff x="1113575" y="4751560"/>
+              <a:chExt cx="90536" cy="832935"/>
+            </a:xfrm>
+          </p:grpSpPr>
+          <p:grpSp>
+            <p:nvGrpSpPr>
+              <p:cNvPr id="78" name="Group 77"/>
+              <p:cNvGrpSpPr/>
+              <p:nvPr/>
+            </p:nvGrpSpPr>
+            <p:grpSpPr>
+              <a:xfrm>
+                <a:off x="1113575" y="4751560"/>
+                <a:ext cx="90536" cy="404395"/>
+                <a:chOff x="1113575" y="4751560"/>
+                <a:chExt cx="90536" cy="404395"/>
+              </a:xfrm>
+            </p:grpSpPr>
+            <p:sp>
+              <p:nvSpPr>
+                <p:cNvPr id="73" name="Oval 72"/>
+                <p:cNvSpPr/>
+                <p:nvPr/>
+              </p:nvSpPr>
+              <p:spPr>
+                <a:xfrm>
+                  <a:off x="1113576" y="4751560"/>
+                  <a:ext cx="90535" cy="82990"/>
+                </a:xfrm>
+                <a:prstGeom prst="ellipse">
+                  <a:avLst/>
+                </a:prstGeom>
+              </p:spPr>
+              <p:style>
+                <a:lnRef idx="2">
+                  <a:schemeClr val="accent4">
+                    <a:shade val="50000"/>
+                  </a:schemeClr>
+                </a:lnRef>
+                <a:fillRef idx="1">
+                  <a:schemeClr val="accent4"/>
+                </a:fillRef>
+                <a:effectRef idx="0">
+                  <a:schemeClr val="accent4"/>
+                </a:effectRef>
+                <a:fontRef idx="minor">
+                  <a:schemeClr val="lt1"/>
+                </a:fontRef>
+              </p:style>
+              <p:txBody>
+                <a:bodyPr rtlCol="0" anchor="ctr"/>
+                <a:lstStyle/>
+                <a:p>
+                  <a:pPr algn="ctr"/>
+                  <a:endParaRPr lang="en-GB"/>
+                </a:p>
+              </p:txBody>
+            </p:sp>
+            <p:sp>
+              <p:nvSpPr>
+                <p:cNvPr id="74" name="Oval 73"/>
+                <p:cNvSpPr/>
+                <p:nvPr/>
+              </p:nvSpPr>
+              <p:spPr>
+                <a:xfrm>
+                  <a:off x="1113576" y="4858695"/>
+                  <a:ext cx="90535" cy="82990"/>
+                </a:xfrm>
+                <a:prstGeom prst="ellipse">
+                  <a:avLst/>
+                </a:prstGeom>
+              </p:spPr>
+              <p:style>
+                <a:lnRef idx="2">
+                  <a:schemeClr val="accent4">
+                    <a:shade val="50000"/>
+                  </a:schemeClr>
+                </a:lnRef>
+                <a:fillRef idx="1">
+                  <a:schemeClr val="accent4"/>
+                </a:fillRef>
+                <a:effectRef idx="0">
+                  <a:schemeClr val="accent4"/>
+                </a:effectRef>
+                <a:fontRef idx="minor">
+                  <a:schemeClr val="lt1"/>
+                </a:fontRef>
+              </p:style>
+              <p:txBody>
+                <a:bodyPr rtlCol="0" anchor="ctr"/>
+                <a:lstStyle/>
+                <a:p>
+                  <a:pPr algn="ctr"/>
+                  <a:endParaRPr lang="en-GB"/>
+                </a:p>
+              </p:txBody>
+            </p:sp>
+            <p:grpSp>
+              <p:nvGrpSpPr>
+                <p:cNvPr id="77" name="Group 76"/>
+                <p:cNvGrpSpPr/>
+                <p:nvPr/>
+              </p:nvGrpSpPr>
+              <p:grpSpPr>
+                <a:xfrm>
+                  <a:off x="1113575" y="4965830"/>
+                  <a:ext cx="90535" cy="190125"/>
+                  <a:chOff x="1093963" y="5112187"/>
+                  <a:chExt cx="90535" cy="190125"/>
+                </a:xfrm>
+              </p:grpSpPr>
+              <p:sp>
+                <p:nvSpPr>
+                  <p:cNvPr id="75" name="Oval 74"/>
+                  <p:cNvSpPr/>
+                  <p:nvPr/>
+                </p:nvSpPr>
+                <p:spPr>
+                  <a:xfrm>
+                    <a:off x="1093963" y="5112187"/>
+                    <a:ext cx="90535" cy="82990"/>
+                  </a:xfrm>
+                  <a:prstGeom prst="ellipse">
+                    <a:avLst/>
+                  </a:prstGeom>
+                </p:spPr>
+                <p:style>
+                  <a:lnRef idx="2">
+                    <a:schemeClr val="accent4">
+                      <a:shade val="50000"/>
+                    </a:schemeClr>
+                  </a:lnRef>
+                  <a:fillRef idx="1">
+                    <a:schemeClr val="accent4"/>
+                  </a:fillRef>
+                  <a:effectRef idx="0">
+                    <a:schemeClr val="accent4"/>
+                  </a:effectRef>
+                  <a:fontRef idx="minor">
+                    <a:schemeClr val="lt1"/>
+                  </a:fontRef>
+                </p:style>
+                <p:txBody>
+                  <a:bodyPr rtlCol="0" anchor="ctr"/>
+                  <a:lstStyle/>
+                  <a:p>
+                    <a:pPr algn="ctr"/>
+                    <a:endParaRPr lang="en-GB"/>
+                  </a:p>
+                </p:txBody>
+              </p:sp>
+              <p:sp>
+                <p:nvSpPr>
+                  <p:cNvPr id="76" name="Oval 75"/>
+                  <p:cNvSpPr/>
+                  <p:nvPr/>
+                </p:nvSpPr>
+                <p:spPr>
+                  <a:xfrm>
+                    <a:off x="1093963" y="5219322"/>
+                    <a:ext cx="90535" cy="82990"/>
+                  </a:xfrm>
+                  <a:prstGeom prst="ellipse">
+                    <a:avLst/>
+                  </a:prstGeom>
+                </p:spPr>
+                <p:style>
+                  <a:lnRef idx="2">
+                    <a:schemeClr val="accent4">
+                      <a:shade val="50000"/>
+                    </a:schemeClr>
+                  </a:lnRef>
+                  <a:fillRef idx="1">
+                    <a:schemeClr val="accent4"/>
+                  </a:fillRef>
+                  <a:effectRef idx="0">
+                    <a:schemeClr val="accent4"/>
+                  </a:effectRef>
+                  <a:fontRef idx="minor">
+                    <a:schemeClr val="lt1"/>
+                  </a:fontRef>
+                </p:style>
+                <p:txBody>
+                  <a:bodyPr rtlCol="0" anchor="ctr"/>
+                  <a:lstStyle/>
+                  <a:p>
+                    <a:pPr algn="ctr"/>
+                    <a:endParaRPr lang="en-GB"/>
+                  </a:p>
+                </p:txBody>
+              </p:sp>
+            </p:grpSp>
+          </p:grpSp>
+          <p:grpSp>
+            <p:nvGrpSpPr>
+              <p:cNvPr id="79" name="Group 78"/>
+              <p:cNvGrpSpPr/>
+              <p:nvPr/>
+            </p:nvGrpSpPr>
+            <p:grpSpPr>
+              <a:xfrm>
+                <a:off x="1113575" y="5180100"/>
+                <a:ext cx="90536" cy="404395"/>
+                <a:chOff x="1113575" y="4751560"/>
+                <a:chExt cx="90536" cy="404395"/>
+              </a:xfrm>
+            </p:grpSpPr>
+            <p:sp>
+              <p:nvSpPr>
+                <p:cNvPr id="80" name="Oval 79"/>
+                <p:cNvSpPr/>
+                <p:nvPr/>
+              </p:nvSpPr>
+              <p:spPr>
+                <a:xfrm>
+                  <a:off x="1113576" y="4751560"/>
+                  <a:ext cx="90535" cy="82990"/>
+                </a:xfrm>
+                <a:prstGeom prst="ellipse">
+                  <a:avLst/>
+                </a:prstGeom>
+              </p:spPr>
+              <p:style>
+                <a:lnRef idx="2">
+                  <a:schemeClr val="accent4">
+                    <a:shade val="50000"/>
+                  </a:schemeClr>
+                </a:lnRef>
+                <a:fillRef idx="1">
+                  <a:schemeClr val="accent4"/>
+                </a:fillRef>
+                <a:effectRef idx="0">
+                  <a:schemeClr val="accent4"/>
+                </a:effectRef>
+                <a:fontRef idx="minor">
+                  <a:schemeClr val="lt1"/>
+                </a:fontRef>
+              </p:style>
+              <p:txBody>
+                <a:bodyPr rtlCol="0" anchor="ctr"/>
+                <a:lstStyle/>
+                <a:p>
+                  <a:pPr algn="ctr"/>
+                  <a:endParaRPr lang="en-GB"/>
+                </a:p>
+              </p:txBody>
+            </p:sp>
+            <p:sp>
+              <p:nvSpPr>
+                <p:cNvPr id="81" name="Oval 80"/>
+                <p:cNvSpPr/>
+                <p:nvPr/>
+              </p:nvSpPr>
+              <p:spPr>
+                <a:xfrm>
+                  <a:off x="1113576" y="4858695"/>
+                  <a:ext cx="90535" cy="82990"/>
+                </a:xfrm>
+                <a:prstGeom prst="ellipse">
+                  <a:avLst/>
+                </a:prstGeom>
+              </p:spPr>
+              <p:style>
+                <a:lnRef idx="2">
+                  <a:schemeClr val="accent4">
+                    <a:shade val="50000"/>
+                  </a:schemeClr>
+                </a:lnRef>
+                <a:fillRef idx="1">
+                  <a:schemeClr val="accent4"/>
+                </a:fillRef>
+                <a:effectRef idx="0">
+                  <a:schemeClr val="accent4"/>
+                </a:effectRef>
+                <a:fontRef idx="minor">
+                  <a:schemeClr val="lt1"/>
+                </a:fontRef>
+              </p:style>
+              <p:txBody>
+                <a:bodyPr rtlCol="0" anchor="ctr"/>
+                <a:lstStyle/>
+                <a:p>
+                  <a:pPr algn="ctr"/>
+                  <a:endParaRPr lang="en-GB"/>
+                </a:p>
+              </p:txBody>
+            </p:sp>
+            <p:grpSp>
+              <p:nvGrpSpPr>
+                <p:cNvPr id="82" name="Group 81"/>
+                <p:cNvGrpSpPr/>
+                <p:nvPr/>
+              </p:nvGrpSpPr>
+              <p:grpSpPr>
+                <a:xfrm>
+                  <a:off x="1113575" y="4965830"/>
+                  <a:ext cx="90535" cy="190125"/>
+                  <a:chOff x="1093963" y="5112187"/>
+                  <a:chExt cx="90535" cy="190125"/>
+                </a:xfrm>
+              </p:grpSpPr>
+              <p:sp>
+                <p:nvSpPr>
+                  <p:cNvPr id="83" name="Oval 82"/>
+                  <p:cNvSpPr/>
+                  <p:nvPr/>
+                </p:nvSpPr>
+                <p:spPr>
+                  <a:xfrm>
+                    <a:off x="1093963" y="5112187"/>
+                    <a:ext cx="90535" cy="82990"/>
+                  </a:xfrm>
+                  <a:prstGeom prst="ellipse">
+                    <a:avLst/>
+                  </a:prstGeom>
+                </p:spPr>
+                <p:style>
+                  <a:lnRef idx="2">
+                    <a:schemeClr val="accent4">
+                      <a:shade val="50000"/>
+                    </a:schemeClr>
+                  </a:lnRef>
+                  <a:fillRef idx="1">
+                    <a:schemeClr val="accent4"/>
+                  </a:fillRef>
+                  <a:effectRef idx="0">
+                    <a:schemeClr val="accent4"/>
+                  </a:effectRef>
+                  <a:fontRef idx="minor">
+                    <a:schemeClr val="lt1"/>
+                  </a:fontRef>
+                </p:style>
+                <p:txBody>
+                  <a:bodyPr rtlCol="0" anchor="ctr"/>
+                  <a:lstStyle/>
+                  <a:p>
+                    <a:pPr algn="ctr"/>
+                    <a:endParaRPr lang="en-GB"/>
+                  </a:p>
+                </p:txBody>
+              </p:sp>
+              <p:sp>
+                <p:nvSpPr>
+                  <p:cNvPr id="84" name="Oval 83"/>
+                  <p:cNvSpPr/>
+                  <p:nvPr/>
+                </p:nvSpPr>
+                <p:spPr>
+                  <a:xfrm>
+                    <a:off x="1093963" y="5219322"/>
+                    <a:ext cx="90535" cy="82990"/>
+                  </a:xfrm>
+                  <a:prstGeom prst="ellipse">
+                    <a:avLst/>
+                  </a:prstGeom>
+                </p:spPr>
+                <p:style>
+                  <a:lnRef idx="2">
+                    <a:schemeClr val="accent4">
+                      <a:shade val="50000"/>
+                    </a:schemeClr>
+                  </a:lnRef>
+                  <a:fillRef idx="1">
+                    <a:schemeClr val="accent4"/>
+                  </a:fillRef>
+                  <a:effectRef idx="0">
+                    <a:schemeClr val="accent4"/>
+                  </a:effectRef>
+                  <a:fontRef idx="minor">
+                    <a:schemeClr val="lt1"/>
+                  </a:fontRef>
+                </p:style>
+                <p:txBody>
+                  <a:bodyPr rtlCol="0" anchor="ctr"/>
+                  <a:lstStyle/>
+                  <a:p>
+                    <a:pPr algn="ctr"/>
+                    <a:endParaRPr lang="en-GB"/>
+                  </a:p>
+                </p:txBody>
+              </p:sp>
+            </p:grpSp>
+          </p:grpSp>
+        </p:grpSp>
+        <p:grpSp>
+          <p:nvGrpSpPr>
+            <p:cNvPr id="86" name="Group 85"/>
+            <p:cNvGrpSpPr/>
+            <p:nvPr/>
+          </p:nvGrpSpPr>
+          <p:grpSpPr>
+            <a:xfrm>
+              <a:off x="1113574" y="5612426"/>
+              <a:ext cx="90536" cy="832935"/>
+              <a:chOff x="1113575" y="4751560"/>
+              <a:chExt cx="90536" cy="832935"/>
+            </a:xfrm>
+          </p:grpSpPr>
+          <p:grpSp>
+            <p:nvGrpSpPr>
+              <p:cNvPr id="87" name="Group 86"/>
+              <p:cNvGrpSpPr/>
+              <p:nvPr/>
+            </p:nvGrpSpPr>
+            <p:grpSpPr>
+              <a:xfrm>
+                <a:off x="1113575" y="4751560"/>
+                <a:ext cx="90536" cy="404395"/>
+                <a:chOff x="1113575" y="4751560"/>
+                <a:chExt cx="90536" cy="404395"/>
+              </a:xfrm>
+            </p:grpSpPr>
+            <p:sp>
+              <p:nvSpPr>
+                <p:cNvPr id="94" name="Oval 93"/>
+                <p:cNvSpPr/>
+                <p:nvPr/>
+              </p:nvSpPr>
+              <p:spPr>
+                <a:xfrm>
+                  <a:off x="1113576" y="4751560"/>
+                  <a:ext cx="90535" cy="82990"/>
+                </a:xfrm>
+                <a:prstGeom prst="ellipse">
+                  <a:avLst/>
+                </a:prstGeom>
+              </p:spPr>
+              <p:style>
+                <a:lnRef idx="2">
+                  <a:schemeClr val="accent4">
+                    <a:shade val="50000"/>
+                  </a:schemeClr>
+                </a:lnRef>
+                <a:fillRef idx="1">
+                  <a:schemeClr val="accent4"/>
+                </a:fillRef>
+                <a:effectRef idx="0">
+                  <a:schemeClr val="accent4"/>
+                </a:effectRef>
+                <a:fontRef idx="minor">
+                  <a:schemeClr val="lt1"/>
+                </a:fontRef>
+              </p:style>
+              <p:txBody>
+                <a:bodyPr rtlCol="0" anchor="ctr"/>
+                <a:lstStyle/>
+                <a:p>
+                  <a:pPr algn="ctr"/>
+                  <a:endParaRPr lang="en-GB"/>
+                </a:p>
+              </p:txBody>
+            </p:sp>
+            <p:sp>
+              <p:nvSpPr>
+                <p:cNvPr id="95" name="Oval 94"/>
+                <p:cNvSpPr/>
+                <p:nvPr/>
+              </p:nvSpPr>
+              <p:spPr>
+                <a:xfrm>
+                  <a:off x="1113576" y="4858695"/>
+                  <a:ext cx="90535" cy="82990"/>
+                </a:xfrm>
+                <a:prstGeom prst="ellipse">
+                  <a:avLst/>
+                </a:prstGeom>
+              </p:spPr>
+              <p:style>
+                <a:lnRef idx="2">
+                  <a:schemeClr val="accent4">
+                    <a:shade val="50000"/>
+                  </a:schemeClr>
+                </a:lnRef>
+                <a:fillRef idx="1">
+                  <a:schemeClr val="accent4"/>
+                </a:fillRef>
+                <a:effectRef idx="0">
+                  <a:schemeClr val="accent4"/>
+                </a:effectRef>
+                <a:fontRef idx="minor">
+                  <a:schemeClr val="lt1"/>
+                </a:fontRef>
+              </p:style>
+              <p:txBody>
+                <a:bodyPr rtlCol="0" anchor="ctr"/>
+                <a:lstStyle/>
+                <a:p>
+                  <a:pPr algn="ctr"/>
+                  <a:endParaRPr lang="en-GB"/>
+                </a:p>
+              </p:txBody>
+            </p:sp>
+            <p:grpSp>
+              <p:nvGrpSpPr>
+                <p:cNvPr id="96" name="Group 95"/>
+                <p:cNvGrpSpPr/>
+                <p:nvPr/>
+              </p:nvGrpSpPr>
+              <p:grpSpPr>
+                <a:xfrm>
+                  <a:off x="1113575" y="4965830"/>
+                  <a:ext cx="90535" cy="190125"/>
+                  <a:chOff x="1093963" y="5112187"/>
+                  <a:chExt cx="90535" cy="190125"/>
+                </a:xfrm>
+              </p:grpSpPr>
+              <p:sp>
+                <p:nvSpPr>
+                  <p:cNvPr id="97" name="Oval 96"/>
+                  <p:cNvSpPr/>
+                  <p:nvPr/>
+                </p:nvSpPr>
+                <p:spPr>
+                  <a:xfrm>
+                    <a:off x="1093963" y="5112187"/>
+                    <a:ext cx="90535" cy="82990"/>
+                  </a:xfrm>
+                  <a:prstGeom prst="ellipse">
+                    <a:avLst/>
+                  </a:prstGeom>
+                </p:spPr>
+                <p:style>
+                  <a:lnRef idx="2">
+                    <a:schemeClr val="accent4">
+                      <a:shade val="50000"/>
+                    </a:schemeClr>
+                  </a:lnRef>
+                  <a:fillRef idx="1">
+                    <a:schemeClr val="accent4"/>
+                  </a:fillRef>
+                  <a:effectRef idx="0">
+                    <a:schemeClr val="accent4"/>
+                  </a:effectRef>
+                  <a:fontRef idx="minor">
+                    <a:schemeClr val="lt1"/>
+                  </a:fontRef>
+                </p:style>
+                <p:txBody>
+                  <a:bodyPr rtlCol="0" anchor="ctr"/>
+                  <a:lstStyle/>
+                  <a:p>
+                    <a:pPr algn="ctr"/>
+                    <a:endParaRPr lang="en-GB"/>
+                  </a:p>
+                </p:txBody>
+              </p:sp>
+              <p:sp>
+                <p:nvSpPr>
+                  <p:cNvPr id="98" name="Oval 97"/>
+                  <p:cNvSpPr/>
+                  <p:nvPr/>
+                </p:nvSpPr>
+                <p:spPr>
+                  <a:xfrm>
+                    <a:off x="1093963" y="5219322"/>
+                    <a:ext cx="90535" cy="82990"/>
+                  </a:xfrm>
+                  <a:prstGeom prst="ellipse">
+                    <a:avLst/>
+                  </a:prstGeom>
+                </p:spPr>
+                <p:style>
+                  <a:lnRef idx="2">
+                    <a:schemeClr val="accent4">
+                      <a:shade val="50000"/>
+                    </a:schemeClr>
+                  </a:lnRef>
+                  <a:fillRef idx="1">
+                    <a:schemeClr val="accent4"/>
+                  </a:fillRef>
+                  <a:effectRef idx="0">
+                    <a:schemeClr val="accent4"/>
+                  </a:effectRef>
+                  <a:fontRef idx="minor">
+                    <a:schemeClr val="lt1"/>
+                  </a:fontRef>
+                </p:style>
+                <p:txBody>
+                  <a:bodyPr rtlCol="0" anchor="ctr"/>
+                  <a:lstStyle/>
+                  <a:p>
+                    <a:pPr algn="ctr"/>
+                    <a:endParaRPr lang="en-GB"/>
+                  </a:p>
+                </p:txBody>
+              </p:sp>
+            </p:grpSp>
+          </p:grpSp>
+          <p:grpSp>
+            <p:nvGrpSpPr>
+              <p:cNvPr id="88" name="Group 87"/>
+              <p:cNvGrpSpPr/>
+              <p:nvPr/>
+            </p:nvGrpSpPr>
+            <p:grpSpPr>
+              <a:xfrm>
+                <a:off x="1113575" y="5180100"/>
+                <a:ext cx="90536" cy="404395"/>
+                <a:chOff x="1113575" y="4751560"/>
+                <a:chExt cx="90536" cy="404395"/>
+              </a:xfrm>
+            </p:grpSpPr>
+            <p:sp>
+              <p:nvSpPr>
+                <p:cNvPr id="89" name="Oval 88"/>
+                <p:cNvSpPr/>
+                <p:nvPr/>
+              </p:nvSpPr>
+              <p:spPr>
+                <a:xfrm>
+                  <a:off x="1113576" y="4751560"/>
+                  <a:ext cx="90535" cy="82990"/>
+                </a:xfrm>
+                <a:prstGeom prst="ellipse">
+                  <a:avLst/>
+                </a:prstGeom>
+              </p:spPr>
+              <p:style>
+                <a:lnRef idx="2">
+                  <a:schemeClr val="accent4">
+                    <a:shade val="50000"/>
+                  </a:schemeClr>
+                </a:lnRef>
+                <a:fillRef idx="1">
+                  <a:schemeClr val="accent4"/>
+                </a:fillRef>
+                <a:effectRef idx="0">
+                  <a:schemeClr val="accent4"/>
+                </a:effectRef>
+                <a:fontRef idx="minor">
+                  <a:schemeClr val="lt1"/>
+                </a:fontRef>
+              </p:style>
+              <p:txBody>
+                <a:bodyPr rtlCol="0" anchor="ctr"/>
+                <a:lstStyle/>
+                <a:p>
+                  <a:pPr algn="ctr"/>
+                  <a:endParaRPr lang="en-GB"/>
+                </a:p>
+              </p:txBody>
+            </p:sp>
+            <p:sp>
+              <p:nvSpPr>
+                <p:cNvPr id="90" name="Oval 89"/>
+                <p:cNvSpPr/>
+                <p:nvPr/>
+              </p:nvSpPr>
+              <p:spPr>
+                <a:xfrm>
+                  <a:off x="1113576" y="4858695"/>
+                  <a:ext cx="90535" cy="82990"/>
+                </a:xfrm>
+                <a:prstGeom prst="ellipse">
+                  <a:avLst/>
+                </a:prstGeom>
+              </p:spPr>
+              <p:style>
+                <a:lnRef idx="2">
+                  <a:schemeClr val="accent4">
+                    <a:shade val="50000"/>
+                  </a:schemeClr>
+                </a:lnRef>
+                <a:fillRef idx="1">
+                  <a:schemeClr val="accent4"/>
+                </a:fillRef>
+                <a:effectRef idx="0">
+                  <a:schemeClr val="accent4"/>
+                </a:effectRef>
+                <a:fontRef idx="minor">
+                  <a:schemeClr val="lt1"/>
+                </a:fontRef>
+              </p:style>
+              <p:txBody>
+                <a:bodyPr rtlCol="0" anchor="ctr"/>
+                <a:lstStyle/>
+                <a:p>
+                  <a:pPr algn="ctr"/>
+                  <a:endParaRPr lang="en-GB"/>
+                </a:p>
+              </p:txBody>
+            </p:sp>
+            <p:grpSp>
+              <p:nvGrpSpPr>
+                <p:cNvPr id="91" name="Group 90"/>
+                <p:cNvGrpSpPr/>
+                <p:nvPr/>
+              </p:nvGrpSpPr>
+              <p:grpSpPr>
+                <a:xfrm>
+                  <a:off x="1113575" y="4965830"/>
+                  <a:ext cx="90535" cy="190125"/>
+                  <a:chOff x="1093963" y="5112187"/>
+                  <a:chExt cx="90535" cy="190125"/>
+                </a:xfrm>
+              </p:grpSpPr>
+              <p:sp>
+                <p:nvSpPr>
+                  <p:cNvPr id="92" name="Oval 91"/>
+                  <p:cNvSpPr/>
+                  <p:nvPr/>
+                </p:nvSpPr>
+                <p:spPr>
+                  <a:xfrm>
+                    <a:off x="1093963" y="5112187"/>
+                    <a:ext cx="90535" cy="82990"/>
+                  </a:xfrm>
+                  <a:prstGeom prst="ellipse">
+                    <a:avLst/>
+                  </a:prstGeom>
+                </p:spPr>
+                <p:style>
+                  <a:lnRef idx="2">
+                    <a:schemeClr val="accent4">
+                      <a:shade val="50000"/>
+                    </a:schemeClr>
+                  </a:lnRef>
+                  <a:fillRef idx="1">
+                    <a:schemeClr val="accent4"/>
+                  </a:fillRef>
+                  <a:effectRef idx="0">
+                    <a:schemeClr val="accent4"/>
+                  </a:effectRef>
+                  <a:fontRef idx="minor">
+                    <a:schemeClr val="lt1"/>
+                  </a:fontRef>
+                </p:style>
+                <p:txBody>
+                  <a:bodyPr rtlCol="0" anchor="ctr"/>
+                  <a:lstStyle/>
+                  <a:p>
+                    <a:pPr algn="ctr"/>
+                    <a:endParaRPr lang="en-GB"/>
+                  </a:p>
+                </p:txBody>
+              </p:sp>
+              <p:sp>
+                <p:nvSpPr>
+                  <p:cNvPr id="93" name="Oval 92"/>
+                  <p:cNvSpPr/>
+                  <p:nvPr/>
+                </p:nvSpPr>
+                <p:spPr>
+                  <a:xfrm>
+                    <a:off x="1093963" y="5219322"/>
+                    <a:ext cx="90535" cy="82990"/>
+                  </a:xfrm>
+                  <a:prstGeom prst="ellipse">
+                    <a:avLst/>
+                  </a:prstGeom>
+                </p:spPr>
+                <p:style>
+                  <a:lnRef idx="2">
+                    <a:schemeClr val="accent4">
+                      <a:shade val="50000"/>
+                    </a:schemeClr>
+                  </a:lnRef>
+                  <a:fillRef idx="1">
+                    <a:schemeClr val="accent4"/>
+                  </a:fillRef>
+                  <a:effectRef idx="0">
+                    <a:schemeClr val="accent4"/>
+                  </a:effectRef>
+                  <a:fontRef idx="minor">
+                    <a:schemeClr val="lt1"/>
+                  </a:fontRef>
+                </p:style>
+                <p:txBody>
+                  <a:bodyPr rtlCol="0" anchor="ctr"/>
+                  <a:lstStyle/>
+                  <a:p>
+                    <a:pPr algn="ctr"/>
+                    <a:endParaRPr lang="en-GB"/>
+                  </a:p>
+                </p:txBody>
+              </p:sp>
+            </p:grpSp>
+          </p:grpSp>
+        </p:grpSp>
+      </p:grpSp>
+    </p:spTree>
+    <p:extLst>
+      <p:ext uri="{BB962C8B-B14F-4D97-AF65-F5344CB8AC3E}">
+        <p14:creationId xmlns:p14="http://schemas.microsoft.com/office/powerpoint/2010/main" val="1519314872"/>
+      </p:ext>
+    </p:extLst>
+  </p:cSld>
+  <p:clrMapOvr>
+    <a:masterClrMapping/>
+  </p:clrMapOvr>
+</p:sld>
+</file>
+
 <file path=ppt/slides/slide2.xml><?xml version="1.0" encoding="utf-8"?>
 <p:sld xmlns:a="http://schemas.openxmlformats.org/drawingml/2006/main" xmlns:r="http://schemas.openxmlformats.org/officeDocument/2006/relationships" xmlns:p="http://schemas.openxmlformats.org/presentationml/2006/main">
   <p:cSld>
